--- a/Presentation/development.pptx
+++ b/Presentation/development.pptx
@@ -11,6 +11,10 @@
     <p:sldId id="258" r:id="rId5"/>
     <p:sldId id="260" r:id="rId6"/>
     <p:sldId id="259" r:id="rId7"/>
+    <p:sldId id="262" r:id="rId8"/>
+    <p:sldId id="263" r:id="rId9"/>
+    <p:sldId id="264" r:id="rId10"/>
+    <p:sldId id="265" r:id="rId11"/>
   </p:sldIdLst>
   <p:sldSz cx="9144000" cy="6858000" type="screen4x3"/>
   <p:notesSz cx="6858000" cy="9144000"/>
@@ -2359,6 +2363,753 @@
 </file>
 
 <file path=ppt/diagrams/colors4.xml><?xml version="1.0" encoding="utf-8"?>
+<dgm:colorsDef xmlns:dgm="http://schemas.openxmlformats.org/drawingml/2006/diagram" xmlns:a="http://schemas.openxmlformats.org/drawingml/2006/main" uniqueId="urn:microsoft.com/office/officeart/2005/8/colors/accent1_2">
+  <dgm:title val=""/>
+  <dgm:desc val=""/>
+  <dgm:catLst>
+    <dgm:cat type="accent1" pri="11200"/>
+  </dgm:catLst>
+  <dgm:styleLbl name="node0">
+    <dgm:fillClrLst meth="repeat">
+      <a:schemeClr val="accent1"/>
+    </dgm:fillClrLst>
+    <dgm:linClrLst meth="repeat">
+      <a:schemeClr val="lt1"/>
+    </dgm:linClrLst>
+    <dgm:effectClrLst/>
+    <dgm:txLinClrLst/>
+    <dgm:txFillClrLst/>
+    <dgm:txEffectClrLst/>
+  </dgm:styleLbl>
+  <dgm:styleLbl name="alignNode1">
+    <dgm:fillClrLst meth="repeat">
+      <a:schemeClr val="accent1"/>
+    </dgm:fillClrLst>
+    <dgm:linClrLst meth="repeat">
+      <a:schemeClr val="accent1"/>
+    </dgm:linClrLst>
+    <dgm:effectClrLst/>
+    <dgm:txLinClrLst/>
+    <dgm:txFillClrLst/>
+    <dgm:txEffectClrLst/>
+  </dgm:styleLbl>
+  <dgm:styleLbl name="node1">
+    <dgm:fillClrLst meth="repeat">
+      <a:schemeClr val="accent1"/>
+    </dgm:fillClrLst>
+    <dgm:linClrLst meth="repeat">
+      <a:schemeClr val="lt1"/>
+    </dgm:linClrLst>
+    <dgm:effectClrLst/>
+    <dgm:txLinClrLst/>
+    <dgm:txFillClrLst/>
+    <dgm:txEffectClrLst/>
+  </dgm:styleLbl>
+  <dgm:styleLbl name="lnNode1">
+    <dgm:fillClrLst meth="repeat">
+      <a:schemeClr val="accent1"/>
+    </dgm:fillClrLst>
+    <dgm:linClrLst meth="repeat">
+      <a:schemeClr val="lt1"/>
+    </dgm:linClrLst>
+    <dgm:effectClrLst/>
+    <dgm:txLinClrLst/>
+    <dgm:txFillClrLst/>
+    <dgm:txEffectClrLst/>
+  </dgm:styleLbl>
+  <dgm:styleLbl name="vennNode1">
+    <dgm:fillClrLst meth="repeat">
+      <a:schemeClr val="accent1">
+        <a:alpha val="50000"/>
+      </a:schemeClr>
+    </dgm:fillClrLst>
+    <dgm:linClrLst meth="repeat">
+      <a:schemeClr val="lt1"/>
+    </dgm:linClrLst>
+    <dgm:effectClrLst/>
+    <dgm:txLinClrLst/>
+    <dgm:txFillClrLst/>
+    <dgm:txEffectClrLst/>
+  </dgm:styleLbl>
+  <dgm:styleLbl name="node2">
+    <dgm:fillClrLst meth="repeat">
+      <a:schemeClr val="accent1"/>
+    </dgm:fillClrLst>
+    <dgm:linClrLst meth="repeat">
+      <a:schemeClr val="lt1"/>
+    </dgm:linClrLst>
+    <dgm:effectClrLst/>
+    <dgm:txLinClrLst/>
+    <dgm:txFillClrLst/>
+    <dgm:txEffectClrLst/>
+  </dgm:styleLbl>
+  <dgm:styleLbl name="node3">
+    <dgm:fillClrLst meth="repeat">
+      <a:schemeClr val="accent1"/>
+    </dgm:fillClrLst>
+    <dgm:linClrLst meth="repeat">
+      <a:schemeClr val="lt1"/>
+    </dgm:linClrLst>
+    <dgm:effectClrLst/>
+    <dgm:txLinClrLst/>
+    <dgm:txFillClrLst/>
+    <dgm:txEffectClrLst/>
+  </dgm:styleLbl>
+  <dgm:styleLbl name="node4">
+    <dgm:fillClrLst meth="repeat">
+      <a:schemeClr val="accent1"/>
+    </dgm:fillClrLst>
+    <dgm:linClrLst meth="repeat">
+      <a:schemeClr val="lt1"/>
+    </dgm:linClrLst>
+    <dgm:effectClrLst/>
+    <dgm:txLinClrLst/>
+    <dgm:txFillClrLst/>
+    <dgm:txEffectClrLst/>
+  </dgm:styleLbl>
+  <dgm:styleLbl name="fgImgPlace1">
+    <dgm:fillClrLst meth="repeat">
+      <a:schemeClr val="accent1">
+        <a:tint val="50000"/>
+      </a:schemeClr>
+    </dgm:fillClrLst>
+    <dgm:linClrLst meth="repeat">
+      <a:schemeClr val="lt1"/>
+    </dgm:linClrLst>
+    <dgm:effectClrLst/>
+    <dgm:txLinClrLst/>
+    <dgm:txFillClrLst meth="repeat">
+      <a:schemeClr val="lt1"/>
+    </dgm:txFillClrLst>
+    <dgm:txEffectClrLst/>
+  </dgm:styleLbl>
+  <dgm:styleLbl name="alignImgPlace1">
+    <dgm:fillClrLst meth="repeat">
+      <a:schemeClr val="accent1">
+        <a:tint val="50000"/>
+      </a:schemeClr>
+    </dgm:fillClrLst>
+    <dgm:linClrLst meth="repeat">
+      <a:schemeClr val="lt1"/>
+    </dgm:linClrLst>
+    <dgm:effectClrLst/>
+    <dgm:txLinClrLst/>
+    <dgm:txFillClrLst meth="repeat">
+      <a:schemeClr val="lt1"/>
+    </dgm:txFillClrLst>
+    <dgm:txEffectClrLst/>
+  </dgm:styleLbl>
+  <dgm:styleLbl name="bgImgPlace1">
+    <dgm:fillClrLst meth="repeat">
+      <a:schemeClr val="accent1">
+        <a:tint val="50000"/>
+      </a:schemeClr>
+    </dgm:fillClrLst>
+    <dgm:linClrLst meth="repeat">
+      <a:schemeClr val="lt1"/>
+    </dgm:linClrLst>
+    <dgm:effectClrLst/>
+    <dgm:txLinClrLst/>
+    <dgm:txFillClrLst meth="repeat">
+      <a:schemeClr val="lt1"/>
+    </dgm:txFillClrLst>
+    <dgm:txEffectClrLst/>
+  </dgm:styleLbl>
+  <dgm:styleLbl name="sibTrans2D1">
+    <dgm:fillClrLst meth="repeat">
+      <a:schemeClr val="accent1">
+        <a:tint val="60000"/>
+      </a:schemeClr>
+    </dgm:fillClrLst>
+    <dgm:linClrLst meth="repeat">
+      <a:schemeClr val="accent1">
+        <a:tint val="60000"/>
+      </a:schemeClr>
+    </dgm:linClrLst>
+    <dgm:effectClrLst/>
+    <dgm:txLinClrLst/>
+    <dgm:txFillClrLst/>
+    <dgm:txEffectClrLst/>
+  </dgm:styleLbl>
+  <dgm:styleLbl name="fgSibTrans2D1">
+    <dgm:fillClrLst meth="repeat">
+      <a:schemeClr val="accent1">
+        <a:tint val="60000"/>
+      </a:schemeClr>
+    </dgm:fillClrLst>
+    <dgm:linClrLst meth="repeat">
+      <a:schemeClr val="accent1">
+        <a:tint val="60000"/>
+      </a:schemeClr>
+    </dgm:linClrLst>
+    <dgm:effectClrLst/>
+    <dgm:txLinClrLst/>
+    <dgm:txFillClrLst/>
+    <dgm:txEffectClrLst/>
+  </dgm:styleLbl>
+  <dgm:styleLbl name="bgSibTrans2D1">
+    <dgm:fillClrLst meth="repeat">
+      <a:schemeClr val="accent1">
+        <a:tint val="60000"/>
+      </a:schemeClr>
+    </dgm:fillClrLst>
+    <dgm:linClrLst meth="repeat">
+      <a:schemeClr val="accent1">
+        <a:tint val="60000"/>
+      </a:schemeClr>
+    </dgm:linClrLst>
+    <dgm:effectClrLst/>
+    <dgm:txLinClrLst/>
+    <dgm:txFillClrLst/>
+    <dgm:txEffectClrLst/>
+  </dgm:styleLbl>
+  <dgm:styleLbl name="sibTrans1D1">
+    <dgm:fillClrLst meth="repeat">
+      <a:schemeClr val="accent1"/>
+    </dgm:fillClrLst>
+    <dgm:linClrLst meth="repeat">
+      <a:schemeClr val="accent1"/>
+    </dgm:linClrLst>
+    <dgm:effectClrLst/>
+    <dgm:txLinClrLst/>
+    <dgm:txFillClrLst meth="repeat">
+      <a:schemeClr val="tx1"/>
+    </dgm:txFillClrLst>
+    <dgm:txEffectClrLst/>
+  </dgm:styleLbl>
+  <dgm:styleLbl name="callout">
+    <dgm:fillClrLst meth="repeat">
+      <a:schemeClr val="accent1"/>
+    </dgm:fillClrLst>
+    <dgm:linClrLst meth="repeat">
+      <a:schemeClr val="accent1">
+        <a:tint val="50000"/>
+      </a:schemeClr>
+    </dgm:linClrLst>
+    <dgm:effectClrLst/>
+    <dgm:txLinClrLst/>
+    <dgm:txFillClrLst meth="repeat">
+      <a:schemeClr val="tx1"/>
+    </dgm:txFillClrLst>
+    <dgm:txEffectClrLst/>
+  </dgm:styleLbl>
+  <dgm:styleLbl name="asst0">
+    <dgm:fillClrLst meth="repeat">
+      <a:schemeClr val="accent1"/>
+    </dgm:fillClrLst>
+    <dgm:linClrLst meth="repeat">
+      <a:schemeClr val="lt1"/>
+    </dgm:linClrLst>
+    <dgm:effectClrLst/>
+    <dgm:txLinClrLst/>
+    <dgm:txFillClrLst/>
+    <dgm:txEffectClrLst/>
+  </dgm:styleLbl>
+  <dgm:styleLbl name="asst1">
+    <dgm:fillClrLst meth="repeat">
+      <a:schemeClr val="accent1"/>
+    </dgm:fillClrLst>
+    <dgm:linClrLst meth="repeat">
+      <a:schemeClr val="lt1"/>
+    </dgm:linClrLst>
+    <dgm:effectClrLst/>
+    <dgm:txLinClrLst/>
+    <dgm:txFillClrLst/>
+    <dgm:txEffectClrLst/>
+  </dgm:styleLbl>
+  <dgm:styleLbl name="asst2">
+    <dgm:fillClrLst meth="repeat">
+      <a:schemeClr val="accent1"/>
+    </dgm:fillClrLst>
+    <dgm:linClrLst meth="repeat">
+      <a:schemeClr val="lt1"/>
+    </dgm:linClrLst>
+    <dgm:effectClrLst/>
+    <dgm:txLinClrLst/>
+    <dgm:txFillClrLst/>
+    <dgm:txEffectClrLst/>
+  </dgm:styleLbl>
+  <dgm:styleLbl name="asst3">
+    <dgm:fillClrLst meth="repeat">
+      <a:schemeClr val="accent1"/>
+    </dgm:fillClrLst>
+    <dgm:linClrLst meth="repeat">
+      <a:schemeClr val="lt1"/>
+    </dgm:linClrLst>
+    <dgm:effectClrLst/>
+    <dgm:txLinClrLst/>
+    <dgm:txFillClrLst/>
+    <dgm:txEffectClrLst/>
+  </dgm:styleLbl>
+  <dgm:styleLbl name="asst4">
+    <dgm:fillClrLst meth="repeat">
+      <a:schemeClr val="accent1"/>
+    </dgm:fillClrLst>
+    <dgm:linClrLst meth="repeat">
+      <a:schemeClr val="lt1"/>
+    </dgm:linClrLst>
+    <dgm:effectClrLst/>
+    <dgm:txLinClrLst/>
+    <dgm:txFillClrLst/>
+    <dgm:txEffectClrLst/>
+  </dgm:styleLbl>
+  <dgm:styleLbl name="parChTrans2D1">
+    <dgm:fillClrLst meth="repeat">
+      <a:schemeClr val="accent1">
+        <a:tint val="60000"/>
+      </a:schemeClr>
+    </dgm:fillClrLst>
+    <dgm:linClrLst meth="repeat">
+      <a:schemeClr val="accent1">
+        <a:tint val="60000"/>
+      </a:schemeClr>
+    </dgm:linClrLst>
+    <dgm:effectClrLst/>
+    <dgm:txLinClrLst/>
+    <dgm:txFillClrLst meth="repeat">
+      <a:schemeClr val="lt1"/>
+    </dgm:txFillClrLst>
+    <dgm:txEffectClrLst/>
+  </dgm:styleLbl>
+  <dgm:styleLbl name="parChTrans2D2">
+    <dgm:fillClrLst meth="repeat">
+      <a:schemeClr val="accent1"/>
+    </dgm:fillClrLst>
+    <dgm:linClrLst meth="repeat">
+      <a:schemeClr val="accent1"/>
+    </dgm:linClrLst>
+    <dgm:effectClrLst/>
+    <dgm:txLinClrLst/>
+    <dgm:txFillClrLst meth="repeat">
+      <a:schemeClr val="lt1"/>
+    </dgm:txFillClrLst>
+    <dgm:txEffectClrLst/>
+  </dgm:styleLbl>
+  <dgm:styleLbl name="parChTrans2D3">
+    <dgm:fillClrLst meth="repeat">
+      <a:schemeClr val="accent1"/>
+    </dgm:fillClrLst>
+    <dgm:linClrLst meth="repeat">
+      <a:schemeClr val="accent1"/>
+    </dgm:linClrLst>
+    <dgm:effectClrLst/>
+    <dgm:txLinClrLst/>
+    <dgm:txFillClrLst meth="repeat">
+      <a:schemeClr val="lt1"/>
+    </dgm:txFillClrLst>
+    <dgm:txEffectClrLst/>
+  </dgm:styleLbl>
+  <dgm:styleLbl name="parChTrans2D4">
+    <dgm:fillClrLst meth="repeat">
+      <a:schemeClr val="accent1"/>
+    </dgm:fillClrLst>
+    <dgm:linClrLst meth="repeat">
+      <a:schemeClr val="accent1"/>
+    </dgm:linClrLst>
+    <dgm:effectClrLst/>
+    <dgm:txLinClrLst/>
+    <dgm:txFillClrLst meth="repeat">
+      <a:schemeClr val="lt1"/>
+    </dgm:txFillClrLst>
+    <dgm:txEffectClrLst/>
+  </dgm:styleLbl>
+  <dgm:styleLbl name="parChTrans1D1">
+    <dgm:fillClrLst meth="repeat">
+      <a:schemeClr val="accent1"/>
+    </dgm:fillClrLst>
+    <dgm:linClrLst meth="repeat">
+      <a:schemeClr val="accent1">
+        <a:shade val="60000"/>
+      </a:schemeClr>
+    </dgm:linClrLst>
+    <dgm:effectClrLst/>
+    <dgm:txLinClrLst/>
+    <dgm:txFillClrLst meth="repeat">
+      <a:schemeClr val="tx1"/>
+    </dgm:txFillClrLst>
+    <dgm:txEffectClrLst/>
+  </dgm:styleLbl>
+  <dgm:styleLbl name="parChTrans1D2">
+    <dgm:fillClrLst meth="repeat">
+      <a:schemeClr val="accent1"/>
+    </dgm:fillClrLst>
+    <dgm:linClrLst meth="repeat">
+      <a:schemeClr val="accent1">
+        <a:shade val="60000"/>
+      </a:schemeClr>
+    </dgm:linClrLst>
+    <dgm:effectClrLst/>
+    <dgm:txLinClrLst/>
+    <dgm:txFillClrLst meth="repeat">
+      <a:schemeClr val="tx1"/>
+    </dgm:txFillClrLst>
+    <dgm:txEffectClrLst/>
+  </dgm:styleLbl>
+  <dgm:styleLbl name="parChTrans1D3">
+    <dgm:fillClrLst meth="repeat">
+      <a:schemeClr val="accent1"/>
+    </dgm:fillClrLst>
+    <dgm:linClrLst meth="repeat">
+      <a:schemeClr val="accent1">
+        <a:shade val="80000"/>
+      </a:schemeClr>
+    </dgm:linClrLst>
+    <dgm:effectClrLst/>
+    <dgm:txLinClrLst/>
+    <dgm:txFillClrLst meth="repeat">
+      <a:schemeClr val="tx1"/>
+    </dgm:txFillClrLst>
+    <dgm:txEffectClrLst/>
+  </dgm:styleLbl>
+  <dgm:styleLbl name="parChTrans1D4">
+    <dgm:fillClrLst meth="repeat">
+      <a:schemeClr val="accent1"/>
+    </dgm:fillClrLst>
+    <dgm:linClrLst meth="repeat">
+      <a:schemeClr val="accent1">
+        <a:shade val="80000"/>
+      </a:schemeClr>
+    </dgm:linClrLst>
+    <dgm:effectClrLst/>
+    <dgm:txLinClrLst/>
+    <dgm:txFillClrLst meth="repeat">
+      <a:schemeClr val="tx1"/>
+    </dgm:txFillClrLst>
+    <dgm:txEffectClrLst/>
+  </dgm:styleLbl>
+  <dgm:styleLbl name="fgAcc1">
+    <dgm:fillClrLst meth="repeat">
+      <a:schemeClr val="lt1">
+        <a:alpha val="90000"/>
+      </a:schemeClr>
+    </dgm:fillClrLst>
+    <dgm:linClrLst meth="repeat">
+      <a:schemeClr val="accent1"/>
+    </dgm:linClrLst>
+    <dgm:effectClrLst/>
+    <dgm:txLinClrLst/>
+    <dgm:txFillClrLst meth="repeat">
+      <a:schemeClr val="dk1"/>
+    </dgm:txFillClrLst>
+    <dgm:txEffectClrLst/>
+  </dgm:styleLbl>
+  <dgm:styleLbl name="conFgAcc1">
+    <dgm:fillClrLst meth="repeat">
+      <a:schemeClr val="lt1">
+        <a:alpha val="90000"/>
+      </a:schemeClr>
+    </dgm:fillClrLst>
+    <dgm:linClrLst meth="repeat">
+      <a:schemeClr val="accent1"/>
+    </dgm:linClrLst>
+    <dgm:effectClrLst/>
+    <dgm:txLinClrLst/>
+    <dgm:txFillClrLst meth="repeat">
+      <a:schemeClr val="dk1"/>
+    </dgm:txFillClrLst>
+    <dgm:txEffectClrLst/>
+  </dgm:styleLbl>
+  <dgm:styleLbl name="alignAcc1">
+    <dgm:fillClrLst meth="repeat">
+      <a:schemeClr val="lt1">
+        <a:alpha val="90000"/>
+      </a:schemeClr>
+    </dgm:fillClrLst>
+    <dgm:linClrLst meth="repeat">
+      <a:schemeClr val="accent1"/>
+    </dgm:linClrLst>
+    <dgm:effectClrLst/>
+    <dgm:txLinClrLst/>
+    <dgm:txFillClrLst meth="repeat">
+      <a:schemeClr val="dk1"/>
+    </dgm:txFillClrLst>
+    <dgm:txEffectClrLst/>
+  </dgm:styleLbl>
+  <dgm:styleLbl name="trAlignAcc1">
+    <dgm:fillClrLst meth="repeat">
+      <a:schemeClr val="lt1">
+        <a:alpha val="40000"/>
+      </a:schemeClr>
+    </dgm:fillClrLst>
+    <dgm:linClrLst meth="repeat">
+      <a:schemeClr val="accent1"/>
+    </dgm:linClrLst>
+    <dgm:effectClrLst/>
+    <dgm:txLinClrLst/>
+    <dgm:txFillClrLst meth="repeat">
+      <a:schemeClr val="dk1"/>
+    </dgm:txFillClrLst>
+    <dgm:txEffectClrLst/>
+  </dgm:styleLbl>
+  <dgm:styleLbl name="bgAcc1">
+    <dgm:fillClrLst meth="repeat">
+      <a:schemeClr val="lt1">
+        <a:alpha val="90000"/>
+      </a:schemeClr>
+    </dgm:fillClrLst>
+    <dgm:linClrLst meth="repeat">
+      <a:schemeClr val="accent1"/>
+    </dgm:linClrLst>
+    <dgm:effectClrLst/>
+    <dgm:txLinClrLst/>
+    <dgm:txFillClrLst meth="repeat">
+      <a:schemeClr val="dk1"/>
+    </dgm:txFillClrLst>
+    <dgm:txEffectClrLst/>
+  </dgm:styleLbl>
+  <dgm:styleLbl name="solidFgAcc1">
+    <dgm:fillClrLst meth="repeat">
+      <a:schemeClr val="lt1"/>
+    </dgm:fillClrLst>
+    <dgm:linClrLst meth="repeat">
+      <a:schemeClr val="accent1"/>
+    </dgm:linClrLst>
+    <dgm:effectClrLst/>
+    <dgm:txLinClrLst/>
+    <dgm:txFillClrLst meth="repeat">
+      <a:schemeClr val="dk1"/>
+    </dgm:txFillClrLst>
+    <dgm:txEffectClrLst/>
+  </dgm:styleLbl>
+  <dgm:styleLbl name="solidAlignAcc1">
+    <dgm:fillClrLst meth="repeat">
+      <a:schemeClr val="lt1"/>
+    </dgm:fillClrLst>
+    <dgm:linClrLst meth="repeat">
+      <a:schemeClr val="accent1"/>
+    </dgm:linClrLst>
+    <dgm:effectClrLst/>
+    <dgm:txLinClrLst/>
+    <dgm:txFillClrLst meth="repeat">
+      <a:schemeClr val="dk1"/>
+    </dgm:txFillClrLst>
+    <dgm:txEffectClrLst/>
+  </dgm:styleLbl>
+  <dgm:styleLbl name="solidBgAcc1">
+    <dgm:fillClrLst meth="repeat">
+      <a:schemeClr val="lt1"/>
+    </dgm:fillClrLst>
+    <dgm:linClrLst meth="repeat">
+      <a:schemeClr val="accent1"/>
+    </dgm:linClrLst>
+    <dgm:effectClrLst/>
+    <dgm:txLinClrLst/>
+    <dgm:txFillClrLst meth="repeat">
+      <a:schemeClr val="dk1"/>
+    </dgm:txFillClrLst>
+    <dgm:txEffectClrLst/>
+  </dgm:styleLbl>
+  <dgm:styleLbl name="fgAccFollowNode1">
+    <dgm:fillClrLst meth="repeat">
+      <a:schemeClr val="accent1">
+        <a:alpha val="90000"/>
+        <a:tint val="40000"/>
+      </a:schemeClr>
+    </dgm:fillClrLst>
+    <dgm:linClrLst meth="repeat">
+      <a:schemeClr val="accent1">
+        <a:alpha val="90000"/>
+        <a:tint val="40000"/>
+      </a:schemeClr>
+    </dgm:linClrLst>
+    <dgm:effectClrLst/>
+    <dgm:txLinClrLst/>
+    <dgm:txFillClrLst meth="repeat">
+      <a:schemeClr val="dk1"/>
+    </dgm:txFillClrLst>
+    <dgm:txEffectClrLst/>
+  </dgm:styleLbl>
+  <dgm:styleLbl name="alignAccFollowNode1">
+    <dgm:fillClrLst meth="repeat">
+      <a:schemeClr val="accent1">
+        <a:alpha val="90000"/>
+        <a:tint val="40000"/>
+      </a:schemeClr>
+    </dgm:fillClrLst>
+    <dgm:linClrLst meth="repeat">
+      <a:schemeClr val="accent1">
+        <a:alpha val="90000"/>
+        <a:tint val="40000"/>
+      </a:schemeClr>
+    </dgm:linClrLst>
+    <dgm:effectClrLst/>
+    <dgm:txLinClrLst/>
+    <dgm:txFillClrLst meth="repeat">
+      <a:schemeClr val="dk1"/>
+    </dgm:txFillClrLst>
+    <dgm:txEffectClrLst/>
+  </dgm:styleLbl>
+  <dgm:styleLbl name="bgAccFollowNode1">
+    <dgm:fillClrLst meth="repeat">
+      <a:schemeClr val="accent1">
+        <a:alpha val="90000"/>
+        <a:tint val="40000"/>
+      </a:schemeClr>
+    </dgm:fillClrLst>
+    <dgm:linClrLst meth="repeat">
+      <a:schemeClr val="accent1">
+        <a:alpha val="90000"/>
+        <a:tint val="40000"/>
+      </a:schemeClr>
+    </dgm:linClrLst>
+    <dgm:effectClrLst/>
+    <dgm:txLinClrLst/>
+    <dgm:txFillClrLst meth="repeat">
+      <a:schemeClr val="dk1"/>
+    </dgm:txFillClrLst>
+    <dgm:txEffectClrLst/>
+  </dgm:styleLbl>
+  <dgm:styleLbl name="fgAcc0">
+    <dgm:fillClrLst meth="repeat">
+      <a:schemeClr val="lt1">
+        <a:alpha val="90000"/>
+      </a:schemeClr>
+    </dgm:fillClrLst>
+    <dgm:linClrLst meth="repeat">
+      <a:schemeClr val="accent1"/>
+    </dgm:linClrLst>
+    <dgm:effectClrLst/>
+    <dgm:txLinClrLst/>
+    <dgm:txFillClrLst meth="repeat">
+      <a:schemeClr val="dk1"/>
+    </dgm:txFillClrLst>
+    <dgm:txEffectClrLst/>
+  </dgm:styleLbl>
+  <dgm:styleLbl name="fgAcc2">
+    <dgm:fillClrLst meth="repeat">
+      <a:schemeClr val="lt1">
+        <a:alpha val="90000"/>
+      </a:schemeClr>
+    </dgm:fillClrLst>
+    <dgm:linClrLst meth="repeat">
+      <a:schemeClr val="accent1"/>
+    </dgm:linClrLst>
+    <dgm:effectClrLst/>
+    <dgm:txLinClrLst/>
+    <dgm:txFillClrLst meth="repeat">
+      <a:schemeClr val="dk1"/>
+    </dgm:txFillClrLst>
+    <dgm:txEffectClrLst/>
+  </dgm:styleLbl>
+  <dgm:styleLbl name="fgAcc3">
+    <dgm:fillClrLst meth="repeat">
+      <a:schemeClr val="lt1">
+        <a:alpha val="90000"/>
+      </a:schemeClr>
+    </dgm:fillClrLst>
+    <dgm:linClrLst meth="repeat">
+      <a:schemeClr val="accent1"/>
+    </dgm:linClrLst>
+    <dgm:effectClrLst/>
+    <dgm:txLinClrLst/>
+    <dgm:txFillClrLst meth="repeat">
+      <a:schemeClr val="dk1"/>
+    </dgm:txFillClrLst>
+    <dgm:txEffectClrLst/>
+  </dgm:styleLbl>
+  <dgm:styleLbl name="fgAcc4">
+    <dgm:fillClrLst meth="repeat">
+      <a:schemeClr val="lt1">
+        <a:alpha val="90000"/>
+      </a:schemeClr>
+    </dgm:fillClrLst>
+    <dgm:linClrLst meth="repeat">
+      <a:schemeClr val="accent1"/>
+    </dgm:linClrLst>
+    <dgm:effectClrLst/>
+    <dgm:txLinClrLst/>
+    <dgm:txFillClrLst meth="repeat">
+      <a:schemeClr val="dk1"/>
+    </dgm:txFillClrLst>
+    <dgm:txEffectClrLst/>
+  </dgm:styleLbl>
+  <dgm:styleLbl name="bgShp">
+    <dgm:fillClrLst meth="repeat">
+      <a:schemeClr val="accent1">
+        <a:tint val="40000"/>
+      </a:schemeClr>
+    </dgm:fillClrLst>
+    <dgm:linClrLst meth="repeat">
+      <a:schemeClr val="accent1"/>
+    </dgm:linClrLst>
+    <dgm:effectClrLst/>
+    <dgm:txLinClrLst/>
+    <dgm:txFillClrLst meth="repeat">
+      <a:schemeClr val="dk1"/>
+    </dgm:txFillClrLst>
+    <dgm:txEffectClrLst/>
+  </dgm:styleLbl>
+  <dgm:styleLbl name="dkBgShp">
+    <dgm:fillClrLst meth="repeat">
+      <a:schemeClr val="accent1">
+        <a:shade val="80000"/>
+      </a:schemeClr>
+    </dgm:fillClrLst>
+    <dgm:linClrLst meth="repeat">
+      <a:schemeClr val="accent1"/>
+    </dgm:linClrLst>
+    <dgm:effectClrLst/>
+    <dgm:txLinClrLst/>
+    <dgm:txFillClrLst meth="repeat">
+      <a:schemeClr val="lt1"/>
+    </dgm:txFillClrLst>
+    <dgm:txEffectClrLst/>
+  </dgm:styleLbl>
+  <dgm:styleLbl name="trBgShp">
+    <dgm:fillClrLst meth="repeat">
+      <a:schemeClr val="accent1">
+        <a:tint val="50000"/>
+        <a:alpha val="40000"/>
+      </a:schemeClr>
+    </dgm:fillClrLst>
+    <dgm:linClrLst meth="repeat">
+      <a:schemeClr val="accent1"/>
+    </dgm:linClrLst>
+    <dgm:effectClrLst/>
+    <dgm:txLinClrLst/>
+    <dgm:txFillClrLst meth="repeat">
+      <a:schemeClr val="lt1"/>
+    </dgm:txFillClrLst>
+    <dgm:txEffectClrLst/>
+  </dgm:styleLbl>
+  <dgm:styleLbl name="fgShp">
+    <dgm:fillClrLst meth="repeat">
+      <a:schemeClr val="accent1">
+        <a:tint val="60000"/>
+      </a:schemeClr>
+    </dgm:fillClrLst>
+    <dgm:linClrLst meth="repeat">
+      <a:schemeClr val="lt1"/>
+    </dgm:linClrLst>
+    <dgm:effectClrLst/>
+    <dgm:txLinClrLst/>
+    <dgm:txFillClrLst meth="repeat">
+      <a:schemeClr val="dk1"/>
+    </dgm:txFillClrLst>
+    <dgm:txEffectClrLst/>
+  </dgm:styleLbl>
+  <dgm:styleLbl name="revTx">
+    <dgm:fillClrLst meth="repeat">
+      <a:schemeClr val="lt1">
+        <a:alpha val="0"/>
+      </a:schemeClr>
+    </dgm:fillClrLst>
+    <dgm:linClrLst meth="repeat">
+      <a:schemeClr val="dk1">
+        <a:alpha val="0"/>
+      </a:schemeClr>
+    </dgm:linClrLst>
+    <dgm:effectClrLst/>
+    <dgm:txLinClrLst/>
+    <dgm:txFillClrLst meth="repeat">
+      <a:schemeClr val="tx1"/>
+    </dgm:txFillClrLst>
+    <dgm:txEffectClrLst/>
+  </dgm:styleLbl>
+</dgm:colorsDef>
+</file>
+
+<file path=ppt/diagrams/colors5.xml><?xml version="1.0" encoding="utf-8"?>
 <dgm:colorsDef xmlns:dgm="http://schemas.openxmlformats.org/drawingml/2006/diagram" xmlns:a="http://schemas.openxmlformats.org/drawingml/2006/main" uniqueId="urn:microsoft.com/office/officeart/2005/8/colors/accent1_2">
   <dgm:title val=""/>
   <dgm:desc val=""/>
@@ -4299,6 +5050,346 @@
   <dgm:extLst>
     <a:ext uri="http://schemas.microsoft.com/office/drawing/2008/diagram">
       <dsp:dataModelExt xmlns:dsp="http://schemas.microsoft.com/office/drawing/2008/diagram" relId="rId11" minVer="http://schemas.openxmlformats.org/drawingml/2006/diagram"/>
+    </a:ext>
+  </dgm:extLst>
+</dgm:dataModel>
+</file>
+
+<file path=ppt/diagrams/data5.xml><?xml version="1.0" encoding="utf-8"?>
+<dgm:dataModel xmlns:dgm="http://schemas.openxmlformats.org/drawingml/2006/diagram" xmlns:a="http://schemas.openxmlformats.org/drawingml/2006/main">
+  <dgm:ptLst>
+    <dgm:pt modelId="{1A83A397-9752-44D8-928B-BD77A2D011B3}" type="doc">
+      <dgm:prSet loTypeId="urn:microsoft.com/office/officeart/2005/8/layout/hierarchy2" loCatId="hierarchy" qsTypeId="urn:microsoft.com/office/officeart/2005/8/quickstyle/simple1" qsCatId="simple" csTypeId="urn:microsoft.com/office/officeart/2005/8/colors/accent1_2" csCatId="accent1" phldr="1"/>
+      <dgm:spPr/>
+      <dgm:t>
+        <a:bodyPr/>
+        <a:lstStyle/>
+        <a:p>
+          <a:endParaRPr lang="en-GB"/>
+        </a:p>
+      </dgm:t>
+    </dgm:pt>
+    <dgm:pt modelId="{0219E034-AF4C-475D-B6E7-82A870FACCCC}">
+      <dgm:prSet phldrT="[Texto]"/>
+      <dgm:spPr>
+        <a:solidFill>
+          <a:srgbClr val="C0DEED"/>
+        </a:solidFill>
+      </dgm:spPr>
+      <dgm:t>
+        <a:bodyPr/>
+        <a:lstStyle/>
+        <a:p>
+          <a:r>
+            <a:rPr lang="en-GB" b="1" dirty="0">
+              <a:solidFill>
+                <a:schemeClr val="tx1"/>
+              </a:solidFill>
+              <a:latin typeface="Candara" panose="020E0502030303020204" pitchFamily="34" charset="0"/>
+            </a:rPr>
+            <a:t>Descriptive Analysis</a:t>
+          </a:r>
+        </a:p>
+      </dgm:t>
+    </dgm:pt>
+    <dgm:pt modelId="{1E7504BC-FD3E-4CB5-8448-7B6E02A437E2}" type="parTrans" cxnId="{D65590B2-C226-462B-906A-D5D094B2E1B7}">
+      <dgm:prSet/>
+      <dgm:spPr/>
+      <dgm:t>
+        <a:bodyPr/>
+        <a:lstStyle/>
+        <a:p>
+          <a:endParaRPr lang="en-GB"/>
+        </a:p>
+      </dgm:t>
+    </dgm:pt>
+    <dgm:pt modelId="{DA6710C6-927A-48A4-9D63-E1F8F37EE5EB}" type="sibTrans" cxnId="{D65590B2-C226-462B-906A-D5D094B2E1B7}">
+      <dgm:prSet/>
+      <dgm:spPr/>
+      <dgm:t>
+        <a:bodyPr/>
+        <a:lstStyle/>
+        <a:p>
+          <a:endParaRPr lang="en-GB"/>
+        </a:p>
+      </dgm:t>
+    </dgm:pt>
+    <dgm:pt modelId="{8B3A4E7D-3269-4C83-89F3-4CA429309498}">
+      <dgm:prSet phldrT="[Texto]"/>
+      <dgm:spPr>
+        <a:solidFill>
+          <a:srgbClr val="C0DEED"/>
+        </a:solidFill>
+      </dgm:spPr>
+      <dgm:t>
+        <a:bodyPr/>
+        <a:lstStyle/>
+        <a:p>
+          <a:r>
+            <a:rPr lang="en-GB" b="1" dirty="0">
+              <a:solidFill>
+                <a:schemeClr val="tx1"/>
+              </a:solidFill>
+              <a:latin typeface="Candara" panose="020E0502030303020204" pitchFamily="34" charset="0"/>
+            </a:rPr>
+            <a:t>Is the data representative?</a:t>
+          </a:r>
+        </a:p>
+      </dgm:t>
+    </dgm:pt>
+    <dgm:pt modelId="{BA182E10-CCF4-4F85-BFA0-151C2CB19CC2}" type="parTrans" cxnId="{409EAF45-2722-4360-B03E-D16295B09604}">
+      <dgm:prSet/>
+      <dgm:spPr/>
+      <dgm:t>
+        <a:bodyPr/>
+        <a:lstStyle/>
+        <a:p>
+          <a:endParaRPr lang="en-GB"/>
+        </a:p>
+      </dgm:t>
+    </dgm:pt>
+    <dgm:pt modelId="{48E3F399-96C3-4078-85BD-01E7114AF0CE}" type="sibTrans" cxnId="{409EAF45-2722-4360-B03E-D16295B09604}">
+      <dgm:prSet/>
+      <dgm:spPr/>
+      <dgm:t>
+        <a:bodyPr/>
+        <a:lstStyle/>
+        <a:p>
+          <a:endParaRPr lang="en-GB"/>
+        </a:p>
+      </dgm:t>
+    </dgm:pt>
+    <dgm:pt modelId="{2B2880F9-55E5-49ED-8E33-9F5627C3B520}">
+      <dgm:prSet phldrT="[Texto]"/>
+      <dgm:spPr>
+        <a:solidFill>
+          <a:srgbClr val="C0DEED"/>
+        </a:solidFill>
+      </dgm:spPr>
+      <dgm:t>
+        <a:bodyPr/>
+        <a:lstStyle/>
+        <a:p>
+          <a:r>
+            <a:rPr lang="en-GB" b="1" dirty="0">
+              <a:solidFill>
+                <a:schemeClr val="tx1"/>
+              </a:solidFill>
+              <a:latin typeface="Candara" panose="020E0502030303020204" pitchFamily="34" charset="0"/>
+            </a:rPr>
+            <a:t>How the data is distributed</a:t>
+          </a:r>
+        </a:p>
+      </dgm:t>
+    </dgm:pt>
+    <dgm:pt modelId="{B8CB6F02-DAC1-4456-A097-6AE1610AE1D9}" type="parTrans" cxnId="{9ADAC277-F909-4CB1-A85E-1433B3529E98}">
+      <dgm:prSet/>
+      <dgm:spPr/>
+      <dgm:t>
+        <a:bodyPr/>
+        <a:lstStyle/>
+        <a:p>
+          <a:endParaRPr lang="en-GB"/>
+        </a:p>
+      </dgm:t>
+    </dgm:pt>
+    <dgm:pt modelId="{E1F3EC87-D003-4A3C-B824-CE54E8BB2655}" type="sibTrans" cxnId="{9ADAC277-F909-4CB1-A85E-1433B3529E98}">
+      <dgm:prSet/>
+      <dgm:spPr/>
+      <dgm:t>
+        <a:bodyPr/>
+        <a:lstStyle/>
+        <a:p>
+          <a:endParaRPr lang="en-GB"/>
+        </a:p>
+      </dgm:t>
+    </dgm:pt>
+    <dgm:pt modelId="{AB9CCEB4-8828-486D-B82D-15BE50DBDCD3}">
+      <dgm:prSet phldrT="[Texto]"/>
+      <dgm:spPr>
+        <a:solidFill>
+          <a:srgbClr val="C0DEED"/>
+        </a:solidFill>
+      </dgm:spPr>
+      <dgm:t>
+        <a:bodyPr/>
+        <a:lstStyle/>
+        <a:p>
+          <a:r>
+            <a:rPr lang="en-GB" b="1" dirty="0">
+              <a:solidFill>
+                <a:schemeClr val="tx1"/>
+              </a:solidFill>
+              <a:latin typeface="Candara" panose="020E0502030303020204" pitchFamily="34" charset="0"/>
+            </a:rPr>
+            <a:t>Check the importance of the variables</a:t>
+          </a:r>
+        </a:p>
+      </dgm:t>
+    </dgm:pt>
+    <dgm:pt modelId="{9F315F11-CE4E-4647-AC74-DFF45127B67D}" type="parTrans" cxnId="{C5243614-7BBA-4801-8C67-E7956AC52C6A}">
+      <dgm:prSet/>
+      <dgm:spPr/>
+      <dgm:t>
+        <a:bodyPr/>
+        <a:lstStyle/>
+        <a:p>
+          <a:endParaRPr lang="en-GB"/>
+        </a:p>
+      </dgm:t>
+    </dgm:pt>
+    <dgm:pt modelId="{085A98A6-6A8A-4C8D-A7C1-8F4E92BADE45}" type="sibTrans" cxnId="{C5243614-7BBA-4801-8C67-E7956AC52C6A}">
+      <dgm:prSet/>
+      <dgm:spPr/>
+      <dgm:t>
+        <a:bodyPr/>
+        <a:lstStyle/>
+        <a:p>
+          <a:endParaRPr lang="en-GB"/>
+        </a:p>
+      </dgm:t>
+    </dgm:pt>
+    <dgm:pt modelId="{03FF4F4B-322C-442A-B7FE-5765012B0349}" type="pres">
+      <dgm:prSet presAssocID="{1A83A397-9752-44D8-928B-BD77A2D011B3}" presName="diagram" presStyleCnt="0">
+        <dgm:presLayoutVars>
+          <dgm:chPref val="1"/>
+          <dgm:dir/>
+          <dgm:animOne val="branch"/>
+          <dgm:animLvl val="lvl"/>
+          <dgm:resizeHandles val="exact"/>
+        </dgm:presLayoutVars>
+      </dgm:prSet>
+      <dgm:spPr/>
+    </dgm:pt>
+    <dgm:pt modelId="{408C97A3-02A7-4CF6-9095-4827F1B6C828}" type="pres">
+      <dgm:prSet presAssocID="{0219E034-AF4C-475D-B6E7-82A870FACCCC}" presName="root1" presStyleCnt="0"/>
+      <dgm:spPr/>
+    </dgm:pt>
+    <dgm:pt modelId="{9FCD4B2A-DA32-43E2-B487-D226E6438787}" type="pres">
+      <dgm:prSet presAssocID="{0219E034-AF4C-475D-B6E7-82A870FACCCC}" presName="LevelOneTextNode" presStyleLbl="node0" presStyleIdx="0" presStyleCnt="1" custScaleX="163354">
+        <dgm:presLayoutVars>
+          <dgm:chPref val="3"/>
+        </dgm:presLayoutVars>
+      </dgm:prSet>
+      <dgm:spPr/>
+    </dgm:pt>
+    <dgm:pt modelId="{48BEF979-0731-4DFA-BF6C-47AEE6A87E82}" type="pres">
+      <dgm:prSet presAssocID="{0219E034-AF4C-475D-B6E7-82A870FACCCC}" presName="level2hierChild" presStyleCnt="0"/>
+      <dgm:spPr/>
+    </dgm:pt>
+    <dgm:pt modelId="{26D72EED-E068-43D9-8934-11630CD0FA6C}" type="pres">
+      <dgm:prSet presAssocID="{BA182E10-CCF4-4F85-BFA0-151C2CB19CC2}" presName="conn2-1" presStyleLbl="parChTrans1D2" presStyleIdx="0" presStyleCnt="3"/>
+      <dgm:spPr/>
+    </dgm:pt>
+    <dgm:pt modelId="{AE5BB926-FC4E-48BC-8740-E56A7FDB2856}" type="pres">
+      <dgm:prSet presAssocID="{BA182E10-CCF4-4F85-BFA0-151C2CB19CC2}" presName="connTx" presStyleLbl="parChTrans1D2" presStyleIdx="0" presStyleCnt="3"/>
+      <dgm:spPr/>
+    </dgm:pt>
+    <dgm:pt modelId="{7AC89E6E-6FF7-4AEA-9AB9-0B078709B8F9}" type="pres">
+      <dgm:prSet presAssocID="{8B3A4E7D-3269-4C83-89F3-4CA429309498}" presName="root2" presStyleCnt="0"/>
+      <dgm:spPr/>
+    </dgm:pt>
+    <dgm:pt modelId="{1E56210F-6CE6-4DD2-ACB8-CC8B6B2F9515}" type="pres">
+      <dgm:prSet presAssocID="{8B3A4E7D-3269-4C83-89F3-4CA429309498}" presName="LevelTwoTextNode" presStyleLbl="node2" presStyleIdx="0" presStyleCnt="3" custLinFactY="-2902" custLinFactNeighborX="-2076" custLinFactNeighborY="-100000">
+        <dgm:presLayoutVars>
+          <dgm:chPref val="3"/>
+        </dgm:presLayoutVars>
+      </dgm:prSet>
+      <dgm:spPr/>
+    </dgm:pt>
+    <dgm:pt modelId="{3625EF59-103B-461D-83E9-4C402E71A819}" type="pres">
+      <dgm:prSet presAssocID="{8B3A4E7D-3269-4C83-89F3-4CA429309498}" presName="level3hierChild" presStyleCnt="0"/>
+      <dgm:spPr/>
+    </dgm:pt>
+    <dgm:pt modelId="{136F9DBB-E600-48D5-BDAB-5077D57D50AA}" type="pres">
+      <dgm:prSet presAssocID="{B8CB6F02-DAC1-4456-A097-6AE1610AE1D9}" presName="conn2-1" presStyleLbl="parChTrans1D2" presStyleIdx="1" presStyleCnt="3"/>
+      <dgm:spPr/>
+    </dgm:pt>
+    <dgm:pt modelId="{99348ADB-093D-45FE-BECC-4CC0D6755CF6}" type="pres">
+      <dgm:prSet presAssocID="{B8CB6F02-DAC1-4456-A097-6AE1610AE1D9}" presName="connTx" presStyleLbl="parChTrans1D2" presStyleIdx="1" presStyleCnt="3"/>
+      <dgm:spPr/>
+    </dgm:pt>
+    <dgm:pt modelId="{C2C1E940-C53E-40CE-9118-36A15B456A6C}" type="pres">
+      <dgm:prSet presAssocID="{2B2880F9-55E5-49ED-8E33-9F5627C3B520}" presName="root2" presStyleCnt="0"/>
+      <dgm:spPr/>
+    </dgm:pt>
+    <dgm:pt modelId="{806EF166-724E-4559-AC86-DD6E259A7871}" type="pres">
+      <dgm:prSet presAssocID="{2B2880F9-55E5-49ED-8E33-9F5627C3B520}" presName="LevelTwoTextNode" presStyleLbl="node2" presStyleIdx="1" presStyleCnt="3">
+        <dgm:presLayoutVars>
+          <dgm:chPref val="3"/>
+        </dgm:presLayoutVars>
+      </dgm:prSet>
+      <dgm:spPr/>
+    </dgm:pt>
+    <dgm:pt modelId="{AAE7F9EF-D1BD-4D86-9FBF-8B7C529E3322}" type="pres">
+      <dgm:prSet presAssocID="{2B2880F9-55E5-49ED-8E33-9F5627C3B520}" presName="level3hierChild" presStyleCnt="0"/>
+      <dgm:spPr/>
+    </dgm:pt>
+    <dgm:pt modelId="{3A533134-6777-4855-BE27-367216C161A0}" type="pres">
+      <dgm:prSet presAssocID="{9F315F11-CE4E-4647-AC74-DFF45127B67D}" presName="conn2-1" presStyleLbl="parChTrans1D2" presStyleIdx="2" presStyleCnt="3"/>
+      <dgm:spPr/>
+    </dgm:pt>
+    <dgm:pt modelId="{47028209-C738-49C0-B43F-734F468CB14E}" type="pres">
+      <dgm:prSet presAssocID="{9F315F11-CE4E-4647-AC74-DFF45127B67D}" presName="connTx" presStyleLbl="parChTrans1D2" presStyleIdx="2" presStyleCnt="3"/>
+      <dgm:spPr/>
+    </dgm:pt>
+    <dgm:pt modelId="{4E0FC914-EB89-4E6F-9963-34368C87F33A}" type="pres">
+      <dgm:prSet presAssocID="{AB9CCEB4-8828-486D-B82D-15BE50DBDCD3}" presName="root2" presStyleCnt="0"/>
+      <dgm:spPr/>
+    </dgm:pt>
+    <dgm:pt modelId="{A344F690-7383-498D-B42C-7E12860C3B17}" type="pres">
+      <dgm:prSet presAssocID="{AB9CCEB4-8828-486D-B82D-15BE50DBDCD3}" presName="LevelTwoTextNode" presStyleLbl="node2" presStyleIdx="2" presStyleCnt="3" custLinFactY="4747" custLinFactNeighborY="100000">
+        <dgm:presLayoutVars>
+          <dgm:chPref val="3"/>
+        </dgm:presLayoutVars>
+      </dgm:prSet>
+      <dgm:spPr/>
+    </dgm:pt>
+    <dgm:pt modelId="{396DCE59-C69A-47EB-B656-E18058645118}" type="pres">
+      <dgm:prSet presAssocID="{AB9CCEB4-8828-486D-B82D-15BE50DBDCD3}" presName="level3hierChild" presStyleCnt="0"/>
+      <dgm:spPr/>
+    </dgm:pt>
+  </dgm:ptLst>
+  <dgm:cxnLst>
+    <dgm:cxn modelId="{C5243614-7BBA-4801-8C67-E7956AC52C6A}" srcId="{0219E034-AF4C-475D-B6E7-82A870FACCCC}" destId="{AB9CCEB4-8828-486D-B82D-15BE50DBDCD3}" srcOrd="2" destOrd="0" parTransId="{9F315F11-CE4E-4647-AC74-DFF45127B67D}" sibTransId="{085A98A6-6A8A-4C8D-A7C1-8F4E92BADE45}"/>
+    <dgm:cxn modelId="{E58E251E-DCB6-4679-8C66-DE2A81969E59}" type="presOf" srcId="{9F315F11-CE4E-4647-AC74-DFF45127B67D}" destId="{47028209-C738-49C0-B43F-734F468CB14E}" srcOrd="1" destOrd="0" presId="urn:microsoft.com/office/officeart/2005/8/layout/hierarchy2"/>
+    <dgm:cxn modelId="{1F660E23-F919-4D2C-89EA-1E5EB1193556}" type="presOf" srcId="{0219E034-AF4C-475D-B6E7-82A870FACCCC}" destId="{9FCD4B2A-DA32-43E2-B487-D226E6438787}" srcOrd="0" destOrd="0" presId="urn:microsoft.com/office/officeart/2005/8/layout/hierarchy2"/>
+    <dgm:cxn modelId="{F6020431-E627-41B1-8570-C48C88AA67B0}" type="presOf" srcId="{AB9CCEB4-8828-486D-B82D-15BE50DBDCD3}" destId="{A344F690-7383-498D-B42C-7E12860C3B17}" srcOrd="0" destOrd="0" presId="urn:microsoft.com/office/officeart/2005/8/layout/hierarchy2"/>
+    <dgm:cxn modelId="{5EFF8C44-4609-4B6A-B178-9D4A5A72C59F}" type="presOf" srcId="{BA182E10-CCF4-4F85-BFA0-151C2CB19CC2}" destId="{26D72EED-E068-43D9-8934-11630CD0FA6C}" srcOrd="0" destOrd="0" presId="urn:microsoft.com/office/officeart/2005/8/layout/hierarchy2"/>
+    <dgm:cxn modelId="{409EAF45-2722-4360-B03E-D16295B09604}" srcId="{0219E034-AF4C-475D-B6E7-82A870FACCCC}" destId="{8B3A4E7D-3269-4C83-89F3-4CA429309498}" srcOrd="0" destOrd="0" parTransId="{BA182E10-CCF4-4F85-BFA0-151C2CB19CC2}" sibTransId="{48E3F399-96C3-4078-85BD-01E7114AF0CE}"/>
+    <dgm:cxn modelId="{0ED95747-78E4-4AFB-A9A0-40EAA7EBDD7F}" type="presOf" srcId="{2B2880F9-55E5-49ED-8E33-9F5627C3B520}" destId="{806EF166-724E-4559-AC86-DD6E259A7871}" srcOrd="0" destOrd="0" presId="urn:microsoft.com/office/officeart/2005/8/layout/hierarchy2"/>
+    <dgm:cxn modelId="{25ECA16D-0769-453B-BF48-89C48A9A98C1}" type="presOf" srcId="{8B3A4E7D-3269-4C83-89F3-4CA429309498}" destId="{1E56210F-6CE6-4DD2-ACB8-CC8B6B2F9515}" srcOrd="0" destOrd="0" presId="urn:microsoft.com/office/officeart/2005/8/layout/hierarchy2"/>
+    <dgm:cxn modelId="{F2BC7B4F-3BF6-4798-A1EF-3736E9862178}" type="presOf" srcId="{9F315F11-CE4E-4647-AC74-DFF45127B67D}" destId="{3A533134-6777-4855-BE27-367216C161A0}" srcOrd="0" destOrd="0" presId="urn:microsoft.com/office/officeart/2005/8/layout/hierarchy2"/>
+    <dgm:cxn modelId="{9ADAC277-F909-4CB1-A85E-1433B3529E98}" srcId="{0219E034-AF4C-475D-B6E7-82A870FACCCC}" destId="{2B2880F9-55E5-49ED-8E33-9F5627C3B520}" srcOrd="1" destOrd="0" parTransId="{B8CB6F02-DAC1-4456-A097-6AE1610AE1D9}" sibTransId="{E1F3EC87-D003-4A3C-B824-CE54E8BB2655}"/>
+    <dgm:cxn modelId="{07A2BCA0-392C-4A22-9EA7-01A81E54C6CD}" type="presOf" srcId="{B8CB6F02-DAC1-4456-A097-6AE1610AE1D9}" destId="{136F9DBB-E600-48D5-BDAB-5077D57D50AA}" srcOrd="0" destOrd="0" presId="urn:microsoft.com/office/officeart/2005/8/layout/hierarchy2"/>
+    <dgm:cxn modelId="{D65590B2-C226-462B-906A-D5D094B2E1B7}" srcId="{1A83A397-9752-44D8-928B-BD77A2D011B3}" destId="{0219E034-AF4C-475D-B6E7-82A870FACCCC}" srcOrd="0" destOrd="0" parTransId="{1E7504BC-FD3E-4CB5-8448-7B6E02A437E2}" sibTransId="{DA6710C6-927A-48A4-9D63-E1F8F37EE5EB}"/>
+    <dgm:cxn modelId="{E2BAFAB7-DC2B-4A11-9F8E-BA8D64C5230A}" type="presOf" srcId="{B8CB6F02-DAC1-4456-A097-6AE1610AE1D9}" destId="{99348ADB-093D-45FE-BECC-4CC0D6755CF6}" srcOrd="1" destOrd="0" presId="urn:microsoft.com/office/officeart/2005/8/layout/hierarchy2"/>
+    <dgm:cxn modelId="{A880BDC0-086A-4801-85FF-EAAEFD1411E9}" type="presOf" srcId="{BA182E10-CCF4-4F85-BFA0-151C2CB19CC2}" destId="{AE5BB926-FC4E-48BC-8740-E56A7FDB2856}" srcOrd="1" destOrd="0" presId="urn:microsoft.com/office/officeart/2005/8/layout/hierarchy2"/>
+    <dgm:cxn modelId="{A1755BE7-25D3-47DD-8E9D-AE216A7FD57F}" type="presOf" srcId="{1A83A397-9752-44D8-928B-BD77A2D011B3}" destId="{03FF4F4B-322C-442A-B7FE-5765012B0349}" srcOrd="0" destOrd="0" presId="urn:microsoft.com/office/officeart/2005/8/layout/hierarchy2"/>
+    <dgm:cxn modelId="{8F44A096-283A-4CF6-BAFE-B710FDFF1708}" type="presParOf" srcId="{03FF4F4B-322C-442A-B7FE-5765012B0349}" destId="{408C97A3-02A7-4CF6-9095-4827F1B6C828}" srcOrd="0" destOrd="0" presId="urn:microsoft.com/office/officeart/2005/8/layout/hierarchy2"/>
+    <dgm:cxn modelId="{C51327C7-8CC6-4D10-9C23-F29C76C701E3}" type="presParOf" srcId="{408C97A3-02A7-4CF6-9095-4827F1B6C828}" destId="{9FCD4B2A-DA32-43E2-B487-D226E6438787}" srcOrd="0" destOrd="0" presId="urn:microsoft.com/office/officeart/2005/8/layout/hierarchy2"/>
+    <dgm:cxn modelId="{21746A78-565F-4B12-934E-7D08128E2539}" type="presParOf" srcId="{408C97A3-02A7-4CF6-9095-4827F1B6C828}" destId="{48BEF979-0731-4DFA-BF6C-47AEE6A87E82}" srcOrd="1" destOrd="0" presId="urn:microsoft.com/office/officeart/2005/8/layout/hierarchy2"/>
+    <dgm:cxn modelId="{0B89BDBD-3856-478B-9933-CA8E297A6A53}" type="presParOf" srcId="{48BEF979-0731-4DFA-BF6C-47AEE6A87E82}" destId="{26D72EED-E068-43D9-8934-11630CD0FA6C}" srcOrd="0" destOrd="0" presId="urn:microsoft.com/office/officeart/2005/8/layout/hierarchy2"/>
+    <dgm:cxn modelId="{10268043-BFD8-4DAA-B7A9-CCD44606AE81}" type="presParOf" srcId="{26D72EED-E068-43D9-8934-11630CD0FA6C}" destId="{AE5BB926-FC4E-48BC-8740-E56A7FDB2856}" srcOrd="0" destOrd="0" presId="urn:microsoft.com/office/officeart/2005/8/layout/hierarchy2"/>
+    <dgm:cxn modelId="{5A63977D-A6A9-4ED6-B730-0396511B66A0}" type="presParOf" srcId="{48BEF979-0731-4DFA-BF6C-47AEE6A87E82}" destId="{7AC89E6E-6FF7-4AEA-9AB9-0B078709B8F9}" srcOrd="1" destOrd="0" presId="urn:microsoft.com/office/officeart/2005/8/layout/hierarchy2"/>
+    <dgm:cxn modelId="{23748375-B029-4D8A-B1A0-AF1C4B97ACD0}" type="presParOf" srcId="{7AC89E6E-6FF7-4AEA-9AB9-0B078709B8F9}" destId="{1E56210F-6CE6-4DD2-ACB8-CC8B6B2F9515}" srcOrd="0" destOrd="0" presId="urn:microsoft.com/office/officeart/2005/8/layout/hierarchy2"/>
+    <dgm:cxn modelId="{53FA374D-97C6-414D-BC8B-5135E09798C4}" type="presParOf" srcId="{7AC89E6E-6FF7-4AEA-9AB9-0B078709B8F9}" destId="{3625EF59-103B-461D-83E9-4C402E71A819}" srcOrd="1" destOrd="0" presId="urn:microsoft.com/office/officeart/2005/8/layout/hierarchy2"/>
+    <dgm:cxn modelId="{DBED7395-FB8B-4715-80A4-A68219A3DC98}" type="presParOf" srcId="{48BEF979-0731-4DFA-BF6C-47AEE6A87E82}" destId="{136F9DBB-E600-48D5-BDAB-5077D57D50AA}" srcOrd="2" destOrd="0" presId="urn:microsoft.com/office/officeart/2005/8/layout/hierarchy2"/>
+    <dgm:cxn modelId="{321EA6CD-8261-4A42-9FA1-EAD635A20E46}" type="presParOf" srcId="{136F9DBB-E600-48D5-BDAB-5077D57D50AA}" destId="{99348ADB-093D-45FE-BECC-4CC0D6755CF6}" srcOrd="0" destOrd="0" presId="urn:microsoft.com/office/officeart/2005/8/layout/hierarchy2"/>
+    <dgm:cxn modelId="{F982E22D-6DBE-43D2-9908-29E122E56CE2}" type="presParOf" srcId="{48BEF979-0731-4DFA-BF6C-47AEE6A87E82}" destId="{C2C1E940-C53E-40CE-9118-36A15B456A6C}" srcOrd="3" destOrd="0" presId="urn:microsoft.com/office/officeart/2005/8/layout/hierarchy2"/>
+    <dgm:cxn modelId="{336B63AC-0705-45E7-85ED-114161C78812}" type="presParOf" srcId="{C2C1E940-C53E-40CE-9118-36A15B456A6C}" destId="{806EF166-724E-4559-AC86-DD6E259A7871}" srcOrd="0" destOrd="0" presId="urn:microsoft.com/office/officeart/2005/8/layout/hierarchy2"/>
+    <dgm:cxn modelId="{A3DD68EC-925D-4FF2-8380-B57A4F52E7A7}" type="presParOf" srcId="{C2C1E940-C53E-40CE-9118-36A15B456A6C}" destId="{AAE7F9EF-D1BD-4D86-9FBF-8B7C529E3322}" srcOrd="1" destOrd="0" presId="urn:microsoft.com/office/officeart/2005/8/layout/hierarchy2"/>
+    <dgm:cxn modelId="{B51CC6AD-C0C5-4051-A21C-5AEB5BEF5120}" type="presParOf" srcId="{48BEF979-0731-4DFA-BF6C-47AEE6A87E82}" destId="{3A533134-6777-4855-BE27-367216C161A0}" srcOrd="4" destOrd="0" presId="urn:microsoft.com/office/officeart/2005/8/layout/hierarchy2"/>
+    <dgm:cxn modelId="{D621073F-92AC-4FF6-8050-7284D084E936}" type="presParOf" srcId="{3A533134-6777-4855-BE27-367216C161A0}" destId="{47028209-C738-49C0-B43F-734F468CB14E}" srcOrd="0" destOrd="0" presId="urn:microsoft.com/office/officeart/2005/8/layout/hierarchy2"/>
+    <dgm:cxn modelId="{A9C92B57-8CDF-46FD-951C-C6692C0F7B66}" type="presParOf" srcId="{48BEF979-0731-4DFA-BF6C-47AEE6A87E82}" destId="{4E0FC914-EB89-4E6F-9963-34368C87F33A}" srcOrd="5" destOrd="0" presId="urn:microsoft.com/office/officeart/2005/8/layout/hierarchy2"/>
+    <dgm:cxn modelId="{A16DE803-663A-4D1B-AF1B-0419312DCB6E}" type="presParOf" srcId="{4E0FC914-EB89-4E6F-9963-34368C87F33A}" destId="{A344F690-7383-498D-B42C-7E12860C3B17}" srcOrd="0" destOrd="0" presId="urn:microsoft.com/office/officeart/2005/8/layout/hierarchy2"/>
+    <dgm:cxn modelId="{9A826A79-81E7-4411-B35E-866857724477}" type="presParOf" srcId="{4E0FC914-EB89-4E6F-9963-34368C87F33A}" destId="{396DCE59-C69A-47EB-B656-E18058645118}" srcOrd="1" destOrd="0" presId="urn:microsoft.com/office/officeart/2005/8/layout/hierarchy2"/>
+  </dgm:cxnLst>
+  <dgm:bg/>
+  <dgm:whole/>
+  <dgm:extLst>
+    <a:ext uri="http://schemas.microsoft.com/office/drawing/2008/diagram">
+      <dsp:dataModelExt xmlns:dsp="http://schemas.microsoft.com/office/drawing/2008/diagram" relId="rId6" minVer="http://schemas.openxmlformats.org/drawingml/2006/diagram"/>
     </a:ext>
   </dgm:extLst>
 </dgm:dataModel>
@@ -6261,6 +7352,581 @@
 </dsp:drawing>
 </file>
 
+<file path=ppt/diagrams/drawing5.xml><?xml version="1.0" encoding="utf-8"?>
+<dsp:drawing xmlns:dgm="http://schemas.openxmlformats.org/drawingml/2006/diagram" xmlns:dsp="http://schemas.microsoft.com/office/drawing/2008/diagram" xmlns:a="http://schemas.openxmlformats.org/drawingml/2006/main">
+  <dsp:spTree>
+    <dsp:nvGrpSpPr>
+      <dsp:cNvPr id="0" name=""/>
+      <dsp:cNvGrpSpPr/>
+    </dsp:nvGrpSpPr>
+    <dsp:grpSpPr/>
+    <dsp:sp modelId="{9FCD4B2A-DA32-43E2-B487-D226E6438787}">
+      <dsp:nvSpPr>
+        <dsp:cNvPr id="0" name=""/>
+        <dsp:cNvSpPr/>
+      </dsp:nvSpPr>
+      <dsp:spPr>
+        <a:xfrm>
+          <a:off x="3009" y="1667631"/>
+          <a:ext cx="4346719" cy="1330460"/>
+        </a:xfrm>
+        <a:prstGeom prst="roundRect">
+          <a:avLst>
+            <a:gd name="adj" fmla="val 10000"/>
+          </a:avLst>
+        </a:prstGeom>
+        <a:solidFill>
+          <a:srgbClr val="C0DEED"/>
+        </a:solidFill>
+        <a:ln w="12700" cap="flat" cmpd="sng" algn="ctr">
+          <a:solidFill>
+            <a:schemeClr val="lt1">
+              <a:hueOff val="0"/>
+              <a:satOff val="0"/>
+              <a:lumOff val="0"/>
+              <a:alphaOff val="0"/>
+            </a:schemeClr>
+          </a:solidFill>
+          <a:prstDash val="solid"/>
+          <a:miter lim="800000"/>
+        </a:ln>
+        <a:effectLst/>
+      </dsp:spPr>
+      <dsp:style>
+        <a:lnRef idx="2">
+          <a:scrgbClr r="0" g="0" b="0"/>
+        </a:lnRef>
+        <a:fillRef idx="1">
+          <a:scrgbClr r="0" g="0" b="0"/>
+        </a:fillRef>
+        <a:effectRef idx="0">
+          <a:scrgbClr r="0" g="0" b="0"/>
+        </a:effectRef>
+        <a:fontRef idx="minor">
+          <a:schemeClr val="lt1"/>
+        </a:fontRef>
+      </dsp:style>
+      <dsp:txBody>
+        <a:bodyPr spcFirstLastPara="0" vert="horz" wrap="square" lIns="18415" tIns="18415" rIns="18415" bIns="18415" numCol="1" spcCol="1270" anchor="ctr" anchorCtr="0">
+          <a:noAutofit/>
+        </a:bodyPr>
+        <a:lstStyle/>
+        <a:p>
+          <a:pPr marL="0" lvl="0" indent="0" algn="ctr" defTabSz="1289050">
+            <a:lnSpc>
+              <a:spcPct val="90000"/>
+            </a:lnSpc>
+            <a:spcBef>
+              <a:spcPct val="0"/>
+            </a:spcBef>
+            <a:spcAft>
+              <a:spcPct val="35000"/>
+            </a:spcAft>
+            <a:buNone/>
+          </a:pPr>
+          <a:r>
+            <a:rPr lang="en-GB" sz="2900" b="1" kern="1200" dirty="0">
+              <a:solidFill>
+                <a:schemeClr val="tx1"/>
+              </a:solidFill>
+              <a:latin typeface="Candara" panose="020E0502030303020204" pitchFamily="34" charset="0"/>
+            </a:rPr>
+            <a:t>Descriptive Analysis</a:t>
+          </a:r>
+        </a:p>
+      </dsp:txBody>
+      <dsp:txXfrm>
+        <a:off x="41977" y="1706599"/>
+        <a:ext cx="4268783" cy="1252524"/>
+      </dsp:txXfrm>
+    </dsp:sp>
+    <dsp:sp modelId="{26D72EED-E068-43D9-8934-11630CD0FA6C}">
+      <dsp:nvSpPr>
+        <dsp:cNvPr id="0" name=""/>
+        <dsp:cNvSpPr/>
+      </dsp:nvSpPr>
+      <dsp:spPr>
+        <a:xfrm rot="18070754">
+          <a:off x="3879698" y="1473381"/>
+          <a:ext cx="1949187" cy="51328"/>
+        </a:xfrm>
+        <a:custGeom>
+          <a:avLst/>
+          <a:gdLst/>
+          <a:ahLst/>
+          <a:cxnLst/>
+          <a:rect l="0" t="0" r="0" b="0"/>
+          <a:pathLst>
+            <a:path>
+              <a:moveTo>
+                <a:pt x="0" y="25664"/>
+              </a:moveTo>
+              <a:lnTo>
+                <a:pt x="1949187" y="25664"/>
+              </a:lnTo>
+            </a:path>
+          </a:pathLst>
+        </a:custGeom>
+        <a:noFill/>
+        <a:ln w="12700" cap="flat" cmpd="sng" algn="ctr">
+          <a:solidFill>
+            <a:schemeClr val="accent1">
+              <a:shade val="60000"/>
+              <a:hueOff val="0"/>
+              <a:satOff val="0"/>
+              <a:lumOff val="0"/>
+              <a:alphaOff val="0"/>
+            </a:schemeClr>
+          </a:solidFill>
+          <a:prstDash val="solid"/>
+          <a:miter lim="800000"/>
+        </a:ln>
+        <a:effectLst/>
+      </dsp:spPr>
+      <dsp:style>
+        <a:lnRef idx="2">
+          <a:scrgbClr r="0" g="0" b="0"/>
+        </a:lnRef>
+        <a:fillRef idx="0">
+          <a:scrgbClr r="0" g="0" b="0"/>
+        </a:fillRef>
+        <a:effectRef idx="0">
+          <a:scrgbClr r="0" g="0" b="0"/>
+        </a:effectRef>
+        <a:fontRef idx="minor"/>
+      </dsp:style>
+      <dsp:txBody>
+        <a:bodyPr spcFirstLastPara="0" vert="horz" wrap="square" lIns="12700" tIns="0" rIns="12700" bIns="0" numCol="1" spcCol="1270" anchor="ctr" anchorCtr="0">
+          <a:noAutofit/>
+        </a:bodyPr>
+        <a:lstStyle/>
+        <a:p>
+          <a:pPr marL="0" lvl="0" indent="0" algn="ctr" defTabSz="266700">
+            <a:lnSpc>
+              <a:spcPct val="90000"/>
+            </a:lnSpc>
+            <a:spcBef>
+              <a:spcPct val="0"/>
+            </a:spcBef>
+            <a:spcAft>
+              <a:spcPct val="35000"/>
+            </a:spcAft>
+            <a:buNone/>
+          </a:pPr>
+          <a:endParaRPr lang="en-GB" sz="600" kern="1200"/>
+        </a:p>
+      </dsp:txBody>
+      <dsp:txXfrm>
+        <a:off x="4805562" y="1450316"/>
+        <a:ext cx="97459" cy="97459"/>
+      </dsp:txXfrm>
+    </dsp:sp>
+    <dsp:sp modelId="{1E56210F-6CE6-4DD2-ACB8-CC8B6B2F9515}">
+      <dsp:nvSpPr>
+        <dsp:cNvPr id="0" name=""/>
+        <dsp:cNvSpPr/>
+      </dsp:nvSpPr>
+      <dsp:spPr>
+        <a:xfrm>
+          <a:off x="5358856" y="0"/>
+          <a:ext cx="2660920" cy="1330460"/>
+        </a:xfrm>
+        <a:prstGeom prst="roundRect">
+          <a:avLst>
+            <a:gd name="adj" fmla="val 10000"/>
+          </a:avLst>
+        </a:prstGeom>
+        <a:solidFill>
+          <a:srgbClr val="C0DEED"/>
+        </a:solidFill>
+        <a:ln w="12700" cap="flat" cmpd="sng" algn="ctr">
+          <a:solidFill>
+            <a:schemeClr val="lt1">
+              <a:hueOff val="0"/>
+              <a:satOff val="0"/>
+              <a:lumOff val="0"/>
+              <a:alphaOff val="0"/>
+            </a:schemeClr>
+          </a:solidFill>
+          <a:prstDash val="solid"/>
+          <a:miter lim="800000"/>
+        </a:ln>
+        <a:effectLst/>
+      </dsp:spPr>
+      <dsp:style>
+        <a:lnRef idx="2">
+          <a:scrgbClr r="0" g="0" b="0"/>
+        </a:lnRef>
+        <a:fillRef idx="1">
+          <a:scrgbClr r="0" g="0" b="0"/>
+        </a:fillRef>
+        <a:effectRef idx="0">
+          <a:scrgbClr r="0" g="0" b="0"/>
+        </a:effectRef>
+        <a:fontRef idx="minor">
+          <a:schemeClr val="lt1"/>
+        </a:fontRef>
+      </dsp:style>
+      <dsp:txBody>
+        <a:bodyPr spcFirstLastPara="0" vert="horz" wrap="square" lIns="18415" tIns="18415" rIns="18415" bIns="18415" numCol="1" spcCol="1270" anchor="ctr" anchorCtr="0">
+          <a:noAutofit/>
+        </a:bodyPr>
+        <a:lstStyle/>
+        <a:p>
+          <a:pPr marL="0" lvl="0" indent="0" algn="ctr" defTabSz="1289050">
+            <a:lnSpc>
+              <a:spcPct val="90000"/>
+            </a:lnSpc>
+            <a:spcBef>
+              <a:spcPct val="0"/>
+            </a:spcBef>
+            <a:spcAft>
+              <a:spcPct val="35000"/>
+            </a:spcAft>
+            <a:buNone/>
+          </a:pPr>
+          <a:r>
+            <a:rPr lang="en-GB" sz="2900" b="1" kern="1200" dirty="0">
+              <a:solidFill>
+                <a:schemeClr val="tx1"/>
+              </a:solidFill>
+              <a:latin typeface="Candara" panose="020E0502030303020204" pitchFamily="34" charset="0"/>
+            </a:rPr>
+            <a:t>Is the data representative?</a:t>
+          </a:r>
+        </a:p>
+      </dsp:txBody>
+      <dsp:txXfrm>
+        <a:off x="5397824" y="38968"/>
+        <a:ext cx="2582984" cy="1252524"/>
+      </dsp:txXfrm>
+    </dsp:sp>
+    <dsp:sp modelId="{136F9DBB-E600-48D5-BDAB-5077D57D50AA}">
+      <dsp:nvSpPr>
+        <dsp:cNvPr id="0" name=""/>
+        <dsp:cNvSpPr/>
+      </dsp:nvSpPr>
+      <dsp:spPr>
+        <a:xfrm>
+          <a:off x="4349728" y="2307197"/>
+          <a:ext cx="1064368" cy="51328"/>
+        </a:xfrm>
+        <a:custGeom>
+          <a:avLst/>
+          <a:gdLst/>
+          <a:ahLst/>
+          <a:cxnLst/>
+          <a:rect l="0" t="0" r="0" b="0"/>
+          <a:pathLst>
+            <a:path>
+              <a:moveTo>
+                <a:pt x="0" y="25664"/>
+              </a:moveTo>
+              <a:lnTo>
+                <a:pt x="1064368" y="25664"/>
+              </a:lnTo>
+            </a:path>
+          </a:pathLst>
+        </a:custGeom>
+        <a:noFill/>
+        <a:ln w="12700" cap="flat" cmpd="sng" algn="ctr">
+          <a:solidFill>
+            <a:schemeClr val="accent1">
+              <a:shade val="60000"/>
+              <a:hueOff val="0"/>
+              <a:satOff val="0"/>
+              <a:lumOff val="0"/>
+              <a:alphaOff val="0"/>
+            </a:schemeClr>
+          </a:solidFill>
+          <a:prstDash val="solid"/>
+          <a:miter lim="800000"/>
+        </a:ln>
+        <a:effectLst/>
+      </dsp:spPr>
+      <dsp:style>
+        <a:lnRef idx="2">
+          <a:scrgbClr r="0" g="0" b="0"/>
+        </a:lnRef>
+        <a:fillRef idx="0">
+          <a:scrgbClr r="0" g="0" b="0"/>
+        </a:fillRef>
+        <a:effectRef idx="0">
+          <a:scrgbClr r="0" g="0" b="0"/>
+        </a:effectRef>
+        <a:fontRef idx="minor"/>
+      </dsp:style>
+      <dsp:txBody>
+        <a:bodyPr spcFirstLastPara="0" vert="horz" wrap="square" lIns="12700" tIns="0" rIns="12700" bIns="0" numCol="1" spcCol="1270" anchor="ctr" anchorCtr="0">
+          <a:noAutofit/>
+        </a:bodyPr>
+        <a:lstStyle/>
+        <a:p>
+          <a:pPr marL="0" lvl="0" indent="0" algn="ctr" defTabSz="222250">
+            <a:lnSpc>
+              <a:spcPct val="90000"/>
+            </a:lnSpc>
+            <a:spcBef>
+              <a:spcPct val="0"/>
+            </a:spcBef>
+            <a:spcAft>
+              <a:spcPct val="35000"/>
+            </a:spcAft>
+            <a:buNone/>
+          </a:pPr>
+          <a:endParaRPr lang="en-GB" sz="500" kern="1200"/>
+        </a:p>
+      </dsp:txBody>
+      <dsp:txXfrm>
+        <a:off x="4855303" y="2306252"/>
+        <a:ext cx="53218" cy="53218"/>
+      </dsp:txXfrm>
+    </dsp:sp>
+    <dsp:sp modelId="{806EF166-724E-4559-AC86-DD6E259A7871}">
+      <dsp:nvSpPr>
+        <dsp:cNvPr id="0" name=""/>
+        <dsp:cNvSpPr/>
+      </dsp:nvSpPr>
+      <dsp:spPr>
+        <a:xfrm>
+          <a:off x="5414096" y="1667631"/>
+          <a:ext cx="2660920" cy="1330460"/>
+        </a:xfrm>
+        <a:prstGeom prst="roundRect">
+          <a:avLst>
+            <a:gd name="adj" fmla="val 10000"/>
+          </a:avLst>
+        </a:prstGeom>
+        <a:solidFill>
+          <a:srgbClr val="C0DEED"/>
+        </a:solidFill>
+        <a:ln w="12700" cap="flat" cmpd="sng" algn="ctr">
+          <a:solidFill>
+            <a:schemeClr val="lt1">
+              <a:hueOff val="0"/>
+              <a:satOff val="0"/>
+              <a:lumOff val="0"/>
+              <a:alphaOff val="0"/>
+            </a:schemeClr>
+          </a:solidFill>
+          <a:prstDash val="solid"/>
+          <a:miter lim="800000"/>
+        </a:ln>
+        <a:effectLst/>
+      </dsp:spPr>
+      <dsp:style>
+        <a:lnRef idx="2">
+          <a:scrgbClr r="0" g="0" b="0"/>
+        </a:lnRef>
+        <a:fillRef idx="1">
+          <a:scrgbClr r="0" g="0" b="0"/>
+        </a:fillRef>
+        <a:effectRef idx="0">
+          <a:scrgbClr r="0" g="0" b="0"/>
+        </a:effectRef>
+        <a:fontRef idx="minor">
+          <a:schemeClr val="lt1"/>
+        </a:fontRef>
+      </dsp:style>
+      <dsp:txBody>
+        <a:bodyPr spcFirstLastPara="0" vert="horz" wrap="square" lIns="18415" tIns="18415" rIns="18415" bIns="18415" numCol="1" spcCol="1270" anchor="ctr" anchorCtr="0">
+          <a:noAutofit/>
+        </a:bodyPr>
+        <a:lstStyle/>
+        <a:p>
+          <a:pPr marL="0" lvl="0" indent="0" algn="ctr" defTabSz="1289050">
+            <a:lnSpc>
+              <a:spcPct val="90000"/>
+            </a:lnSpc>
+            <a:spcBef>
+              <a:spcPct val="0"/>
+            </a:spcBef>
+            <a:spcAft>
+              <a:spcPct val="35000"/>
+            </a:spcAft>
+            <a:buNone/>
+          </a:pPr>
+          <a:r>
+            <a:rPr lang="en-GB" sz="2900" b="1" kern="1200" dirty="0">
+              <a:solidFill>
+                <a:schemeClr val="tx1"/>
+              </a:solidFill>
+              <a:latin typeface="Candara" panose="020E0502030303020204" pitchFamily="34" charset="0"/>
+            </a:rPr>
+            <a:t>How the data is distributed</a:t>
+          </a:r>
+        </a:p>
+      </dsp:txBody>
+      <dsp:txXfrm>
+        <a:off x="5453064" y="1706599"/>
+        <a:ext cx="2582984" cy="1252524"/>
+      </dsp:txXfrm>
+    </dsp:sp>
+    <dsp:sp modelId="{3A533134-6777-4855-BE27-367216C161A0}">
+      <dsp:nvSpPr>
+        <dsp:cNvPr id="0" name=""/>
+        <dsp:cNvSpPr/>
+      </dsp:nvSpPr>
+      <dsp:spPr>
+        <a:xfrm rot="3447113">
+          <a:off x="3892737" y="3141013"/>
+          <a:ext cx="1978351" cy="51328"/>
+        </a:xfrm>
+        <a:custGeom>
+          <a:avLst/>
+          <a:gdLst/>
+          <a:ahLst/>
+          <a:cxnLst/>
+          <a:rect l="0" t="0" r="0" b="0"/>
+          <a:pathLst>
+            <a:path>
+              <a:moveTo>
+                <a:pt x="0" y="25664"/>
+              </a:moveTo>
+              <a:lnTo>
+                <a:pt x="1978351" y="25664"/>
+              </a:lnTo>
+            </a:path>
+          </a:pathLst>
+        </a:custGeom>
+        <a:noFill/>
+        <a:ln w="12700" cap="flat" cmpd="sng" algn="ctr">
+          <a:solidFill>
+            <a:schemeClr val="accent1">
+              <a:shade val="60000"/>
+              <a:hueOff val="0"/>
+              <a:satOff val="0"/>
+              <a:lumOff val="0"/>
+              <a:alphaOff val="0"/>
+            </a:schemeClr>
+          </a:solidFill>
+          <a:prstDash val="solid"/>
+          <a:miter lim="800000"/>
+        </a:ln>
+        <a:effectLst/>
+      </dsp:spPr>
+      <dsp:style>
+        <a:lnRef idx="2">
+          <a:scrgbClr r="0" g="0" b="0"/>
+        </a:lnRef>
+        <a:fillRef idx="0">
+          <a:scrgbClr r="0" g="0" b="0"/>
+        </a:fillRef>
+        <a:effectRef idx="0">
+          <a:scrgbClr r="0" g="0" b="0"/>
+        </a:effectRef>
+        <a:fontRef idx="minor"/>
+      </dsp:style>
+      <dsp:txBody>
+        <a:bodyPr spcFirstLastPara="0" vert="horz" wrap="square" lIns="12700" tIns="0" rIns="12700" bIns="0" numCol="1" spcCol="1270" anchor="ctr" anchorCtr="0">
+          <a:noAutofit/>
+        </a:bodyPr>
+        <a:lstStyle/>
+        <a:p>
+          <a:pPr marL="0" lvl="0" indent="0" algn="ctr" defTabSz="311150">
+            <a:lnSpc>
+              <a:spcPct val="90000"/>
+            </a:lnSpc>
+            <a:spcBef>
+              <a:spcPct val="0"/>
+            </a:spcBef>
+            <a:spcAft>
+              <a:spcPct val="35000"/>
+            </a:spcAft>
+            <a:buNone/>
+          </a:pPr>
+          <a:endParaRPr lang="en-GB" sz="700" kern="1200"/>
+        </a:p>
+      </dsp:txBody>
+      <dsp:txXfrm>
+        <a:off x="4832453" y="3117218"/>
+        <a:ext cx="98917" cy="98917"/>
+      </dsp:txXfrm>
+    </dsp:sp>
+    <dsp:sp modelId="{A344F690-7383-498D-B42C-7E12860C3B17}">
+      <dsp:nvSpPr>
+        <dsp:cNvPr id="0" name=""/>
+        <dsp:cNvSpPr/>
+      </dsp:nvSpPr>
+      <dsp:spPr>
+        <a:xfrm>
+          <a:off x="5414096" y="3335262"/>
+          <a:ext cx="2660920" cy="1330460"/>
+        </a:xfrm>
+        <a:prstGeom prst="roundRect">
+          <a:avLst>
+            <a:gd name="adj" fmla="val 10000"/>
+          </a:avLst>
+        </a:prstGeom>
+        <a:solidFill>
+          <a:srgbClr val="C0DEED"/>
+        </a:solidFill>
+        <a:ln w="12700" cap="flat" cmpd="sng" algn="ctr">
+          <a:solidFill>
+            <a:schemeClr val="lt1">
+              <a:hueOff val="0"/>
+              <a:satOff val="0"/>
+              <a:lumOff val="0"/>
+              <a:alphaOff val="0"/>
+            </a:schemeClr>
+          </a:solidFill>
+          <a:prstDash val="solid"/>
+          <a:miter lim="800000"/>
+        </a:ln>
+        <a:effectLst/>
+      </dsp:spPr>
+      <dsp:style>
+        <a:lnRef idx="2">
+          <a:scrgbClr r="0" g="0" b="0"/>
+        </a:lnRef>
+        <a:fillRef idx="1">
+          <a:scrgbClr r="0" g="0" b="0"/>
+        </a:fillRef>
+        <a:effectRef idx="0">
+          <a:scrgbClr r="0" g="0" b="0"/>
+        </a:effectRef>
+        <a:fontRef idx="minor">
+          <a:schemeClr val="lt1"/>
+        </a:fontRef>
+      </dsp:style>
+      <dsp:txBody>
+        <a:bodyPr spcFirstLastPara="0" vert="horz" wrap="square" lIns="18415" tIns="18415" rIns="18415" bIns="18415" numCol="1" spcCol="1270" anchor="ctr" anchorCtr="0">
+          <a:noAutofit/>
+        </a:bodyPr>
+        <a:lstStyle/>
+        <a:p>
+          <a:pPr marL="0" lvl="0" indent="0" algn="ctr" defTabSz="1289050">
+            <a:lnSpc>
+              <a:spcPct val="90000"/>
+            </a:lnSpc>
+            <a:spcBef>
+              <a:spcPct val="0"/>
+            </a:spcBef>
+            <a:spcAft>
+              <a:spcPct val="35000"/>
+            </a:spcAft>
+            <a:buNone/>
+          </a:pPr>
+          <a:r>
+            <a:rPr lang="en-GB" sz="2900" b="1" kern="1200" dirty="0">
+              <a:solidFill>
+                <a:schemeClr val="tx1"/>
+              </a:solidFill>
+              <a:latin typeface="Candara" panose="020E0502030303020204" pitchFamily="34" charset="0"/>
+            </a:rPr>
+            <a:t>Check the importance of the variables</a:t>
+          </a:r>
+        </a:p>
+      </dsp:txBody>
+      <dsp:txXfrm>
+        <a:off x="5453064" y="3374230"/>
+        <a:ext cx="2582984" cy="1252524"/>
+      </dsp:txXfrm>
+    </dsp:sp>
+  </dsp:spTree>
+</dsp:drawing>
+</file>
+
 <file path=ppt/diagrams/layout1.xml><?xml version="1.0" encoding="utf-8"?>
 <dgm:layoutDef xmlns:dgm="http://schemas.openxmlformats.org/drawingml/2006/diagram" xmlns:a="http://schemas.openxmlformats.org/drawingml/2006/main" uniqueId="urn:microsoft.com/office/officeart/2005/8/layout/hProcess10">
   <dgm:title val=""/>
@@ -7753,6 +9419,326 @@
 </dgm:layoutDef>
 </file>
 
+<file path=ppt/diagrams/layout5.xml><?xml version="1.0" encoding="utf-8"?>
+<dgm:layoutDef xmlns:dgm="http://schemas.openxmlformats.org/drawingml/2006/diagram" xmlns:a="http://schemas.openxmlformats.org/drawingml/2006/main" uniqueId="urn:microsoft.com/office/officeart/2005/8/layout/hierarchy2">
+  <dgm:title val=""/>
+  <dgm:desc val=""/>
+  <dgm:catLst>
+    <dgm:cat type="hierarchy" pri="5000"/>
+  </dgm:catLst>
+  <dgm:sampData>
+    <dgm:dataModel>
+      <dgm:ptLst>
+        <dgm:pt modelId="0" type="doc"/>
+        <dgm:pt modelId="1">
+          <dgm:prSet phldr="1"/>
+        </dgm:pt>
+        <dgm:pt modelId="2">
+          <dgm:prSet phldr="1"/>
+        </dgm:pt>
+        <dgm:pt modelId="21">
+          <dgm:prSet phldr="1"/>
+        </dgm:pt>
+        <dgm:pt modelId="22">
+          <dgm:prSet phldr="1"/>
+        </dgm:pt>
+        <dgm:pt modelId="3">
+          <dgm:prSet phldr="1"/>
+        </dgm:pt>
+        <dgm:pt modelId="31">
+          <dgm:prSet phldr="1"/>
+        </dgm:pt>
+      </dgm:ptLst>
+      <dgm:cxnLst>
+        <dgm:cxn modelId="4" srcId="0" destId="1" srcOrd="0" destOrd="0"/>
+        <dgm:cxn modelId="5" srcId="1" destId="2" srcOrd="0" destOrd="0"/>
+        <dgm:cxn modelId="6" srcId="1" destId="3" srcOrd="1" destOrd="0"/>
+        <dgm:cxn modelId="23" srcId="2" destId="21" srcOrd="0" destOrd="0"/>
+        <dgm:cxn modelId="24" srcId="2" destId="22" srcOrd="1" destOrd="0"/>
+        <dgm:cxn modelId="33" srcId="3" destId="31" srcOrd="0" destOrd="0"/>
+      </dgm:cxnLst>
+      <dgm:bg/>
+      <dgm:whole/>
+    </dgm:dataModel>
+  </dgm:sampData>
+  <dgm:styleData>
+    <dgm:dataModel>
+      <dgm:ptLst>
+        <dgm:pt modelId="0" type="doc"/>
+        <dgm:pt modelId="1"/>
+        <dgm:pt modelId="11"/>
+        <dgm:pt modelId="12"/>
+      </dgm:ptLst>
+      <dgm:cxnLst>
+        <dgm:cxn modelId="2" srcId="0" destId="1" srcOrd="0" destOrd="0"/>
+        <dgm:cxn modelId="13" srcId="1" destId="11" srcOrd="0" destOrd="0"/>
+        <dgm:cxn modelId="14" srcId="1" destId="12" srcOrd="1" destOrd="0"/>
+      </dgm:cxnLst>
+      <dgm:bg/>
+      <dgm:whole/>
+    </dgm:dataModel>
+  </dgm:styleData>
+  <dgm:clrData>
+    <dgm:dataModel>
+      <dgm:ptLst>
+        <dgm:pt modelId="0" type="doc"/>
+        <dgm:pt modelId="1"/>
+        <dgm:pt modelId="2"/>
+        <dgm:pt modelId="21"/>
+        <dgm:pt modelId="211"/>
+        <dgm:pt modelId="3"/>
+        <dgm:pt modelId="31"/>
+        <dgm:pt modelId="311"/>
+      </dgm:ptLst>
+      <dgm:cxnLst>
+        <dgm:cxn modelId="4" srcId="0" destId="1" srcOrd="0" destOrd="0"/>
+        <dgm:cxn modelId="5" srcId="1" destId="2" srcOrd="0" destOrd="0"/>
+        <dgm:cxn modelId="6" srcId="1" destId="3" srcOrd="1" destOrd="0"/>
+        <dgm:cxn modelId="23" srcId="2" destId="21" srcOrd="0" destOrd="0"/>
+        <dgm:cxn modelId="24" srcId="21" destId="211" srcOrd="0" destOrd="0"/>
+        <dgm:cxn modelId="33" srcId="3" destId="31" srcOrd="0" destOrd="0"/>
+        <dgm:cxn modelId="34" srcId="31" destId="311" srcOrd="0" destOrd="0"/>
+      </dgm:cxnLst>
+      <dgm:bg/>
+      <dgm:whole/>
+    </dgm:dataModel>
+  </dgm:clrData>
+  <dgm:layoutNode name="diagram">
+    <dgm:varLst>
+      <dgm:chPref val="1"/>
+      <dgm:dir/>
+      <dgm:animOne val="branch"/>
+      <dgm:animLvl val="lvl"/>
+      <dgm:resizeHandles val="exact"/>
+    </dgm:varLst>
+    <dgm:choose name="Name0">
+      <dgm:if name="Name1" func="var" arg="dir" op="equ" val="norm">
+        <dgm:alg type="hierChild">
+          <dgm:param type="linDir" val="fromT"/>
+          <dgm:param type="chAlign" val="l"/>
+        </dgm:alg>
+      </dgm:if>
+      <dgm:else name="Name2">
+        <dgm:alg type="hierChild">
+          <dgm:param type="linDir" val="fromT"/>
+          <dgm:param type="chAlign" val="r"/>
+        </dgm:alg>
+      </dgm:else>
+    </dgm:choose>
+    <dgm:shape xmlns:r="http://schemas.openxmlformats.org/officeDocument/2006/relationships" r:blip="">
+      <dgm:adjLst/>
+    </dgm:shape>
+    <dgm:presOf/>
+    <dgm:constrLst>
+      <dgm:constr type="h" for="des" ptType="node" refType="h"/>
+      <dgm:constr type="w" for="des" ptType="node" refType="h" refFor="des" refPtType="node" fact="2"/>
+      <dgm:constr type="sibSp" refType="h" refFor="des" refPtType="node" op="equ" fact="0.15"/>
+      <dgm:constr type="sibSp" for="des" forName="level2hierChild" refType="h" refFor="des" refPtType="node" op="equ" fact="0.15"/>
+      <dgm:constr type="sibSp" for="des" forName="level3hierChild" refType="h" refFor="des" refPtType="node" op="equ" fact="0.15"/>
+      <dgm:constr type="sp" for="des" forName="root1" refType="w" refFor="des" refPtType="node" fact="0.4"/>
+      <dgm:constr type="sp" for="des" forName="root2" refType="sp" refFor="des" refForName="root1" op="equ"/>
+      <dgm:constr type="primFontSz" for="des" ptType="node" op="equ" val="65"/>
+      <dgm:constr type="primFontSz" for="des" forName="connTx" op="equ" val="55"/>
+      <dgm:constr type="primFontSz" for="des" forName="connTx" refType="primFontSz" refFor="des" refPtType="node" op="lte" fact="0.8"/>
+    </dgm:constrLst>
+    <dgm:ruleLst/>
+    <dgm:forEach name="Name3" axis="ch">
+      <dgm:forEach name="Name4" axis="self" ptType="node">
+        <dgm:layoutNode name="root1">
+          <dgm:choose name="Name5">
+            <dgm:if name="Name6" func="var" arg="dir" op="equ" val="norm">
+              <dgm:alg type="hierRoot">
+                <dgm:param type="hierAlign" val="lCtrCh"/>
+              </dgm:alg>
+            </dgm:if>
+            <dgm:else name="Name7">
+              <dgm:alg type="hierRoot">
+                <dgm:param type="hierAlign" val="rCtrCh"/>
+              </dgm:alg>
+            </dgm:else>
+          </dgm:choose>
+          <dgm:shape xmlns:r="http://schemas.openxmlformats.org/officeDocument/2006/relationships" r:blip="">
+            <dgm:adjLst/>
+          </dgm:shape>
+          <dgm:presOf/>
+          <dgm:constrLst/>
+          <dgm:ruleLst/>
+          <dgm:layoutNode name="LevelOneTextNode" styleLbl="node0">
+            <dgm:varLst>
+              <dgm:chPref val="3"/>
+            </dgm:varLst>
+            <dgm:alg type="tx"/>
+            <dgm:shape xmlns:r="http://schemas.openxmlformats.org/officeDocument/2006/relationships" type="roundRect" r:blip="">
+              <dgm:adjLst>
+                <dgm:adj idx="1" val="0.1"/>
+              </dgm:adjLst>
+            </dgm:shape>
+            <dgm:presOf axis="self"/>
+            <dgm:constrLst>
+              <dgm:constr type="tMarg" refType="primFontSz" fact="0.05"/>
+              <dgm:constr type="bMarg" refType="primFontSz" fact="0.05"/>
+              <dgm:constr type="lMarg" refType="primFontSz" fact="0.05"/>
+              <dgm:constr type="rMarg" refType="primFontSz" fact="0.05"/>
+            </dgm:constrLst>
+            <dgm:ruleLst>
+              <dgm:rule type="primFontSz" val="5" fact="NaN" max="NaN"/>
+            </dgm:ruleLst>
+          </dgm:layoutNode>
+          <dgm:layoutNode name="level2hierChild">
+            <dgm:choose name="Name8">
+              <dgm:if name="Name9" func="var" arg="dir" op="equ" val="norm">
+                <dgm:alg type="hierChild">
+                  <dgm:param type="linDir" val="fromT"/>
+                  <dgm:param type="chAlign" val="l"/>
+                </dgm:alg>
+              </dgm:if>
+              <dgm:else name="Name10">
+                <dgm:alg type="hierChild">
+                  <dgm:param type="linDir" val="fromT"/>
+                  <dgm:param type="chAlign" val="r"/>
+                </dgm:alg>
+              </dgm:else>
+            </dgm:choose>
+            <dgm:shape xmlns:r="http://schemas.openxmlformats.org/officeDocument/2006/relationships" r:blip="">
+              <dgm:adjLst/>
+            </dgm:shape>
+            <dgm:presOf/>
+            <dgm:constrLst/>
+            <dgm:ruleLst/>
+            <dgm:forEach name="repeat" axis="ch">
+              <dgm:forEach name="Name11" axis="self" ptType="parTrans" cnt="1">
+                <dgm:layoutNode name="conn2-1">
+                  <dgm:choose name="Name12">
+                    <dgm:if name="Name13" func="var" arg="dir" op="equ" val="norm">
+                      <dgm:alg type="conn">
+                        <dgm:param type="dim" val="1D"/>
+                        <dgm:param type="begPts" val="midR"/>
+                        <dgm:param type="endPts" val="midL"/>
+                        <dgm:param type="endSty" val="noArr"/>
+                      </dgm:alg>
+                    </dgm:if>
+                    <dgm:else name="Name14">
+                      <dgm:alg type="conn">
+                        <dgm:param type="dim" val="1D"/>
+                        <dgm:param type="begPts" val="midL"/>
+                        <dgm:param type="endPts" val="midR"/>
+                        <dgm:param type="endSty" val="noArr"/>
+                      </dgm:alg>
+                    </dgm:else>
+                  </dgm:choose>
+                  <dgm:shape xmlns:r="http://schemas.openxmlformats.org/officeDocument/2006/relationships" type="conn" r:blip="">
+                    <dgm:adjLst/>
+                  </dgm:shape>
+                  <dgm:presOf axis="self"/>
+                  <dgm:constrLst>
+                    <dgm:constr type="w" val="1"/>
+                    <dgm:constr type="h" val="5"/>
+                    <dgm:constr type="connDist"/>
+                    <dgm:constr type="begPad"/>
+                    <dgm:constr type="endPad"/>
+                    <dgm:constr type="userA" for="ch" refType="connDist"/>
+                  </dgm:constrLst>
+                  <dgm:ruleLst/>
+                  <dgm:layoutNode name="connTx">
+                    <dgm:alg type="tx">
+                      <dgm:param type="autoTxRot" val="grav"/>
+                    </dgm:alg>
+                    <dgm:shape xmlns:r="http://schemas.openxmlformats.org/officeDocument/2006/relationships" type="rect" r:blip="" hideGeom="1">
+                      <dgm:adjLst/>
+                    </dgm:shape>
+                    <dgm:presOf axis="self"/>
+                    <dgm:constrLst>
+                      <dgm:constr type="userA"/>
+                      <dgm:constr type="w" refType="userA" fact="0.05"/>
+                      <dgm:constr type="h" refType="userA" fact="0.05"/>
+                      <dgm:constr type="lMarg" val="1"/>
+                      <dgm:constr type="rMarg" val="1"/>
+                      <dgm:constr type="tMarg"/>
+                      <dgm:constr type="bMarg"/>
+                    </dgm:constrLst>
+                    <dgm:ruleLst>
+                      <dgm:rule type="h" val="NaN" fact="0.25" max="NaN"/>
+                      <dgm:rule type="w" val="NaN" fact="0.8" max="NaN"/>
+                      <dgm:rule type="primFontSz" val="5" fact="NaN" max="NaN"/>
+                    </dgm:ruleLst>
+                  </dgm:layoutNode>
+                </dgm:layoutNode>
+              </dgm:forEach>
+              <dgm:forEach name="Name15" axis="self" ptType="node">
+                <dgm:layoutNode name="root2">
+                  <dgm:choose name="Name16">
+                    <dgm:if name="Name17" func="var" arg="dir" op="equ" val="norm">
+                      <dgm:alg type="hierRoot">
+                        <dgm:param type="hierAlign" val="lCtrCh"/>
+                      </dgm:alg>
+                    </dgm:if>
+                    <dgm:else name="Name18">
+                      <dgm:alg type="hierRoot">
+                        <dgm:param type="hierAlign" val="rCtrCh"/>
+                      </dgm:alg>
+                    </dgm:else>
+                  </dgm:choose>
+                  <dgm:shape xmlns:r="http://schemas.openxmlformats.org/officeDocument/2006/relationships" r:blip="">
+                    <dgm:adjLst/>
+                  </dgm:shape>
+                  <dgm:presOf/>
+                  <dgm:constrLst/>
+                  <dgm:ruleLst/>
+                  <dgm:layoutNode name="LevelTwoTextNode">
+                    <dgm:varLst>
+                      <dgm:chPref val="3"/>
+                    </dgm:varLst>
+                    <dgm:alg type="tx"/>
+                    <dgm:shape xmlns:r="http://schemas.openxmlformats.org/officeDocument/2006/relationships" type="roundRect" r:blip="">
+                      <dgm:adjLst>
+                        <dgm:adj idx="1" val="0.1"/>
+                      </dgm:adjLst>
+                    </dgm:shape>
+                    <dgm:presOf axis="self"/>
+                    <dgm:constrLst>
+                      <dgm:constr type="tMarg" refType="primFontSz" fact="0.05"/>
+                      <dgm:constr type="bMarg" refType="primFontSz" fact="0.05"/>
+                      <dgm:constr type="lMarg" refType="primFontSz" fact="0.05"/>
+                      <dgm:constr type="rMarg" refType="primFontSz" fact="0.05"/>
+                    </dgm:constrLst>
+                    <dgm:ruleLst>
+                      <dgm:rule type="primFontSz" val="5" fact="NaN" max="NaN"/>
+                    </dgm:ruleLst>
+                  </dgm:layoutNode>
+                  <dgm:layoutNode name="level3hierChild">
+                    <dgm:choose name="Name19">
+                      <dgm:if name="Name20" func="var" arg="dir" op="equ" val="norm">
+                        <dgm:alg type="hierChild">
+                          <dgm:param type="linDir" val="fromT"/>
+                          <dgm:param type="chAlign" val="l"/>
+                        </dgm:alg>
+                      </dgm:if>
+                      <dgm:else name="Name21">
+                        <dgm:alg type="hierChild">
+                          <dgm:param type="linDir" val="fromT"/>
+                          <dgm:param type="chAlign" val="r"/>
+                        </dgm:alg>
+                      </dgm:else>
+                    </dgm:choose>
+                    <dgm:shape xmlns:r="http://schemas.openxmlformats.org/officeDocument/2006/relationships" r:blip="">
+                      <dgm:adjLst/>
+                    </dgm:shape>
+                    <dgm:presOf/>
+                    <dgm:constrLst/>
+                    <dgm:ruleLst/>
+                    <dgm:forEach name="Name22" ref="repeat"/>
+                  </dgm:layoutNode>
+                </dgm:layoutNode>
+              </dgm:forEach>
+            </dgm:forEach>
+          </dgm:layoutNode>
+        </dgm:layoutNode>
+      </dgm:forEach>
+    </dgm:forEach>
+  </dgm:layoutNode>
+</dgm:layoutDef>
+</file>
+
 <file path=ppt/diagrams/quickStyle1.xml><?xml version="1.0" encoding="utf-8"?>
 <dgm:styleDef xmlns:dgm="http://schemas.openxmlformats.org/drawingml/2006/diagram" xmlns:a="http://schemas.openxmlformats.org/drawingml/2006/main" uniqueId="urn:microsoft.com/office/officeart/2005/8/quickstyle/simple1">
   <dgm:title val=""/>
@@ -10856,6 +12842,1040 @@
 </file>
 
 <file path=ppt/diagrams/quickStyle4.xml><?xml version="1.0" encoding="utf-8"?>
+<dgm:styleDef xmlns:dgm="http://schemas.openxmlformats.org/drawingml/2006/diagram" xmlns:a="http://schemas.openxmlformats.org/drawingml/2006/main" uniqueId="urn:microsoft.com/office/officeart/2005/8/quickstyle/simple1">
+  <dgm:title val=""/>
+  <dgm:desc val=""/>
+  <dgm:catLst>
+    <dgm:cat type="simple" pri="10100"/>
+  </dgm:catLst>
+  <dgm:scene3d>
+    <a:camera prst="orthographicFront"/>
+    <a:lightRig rig="threePt" dir="t"/>
+  </dgm:scene3d>
+  <dgm:styleLbl name="node0">
+    <dgm:scene3d>
+      <a:camera prst="orthographicFront"/>
+      <a:lightRig rig="threePt" dir="t"/>
+    </dgm:scene3d>
+    <dgm:sp3d/>
+    <dgm:txPr/>
+    <dgm:style>
+      <a:lnRef idx="2">
+        <a:scrgbClr r="0" g="0" b="0"/>
+      </a:lnRef>
+      <a:fillRef idx="1">
+        <a:scrgbClr r="0" g="0" b="0"/>
+      </a:fillRef>
+      <a:effectRef idx="0">
+        <a:scrgbClr r="0" g="0" b="0"/>
+      </a:effectRef>
+      <a:fontRef idx="minor">
+        <a:schemeClr val="lt1"/>
+      </a:fontRef>
+    </dgm:style>
+  </dgm:styleLbl>
+  <dgm:styleLbl name="lnNode1">
+    <dgm:scene3d>
+      <a:camera prst="orthographicFront"/>
+      <a:lightRig rig="threePt" dir="t"/>
+    </dgm:scene3d>
+    <dgm:sp3d/>
+    <dgm:txPr/>
+    <dgm:style>
+      <a:lnRef idx="2">
+        <a:scrgbClr r="0" g="0" b="0"/>
+      </a:lnRef>
+      <a:fillRef idx="1">
+        <a:scrgbClr r="0" g="0" b="0"/>
+      </a:fillRef>
+      <a:effectRef idx="0">
+        <a:scrgbClr r="0" g="0" b="0"/>
+      </a:effectRef>
+      <a:fontRef idx="minor">
+        <a:schemeClr val="lt1"/>
+      </a:fontRef>
+    </dgm:style>
+  </dgm:styleLbl>
+  <dgm:styleLbl name="vennNode1">
+    <dgm:scene3d>
+      <a:camera prst="orthographicFront"/>
+      <a:lightRig rig="threePt" dir="t"/>
+    </dgm:scene3d>
+    <dgm:sp3d/>
+    <dgm:txPr/>
+    <dgm:style>
+      <a:lnRef idx="2">
+        <a:scrgbClr r="0" g="0" b="0"/>
+      </a:lnRef>
+      <a:fillRef idx="1">
+        <a:scrgbClr r="0" g="0" b="0"/>
+      </a:fillRef>
+      <a:effectRef idx="0">
+        <a:scrgbClr r="0" g="0" b="0"/>
+      </a:effectRef>
+      <a:fontRef idx="minor">
+        <a:schemeClr val="tx1"/>
+      </a:fontRef>
+    </dgm:style>
+  </dgm:styleLbl>
+  <dgm:styleLbl name="alignNode1">
+    <dgm:scene3d>
+      <a:camera prst="orthographicFront"/>
+      <a:lightRig rig="threePt" dir="t"/>
+    </dgm:scene3d>
+    <dgm:sp3d/>
+    <dgm:txPr/>
+    <dgm:style>
+      <a:lnRef idx="2">
+        <a:scrgbClr r="0" g="0" b="0"/>
+      </a:lnRef>
+      <a:fillRef idx="1">
+        <a:scrgbClr r="0" g="0" b="0"/>
+      </a:fillRef>
+      <a:effectRef idx="0">
+        <a:scrgbClr r="0" g="0" b="0"/>
+      </a:effectRef>
+      <a:fontRef idx="minor">
+        <a:schemeClr val="lt1"/>
+      </a:fontRef>
+    </dgm:style>
+  </dgm:styleLbl>
+  <dgm:styleLbl name="node1">
+    <dgm:scene3d>
+      <a:camera prst="orthographicFront"/>
+      <a:lightRig rig="threePt" dir="t"/>
+    </dgm:scene3d>
+    <dgm:sp3d/>
+    <dgm:txPr/>
+    <dgm:style>
+      <a:lnRef idx="2">
+        <a:scrgbClr r="0" g="0" b="0"/>
+      </a:lnRef>
+      <a:fillRef idx="1">
+        <a:scrgbClr r="0" g="0" b="0"/>
+      </a:fillRef>
+      <a:effectRef idx="0">
+        <a:scrgbClr r="0" g="0" b="0"/>
+      </a:effectRef>
+      <a:fontRef idx="minor">
+        <a:schemeClr val="lt1"/>
+      </a:fontRef>
+    </dgm:style>
+  </dgm:styleLbl>
+  <dgm:styleLbl name="node2">
+    <dgm:scene3d>
+      <a:camera prst="orthographicFront"/>
+      <a:lightRig rig="threePt" dir="t"/>
+    </dgm:scene3d>
+    <dgm:sp3d/>
+    <dgm:txPr/>
+    <dgm:style>
+      <a:lnRef idx="2">
+        <a:scrgbClr r="0" g="0" b="0"/>
+      </a:lnRef>
+      <a:fillRef idx="1">
+        <a:scrgbClr r="0" g="0" b="0"/>
+      </a:fillRef>
+      <a:effectRef idx="0">
+        <a:scrgbClr r="0" g="0" b="0"/>
+      </a:effectRef>
+      <a:fontRef idx="minor">
+        <a:schemeClr val="lt1"/>
+      </a:fontRef>
+    </dgm:style>
+  </dgm:styleLbl>
+  <dgm:styleLbl name="node3">
+    <dgm:scene3d>
+      <a:camera prst="orthographicFront"/>
+      <a:lightRig rig="threePt" dir="t"/>
+    </dgm:scene3d>
+    <dgm:sp3d/>
+    <dgm:txPr/>
+    <dgm:style>
+      <a:lnRef idx="2">
+        <a:scrgbClr r="0" g="0" b="0"/>
+      </a:lnRef>
+      <a:fillRef idx="1">
+        <a:scrgbClr r="0" g="0" b="0"/>
+      </a:fillRef>
+      <a:effectRef idx="0">
+        <a:scrgbClr r="0" g="0" b="0"/>
+      </a:effectRef>
+      <a:fontRef idx="minor">
+        <a:schemeClr val="lt1"/>
+      </a:fontRef>
+    </dgm:style>
+  </dgm:styleLbl>
+  <dgm:styleLbl name="node4">
+    <dgm:scene3d>
+      <a:camera prst="orthographicFront"/>
+      <a:lightRig rig="threePt" dir="t"/>
+    </dgm:scene3d>
+    <dgm:sp3d/>
+    <dgm:txPr/>
+    <dgm:style>
+      <a:lnRef idx="2">
+        <a:scrgbClr r="0" g="0" b="0"/>
+      </a:lnRef>
+      <a:fillRef idx="1">
+        <a:scrgbClr r="0" g="0" b="0"/>
+      </a:fillRef>
+      <a:effectRef idx="0">
+        <a:scrgbClr r="0" g="0" b="0"/>
+      </a:effectRef>
+      <a:fontRef idx="minor">
+        <a:schemeClr val="lt1"/>
+      </a:fontRef>
+    </dgm:style>
+  </dgm:styleLbl>
+  <dgm:styleLbl name="fgImgPlace1">
+    <dgm:scene3d>
+      <a:camera prst="orthographicFront"/>
+      <a:lightRig rig="threePt" dir="t"/>
+    </dgm:scene3d>
+    <dgm:sp3d/>
+    <dgm:txPr/>
+    <dgm:style>
+      <a:lnRef idx="2">
+        <a:scrgbClr r="0" g="0" b="0"/>
+      </a:lnRef>
+      <a:fillRef idx="1">
+        <a:scrgbClr r="0" g="0" b="0"/>
+      </a:fillRef>
+      <a:effectRef idx="0">
+        <a:scrgbClr r="0" g="0" b="0"/>
+      </a:effectRef>
+      <a:fontRef idx="minor"/>
+    </dgm:style>
+  </dgm:styleLbl>
+  <dgm:styleLbl name="alignImgPlace1">
+    <dgm:scene3d>
+      <a:camera prst="orthographicFront"/>
+      <a:lightRig rig="threePt" dir="t"/>
+    </dgm:scene3d>
+    <dgm:sp3d/>
+    <dgm:txPr/>
+    <dgm:style>
+      <a:lnRef idx="2">
+        <a:scrgbClr r="0" g="0" b="0"/>
+      </a:lnRef>
+      <a:fillRef idx="1">
+        <a:scrgbClr r="0" g="0" b="0"/>
+      </a:fillRef>
+      <a:effectRef idx="0">
+        <a:scrgbClr r="0" g="0" b="0"/>
+      </a:effectRef>
+      <a:fontRef idx="minor"/>
+    </dgm:style>
+  </dgm:styleLbl>
+  <dgm:styleLbl name="bgImgPlace1">
+    <dgm:scene3d>
+      <a:camera prst="orthographicFront"/>
+      <a:lightRig rig="threePt" dir="t"/>
+    </dgm:scene3d>
+    <dgm:sp3d/>
+    <dgm:txPr/>
+    <dgm:style>
+      <a:lnRef idx="2">
+        <a:scrgbClr r="0" g="0" b="0"/>
+      </a:lnRef>
+      <a:fillRef idx="1">
+        <a:scrgbClr r="0" g="0" b="0"/>
+      </a:fillRef>
+      <a:effectRef idx="0">
+        <a:scrgbClr r="0" g="0" b="0"/>
+      </a:effectRef>
+      <a:fontRef idx="minor"/>
+    </dgm:style>
+  </dgm:styleLbl>
+  <dgm:styleLbl name="sibTrans2D1">
+    <dgm:scene3d>
+      <a:camera prst="orthographicFront"/>
+      <a:lightRig rig="threePt" dir="t"/>
+    </dgm:scene3d>
+    <dgm:sp3d/>
+    <dgm:txPr/>
+    <dgm:style>
+      <a:lnRef idx="0">
+        <a:scrgbClr r="0" g="0" b="0"/>
+      </a:lnRef>
+      <a:fillRef idx="1">
+        <a:scrgbClr r="0" g="0" b="0"/>
+      </a:fillRef>
+      <a:effectRef idx="0">
+        <a:scrgbClr r="0" g="0" b="0"/>
+      </a:effectRef>
+      <a:fontRef idx="minor">
+        <a:schemeClr val="lt1"/>
+      </a:fontRef>
+    </dgm:style>
+  </dgm:styleLbl>
+  <dgm:styleLbl name="fgSibTrans2D1">
+    <dgm:scene3d>
+      <a:camera prst="orthographicFront"/>
+      <a:lightRig rig="threePt" dir="t"/>
+    </dgm:scene3d>
+    <dgm:sp3d/>
+    <dgm:txPr/>
+    <dgm:style>
+      <a:lnRef idx="0">
+        <a:scrgbClr r="0" g="0" b="0"/>
+      </a:lnRef>
+      <a:fillRef idx="1">
+        <a:scrgbClr r="0" g="0" b="0"/>
+      </a:fillRef>
+      <a:effectRef idx="0">
+        <a:scrgbClr r="0" g="0" b="0"/>
+      </a:effectRef>
+      <a:fontRef idx="minor">
+        <a:schemeClr val="lt1"/>
+      </a:fontRef>
+    </dgm:style>
+  </dgm:styleLbl>
+  <dgm:styleLbl name="bgSibTrans2D1">
+    <dgm:scene3d>
+      <a:camera prst="orthographicFront"/>
+      <a:lightRig rig="threePt" dir="t"/>
+    </dgm:scene3d>
+    <dgm:sp3d/>
+    <dgm:txPr/>
+    <dgm:style>
+      <a:lnRef idx="0">
+        <a:scrgbClr r="0" g="0" b="0"/>
+      </a:lnRef>
+      <a:fillRef idx="1">
+        <a:scrgbClr r="0" g="0" b="0"/>
+      </a:fillRef>
+      <a:effectRef idx="0">
+        <a:scrgbClr r="0" g="0" b="0"/>
+      </a:effectRef>
+      <a:fontRef idx="minor">
+        <a:schemeClr val="lt1"/>
+      </a:fontRef>
+    </dgm:style>
+  </dgm:styleLbl>
+  <dgm:styleLbl name="sibTrans1D1">
+    <dgm:scene3d>
+      <a:camera prst="orthographicFront"/>
+      <a:lightRig rig="threePt" dir="t"/>
+    </dgm:scene3d>
+    <dgm:sp3d/>
+    <dgm:txPr/>
+    <dgm:style>
+      <a:lnRef idx="1">
+        <a:scrgbClr r="0" g="0" b="0"/>
+      </a:lnRef>
+      <a:fillRef idx="0">
+        <a:scrgbClr r="0" g="0" b="0"/>
+      </a:fillRef>
+      <a:effectRef idx="0">
+        <a:scrgbClr r="0" g="0" b="0"/>
+      </a:effectRef>
+      <a:fontRef idx="minor"/>
+    </dgm:style>
+  </dgm:styleLbl>
+  <dgm:styleLbl name="callout">
+    <dgm:scene3d>
+      <a:camera prst="orthographicFront"/>
+      <a:lightRig rig="threePt" dir="t"/>
+    </dgm:scene3d>
+    <dgm:sp3d/>
+    <dgm:txPr/>
+    <dgm:style>
+      <a:lnRef idx="2">
+        <a:scrgbClr r="0" g="0" b="0"/>
+      </a:lnRef>
+      <a:fillRef idx="1">
+        <a:scrgbClr r="0" g="0" b="0"/>
+      </a:fillRef>
+      <a:effectRef idx="0">
+        <a:scrgbClr r="0" g="0" b="0"/>
+      </a:effectRef>
+      <a:fontRef idx="minor"/>
+    </dgm:style>
+  </dgm:styleLbl>
+  <dgm:styleLbl name="asst0">
+    <dgm:scene3d>
+      <a:camera prst="orthographicFront"/>
+      <a:lightRig rig="threePt" dir="t"/>
+    </dgm:scene3d>
+    <dgm:sp3d/>
+    <dgm:txPr/>
+    <dgm:style>
+      <a:lnRef idx="2">
+        <a:scrgbClr r="0" g="0" b="0"/>
+      </a:lnRef>
+      <a:fillRef idx="1">
+        <a:scrgbClr r="0" g="0" b="0"/>
+      </a:fillRef>
+      <a:effectRef idx="0">
+        <a:scrgbClr r="0" g="0" b="0"/>
+      </a:effectRef>
+      <a:fontRef idx="minor">
+        <a:schemeClr val="lt1"/>
+      </a:fontRef>
+    </dgm:style>
+  </dgm:styleLbl>
+  <dgm:styleLbl name="asst1">
+    <dgm:scene3d>
+      <a:camera prst="orthographicFront"/>
+      <a:lightRig rig="threePt" dir="t"/>
+    </dgm:scene3d>
+    <dgm:sp3d/>
+    <dgm:txPr/>
+    <dgm:style>
+      <a:lnRef idx="2">
+        <a:scrgbClr r="0" g="0" b="0"/>
+      </a:lnRef>
+      <a:fillRef idx="1">
+        <a:scrgbClr r="0" g="0" b="0"/>
+      </a:fillRef>
+      <a:effectRef idx="0">
+        <a:scrgbClr r="0" g="0" b="0"/>
+      </a:effectRef>
+      <a:fontRef idx="minor">
+        <a:schemeClr val="lt1"/>
+      </a:fontRef>
+    </dgm:style>
+  </dgm:styleLbl>
+  <dgm:styleLbl name="asst2">
+    <dgm:scene3d>
+      <a:camera prst="orthographicFront"/>
+      <a:lightRig rig="threePt" dir="t"/>
+    </dgm:scene3d>
+    <dgm:sp3d/>
+    <dgm:txPr/>
+    <dgm:style>
+      <a:lnRef idx="2">
+        <a:scrgbClr r="0" g="0" b="0"/>
+      </a:lnRef>
+      <a:fillRef idx="1">
+        <a:scrgbClr r="0" g="0" b="0"/>
+      </a:fillRef>
+      <a:effectRef idx="0">
+        <a:scrgbClr r="0" g="0" b="0"/>
+      </a:effectRef>
+      <a:fontRef idx="minor">
+        <a:schemeClr val="lt1"/>
+      </a:fontRef>
+    </dgm:style>
+  </dgm:styleLbl>
+  <dgm:styleLbl name="asst3">
+    <dgm:scene3d>
+      <a:camera prst="orthographicFront"/>
+      <a:lightRig rig="threePt" dir="t"/>
+    </dgm:scene3d>
+    <dgm:sp3d/>
+    <dgm:txPr/>
+    <dgm:style>
+      <a:lnRef idx="2">
+        <a:scrgbClr r="0" g="0" b="0"/>
+      </a:lnRef>
+      <a:fillRef idx="1">
+        <a:scrgbClr r="0" g="0" b="0"/>
+      </a:fillRef>
+      <a:effectRef idx="0">
+        <a:scrgbClr r="0" g="0" b="0"/>
+      </a:effectRef>
+      <a:fontRef idx="minor">
+        <a:schemeClr val="lt1"/>
+      </a:fontRef>
+    </dgm:style>
+  </dgm:styleLbl>
+  <dgm:styleLbl name="asst4">
+    <dgm:scene3d>
+      <a:camera prst="orthographicFront"/>
+      <a:lightRig rig="threePt" dir="t"/>
+    </dgm:scene3d>
+    <dgm:sp3d/>
+    <dgm:txPr/>
+    <dgm:style>
+      <a:lnRef idx="2">
+        <a:scrgbClr r="0" g="0" b="0"/>
+      </a:lnRef>
+      <a:fillRef idx="1">
+        <a:scrgbClr r="0" g="0" b="0"/>
+      </a:fillRef>
+      <a:effectRef idx="0">
+        <a:scrgbClr r="0" g="0" b="0"/>
+      </a:effectRef>
+      <a:fontRef idx="minor">
+        <a:schemeClr val="lt1"/>
+      </a:fontRef>
+    </dgm:style>
+  </dgm:styleLbl>
+  <dgm:styleLbl name="parChTrans2D1">
+    <dgm:scene3d>
+      <a:camera prst="orthographicFront"/>
+      <a:lightRig rig="threePt" dir="t"/>
+    </dgm:scene3d>
+    <dgm:sp3d/>
+    <dgm:txPr/>
+    <dgm:style>
+      <a:lnRef idx="2">
+        <a:scrgbClr r="0" g="0" b="0"/>
+      </a:lnRef>
+      <a:fillRef idx="1">
+        <a:scrgbClr r="0" g="0" b="0"/>
+      </a:fillRef>
+      <a:effectRef idx="0">
+        <a:scrgbClr r="0" g="0" b="0"/>
+      </a:effectRef>
+      <a:fontRef idx="minor">
+        <a:schemeClr val="lt1"/>
+      </a:fontRef>
+    </dgm:style>
+  </dgm:styleLbl>
+  <dgm:styleLbl name="parChTrans2D2">
+    <dgm:scene3d>
+      <a:camera prst="orthographicFront"/>
+      <a:lightRig rig="threePt" dir="t"/>
+    </dgm:scene3d>
+    <dgm:sp3d/>
+    <dgm:txPr/>
+    <dgm:style>
+      <a:lnRef idx="2">
+        <a:scrgbClr r="0" g="0" b="0"/>
+      </a:lnRef>
+      <a:fillRef idx="1">
+        <a:scrgbClr r="0" g="0" b="0"/>
+      </a:fillRef>
+      <a:effectRef idx="0">
+        <a:scrgbClr r="0" g="0" b="0"/>
+      </a:effectRef>
+      <a:fontRef idx="minor">
+        <a:schemeClr val="lt1"/>
+      </a:fontRef>
+    </dgm:style>
+  </dgm:styleLbl>
+  <dgm:styleLbl name="parChTrans2D3">
+    <dgm:scene3d>
+      <a:camera prst="orthographicFront"/>
+      <a:lightRig rig="threePt" dir="t"/>
+    </dgm:scene3d>
+    <dgm:sp3d/>
+    <dgm:txPr/>
+    <dgm:style>
+      <a:lnRef idx="2">
+        <a:scrgbClr r="0" g="0" b="0"/>
+      </a:lnRef>
+      <a:fillRef idx="1">
+        <a:scrgbClr r="0" g="0" b="0"/>
+      </a:fillRef>
+      <a:effectRef idx="0">
+        <a:scrgbClr r="0" g="0" b="0"/>
+      </a:effectRef>
+      <a:fontRef idx="minor">
+        <a:schemeClr val="lt1"/>
+      </a:fontRef>
+    </dgm:style>
+  </dgm:styleLbl>
+  <dgm:styleLbl name="parChTrans2D4">
+    <dgm:scene3d>
+      <a:camera prst="orthographicFront"/>
+      <a:lightRig rig="threePt" dir="t"/>
+    </dgm:scene3d>
+    <dgm:sp3d/>
+    <dgm:txPr/>
+    <dgm:style>
+      <a:lnRef idx="2">
+        <a:scrgbClr r="0" g="0" b="0"/>
+      </a:lnRef>
+      <a:fillRef idx="1">
+        <a:scrgbClr r="0" g="0" b="0"/>
+      </a:fillRef>
+      <a:effectRef idx="0">
+        <a:scrgbClr r="0" g="0" b="0"/>
+      </a:effectRef>
+      <a:fontRef idx="minor">
+        <a:schemeClr val="lt1"/>
+      </a:fontRef>
+    </dgm:style>
+  </dgm:styleLbl>
+  <dgm:styleLbl name="parChTrans1D1">
+    <dgm:scene3d>
+      <a:camera prst="orthographicFront"/>
+      <a:lightRig rig="threePt" dir="t"/>
+    </dgm:scene3d>
+    <dgm:sp3d/>
+    <dgm:txPr/>
+    <dgm:style>
+      <a:lnRef idx="2">
+        <a:scrgbClr r="0" g="0" b="0"/>
+      </a:lnRef>
+      <a:fillRef idx="0">
+        <a:scrgbClr r="0" g="0" b="0"/>
+      </a:fillRef>
+      <a:effectRef idx="0">
+        <a:scrgbClr r="0" g="0" b="0"/>
+      </a:effectRef>
+      <a:fontRef idx="minor"/>
+    </dgm:style>
+  </dgm:styleLbl>
+  <dgm:styleLbl name="parChTrans1D2">
+    <dgm:scene3d>
+      <a:camera prst="orthographicFront"/>
+      <a:lightRig rig="threePt" dir="t"/>
+    </dgm:scene3d>
+    <dgm:sp3d/>
+    <dgm:txPr/>
+    <dgm:style>
+      <a:lnRef idx="2">
+        <a:scrgbClr r="0" g="0" b="0"/>
+      </a:lnRef>
+      <a:fillRef idx="0">
+        <a:scrgbClr r="0" g="0" b="0"/>
+      </a:fillRef>
+      <a:effectRef idx="0">
+        <a:scrgbClr r="0" g="0" b="0"/>
+      </a:effectRef>
+      <a:fontRef idx="minor"/>
+    </dgm:style>
+  </dgm:styleLbl>
+  <dgm:styleLbl name="parChTrans1D3">
+    <dgm:scene3d>
+      <a:camera prst="orthographicFront"/>
+      <a:lightRig rig="threePt" dir="t"/>
+    </dgm:scene3d>
+    <dgm:sp3d/>
+    <dgm:txPr/>
+    <dgm:style>
+      <a:lnRef idx="2">
+        <a:scrgbClr r="0" g="0" b="0"/>
+      </a:lnRef>
+      <a:fillRef idx="0">
+        <a:scrgbClr r="0" g="0" b="0"/>
+      </a:fillRef>
+      <a:effectRef idx="0">
+        <a:scrgbClr r="0" g="0" b="0"/>
+      </a:effectRef>
+      <a:fontRef idx="minor"/>
+    </dgm:style>
+  </dgm:styleLbl>
+  <dgm:styleLbl name="parChTrans1D4">
+    <dgm:scene3d>
+      <a:camera prst="orthographicFront"/>
+      <a:lightRig rig="threePt" dir="t"/>
+    </dgm:scene3d>
+    <dgm:sp3d/>
+    <dgm:txPr/>
+    <dgm:style>
+      <a:lnRef idx="2">
+        <a:scrgbClr r="0" g="0" b="0"/>
+      </a:lnRef>
+      <a:fillRef idx="0">
+        <a:scrgbClr r="0" g="0" b="0"/>
+      </a:fillRef>
+      <a:effectRef idx="0">
+        <a:scrgbClr r="0" g="0" b="0"/>
+      </a:effectRef>
+      <a:fontRef idx="minor"/>
+    </dgm:style>
+  </dgm:styleLbl>
+  <dgm:styleLbl name="fgAcc1">
+    <dgm:scene3d>
+      <a:camera prst="orthographicFront"/>
+      <a:lightRig rig="threePt" dir="t"/>
+    </dgm:scene3d>
+    <dgm:sp3d/>
+    <dgm:txPr/>
+    <dgm:style>
+      <a:lnRef idx="2">
+        <a:scrgbClr r="0" g="0" b="0"/>
+      </a:lnRef>
+      <a:fillRef idx="1">
+        <a:scrgbClr r="0" g="0" b="0"/>
+      </a:fillRef>
+      <a:effectRef idx="0">
+        <a:scrgbClr r="0" g="0" b="0"/>
+      </a:effectRef>
+      <a:fontRef idx="minor"/>
+    </dgm:style>
+  </dgm:styleLbl>
+  <dgm:styleLbl name="conFgAcc1">
+    <dgm:scene3d>
+      <a:camera prst="orthographicFront"/>
+      <a:lightRig rig="threePt" dir="t"/>
+    </dgm:scene3d>
+    <dgm:sp3d/>
+    <dgm:txPr/>
+    <dgm:style>
+      <a:lnRef idx="2">
+        <a:scrgbClr r="0" g="0" b="0"/>
+      </a:lnRef>
+      <a:fillRef idx="1">
+        <a:scrgbClr r="0" g="0" b="0"/>
+      </a:fillRef>
+      <a:effectRef idx="0">
+        <a:scrgbClr r="0" g="0" b="0"/>
+      </a:effectRef>
+      <a:fontRef idx="minor"/>
+    </dgm:style>
+  </dgm:styleLbl>
+  <dgm:styleLbl name="alignAcc1">
+    <dgm:scene3d>
+      <a:camera prst="orthographicFront"/>
+      <a:lightRig rig="threePt" dir="t"/>
+    </dgm:scene3d>
+    <dgm:sp3d/>
+    <dgm:txPr/>
+    <dgm:style>
+      <a:lnRef idx="2">
+        <a:scrgbClr r="0" g="0" b="0"/>
+      </a:lnRef>
+      <a:fillRef idx="1">
+        <a:scrgbClr r="0" g="0" b="0"/>
+      </a:fillRef>
+      <a:effectRef idx="0">
+        <a:scrgbClr r="0" g="0" b="0"/>
+      </a:effectRef>
+      <a:fontRef idx="minor"/>
+    </dgm:style>
+  </dgm:styleLbl>
+  <dgm:styleLbl name="trAlignAcc1">
+    <dgm:scene3d>
+      <a:camera prst="orthographicFront"/>
+      <a:lightRig rig="threePt" dir="t"/>
+    </dgm:scene3d>
+    <dgm:sp3d/>
+    <dgm:txPr/>
+    <dgm:style>
+      <a:lnRef idx="1">
+        <a:scrgbClr r="0" g="0" b="0"/>
+      </a:lnRef>
+      <a:fillRef idx="1">
+        <a:scrgbClr r="0" g="0" b="0"/>
+      </a:fillRef>
+      <a:effectRef idx="0">
+        <a:scrgbClr r="0" g="0" b="0"/>
+      </a:effectRef>
+      <a:fontRef idx="minor"/>
+    </dgm:style>
+  </dgm:styleLbl>
+  <dgm:styleLbl name="bgAcc1">
+    <dgm:scene3d>
+      <a:camera prst="orthographicFront"/>
+      <a:lightRig rig="threePt" dir="t"/>
+    </dgm:scene3d>
+    <dgm:sp3d/>
+    <dgm:txPr/>
+    <dgm:style>
+      <a:lnRef idx="2">
+        <a:scrgbClr r="0" g="0" b="0"/>
+      </a:lnRef>
+      <a:fillRef idx="1">
+        <a:scrgbClr r="0" g="0" b="0"/>
+      </a:fillRef>
+      <a:effectRef idx="0">
+        <a:scrgbClr r="0" g="0" b="0"/>
+      </a:effectRef>
+      <a:fontRef idx="minor"/>
+    </dgm:style>
+  </dgm:styleLbl>
+  <dgm:styleLbl name="solidFgAcc1">
+    <dgm:scene3d>
+      <a:camera prst="orthographicFront"/>
+      <a:lightRig rig="threePt" dir="t"/>
+    </dgm:scene3d>
+    <dgm:sp3d/>
+    <dgm:txPr/>
+    <dgm:style>
+      <a:lnRef idx="2">
+        <a:scrgbClr r="0" g="0" b="0"/>
+      </a:lnRef>
+      <a:fillRef idx="1">
+        <a:scrgbClr r="0" g="0" b="0"/>
+      </a:fillRef>
+      <a:effectRef idx="0">
+        <a:scrgbClr r="0" g="0" b="0"/>
+      </a:effectRef>
+      <a:fontRef idx="minor"/>
+    </dgm:style>
+  </dgm:styleLbl>
+  <dgm:styleLbl name="solidAlignAcc1">
+    <dgm:scene3d>
+      <a:camera prst="orthographicFront"/>
+      <a:lightRig rig="threePt" dir="t"/>
+    </dgm:scene3d>
+    <dgm:sp3d/>
+    <dgm:txPr/>
+    <dgm:style>
+      <a:lnRef idx="2">
+        <a:scrgbClr r="0" g="0" b="0"/>
+      </a:lnRef>
+      <a:fillRef idx="1">
+        <a:scrgbClr r="0" g="0" b="0"/>
+      </a:fillRef>
+      <a:effectRef idx="0">
+        <a:scrgbClr r="0" g="0" b="0"/>
+      </a:effectRef>
+      <a:fontRef idx="minor"/>
+    </dgm:style>
+  </dgm:styleLbl>
+  <dgm:styleLbl name="solidBgAcc1">
+    <dgm:scene3d>
+      <a:camera prst="orthographicFront"/>
+      <a:lightRig rig="threePt" dir="t"/>
+    </dgm:scene3d>
+    <dgm:sp3d/>
+    <dgm:txPr/>
+    <dgm:style>
+      <a:lnRef idx="2">
+        <a:scrgbClr r="0" g="0" b="0"/>
+      </a:lnRef>
+      <a:fillRef idx="1">
+        <a:scrgbClr r="0" g="0" b="0"/>
+      </a:fillRef>
+      <a:effectRef idx="0">
+        <a:scrgbClr r="0" g="0" b="0"/>
+      </a:effectRef>
+      <a:fontRef idx="minor"/>
+    </dgm:style>
+  </dgm:styleLbl>
+  <dgm:styleLbl name="fgAccFollowNode1">
+    <dgm:scene3d>
+      <a:camera prst="orthographicFront"/>
+      <a:lightRig rig="threePt" dir="t"/>
+    </dgm:scene3d>
+    <dgm:sp3d/>
+    <dgm:txPr/>
+    <dgm:style>
+      <a:lnRef idx="2">
+        <a:scrgbClr r="0" g="0" b="0"/>
+      </a:lnRef>
+      <a:fillRef idx="1">
+        <a:scrgbClr r="0" g="0" b="0"/>
+      </a:fillRef>
+      <a:effectRef idx="0">
+        <a:scrgbClr r="0" g="0" b="0"/>
+      </a:effectRef>
+      <a:fontRef idx="minor"/>
+    </dgm:style>
+  </dgm:styleLbl>
+  <dgm:styleLbl name="alignAccFollowNode1">
+    <dgm:scene3d>
+      <a:camera prst="orthographicFront"/>
+      <a:lightRig rig="threePt" dir="t"/>
+    </dgm:scene3d>
+    <dgm:sp3d/>
+    <dgm:txPr/>
+    <dgm:style>
+      <a:lnRef idx="2">
+        <a:scrgbClr r="0" g="0" b="0"/>
+      </a:lnRef>
+      <a:fillRef idx="1">
+        <a:scrgbClr r="0" g="0" b="0"/>
+      </a:fillRef>
+      <a:effectRef idx="0">
+        <a:scrgbClr r="0" g="0" b="0"/>
+      </a:effectRef>
+      <a:fontRef idx="minor"/>
+    </dgm:style>
+  </dgm:styleLbl>
+  <dgm:styleLbl name="bgAccFollowNode1">
+    <dgm:scene3d>
+      <a:camera prst="orthographicFront"/>
+      <a:lightRig rig="threePt" dir="t"/>
+    </dgm:scene3d>
+    <dgm:sp3d/>
+    <dgm:txPr/>
+    <dgm:style>
+      <a:lnRef idx="2">
+        <a:scrgbClr r="0" g="0" b="0"/>
+      </a:lnRef>
+      <a:fillRef idx="1">
+        <a:scrgbClr r="0" g="0" b="0"/>
+      </a:fillRef>
+      <a:effectRef idx="0">
+        <a:scrgbClr r="0" g="0" b="0"/>
+      </a:effectRef>
+      <a:fontRef idx="minor"/>
+    </dgm:style>
+  </dgm:styleLbl>
+  <dgm:styleLbl name="fgAcc0">
+    <dgm:scene3d>
+      <a:camera prst="orthographicFront"/>
+      <a:lightRig rig="threePt" dir="t"/>
+    </dgm:scene3d>
+    <dgm:sp3d/>
+    <dgm:txPr/>
+    <dgm:style>
+      <a:lnRef idx="2">
+        <a:scrgbClr r="0" g="0" b="0"/>
+      </a:lnRef>
+      <a:fillRef idx="1">
+        <a:scrgbClr r="0" g="0" b="0"/>
+      </a:fillRef>
+      <a:effectRef idx="0">
+        <a:scrgbClr r="0" g="0" b="0"/>
+      </a:effectRef>
+      <a:fontRef idx="minor"/>
+    </dgm:style>
+  </dgm:styleLbl>
+  <dgm:styleLbl name="fgAcc2">
+    <dgm:scene3d>
+      <a:camera prst="orthographicFront"/>
+      <a:lightRig rig="threePt" dir="t"/>
+    </dgm:scene3d>
+    <dgm:sp3d/>
+    <dgm:txPr/>
+    <dgm:style>
+      <a:lnRef idx="2">
+        <a:scrgbClr r="0" g="0" b="0"/>
+      </a:lnRef>
+      <a:fillRef idx="1">
+        <a:scrgbClr r="0" g="0" b="0"/>
+      </a:fillRef>
+      <a:effectRef idx="0">
+        <a:scrgbClr r="0" g="0" b="0"/>
+      </a:effectRef>
+      <a:fontRef idx="minor"/>
+    </dgm:style>
+  </dgm:styleLbl>
+  <dgm:styleLbl name="fgAcc3">
+    <dgm:scene3d>
+      <a:camera prst="orthographicFront"/>
+      <a:lightRig rig="threePt" dir="t"/>
+    </dgm:scene3d>
+    <dgm:sp3d/>
+    <dgm:txPr/>
+    <dgm:style>
+      <a:lnRef idx="2">
+        <a:scrgbClr r="0" g="0" b="0"/>
+      </a:lnRef>
+      <a:fillRef idx="1">
+        <a:scrgbClr r="0" g="0" b="0"/>
+      </a:fillRef>
+      <a:effectRef idx="0">
+        <a:scrgbClr r="0" g="0" b="0"/>
+      </a:effectRef>
+      <a:fontRef idx="minor"/>
+    </dgm:style>
+  </dgm:styleLbl>
+  <dgm:styleLbl name="fgAcc4">
+    <dgm:scene3d>
+      <a:camera prst="orthographicFront"/>
+      <a:lightRig rig="threePt" dir="t"/>
+    </dgm:scene3d>
+    <dgm:sp3d/>
+    <dgm:txPr/>
+    <dgm:style>
+      <a:lnRef idx="2">
+        <a:scrgbClr r="0" g="0" b="0"/>
+      </a:lnRef>
+      <a:fillRef idx="1">
+        <a:scrgbClr r="0" g="0" b="0"/>
+      </a:fillRef>
+      <a:effectRef idx="0">
+        <a:scrgbClr r="0" g="0" b="0"/>
+      </a:effectRef>
+      <a:fontRef idx="minor"/>
+    </dgm:style>
+  </dgm:styleLbl>
+  <dgm:styleLbl name="bgShp">
+    <dgm:scene3d>
+      <a:camera prst="orthographicFront"/>
+      <a:lightRig rig="threePt" dir="t"/>
+    </dgm:scene3d>
+    <dgm:sp3d/>
+    <dgm:txPr/>
+    <dgm:style>
+      <a:lnRef idx="0">
+        <a:scrgbClr r="0" g="0" b="0"/>
+      </a:lnRef>
+      <a:fillRef idx="1">
+        <a:scrgbClr r="0" g="0" b="0"/>
+      </a:fillRef>
+      <a:effectRef idx="0">
+        <a:scrgbClr r="0" g="0" b="0"/>
+      </a:effectRef>
+      <a:fontRef idx="minor"/>
+    </dgm:style>
+  </dgm:styleLbl>
+  <dgm:styleLbl name="dkBgShp">
+    <dgm:scene3d>
+      <a:camera prst="orthographicFront"/>
+      <a:lightRig rig="threePt" dir="t"/>
+    </dgm:scene3d>
+    <dgm:sp3d/>
+    <dgm:txPr/>
+    <dgm:style>
+      <a:lnRef idx="0">
+        <a:scrgbClr r="0" g="0" b="0"/>
+      </a:lnRef>
+      <a:fillRef idx="1">
+        <a:scrgbClr r="0" g="0" b="0"/>
+      </a:fillRef>
+      <a:effectRef idx="0">
+        <a:scrgbClr r="0" g="0" b="0"/>
+      </a:effectRef>
+      <a:fontRef idx="minor"/>
+    </dgm:style>
+  </dgm:styleLbl>
+  <dgm:styleLbl name="trBgShp">
+    <dgm:scene3d>
+      <a:camera prst="orthographicFront"/>
+      <a:lightRig rig="threePt" dir="t"/>
+    </dgm:scene3d>
+    <dgm:sp3d/>
+    <dgm:txPr/>
+    <dgm:style>
+      <a:lnRef idx="0">
+        <a:scrgbClr r="0" g="0" b="0"/>
+      </a:lnRef>
+      <a:fillRef idx="1">
+        <a:scrgbClr r="0" g="0" b="0"/>
+      </a:fillRef>
+      <a:effectRef idx="0">
+        <a:scrgbClr r="0" g="0" b="0"/>
+      </a:effectRef>
+      <a:fontRef idx="minor"/>
+    </dgm:style>
+  </dgm:styleLbl>
+  <dgm:styleLbl name="fgShp">
+    <dgm:scene3d>
+      <a:camera prst="orthographicFront"/>
+      <a:lightRig rig="threePt" dir="t"/>
+    </dgm:scene3d>
+    <dgm:sp3d/>
+    <dgm:txPr/>
+    <dgm:style>
+      <a:lnRef idx="2">
+        <a:scrgbClr r="0" g="0" b="0"/>
+      </a:lnRef>
+      <a:fillRef idx="1">
+        <a:scrgbClr r="0" g="0" b="0"/>
+      </a:fillRef>
+      <a:effectRef idx="0">
+        <a:scrgbClr r="0" g="0" b="0"/>
+      </a:effectRef>
+      <a:fontRef idx="minor"/>
+    </dgm:style>
+  </dgm:styleLbl>
+  <dgm:styleLbl name="revTx">
+    <dgm:scene3d>
+      <a:camera prst="orthographicFront"/>
+      <a:lightRig rig="threePt" dir="t"/>
+    </dgm:scene3d>
+    <dgm:sp3d/>
+    <dgm:txPr/>
+    <dgm:style>
+      <a:lnRef idx="0">
+        <a:scrgbClr r="0" g="0" b="0"/>
+      </a:lnRef>
+      <a:fillRef idx="0">
+        <a:scrgbClr r="0" g="0" b="0"/>
+      </a:fillRef>
+      <a:effectRef idx="0">
+        <a:scrgbClr r="0" g="0" b="0"/>
+      </a:effectRef>
+      <a:fontRef idx="minor"/>
+    </dgm:style>
+  </dgm:styleLbl>
+</dgm:styleDef>
+</file>
+
+<file path=ppt/diagrams/quickStyle5.xml><?xml version="1.0" encoding="utf-8"?>
 <dgm:styleDef xmlns:dgm="http://schemas.openxmlformats.org/drawingml/2006/diagram" xmlns:a="http://schemas.openxmlformats.org/drawingml/2006/main" uniqueId="urn:microsoft.com/office/officeart/2005/8/quickstyle/simple1">
   <dgm:title val=""/>
   <dgm:desc val=""/>
@@ -15024,6 +18044,361 @@
     <p:extLst>
       <p:ext uri="{BB962C8B-B14F-4D97-AF65-F5344CB8AC3E}">
         <p14:creationId xmlns:p14="http://schemas.microsoft.com/office/powerpoint/2010/main" val="1059215615"/>
+      </p:ext>
+    </p:extLst>
+  </p:cSld>
+  <p:clrMapOvr>
+    <a:masterClrMapping/>
+  </p:clrMapOvr>
+</p:sld>
+</file>
+
+<file path=ppt/slides/slide10.xml><?xml version="1.0" encoding="utf-8"?>
+<p:sld xmlns:a="http://schemas.openxmlformats.org/drawingml/2006/main" xmlns:r="http://schemas.openxmlformats.org/officeDocument/2006/relationships" xmlns:p="http://schemas.openxmlformats.org/presentationml/2006/main">
+  <p:cSld>
+    <p:spTree>
+      <p:nvGrpSpPr>
+        <p:cNvPr id="1" name=""/>
+        <p:cNvGrpSpPr/>
+        <p:nvPr/>
+      </p:nvGrpSpPr>
+      <p:grpSpPr>
+        <a:xfrm>
+          <a:off x="0" y="0"/>
+          <a:ext cx="0" cy="0"/>
+          <a:chOff x="0" y="0"/>
+          <a:chExt cx="0" cy="0"/>
+        </a:xfrm>
+      </p:grpSpPr>
+      <p:sp>
+        <p:nvSpPr>
+          <p:cNvPr id="4" name="Título 1">
+            <a:extLst>
+              <a:ext uri="{FF2B5EF4-FFF2-40B4-BE49-F238E27FC236}">
+                <a16:creationId xmlns:a16="http://schemas.microsoft.com/office/drawing/2014/main" id="{C736E2C2-565F-4EE7-9A5F-7431CB35BD98}"/>
+              </a:ext>
+            </a:extLst>
+          </p:cNvPr>
+          <p:cNvSpPr txBox="1">
+            <a:spLocks/>
+          </p:cNvSpPr>
+          <p:nvPr/>
+        </p:nvSpPr>
+        <p:spPr>
+          <a:xfrm>
+            <a:off x="1" y="463097"/>
+            <a:ext cx="9144000" cy="676014"/>
+          </a:xfrm>
+          <a:prstGeom prst="rect">
+            <a:avLst/>
+          </a:prstGeom>
+          <a:solidFill>
+            <a:srgbClr val="3886CC"/>
+          </a:solidFill>
+        </p:spPr>
+        <p:txBody>
+          <a:bodyPr vert="horz" lIns="91440" tIns="45720" rIns="91440" bIns="45720" rtlCol="0" anchor="ctr">
+            <a:normAutofit fontScale="97500" lnSpcReduction="10000"/>
+          </a:bodyPr>
+          <a:lstStyle>
+            <a:lvl1pPr algn="l" defTabSz="914400" rtl="0" eaLnBrk="1" latinLnBrk="0" hangingPunct="1">
+              <a:lnSpc>
+                <a:spcPct val="90000"/>
+              </a:lnSpc>
+              <a:spcBef>
+                <a:spcPct val="0"/>
+              </a:spcBef>
+              <a:buNone/>
+              <a:defRPr sz="4400" kern="1200">
+                <a:solidFill>
+                  <a:schemeClr val="tx1"/>
+                </a:solidFill>
+                <a:latin typeface="+mj-lt"/>
+                <a:ea typeface="+mj-ea"/>
+                <a:cs typeface="+mj-cs"/>
+              </a:defRPr>
+            </a:lvl1pPr>
+          </a:lstStyle>
+          <a:p>
+            <a:r>
+              <a:rPr lang="en-US" dirty="0">
+                <a:solidFill>
+                  <a:schemeClr val="bg1"/>
+                </a:solidFill>
+              </a:rPr>
+              <a:t>	</a:t>
+            </a:r>
+            <a:r>
+              <a:rPr lang="en-US" b="1" dirty="0">
+                <a:solidFill>
+                  <a:schemeClr val="bg1"/>
+                </a:solidFill>
+                <a:latin typeface="Candara" panose="020E0502030303020204" pitchFamily="34" charset="0"/>
+              </a:rPr>
+              <a:t>Model</a:t>
+            </a:r>
+            <a:endParaRPr lang="en-GB" b="1" dirty="0">
+              <a:solidFill>
+                <a:schemeClr val="bg1"/>
+              </a:solidFill>
+              <a:latin typeface="Candara" panose="020E0502030303020204" pitchFamily="34" charset="0"/>
+            </a:endParaRPr>
+          </a:p>
+        </p:txBody>
+      </p:sp>
+      <p:grpSp>
+        <p:nvGrpSpPr>
+          <p:cNvPr id="6" name="Grupo 5">
+            <a:extLst>
+              <a:ext uri="{FF2B5EF4-FFF2-40B4-BE49-F238E27FC236}">
+                <a16:creationId xmlns:a16="http://schemas.microsoft.com/office/drawing/2014/main" id="{40594550-BD22-4435-80F5-F41248669E21}"/>
+              </a:ext>
+            </a:extLst>
+          </p:cNvPr>
+          <p:cNvGrpSpPr/>
+          <p:nvPr/>
+        </p:nvGrpSpPr>
+        <p:grpSpPr>
+          <a:xfrm>
+            <a:off x="713217" y="1647362"/>
+            <a:ext cx="2507061" cy="813758"/>
+            <a:chOff x="2080" y="1905132"/>
+            <a:chExt cx="1710916" cy="855458"/>
+          </a:xfrm>
+        </p:grpSpPr>
+        <p:sp>
+          <p:nvSpPr>
+            <p:cNvPr id="7" name="Rectángulo: esquinas redondeadas 6">
+              <a:extLst>
+                <a:ext uri="{FF2B5EF4-FFF2-40B4-BE49-F238E27FC236}">
+                  <a16:creationId xmlns:a16="http://schemas.microsoft.com/office/drawing/2014/main" id="{9A2DA0CB-6191-4382-822F-DC5827B63853}"/>
+                </a:ext>
+              </a:extLst>
+            </p:cNvPr>
+            <p:cNvSpPr/>
+            <p:nvPr/>
+          </p:nvSpPr>
+          <p:spPr>
+            <a:xfrm>
+              <a:off x="2080" y="1905132"/>
+              <a:ext cx="1710916" cy="855458"/>
+            </a:xfrm>
+            <a:prstGeom prst="roundRect">
+              <a:avLst>
+                <a:gd name="adj" fmla="val 10000"/>
+              </a:avLst>
+            </a:prstGeom>
+            <a:solidFill>
+              <a:srgbClr val="C0DEED"/>
+            </a:solidFill>
+          </p:spPr>
+          <p:style>
+            <a:lnRef idx="2">
+              <a:schemeClr val="lt1">
+                <a:hueOff val="0"/>
+                <a:satOff val="0"/>
+                <a:lumOff val="0"/>
+                <a:alphaOff val="0"/>
+              </a:schemeClr>
+            </a:lnRef>
+            <a:fillRef idx="1">
+              <a:scrgbClr r="0" g="0" b="0"/>
+            </a:fillRef>
+            <a:effectRef idx="0">
+              <a:schemeClr val="accent1">
+                <a:hueOff val="0"/>
+                <a:satOff val="0"/>
+                <a:lumOff val="0"/>
+                <a:alphaOff val="0"/>
+              </a:schemeClr>
+            </a:effectRef>
+            <a:fontRef idx="minor">
+              <a:schemeClr val="lt1"/>
+            </a:fontRef>
+          </p:style>
+        </p:sp>
+        <p:sp>
+          <p:nvSpPr>
+            <p:cNvPr id="8" name="Rectángulo: esquinas redondeadas 4">
+              <a:extLst>
+                <a:ext uri="{FF2B5EF4-FFF2-40B4-BE49-F238E27FC236}">
+                  <a16:creationId xmlns:a16="http://schemas.microsoft.com/office/drawing/2014/main" id="{3C60D3E6-A068-4852-8E95-D6A8B9269B0D}"/>
+                </a:ext>
+              </a:extLst>
+            </p:cNvPr>
+            <p:cNvSpPr txBox="1"/>
+            <p:nvPr/>
+          </p:nvSpPr>
+          <p:spPr>
+            <a:xfrm>
+              <a:off x="27136" y="1930188"/>
+              <a:ext cx="1660804" cy="805346"/>
+            </a:xfrm>
+            <a:prstGeom prst="rect">
+              <a:avLst/>
+            </a:prstGeom>
+          </p:spPr>
+          <p:style>
+            <a:lnRef idx="0">
+              <a:scrgbClr r="0" g="0" b="0"/>
+            </a:lnRef>
+            <a:fillRef idx="0">
+              <a:scrgbClr r="0" g="0" b="0"/>
+            </a:fillRef>
+            <a:effectRef idx="0">
+              <a:scrgbClr r="0" g="0" b="0"/>
+            </a:effectRef>
+            <a:fontRef idx="minor">
+              <a:schemeClr val="lt1"/>
+            </a:fontRef>
+          </p:style>
+          <p:txBody>
+            <a:bodyPr spcFirstLastPara="0" vert="horz" wrap="square" lIns="17145" tIns="17145" rIns="17145" bIns="17145" numCol="1" spcCol="1270" anchor="ctr" anchorCtr="0">
+              <a:noAutofit/>
+            </a:bodyPr>
+            <a:lstStyle/>
+            <a:p>
+              <a:pPr marL="0" lvl="0" indent="0" algn="ctr" defTabSz="1200150">
+                <a:lnSpc>
+                  <a:spcPct val="90000"/>
+                </a:lnSpc>
+                <a:spcBef>
+                  <a:spcPct val="0"/>
+                </a:spcBef>
+                <a:spcAft>
+                  <a:spcPct val="35000"/>
+                </a:spcAft>
+                <a:buNone/>
+              </a:pPr>
+              <a:r>
+                <a:rPr lang="es-ES" sz="2700" b="1" dirty="0">
+                  <a:solidFill>
+                    <a:schemeClr val="tx1"/>
+                  </a:solidFill>
+                  <a:latin typeface="Candara" panose="020E0502030303020204" pitchFamily="34" charset="0"/>
+                </a:rPr>
+                <a:t>Text</a:t>
+              </a:r>
+              <a:endParaRPr lang="en-GB" sz="2700" b="1" kern="1200" dirty="0">
+                <a:solidFill>
+                  <a:schemeClr val="tx1"/>
+                </a:solidFill>
+                <a:latin typeface="Candara" panose="020E0502030303020204" pitchFamily="34" charset="0"/>
+              </a:endParaRPr>
+            </a:p>
+          </p:txBody>
+        </p:sp>
+      </p:grpSp>
+      <p:sp>
+        <p:nvSpPr>
+          <p:cNvPr id="9" name="CuadroTexto 8">
+            <a:extLst>
+              <a:ext uri="{FF2B5EF4-FFF2-40B4-BE49-F238E27FC236}">
+                <a16:creationId xmlns:a16="http://schemas.microsoft.com/office/drawing/2014/main" id="{6587C80D-2BB4-468A-A7E1-DF74BCC71C33}"/>
+              </a:ext>
+            </a:extLst>
+          </p:cNvPr>
+          <p:cNvSpPr txBox="1"/>
+          <p:nvPr/>
+        </p:nvSpPr>
+        <p:spPr>
+          <a:xfrm>
+            <a:off x="1152029" y="2931207"/>
+            <a:ext cx="6560736" cy="2139047"/>
+          </a:xfrm>
+          <a:prstGeom prst="rect">
+            <a:avLst/>
+          </a:prstGeom>
+          <a:solidFill>
+            <a:schemeClr val="bg1"/>
+          </a:solidFill>
+        </p:spPr>
+        <p:txBody>
+          <a:bodyPr wrap="square" rtlCol="0">
+            <a:spAutoFit/>
+          </a:bodyPr>
+          <a:lstStyle/>
+          <a:p>
+            <a:pPr marL="285750" indent="-285750">
+              <a:buFont typeface="Arial" panose="020B0604020202020204" pitchFamily="34" charset="0"/>
+              <a:buChar char="•"/>
+            </a:pPr>
+            <a:r>
+              <a:rPr lang="en-GB" sz="1900" dirty="0">
+                <a:latin typeface="Candara" panose="020E0502030303020204" pitchFamily="34" charset="0"/>
+              </a:rPr>
+              <a:t>Predict the intervals of RT for classes</a:t>
+            </a:r>
+          </a:p>
+          <a:p>
+            <a:pPr marL="285750" indent="-285750">
+              <a:buFont typeface="Arial" panose="020B0604020202020204" pitchFamily="34" charset="0"/>
+              <a:buChar char="•"/>
+            </a:pPr>
+            <a:r>
+              <a:rPr lang="en-GB" sz="1900" dirty="0">
+                <a:latin typeface="Candara" panose="020E0502030303020204" pitchFamily="34" charset="0"/>
+              </a:rPr>
+              <a:t>Models used to predict:</a:t>
+            </a:r>
+          </a:p>
+          <a:p>
+            <a:pPr marL="285750" indent="-285750">
+              <a:buFont typeface="Arial" panose="020B0604020202020204" pitchFamily="34" charset="0"/>
+              <a:buChar char="•"/>
+            </a:pPr>
+            <a:endParaRPr lang="en-GB" sz="1900" dirty="0">
+              <a:latin typeface="Candara" panose="020E0502030303020204" pitchFamily="34" charset="0"/>
+            </a:endParaRPr>
+          </a:p>
+          <a:p>
+            <a:pPr marL="285750" indent="-285750">
+              <a:buFont typeface="Arial" panose="020B0604020202020204" pitchFamily="34" charset="0"/>
+              <a:buChar char="•"/>
+            </a:pPr>
+            <a:endParaRPr lang="en-GB" sz="1900" dirty="0">
+              <a:latin typeface="Candara" panose="020E0502030303020204" pitchFamily="34" charset="0"/>
+            </a:endParaRPr>
+          </a:p>
+          <a:p>
+            <a:pPr marL="285750" indent="-285750">
+              <a:buFont typeface="Arial" panose="020B0604020202020204" pitchFamily="34" charset="0"/>
+              <a:buChar char="•"/>
+            </a:pPr>
+            <a:r>
+              <a:rPr lang="en-GB" sz="1900" dirty="0">
+                <a:latin typeface="Candara" panose="020E0502030303020204" pitchFamily="34" charset="0"/>
+              </a:rPr>
+              <a:t>Predict the intervals of FC for classes</a:t>
+            </a:r>
+          </a:p>
+          <a:p>
+            <a:pPr marL="285750" indent="-285750">
+              <a:buFont typeface="Arial" panose="020B0604020202020204" pitchFamily="34" charset="0"/>
+              <a:buChar char="•"/>
+            </a:pPr>
+            <a:r>
+              <a:rPr lang="en-GB" sz="1900" dirty="0">
+                <a:latin typeface="Candara" panose="020E0502030303020204" pitchFamily="34" charset="0"/>
+              </a:rPr>
+              <a:t>Models used to predict:</a:t>
+            </a:r>
+          </a:p>
+          <a:p>
+            <a:pPr marL="285750" indent="-285750">
+              <a:buFont typeface="Arial" panose="020B0604020202020204" pitchFamily="34" charset="0"/>
+              <a:buChar char="•"/>
+            </a:pPr>
+            <a:endParaRPr lang="en-GB" sz="1900" dirty="0">
+              <a:latin typeface="Candara" panose="020E0502030303020204" pitchFamily="34" charset="0"/>
+            </a:endParaRPr>
+          </a:p>
+        </p:txBody>
+      </p:sp>
+    </p:spTree>
+    <p:extLst>
+      <p:ext uri="{BB962C8B-B14F-4D97-AF65-F5344CB8AC3E}">
+        <p14:creationId xmlns:p14="http://schemas.microsoft.com/office/powerpoint/2010/main" val="942856397"/>
       </p:ext>
     </p:extLst>
   </p:cSld>
@@ -18982,6 +22357,1219 @@
 </p:sld>
 </file>
 
+<file path=ppt/slides/slide7.xml><?xml version="1.0" encoding="utf-8"?>
+<p:sld xmlns:a="http://schemas.openxmlformats.org/drawingml/2006/main" xmlns:r="http://schemas.openxmlformats.org/officeDocument/2006/relationships" xmlns:p="http://schemas.openxmlformats.org/presentationml/2006/main">
+  <p:cSld>
+    <p:spTree>
+      <p:nvGrpSpPr>
+        <p:cNvPr id="1" name=""/>
+        <p:cNvGrpSpPr/>
+        <p:nvPr/>
+      </p:nvGrpSpPr>
+      <p:grpSpPr>
+        <a:xfrm>
+          <a:off x="0" y="0"/>
+          <a:ext cx="0" cy="0"/>
+          <a:chOff x="0" y="0"/>
+          <a:chExt cx="0" cy="0"/>
+        </a:xfrm>
+      </p:grpSpPr>
+      <p:sp>
+        <p:nvSpPr>
+          <p:cNvPr id="6" name="Título 1">
+            <a:extLst>
+              <a:ext uri="{FF2B5EF4-FFF2-40B4-BE49-F238E27FC236}">
+                <a16:creationId xmlns:a16="http://schemas.microsoft.com/office/drawing/2014/main" id="{9249C319-7D5A-4C4C-AC1D-81A3F5517B0A}"/>
+              </a:ext>
+            </a:extLst>
+          </p:cNvPr>
+          <p:cNvSpPr txBox="1">
+            <a:spLocks/>
+          </p:cNvSpPr>
+          <p:nvPr/>
+        </p:nvSpPr>
+        <p:spPr>
+          <a:xfrm>
+            <a:off x="1" y="463097"/>
+            <a:ext cx="9144000" cy="676014"/>
+          </a:xfrm>
+          <a:prstGeom prst="rect">
+            <a:avLst/>
+          </a:prstGeom>
+          <a:solidFill>
+            <a:srgbClr val="3886CC"/>
+          </a:solidFill>
+        </p:spPr>
+        <p:txBody>
+          <a:bodyPr vert="horz" lIns="91440" tIns="45720" rIns="91440" bIns="45720" rtlCol="0" anchor="ctr">
+            <a:normAutofit fontScale="97500" lnSpcReduction="10000"/>
+          </a:bodyPr>
+          <a:lstStyle>
+            <a:lvl1pPr algn="l" defTabSz="914400" rtl="0" eaLnBrk="1" latinLnBrk="0" hangingPunct="1">
+              <a:lnSpc>
+                <a:spcPct val="90000"/>
+              </a:lnSpc>
+              <a:spcBef>
+                <a:spcPct val="0"/>
+              </a:spcBef>
+              <a:buNone/>
+              <a:defRPr sz="4400" kern="1200">
+                <a:solidFill>
+                  <a:schemeClr val="tx1"/>
+                </a:solidFill>
+                <a:latin typeface="+mj-lt"/>
+                <a:ea typeface="+mj-ea"/>
+                <a:cs typeface="+mj-cs"/>
+              </a:defRPr>
+            </a:lvl1pPr>
+          </a:lstStyle>
+          <a:p>
+            <a:r>
+              <a:rPr lang="en-US" dirty="0">
+                <a:solidFill>
+                  <a:schemeClr val="bg1"/>
+                </a:solidFill>
+              </a:rPr>
+              <a:t>	</a:t>
+            </a:r>
+            <a:r>
+              <a:rPr lang="en-US" b="1" dirty="0">
+                <a:solidFill>
+                  <a:schemeClr val="bg1"/>
+                </a:solidFill>
+                <a:latin typeface="Candara" panose="020E0502030303020204" pitchFamily="34" charset="0"/>
+              </a:rPr>
+              <a:t>Model</a:t>
+            </a:r>
+            <a:endParaRPr lang="en-GB" b="1" dirty="0">
+              <a:solidFill>
+                <a:schemeClr val="bg1"/>
+              </a:solidFill>
+              <a:latin typeface="Candara" panose="020E0502030303020204" pitchFamily="34" charset="0"/>
+            </a:endParaRPr>
+          </a:p>
+        </p:txBody>
+      </p:sp>
+      <p:graphicFrame>
+        <p:nvGraphicFramePr>
+          <p:cNvPr id="7" name="Diagrama 6">
+            <a:extLst>
+              <a:ext uri="{FF2B5EF4-FFF2-40B4-BE49-F238E27FC236}">
+                <a16:creationId xmlns:a16="http://schemas.microsoft.com/office/drawing/2014/main" id="{C6E808E7-6BED-4E76-A9B2-D9A847A282FB}"/>
+              </a:ext>
+            </a:extLst>
+          </p:cNvPr>
+          <p:cNvGraphicFramePr/>
+          <p:nvPr>
+            <p:extLst>
+              <p:ext uri="{D42A27DB-BD31-4B8C-83A1-F6EECF244321}">
+                <p14:modId xmlns:p14="http://schemas.microsoft.com/office/powerpoint/2010/main" val="613313934"/>
+              </p:ext>
+            </p:extLst>
+          </p:nvPr>
+        </p:nvGraphicFramePr>
+        <p:xfrm>
+          <a:off x="628652" y="1610789"/>
+          <a:ext cx="8078026" cy="4665723"/>
+        </p:xfrm>
+        <a:graphic>
+          <a:graphicData uri="http://schemas.openxmlformats.org/drawingml/2006/diagram">
+            <dgm:relIds xmlns:dgm="http://schemas.openxmlformats.org/drawingml/2006/diagram" xmlns:r="http://schemas.openxmlformats.org/officeDocument/2006/relationships" r:dm="rId2" r:lo="rId3" r:qs="rId4" r:cs="rId5"/>
+          </a:graphicData>
+        </a:graphic>
+      </p:graphicFrame>
+    </p:spTree>
+    <p:extLst>
+      <p:ext uri="{BB962C8B-B14F-4D97-AF65-F5344CB8AC3E}">
+        <p14:creationId xmlns:p14="http://schemas.microsoft.com/office/powerpoint/2010/main" val="2483184559"/>
+      </p:ext>
+    </p:extLst>
+  </p:cSld>
+  <p:clrMapOvr>
+    <a:masterClrMapping/>
+  </p:clrMapOvr>
+</p:sld>
+</file>
+
+<file path=ppt/slides/slide8.xml><?xml version="1.0" encoding="utf-8"?>
+<p:sld xmlns:a="http://schemas.openxmlformats.org/drawingml/2006/main" xmlns:r="http://schemas.openxmlformats.org/officeDocument/2006/relationships" xmlns:p="http://schemas.openxmlformats.org/presentationml/2006/main">
+  <p:cSld>
+    <p:spTree>
+      <p:nvGrpSpPr>
+        <p:cNvPr id="1" name=""/>
+        <p:cNvGrpSpPr/>
+        <p:nvPr/>
+      </p:nvGrpSpPr>
+      <p:grpSpPr>
+        <a:xfrm>
+          <a:off x="0" y="0"/>
+          <a:ext cx="0" cy="0"/>
+          <a:chOff x="0" y="0"/>
+          <a:chExt cx="0" cy="0"/>
+        </a:xfrm>
+      </p:grpSpPr>
+      <p:grpSp>
+        <p:nvGrpSpPr>
+          <p:cNvPr id="6" name="Grupo 5">
+            <a:extLst>
+              <a:ext uri="{FF2B5EF4-FFF2-40B4-BE49-F238E27FC236}">
+                <a16:creationId xmlns:a16="http://schemas.microsoft.com/office/drawing/2014/main" id="{2D41E8DA-C00D-4652-A6F2-9381D3655687}"/>
+              </a:ext>
+            </a:extLst>
+          </p:cNvPr>
+          <p:cNvGrpSpPr/>
+          <p:nvPr/>
+        </p:nvGrpSpPr>
+        <p:grpSpPr>
+          <a:xfrm>
+            <a:off x="713217" y="1647362"/>
+            <a:ext cx="5396036" cy="813758"/>
+            <a:chOff x="2080" y="1905132"/>
+            <a:chExt cx="1710916" cy="855458"/>
+          </a:xfrm>
+        </p:grpSpPr>
+        <p:sp>
+          <p:nvSpPr>
+            <p:cNvPr id="7" name="Rectángulo: esquinas redondeadas 6">
+              <a:extLst>
+                <a:ext uri="{FF2B5EF4-FFF2-40B4-BE49-F238E27FC236}">
+                  <a16:creationId xmlns:a16="http://schemas.microsoft.com/office/drawing/2014/main" id="{355DC236-28A5-4831-ACFF-FDD0AFEC1EFB}"/>
+                </a:ext>
+              </a:extLst>
+            </p:cNvPr>
+            <p:cNvSpPr/>
+            <p:nvPr/>
+          </p:nvSpPr>
+          <p:spPr>
+            <a:xfrm>
+              <a:off x="2080" y="1905132"/>
+              <a:ext cx="1710916" cy="855458"/>
+            </a:xfrm>
+            <a:prstGeom prst="roundRect">
+              <a:avLst>
+                <a:gd name="adj" fmla="val 10000"/>
+              </a:avLst>
+            </a:prstGeom>
+            <a:solidFill>
+              <a:srgbClr val="C0DEED"/>
+            </a:solidFill>
+          </p:spPr>
+          <p:style>
+            <a:lnRef idx="2">
+              <a:schemeClr val="lt1">
+                <a:hueOff val="0"/>
+                <a:satOff val="0"/>
+                <a:lumOff val="0"/>
+                <a:alphaOff val="0"/>
+              </a:schemeClr>
+            </a:lnRef>
+            <a:fillRef idx="1">
+              <a:scrgbClr r="0" g="0" b="0"/>
+            </a:fillRef>
+            <a:effectRef idx="0">
+              <a:schemeClr val="accent1">
+                <a:hueOff val="0"/>
+                <a:satOff val="0"/>
+                <a:lumOff val="0"/>
+                <a:alphaOff val="0"/>
+              </a:schemeClr>
+            </a:effectRef>
+            <a:fontRef idx="minor">
+              <a:schemeClr val="lt1"/>
+            </a:fontRef>
+          </p:style>
+        </p:sp>
+        <p:sp>
+          <p:nvSpPr>
+            <p:cNvPr id="8" name="Rectángulo: esquinas redondeadas 4">
+              <a:extLst>
+                <a:ext uri="{FF2B5EF4-FFF2-40B4-BE49-F238E27FC236}">
+                  <a16:creationId xmlns:a16="http://schemas.microsoft.com/office/drawing/2014/main" id="{BE2DEC7B-8981-4018-BEC2-9D4B279EAA2E}"/>
+                </a:ext>
+              </a:extLst>
+            </p:cNvPr>
+            <p:cNvSpPr txBox="1"/>
+            <p:nvPr/>
+          </p:nvSpPr>
+          <p:spPr>
+            <a:xfrm>
+              <a:off x="27136" y="1930188"/>
+              <a:ext cx="1660804" cy="805346"/>
+            </a:xfrm>
+            <a:prstGeom prst="rect">
+              <a:avLst/>
+            </a:prstGeom>
+          </p:spPr>
+          <p:style>
+            <a:lnRef idx="0">
+              <a:scrgbClr r="0" g="0" b="0"/>
+            </a:lnRef>
+            <a:fillRef idx="0">
+              <a:scrgbClr r="0" g="0" b="0"/>
+            </a:fillRef>
+            <a:effectRef idx="0">
+              <a:scrgbClr r="0" g="0" b="0"/>
+            </a:effectRef>
+            <a:fontRef idx="minor">
+              <a:schemeClr val="lt1"/>
+            </a:fontRef>
+          </p:style>
+          <p:txBody>
+            <a:bodyPr spcFirstLastPara="0" vert="horz" wrap="square" lIns="17145" tIns="17145" rIns="17145" bIns="17145" numCol="1" spcCol="1270" anchor="ctr" anchorCtr="0">
+              <a:noAutofit/>
+            </a:bodyPr>
+            <a:lstStyle/>
+            <a:p>
+              <a:pPr marL="0" lvl="0" indent="0" algn="ctr" defTabSz="1200150">
+                <a:lnSpc>
+                  <a:spcPct val="90000"/>
+                </a:lnSpc>
+                <a:spcBef>
+                  <a:spcPct val="0"/>
+                </a:spcBef>
+                <a:spcAft>
+                  <a:spcPct val="35000"/>
+                </a:spcAft>
+                <a:buNone/>
+              </a:pPr>
+              <a:r>
+                <a:rPr lang="es-ES" sz="2700" b="1" dirty="0">
+                  <a:solidFill>
+                    <a:schemeClr val="tx1"/>
+                  </a:solidFill>
+                  <a:latin typeface="Candara" panose="020E0502030303020204" pitchFamily="34" charset="0"/>
+                </a:rPr>
+                <a:t>Machine </a:t>
+              </a:r>
+              <a:r>
+                <a:rPr lang="es-ES" sz="2700" b="1" dirty="0" err="1">
+                  <a:solidFill>
+                    <a:schemeClr val="tx1"/>
+                  </a:solidFill>
+                  <a:latin typeface="Candara" panose="020E0502030303020204" pitchFamily="34" charset="0"/>
+                </a:rPr>
+                <a:t>Learning</a:t>
+              </a:r>
+              <a:r>
+                <a:rPr lang="es-ES" sz="2700" b="1" dirty="0">
+                  <a:solidFill>
+                    <a:schemeClr val="tx1"/>
+                  </a:solidFill>
+                  <a:latin typeface="Candara" panose="020E0502030303020204" pitchFamily="34" charset="0"/>
+                </a:rPr>
+                <a:t> </a:t>
+              </a:r>
+              <a:r>
+                <a:rPr lang="es-ES" sz="2700" b="1" dirty="0" err="1">
+                  <a:solidFill>
+                    <a:schemeClr val="tx1"/>
+                  </a:solidFill>
+                  <a:latin typeface="Candara" panose="020E0502030303020204" pitchFamily="34" charset="0"/>
+                </a:rPr>
+                <a:t>Models</a:t>
+              </a:r>
+              <a:endParaRPr lang="en-GB" sz="2700" b="1" kern="1200" dirty="0">
+                <a:solidFill>
+                  <a:schemeClr val="tx1"/>
+                </a:solidFill>
+                <a:latin typeface="Candara" panose="020E0502030303020204" pitchFamily="34" charset="0"/>
+              </a:endParaRPr>
+            </a:p>
+          </p:txBody>
+        </p:sp>
+      </p:grpSp>
+      <p:grpSp>
+        <p:nvGrpSpPr>
+          <p:cNvPr id="9" name="Grupo 8">
+            <a:extLst>
+              <a:ext uri="{FF2B5EF4-FFF2-40B4-BE49-F238E27FC236}">
+                <a16:creationId xmlns:a16="http://schemas.microsoft.com/office/drawing/2014/main" id="{52B5AAD8-ACBB-4329-8510-CDA49D95118F}"/>
+              </a:ext>
+            </a:extLst>
+          </p:cNvPr>
+          <p:cNvGrpSpPr/>
+          <p:nvPr/>
+        </p:nvGrpSpPr>
+        <p:grpSpPr>
+          <a:xfrm>
+            <a:off x="2491410" y="3242719"/>
+            <a:ext cx="3617844" cy="676014"/>
+            <a:chOff x="310204" y="223537"/>
+            <a:chExt cx="1881014" cy="372562"/>
+          </a:xfrm>
+        </p:grpSpPr>
+        <p:sp>
+          <p:nvSpPr>
+            <p:cNvPr id="10" name="Rectángulo: esquinas redondeadas 9">
+              <a:extLst>
+                <a:ext uri="{FF2B5EF4-FFF2-40B4-BE49-F238E27FC236}">
+                  <a16:creationId xmlns:a16="http://schemas.microsoft.com/office/drawing/2014/main" id="{E6201173-0918-409C-B562-00DF62B351D9}"/>
+                </a:ext>
+              </a:extLst>
+            </p:cNvPr>
+            <p:cNvSpPr/>
+            <p:nvPr/>
+          </p:nvSpPr>
+          <p:spPr>
+            <a:xfrm>
+              <a:off x="310204" y="223537"/>
+              <a:ext cx="1881014" cy="372562"/>
+            </a:xfrm>
+            <a:prstGeom prst="roundRect">
+              <a:avLst>
+                <a:gd name="adj" fmla="val 10000"/>
+              </a:avLst>
+            </a:prstGeom>
+            <a:solidFill>
+              <a:srgbClr val="C0DEED"/>
+            </a:solidFill>
+          </p:spPr>
+          <p:style>
+            <a:lnRef idx="2">
+              <a:schemeClr val="lt1">
+                <a:hueOff val="0"/>
+                <a:satOff val="0"/>
+                <a:lumOff val="0"/>
+                <a:alphaOff val="0"/>
+              </a:schemeClr>
+            </a:lnRef>
+            <a:fillRef idx="1">
+              <a:scrgbClr r="0" g="0" b="0"/>
+            </a:fillRef>
+            <a:effectRef idx="0">
+              <a:schemeClr val="accent1">
+                <a:hueOff val="0"/>
+                <a:satOff val="0"/>
+                <a:lumOff val="0"/>
+                <a:alphaOff val="0"/>
+              </a:schemeClr>
+            </a:effectRef>
+            <a:fontRef idx="minor">
+              <a:schemeClr val="lt1"/>
+            </a:fontRef>
+          </p:style>
+        </p:sp>
+        <p:sp>
+          <p:nvSpPr>
+            <p:cNvPr id="11" name="Rectángulo: esquinas redondeadas 4">
+              <a:extLst>
+                <a:ext uri="{FF2B5EF4-FFF2-40B4-BE49-F238E27FC236}">
+                  <a16:creationId xmlns:a16="http://schemas.microsoft.com/office/drawing/2014/main" id="{CEBDB7A9-2EAC-4DCD-98F1-1485419E89FF}"/>
+                </a:ext>
+              </a:extLst>
+            </p:cNvPr>
+            <p:cNvSpPr txBox="1"/>
+            <p:nvPr/>
+          </p:nvSpPr>
+          <p:spPr>
+            <a:xfrm>
+              <a:off x="321116" y="234449"/>
+              <a:ext cx="1859190" cy="350738"/>
+            </a:xfrm>
+            <a:prstGeom prst="rect">
+              <a:avLst/>
+            </a:prstGeom>
+          </p:spPr>
+          <p:style>
+            <a:lnRef idx="0">
+              <a:scrgbClr r="0" g="0" b="0"/>
+            </a:lnRef>
+            <a:fillRef idx="0">
+              <a:scrgbClr r="0" g="0" b="0"/>
+            </a:fillRef>
+            <a:effectRef idx="0">
+              <a:scrgbClr r="0" g="0" b="0"/>
+            </a:effectRef>
+            <a:fontRef idx="minor">
+              <a:schemeClr val="lt1"/>
+            </a:fontRef>
+          </p:style>
+          <p:txBody>
+            <a:bodyPr spcFirstLastPara="0" vert="horz" wrap="square" lIns="60960" tIns="60960" rIns="60960" bIns="60960" numCol="1" spcCol="1270" anchor="ctr" anchorCtr="0">
+              <a:noAutofit/>
+            </a:bodyPr>
+            <a:lstStyle/>
+            <a:p>
+              <a:pPr marL="0" lvl="0" indent="0" algn="ctr" defTabSz="711200">
+                <a:lnSpc>
+                  <a:spcPct val="90000"/>
+                </a:lnSpc>
+                <a:spcBef>
+                  <a:spcPct val="0"/>
+                </a:spcBef>
+                <a:spcAft>
+                  <a:spcPct val="35000"/>
+                </a:spcAft>
+                <a:buNone/>
+              </a:pPr>
+              <a:r>
+                <a:rPr lang="es-ES" sz="1600" b="1" dirty="0" err="1">
+                  <a:solidFill>
+                    <a:schemeClr val="tx1"/>
+                  </a:solidFill>
+                  <a:latin typeface="Candara" panose="020E0502030303020204" pitchFamily="34" charset="0"/>
+                </a:rPr>
+                <a:t>Authors</a:t>
+              </a:r>
+              <a:r>
+                <a:rPr lang="es-ES" sz="1600" b="1" dirty="0">
+                  <a:solidFill>
+                    <a:schemeClr val="tx1"/>
+                  </a:solidFill>
+                  <a:latin typeface="Candara" panose="020E0502030303020204" pitchFamily="34" charset="0"/>
+                </a:rPr>
+                <a:t> </a:t>
+              </a:r>
+              <a:r>
+                <a:rPr lang="es-ES" sz="1600" b="1" dirty="0" err="1">
+                  <a:solidFill>
+                    <a:schemeClr val="tx1"/>
+                  </a:solidFill>
+                  <a:latin typeface="Candara" panose="020E0502030303020204" pitchFamily="34" charset="0"/>
+                </a:rPr>
+                <a:t>Model</a:t>
+              </a:r>
+              <a:endParaRPr lang="en-GB" sz="1600" b="1" kern="1200" dirty="0">
+                <a:solidFill>
+                  <a:schemeClr val="tx1"/>
+                </a:solidFill>
+                <a:latin typeface="Candara" panose="020E0502030303020204" pitchFamily="34" charset="0"/>
+              </a:endParaRPr>
+            </a:p>
+          </p:txBody>
+        </p:sp>
+      </p:grpSp>
+      <p:grpSp>
+        <p:nvGrpSpPr>
+          <p:cNvPr id="13" name="Grupo 12">
+            <a:extLst>
+              <a:ext uri="{FF2B5EF4-FFF2-40B4-BE49-F238E27FC236}">
+                <a16:creationId xmlns:a16="http://schemas.microsoft.com/office/drawing/2014/main" id="{9E62A5C7-2630-4E8C-97D2-73FAB46883F0}"/>
+              </a:ext>
+            </a:extLst>
+          </p:cNvPr>
+          <p:cNvGrpSpPr/>
+          <p:nvPr/>
+        </p:nvGrpSpPr>
+        <p:grpSpPr>
+          <a:xfrm>
+            <a:off x="2512398" y="4481025"/>
+            <a:ext cx="3617844" cy="676014"/>
+            <a:chOff x="310204" y="223537"/>
+            <a:chExt cx="1881014" cy="372562"/>
+          </a:xfrm>
+        </p:grpSpPr>
+        <p:sp>
+          <p:nvSpPr>
+            <p:cNvPr id="14" name="Rectángulo: esquinas redondeadas 13">
+              <a:extLst>
+                <a:ext uri="{FF2B5EF4-FFF2-40B4-BE49-F238E27FC236}">
+                  <a16:creationId xmlns:a16="http://schemas.microsoft.com/office/drawing/2014/main" id="{0AC60D5B-494A-4B05-A89A-657B46B36A5C}"/>
+                </a:ext>
+              </a:extLst>
+            </p:cNvPr>
+            <p:cNvSpPr/>
+            <p:nvPr/>
+          </p:nvSpPr>
+          <p:spPr>
+            <a:xfrm>
+              <a:off x="310204" y="223537"/>
+              <a:ext cx="1881014" cy="372562"/>
+            </a:xfrm>
+            <a:prstGeom prst="roundRect">
+              <a:avLst>
+                <a:gd name="adj" fmla="val 10000"/>
+              </a:avLst>
+            </a:prstGeom>
+            <a:solidFill>
+              <a:srgbClr val="C0DEED"/>
+            </a:solidFill>
+          </p:spPr>
+          <p:style>
+            <a:lnRef idx="2">
+              <a:schemeClr val="lt1">
+                <a:hueOff val="0"/>
+                <a:satOff val="0"/>
+                <a:lumOff val="0"/>
+                <a:alphaOff val="0"/>
+              </a:schemeClr>
+            </a:lnRef>
+            <a:fillRef idx="1">
+              <a:scrgbClr r="0" g="0" b="0"/>
+            </a:fillRef>
+            <a:effectRef idx="0">
+              <a:schemeClr val="accent1">
+                <a:hueOff val="0"/>
+                <a:satOff val="0"/>
+                <a:lumOff val="0"/>
+                <a:alphaOff val="0"/>
+              </a:schemeClr>
+            </a:effectRef>
+            <a:fontRef idx="minor">
+              <a:schemeClr val="lt1"/>
+            </a:fontRef>
+          </p:style>
+        </p:sp>
+        <p:sp>
+          <p:nvSpPr>
+            <p:cNvPr id="15" name="Rectángulo: esquinas redondeadas 4">
+              <a:extLst>
+                <a:ext uri="{FF2B5EF4-FFF2-40B4-BE49-F238E27FC236}">
+                  <a16:creationId xmlns:a16="http://schemas.microsoft.com/office/drawing/2014/main" id="{D58241AD-F6C5-42EB-AA3C-11DF68DD4BBE}"/>
+                </a:ext>
+              </a:extLst>
+            </p:cNvPr>
+            <p:cNvSpPr txBox="1"/>
+            <p:nvPr/>
+          </p:nvSpPr>
+          <p:spPr>
+            <a:xfrm>
+              <a:off x="321116" y="234449"/>
+              <a:ext cx="1859190" cy="350738"/>
+            </a:xfrm>
+            <a:prstGeom prst="rect">
+              <a:avLst/>
+            </a:prstGeom>
+          </p:spPr>
+          <p:style>
+            <a:lnRef idx="0">
+              <a:scrgbClr r="0" g="0" b="0"/>
+            </a:lnRef>
+            <a:fillRef idx="0">
+              <a:scrgbClr r="0" g="0" b="0"/>
+            </a:fillRef>
+            <a:effectRef idx="0">
+              <a:scrgbClr r="0" g="0" b="0"/>
+            </a:effectRef>
+            <a:fontRef idx="minor">
+              <a:schemeClr val="lt1"/>
+            </a:fontRef>
+          </p:style>
+          <p:txBody>
+            <a:bodyPr spcFirstLastPara="0" vert="horz" wrap="square" lIns="60960" tIns="60960" rIns="60960" bIns="60960" numCol="1" spcCol="1270" anchor="ctr" anchorCtr="0">
+              <a:noAutofit/>
+            </a:bodyPr>
+            <a:lstStyle/>
+            <a:p>
+              <a:pPr marL="0" lvl="0" indent="0" algn="ctr" defTabSz="711200">
+                <a:lnSpc>
+                  <a:spcPct val="90000"/>
+                </a:lnSpc>
+                <a:spcBef>
+                  <a:spcPct val="0"/>
+                </a:spcBef>
+                <a:spcAft>
+                  <a:spcPct val="35000"/>
+                </a:spcAft>
+                <a:buNone/>
+              </a:pPr>
+              <a:r>
+                <a:rPr lang="es-ES" sz="1600" b="1" dirty="0">
+                  <a:solidFill>
+                    <a:schemeClr val="tx1"/>
+                  </a:solidFill>
+                  <a:latin typeface="Candara" panose="020E0502030303020204" pitchFamily="34" charset="0"/>
+                </a:rPr>
+                <a:t>Text </a:t>
+              </a:r>
+              <a:r>
+                <a:rPr lang="es-ES" sz="1600" b="1" dirty="0" err="1">
+                  <a:solidFill>
+                    <a:schemeClr val="tx1"/>
+                  </a:solidFill>
+                  <a:latin typeface="Candara" panose="020E0502030303020204" pitchFamily="34" charset="0"/>
+                </a:rPr>
+                <a:t>Model</a:t>
+              </a:r>
+              <a:endParaRPr lang="en-GB" sz="1600" b="1" kern="1200" dirty="0">
+                <a:solidFill>
+                  <a:schemeClr val="tx1"/>
+                </a:solidFill>
+                <a:latin typeface="Candara" panose="020E0502030303020204" pitchFamily="34" charset="0"/>
+              </a:endParaRPr>
+            </a:p>
+          </p:txBody>
+        </p:sp>
+      </p:grpSp>
+      <p:sp>
+        <p:nvSpPr>
+          <p:cNvPr id="19" name="Flecha: doblada hacia arriba 18">
+            <a:extLst>
+              <a:ext uri="{FF2B5EF4-FFF2-40B4-BE49-F238E27FC236}">
+                <a16:creationId xmlns:a16="http://schemas.microsoft.com/office/drawing/2014/main" id="{D70877CB-6A05-4556-890A-4818810AB680}"/>
+              </a:ext>
+            </a:extLst>
+          </p:cNvPr>
+          <p:cNvSpPr/>
+          <p:nvPr/>
+        </p:nvSpPr>
+        <p:spPr>
+          <a:xfrm rot="5400000">
+            <a:off x="1007165" y="2928730"/>
+            <a:ext cx="848139" cy="990003"/>
+          </a:xfrm>
+          <a:prstGeom prst="bentUpArrow">
+            <a:avLst/>
+          </a:prstGeom>
+        </p:spPr>
+        <p:style>
+          <a:lnRef idx="2">
+            <a:schemeClr val="accent1">
+              <a:shade val="50000"/>
+            </a:schemeClr>
+          </a:lnRef>
+          <a:fillRef idx="1">
+            <a:schemeClr val="accent1"/>
+          </a:fillRef>
+          <a:effectRef idx="0">
+            <a:schemeClr val="accent1"/>
+          </a:effectRef>
+          <a:fontRef idx="minor">
+            <a:schemeClr val="lt1"/>
+          </a:fontRef>
+        </p:style>
+        <p:txBody>
+          <a:bodyPr rtlCol="0" anchor="ctr"/>
+          <a:lstStyle/>
+          <a:p>
+            <a:pPr algn="ctr"/>
+            <a:endParaRPr lang="es-ES"/>
+          </a:p>
+        </p:txBody>
+      </p:sp>
+      <p:sp>
+        <p:nvSpPr>
+          <p:cNvPr id="20" name="Flecha: doblada hacia arriba 19">
+            <a:extLst>
+              <a:ext uri="{FF2B5EF4-FFF2-40B4-BE49-F238E27FC236}">
+                <a16:creationId xmlns:a16="http://schemas.microsoft.com/office/drawing/2014/main" id="{AB5CB3A8-CFF7-48C4-BFFB-992F8AFAF69A}"/>
+              </a:ext>
+            </a:extLst>
+          </p:cNvPr>
+          <p:cNvSpPr/>
+          <p:nvPr/>
+        </p:nvSpPr>
+        <p:spPr>
+          <a:xfrm rot="5400000">
+            <a:off x="1007164" y="4216213"/>
+            <a:ext cx="848139" cy="990003"/>
+          </a:xfrm>
+          <a:prstGeom prst="bentUpArrow">
+            <a:avLst/>
+          </a:prstGeom>
+        </p:spPr>
+        <p:style>
+          <a:lnRef idx="2">
+            <a:schemeClr val="accent1">
+              <a:shade val="50000"/>
+            </a:schemeClr>
+          </a:lnRef>
+          <a:fillRef idx="1">
+            <a:schemeClr val="accent1"/>
+          </a:fillRef>
+          <a:effectRef idx="0">
+            <a:schemeClr val="accent1"/>
+          </a:effectRef>
+          <a:fontRef idx="minor">
+            <a:schemeClr val="lt1"/>
+          </a:fontRef>
+        </p:style>
+        <p:txBody>
+          <a:bodyPr rtlCol="0" anchor="ctr"/>
+          <a:lstStyle/>
+          <a:p>
+            <a:pPr algn="ctr"/>
+            <a:endParaRPr lang="es-ES"/>
+          </a:p>
+        </p:txBody>
+      </p:sp>
+      <p:sp>
+        <p:nvSpPr>
+          <p:cNvPr id="21" name="Título 1">
+            <a:extLst>
+              <a:ext uri="{FF2B5EF4-FFF2-40B4-BE49-F238E27FC236}">
+                <a16:creationId xmlns:a16="http://schemas.microsoft.com/office/drawing/2014/main" id="{E290D59A-085A-4768-A84E-AE5246A4182F}"/>
+              </a:ext>
+            </a:extLst>
+          </p:cNvPr>
+          <p:cNvSpPr txBox="1">
+            <a:spLocks/>
+          </p:cNvSpPr>
+          <p:nvPr/>
+        </p:nvSpPr>
+        <p:spPr>
+          <a:xfrm>
+            <a:off x="1" y="463097"/>
+            <a:ext cx="9144000" cy="676014"/>
+          </a:xfrm>
+          <a:prstGeom prst="rect">
+            <a:avLst/>
+          </a:prstGeom>
+          <a:solidFill>
+            <a:srgbClr val="3886CC"/>
+          </a:solidFill>
+        </p:spPr>
+        <p:txBody>
+          <a:bodyPr vert="horz" lIns="91440" tIns="45720" rIns="91440" bIns="45720" rtlCol="0" anchor="ctr">
+            <a:normAutofit fontScale="97500" lnSpcReduction="10000"/>
+          </a:bodyPr>
+          <a:lstStyle>
+            <a:lvl1pPr algn="l" defTabSz="914400" rtl="0" eaLnBrk="1" latinLnBrk="0" hangingPunct="1">
+              <a:lnSpc>
+                <a:spcPct val="90000"/>
+              </a:lnSpc>
+              <a:spcBef>
+                <a:spcPct val="0"/>
+              </a:spcBef>
+              <a:buNone/>
+              <a:defRPr sz="4400" kern="1200">
+                <a:solidFill>
+                  <a:schemeClr val="tx1"/>
+                </a:solidFill>
+                <a:latin typeface="+mj-lt"/>
+                <a:ea typeface="+mj-ea"/>
+                <a:cs typeface="+mj-cs"/>
+              </a:defRPr>
+            </a:lvl1pPr>
+          </a:lstStyle>
+          <a:p>
+            <a:r>
+              <a:rPr lang="en-US" dirty="0">
+                <a:solidFill>
+                  <a:schemeClr val="bg1"/>
+                </a:solidFill>
+              </a:rPr>
+              <a:t>	</a:t>
+            </a:r>
+            <a:r>
+              <a:rPr lang="en-US" b="1" dirty="0">
+                <a:solidFill>
+                  <a:schemeClr val="bg1"/>
+                </a:solidFill>
+                <a:latin typeface="Candara" panose="020E0502030303020204" pitchFamily="34" charset="0"/>
+              </a:rPr>
+              <a:t>Model</a:t>
+            </a:r>
+            <a:endParaRPr lang="en-GB" b="1" dirty="0">
+              <a:solidFill>
+                <a:schemeClr val="bg1"/>
+              </a:solidFill>
+              <a:latin typeface="Candara" panose="020E0502030303020204" pitchFamily="34" charset="0"/>
+            </a:endParaRPr>
+          </a:p>
+        </p:txBody>
+      </p:sp>
+    </p:spTree>
+    <p:extLst>
+      <p:ext uri="{BB962C8B-B14F-4D97-AF65-F5344CB8AC3E}">
+        <p14:creationId xmlns:p14="http://schemas.microsoft.com/office/powerpoint/2010/main" val="697461153"/>
+      </p:ext>
+    </p:extLst>
+  </p:cSld>
+  <p:clrMapOvr>
+    <a:masterClrMapping/>
+  </p:clrMapOvr>
+</p:sld>
+</file>
+
+<file path=ppt/slides/slide9.xml><?xml version="1.0" encoding="utf-8"?>
+<p:sld xmlns:a="http://schemas.openxmlformats.org/drawingml/2006/main" xmlns:r="http://schemas.openxmlformats.org/officeDocument/2006/relationships" xmlns:p="http://schemas.openxmlformats.org/presentationml/2006/main">
+  <p:cSld>
+    <p:spTree>
+      <p:nvGrpSpPr>
+        <p:cNvPr id="1" name=""/>
+        <p:cNvGrpSpPr/>
+        <p:nvPr/>
+      </p:nvGrpSpPr>
+      <p:grpSpPr>
+        <a:xfrm>
+          <a:off x="0" y="0"/>
+          <a:ext cx="0" cy="0"/>
+          <a:chOff x="0" y="0"/>
+          <a:chExt cx="0" cy="0"/>
+        </a:xfrm>
+      </p:grpSpPr>
+      <p:sp>
+        <p:nvSpPr>
+          <p:cNvPr id="5" name="Título 1">
+            <a:extLst>
+              <a:ext uri="{FF2B5EF4-FFF2-40B4-BE49-F238E27FC236}">
+                <a16:creationId xmlns:a16="http://schemas.microsoft.com/office/drawing/2014/main" id="{916AAFAB-76A2-477A-B044-DC2FFD00340C}"/>
+              </a:ext>
+            </a:extLst>
+          </p:cNvPr>
+          <p:cNvSpPr txBox="1">
+            <a:spLocks/>
+          </p:cNvSpPr>
+          <p:nvPr/>
+        </p:nvSpPr>
+        <p:spPr>
+          <a:xfrm>
+            <a:off x="1" y="463097"/>
+            <a:ext cx="9144000" cy="676014"/>
+          </a:xfrm>
+          <a:prstGeom prst="rect">
+            <a:avLst/>
+          </a:prstGeom>
+          <a:solidFill>
+            <a:srgbClr val="3886CC"/>
+          </a:solidFill>
+        </p:spPr>
+        <p:txBody>
+          <a:bodyPr vert="horz" lIns="91440" tIns="45720" rIns="91440" bIns="45720" rtlCol="0" anchor="ctr">
+            <a:normAutofit fontScale="97500" lnSpcReduction="10000"/>
+          </a:bodyPr>
+          <a:lstStyle>
+            <a:lvl1pPr algn="l" defTabSz="914400" rtl="0" eaLnBrk="1" latinLnBrk="0" hangingPunct="1">
+              <a:lnSpc>
+                <a:spcPct val="90000"/>
+              </a:lnSpc>
+              <a:spcBef>
+                <a:spcPct val="0"/>
+              </a:spcBef>
+              <a:buNone/>
+              <a:defRPr sz="4400" kern="1200">
+                <a:solidFill>
+                  <a:schemeClr val="tx1"/>
+                </a:solidFill>
+                <a:latin typeface="+mj-lt"/>
+                <a:ea typeface="+mj-ea"/>
+                <a:cs typeface="+mj-cs"/>
+              </a:defRPr>
+            </a:lvl1pPr>
+          </a:lstStyle>
+          <a:p>
+            <a:r>
+              <a:rPr lang="en-US" dirty="0">
+                <a:solidFill>
+                  <a:schemeClr val="bg1"/>
+                </a:solidFill>
+              </a:rPr>
+              <a:t>	</a:t>
+            </a:r>
+            <a:r>
+              <a:rPr lang="en-US" b="1" dirty="0">
+                <a:solidFill>
+                  <a:schemeClr val="bg1"/>
+                </a:solidFill>
+                <a:latin typeface="Candara" panose="020E0502030303020204" pitchFamily="34" charset="0"/>
+              </a:rPr>
+              <a:t>Model</a:t>
+            </a:r>
+            <a:endParaRPr lang="en-GB" b="1" dirty="0">
+              <a:solidFill>
+                <a:schemeClr val="bg1"/>
+              </a:solidFill>
+              <a:latin typeface="Candara" panose="020E0502030303020204" pitchFamily="34" charset="0"/>
+            </a:endParaRPr>
+          </a:p>
+        </p:txBody>
+      </p:sp>
+      <p:sp>
+        <p:nvSpPr>
+          <p:cNvPr id="6" name="CuadroTexto 5">
+            <a:extLst>
+              <a:ext uri="{FF2B5EF4-FFF2-40B4-BE49-F238E27FC236}">
+                <a16:creationId xmlns:a16="http://schemas.microsoft.com/office/drawing/2014/main" id="{95C4CB89-681E-42B4-AF1D-DE1B4385F53F}"/>
+              </a:ext>
+            </a:extLst>
+          </p:cNvPr>
+          <p:cNvSpPr txBox="1"/>
+          <p:nvPr/>
+        </p:nvSpPr>
+        <p:spPr>
+          <a:xfrm>
+            <a:off x="1152029" y="2931207"/>
+            <a:ext cx="6560736" cy="1000274"/>
+          </a:xfrm>
+          <a:prstGeom prst="rect">
+            <a:avLst/>
+          </a:prstGeom>
+          <a:solidFill>
+            <a:schemeClr val="bg1"/>
+          </a:solidFill>
+        </p:spPr>
+        <p:txBody>
+          <a:bodyPr wrap="square" rtlCol="0">
+            <a:spAutoFit/>
+          </a:bodyPr>
+          <a:lstStyle/>
+          <a:p>
+            <a:pPr marL="285750" indent="-285750">
+              <a:buFont typeface="Arial" panose="020B0604020202020204" pitchFamily="34" charset="0"/>
+              <a:buChar char="•"/>
+            </a:pPr>
+            <a:r>
+              <a:rPr lang="en-US" sz="2000" dirty="0"/>
+              <a:t>Predict in which kind of person you are using machine learning techniques.</a:t>
+            </a:r>
+          </a:p>
+          <a:p>
+            <a:pPr marL="285750" indent="-285750">
+              <a:buFont typeface="Arial" panose="020B0604020202020204" pitchFamily="34" charset="0"/>
+              <a:buChar char="•"/>
+            </a:pPr>
+            <a:endParaRPr lang="en-GB" sz="1900" dirty="0">
+              <a:latin typeface="Candara" panose="020E0502030303020204" pitchFamily="34" charset="0"/>
+            </a:endParaRPr>
+          </a:p>
+        </p:txBody>
+      </p:sp>
+      <p:sp>
+        <p:nvSpPr>
+          <p:cNvPr id="7" name="CuadroTexto 6">
+            <a:extLst>
+              <a:ext uri="{FF2B5EF4-FFF2-40B4-BE49-F238E27FC236}">
+                <a16:creationId xmlns:a16="http://schemas.microsoft.com/office/drawing/2014/main" id="{97817A8C-D431-4B61-8B4E-5E40472BDA69}"/>
+              </a:ext>
+            </a:extLst>
+          </p:cNvPr>
+          <p:cNvSpPr txBox="1"/>
+          <p:nvPr/>
+        </p:nvSpPr>
+        <p:spPr>
+          <a:xfrm>
+            <a:off x="1152028" y="3891989"/>
+            <a:ext cx="6560735" cy="1000274"/>
+          </a:xfrm>
+          <a:prstGeom prst="rect">
+            <a:avLst/>
+          </a:prstGeom>
+          <a:solidFill>
+            <a:schemeClr val="bg1"/>
+          </a:solidFill>
+        </p:spPr>
+        <p:txBody>
+          <a:bodyPr wrap="square" rtlCol="0">
+            <a:spAutoFit/>
+          </a:bodyPr>
+          <a:lstStyle/>
+          <a:p>
+            <a:pPr marL="285750" indent="-285750">
+              <a:buFont typeface="Arial" panose="020B0604020202020204" pitchFamily="34" charset="0"/>
+              <a:buChar char="•"/>
+            </a:pPr>
+            <a:r>
+              <a:rPr lang="en-US" sz="2000" dirty="0"/>
+              <a:t>The intervals in which we </a:t>
+            </a:r>
+            <a:r>
+              <a:rPr lang="en-US" sz="2000" dirty="0" err="1"/>
+              <a:t>separe</a:t>
+            </a:r>
+            <a:r>
+              <a:rPr lang="en-US" sz="2000" dirty="0"/>
+              <a:t> the population are, and why:</a:t>
+            </a:r>
+          </a:p>
+          <a:p>
+            <a:pPr marL="285750" indent="-285750">
+              <a:buFont typeface="Arial" panose="020B0604020202020204" pitchFamily="34" charset="0"/>
+              <a:buChar char="•"/>
+            </a:pPr>
+            <a:endParaRPr lang="en-GB" sz="1900" dirty="0">
+              <a:latin typeface="Candara" panose="020E0502030303020204" pitchFamily="34" charset="0"/>
+            </a:endParaRPr>
+          </a:p>
+        </p:txBody>
+      </p:sp>
+      <p:sp>
+        <p:nvSpPr>
+          <p:cNvPr id="8" name="CuadroTexto 7">
+            <a:extLst>
+              <a:ext uri="{FF2B5EF4-FFF2-40B4-BE49-F238E27FC236}">
+                <a16:creationId xmlns:a16="http://schemas.microsoft.com/office/drawing/2014/main" id="{44635A10-BFA4-4C1A-B826-853BD4EB8CC8}"/>
+              </a:ext>
+            </a:extLst>
+          </p:cNvPr>
+          <p:cNvSpPr txBox="1"/>
+          <p:nvPr/>
+        </p:nvSpPr>
+        <p:spPr>
+          <a:xfrm>
+            <a:off x="1152029" y="4852771"/>
+            <a:ext cx="6560734" cy="400110"/>
+          </a:xfrm>
+          <a:prstGeom prst="rect">
+            <a:avLst/>
+          </a:prstGeom>
+          <a:solidFill>
+            <a:schemeClr val="bg1"/>
+          </a:solidFill>
+        </p:spPr>
+        <p:txBody>
+          <a:bodyPr wrap="square" rtlCol="0">
+            <a:spAutoFit/>
+          </a:bodyPr>
+          <a:lstStyle/>
+          <a:p>
+            <a:pPr marL="285750" indent="-285750">
+              <a:buFont typeface="Arial" panose="020B0604020202020204" pitchFamily="34" charset="0"/>
+              <a:buChar char="•"/>
+            </a:pPr>
+            <a:r>
+              <a:rPr lang="en-US" sz="2000" dirty="0"/>
+              <a:t>The model that we use to predict are:</a:t>
+            </a:r>
+          </a:p>
+        </p:txBody>
+      </p:sp>
+      <p:grpSp>
+        <p:nvGrpSpPr>
+          <p:cNvPr id="9" name="Grupo 8">
+            <a:extLst>
+              <a:ext uri="{FF2B5EF4-FFF2-40B4-BE49-F238E27FC236}">
+                <a16:creationId xmlns:a16="http://schemas.microsoft.com/office/drawing/2014/main" id="{46C0D869-0351-410D-9CFA-98FDC78451C1}"/>
+              </a:ext>
+            </a:extLst>
+          </p:cNvPr>
+          <p:cNvGrpSpPr/>
+          <p:nvPr/>
+        </p:nvGrpSpPr>
+        <p:grpSpPr>
+          <a:xfrm>
+            <a:off x="713217" y="1647362"/>
+            <a:ext cx="2507061" cy="813758"/>
+            <a:chOff x="2080" y="1905132"/>
+            <a:chExt cx="1710916" cy="855458"/>
+          </a:xfrm>
+        </p:grpSpPr>
+        <p:sp>
+          <p:nvSpPr>
+            <p:cNvPr id="10" name="Rectángulo: esquinas redondeadas 9">
+              <a:extLst>
+                <a:ext uri="{FF2B5EF4-FFF2-40B4-BE49-F238E27FC236}">
+                  <a16:creationId xmlns:a16="http://schemas.microsoft.com/office/drawing/2014/main" id="{68F801A9-2473-4773-AE2C-337B6C165E9C}"/>
+                </a:ext>
+              </a:extLst>
+            </p:cNvPr>
+            <p:cNvSpPr/>
+            <p:nvPr/>
+          </p:nvSpPr>
+          <p:spPr>
+            <a:xfrm>
+              <a:off x="2080" y="1905132"/>
+              <a:ext cx="1710916" cy="855458"/>
+            </a:xfrm>
+            <a:prstGeom prst="roundRect">
+              <a:avLst>
+                <a:gd name="adj" fmla="val 10000"/>
+              </a:avLst>
+            </a:prstGeom>
+            <a:solidFill>
+              <a:srgbClr val="C0DEED"/>
+            </a:solidFill>
+          </p:spPr>
+          <p:style>
+            <a:lnRef idx="2">
+              <a:schemeClr val="lt1">
+                <a:hueOff val="0"/>
+                <a:satOff val="0"/>
+                <a:lumOff val="0"/>
+                <a:alphaOff val="0"/>
+              </a:schemeClr>
+            </a:lnRef>
+            <a:fillRef idx="1">
+              <a:scrgbClr r="0" g="0" b="0"/>
+            </a:fillRef>
+            <a:effectRef idx="0">
+              <a:schemeClr val="accent1">
+                <a:hueOff val="0"/>
+                <a:satOff val="0"/>
+                <a:lumOff val="0"/>
+                <a:alphaOff val="0"/>
+              </a:schemeClr>
+            </a:effectRef>
+            <a:fontRef idx="minor">
+              <a:schemeClr val="lt1"/>
+            </a:fontRef>
+          </p:style>
+        </p:sp>
+        <p:sp>
+          <p:nvSpPr>
+            <p:cNvPr id="11" name="Rectángulo: esquinas redondeadas 4">
+              <a:extLst>
+                <a:ext uri="{FF2B5EF4-FFF2-40B4-BE49-F238E27FC236}">
+                  <a16:creationId xmlns:a16="http://schemas.microsoft.com/office/drawing/2014/main" id="{A13F1B03-1100-422F-BA10-E0CAB4D83330}"/>
+                </a:ext>
+              </a:extLst>
+            </p:cNvPr>
+            <p:cNvSpPr txBox="1"/>
+            <p:nvPr/>
+          </p:nvSpPr>
+          <p:spPr>
+            <a:xfrm>
+              <a:off x="27136" y="1930188"/>
+              <a:ext cx="1660804" cy="805346"/>
+            </a:xfrm>
+            <a:prstGeom prst="rect">
+              <a:avLst/>
+            </a:prstGeom>
+          </p:spPr>
+          <p:style>
+            <a:lnRef idx="0">
+              <a:scrgbClr r="0" g="0" b="0"/>
+            </a:lnRef>
+            <a:fillRef idx="0">
+              <a:scrgbClr r="0" g="0" b="0"/>
+            </a:fillRef>
+            <a:effectRef idx="0">
+              <a:scrgbClr r="0" g="0" b="0"/>
+            </a:effectRef>
+            <a:fontRef idx="minor">
+              <a:schemeClr val="lt1"/>
+            </a:fontRef>
+          </p:style>
+          <p:txBody>
+            <a:bodyPr spcFirstLastPara="0" vert="horz" wrap="square" lIns="17145" tIns="17145" rIns="17145" bIns="17145" numCol="1" spcCol="1270" anchor="ctr" anchorCtr="0">
+              <a:noAutofit/>
+            </a:bodyPr>
+            <a:lstStyle/>
+            <a:p>
+              <a:pPr marL="0" lvl="0" indent="0" algn="ctr" defTabSz="1200150">
+                <a:lnSpc>
+                  <a:spcPct val="90000"/>
+                </a:lnSpc>
+                <a:spcBef>
+                  <a:spcPct val="0"/>
+                </a:spcBef>
+                <a:spcAft>
+                  <a:spcPct val="35000"/>
+                </a:spcAft>
+                <a:buNone/>
+              </a:pPr>
+              <a:r>
+                <a:rPr lang="es-ES" sz="2700" b="1" kern="1200" dirty="0" err="1">
+                  <a:solidFill>
+                    <a:schemeClr val="tx1"/>
+                  </a:solidFill>
+                  <a:latin typeface="Candara" panose="020E0502030303020204" pitchFamily="34" charset="0"/>
+                </a:rPr>
+                <a:t>Authors</a:t>
+              </a:r>
+              <a:endParaRPr lang="en-GB" sz="2700" b="1" kern="1200" dirty="0">
+                <a:solidFill>
+                  <a:schemeClr val="tx1"/>
+                </a:solidFill>
+                <a:latin typeface="Candara" panose="020E0502030303020204" pitchFamily="34" charset="0"/>
+              </a:endParaRPr>
+            </a:p>
+          </p:txBody>
+        </p:sp>
+      </p:grpSp>
+    </p:spTree>
+    <p:extLst>
+      <p:ext uri="{BB962C8B-B14F-4D97-AF65-F5344CB8AC3E}">
+        <p14:creationId xmlns:p14="http://schemas.microsoft.com/office/powerpoint/2010/main" val="2470263519"/>
+      </p:ext>
+    </p:extLst>
+  </p:cSld>
+  <p:clrMapOvr>
+    <a:masterClrMapping/>
+  </p:clrMapOvr>
+</p:sld>
+</file>
+
 <file path=ppt/theme/theme1.xml><?xml version="1.0" encoding="utf-8"?>
 <a:theme xmlns:a="http://schemas.openxmlformats.org/drawingml/2006/main" name="Tema de Office">
   <a:themeElements>

--- a/Presentation/development.pptx
+++ b/Presentation/development.pptx
@@ -18304,7 +18304,7 @@
         <p:spPr>
           <a:xfrm>
             <a:off x="1152029" y="2931207"/>
-            <a:ext cx="6560736" cy="2139047"/>
+            <a:ext cx="6560736" cy="2431435"/>
           </a:xfrm>
           <a:prstGeom prst="rect">
             <a:avLst/>
@@ -18347,6 +18347,12 @@
               <a:buFont typeface="Arial" panose="020B0604020202020204" pitchFamily="34" charset="0"/>
               <a:buChar char="•"/>
             </a:pPr>
+            <a:r>
+              <a:rPr lang="en-GB" sz="1900" dirty="0" err="1">
+                <a:latin typeface="Candara" panose="020E0502030303020204" pitchFamily="34" charset="0"/>
+              </a:rPr>
+              <a:t>Accucary</a:t>
+            </a:r>
             <a:endParaRPr lang="en-GB" sz="1900" dirty="0">
               <a:latin typeface="Candara" panose="020E0502030303020204" pitchFamily="34" charset="0"/>
             </a:endParaRPr>
@@ -18383,6 +18389,21 @@
               </a:rPr>
               <a:t>Models used to predict:</a:t>
             </a:r>
+          </a:p>
+          <a:p>
+            <a:pPr marL="285750" indent="-285750">
+              <a:buFont typeface="Arial" panose="020B0604020202020204" pitchFamily="34" charset="0"/>
+              <a:buChar char="•"/>
+            </a:pPr>
+            <a:r>
+              <a:rPr lang="en-GB" sz="1900">
+                <a:latin typeface="Candara" panose="020E0502030303020204" pitchFamily="34" charset="0"/>
+              </a:rPr>
+              <a:t>Accuracy</a:t>
+            </a:r>
+            <a:endParaRPr lang="en-GB" sz="1900" dirty="0">
+              <a:latin typeface="Candara" panose="020E0502030303020204" pitchFamily="34" charset="0"/>
+            </a:endParaRPr>
           </a:p>
           <a:p>
             <a:pPr marL="285750" indent="-285750">

--- a/Presentation/development.pptx
+++ b/Presentation/development.pptx
@@ -4,17 +4,20 @@
   <p:sldMasterIdLst>
     <p:sldMasterId id="2147483660" r:id="rId1"/>
   </p:sldMasterIdLst>
+  <p:notesMasterIdLst>
+    <p:notesMasterId r:id="rId12"/>
+  </p:notesMasterIdLst>
   <p:sldIdLst>
     <p:sldId id="256" r:id="rId2"/>
     <p:sldId id="261" r:id="rId3"/>
     <p:sldId id="257" r:id="rId4"/>
     <p:sldId id="258" r:id="rId5"/>
-    <p:sldId id="260" r:id="rId6"/>
-    <p:sldId id="259" r:id="rId7"/>
-    <p:sldId id="262" r:id="rId8"/>
-    <p:sldId id="263" r:id="rId9"/>
-    <p:sldId id="264" r:id="rId10"/>
-    <p:sldId id="265" r:id="rId11"/>
+    <p:sldId id="259" r:id="rId6"/>
+    <p:sldId id="262" r:id="rId7"/>
+    <p:sldId id="263" r:id="rId8"/>
+    <p:sldId id="264" r:id="rId9"/>
+    <p:sldId id="266" r:id="rId10"/>
+    <p:sldId id="267" r:id="rId11"/>
   </p:sldIdLst>
   <p:sldSz cx="9144000" cy="6858000" type="screen4x3"/>
   <p:notesSz cx="6858000" cy="9144000"/>
@@ -4057,14 +4060,35 @@
         </dgm:presLayoutVars>
       </dgm:prSet>
       <dgm:spPr/>
+      <dgm:t>
+        <a:bodyPr/>
+        <a:lstStyle/>
+        <a:p>
+          <a:endParaRPr lang="es-ES_tradnl"/>
+        </a:p>
+      </dgm:t>
     </dgm:pt>
     <dgm:pt modelId="{CD18E1C8-6424-42B3-BAB5-5519EDB41FA6}" type="pres">
       <dgm:prSet presAssocID="{A96C15C2-BC76-48A7-90B3-6A19DE930206}" presName="sibTrans" presStyleLbl="sibTrans2D1" presStyleIdx="0" presStyleCnt="2" custLinFactNeighborX="26950"/>
       <dgm:spPr/>
+      <dgm:t>
+        <a:bodyPr/>
+        <a:lstStyle/>
+        <a:p>
+          <a:endParaRPr lang="es-ES_tradnl"/>
+        </a:p>
+      </dgm:t>
     </dgm:pt>
     <dgm:pt modelId="{26CC9CCF-2B50-496A-8774-54C73B7647D2}" type="pres">
       <dgm:prSet presAssocID="{A96C15C2-BC76-48A7-90B3-6A19DE930206}" presName="connTx" presStyleLbl="sibTrans2D1" presStyleIdx="0" presStyleCnt="2"/>
       <dgm:spPr/>
+      <dgm:t>
+        <a:bodyPr/>
+        <a:lstStyle/>
+        <a:p>
+          <a:endParaRPr lang="es-ES_tradnl"/>
+        </a:p>
+      </dgm:t>
     </dgm:pt>
     <dgm:pt modelId="{5404D1F7-541D-4D93-8C2A-0661A0491272}" type="pres">
       <dgm:prSet presAssocID="{9CB328A8-74E0-4055-9081-12CA8C2ACB80}" presName="composite" presStyleCnt="0"/>
@@ -4089,14 +4113,35 @@
         </dgm:presLayoutVars>
       </dgm:prSet>
       <dgm:spPr/>
+      <dgm:t>
+        <a:bodyPr/>
+        <a:lstStyle/>
+        <a:p>
+          <a:endParaRPr lang="es-ES_tradnl"/>
+        </a:p>
+      </dgm:t>
     </dgm:pt>
     <dgm:pt modelId="{ACC99F59-DA74-44EF-8F9C-E6B3FC08F54D}" type="pres">
       <dgm:prSet presAssocID="{A4DB9C1F-5FE4-4542-844F-963FE2041AF3}" presName="sibTrans" presStyleLbl="sibTrans2D1" presStyleIdx="1" presStyleCnt="2" custLinFactNeighborX="34300"/>
       <dgm:spPr/>
+      <dgm:t>
+        <a:bodyPr/>
+        <a:lstStyle/>
+        <a:p>
+          <a:endParaRPr lang="es-ES_tradnl"/>
+        </a:p>
+      </dgm:t>
     </dgm:pt>
     <dgm:pt modelId="{34A639B1-3936-4ACB-8F99-6D0DE81988C9}" type="pres">
       <dgm:prSet presAssocID="{A4DB9C1F-5FE4-4542-844F-963FE2041AF3}" presName="connTx" presStyleLbl="sibTrans2D1" presStyleIdx="1" presStyleCnt="2"/>
       <dgm:spPr/>
+      <dgm:t>
+        <a:bodyPr/>
+        <a:lstStyle/>
+        <a:p>
+          <a:endParaRPr lang="es-ES_tradnl"/>
+        </a:p>
+      </dgm:t>
     </dgm:pt>
     <dgm:pt modelId="{DDECB4EA-27CE-4B7F-8CA3-16BCA3468F9F}" type="pres">
       <dgm:prSet presAssocID="{B5B29429-D4BE-4A66-8600-EC3D71B2F1EC}" presName="composite" presStyleCnt="0"/>
@@ -4121,19 +4166,26 @@
         </dgm:presLayoutVars>
       </dgm:prSet>
       <dgm:spPr/>
+      <dgm:t>
+        <a:bodyPr/>
+        <a:lstStyle/>
+        <a:p>
+          <a:endParaRPr lang="es-ES_tradnl"/>
+        </a:p>
+      </dgm:t>
     </dgm:pt>
   </dgm:ptLst>
   <dgm:cxnLst>
-    <dgm:cxn modelId="{1F475901-8770-400C-A050-885CBE63AD4C}" srcId="{D4C10C00-80A2-42A5-B3CA-BEFD7A222C7A}" destId="{807C3FDE-B0DD-4107-AC7F-461AAE01D743}" srcOrd="0" destOrd="0" parTransId="{953EB8F1-3A8F-4606-A35B-9FCACF28119C}" sibTransId="{A96C15C2-BC76-48A7-90B3-6A19DE930206}"/>
-    <dgm:cxn modelId="{50D82C12-E167-4C50-88EE-17B162BED5CC}" type="presOf" srcId="{9CB328A8-74E0-4055-9081-12CA8C2ACB80}" destId="{AD71F164-E960-4FDF-B54C-CD3035226506}" srcOrd="0" destOrd="0" presId="urn:microsoft.com/office/officeart/2005/8/layout/hProcess10"/>
+    <dgm:cxn modelId="{7488CDC6-9964-461E-BCEF-3619080A6B76}" type="presOf" srcId="{A96C15C2-BC76-48A7-90B3-6A19DE930206}" destId="{26CC9CCF-2B50-496A-8774-54C73B7647D2}" srcOrd="1" destOrd="0" presId="urn:microsoft.com/office/officeart/2005/8/layout/hProcess10"/>
+    <dgm:cxn modelId="{F471219C-CEFA-4172-B0A1-ECB2072F3D6B}" type="presOf" srcId="{A4DB9C1F-5FE4-4542-844F-963FE2041AF3}" destId="{34A639B1-3936-4ACB-8F99-6D0DE81988C9}" srcOrd="1" destOrd="0" presId="urn:microsoft.com/office/officeart/2005/8/layout/hProcess10"/>
     <dgm:cxn modelId="{6B39AD57-8876-404D-8365-FAD0B2554265}" type="presOf" srcId="{D4C10C00-80A2-42A5-B3CA-BEFD7A222C7A}" destId="{36F15962-492A-4628-9724-21AAC493A2DE}" srcOrd="0" destOrd="0" presId="urn:microsoft.com/office/officeart/2005/8/layout/hProcess10"/>
-    <dgm:cxn modelId="{7FA36579-B30D-4381-B5E8-F04AB9BE3255}" type="presOf" srcId="{B5B29429-D4BE-4A66-8600-EC3D71B2F1EC}" destId="{7A252ADC-75AD-4A88-A59C-E5C33FC5FA48}" srcOrd="0" destOrd="0" presId="urn:microsoft.com/office/officeart/2005/8/layout/hProcess10"/>
     <dgm:cxn modelId="{77DDB290-3BE3-4C1C-837B-3E5C36DBF59C}" type="presOf" srcId="{A4DB9C1F-5FE4-4542-844F-963FE2041AF3}" destId="{ACC99F59-DA74-44EF-8F9C-E6B3FC08F54D}" srcOrd="0" destOrd="0" presId="urn:microsoft.com/office/officeart/2005/8/layout/hProcess10"/>
-    <dgm:cxn modelId="{F471219C-CEFA-4172-B0A1-ECB2072F3D6B}" type="presOf" srcId="{A4DB9C1F-5FE4-4542-844F-963FE2041AF3}" destId="{34A639B1-3936-4ACB-8F99-6D0DE81988C9}" srcOrd="1" destOrd="0" presId="urn:microsoft.com/office/officeart/2005/8/layout/hProcess10"/>
-    <dgm:cxn modelId="{575049A4-283C-4AA1-A923-21A5459FBCE5}" srcId="{D4C10C00-80A2-42A5-B3CA-BEFD7A222C7A}" destId="{9CB328A8-74E0-4055-9081-12CA8C2ACB80}" srcOrd="1" destOrd="0" parTransId="{F7709A87-569E-421F-AC9C-29743C2B4E37}" sibTransId="{A4DB9C1F-5FE4-4542-844F-963FE2041AF3}"/>
-    <dgm:cxn modelId="{7488CDC6-9964-461E-BCEF-3619080A6B76}" type="presOf" srcId="{A96C15C2-BC76-48A7-90B3-6A19DE930206}" destId="{26CC9CCF-2B50-496A-8774-54C73B7647D2}" srcOrd="1" destOrd="0" presId="urn:microsoft.com/office/officeart/2005/8/layout/hProcess10"/>
     <dgm:cxn modelId="{2A5573CF-25DA-4AE5-8F7C-C03A0F2B0E07}" type="presOf" srcId="{807C3FDE-B0DD-4107-AC7F-461AAE01D743}" destId="{43A6E665-86B6-4D4E-A413-F43DE372F51D}" srcOrd="0" destOrd="0" presId="urn:microsoft.com/office/officeart/2005/8/layout/hProcess10"/>
     <dgm:cxn modelId="{11F0CFD9-9255-4378-87C9-C9728A423270}" type="presOf" srcId="{A96C15C2-BC76-48A7-90B3-6A19DE930206}" destId="{CD18E1C8-6424-42B3-BAB5-5519EDB41FA6}" srcOrd="0" destOrd="0" presId="urn:microsoft.com/office/officeart/2005/8/layout/hProcess10"/>
+    <dgm:cxn modelId="{50D82C12-E167-4C50-88EE-17B162BED5CC}" type="presOf" srcId="{9CB328A8-74E0-4055-9081-12CA8C2ACB80}" destId="{AD71F164-E960-4FDF-B54C-CD3035226506}" srcOrd="0" destOrd="0" presId="urn:microsoft.com/office/officeart/2005/8/layout/hProcess10"/>
+    <dgm:cxn modelId="{7FA36579-B30D-4381-B5E8-F04AB9BE3255}" type="presOf" srcId="{B5B29429-D4BE-4A66-8600-EC3D71B2F1EC}" destId="{7A252ADC-75AD-4A88-A59C-E5C33FC5FA48}" srcOrd="0" destOrd="0" presId="urn:microsoft.com/office/officeart/2005/8/layout/hProcess10"/>
+    <dgm:cxn modelId="{575049A4-283C-4AA1-A923-21A5459FBCE5}" srcId="{D4C10C00-80A2-42A5-B3CA-BEFD7A222C7A}" destId="{9CB328A8-74E0-4055-9081-12CA8C2ACB80}" srcOrd="1" destOrd="0" parTransId="{F7709A87-569E-421F-AC9C-29743C2B4E37}" sibTransId="{A4DB9C1F-5FE4-4542-844F-963FE2041AF3}"/>
+    <dgm:cxn modelId="{1F475901-8770-400C-A050-885CBE63AD4C}" srcId="{D4C10C00-80A2-42A5-B3CA-BEFD7A222C7A}" destId="{807C3FDE-B0DD-4107-AC7F-461AAE01D743}" srcOrd="0" destOrd="0" parTransId="{953EB8F1-3A8F-4606-A35B-9FCACF28119C}" sibTransId="{A96C15C2-BC76-48A7-90B3-6A19DE930206}"/>
     <dgm:cxn modelId="{95851DF4-DB55-4784-A973-739BC60DD3CD}" srcId="{D4C10C00-80A2-42A5-B3CA-BEFD7A222C7A}" destId="{B5B29429-D4BE-4A66-8600-EC3D71B2F1EC}" srcOrd="2" destOrd="0" parTransId="{B633EBC1-2623-4E05-BC2A-36FABB3134A2}" sibTransId="{E327145C-8BB6-4E40-89F7-FC8742FC8217}"/>
     <dgm:cxn modelId="{6F0000F1-76E8-40E8-8C7F-103EF7EEF2D3}" type="presParOf" srcId="{36F15962-492A-4628-9724-21AAC493A2DE}" destId="{6971AB1C-FDAD-48D9-98FD-1C7C3022C555}" srcOrd="0" destOrd="0" presId="urn:microsoft.com/office/officeart/2005/8/layout/hProcess10"/>
     <dgm:cxn modelId="{0047CA40-14C3-4C3D-AE95-F5D42FF79EEE}" type="presParOf" srcId="{6971AB1C-FDAD-48D9-98FD-1C7C3022C555}" destId="{6E32CC41-1E35-4DED-9D9E-777D910F91D0}" srcOrd="0" destOrd="0" presId="urn:microsoft.com/office/officeart/2005/8/layout/hProcess10"/>
@@ -4442,6 +4494,13 @@
         </dgm:presLayoutVars>
       </dgm:prSet>
       <dgm:spPr/>
+      <dgm:t>
+        <a:bodyPr/>
+        <a:lstStyle/>
+        <a:p>
+          <a:endParaRPr lang="es-ES_tradnl"/>
+        </a:p>
+      </dgm:t>
     </dgm:pt>
     <dgm:pt modelId="{408C97A3-02A7-4CF6-9095-4827F1B6C828}" type="pres">
       <dgm:prSet presAssocID="{0219E034-AF4C-475D-B6E7-82A870FACCCC}" presName="root1" presStyleCnt="0"/>
@@ -4454,6 +4513,13 @@
         </dgm:presLayoutVars>
       </dgm:prSet>
       <dgm:spPr/>
+      <dgm:t>
+        <a:bodyPr/>
+        <a:lstStyle/>
+        <a:p>
+          <a:endParaRPr lang="es-ES_tradnl"/>
+        </a:p>
+      </dgm:t>
     </dgm:pt>
     <dgm:pt modelId="{48BEF979-0731-4DFA-BF6C-47AEE6A87E82}" type="pres">
       <dgm:prSet presAssocID="{0219E034-AF4C-475D-B6E7-82A870FACCCC}" presName="level2hierChild" presStyleCnt="0"/>
@@ -4462,10 +4528,24 @@
     <dgm:pt modelId="{26D72EED-E068-43D9-8934-11630CD0FA6C}" type="pres">
       <dgm:prSet presAssocID="{BA182E10-CCF4-4F85-BFA0-151C2CB19CC2}" presName="conn2-1" presStyleLbl="parChTrans1D2" presStyleIdx="0" presStyleCnt="3"/>
       <dgm:spPr/>
+      <dgm:t>
+        <a:bodyPr/>
+        <a:lstStyle/>
+        <a:p>
+          <a:endParaRPr lang="es-ES_tradnl"/>
+        </a:p>
+      </dgm:t>
     </dgm:pt>
     <dgm:pt modelId="{AE5BB926-FC4E-48BC-8740-E56A7FDB2856}" type="pres">
       <dgm:prSet presAssocID="{BA182E10-CCF4-4F85-BFA0-151C2CB19CC2}" presName="connTx" presStyleLbl="parChTrans1D2" presStyleIdx="0" presStyleCnt="3"/>
       <dgm:spPr/>
+      <dgm:t>
+        <a:bodyPr/>
+        <a:lstStyle/>
+        <a:p>
+          <a:endParaRPr lang="es-ES_tradnl"/>
+        </a:p>
+      </dgm:t>
     </dgm:pt>
     <dgm:pt modelId="{7AC89E6E-6FF7-4AEA-9AB9-0B078709B8F9}" type="pres">
       <dgm:prSet presAssocID="{8B3A4E7D-3269-4C83-89F3-4CA429309498}" presName="root2" presStyleCnt="0"/>
@@ -4478,6 +4558,13 @@
         </dgm:presLayoutVars>
       </dgm:prSet>
       <dgm:spPr/>
+      <dgm:t>
+        <a:bodyPr/>
+        <a:lstStyle/>
+        <a:p>
+          <a:endParaRPr lang="es-ES_tradnl"/>
+        </a:p>
+      </dgm:t>
     </dgm:pt>
     <dgm:pt modelId="{3625EF59-103B-461D-83E9-4C402E71A819}" type="pres">
       <dgm:prSet presAssocID="{8B3A4E7D-3269-4C83-89F3-4CA429309498}" presName="level3hierChild" presStyleCnt="0"/>
@@ -4486,10 +4573,24 @@
     <dgm:pt modelId="{136F9DBB-E600-48D5-BDAB-5077D57D50AA}" type="pres">
       <dgm:prSet presAssocID="{B8CB6F02-DAC1-4456-A097-6AE1610AE1D9}" presName="conn2-1" presStyleLbl="parChTrans1D2" presStyleIdx="1" presStyleCnt="3"/>
       <dgm:spPr/>
+      <dgm:t>
+        <a:bodyPr/>
+        <a:lstStyle/>
+        <a:p>
+          <a:endParaRPr lang="es-ES_tradnl"/>
+        </a:p>
+      </dgm:t>
     </dgm:pt>
     <dgm:pt modelId="{99348ADB-093D-45FE-BECC-4CC0D6755CF6}" type="pres">
       <dgm:prSet presAssocID="{B8CB6F02-DAC1-4456-A097-6AE1610AE1D9}" presName="connTx" presStyleLbl="parChTrans1D2" presStyleIdx="1" presStyleCnt="3"/>
       <dgm:spPr/>
+      <dgm:t>
+        <a:bodyPr/>
+        <a:lstStyle/>
+        <a:p>
+          <a:endParaRPr lang="es-ES_tradnl"/>
+        </a:p>
+      </dgm:t>
     </dgm:pt>
     <dgm:pt modelId="{C2C1E940-C53E-40CE-9118-36A15B456A6C}" type="pres">
       <dgm:prSet presAssocID="{2B2880F9-55E5-49ED-8E33-9F5627C3B520}" presName="root2" presStyleCnt="0"/>
@@ -4502,6 +4603,13 @@
         </dgm:presLayoutVars>
       </dgm:prSet>
       <dgm:spPr/>
+      <dgm:t>
+        <a:bodyPr/>
+        <a:lstStyle/>
+        <a:p>
+          <a:endParaRPr lang="es-ES_tradnl"/>
+        </a:p>
+      </dgm:t>
     </dgm:pt>
     <dgm:pt modelId="{AAE7F9EF-D1BD-4D86-9FBF-8B7C529E3322}" type="pres">
       <dgm:prSet presAssocID="{2B2880F9-55E5-49ED-8E33-9F5627C3B520}" presName="level3hierChild" presStyleCnt="0"/>
@@ -4510,10 +4618,24 @@
     <dgm:pt modelId="{3A533134-6777-4855-BE27-367216C161A0}" type="pres">
       <dgm:prSet presAssocID="{9F315F11-CE4E-4647-AC74-DFF45127B67D}" presName="conn2-1" presStyleLbl="parChTrans1D2" presStyleIdx="2" presStyleCnt="3"/>
       <dgm:spPr/>
+      <dgm:t>
+        <a:bodyPr/>
+        <a:lstStyle/>
+        <a:p>
+          <a:endParaRPr lang="es-ES_tradnl"/>
+        </a:p>
+      </dgm:t>
     </dgm:pt>
     <dgm:pt modelId="{47028209-C738-49C0-B43F-734F468CB14E}" type="pres">
       <dgm:prSet presAssocID="{9F315F11-CE4E-4647-AC74-DFF45127B67D}" presName="connTx" presStyleLbl="parChTrans1D2" presStyleIdx="2" presStyleCnt="3"/>
       <dgm:spPr/>
+      <dgm:t>
+        <a:bodyPr/>
+        <a:lstStyle/>
+        <a:p>
+          <a:endParaRPr lang="es-ES_tradnl"/>
+        </a:p>
+      </dgm:t>
     </dgm:pt>
     <dgm:pt modelId="{4E0FC914-EB89-4E6F-9963-34368C87F33A}" type="pres">
       <dgm:prSet presAssocID="{AB9CCEB4-8828-486D-B82D-15BE50DBDCD3}" presName="root2" presStyleCnt="0"/>
@@ -4526,6 +4648,13 @@
         </dgm:presLayoutVars>
       </dgm:prSet>
       <dgm:spPr/>
+      <dgm:t>
+        <a:bodyPr/>
+        <a:lstStyle/>
+        <a:p>
+          <a:endParaRPr lang="es-ES_tradnl"/>
+        </a:p>
+      </dgm:t>
     </dgm:pt>
     <dgm:pt modelId="{396DCE59-C69A-47EB-B656-E18058645118}" type="pres">
       <dgm:prSet presAssocID="{AB9CCEB4-8828-486D-B82D-15BE50DBDCD3}" presName="level3hierChild" presStyleCnt="0"/>
@@ -4533,21 +4662,21 @@
     </dgm:pt>
   </dgm:ptLst>
   <dgm:cxnLst>
+    <dgm:cxn modelId="{A1755BE7-25D3-47DD-8E9D-AE216A7FD57F}" type="presOf" srcId="{1A83A397-9752-44D8-928B-BD77A2D011B3}" destId="{03FF4F4B-322C-442A-B7FE-5765012B0349}" srcOrd="0" destOrd="0" presId="urn:microsoft.com/office/officeart/2005/8/layout/hierarchy2"/>
+    <dgm:cxn modelId="{25ECA16D-0769-453B-BF48-89C48A9A98C1}" type="presOf" srcId="{8B3A4E7D-3269-4C83-89F3-4CA429309498}" destId="{1E56210F-6CE6-4DD2-ACB8-CC8B6B2F9515}" srcOrd="0" destOrd="0" presId="urn:microsoft.com/office/officeart/2005/8/layout/hierarchy2"/>
+    <dgm:cxn modelId="{0ED95747-78E4-4AFB-A9A0-40EAA7EBDD7F}" type="presOf" srcId="{2B2880F9-55E5-49ED-8E33-9F5627C3B520}" destId="{806EF166-724E-4559-AC86-DD6E259A7871}" srcOrd="0" destOrd="0" presId="urn:microsoft.com/office/officeart/2005/8/layout/hierarchy2"/>
+    <dgm:cxn modelId="{409EAF45-2722-4360-B03E-D16295B09604}" srcId="{0219E034-AF4C-475D-B6E7-82A870FACCCC}" destId="{8B3A4E7D-3269-4C83-89F3-4CA429309498}" srcOrd="0" destOrd="0" parTransId="{BA182E10-CCF4-4F85-BFA0-151C2CB19CC2}" sibTransId="{48E3F399-96C3-4078-85BD-01E7114AF0CE}"/>
+    <dgm:cxn modelId="{5EFF8C44-4609-4B6A-B178-9D4A5A72C59F}" type="presOf" srcId="{BA182E10-CCF4-4F85-BFA0-151C2CB19CC2}" destId="{26D72EED-E068-43D9-8934-11630CD0FA6C}" srcOrd="0" destOrd="0" presId="urn:microsoft.com/office/officeart/2005/8/layout/hierarchy2"/>
+    <dgm:cxn modelId="{A880BDC0-086A-4801-85FF-EAAEFD1411E9}" type="presOf" srcId="{BA182E10-CCF4-4F85-BFA0-151C2CB19CC2}" destId="{AE5BB926-FC4E-48BC-8740-E56A7FDB2856}" srcOrd="1" destOrd="0" presId="urn:microsoft.com/office/officeart/2005/8/layout/hierarchy2"/>
+    <dgm:cxn modelId="{F6020431-E627-41B1-8570-C48C88AA67B0}" type="presOf" srcId="{AB9CCEB4-8828-486D-B82D-15BE50DBDCD3}" destId="{A344F690-7383-498D-B42C-7E12860C3B17}" srcOrd="0" destOrd="0" presId="urn:microsoft.com/office/officeart/2005/8/layout/hierarchy2"/>
+    <dgm:cxn modelId="{9ADAC277-F909-4CB1-A85E-1433B3529E98}" srcId="{0219E034-AF4C-475D-B6E7-82A870FACCCC}" destId="{2B2880F9-55E5-49ED-8E33-9F5627C3B520}" srcOrd="1" destOrd="0" parTransId="{B8CB6F02-DAC1-4456-A097-6AE1610AE1D9}" sibTransId="{E1F3EC87-D003-4A3C-B824-CE54E8BB2655}"/>
+    <dgm:cxn modelId="{D65590B2-C226-462B-906A-D5D094B2E1B7}" srcId="{1A83A397-9752-44D8-928B-BD77A2D011B3}" destId="{0219E034-AF4C-475D-B6E7-82A870FACCCC}" srcOrd="0" destOrd="0" parTransId="{1E7504BC-FD3E-4CB5-8448-7B6E02A437E2}" sibTransId="{DA6710C6-927A-48A4-9D63-E1F8F37EE5EB}"/>
+    <dgm:cxn modelId="{E58E251E-DCB6-4679-8C66-DE2A81969E59}" type="presOf" srcId="{9F315F11-CE4E-4647-AC74-DFF45127B67D}" destId="{47028209-C738-49C0-B43F-734F468CB14E}" srcOrd="1" destOrd="0" presId="urn:microsoft.com/office/officeart/2005/8/layout/hierarchy2"/>
+    <dgm:cxn modelId="{F2BC7B4F-3BF6-4798-A1EF-3736E9862178}" type="presOf" srcId="{9F315F11-CE4E-4647-AC74-DFF45127B67D}" destId="{3A533134-6777-4855-BE27-367216C161A0}" srcOrd="0" destOrd="0" presId="urn:microsoft.com/office/officeart/2005/8/layout/hierarchy2"/>
     <dgm:cxn modelId="{C5243614-7BBA-4801-8C67-E7956AC52C6A}" srcId="{0219E034-AF4C-475D-B6E7-82A870FACCCC}" destId="{AB9CCEB4-8828-486D-B82D-15BE50DBDCD3}" srcOrd="2" destOrd="0" parTransId="{9F315F11-CE4E-4647-AC74-DFF45127B67D}" sibTransId="{085A98A6-6A8A-4C8D-A7C1-8F4E92BADE45}"/>
-    <dgm:cxn modelId="{E58E251E-DCB6-4679-8C66-DE2A81969E59}" type="presOf" srcId="{9F315F11-CE4E-4647-AC74-DFF45127B67D}" destId="{47028209-C738-49C0-B43F-734F468CB14E}" srcOrd="1" destOrd="0" presId="urn:microsoft.com/office/officeart/2005/8/layout/hierarchy2"/>
+    <dgm:cxn modelId="{07A2BCA0-392C-4A22-9EA7-01A81E54C6CD}" type="presOf" srcId="{B8CB6F02-DAC1-4456-A097-6AE1610AE1D9}" destId="{136F9DBB-E600-48D5-BDAB-5077D57D50AA}" srcOrd="0" destOrd="0" presId="urn:microsoft.com/office/officeart/2005/8/layout/hierarchy2"/>
     <dgm:cxn modelId="{1F660E23-F919-4D2C-89EA-1E5EB1193556}" type="presOf" srcId="{0219E034-AF4C-475D-B6E7-82A870FACCCC}" destId="{9FCD4B2A-DA32-43E2-B487-D226E6438787}" srcOrd="0" destOrd="0" presId="urn:microsoft.com/office/officeart/2005/8/layout/hierarchy2"/>
-    <dgm:cxn modelId="{F6020431-E627-41B1-8570-C48C88AA67B0}" type="presOf" srcId="{AB9CCEB4-8828-486D-B82D-15BE50DBDCD3}" destId="{A344F690-7383-498D-B42C-7E12860C3B17}" srcOrd="0" destOrd="0" presId="urn:microsoft.com/office/officeart/2005/8/layout/hierarchy2"/>
-    <dgm:cxn modelId="{5EFF8C44-4609-4B6A-B178-9D4A5A72C59F}" type="presOf" srcId="{BA182E10-CCF4-4F85-BFA0-151C2CB19CC2}" destId="{26D72EED-E068-43D9-8934-11630CD0FA6C}" srcOrd="0" destOrd="0" presId="urn:microsoft.com/office/officeart/2005/8/layout/hierarchy2"/>
-    <dgm:cxn modelId="{409EAF45-2722-4360-B03E-D16295B09604}" srcId="{0219E034-AF4C-475D-B6E7-82A870FACCCC}" destId="{8B3A4E7D-3269-4C83-89F3-4CA429309498}" srcOrd="0" destOrd="0" parTransId="{BA182E10-CCF4-4F85-BFA0-151C2CB19CC2}" sibTransId="{48E3F399-96C3-4078-85BD-01E7114AF0CE}"/>
-    <dgm:cxn modelId="{0ED95747-78E4-4AFB-A9A0-40EAA7EBDD7F}" type="presOf" srcId="{2B2880F9-55E5-49ED-8E33-9F5627C3B520}" destId="{806EF166-724E-4559-AC86-DD6E259A7871}" srcOrd="0" destOrd="0" presId="urn:microsoft.com/office/officeart/2005/8/layout/hierarchy2"/>
-    <dgm:cxn modelId="{25ECA16D-0769-453B-BF48-89C48A9A98C1}" type="presOf" srcId="{8B3A4E7D-3269-4C83-89F3-4CA429309498}" destId="{1E56210F-6CE6-4DD2-ACB8-CC8B6B2F9515}" srcOrd="0" destOrd="0" presId="urn:microsoft.com/office/officeart/2005/8/layout/hierarchy2"/>
-    <dgm:cxn modelId="{F2BC7B4F-3BF6-4798-A1EF-3736E9862178}" type="presOf" srcId="{9F315F11-CE4E-4647-AC74-DFF45127B67D}" destId="{3A533134-6777-4855-BE27-367216C161A0}" srcOrd="0" destOrd="0" presId="urn:microsoft.com/office/officeart/2005/8/layout/hierarchy2"/>
-    <dgm:cxn modelId="{9ADAC277-F909-4CB1-A85E-1433B3529E98}" srcId="{0219E034-AF4C-475D-B6E7-82A870FACCCC}" destId="{2B2880F9-55E5-49ED-8E33-9F5627C3B520}" srcOrd="1" destOrd="0" parTransId="{B8CB6F02-DAC1-4456-A097-6AE1610AE1D9}" sibTransId="{E1F3EC87-D003-4A3C-B824-CE54E8BB2655}"/>
-    <dgm:cxn modelId="{07A2BCA0-392C-4A22-9EA7-01A81E54C6CD}" type="presOf" srcId="{B8CB6F02-DAC1-4456-A097-6AE1610AE1D9}" destId="{136F9DBB-E600-48D5-BDAB-5077D57D50AA}" srcOrd="0" destOrd="0" presId="urn:microsoft.com/office/officeart/2005/8/layout/hierarchy2"/>
-    <dgm:cxn modelId="{D65590B2-C226-462B-906A-D5D094B2E1B7}" srcId="{1A83A397-9752-44D8-928B-BD77A2D011B3}" destId="{0219E034-AF4C-475D-B6E7-82A870FACCCC}" srcOrd="0" destOrd="0" parTransId="{1E7504BC-FD3E-4CB5-8448-7B6E02A437E2}" sibTransId="{DA6710C6-927A-48A4-9D63-E1F8F37EE5EB}"/>
     <dgm:cxn modelId="{E2BAFAB7-DC2B-4A11-9F8E-BA8D64C5230A}" type="presOf" srcId="{B8CB6F02-DAC1-4456-A097-6AE1610AE1D9}" destId="{99348ADB-093D-45FE-BECC-4CC0D6755CF6}" srcOrd="1" destOrd="0" presId="urn:microsoft.com/office/officeart/2005/8/layout/hierarchy2"/>
-    <dgm:cxn modelId="{A880BDC0-086A-4801-85FF-EAAEFD1411E9}" type="presOf" srcId="{BA182E10-CCF4-4F85-BFA0-151C2CB19CC2}" destId="{AE5BB926-FC4E-48BC-8740-E56A7FDB2856}" srcOrd="1" destOrd="0" presId="urn:microsoft.com/office/officeart/2005/8/layout/hierarchy2"/>
-    <dgm:cxn modelId="{A1755BE7-25D3-47DD-8E9D-AE216A7FD57F}" type="presOf" srcId="{1A83A397-9752-44D8-928B-BD77A2D011B3}" destId="{03FF4F4B-322C-442A-B7FE-5765012B0349}" srcOrd="0" destOrd="0" presId="urn:microsoft.com/office/officeart/2005/8/layout/hierarchy2"/>
     <dgm:cxn modelId="{8F44A096-283A-4CF6-BAFE-B710FDFF1708}" type="presParOf" srcId="{03FF4F4B-322C-442A-B7FE-5765012B0349}" destId="{408C97A3-02A7-4CF6-9095-4827F1B6C828}" srcOrd="0" destOrd="0" presId="urn:microsoft.com/office/officeart/2005/8/layout/hierarchy2"/>
     <dgm:cxn modelId="{C51327C7-8CC6-4D10-9C23-F29C76C701E3}" type="presParOf" srcId="{408C97A3-02A7-4CF6-9095-4827F1B6C828}" destId="{9FCD4B2A-DA32-43E2-B487-D226E6438787}" srcOrd="0" destOrd="0" presId="urn:microsoft.com/office/officeart/2005/8/layout/hierarchy2"/>
     <dgm:cxn modelId="{21746A78-565F-4B12-934E-7D08128E2539}" type="presParOf" srcId="{408C97A3-02A7-4CF6-9095-4827F1B6C828}" destId="{48BEF979-0731-4DFA-BF6C-47AEE6A87E82}" srcOrd="1" destOrd="0" presId="urn:microsoft.com/office/officeart/2005/8/layout/hierarchy2"/>
@@ -4645,6 +4774,13 @@
         </dgm:presLayoutVars>
       </dgm:prSet>
       <dgm:spPr/>
+      <dgm:t>
+        <a:bodyPr/>
+        <a:lstStyle/>
+        <a:p>
+          <a:endParaRPr lang="es-ES_tradnl"/>
+        </a:p>
+      </dgm:t>
     </dgm:pt>
     <dgm:pt modelId="{470DB5D0-9EF1-49E5-81D2-E149DA81DA04}" type="pres">
       <dgm:prSet presAssocID="{95FA51A4-834D-4EE1-9134-725C0F5D2958}" presName="thickLine" presStyleLbl="alignNode1" presStyleIdx="0" presStyleCnt="1"/>
@@ -4657,6 +4793,13 @@
     <dgm:pt modelId="{5BF1887B-8A01-47B8-BC51-AD1881EB2750}" type="pres">
       <dgm:prSet presAssocID="{95FA51A4-834D-4EE1-9134-725C0F5D2958}" presName="tx1" presStyleLbl="revTx" presStyleIdx="0" presStyleCnt="1"/>
       <dgm:spPr/>
+      <dgm:t>
+        <a:bodyPr/>
+        <a:lstStyle/>
+        <a:p>
+          <a:endParaRPr lang="es-ES_tradnl"/>
+        </a:p>
+      </dgm:t>
     </dgm:pt>
     <dgm:pt modelId="{1D1D6272-894F-4571-B532-E37FD94761DD}" type="pres">
       <dgm:prSet presAssocID="{95FA51A4-834D-4EE1-9134-725C0F5D2958}" presName="vert1" presStyleCnt="0"/>
@@ -4664,9 +4807,9 @@
     </dgm:pt>
   </dgm:ptLst>
   <dgm:cxnLst>
-    <dgm:cxn modelId="{84B1B489-7F40-4229-A0F6-267C9A6B0819}" type="presOf" srcId="{95FA51A4-834D-4EE1-9134-725C0F5D2958}" destId="{5BF1887B-8A01-47B8-BC51-AD1881EB2750}" srcOrd="0" destOrd="0" presId="urn:microsoft.com/office/officeart/2008/layout/LinedList"/>
     <dgm:cxn modelId="{A4E03FA6-0F8D-436C-8E57-E0FDC8FA0FF3}" type="presOf" srcId="{12A1EA06-02B5-4138-86D9-1D9519EA3DB5}" destId="{10DC7316-BEB5-4E34-AB5A-92022B85F9DA}" srcOrd="0" destOrd="0" presId="urn:microsoft.com/office/officeart/2008/layout/LinedList"/>
     <dgm:cxn modelId="{36A687A8-343B-4CF5-B690-27ACDD16CAD2}" srcId="{12A1EA06-02B5-4138-86D9-1D9519EA3DB5}" destId="{95FA51A4-834D-4EE1-9134-725C0F5D2958}" srcOrd="0" destOrd="0" parTransId="{D4F723A0-6D07-4293-9354-418D8F01542B}" sibTransId="{188BBD3D-CC3C-46DA-90A6-BC774FBBD9DF}"/>
+    <dgm:cxn modelId="{84B1B489-7F40-4229-A0F6-267C9A6B0819}" type="presOf" srcId="{95FA51A4-834D-4EE1-9134-725C0F5D2958}" destId="{5BF1887B-8A01-47B8-BC51-AD1881EB2750}" srcOrd="0" destOrd="0" presId="urn:microsoft.com/office/officeart/2008/layout/LinedList"/>
     <dgm:cxn modelId="{DDC9AB4C-9A6D-45F2-8176-6C83E920240D}" type="presParOf" srcId="{10DC7316-BEB5-4E34-AB5A-92022B85F9DA}" destId="{470DB5D0-9EF1-49E5-81D2-E149DA81DA04}" srcOrd="0" destOrd="0" presId="urn:microsoft.com/office/officeart/2008/layout/LinedList"/>
     <dgm:cxn modelId="{83BEA796-36B4-40DA-A4F0-03EA87D011DD}" type="presParOf" srcId="{10DC7316-BEB5-4E34-AB5A-92022B85F9DA}" destId="{15C97AF9-B0C7-48FB-AEDF-5F862E90767A}" srcOrd="1" destOrd="0" presId="urn:microsoft.com/office/officeart/2008/layout/LinedList"/>
     <dgm:cxn modelId="{4769CD57-9638-49D0-8ABA-907A157AC8C3}" type="presParOf" srcId="{15C97AF9-B0C7-48FB-AEDF-5F862E90767A}" destId="{5BF1887B-8A01-47B8-BC51-AD1881EB2750}" srcOrd="0" destOrd="0" presId="urn:microsoft.com/office/officeart/2008/layout/LinedList"/>
@@ -4930,6 +5073,13 @@
         </dgm:presLayoutVars>
       </dgm:prSet>
       <dgm:spPr/>
+      <dgm:t>
+        <a:bodyPr/>
+        <a:lstStyle/>
+        <a:p>
+          <a:endParaRPr lang="es-ES_tradnl"/>
+        </a:p>
+      </dgm:t>
     </dgm:pt>
     <dgm:pt modelId="{470DB5D0-9EF1-49E5-81D2-E149DA81DA04}" type="pres">
       <dgm:prSet presAssocID="{95FA51A4-834D-4EE1-9134-725C0F5D2958}" presName="thickLine" presStyleLbl="alignNode1" presStyleIdx="0" presStyleCnt="5"/>
@@ -4942,6 +5092,13 @@
     <dgm:pt modelId="{5BF1887B-8A01-47B8-BC51-AD1881EB2750}" type="pres">
       <dgm:prSet presAssocID="{95FA51A4-834D-4EE1-9134-725C0F5D2958}" presName="tx1" presStyleLbl="revTx" presStyleIdx="0" presStyleCnt="5"/>
       <dgm:spPr/>
+      <dgm:t>
+        <a:bodyPr/>
+        <a:lstStyle/>
+        <a:p>
+          <a:endParaRPr lang="es-ES_tradnl"/>
+        </a:p>
+      </dgm:t>
     </dgm:pt>
     <dgm:pt modelId="{1D1D6272-894F-4571-B532-E37FD94761DD}" type="pres">
       <dgm:prSet presAssocID="{95FA51A4-834D-4EE1-9134-725C0F5D2958}" presName="vert1" presStyleCnt="0"/>
@@ -4958,6 +5115,13 @@
     <dgm:pt modelId="{E70CD125-40C2-4308-98DE-F49961EBEDD8}" type="pres">
       <dgm:prSet presAssocID="{25103830-F553-439A-9127-FE769C4A083B}" presName="tx1" presStyleLbl="revTx" presStyleIdx="1" presStyleCnt="5"/>
       <dgm:spPr/>
+      <dgm:t>
+        <a:bodyPr/>
+        <a:lstStyle/>
+        <a:p>
+          <a:endParaRPr lang="es-ES_tradnl"/>
+        </a:p>
+      </dgm:t>
     </dgm:pt>
     <dgm:pt modelId="{AB093892-A620-47CB-96F1-0A5F3A711473}" type="pres">
       <dgm:prSet presAssocID="{25103830-F553-439A-9127-FE769C4A083B}" presName="vert1" presStyleCnt="0"/>
@@ -4974,6 +5138,13 @@
     <dgm:pt modelId="{5511D2C0-81E2-437B-ACB6-2D3EFEA183BA}" type="pres">
       <dgm:prSet presAssocID="{5FE1970C-B27A-4406-B70E-345DA49DD767}" presName="tx1" presStyleLbl="revTx" presStyleIdx="2" presStyleCnt="5"/>
       <dgm:spPr/>
+      <dgm:t>
+        <a:bodyPr/>
+        <a:lstStyle/>
+        <a:p>
+          <a:endParaRPr lang="es-ES_tradnl"/>
+        </a:p>
+      </dgm:t>
     </dgm:pt>
     <dgm:pt modelId="{10EB79B5-8105-48D8-9C10-A642F0EC8538}" type="pres">
       <dgm:prSet presAssocID="{5FE1970C-B27A-4406-B70E-345DA49DD767}" presName="vert1" presStyleCnt="0"/>
@@ -4990,6 +5161,13 @@
     <dgm:pt modelId="{E524C1C6-3455-4CFD-8426-791F0041DAA7}" type="pres">
       <dgm:prSet presAssocID="{D78D9EE8-8188-46A4-BFE8-A6A288115181}" presName="tx1" presStyleLbl="revTx" presStyleIdx="3" presStyleCnt="5"/>
       <dgm:spPr/>
+      <dgm:t>
+        <a:bodyPr/>
+        <a:lstStyle/>
+        <a:p>
+          <a:endParaRPr lang="es-ES_tradnl"/>
+        </a:p>
+      </dgm:t>
     </dgm:pt>
     <dgm:pt modelId="{C7A72AD2-A1A9-4B1C-B9D0-E04412EDCCD9}" type="pres">
       <dgm:prSet presAssocID="{D78D9EE8-8188-46A4-BFE8-A6A288115181}" presName="vert1" presStyleCnt="0"/>
@@ -5006,6 +5184,13 @@
     <dgm:pt modelId="{E50588D9-734D-4CF4-9462-86745D1B9141}" type="pres">
       <dgm:prSet presAssocID="{6F512148-8219-4F81-8E10-C001E68301DE}" presName="tx1" presStyleLbl="revTx" presStyleIdx="4" presStyleCnt="5"/>
       <dgm:spPr/>
+      <dgm:t>
+        <a:bodyPr/>
+        <a:lstStyle/>
+        <a:p>
+          <a:endParaRPr lang="es-ES_tradnl"/>
+        </a:p>
+      </dgm:t>
     </dgm:pt>
     <dgm:pt modelId="{63352534-528D-4976-81C7-532DBBC977CC}" type="pres">
       <dgm:prSet presAssocID="{6F512148-8219-4F81-8E10-C001E68301DE}" presName="vert1" presStyleCnt="0"/>
@@ -5013,17 +5198,17 @@
     </dgm:pt>
   </dgm:ptLst>
   <dgm:cxnLst>
+    <dgm:cxn modelId="{36A687A8-343B-4CF5-B690-27ACDD16CAD2}" srcId="{12A1EA06-02B5-4138-86D9-1D9519EA3DB5}" destId="{95FA51A4-834D-4EE1-9134-725C0F5D2958}" srcOrd="0" destOrd="0" parTransId="{D4F723A0-6D07-4293-9354-418D8F01542B}" sibTransId="{188BBD3D-CC3C-46DA-90A6-BC774FBBD9DF}"/>
+    <dgm:cxn modelId="{A4E03FA6-0F8D-436C-8E57-E0FDC8FA0FF3}" type="presOf" srcId="{12A1EA06-02B5-4138-86D9-1D9519EA3DB5}" destId="{10DC7316-BEB5-4E34-AB5A-92022B85F9DA}" srcOrd="0" destOrd="0" presId="urn:microsoft.com/office/officeart/2008/layout/LinedList"/>
+    <dgm:cxn modelId="{894A646E-3604-4437-A591-7D7A75EE0B74}" type="presOf" srcId="{5FE1970C-B27A-4406-B70E-345DA49DD767}" destId="{5511D2C0-81E2-437B-ACB6-2D3EFEA183BA}" srcOrd="0" destOrd="0" presId="urn:microsoft.com/office/officeart/2008/layout/LinedList"/>
+    <dgm:cxn modelId="{FCF7DDC5-F843-4125-87EB-17ECE366064C}" srcId="{12A1EA06-02B5-4138-86D9-1D9519EA3DB5}" destId="{6F512148-8219-4F81-8E10-C001E68301DE}" srcOrd="4" destOrd="0" parTransId="{40DA1613-CD2E-4B50-8D7F-1F45F6DFC765}" sibTransId="{1D62BE9C-C69D-41B4-A411-3885B87D4E28}"/>
+    <dgm:cxn modelId="{7AA2629B-A812-4A9C-8CB5-4F662072717B}" srcId="{12A1EA06-02B5-4138-86D9-1D9519EA3DB5}" destId="{25103830-F553-439A-9127-FE769C4A083B}" srcOrd="1" destOrd="0" parTransId="{44A974AA-0C50-41EA-97FA-939A78EB0761}" sibTransId="{F5F43D10-4CC5-4DC2-B3DD-50A0C63A4010}"/>
+    <dgm:cxn modelId="{EC6E2E91-F167-4BC7-8773-0D5E5151E521}" srcId="{12A1EA06-02B5-4138-86D9-1D9519EA3DB5}" destId="{D78D9EE8-8188-46A4-BFE8-A6A288115181}" srcOrd="3" destOrd="0" parTransId="{0FB8411C-FDC5-4ED7-996E-80CD933BDDC0}" sibTransId="{9770E5B2-6315-4146-9AA4-A5538CEB9120}"/>
+    <dgm:cxn modelId="{4B0D23D9-AD1E-4E89-AB5A-F085451195C4}" srcId="{12A1EA06-02B5-4138-86D9-1D9519EA3DB5}" destId="{5FE1970C-B27A-4406-B70E-345DA49DD767}" srcOrd="2" destOrd="0" parTransId="{DD7A1D6B-1745-4E98-9DDF-EDA4BE2CF160}" sibTransId="{9159E7C0-D39F-424B-B69E-84F263393897}"/>
+    <dgm:cxn modelId="{84B1B489-7F40-4229-A0F6-267C9A6B0819}" type="presOf" srcId="{95FA51A4-834D-4EE1-9134-725C0F5D2958}" destId="{5BF1887B-8A01-47B8-BC51-AD1881EB2750}" srcOrd="0" destOrd="0" presId="urn:microsoft.com/office/officeart/2008/layout/LinedList"/>
+    <dgm:cxn modelId="{1E0392FC-1B84-4864-A40E-511F453530E3}" type="presOf" srcId="{6F512148-8219-4F81-8E10-C001E68301DE}" destId="{E50588D9-734D-4CF4-9462-86745D1B9141}" srcOrd="0" destOrd="0" presId="urn:microsoft.com/office/officeart/2008/layout/LinedList"/>
     <dgm:cxn modelId="{48764411-2126-406F-A389-8A73C577D87D}" type="presOf" srcId="{D78D9EE8-8188-46A4-BFE8-A6A288115181}" destId="{E524C1C6-3455-4CFD-8426-791F0041DAA7}" srcOrd="0" destOrd="0" presId="urn:microsoft.com/office/officeart/2008/layout/LinedList"/>
-    <dgm:cxn modelId="{894A646E-3604-4437-A591-7D7A75EE0B74}" type="presOf" srcId="{5FE1970C-B27A-4406-B70E-345DA49DD767}" destId="{5511D2C0-81E2-437B-ACB6-2D3EFEA183BA}" srcOrd="0" destOrd="0" presId="urn:microsoft.com/office/officeart/2008/layout/LinedList"/>
-    <dgm:cxn modelId="{84B1B489-7F40-4229-A0F6-267C9A6B0819}" type="presOf" srcId="{95FA51A4-834D-4EE1-9134-725C0F5D2958}" destId="{5BF1887B-8A01-47B8-BC51-AD1881EB2750}" srcOrd="0" destOrd="0" presId="urn:microsoft.com/office/officeart/2008/layout/LinedList"/>
-    <dgm:cxn modelId="{EC6E2E91-F167-4BC7-8773-0D5E5151E521}" srcId="{12A1EA06-02B5-4138-86D9-1D9519EA3DB5}" destId="{D78D9EE8-8188-46A4-BFE8-A6A288115181}" srcOrd="3" destOrd="0" parTransId="{0FB8411C-FDC5-4ED7-996E-80CD933BDDC0}" sibTransId="{9770E5B2-6315-4146-9AA4-A5538CEB9120}"/>
-    <dgm:cxn modelId="{7AA2629B-A812-4A9C-8CB5-4F662072717B}" srcId="{12A1EA06-02B5-4138-86D9-1D9519EA3DB5}" destId="{25103830-F553-439A-9127-FE769C4A083B}" srcOrd="1" destOrd="0" parTransId="{44A974AA-0C50-41EA-97FA-939A78EB0761}" sibTransId="{F5F43D10-4CC5-4DC2-B3DD-50A0C63A4010}"/>
-    <dgm:cxn modelId="{A4E03FA6-0F8D-436C-8E57-E0FDC8FA0FF3}" type="presOf" srcId="{12A1EA06-02B5-4138-86D9-1D9519EA3DB5}" destId="{10DC7316-BEB5-4E34-AB5A-92022B85F9DA}" srcOrd="0" destOrd="0" presId="urn:microsoft.com/office/officeart/2008/layout/LinedList"/>
-    <dgm:cxn modelId="{36A687A8-343B-4CF5-B690-27ACDD16CAD2}" srcId="{12A1EA06-02B5-4138-86D9-1D9519EA3DB5}" destId="{95FA51A4-834D-4EE1-9134-725C0F5D2958}" srcOrd="0" destOrd="0" parTransId="{D4F723A0-6D07-4293-9354-418D8F01542B}" sibTransId="{188BBD3D-CC3C-46DA-90A6-BC774FBBD9DF}"/>
-    <dgm:cxn modelId="{FCF7DDC5-F843-4125-87EB-17ECE366064C}" srcId="{12A1EA06-02B5-4138-86D9-1D9519EA3DB5}" destId="{6F512148-8219-4F81-8E10-C001E68301DE}" srcOrd="4" destOrd="0" parTransId="{40DA1613-CD2E-4B50-8D7F-1F45F6DFC765}" sibTransId="{1D62BE9C-C69D-41B4-A411-3885B87D4E28}"/>
     <dgm:cxn modelId="{B94223CD-B852-428D-83AD-DD747B52CD23}" type="presOf" srcId="{25103830-F553-439A-9127-FE769C4A083B}" destId="{E70CD125-40C2-4308-98DE-F49961EBEDD8}" srcOrd="0" destOrd="0" presId="urn:microsoft.com/office/officeart/2008/layout/LinedList"/>
-    <dgm:cxn modelId="{4B0D23D9-AD1E-4E89-AB5A-F085451195C4}" srcId="{12A1EA06-02B5-4138-86D9-1D9519EA3DB5}" destId="{5FE1970C-B27A-4406-B70E-345DA49DD767}" srcOrd="2" destOrd="0" parTransId="{DD7A1D6B-1745-4E98-9DDF-EDA4BE2CF160}" sibTransId="{9159E7C0-D39F-424B-B69E-84F263393897}"/>
-    <dgm:cxn modelId="{1E0392FC-1B84-4864-A40E-511F453530E3}" type="presOf" srcId="{6F512148-8219-4F81-8E10-C001E68301DE}" destId="{E50588D9-734D-4CF4-9462-86745D1B9141}" srcOrd="0" destOrd="0" presId="urn:microsoft.com/office/officeart/2008/layout/LinedList"/>
     <dgm:cxn modelId="{DDC9AB4C-9A6D-45F2-8176-6C83E920240D}" type="presParOf" srcId="{10DC7316-BEB5-4E34-AB5A-92022B85F9DA}" destId="{470DB5D0-9EF1-49E5-81D2-E149DA81DA04}" srcOrd="0" destOrd="0" presId="urn:microsoft.com/office/officeart/2008/layout/LinedList"/>
     <dgm:cxn modelId="{83BEA796-36B4-40DA-A4F0-03EA87D011DD}" type="presParOf" srcId="{10DC7316-BEB5-4E34-AB5A-92022B85F9DA}" destId="{15C97AF9-B0C7-48FB-AEDF-5F862E90767A}" srcOrd="1" destOrd="0" presId="urn:microsoft.com/office/officeart/2008/layout/LinedList"/>
     <dgm:cxn modelId="{4769CD57-9638-49D0-8ABA-907A157AC8C3}" type="presParOf" srcId="{15C97AF9-B0C7-48FB-AEDF-5F862E90767A}" destId="{5BF1887B-8A01-47B8-BC51-AD1881EB2750}" srcOrd="0" destOrd="0" presId="urn:microsoft.com/office/officeart/2008/layout/LinedList"/>
@@ -5260,6 +5445,13 @@
         </dgm:presLayoutVars>
       </dgm:prSet>
       <dgm:spPr/>
+      <dgm:t>
+        <a:bodyPr/>
+        <a:lstStyle/>
+        <a:p>
+          <a:endParaRPr lang="es-ES_tradnl"/>
+        </a:p>
+      </dgm:t>
     </dgm:pt>
     <dgm:pt modelId="{408C97A3-02A7-4CF6-9095-4827F1B6C828}" type="pres">
       <dgm:prSet presAssocID="{0219E034-AF4C-475D-B6E7-82A870FACCCC}" presName="root1" presStyleCnt="0"/>
@@ -5272,6 +5464,13 @@
         </dgm:presLayoutVars>
       </dgm:prSet>
       <dgm:spPr/>
+      <dgm:t>
+        <a:bodyPr/>
+        <a:lstStyle/>
+        <a:p>
+          <a:endParaRPr lang="es-ES_tradnl"/>
+        </a:p>
+      </dgm:t>
     </dgm:pt>
     <dgm:pt modelId="{48BEF979-0731-4DFA-BF6C-47AEE6A87E82}" type="pres">
       <dgm:prSet presAssocID="{0219E034-AF4C-475D-B6E7-82A870FACCCC}" presName="level2hierChild" presStyleCnt="0"/>
@@ -5280,10 +5479,24 @@
     <dgm:pt modelId="{26D72EED-E068-43D9-8934-11630CD0FA6C}" type="pres">
       <dgm:prSet presAssocID="{BA182E10-CCF4-4F85-BFA0-151C2CB19CC2}" presName="conn2-1" presStyleLbl="parChTrans1D2" presStyleIdx="0" presStyleCnt="3"/>
       <dgm:spPr/>
+      <dgm:t>
+        <a:bodyPr/>
+        <a:lstStyle/>
+        <a:p>
+          <a:endParaRPr lang="es-ES_tradnl"/>
+        </a:p>
+      </dgm:t>
     </dgm:pt>
     <dgm:pt modelId="{AE5BB926-FC4E-48BC-8740-E56A7FDB2856}" type="pres">
       <dgm:prSet presAssocID="{BA182E10-CCF4-4F85-BFA0-151C2CB19CC2}" presName="connTx" presStyleLbl="parChTrans1D2" presStyleIdx="0" presStyleCnt="3"/>
       <dgm:spPr/>
+      <dgm:t>
+        <a:bodyPr/>
+        <a:lstStyle/>
+        <a:p>
+          <a:endParaRPr lang="es-ES_tradnl"/>
+        </a:p>
+      </dgm:t>
     </dgm:pt>
     <dgm:pt modelId="{7AC89E6E-6FF7-4AEA-9AB9-0B078709B8F9}" type="pres">
       <dgm:prSet presAssocID="{8B3A4E7D-3269-4C83-89F3-4CA429309498}" presName="root2" presStyleCnt="0"/>
@@ -5296,6 +5509,13 @@
         </dgm:presLayoutVars>
       </dgm:prSet>
       <dgm:spPr/>
+      <dgm:t>
+        <a:bodyPr/>
+        <a:lstStyle/>
+        <a:p>
+          <a:endParaRPr lang="es-ES_tradnl"/>
+        </a:p>
+      </dgm:t>
     </dgm:pt>
     <dgm:pt modelId="{3625EF59-103B-461D-83E9-4C402E71A819}" type="pres">
       <dgm:prSet presAssocID="{8B3A4E7D-3269-4C83-89F3-4CA429309498}" presName="level3hierChild" presStyleCnt="0"/>
@@ -5304,10 +5524,24 @@
     <dgm:pt modelId="{136F9DBB-E600-48D5-BDAB-5077D57D50AA}" type="pres">
       <dgm:prSet presAssocID="{B8CB6F02-DAC1-4456-A097-6AE1610AE1D9}" presName="conn2-1" presStyleLbl="parChTrans1D2" presStyleIdx="1" presStyleCnt="3"/>
       <dgm:spPr/>
+      <dgm:t>
+        <a:bodyPr/>
+        <a:lstStyle/>
+        <a:p>
+          <a:endParaRPr lang="es-ES_tradnl"/>
+        </a:p>
+      </dgm:t>
     </dgm:pt>
     <dgm:pt modelId="{99348ADB-093D-45FE-BECC-4CC0D6755CF6}" type="pres">
       <dgm:prSet presAssocID="{B8CB6F02-DAC1-4456-A097-6AE1610AE1D9}" presName="connTx" presStyleLbl="parChTrans1D2" presStyleIdx="1" presStyleCnt="3"/>
       <dgm:spPr/>
+      <dgm:t>
+        <a:bodyPr/>
+        <a:lstStyle/>
+        <a:p>
+          <a:endParaRPr lang="es-ES_tradnl"/>
+        </a:p>
+      </dgm:t>
     </dgm:pt>
     <dgm:pt modelId="{C2C1E940-C53E-40CE-9118-36A15B456A6C}" type="pres">
       <dgm:prSet presAssocID="{2B2880F9-55E5-49ED-8E33-9F5627C3B520}" presName="root2" presStyleCnt="0"/>
@@ -5320,6 +5554,13 @@
         </dgm:presLayoutVars>
       </dgm:prSet>
       <dgm:spPr/>
+      <dgm:t>
+        <a:bodyPr/>
+        <a:lstStyle/>
+        <a:p>
+          <a:endParaRPr lang="es-ES_tradnl"/>
+        </a:p>
+      </dgm:t>
     </dgm:pt>
     <dgm:pt modelId="{AAE7F9EF-D1BD-4D86-9FBF-8B7C529E3322}" type="pres">
       <dgm:prSet presAssocID="{2B2880F9-55E5-49ED-8E33-9F5627C3B520}" presName="level3hierChild" presStyleCnt="0"/>
@@ -5328,10 +5569,24 @@
     <dgm:pt modelId="{3A533134-6777-4855-BE27-367216C161A0}" type="pres">
       <dgm:prSet presAssocID="{9F315F11-CE4E-4647-AC74-DFF45127B67D}" presName="conn2-1" presStyleLbl="parChTrans1D2" presStyleIdx="2" presStyleCnt="3"/>
       <dgm:spPr/>
+      <dgm:t>
+        <a:bodyPr/>
+        <a:lstStyle/>
+        <a:p>
+          <a:endParaRPr lang="es-ES_tradnl"/>
+        </a:p>
+      </dgm:t>
     </dgm:pt>
     <dgm:pt modelId="{47028209-C738-49C0-B43F-734F468CB14E}" type="pres">
       <dgm:prSet presAssocID="{9F315F11-CE4E-4647-AC74-DFF45127B67D}" presName="connTx" presStyleLbl="parChTrans1D2" presStyleIdx="2" presStyleCnt="3"/>
       <dgm:spPr/>
+      <dgm:t>
+        <a:bodyPr/>
+        <a:lstStyle/>
+        <a:p>
+          <a:endParaRPr lang="es-ES_tradnl"/>
+        </a:p>
+      </dgm:t>
     </dgm:pt>
     <dgm:pt modelId="{4E0FC914-EB89-4E6F-9963-34368C87F33A}" type="pres">
       <dgm:prSet presAssocID="{AB9CCEB4-8828-486D-B82D-15BE50DBDCD3}" presName="root2" presStyleCnt="0"/>
@@ -5344,6 +5599,13 @@
         </dgm:presLayoutVars>
       </dgm:prSet>
       <dgm:spPr/>
+      <dgm:t>
+        <a:bodyPr/>
+        <a:lstStyle/>
+        <a:p>
+          <a:endParaRPr lang="es-ES_tradnl"/>
+        </a:p>
+      </dgm:t>
     </dgm:pt>
     <dgm:pt modelId="{396DCE59-C69A-47EB-B656-E18058645118}" type="pres">
       <dgm:prSet presAssocID="{AB9CCEB4-8828-486D-B82D-15BE50DBDCD3}" presName="level3hierChild" presStyleCnt="0"/>
@@ -5351,21 +5613,21 @@
     </dgm:pt>
   </dgm:ptLst>
   <dgm:cxnLst>
+    <dgm:cxn modelId="{A1755BE7-25D3-47DD-8E9D-AE216A7FD57F}" type="presOf" srcId="{1A83A397-9752-44D8-928B-BD77A2D011B3}" destId="{03FF4F4B-322C-442A-B7FE-5765012B0349}" srcOrd="0" destOrd="0" presId="urn:microsoft.com/office/officeart/2005/8/layout/hierarchy2"/>
+    <dgm:cxn modelId="{25ECA16D-0769-453B-BF48-89C48A9A98C1}" type="presOf" srcId="{8B3A4E7D-3269-4C83-89F3-4CA429309498}" destId="{1E56210F-6CE6-4DD2-ACB8-CC8B6B2F9515}" srcOrd="0" destOrd="0" presId="urn:microsoft.com/office/officeart/2005/8/layout/hierarchy2"/>
+    <dgm:cxn modelId="{0ED95747-78E4-4AFB-A9A0-40EAA7EBDD7F}" type="presOf" srcId="{2B2880F9-55E5-49ED-8E33-9F5627C3B520}" destId="{806EF166-724E-4559-AC86-DD6E259A7871}" srcOrd="0" destOrd="0" presId="urn:microsoft.com/office/officeart/2005/8/layout/hierarchy2"/>
+    <dgm:cxn modelId="{409EAF45-2722-4360-B03E-D16295B09604}" srcId="{0219E034-AF4C-475D-B6E7-82A870FACCCC}" destId="{8B3A4E7D-3269-4C83-89F3-4CA429309498}" srcOrd="0" destOrd="0" parTransId="{BA182E10-CCF4-4F85-BFA0-151C2CB19CC2}" sibTransId="{48E3F399-96C3-4078-85BD-01E7114AF0CE}"/>
+    <dgm:cxn modelId="{5EFF8C44-4609-4B6A-B178-9D4A5A72C59F}" type="presOf" srcId="{BA182E10-CCF4-4F85-BFA0-151C2CB19CC2}" destId="{26D72EED-E068-43D9-8934-11630CD0FA6C}" srcOrd="0" destOrd="0" presId="urn:microsoft.com/office/officeart/2005/8/layout/hierarchy2"/>
+    <dgm:cxn modelId="{A880BDC0-086A-4801-85FF-EAAEFD1411E9}" type="presOf" srcId="{BA182E10-CCF4-4F85-BFA0-151C2CB19CC2}" destId="{AE5BB926-FC4E-48BC-8740-E56A7FDB2856}" srcOrd="1" destOrd="0" presId="urn:microsoft.com/office/officeart/2005/8/layout/hierarchy2"/>
+    <dgm:cxn modelId="{F6020431-E627-41B1-8570-C48C88AA67B0}" type="presOf" srcId="{AB9CCEB4-8828-486D-B82D-15BE50DBDCD3}" destId="{A344F690-7383-498D-B42C-7E12860C3B17}" srcOrd="0" destOrd="0" presId="urn:microsoft.com/office/officeart/2005/8/layout/hierarchy2"/>
+    <dgm:cxn modelId="{9ADAC277-F909-4CB1-A85E-1433B3529E98}" srcId="{0219E034-AF4C-475D-B6E7-82A870FACCCC}" destId="{2B2880F9-55E5-49ED-8E33-9F5627C3B520}" srcOrd="1" destOrd="0" parTransId="{B8CB6F02-DAC1-4456-A097-6AE1610AE1D9}" sibTransId="{E1F3EC87-D003-4A3C-B824-CE54E8BB2655}"/>
+    <dgm:cxn modelId="{D65590B2-C226-462B-906A-D5D094B2E1B7}" srcId="{1A83A397-9752-44D8-928B-BD77A2D011B3}" destId="{0219E034-AF4C-475D-B6E7-82A870FACCCC}" srcOrd="0" destOrd="0" parTransId="{1E7504BC-FD3E-4CB5-8448-7B6E02A437E2}" sibTransId="{DA6710C6-927A-48A4-9D63-E1F8F37EE5EB}"/>
+    <dgm:cxn modelId="{E58E251E-DCB6-4679-8C66-DE2A81969E59}" type="presOf" srcId="{9F315F11-CE4E-4647-AC74-DFF45127B67D}" destId="{47028209-C738-49C0-B43F-734F468CB14E}" srcOrd="1" destOrd="0" presId="urn:microsoft.com/office/officeart/2005/8/layout/hierarchy2"/>
+    <dgm:cxn modelId="{F2BC7B4F-3BF6-4798-A1EF-3736E9862178}" type="presOf" srcId="{9F315F11-CE4E-4647-AC74-DFF45127B67D}" destId="{3A533134-6777-4855-BE27-367216C161A0}" srcOrd="0" destOrd="0" presId="urn:microsoft.com/office/officeart/2005/8/layout/hierarchy2"/>
     <dgm:cxn modelId="{C5243614-7BBA-4801-8C67-E7956AC52C6A}" srcId="{0219E034-AF4C-475D-B6E7-82A870FACCCC}" destId="{AB9CCEB4-8828-486D-B82D-15BE50DBDCD3}" srcOrd="2" destOrd="0" parTransId="{9F315F11-CE4E-4647-AC74-DFF45127B67D}" sibTransId="{085A98A6-6A8A-4C8D-A7C1-8F4E92BADE45}"/>
-    <dgm:cxn modelId="{E58E251E-DCB6-4679-8C66-DE2A81969E59}" type="presOf" srcId="{9F315F11-CE4E-4647-AC74-DFF45127B67D}" destId="{47028209-C738-49C0-B43F-734F468CB14E}" srcOrd="1" destOrd="0" presId="urn:microsoft.com/office/officeart/2005/8/layout/hierarchy2"/>
+    <dgm:cxn modelId="{07A2BCA0-392C-4A22-9EA7-01A81E54C6CD}" type="presOf" srcId="{B8CB6F02-DAC1-4456-A097-6AE1610AE1D9}" destId="{136F9DBB-E600-48D5-BDAB-5077D57D50AA}" srcOrd="0" destOrd="0" presId="urn:microsoft.com/office/officeart/2005/8/layout/hierarchy2"/>
     <dgm:cxn modelId="{1F660E23-F919-4D2C-89EA-1E5EB1193556}" type="presOf" srcId="{0219E034-AF4C-475D-B6E7-82A870FACCCC}" destId="{9FCD4B2A-DA32-43E2-B487-D226E6438787}" srcOrd="0" destOrd="0" presId="urn:microsoft.com/office/officeart/2005/8/layout/hierarchy2"/>
-    <dgm:cxn modelId="{F6020431-E627-41B1-8570-C48C88AA67B0}" type="presOf" srcId="{AB9CCEB4-8828-486D-B82D-15BE50DBDCD3}" destId="{A344F690-7383-498D-B42C-7E12860C3B17}" srcOrd="0" destOrd="0" presId="urn:microsoft.com/office/officeart/2005/8/layout/hierarchy2"/>
-    <dgm:cxn modelId="{5EFF8C44-4609-4B6A-B178-9D4A5A72C59F}" type="presOf" srcId="{BA182E10-CCF4-4F85-BFA0-151C2CB19CC2}" destId="{26D72EED-E068-43D9-8934-11630CD0FA6C}" srcOrd="0" destOrd="0" presId="urn:microsoft.com/office/officeart/2005/8/layout/hierarchy2"/>
-    <dgm:cxn modelId="{409EAF45-2722-4360-B03E-D16295B09604}" srcId="{0219E034-AF4C-475D-B6E7-82A870FACCCC}" destId="{8B3A4E7D-3269-4C83-89F3-4CA429309498}" srcOrd="0" destOrd="0" parTransId="{BA182E10-CCF4-4F85-BFA0-151C2CB19CC2}" sibTransId="{48E3F399-96C3-4078-85BD-01E7114AF0CE}"/>
-    <dgm:cxn modelId="{0ED95747-78E4-4AFB-A9A0-40EAA7EBDD7F}" type="presOf" srcId="{2B2880F9-55E5-49ED-8E33-9F5627C3B520}" destId="{806EF166-724E-4559-AC86-DD6E259A7871}" srcOrd="0" destOrd="0" presId="urn:microsoft.com/office/officeart/2005/8/layout/hierarchy2"/>
-    <dgm:cxn modelId="{25ECA16D-0769-453B-BF48-89C48A9A98C1}" type="presOf" srcId="{8B3A4E7D-3269-4C83-89F3-4CA429309498}" destId="{1E56210F-6CE6-4DD2-ACB8-CC8B6B2F9515}" srcOrd="0" destOrd="0" presId="urn:microsoft.com/office/officeart/2005/8/layout/hierarchy2"/>
-    <dgm:cxn modelId="{F2BC7B4F-3BF6-4798-A1EF-3736E9862178}" type="presOf" srcId="{9F315F11-CE4E-4647-AC74-DFF45127B67D}" destId="{3A533134-6777-4855-BE27-367216C161A0}" srcOrd="0" destOrd="0" presId="urn:microsoft.com/office/officeart/2005/8/layout/hierarchy2"/>
-    <dgm:cxn modelId="{9ADAC277-F909-4CB1-A85E-1433B3529E98}" srcId="{0219E034-AF4C-475D-B6E7-82A870FACCCC}" destId="{2B2880F9-55E5-49ED-8E33-9F5627C3B520}" srcOrd="1" destOrd="0" parTransId="{B8CB6F02-DAC1-4456-A097-6AE1610AE1D9}" sibTransId="{E1F3EC87-D003-4A3C-B824-CE54E8BB2655}"/>
-    <dgm:cxn modelId="{07A2BCA0-392C-4A22-9EA7-01A81E54C6CD}" type="presOf" srcId="{B8CB6F02-DAC1-4456-A097-6AE1610AE1D9}" destId="{136F9DBB-E600-48D5-BDAB-5077D57D50AA}" srcOrd="0" destOrd="0" presId="urn:microsoft.com/office/officeart/2005/8/layout/hierarchy2"/>
-    <dgm:cxn modelId="{D65590B2-C226-462B-906A-D5D094B2E1B7}" srcId="{1A83A397-9752-44D8-928B-BD77A2D011B3}" destId="{0219E034-AF4C-475D-B6E7-82A870FACCCC}" srcOrd="0" destOrd="0" parTransId="{1E7504BC-FD3E-4CB5-8448-7B6E02A437E2}" sibTransId="{DA6710C6-927A-48A4-9D63-E1F8F37EE5EB}"/>
     <dgm:cxn modelId="{E2BAFAB7-DC2B-4A11-9F8E-BA8D64C5230A}" type="presOf" srcId="{B8CB6F02-DAC1-4456-A097-6AE1610AE1D9}" destId="{99348ADB-093D-45FE-BECC-4CC0D6755CF6}" srcOrd="1" destOrd="0" presId="urn:microsoft.com/office/officeart/2005/8/layout/hierarchy2"/>
-    <dgm:cxn modelId="{A880BDC0-086A-4801-85FF-EAAEFD1411E9}" type="presOf" srcId="{BA182E10-CCF4-4F85-BFA0-151C2CB19CC2}" destId="{AE5BB926-FC4E-48BC-8740-E56A7FDB2856}" srcOrd="1" destOrd="0" presId="urn:microsoft.com/office/officeart/2005/8/layout/hierarchy2"/>
-    <dgm:cxn modelId="{A1755BE7-25D3-47DD-8E9D-AE216A7FD57F}" type="presOf" srcId="{1A83A397-9752-44D8-928B-BD77A2D011B3}" destId="{03FF4F4B-322C-442A-B7FE-5765012B0349}" srcOrd="0" destOrd="0" presId="urn:microsoft.com/office/officeart/2005/8/layout/hierarchy2"/>
     <dgm:cxn modelId="{8F44A096-283A-4CF6-BAFE-B710FDFF1708}" type="presParOf" srcId="{03FF4F4B-322C-442A-B7FE-5765012B0349}" destId="{408C97A3-02A7-4CF6-9095-4827F1B6C828}" srcOrd="0" destOrd="0" presId="urn:microsoft.com/office/officeart/2005/8/layout/hierarchy2"/>
     <dgm:cxn modelId="{C51327C7-8CC6-4D10-9C23-F29C76C701E3}" type="presParOf" srcId="{408C97A3-02A7-4CF6-9095-4827F1B6C828}" destId="{9FCD4B2A-DA32-43E2-B487-D226E6438787}" srcOrd="0" destOrd="0" presId="urn:microsoft.com/office/officeart/2005/8/layout/hierarchy2"/>
     <dgm:cxn modelId="{21746A78-565F-4B12-934E-7D08128E2539}" type="presParOf" srcId="{408C97A3-02A7-4CF6-9095-4827F1B6C828}" destId="{48BEF979-0731-4DFA-BF6C-47AEE6A87E82}" srcOrd="1" destOrd="0" presId="urn:microsoft.com/office/officeart/2005/8/layout/hierarchy2"/>
@@ -5504,7 +5766,7 @@
         </a:bodyPr>
         <a:lstStyle/>
         <a:p>
-          <a:pPr marL="0" lvl="0" indent="0" algn="ctr" defTabSz="711200">
+          <a:pPr lvl="0" algn="ctr" defTabSz="711200">
             <a:lnSpc>
               <a:spcPct val="90000"/>
             </a:lnSpc>
@@ -5514,7 +5776,6 @@
             <a:spcAft>
               <a:spcPct val="35000"/>
             </a:spcAft>
-            <a:buNone/>
           </a:pPr>
           <a:r>
             <a:rPr lang="es-ES" sz="1600" b="1" kern="1200" dirty="0" err="1">
@@ -5588,7 +5849,7 @@
         </a:bodyPr>
         <a:lstStyle/>
         <a:p>
-          <a:pPr marL="0" lvl="0" indent="0" algn="ctr" defTabSz="577850">
+          <a:pPr lvl="0" algn="ctr" defTabSz="577850">
             <a:lnSpc>
               <a:spcPct val="90000"/>
             </a:lnSpc>
@@ -5598,7 +5859,6 @@
             <a:spcAft>
               <a:spcPct val="35000"/>
             </a:spcAft>
-            <a:buNone/>
           </a:pPr>
           <a:endParaRPr lang="en-GB" sz="1300" kern="1200"/>
         </a:p>
@@ -5709,7 +5969,7 @@
         </a:bodyPr>
         <a:lstStyle/>
         <a:p>
-          <a:pPr marL="0" lvl="0" indent="0" algn="ctr" defTabSz="711200">
+          <a:pPr lvl="0" algn="ctr" defTabSz="711200">
             <a:lnSpc>
               <a:spcPct val="90000"/>
             </a:lnSpc>
@@ -5719,7 +5979,6 @@
             <a:spcAft>
               <a:spcPct val="35000"/>
             </a:spcAft>
-            <a:buNone/>
           </a:pPr>
           <a:r>
             <a:rPr lang="es-ES" sz="1600" b="1" kern="1200" dirty="0" err="1">
@@ -5802,7 +6061,7 @@
         </a:bodyPr>
         <a:lstStyle/>
         <a:p>
-          <a:pPr marL="0" lvl="0" indent="0" algn="ctr" defTabSz="577850">
+          <a:pPr lvl="0" algn="ctr" defTabSz="577850">
             <a:lnSpc>
               <a:spcPct val="90000"/>
             </a:lnSpc>
@@ -5812,7 +6071,6 @@
             <a:spcAft>
               <a:spcPct val="35000"/>
             </a:spcAft>
-            <a:buNone/>
           </a:pPr>
           <a:endParaRPr lang="en-GB" sz="1300" kern="1200"/>
         </a:p>
@@ -5923,7 +6181,7 @@
         </a:bodyPr>
         <a:lstStyle/>
         <a:p>
-          <a:pPr marL="0" lvl="0" indent="0" algn="ctr" defTabSz="711200">
+          <a:pPr lvl="0" algn="ctr" defTabSz="711200">
             <a:lnSpc>
               <a:spcPct val="90000"/>
             </a:lnSpc>
@@ -5933,7 +6191,6 @@
             <a:spcAft>
               <a:spcPct val="35000"/>
             </a:spcAft>
-            <a:buNone/>
           </a:pPr>
           <a:r>
             <a:rPr lang="es-ES" sz="1600" b="1" kern="1200" dirty="0" err="1">
@@ -6021,7 +6278,7 @@
         </a:bodyPr>
         <a:lstStyle/>
         <a:p>
-          <a:pPr marL="0" lvl="0" indent="0" algn="ctr" defTabSz="1200150">
+          <a:pPr lvl="0" algn="ctr" defTabSz="1200150">
             <a:lnSpc>
               <a:spcPct val="90000"/>
             </a:lnSpc>
@@ -6031,7 +6288,6 @@
             <a:spcAft>
               <a:spcPct val="35000"/>
             </a:spcAft>
-            <a:buNone/>
           </a:pPr>
           <a:r>
             <a:rPr lang="es-ES" sz="2700" b="1" kern="1200" dirty="0" err="1">
@@ -6125,7 +6381,7 @@
         </a:bodyPr>
         <a:lstStyle/>
         <a:p>
-          <a:pPr marL="0" lvl="0" indent="0" algn="ctr" defTabSz="311150">
+          <a:pPr lvl="0" algn="ctr" defTabSz="311150">
             <a:lnSpc>
               <a:spcPct val="90000"/>
             </a:lnSpc>
@@ -6135,7 +6391,6 @@
             <a:spcAft>
               <a:spcPct val="35000"/>
             </a:spcAft>
-            <a:buNone/>
           </a:pPr>
           <a:endParaRPr lang="en-GB" sz="700" kern="1200"/>
         </a:p>
@@ -6197,7 +6452,7 @@
         </a:bodyPr>
         <a:lstStyle/>
         <a:p>
-          <a:pPr marL="0" lvl="0" indent="0" algn="ctr" defTabSz="1200150">
+          <a:pPr lvl="0" algn="ctr" defTabSz="1200150">
             <a:lnSpc>
               <a:spcPct val="90000"/>
             </a:lnSpc>
@@ -6207,7 +6462,6 @@
             <a:spcAft>
               <a:spcPct val="35000"/>
             </a:spcAft>
-            <a:buNone/>
           </a:pPr>
           <a:r>
             <a:rPr lang="es-ES" sz="2700" b="1" kern="1200" dirty="0" err="1">
@@ -6310,7 +6564,7 @@
         </a:bodyPr>
         <a:lstStyle/>
         <a:p>
-          <a:pPr marL="0" lvl="0" indent="0" algn="ctr" defTabSz="222250">
+          <a:pPr lvl="0" algn="ctr" defTabSz="222250">
             <a:lnSpc>
               <a:spcPct val="90000"/>
             </a:lnSpc>
@@ -6320,7 +6574,6 @@
             <a:spcAft>
               <a:spcPct val="35000"/>
             </a:spcAft>
-            <a:buNone/>
           </a:pPr>
           <a:endParaRPr lang="en-GB" sz="500" kern="1200"/>
         </a:p>
@@ -6382,7 +6635,7 @@
         </a:bodyPr>
         <a:lstStyle/>
         <a:p>
-          <a:pPr marL="0" lvl="0" indent="0" algn="ctr" defTabSz="1200150">
+          <a:pPr lvl="0" algn="ctr" defTabSz="1200150">
             <a:lnSpc>
               <a:spcPct val="90000"/>
             </a:lnSpc>
@@ -6392,7 +6645,6 @@
             <a:spcAft>
               <a:spcPct val="35000"/>
             </a:spcAft>
-            <a:buNone/>
           </a:pPr>
           <a:r>
             <a:rPr lang="es-ES" sz="2700" b="1" kern="1200" dirty="0" err="1">
@@ -6486,7 +6738,7 @@
         </a:bodyPr>
         <a:lstStyle/>
         <a:p>
-          <a:pPr marL="0" lvl="0" indent="0" algn="ctr" defTabSz="311150">
+          <a:pPr lvl="0" algn="ctr" defTabSz="311150">
             <a:lnSpc>
               <a:spcPct val="90000"/>
             </a:lnSpc>
@@ -6496,7 +6748,6 @@
             <a:spcAft>
               <a:spcPct val="35000"/>
             </a:spcAft>
-            <a:buNone/>
           </a:pPr>
           <a:endParaRPr lang="en-GB" sz="700" kern="1200"/>
         </a:p>
@@ -6558,7 +6809,7 @@
         </a:bodyPr>
         <a:lstStyle/>
         <a:p>
-          <a:pPr marL="0" lvl="0" indent="0" algn="ctr" defTabSz="1200150">
+          <a:pPr lvl="0" algn="ctr" defTabSz="1200150">
             <a:lnSpc>
               <a:spcPct val="90000"/>
             </a:lnSpc>
@@ -6568,7 +6819,6 @@
             <a:spcAft>
               <a:spcPct val="35000"/>
             </a:spcAft>
-            <a:buNone/>
           </a:pPr>
           <a:r>
             <a:rPr lang="es-ES" sz="2700" b="1" kern="1200" dirty="0" err="1">
@@ -6709,7 +6959,7 @@
         </a:bodyPr>
         <a:lstStyle/>
         <a:p>
-          <a:pPr marL="0" lvl="0" indent="0" algn="l" defTabSz="711200">
+          <a:pPr lvl="0" algn="l" defTabSz="711200">
             <a:lnSpc>
               <a:spcPct val="90000"/>
             </a:lnSpc>
@@ -6719,7 +6969,6 @@
             <a:spcAft>
               <a:spcPct val="35000"/>
             </a:spcAft>
-            <a:buNone/>
           </a:pPr>
           <a:r>
             <a:rPr lang="es-ES" sz="1600" kern="1200" dirty="0" err="1"/>
@@ -6840,7 +7089,7 @@
         </a:bodyPr>
         <a:lstStyle/>
         <a:p>
-          <a:pPr marL="0" lvl="0" indent="0" algn="l" defTabSz="666750">
+          <a:pPr lvl="0" algn="l" defTabSz="666750">
             <a:lnSpc>
               <a:spcPct val="90000"/>
             </a:lnSpc>
@@ -6850,7 +7099,6 @@
             <a:spcAft>
               <a:spcPct val="35000"/>
             </a:spcAft>
-            <a:buNone/>
           </a:pPr>
           <a:r>
             <a:rPr lang="es-ES" sz="1500" kern="1200" dirty="0"/>
@@ -6951,7 +7199,7 @@
         </a:bodyPr>
         <a:lstStyle/>
         <a:p>
-          <a:pPr marL="0" lvl="0" indent="0" algn="l" defTabSz="666750">
+          <a:pPr lvl="0" algn="l" defTabSz="666750">
             <a:lnSpc>
               <a:spcPct val="90000"/>
             </a:lnSpc>
@@ -6961,7 +7209,6 @@
             <a:spcAft>
               <a:spcPct val="35000"/>
             </a:spcAft>
-            <a:buNone/>
           </a:pPr>
           <a:r>
             <a:rPr lang="es-ES" sz="1500" kern="1200" dirty="0"/>
@@ -7062,7 +7309,7 @@
         </a:bodyPr>
         <a:lstStyle/>
         <a:p>
-          <a:pPr marL="0" lvl="0" indent="0" algn="l" defTabSz="666750">
+          <a:pPr lvl="0" algn="l" defTabSz="666750">
             <a:lnSpc>
               <a:spcPct val="90000"/>
             </a:lnSpc>
@@ -7072,7 +7319,6 @@
             <a:spcAft>
               <a:spcPct val="35000"/>
             </a:spcAft>
-            <a:buNone/>
           </a:pPr>
           <a:r>
             <a:rPr lang="es-ES" sz="1500" kern="1200" dirty="0" err="1"/>
@@ -7185,7 +7431,7 @@
         </a:bodyPr>
         <a:lstStyle/>
         <a:p>
-          <a:pPr marL="0" lvl="0" indent="0" algn="l" defTabSz="666750">
+          <a:pPr lvl="0" algn="l" defTabSz="666750">
             <a:lnSpc>
               <a:spcPct val="90000"/>
             </a:lnSpc>
@@ -7195,7 +7441,6 @@
             <a:spcAft>
               <a:spcPct val="35000"/>
             </a:spcAft>
-            <a:buNone/>
           </a:pPr>
           <a:r>
             <a:rPr lang="es-ES" sz="1500" kern="1200" dirty="0" err="1"/>
@@ -7312,7 +7557,7 @@
         </a:bodyPr>
         <a:lstStyle/>
         <a:p>
-          <a:pPr marL="0" lvl="0" indent="0" algn="l" defTabSz="666750">
+          <a:pPr lvl="0" algn="l" defTabSz="666750">
             <a:lnSpc>
               <a:spcPct val="90000"/>
             </a:lnSpc>
@@ -7322,7 +7567,6 @@
             <a:spcAft>
               <a:spcPct val="35000"/>
             </a:spcAft>
-            <a:buNone/>
           </a:pPr>
           <a:r>
             <a:rPr lang="es-ES" sz="1500" kern="1200" dirty="0" err="1"/>
@@ -7412,7 +7656,7 @@
         </a:bodyPr>
         <a:lstStyle/>
         <a:p>
-          <a:pPr marL="0" lvl="0" indent="0" algn="ctr" defTabSz="1289050">
+          <a:pPr lvl="0" algn="ctr" defTabSz="1289050">
             <a:lnSpc>
               <a:spcPct val="90000"/>
             </a:lnSpc>
@@ -7422,7 +7666,6 @@
             <a:spcAft>
               <a:spcPct val="35000"/>
             </a:spcAft>
-            <a:buNone/>
           </a:pPr>
           <a:r>
             <a:rPr lang="en-GB" sz="2900" b="1" kern="1200" dirty="0">
@@ -7501,7 +7744,7 @@
         </a:bodyPr>
         <a:lstStyle/>
         <a:p>
-          <a:pPr marL="0" lvl="0" indent="0" algn="ctr" defTabSz="266700">
+          <a:pPr lvl="0" algn="ctr" defTabSz="266700">
             <a:lnSpc>
               <a:spcPct val="90000"/>
             </a:lnSpc>
@@ -7511,7 +7754,6 @@
             <a:spcAft>
               <a:spcPct val="35000"/>
             </a:spcAft>
-            <a:buNone/>
           </a:pPr>
           <a:endParaRPr lang="en-GB" sz="600" kern="1200"/>
         </a:p>
@@ -7573,7 +7815,7 @@
         </a:bodyPr>
         <a:lstStyle/>
         <a:p>
-          <a:pPr marL="0" lvl="0" indent="0" algn="ctr" defTabSz="1289050">
+          <a:pPr lvl="0" algn="ctr" defTabSz="1289050">
             <a:lnSpc>
               <a:spcPct val="90000"/>
             </a:lnSpc>
@@ -7583,7 +7825,6 @@
             <a:spcAft>
               <a:spcPct val="35000"/>
             </a:spcAft>
-            <a:buNone/>
           </a:pPr>
           <a:r>
             <a:rPr lang="en-GB" sz="2900" b="1" kern="1200" dirty="0">
@@ -7662,7 +7903,7 @@
         </a:bodyPr>
         <a:lstStyle/>
         <a:p>
-          <a:pPr marL="0" lvl="0" indent="0" algn="ctr" defTabSz="222250">
+          <a:pPr lvl="0" algn="ctr" defTabSz="222250">
             <a:lnSpc>
               <a:spcPct val="90000"/>
             </a:lnSpc>
@@ -7672,7 +7913,6 @@
             <a:spcAft>
               <a:spcPct val="35000"/>
             </a:spcAft>
-            <a:buNone/>
           </a:pPr>
           <a:endParaRPr lang="en-GB" sz="500" kern="1200"/>
         </a:p>
@@ -7734,7 +7974,7 @@
         </a:bodyPr>
         <a:lstStyle/>
         <a:p>
-          <a:pPr marL="0" lvl="0" indent="0" algn="ctr" defTabSz="1289050">
+          <a:pPr lvl="0" algn="ctr" defTabSz="1289050">
             <a:lnSpc>
               <a:spcPct val="90000"/>
             </a:lnSpc>
@@ -7744,7 +7984,6 @@
             <a:spcAft>
               <a:spcPct val="35000"/>
             </a:spcAft>
-            <a:buNone/>
           </a:pPr>
           <a:r>
             <a:rPr lang="en-GB" sz="2900" b="1" kern="1200" dirty="0">
@@ -7823,7 +8062,7 @@
         </a:bodyPr>
         <a:lstStyle/>
         <a:p>
-          <a:pPr marL="0" lvl="0" indent="0" algn="ctr" defTabSz="311150">
+          <a:pPr lvl="0" algn="ctr" defTabSz="311150">
             <a:lnSpc>
               <a:spcPct val="90000"/>
             </a:lnSpc>
@@ -7833,7 +8072,6 @@
             <a:spcAft>
               <a:spcPct val="35000"/>
             </a:spcAft>
-            <a:buNone/>
           </a:pPr>
           <a:endParaRPr lang="en-GB" sz="700" kern="1200"/>
         </a:p>
@@ -7895,7 +8133,7 @@
         </a:bodyPr>
         <a:lstStyle/>
         <a:p>
-          <a:pPr marL="0" lvl="0" indent="0" algn="ctr" defTabSz="1289050">
+          <a:pPr lvl="0" algn="ctr" defTabSz="1289050">
             <a:lnSpc>
               <a:spcPct val="90000"/>
             </a:lnSpc>
@@ -7905,7 +8143,6 @@
             <a:spcAft>
               <a:spcPct val="35000"/>
             </a:spcAft>
-            <a:buNone/>
           </a:pPr>
           <a:r>
             <a:rPr lang="en-GB" sz="2900" b="1" kern="1200" dirty="0">
@@ -14909,6 +15146,356 @@
 </dgm:styleDef>
 </file>
 
+<file path=ppt/notesMasters/notesMaster1.xml><?xml version="1.0" encoding="utf-8"?>
+<p:notesMaster xmlns:a="http://schemas.openxmlformats.org/drawingml/2006/main" xmlns:r="http://schemas.openxmlformats.org/officeDocument/2006/relationships" xmlns:p="http://schemas.openxmlformats.org/presentationml/2006/main">
+  <p:cSld>
+    <p:bg>
+      <p:bgRef idx="1001">
+        <a:schemeClr val="bg1"/>
+      </p:bgRef>
+    </p:bg>
+    <p:spTree>
+      <p:nvGrpSpPr>
+        <p:cNvPr id="1" name=""/>
+        <p:cNvGrpSpPr/>
+        <p:nvPr/>
+      </p:nvGrpSpPr>
+      <p:grpSpPr>
+        <a:xfrm>
+          <a:off x="0" y="0"/>
+          <a:ext cx="0" cy="0"/>
+          <a:chOff x="0" y="0"/>
+          <a:chExt cx="0" cy="0"/>
+        </a:xfrm>
+      </p:grpSpPr>
+      <p:sp>
+        <p:nvSpPr>
+          <p:cNvPr id="2" name="Marcador de encabezado 1"/>
+          <p:cNvSpPr>
+            <a:spLocks noGrp="1"/>
+          </p:cNvSpPr>
+          <p:nvPr>
+            <p:ph type="hdr" sz="quarter"/>
+          </p:nvPr>
+        </p:nvSpPr>
+        <p:spPr>
+          <a:xfrm>
+            <a:off x="0" y="0"/>
+            <a:ext cx="2971800" cy="458788"/>
+          </a:xfrm>
+          <a:prstGeom prst="rect">
+            <a:avLst/>
+          </a:prstGeom>
+        </p:spPr>
+        <p:txBody>
+          <a:bodyPr vert="horz" lIns="91440" tIns="45720" rIns="91440" bIns="45720" rtlCol="0"/>
+          <a:lstStyle>
+            <a:lvl1pPr algn="l">
+              <a:defRPr sz="1200"/>
+            </a:lvl1pPr>
+          </a:lstStyle>
+          <a:p>
+            <a:endParaRPr lang="es-ES_tradnl"/>
+          </a:p>
+        </p:txBody>
+      </p:sp>
+      <p:sp>
+        <p:nvSpPr>
+          <p:cNvPr id="3" name="Marcador de fecha 2"/>
+          <p:cNvSpPr>
+            <a:spLocks noGrp="1"/>
+          </p:cNvSpPr>
+          <p:nvPr>
+            <p:ph type="dt" idx="1"/>
+          </p:nvPr>
+        </p:nvSpPr>
+        <p:spPr>
+          <a:xfrm>
+            <a:off x="3884613" y="0"/>
+            <a:ext cx="2971800" cy="458788"/>
+          </a:xfrm>
+          <a:prstGeom prst="rect">
+            <a:avLst/>
+          </a:prstGeom>
+        </p:spPr>
+        <p:txBody>
+          <a:bodyPr vert="horz" lIns="91440" tIns="45720" rIns="91440" bIns="45720" rtlCol="0"/>
+          <a:lstStyle>
+            <a:lvl1pPr algn="r">
+              <a:defRPr sz="1200"/>
+            </a:lvl1pPr>
+          </a:lstStyle>
+          <a:p>
+            <a:fld id="{9F668389-8C21-D848-9A17-5B133ED78DC4}" type="datetimeFigureOut">
+              <a:rPr lang="es-ES_tradnl" smtClean="0"/>
+              <a:t>20/12/18</a:t>
+            </a:fld>
+            <a:endParaRPr lang="es-ES_tradnl"/>
+          </a:p>
+        </p:txBody>
+      </p:sp>
+      <p:sp>
+        <p:nvSpPr>
+          <p:cNvPr id="4" name="Marcador de imagen de diapositiva 3"/>
+          <p:cNvSpPr>
+            <a:spLocks noGrp="1" noRot="1" noChangeAspect="1"/>
+          </p:cNvSpPr>
+          <p:nvPr>
+            <p:ph type="sldImg" idx="2"/>
+          </p:nvPr>
+        </p:nvSpPr>
+        <p:spPr>
+          <a:xfrm>
+            <a:off x="1371600" y="1143000"/>
+            <a:ext cx="4114800" cy="3086100"/>
+          </a:xfrm>
+          <a:prstGeom prst="rect">
+            <a:avLst/>
+          </a:prstGeom>
+          <a:noFill/>
+          <a:ln w="12700">
+            <a:solidFill>
+              <a:prstClr val="black"/>
+            </a:solidFill>
+          </a:ln>
+        </p:spPr>
+        <p:txBody>
+          <a:bodyPr vert="horz" lIns="91440" tIns="45720" rIns="91440" bIns="45720" rtlCol="0" anchor="ctr"/>
+          <a:lstStyle/>
+          <a:p>
+            <a:endParaRPr lang="es-ES_tradnl"/>
+          </a:p>
+        </p:txBody>
+      </p:sp>
+      <p:sp>
+        <p:nvSpPr>
+          <p:cNvPr id="5" name="Marcador de notas 4"/>
+          <p:cNvSpPr>
+            <a:spLocks noGrp="1"/>
+          </p:cNvSpPr>
+          <p:nvPr>
+            <p:ph type="body" sz="quarter" idx="3"/>
+          </p:nvPr>
+        </p:nvSpPr>
+        <p:spPr>
+          <a:xfrm>
+            <a:off x="685800" y="4400550"/>
+            <a:ext cx="5486400" cy="3600450"/>
+          </a:xfrm>
+          <a:prstGeom prst="rect">
+            <a:avLst/>
+          </a:prstGeom>
+        </p:spPr>
+        <p:txBody>
+          <a:bodyPr vert="horz" lIns="91440" tIns="45720" rIns="91440" bIns="45720" rtlCol="0"/>
+          <a:lstStyle/>
+          <a:p>
+            <a:pPr lvl="0"/>
+            <a:r>
+              <a:rPr lang="es-ES_tradnl" smtClean="0"/>
+              <a:t>Haga clic para modificar el estilo de texto del patrón</a:t>
+            </a:r>
+          </a:p>
+          <a:p>
+            <a:pPr lvl="1"/>
+            <a:r>
+              <a:rPr lang="es-ES_tradnl" smtClean="0"/>
+              <a:t>Segundo nivel</a:t>
+            </a:r>
+          </a:p>
+          <a:p>
+            <a:pPr lvl="2"/>
+            <a:r>
+              <a:rPr lang="es-ES_tradnl" smtClean="0"/>
+              <a:t>Tercer nivel</a:t>
+            </a:r>
+          </a:p>
+          <a:p>
+            <a:pPr lvl="3"/>
+            <a:r>
+              <a:rPr lang="es-ES_tradnl" smtClean="0"/>
+              <a:t>Cuarto nivel</a:t>
+            </a:r>
+          </a:p>
+          <a:p>
+            <a:pPr lvl="4"/>
+            <a:r>
+              <a:rPr lang="es-ES_tradnl" smtClean="0"/>
+              <a:t>Quinto nivel</a:t>
+            </a:r>
+            <a:endParaRPr lang="es-ES_tradnl"/>
+          </a:p>
+        </p:txBody>
+      </p:sp>
+      <p:sp>
+        <p:nvSpPr>
+          <p:cNvPr id="6" name="Marcador de pie de página 5"/>
+          <p:cNvSpPr>
+            <a:spLocks noGrp="1"/>
+          </p:cNvSpPr>
+          <p:nvPr>
+            <p:ph type="ftr" sz="quarter" idx="4"/>
+          </p:nvPr>
+        </p:nvSpPr>
+        <p:spPr>
+          <a:xfrm>
+            <a:off x="0" y="8685213"/>
+            <a:ext cx="2971800" cy="458787"/>
+          </a:xfrm>
+          <a:prstGeom prst="rect">
+            <a:avLst/>
+          </a:prstGeom>
+        </p:spPr>
+        <p:txBody>
+          <a:bodyPr vert="horz" lIns="91440" tIns="45720" rIns="91440" bIns="45720" rtlCol="0" anchor="b"/>
+          <a:lstStyle>
+            <a:lvl1pPr algn="l">
+              <a:defRPr sz="1200"/>
+            </a:lvl1pPr>
+          </a:lstStyle>
+          <a:p>
+            <a:endParaRPr lang="es-ES_tradnl"/>
+          </a:p>
+        </p:txBody>
+      </p:sp>
+      <p:sp>
+        <p:nvSpPr>
+          <p:cNvPr id="7" name="Marcador de número de diapositiva 6"/>
+          <p:cNvSpPr>
+            <a:spLocks noGrp="1"/>
+          </p:cNvSpPr>
+          <p:nvPr>
+            <p:ph type="sldNum" sz="quarter" idx="5"/>
+          </p:nvPr>
+        </p:nvSpPr>
+        <p:spPr>
+          <a:xfrm>
+            <a:off x="3884613" y="8685213"/>
+            <a:ext cx="2971800" cy="458787"/>
+          </a:xfrm>
+          <a:prstGeom prst="rect">
+            <a:avLst/>
+          </a:prstGeom>
+        </p:spPr>
+        <p:txBody>
+          <a:bodyPr vert="horz" lIns="91440" tIns="45720" rIns="91440" bIns="45720" rtlCol="0" anchor="b"/>
+          <a:lstStyle>
+            <a:lvl1pPr algn="r">
+              <a:defRPr sz="1200"/>
+            </a:lvl1pPr>
+          </a:lstStyle>
+          <a:p>
+            <a:fld id="{CD0E4A7A-2E79-D349-AF8C-F6A50FA47582}" type="slidenum">
+              <a:rPr lang="es-ES_tradnl" smtClean="0"/>
+              <a:t>‹Nr.›</a:t>
+            </a:fld>
+            <a:endParaRPr lang="es-ES_tradnl"/>
+          </a:p>
+        </p:txBody>
+      </p:sp>
+    </p:spTree>
+    <p:extLst>
+      <p:ext uri="{BB962C8B-B14F-4D97-AF65-F5344CB8AC3E}">
+        <p14:creationId xmlns:p14="http://schemas.microsoft.com/office/powerpoint/2010/main" val="951096157"/>
+      </p:ext>
+    </p:extLst>
+  </p:cSld>
+  <p:clrMap bg1="lt1" tx1="dk1" bg2="lt2" tx2="dk2" accent1="accent1" accent2="accent2" accent3="accent3" accent4="accent4" accent5="accent5" accent6="accent6" hlink="hlink" folHlink="folHlink"/>
+  <p:notesStyle>
+    <a:lvl1pPr marL="0" algn="l" defTabSz="914400" rtl="0" eaLnBrk="1" latinLnBrk="0" hangingPunct="1">
+      <a:defRPr sz="1200" kern="1200">
+        <a:solidFill>
+          <a:schemeClr val="tx1"/>
+        </a:solidFill>
+        <a:latin typeface="+mn-lt"/>
+        <a:ea typeface="+mn-ea"/>
+        <a:cs typeface="+mn-cs"/>
+      </a:defRPr>
+    </a:lvl1pPr>
+    <a:lvl2pPr marL="457200" algn="l" defTabSz="914400" rtl="0" eaLnBrk="1" latinLnBrk="0" hangingPunct="1">
+      <a:defRPr sz="1200" kern="1200">
+        <a:solidFill>
+          <a:schemeClr val="tx1"/>
+        </a:solidFill>
+        <a:latin typeface="+mn-lt"/>
+        <a:ea typeface="+mn-ea"/>
+        <a:cs typeface="+mn-cs"/>
+      </a:defRPr>
+    </a:lvl2pPr>
+    <a:lvl3pPr marL="914400" algn="l" defTabSz="914400" rtl="0" eaLnBrk="1" latinLnBrk="0" hangingPunct="1">
+      <a:defRPr sz="1200" kern="1200">
+        <a:solidFill>
+          <a:schemeClr val="tx1"/>
+        </a:solidFill>
+        <a:latin typeface="+mn-lt"/>
+        <a:ea typeface="+mn-ea"/>
+        <a:cs typeface="+mn-cs"/>
+      </a:defRPr>
+    </a:lvl3pPr>
+    <a:lvl4pPr marL="1371600" algn="l" defTabSz="914400" rtl="0" eaLnBrk="1" latinLnBrk="0" hangingPunct="1">
+      <a:defRPr sz="1200" kern="1200">
+        <a:solidFill>
+          <a:schemeClr val="tx1"/>
+        </a:solidFill>
+        <a:latin typeface="+mn-lt"/>
+        <a:ea typeface="+mn-ea"/>
+        <a:cs typeface="+mn-cs"/>
+      </a:defRPr>
+    </a:lvl4pPr>
+    <a:lvl5pPr marL="1828800" algn="l" defTabSz="914400" rtl="0" eaLnBrk="1" latinLnBrk="0" hangingPunct="1">
+      <a:defRPr sz="1200" kern="1200">
+        <a:solidFill>
+          <a:schemeClr val="tx1"/>
+        </a:solidFill>
+        <a:latin typeface="+mn-lt"/>
+        <a:ea typeface="+mn-ea"/>
+        <a:cs typeface="+mn-cs"/>
+      </a:defRPr>
+    </a:lvl5pPr>
+    <a:lvl6pPr marL="2286000" algn="l" defTabSz="914400" rtl="0" eaLnBrk="1" latinLnBrk="0" hangingPunct="1">
+      <a:defRPr sz="1200" kern="1200">
+        <a:solidFill>
+          <a:schemeClr val="tx1"/>
+        </a:solidFill>
+        <a:latin typeface="+mn-lt"/>
+        <a:ea typeface="+mn-ea"/>
+        <a:cs typeface="+mn-cs"/>
+      </a:defRPr>
+    </a:lvl6pPr>
+    <a:lvl7pPr marL="2743200" algn="l" defTabSz="914400" rtl="0" eaLnBrk="1" latinLnBrk="0" hangingPunct="1">
+      <a:defRPr sz="1200" kern="1200">
+        <a:solidFill>
+          <a:schemeClr val="tx1"/>
+        </a:solidFill>
+        <a:latin typeface="+mn-lt"/>
+        <a:ea typeface="+mn-ea"/>
+        <a:cs typeface="+mn-cs"/>
+      </a:defRPr>
+    </a:lvl7pPr>
+    <a:lvl8pPr marL="3200400" algn="l" defTabSz="914400" rtl="0" eaLnBrk="1" latinLnBrk="0" hangingPunct="1">
+      <a:defRPr sz="1200" kern="1200">
+        <a:solidFill>
+          <a:schemeClr val="tx1"/>
+        </a:solidFill>
+        <a:latin typeface="+mn-lt"/>
+        <a:ea typeface="+mn-ea"/>
+        <a:cs typeface="+mn-cs"/>
+      </a:defRPr>
+    </a:lvl8pPr>
+    <a:lvl9pPr marL="3657600" algn="l" defTabSz="914400" rtl="0" eaLnBrk="1" latinLnBrk="0" hangingPunct="1">
+      <a:defRPr sz="1200" kern="1200">
+        <a:solidFill>
+          <a:schemeClr val="tx1"/>
+        </a:solidFill>
+        <a:latin typeface="+mn-lt"/>
+        <a:ea typeface="+mn-ea"/>
+        <a:cs typeface="+mn-cs"/>
+      </a:defRPr>
+    </a:lvl9pPr>
+  </p:notesStyle>
+</p:notesMaster>
+</file>
+
 <file path=ppt/slideLayouts/slideLayout1.xml><?xml version="1.0" encoding="utf-8"?>
 <p:sldLayout xmlns:a="http://schemas.openxmlformats.org/drawingml/2006/main" xmlns:r="http://schemas.openxmlformats.org/officeDocument/2006/relationships" xmlns:p="http://schemas.openxmlformats.org/presentationml/2006/main" type="title" preserve="1">
   <p:cSld name="Diapositiva de título">
@@ -15040,7 +15627,7 @@
           <a:p>
             <a:fld id="{6F218A04-5CB0-4443-A237-A19E8C8C0D4F}" type="datetimeFigureOut">
               <a:rPr lang="en-GB" smtClean="0"/>
-              <a:t>19/12/2018</a:t>
+              <a:t>20/12/2018</a:t>
             </a:fld>
             <a:endParaRPr lang="en-GB"/>
           </a:p>
@@ -15082,7 +15669,7 @@
           <a:p>
             <a:fld id="{F640AD6A-7A3E-48FF-8251-5C988A442CEA}" type="slidenum">
               <a:rPr lang="en-GB" smtClean="0"/>
-              <a:t>‹Nº›</a:t>
+              <a:t>‹Nr.›</a:t>
             </a:fld>
             <a:endParaRPr lang="en-GB"/>
           </a:p>
@@ -15210,7 +15797,7 @@
           <a:p>
             <a:fld id="{6F218A04-5CB0-4443-A237-A19E8C8C0D4F}" type="datetimeFigureOut">
               <a:rPr lang="en-GB" smtClean="0"/>
-              <a:t>19/12/2018</a:t>
+              <a:t>20/12/2018</a:t>
             </a:fld>
             <a:endParaRPr lang="en-GB"/>
           </a:p>
@@ -15252,7 +15839,7 @@
           <a:p>
             <a:fld id="{F640AD6A-7A3E-48FF-8251-5C988A442CEA}" type="slidenum">
               <a:rPr lang="en-GB" smtClean="0"/>
-              <a:t>‹Nº›</a:t>
+              <a:t>‹Nr.›</a:t>
             </a:fld>
             <a:endParaRPr lang="en-GB"/>
           </a:p>
@@ -15390,7 +15977,7 @@
           <a:p>
             <a:fld id="{6F218A04-5CB0-4443-A237-A19E8C8C0D4F}" type="datetimeFigureOut">
               <a:rPr lang="en-GB" smtClean="0"/>
-              <a:t>19/12/2018</a:t>
+              <a:t>20/12/2018</a:t>
             </a:fld>
             <a:endParaRPr lang="en-GB"/>
           </a:p>
@@ -15432,7 +16019,7 @@
           <a:p>
             <a:fld id="{F640AD6A-7A3E-48FF-8251-5C988A442CEA}" type="slidenum">
               <a:rPr lang="en-GB" smtClean="0"/>
-              <a:t>‹Nº›</a:t>
+              <a:t>‹Nr.›</a:t>
             </a:fld>
             <a:endParaRPr lang="en-GB"/>
           </a:p>
@@ -15560,7 +16147,7 @@
           <a:p>
             <a:fld id="{6F218A04-5CB0-4443-A237-A19E8C8C0D4F}" type="datetimeFigureOut">
               <a:rPr lang="en-GB" smtClean="0"/>
-              <a:t>19/12/2018</a:t>
+              <a:t>20/12/2018</a:t>
             </a:fld>
             <a:endParaRPr lang="en-GB"/>
           </a:p>
@@ -15602,7 +16189,7 @@
           <a:p>
             <a:fld id="{F640AD6A-7A3E-48FF-8251-5C988A442CEA}" type="slidenum">
               <a:rPr lang="en-GB" smtClean="0"/>
-              <a:t>‹Nº›</a:t>
+              <a:t>‹Nr.›</a:t>
             </a:fld>
             <a:endParaRPr lang="en-GB"/>
           </a:p>
@@ -15804,7 +16391,7 @@
           <a:p>
             <a:fld id="{6F218A04-5CB0-4443-A237-A19E8C8C0D4F}" type="datetimeFigureOut">
               <a:rPr lang="en-GB" smtClean="0"/>
-              <a:t>19/12/2018</a:t>
+              <a:t>20/12/2018</a:t>
             </a:fld>
             <a:endParaRPr lang="en-GB"/>
           </a:p>
@@ -15846,7 +16433,7 @@
           <a:p>
             <a:fld id="{F640AD6A-7A3E-48FF-8251-5C988A442CEA}" type="slidenum">
               <a:rPr lang="en-GB" smtClean="0"/>
-              <a:t>‹Nº›</a:t>
+              <a:t>‹Nr.›</a:t>
             </a:fld>
             <a:endParaRPr lang="en-GB"/>
           </a:p>
@@ -16036,7 +16623,7 @@
           <a:p>
             <a:fld id="{6F218A04-5CB0-4443-A237-A19E8C8C0D4F}" type="datetimeFigureOut">
               <a:rPr lang="en-GB" smtClean="0"/>
-              <a:t>19/12/2018</a:t>
+              <a:t>20/12/2018</a:t>
             </a:fld>
             <a:endParaRPr lang="en-GB"/>
           </a:p>
@@ -16078,7 +16665,7 @@
           <a:p>
             <a:fld id="{F640AD6A-7A3E-48FF-8251-5C988A442CEA}" type="slidenum">
               <a:rPr lang="en-GB" smtClean="0"/>
-              <a:t>‹Nº›</a:t>
+              <a:t>‹Nr.›</a:t>
             </a:fld>
             <a:endParaRPr lang="en-GB"/>
           </a:p>
@@ -16403,7 +16990,7 @@
           <a:p>
             <a:fld id="{6F218A04-5CB0-4443-A237-A19E8C8C0D4F}" type="datetimeFigureOut">
               <a:rPr lang="en-GB" smtClean="0"/>
-              <a:t>19/12/2018</a:t>
+              <a:t>20/12/2018</a:t>
             </a:fld>
             <a:endParaRPr lang="en-GB"/>
           </a:p>
@@ -16445,7 +17032,7 @@
           <a:p>
             <a:fld id="{F640AD6A-7A3E-48FF-8251-5C988A442CEA}" type="slidenum">
               <a:rPr lang="en-GB" smtClean="0"/>
-              <a:t>‹Nº›</a:t>
+              <a:t>‹Nr.›</a:t>
             </a:fld>
             <a:endParaRPr lang="en-GB"/>
           </a:p>
@@ -16521,7 +17108,7 @@
           <a:p>
             <a:fld id="{6F218A04-5CB0-4443-A237-A19E8C8C0D4F}" type="datetimeFigureOut">
               <a:rPr lang="en-GB" smtClean="0"/>
-              <a:t>19/12/2018</a:t>
+              <a:t>20/12/2018</a:t>
             </a:fld>
             <a:endParaRPr lang="en-GB"/>
           </a:p>
@@ -16563,7 +17150,7 @@
           <a:p>
             <a:fld id="{F640AD6A-7A3E-48FF-8251-5C988A442CEA}" type="slidenum">
               <a:rPr lang="en-GB" smtClean="0"/>
-              <a:t>‹Nº›</a:t>
+              <a:t>‹Nr.›</a:t>
             </a:fld>
             <a:endParaRPr lang="en-GB"/>
           </a:p>
@@ -16616,7 +17203,7 @@
           <a:p>
             <a:fld id="{6F218A04-5CB0-4443-A237-A19E8C8C0D4F}" type="datetimeFigureOut">
               <a:rPr lang="en-GB" smtClean="0"/>
-              <a:t>19/12/2018</a:t>
+              <a:t>20/12/2018</a:t>
             </a:fld>
             <a:endParaRPr lang="en-GB"/>
           </a:p>
@@ -16658,7 +17245,7 @@
           <a:p>
             <a:fld id="{F640AD6A-7A3E-48FF-8251-5C988A442CEA}" type="slidenum">
               <a:rPr lang="en-GB" smtClean="0"/>
-              <a:t>‹Nº›</a:t>
+              <a:t>‹Nr.›</a:t>
             </a:fld>
             <a:endParaRPr lang="en-GB"/>
           </a:p>
@@ -16893,7 +17480,7 @@
           <a:p>
             <a:fld id="{6F218A04-5CB0-4443-A237-A19E8C8C0D4F}" type="datetimeFigureOut">
               <a:rPr lang="en-GB" smtClean="0"/>
-              <a:t>19/12/2018</a:t>
+              <a:t>20/12/2018</a:t>
             </a:fld>
             <a:endParaRPr lang="en-GB"/>
           </a:p>
@@ -16935,7 +17522,7 @@
           <a:p>
             <a:fld id="{F640AD6A-7A3E-48FF-8251-5C988A442CEA}" type="slidenum">
               <a:rPr lang="en-GB" smtClean="0"/>
-              <a:t>‹Nº›</a:t>
+              <a:t>‹Nr.›</a:t>
             </a:fld>
             <a:endParaRPr lang="en-GB"/>
           </a:p>
@@ -17150,7 +17737,7 @@
           <a:p>
             <a:fld id="{6F218A04-5CB0-4443-A237-A19E8C8C0D4F}" type="datetimeFigureOut">
               <a:rPr lang="en-GB" smtClean="0"/>
-              <a:t>19/12/2018</a:t>
+              <a:t>20/12/2018</a:t>
             </a:fld>
             <a:endParaRPr lang="en-GB"/>
           </a:p>
@@ -17192,7 +17779,7 @@
           <a:p>
             <a:fld id="{F640AD6A-7A3E-48FF-8251-5C988A442CEA}" type="slidenum">
               <a:rPr lang="en-GB" smtClean="0"/>
-              <a:t>‹Nº›</a:t>
+              <a:t>‹Nr.›</a:t>
             </a:fld>
             <a:endParaRPr lang="en-GB"/>
           </a:p>
@@ -17373,7 +17960,7 @@
           <a:p>
             <a:fld id="{6F218A04-5CB0-4443-A237-A19E8C8C0D4F}" type="datetimeFigureOut">
               <a:rPr lang="en-GB" smtClean="0"/>
-              <a:t>19/12/2018</a:t>
+              <a:t>20/12/2018</a:t>
             </a:fld>
             <a:endParaRPr lang="en-GB"/>
           </a:p>
@@ -17451,7 +18038,7 @@
           <a:p>
             <a:fld id="{F640AD6A-7A3E-48FF-8251-5C988A442CEA}" type="slidenum">
               <a:rPr lang="en-GB" smtClean="0"/>
-              <a:t>‹Nº›</a:t>
+              <a:t>‹Nr.›</a:t>
             </a:fld>
             <a:endParaRPr lang="en-GB"/>
           </a:p>
@@ -17783,7 +18370,7 @@
           <p:cNvPr id="3" name="Subtítulo 2">
             <a:extLst>
               <a:ext uri="{FF2B5EF4-FFF2-40B4-BE49-F238E27FC236}">
-                <a16:creationId xmlns:a16="http://schemas.microsoft.com/office/drawing/2014/main" id="{7898A89F-12B7-43F8-981E-81E94A2635E7}"/>
+                <a16:creationId xmlns:a16="http://schemas.microsoft.com/office/drawing/2014/main" xmlns="" id="{7898A89F-12B7-43F8-981E-81E94A2635E7}"/>
               </a:ext>
             </a:extLst>
           </p:cNvPr>
@@ -17810,7 +18397,7 @@
                 <a:hlinkClick r:id="rId2">
                   <a:extLst>
                     <a:ext uri="{A12FA001-AC4F-418D-AE19-62706E023703}">
-                      <ahyp:hlinkClr xmlns:ahyp="http://schemas.microsoft.com/office/drawing/2018/hyperlinkcolor" val="tx"/>
+                      <ahyp:hlinkClr xmlns:ahyp="http://schemas.microsoft.com/office/drawing/2018/hyperlinkcolor" xmlns="" val="tx"/>
                     </a:ext>
                   </a:extLst>
                 </a:hlinkClick>
@@ -17826,7 +18413,7 @@
           <p:cNvPr id="5" name="Rectángulo: esquinas redondeadas 4">
             <a:extLst>
               <a:ext uri="{FF2B5EF4-FFF2-40B4-BE49-F238E27FC236}">
-                <a16:creationId xmlns:a16="http://schemas.microsoft.com/office/drawing/2014/main" id="{1786D3C0-39CB-4172-9853-40F6BEDBDDAB}"/>
+                <a16:creationId xmlns:a16="http://schemas.microsoft.com/office/drawing/2014/main" xmlns="" id="{1786D3C0-39CB-4172-9853-40F6BEDBDDAB}"/>
               </a:ext>
             </a:extLst>
           </p:cNvPr>
@@ -17886,7 +18473,7 @@
           <p:cNvPr id="7" name="Imagen 6">
             <a:extLst>
               <a:ext uri="{FF2B5EF4-FFF2-40B4-BE49-F238E27FC236}">
-                <a16:creationId xmlns:a16="http://schemas.microsoft.com/office/drawing/2014/main" id="{A7BF51C9-5ED6-42CE-9B5C-7CA03EA63DCA}"/>
+                <a16:creationId xmlns:a16="http://schemas.microsoft.com/office/drawing/2014/main" xmlns="" id="{A7BF51C9-5ED6-42CE-9B5C-7CA03EA63DCA}"/>
               </a:ext>
             </a:extLst>
           </p:cNvPr>
@@ -17922,7 +18509,7 @@
           <p:cNvPr id="8" name="CuadroTexto 7">
             <a:extLst>
               <a:ext uri="{FF2B5EF4-FFF2-40B4-BE49-F238E27FC236}">
-                <a16:creationId xmlns:a16="http://schemas.microsoft.com/office/drawing/2014/main" id="{2876116E-114D-4377-A1FE-1E5B18150DF1}"/>
+                <a16:creationId xmlns:a16="http://schemas.microsoft.com/office/drawing/2014/main" xmlns="" id="{2876116E-114D-4377-A1FE-1E5B18150DF1}"/>
               </a:ext>
             </a:extLst>
           </p:cNvPr>
@@ -18075,7 +18662,7 @@
           <p:cNvPr id="4" name="Título 1">
             <a:extLst>
               <a:ext uri="{FF2B5EF4-FFF2-40B4-BE49-F238E27FC236}">
-                <a16:creationId xmlns:a16="http://schemas.microsoft.com/office/drawing/2014/main" id="{C736E2C2-565F-4EE7-9A5F-7431CB35BD98}"/>
+                <a16:creationId xmlns:a16="http://schemas.microsoft.com/office/drawing/2014/main" xmlns="" id="{C736E2C2-565F-4EE7-9A5F-7431CB35BD98}"/>
               </a:ext>
             </a:extLst>
           </p:cNvPr>
@@ -18151,7 +18738,7 @@
           <p:cNvPr id="6" name="Grupo 5">
             <a:extLst>
               <a:ext uri="{FF2B5EF4-FFF2-40B4-BE49-F238E27FC236}">
-                <a16:creationId xmlns:a16="http://schemas.microsoft.com/office/drawing/2014/main" id="{40594550-BD22-4435-80F5-F41248669E21}"/>
+                <a16:creationId xmlns:a16="http://schemas.microsoft.com/office/drawing/2014/main" xmlns="" id="{40594550-BD22-4435-80F5-F41248669E21}"/>
               </a:ext>
             </a:extLst>
           </p:cNvPr>
@@ -18171,7 +18758,7 @@
             <p:cNvPr id="7" name="Rectángulo: esquinas redondeadas 6">
               <a:extLst>
                 <a:ext uri="{FF2B5EF4-FFF2-40B4-BE49-F238E27FC236}">
-                  <a16:creationId xmlns:a16="http://schemas.microsoft.com/office/drawing/2014/main" id="{9A2DA0CB-6191-4382-822F-DC5827B63853}"/>
+                  <a16:creationId xmlns:a16="http://schemas.microsoft.com/office/drawing/2014/main" xmlns="" id="{9A2DA0CB-6191-4382-822F-DC5827B63853}"/>
                 </a:ext>
               </a:extLst>
             </p:cNvPr>
@@ -18222,7 +18809,7 @@
             <p:cNvPr id="8" name="Rectángulo: esquinas redondeadas 4">
               <a:extLst>
                 <a:ext uri="{FF2B5EF4-FFF2-40B4-BE49-F238E27FC236}">
-                  <a16:creationId xmlns:a16="http://schemas.microsoft.com/office/drawing/2014/main" id="{3C60D3E6-A068-4852-8E95-D6A8B9269B0D}"/>
+                  <a16:creationId xmlns:a16="http://schemas.microsoft.com/office/drawing/2014/main" xmlns="" id="{3C60D3E6-A068-4852-8E95-D6A8B9269B0D}"/>
                 </a:ext>
               </a:extLst>
             </p:cNvPr>
@@ -18289,137 +18876,488 @@
           </p:txBody>
         </p:sp>
       </p:grpSp>
-      <p:sp>
-        <p:nvSpPr>
-          <p:cNvPr id="9" name="CuadroTexto 8">
+      <p:grpSp>
+        <p:nvGrpSpPr>
+          <p:cNvPr id="10" name="Grupo 8">
             <a:extLst>
               <a:ext uri="{FF2B5EF4-FFF2-40B4-BE49-F238E27FC236}">
-                <a16:creationId xmlns:a16="http://schemas.microsoft.com/office/drawing/2014/main" id="{6587C80D-2BB4-468A-A7E1-DF74BCC71C33}"/>
+                <a16:creationId xmlns:a16="http://schemas.microsoft.com/office/drawing/2014/main" xmlns="" id="{52B5AAD8-ACBB-4329-8510-CDA49D95118F}"/>
               </a:ext>
             </a:extLst>
           </p:cNvPr>
-          <p:cNvSpPr txBox="1"/>
+          <p:cNvGrpSpPr/>
+          <p:nvPr/>
+        </p:nvGrpSpPr>
+        <p:grpSpPr>
+          <a:xfrm>
+            <a:off x="2279376" y="2803946"/>
+            <a:ext cx="2385389" cy="676014"/>
+            <a:chOff x="310204" y="223537"/>
+            <a:chExt cx="1881014" cy="372562"/>
+          </a:xfrm>
+        </p:grpSpPr>
+        <p:sp>
+          <p:nvSpPr>
+            <p:cNvPr id="11" name="Rectángulo: esquinas redondeadas 9">
+              <a:extLst>
+                <a:ext uri="{FF2B5EF4-FFF2-40B4-BE49-F238E27FC236}">
+                  <a16:creationId xmlns:a16="http://schemas.microsoft.com/office/drawing/2014/main" xmlns="" id="{E6201173-0918-409C-B562-00DF62B351D9}"/>
+                </a:ext>
+              </a:extLst>
+            </p:cNvPr>
+            <p:cNvSpPr/>
+            <p:nvPr/>
+          </p:nvSpPr>
+          <p:spPr>
+            <a:xfrm>
+              <a:off x="310204" y="223537"/>
+              <a:ext cx="1881014" cy="372562"/>
+            </a:xfrm>
+            <a:prstGeom prst="roundRect">
+              <a:avLst>
+                <a:gd name="adj" fmla="val 10000"/>
+              </a:avLst>
+            </a:prstGeom>
+            <a:solidFill>
+              <a:srgbClr val="C0DEED"/>
+            </a:solidFill>
+          </p:spPr>
+          <p:style>
+            <a:lnRef idx="2">
+              <a:schemeClr val="lt1">
+                <a:hueOff val="0"/>
+                <a:satOff val="0"/>
+                <a:lumOff val="0"/>
+                <a:alphaOff val="0"/>
+              </a:schemeClr>
+            </a:lnRef>
+            <a:fillRef idx="1">
+              <a:scrgbClr r="0" g="0" b="0"/>
+            </a:fillRef>
+            <a:effectRef idx="0">
+              <a:schemeClr val="accent1">
+                <a:hueOff val="0"/>
+                <a:satOff val="0"/>
+                <a:lumOff val="0"/>
+                <a:alphaOff val="0"/>
+              </a:schemeClr>
+            </a:effectRef>
+            <a:fontRef idx="minor">
+              <a:schemeClr val="lt1"/>
+            </a:fontRef>
+          </p:style>
+        </p:sp>
+        <p:sp>
+          <p:nvSpPr>
+            <p:cNvPr id="12" name="Rectángulo: esquinas redondeadas 4">
+              <a:extLst>
+                <a:ext uri="{FF2B5EF4-FFF2-40B4-BE49-F238E27FC236}">
+                  <a16:creationId xmlns:a16="http://schemas.microsoft.com/office/drawing/2014/main" xmlns="" id="{CEBDB7A9-2EAC-4DCD-98F1-1485419E89FF}"/>
+                </a:ext>
+              </a:extLst>
+            </p:cNvPr>
+            <p:cNvSpPr txBox="1"/>
+            <p:nvPr/>
+          </p:nvSpPr>
+          <p:spPr>
+            <a:xfrm>
+              <a:off x="321116" y="234449"/>
+              <a:ext cx="1752538" cy="350738"/>
+            </a:xfrm>
+            <a:prstGeom prst="rect">
+              <a:avLst/>
+            </a:prstGeom>
+          </p:spPr>
+          <p:style>
+            <a:lnRef idx="0">
+              <a:scrgbClr r="0" g="0" b="0"/>
+            </a:lnRef>
+            <a:fillRef idx="0">
+              <a:scrgbClr r="0" g="0" b="0"/>
+            </a:fillRef>
+            <a:effectRef idx="0">
+              <a:scrgbClr r="0" g="0" b="0"/>
+            </a:effectRef>
+            <a:fontRef idx="minor">
+              <a:schemeClr val="lt1"/>
+            </a:fontRef>
+          </p:style>
+          <p:txBody>
+            <a:bodyPr spcFirstLastPara="0" vert="horz" wrap="square" lIns="60960" tIns="60960" rIns="60960" bIns="60960" numCol="1" spcCol="1270" anchor="ctr" anchorCtr="0">
+              <a:noAutofit/>
+            </a:bodyPr>
+            <a:lstStyle/>
+            <a:p>
+              <a:pPr marL="0" lvl="0" indent="0" algn="ctr" defTabSz="711200">
+                <a:lnSpc>
+                  <a:spcPct val="90000"/>
+                </a:lnSpc>
+                <a:spcBef>
+                  <a:spcPct val="0"/>
+                </a:spcBef>
+                <a:spcAft>
+                  <a:spcPct val="35000"/>
+                </a:spcAft>
+                <a:buNone/>
+              </a:pPr>
+              <a:r>
+                <a:rPr lang="es-ES" sz="2000" b="1" dirty="0" err="1" smtClean="0">
+                  <a:solidFill>
+                    <a:schemeClr val="tx1"/>
+                  </a:solidFill>
+                  <a:latin typeface="Candara" panose="020E0502030303020204" pitchFamily="34" charset="0"/>
+                </a:rPr>
+                <a:t>Retweets</a:t>
+              </a:r>
+              <a:endParaRPr lang="en-GB" sz="2000" b="1" kern="1200" dirty="0">
+                <a:solidFill>
+                  <a:schemeClr val="tx1"/>
+                </a:solidFill>
+                <a:latin typeface="Candara" panose="020E0502030303020204" pitchFamily="34" charset="0"/>
+              </a:endParaRPr>
+            </a:p>
+          </p:txBody>
+        </p:sp>
+      </p:grpSp>
+      <p:sp>
+        <p:nvSpPr>
+          <p:cNvPr id="13" name="Flecha: doblada hacia arriba 18">
+            <a:extLst>
+              <a:ext uri="{FF2B5EF4-FFF2-40B4-BE49-F238E27FC236}">
+                <a16:creationId xmlns:a16="http://schemas.microsoft.com/office/drawing/2014/main" xmlns="" id="{D70877CB-6A05-4556-890A-4818810AB680}"/>
+              </a:ext>
+            </a:extLst>
+          </p:cNvPr>
+          <p:cNvSpPr/>
           <p:nvPr/>
         </p:nvSpPr>
         <p:spPr>
+          <a:xfrm rot="5400000">
+            <a:off x="1248039" y="2474369"/>
+            <a:ext cx="737451" cy="990003"/>
+          </a:xfrm>
+          <a:prstGeom prst="bentUpArrow">
+            <a:avLst/>
+          </a:prstGeom>
+        </p:spPr>
+        <p:style>
+          <a:lnRef idx="2">
+            <a:schemeClr val="accent1">
+              <a:shade val="50000"/>
+            </a:schemeClr>
+          </a:lnRef>
+          <a:fillRef idx="1">
+            <a:schemeClr val="accent1"/>
+          </a:fillRef>
+          <a:effectRef idx="0">
+            <a:schemeClr val="accent1"/>
+          </a:effectRef>
+          <a:fontRef idx="minor">
+            <a:schemeClr val="lt1"/>
+          </a:fontRef>
+        </p:style>
+        <p:txBody>
+          <a:bodyPr rtlCol="0" anchor="ctr"/>
+          <a:lstStyle/>
+          <a:p>
+            <a:pPr algn="ctr"/>
+            <a:endParaRPr lang="es-ES"/>
+          </a:p>
+        </p:txBody>
+      </p:sp>
+      <p:graphicFrame>
+        <p:nvGraphicFramePr>
+          <p:cNvPr id="16" name="Marcador de contenido 3">
+            <a:extLst>
+              <a:ext uri="{FF2B5EF4-FFF2-40B4-BE49-F238E27FC236}">
+                <a16:creationId xmlns:a16="http://schemas.microsoft.com/office/drawing/2014/main" xmlns="" id="{0A79A359-313C-4D56-B712-2F4711C93092}"/>
+              </a:ext>
+            </a:extLst>
+          </p:cNvPr>
+          <p:cNvGraphicFramePr>
+            <a:graphicFrameLocks/>
+          </p:cNvGraphicFramePr>
+          <p:nvPr>
+            <p:extLst>
+              <p:ext uri="{D42A27DB-BD31-4B8C-83A1-F6EECF244321}">
+                <p14:modId xmlns:p14="http://schemas.microsoft.com/office/powerpoint/2010/main" val="846018289"/>
+              </p:ext>
+            </p:extLst>
+          </p:nvPr>
+        </p:nvGraphicFramePr>
+        <p:xfrm>
+          <a:off x="713216" y="4429330"/>
+          <a:ext cx="7756392" cy="1005840"/>
+        </p:xfrm>
+        <a:graphic>
+          <a:graphicData uri="http://schemas.openxmlformats.org/drawingml/2006/table">
+            <a:tbl>
+              <a:tblPr firstRow="1" bandRow="1">
+                <a:tableStyleId>{5C22544A-7EE6-4342-B048-85BDC9FD1C3A}</a:tableStyleId>
+              </a:tblPr>
+              <a:tblGrid>
+                <a:gridCol w="1939098"/>
+                <a:gridCol w="1939098"/>
+                <a:gridCol w="1939098">
+                  <a:extLst>
+                    <a:ext uri="{9D8B030D-6E8A-4147-A177-3AD203B41FA5}">
+                      <a16:colId xmlns:a16="http://schemas.microsoft.com/office/drawing/2014/main" xmlns="" val="2335588041"/>
+                    </a:ext>
+                  </a:extLst>
+                </a:gridCol>
+                <a:gridCol w="1939098">
+                  <a:extLst>
+                    <a:ext uri="{9D8B030D-6E8A-4147-A177-3AD203B41FA5}">
+                      <a16:colId xmlns:a16="http://schemas.microsoft.com/office/drawing/2014/main" xmlns="" val="1112588493"/>
+                    </a:ext>
+                  </a:extLst>
+                </a:gridCol>
+              </a:tblGrid>
+              <a:tr h="310237">
+                <a:tc>
+                  <a:txBody>
+                    <a:bodyPr/>
+                    <a:lstStyle/>
+                    <a:p>
+                      <a:pPr algn="ctr"/>
+                      <a:endParaRPr lang="en-GB" dirty="0"/>
+                    </a:p>
+                  </a:txBody>
+                  <a:tcPr>
+                    <a:noFill/>
+                  </a:tcPr>
+                </a:tc>
+                <a:tc>
+                  <a:txBody>
+                    <a:bodyPr/>
+                    <a:lstStyle/>
+                    <a:p>
+                      <a:pPr marL="0" marR="0" indent="0" algn="ctr" defTabSz="914400" rtl="0" eaLnBrk="1" fontAlgn="auto" latinLnBrk="0" hangingPunct="1">
+                        <a:lnSpc>
+                          <a:spcPct val="100000"/>
+                        </a:lnSpc>
+                        <a:spcBef>
+                          <a:spcPts val="0"/>
+                        </a:spcBef>
+                        <a:spcAft>
+                          <a:spcPts val="0"/>
+                        </a:spcAft>
+                        <a:buClrTx/>
+                        <a:buSzTx/>
+                        <a:buFontTx/>
+                        <a:buNone/>
+                        <a:tabLst/>
+                        <a:defRPr/>
+                      </a:pPr>
+                      <a:r>
+                        <a:rPr lang="es-ES" dirty="0" err="1" smtClean="0"/>
+                        <a:t>Class</a:t>
+                      </a:r>
+                      <a:r>
+                        <a:rPr lang="es-ES" baseline="0" dirty="0" smtClean="0"/>
+                        <a:t> 1 </a:t>
+                      </a:r>
+                      <a:r>
+                        <a:rPr lang="en-US" sz="1800" dirty="0" smtClean="0"/>
+                        <a:t>[0,5)</a:t>
+                      </a:r>
+                      <a:endParaRPr lang="en-GB" dirty="0" smtClean="0"/>
+                    </a:p>
+                  </a:txBody>
+                  <a:tcPr/>
+                </a:tc>
+                <a:tc>
+                  <a:txBody>
+                    <a:bodyPr/>
+                    <a:lstStyle/>
+                    <a:p>
+                      <a:pPr marL="0" marR="0" indent="0" algn="ctr" defTabSz="914400" rtl="0" eaLnBrk="1" fontAlgn="auto" latinLnBrk="0" hangingPunct="1">
+                        <a:lnSpc>
+                          <a:spcPct val="100000"/>
+                        </a:lnSpc>
+                        <a:spcBef>
+                          <a:spcPts val="0"/>
+                        </a:spcBef>
+                        <a:spcAft>
+                          <a:spcPts val="0"/>
+                        </a:spcAft>
+                        <a:buClrTx/>
+                        <a:buSzTx/>
+                        <a:buFontTx/>
+                        <a:buNone/>
+                        <a:tabLst/>
+                        <a:defRPr/>
+                      </a:pPr>
+                      <a:r>
+                        <a:rPr lang="es-ES" dirty="0" err="1" smtClean="0"/>
+                        <a:t>Class</a:t>
+                      </a:r>
+                      <a:r>
+                        <a:rPr lang="es-ES" dirty="0" smtClean="0"/>
+                        <a:t> 2 </a:t>
+                      </a:r>
+                      <a:r>
+                        <a:rPr lang="en-US" sz="1800" dirty="0" smtClean="0"/>
+                        <a:t>[5,25] </a:t>
+                      </a:r>
+                      <a:endParaRPr lang="en-GB" dirty="0" smtClean="0"/>
+                    </a:p>
+                  </a:txBody>
+                  <a:tcPr/>
+                </a:tc>
+                <a:tc>
+                  <a:txBody>
+                    <a:bodyPr/>
+                    <a:lstStyle/>
+                    <a:p>
+                      <a:pPr algn="ctr"/>
+                      <a:r>
+                        <a:rPr lang="en-GB" dirty="0" smtClean="0"/>
+                        <a:t>Class</a:t>
+                      </a:r>
+                      <a:r>
+                        <a:rPr lang="en-GB" baseline="0" dirty="0" smtClean="0"/>
+                        <a:t> 3 </a:t>
+                      </a:r>
+                      <a:r>
+                        <a:rPr lang="en-US" sz="1800" dirty="0" smtClean="0"/>
+                        <a:t>(25,∞)</a:t>
+                      </a:r>
+                      <a:endParaRPr lang="en-GB" dirty="0"/>
+                    </a:p>
+                  </a:txBody>
+                  <a:tcPr/>
+                </a:tc>
+                <a:extLst>
+                  <a:ext uri="{0D108BD9-81ED-4DB2-BD59-A6C34878D82A}">
+                    <a16:rowId xmlns:a16="http://schemas.microsoft.com/office/drawing/2014/main" xmlns="" val="3992468993"/>
+                  </a:ext>
+                </a:extLst>
+              </a:tr>
+              <a:tr h="561305">
+                <a:tc>
+                  <a:txBody>
+                    <a:bodyPr/>
+                    <a:lstStyle/>
+                    <a:p>
+                      <a:pPr algn="ctr"/>
+                      <a:r>
+                        <a:rPr lang="en-GB" sz="1800" b="1" kern="1200" dirty="0" smtClean="0">
+                          <a:solidFill>
+                            <a:schemeClr val="lt1"/>
+                          </a:solidFill>
+                          <a:latin typeface="+mn-lt"/>
+                          <a:ea typeface="+mn-ea"/>
+                          <a:cs typeface="+mn-cs"/>
+                        </a:rPr>
+                        <a:t>Model</a:t>
+                      </a:r>
+                      <a:endParaRPr lang="en-GB" dirty="0"/>
+                    </a:p>
+                  </a:txBody>
+                  <a:tcPr>
+                    <a:solidFill>
+                      <a:schemeClr val="accent1"/>
+                    </a:solidFill>
+                  </a:tcPr>
+                </a:tc>
+                <a:tc>
+                  <a:txBody>
+                    <a:bodyPr/>
+                    <a:lstStyle/>
+                    <a:p>
+                      <a:pPr algn="ctr"/>
+                      <a:r>
+                        <a:rPr lang="en-GB" dirty="0" smtClean="0"/>
+                        <a:t>Mean of the last 10 tweets</a:t>
+                      </a:r>
+                      <a:endParaRPr lang="en-GB" dirty="0"/>
+                    </a:p>
+                  </a:txBody>
+                  <a:tcPr/>
+                </a:tc>
+                <a:tc>
+                  <a:txBody>
+                    <a:bodyPr/>
+                    <a:lstStyle/>
+                    <a:p>
+                      <a:pPr algn="ctr"/>
+                      <a:r>
+                        <a:rPr lang="en-GB" dirty="0" smtClean="0"/>
+                        <a:t>MLP Classifier (Neural</a:t>
+                      </a:r>
+                      <a:r>
+                        <a:rPr lang="en-GB" baseline="0" dirty="0" smtClean="0"/>
+                        <a:t> Network)</a:t>
+                      </a:r>
+                      <a:endParaRPr lang="en-GB" dirty="0"/>
+                    </a:p>
+                  </a:txBody>
+                  <a:tcPr/>
+                </a:tc>
+                <a:tc>
+                  <a:txBody>
+                    <a:bodyPr/>
+                    <a:lstStyle/>
+                    <a:p>
+                      <a:pPr algn="ctr"/>
+                      <a:r>
+                        <a:rPr lang="en-GB" dirty="0" smtClean="0"/>
+                        <a:t>MLP Classifier (Neural</a:t>
+                      </a:r>
+                      <a:r>
+                        <a:rPr lang="en-GB" baseline="0" dirty="0" smtClean="0"/>
+                        <a:t> Network)</a:t>
+                      </a:r>
+                      <a:endParaRPr lang="en-GB" dirty="0" smtClean="0"/>
+                    </a:p>
+                  </a:txBody>
+                  <a:tcPr/>
+                </a:tc>
+                <a:extLst>
+                  <a:ext uri="{0D108BD9-81ED-4DB2-BD59-A6C34878D82A}">
+                    <a16:rowId xmlns:a16="http://schemas.microsoft.com/office/drawing/2014/main" xmlns="" val="2024136782"/>
+                  </a:ext>
+                </a:extLst>
+              </a:tr>
+            </a:tbl>
+          </a:graphicData>
+        </a:graphic>
+      </p:graphicFrame>
+      <p:pic>
+        <p:nvPicPr>
+          <p:cNvPr id="15" name="Imagen 14"/>
+          <p:cNvPicPr>
+            <a:picLocks noChangeAspect="1"/>
+          </p:cNvPicPr>
+          <p:nvPr/>
+        </p:nvPicPr>
+        <p:blipFill>
+          <a:blip r:embed="rId2">
+            <a:extLst>
+              <a:ext uri="{28A0092B-C50C-407E-A947-70E740481C1C}">
+                <a14:useLocalDpi xmlns:a14="http://schemas.microsoft.com/office/drawing/2010/main" val="0"/>
+              </a:ext>
+            </a:extLst>
+          </a:blip>
+          <a:stretch>
+            <a:fillRect/>
+          </a:stretch>
+        </p:blipFill>
+        <p:spPr>
           <a:xfrm>
-            <a:off x="1152029" y="2931207"/>
-            <a:ext cx="6560736" cy="2431435"/>
+            <a:off x="4002158" y="3033804"/>
+            <a:ext cx="331302" cy="230116"/>
           </a:xfrm>
           <a:prstGeom prst="rect">
             <a:avLst/>
           </a:prstGeom>
-          <a:solidFill>
-            <a:schemeClr val="bg1"/>
-          </a:solidFill>
         </p:spPr>
-        <p:txBody>
-          <a:bodyPr wrap="square" rtlCol="0">
-            <a:spAutoFit/>
-          </a:bodyPr>
-          <a:lstStyle/>
-          <a:p>
-            <a:pPr marL="285750" indent="-285750">
-              <a:buFont typeface="Arial" panose="020B0604020202020204" pitchFamily="34" charset="0"/>
-              <a:buChar char="•"/>
-            </a:pPr>
-            <a:r>
-              <a:rPr lang="en-GB" sz="1900" dirty="0">
-                <a:latin typeface="Candara" panose="020E0502030303020204" pitchFamily="34" charset="0"/>
-              </a:rPr>
-              <a:t>Predict the intervals of RT for classes</a:t>
-            </a:r>
-          </a:p>
-          <a:p>
-            <a:pPr marL="285750" indent="-285750">
-              <a:buFont typeface="Arial" panose="020B0604020202020204" pitchFamily="34" charset="0"/>
-              <a:buChar char="•"/>
-            </a:pPr>
-            <a:r>
-              <a:rPr lang="en-GB" sz="1900" dirty="0">
-                <a:latin typeface="Candara" panose="020E0502030303020204" pitchFamily="34" charset="0"/>
-              </a:rPr>
-              <a:t>Models used to predict:</a:t>
-            </a:r>
-          </a:p>
-          <a:p>
-            <a:pPr marL="285750" indent="-285750">
-              <a:buFont typeface="Arial" panose="020B0604020202020204" pitchFamily="34" charset="0"/>
-              <a:buChar char="•"/>
-            </a:pPr>
-            <a:r>
-              <a:rPr lang="en-GB" sz="1900" dirty="0" err="1">
-                <a:latin typeface="Candara" panose="020E0502030303020204" pitchFamily="34" charset="0"/>
-              </a:rPr>
-              <a:t>Accucary</a:t>
-            </a:r>
-            <a:endParaRPr lang="en-GB" sz="1900" dirty="0">
-              <a:latin typeface="Candara" panose="020E0502030303020204" pitchFamily="34" charset="0"/>
-            </a:endParaRPr>
-          </a:p>
-          <a:p>
-            <a:pPr marL="285750" indent="-285750">
-              <a:buFont typeface="Arial" panose="020B0604020202020204" pitchFamily="34" charset="0"/>
-              <a:buChar char="•"/>
-            </a:pPr>
-            <a:endParaRPr lang="en-GB" sz="1900" dirty="0">
-              <a:latin typeface="Candara" panose="020E0502030303020204" pitchFamily="34" charset="0"/>
-            </a:endParaRPr>
-          </a:p>
-          <a:p>
-            <a:pPr marL="285750" indent="-285750">
-              <a:buFont typeface="Arial" panose="020B0604020202020204" pitchFamily="34" charset="0"/>
-              <a:buChar char="•"/>
-            </a:pPr>
-            <a:r>
-              <a:rPr lang="en-GB" sz="1900" dirty="0">
-                <a:latin typeface="Candara" panose="020E0502030303020204" pitchFamily="34" charset="0"/>
-              </a:rPr>
-              <a:t>Predict the intervals of FC for classes</a:t>
-            </a:r>
-          </a:p>
-          <a:p>
-            <a:pPr marL="285750" indent="-285750">
-              <a:buFont typeface="Arial" panose="020B0604020202020204" pitchFamily="34" charset="0"/>
-              <a:buChar char="•"/>
-            </a:pPr>
-            <a:r>
-              <a:rPr lang="en-GB" sz="1900" dirty="0">
-                <a:latin typeface="Candara" panose="020E0502030303020204" pitchFamily="34" charset="0"/>
-              </a:rPr>
-              <a:t>Models used to predict:</a:t>
-            </a:r>
-          </a:p>
-          <a:p>
-            <a:pPr marL="285750" indent="-285750">
-              <a:buFont typeface="Arial" panose="020B0604020202020204" pitchFamily="34" charset="0"/>
-              <a:buChar char="•"/>
-            </a:pPr>
-            <a:r>
-              <a:rPr lang="en-GB" sz="1900">
-                <a:latin typeface="Candara" panose="020E0502030303020204" pitchFamily="34" charset="0"/>
-              </a:rPr>
-              <a:t>Accuracy</a:t>
-            </a:r>
-            <a:endParaRPr lang="en-GB" sz="1900" dirty="0">
-              <a:latin typeface="Candara" panose="020E0502030303020204" pitchFamily="34" charset="0"/>
-            </a:endParaRPr>
-          </a:p>
-          <a:p>
-            <a:pPr marL="285750" indent="-285750">
-              <a:buFont typeface="Arial" panose="020B0604020202020204" pitchFamily="34" charset="0"/>
-              <a:buChar char="•"/>
-            </a:pPr>
-            <a:endParaRPr lang="en-GB" sz="1900" dirty="0">
-              <a:latin typeface="Candara" panose="020E0502030303020204" pitchFamily="34" charset="0"/>
-            </a:endParaRPr>
-          </a:p>
-        </p:txBody>
-      </p:sp>
+      </p:pic>
     </p:spTree>
     <p:extLst>
       <p:ext uri="{BB962C8B-B14F-4D97-AF65-F5344CB8AC3E}">
-        <p14:creationId xmlns:p14="http://schemas.microsoft.com/office/powerpoint/2010/main" val="942856397"/>
+        <p14:creationId xmlns:p14="http://schemas.microsoft.com/office/powerpoint/2010/main" val="1134381640"/>
       </p:ext>
     </p:extLst>
   </p:cSld>
@@ -18451,7 +19389,7 @@
           <p:cNvPr id="2" name="Título 1">
             <a:extLst>
               <a:ext uri="{FF2B5EF4-FFF2-40B4-BE49-F238E27FC236}">
-                <a16:creationId xmlns:a16="http://schemas.microsoft.com/office/drawing/2014/main" id="{D17DCCC3-705B-4276-A440-5FC29EC0BF40}"/>
+                <a16:creationId xmlns:a16="http://schemas.microsoft.com/office/drawing/2014/main" xmlns="" id="{D17DCCC3-705B-4276-A440-5FC29EC0BF40}"/>
               </a:ext>
             </a:extLst>
           </p:cNvPr>
@@ -18508,7 +19446,7 @@
           <p:cNvPr id="3" name="Marcador de contenido 2">
             <a:extLst>
               <a:ext uri="{FF2B5EF4-FFF2-40B4-BE49-F238E27FC236}">
-                <a16:creationId xmlns:a16="http://schemas.microsoft.com/office/drawing/2014/main" id="{EAC2261B-2E4E-4544-AE7A-F27D5AD06453}"/>
+                <a16:creationId xmlns:a16="http://schemas.microsoft.com/office/drawing/2014/main" xmlns="" id="{EAC2261B-2E4E-4544-AE7A-F27D5AD06453}"/>
               </a:ext>
             </a:extLst>
           </p:cNvPr>
@@ -18553,7 +19491,7 @@
           <p:cNvPr id="5" name="Marcador de contenido 2">
             <a:extLst>
               <a:ext uri="{FF2B5EF4-FFF2-40B4-BE49-F238E27FC236}">
-                <a16:creationId xmlns:a16="http://schemas.microsoft.com/office/drawing/2014/main" id="{070AC387-A01C-4A51-97F3-9AE830F528EA}"/>
+                <a16:creationId xmlns:a16="http://schemas.microsoft.com/office/drawing/2014/main" xmlns="" id="{070AC387-A01C-4A51-97F3-9AE830F528EA}"/>
               </a:ext>
             </a:extLst>
           </p:cNvPr>
@@ -18760,7 +19698,7 @@
           <p:cNvPr id="6" name="Marcador de contenido 2">
             <a:extLst>
               <a:ext uri="{FF2B5EF4-FFF2-40B4-BE49-F238E27FC236}">
-                <a16:creationId xmlns:a16="http://schemas.microsoft.com/office/drawing/2014/main" id="{51F9C440-C32E-4017-9091-3EC22A4B838B}"/>
+                <a16:creationId xmlns:a16="http://schemas.microsoft.com/office/drawing/2014/main" xmlns="" id="{51F9C440-C32E-4017-9091-3EC22A4B838B}"/>
               </a:ext>
             </a:extLst>
           </p:cNvPr>
@@ -18967,7 +19905,7 @@
           <p:cNvPr id="7" name="Marcador de contenido 2">
             <a:extLst>
               <a:ext uri="{FF2B5EF4-FFF2-40B4-BE49-F238E27FC236}">
-                <a16:creationId xmlns:a16="http://schemas.microsoft.com/office/drawing/2014/main" id="{CAD68F51-7D69-4BD4-80F2-EB5AF3E1743D}"/>
+                <a16:creationId xmlns:a16="http://schemas.microsoft.com/office/drawing/2014/main" xmlns="" id="{CAD68F51-7D69-4BD4-80F2-EB5AF3E1743D}"/>
               </a:ext>
             </a:extLst>
           </p:cNvPr>
@@ -19208,7 +20146,7 @@
           <p:cNvPr id="11" name="Grupo 10">
             <a:extLst>
               <a:ext uri="{FF2B5EF4-FFF2-40B4-BE49-F238E27FC236}">
-                <a16:creationId xmlns:a16="http://schemas.microsoft.com/office/drawing/2014/main" id="{05AC0499-4791-4450-863B-98CD11CE3EDB}"/>
+                <a16:creationId xmlns:a16="http://schemas.microsoft.com/office/drawing/2014/main" xmlns="" id="{05AC0499-4791-4450-863B-98CD11CE3EDB}"/>
               </a:ext>
             </a:extLst>
           </p:cNvPr>
@@ -19228,7 +20166,7 @@
             <p:cNvPr id="7" name="AutoShape 2">
               <a:extLst>
                 <a:ext uri="{FF2B5EF4-FFF2-40B4-BE49-F238E27FC236}">
-                  <a16:creationId xmlns:a16="http://schemas.microsoft.com/office/drawing/2014/main" id="{6FB34A55-1545-4F4B-961A-728C11DEC89F}"/>
+                  <a16:creationId xmlns:a16="http://schemas.microsoft.com/office/drawing/2014/main" xmlns="" id="{6FB34A55-1545-4F4B-961A-728C11DEC89F}"/>
                 </a:ext>
               </a:extLst>
             </p:cNvPr>
@@ -19402,7 +20340,7 @@
             <p:cNvPr id="8" name="Text Box 3">
               <a:extLst>
                 <a:ext uri="{FF2B5EF4-FFF2-40B4-BE49-F238E27FC236}">
-                  <a16:creationId xmlns:a16="http://schemas.microsoft.com/office/drawing/2014/main" id="{3B12F2B2-7621-4AC1-B191-95073A0FDCF3}"/>
+                  <a16:creationId xmlns:a16="http://schemas.microsoft.com/office/drawing/2014/main" xmlns="" id="{3B12F2B2-7621-4AC1-B191-95073A0FDCF3}"/>
                 </a:ext>
               </a:extLst>
             </p:cNvPr>
@@ -19640,7 +20578,7 @@
             <p:cNvPr id="1028" name="Picture 4" descr="Resultat d'imatges de star icon">
               <a:extLst>
                 <a:ext uri="{FF2B5EF4-FFF2-40B4-BE49-F238E27FC236}">
-                  <a16:creationId xmlns:a16="http://schemas.microsoft.com/office/drawing/2014/main" id="{B49E22A6-C16E-42FF-9087-40F82BB8599C}"/>
+                  <a16:creationId xmlns:a16="http://schemas.microsoft.com/office/drawing/2014/main" xmlns="" id="{B49E22A6-C16E-42FF-9087-40F82BB8599C}"/>
                 </a:ext>
               </a:extLst>
             </p:cNvPr>
@@ -19701,7 +20639,7 @@
           <p:cNvPr id="12" name="Grupo 11">
             <a:extLst>
               <a:ext uri="{FF2B5EF4-FFF2-40B4-BE49-F238E27FC236}">
-                <a16:creationId xmlns:a16="http://schemas.microsoft.com/office/drawing/2014/main" id="{A7655AD6-E550-454E-9C5B-0D49593AF82D}"/>
+                <a16:creationId xmlns:a16="http://schemas.microsoft.com/office/drawing/2014/main" xmlns="" id="{A7655AD6-E550-454E-9C5B-0D49593AF82D}"/>
               </a:ext>
             </a:extLst>
           </p:cNvPr>
@@ -19721,7 +20659,7 @@
             <p:cNvPr id="9" name="AutoShape 5">
               <a:extLst>
                 <a:ext uri="{FF2B5EF4-FFF2-40B4-BE49-F238E27FC236}">
-                  <a16:creationId xmlns:a16="http://schemas.microsoft.com/office/drawing/2014/main" id="{73155F2A-3401-4454-AC7F-CE4DB1F55EB2}"/>
+                  <a16:creationId xmlns:a16="http://schemas.microsoft.com/office/drawing/2014/main" xmlns="" id="{73155F2A-3401-4454-AC7F-CE4DB1F55EB2}"/>
                 </a:ext>
               </a:extLst>
             </p:cNvPr>
@@ -19895,7 +20833,7 @@
             <p:cNvPr id="1030" name="Picture 6" descr="graph">
               <a:extLst>
                 <a:ext uri="{FF2B5EF4-FFF2-40B4-BE49-F238E27FC236}">
-                  <a16:creationId xmlns:a16="http://schemas.microsoft.com/office/drawing/2014/main" id="{E7BCF0D7-DE19-4F02-BCAF-505777665855}"/>
+                  <a16:creationId xmlns:a16="http://schemas.microsoft.com/office/drawing/2014/main" xmlns="" id="{E7BCF0D7-DE19-4F02-BCAF-505777665855}"/>
                 </a:ext>
               </a:extLst>
             </p:cNvPr>
@@ -19965,7 +20903,7 @@
             <p:cNvPr id="10" name="Text Box 7">
               <a:extLst>
                 <a:ext uri="{FF2B5EF4-FFF2-40B4-BE49-F238E27FC236}">
-                  <a16:creationId xmlns:a16="http://schemas.microsoft.com/office/drawing/2014/main" id="{95C5CC35-1807-4FAD-87D9-6CE581C264A6}"/>
+                  <a16:creationId xmlns:a16="http://schemas.microsoft.com/office/drawing/2014/main" xmlns="" id="{95C5CC35-1807-4FAD-87D9-6CE581C264A6}"/>
                 </a:ext>
               </a:extLst>
             </p:cNvPr>
@@ -20176,7 +21114,7 @@
           <p:cNvPr id="14" name="Tabla 13">
             <a:extLst>
               <a:ext uri="{FF2B5EF4-FFF2-40B4-BE49-F238E27FC236}">
-                <a16:creationId xmlns:a16="http://schemas.microsoft.com/office/drawing/2014/main" id="{A89C7F25-956C-476C-96B8-BB54109B5279}"/>
+                <a16:creationId xmlns:a16="http://schemas.microsoft.com/office/drawing/2014/main" xmlns="" id="{A89C7F25-956C-476C-96B8-BB54109B5279}"/>
               </a:ext>
             </a:extLst>
           </p:cNvPr>
@@ -20205,14 +21143,14 @@
                 <a:gridCol w="1985489">
                   <a:extLst>
                     <a:ext uri="{9D8B030D-6E8A-4147-A177-3AD203B41FA5}">
-                      <a16:colId xmlns:a16="http://schemas.microsoft.com/office/drawing/2014/main" val="1322281579"/>
+                      <a16:colId xmlns:a16="http://schemas.microsoft.com/office/drawing/2014/main" xmlns="" val="1322281579"/>
                     </a:ext>
                   </a:extLst>
                 </a:gridCol>
                 <a:gridCol w="1985489">
                   <a:extLst>
                     <a:ext uri="{9D8B030D-6E8A-4147-A177-3AD203B41FA5}">
-                      <a16:colId xmlns:a16="http://schemas.microsoft.com/office/drawing/2014/main" val="2223543333"/>
+                      <a16:colId xmlns:a16="http://schemas.microsoft.com/office/drawing/2014/main" xmlns="" val="2223543333"/>
                     </a:ext>
                   </a:extLst>
                 </a:gridCol>
@@ -20268,7 +21206,7 @@
                 </a:tc>
                 <a:extLst>
                   <a:ext uri="{0D108BD9-81ED-4DB2-BD59-A6C34878D82A}">
-                    <a16:rowId xmlns:a16="http://schemas.microsoft.com/office/drawing/2014/main" val="2344520333"/>
+                    <a16:rowId xmlns:a16="http://schemas.microsoft.com/office/drawing/2014/main" xmlns="" val="2344520333"/>
                   </a:ext>
                 </a:extLst>
               </a:tr>
@@ -20337,7 +21275,7 @@
                 </a:tc>
                 <a:extLst>
                   <a:ext uri="{0D108BD9-81ED-4DB2-BD59-A6C34878D82A}">
-                    <a16:rowId xmlns:a16="http://schemas.microsoft.com/office/drawing/2014/main" val="1026996701"/>
+                    <a16:rowId xmlns:a16="http://schemas.microsoft.com/office/drawing/2014/main" xmlns="" val="1026996701"/>
                   </a:ext>
                 </a:extLst>
               </a:tr>
@@ -20350,7 +21288,7 @@
           <p:cNvPr id="15" name="Diagrama 14">
             <a:extLst>
               <a:ext uri="{FF2B5EF4-FFF2-40B4-BE49-F238E27FC236}">
-                <a16:creationId xmlns:a16="http://schemas.microsoft.com/office/drawing/2014/main" id="{59267DE5-CD34-44B0-A64C-A7C0826743D5}"/>
+                <a16:creationId xmlns:a16="http://schemas.microsoft.com/office/drawing/2014/main" xmlns="" id="{59267DE5-CD34-44B0-A64C-A7C0826743D5}"/>
               </a:ext>
             </a:extLst>
           </p:cNvPr>
@@ -20378,7 +21316,7 @@
           <p:cNvPr id="19" name="Conector recto de flecha 18">
             <a:extLst>
               <a:ext uri="{FF2B5EF4-FFF2-40B4-BE49-F238E27FC236}">
-                <a16:creationId xmlns:a16="http://schemas.microsoft.com/office/drawing/2014/main" id="{F5C49D69-C4DA-485D-A191-CFDB5D7D0037}"/>
+                <a16:creationId xmlns:a16="http://schemas.microsoft.com/office/drawing/2014/main" xmlns="" id="{F5C49D69-C4DA-485D-A191-CFDB5D7D0037}"/>
               </a:ext>
             </a:extLst>
           </p:cNvPr>
@@ -20426,7 +21364,7 @@
           <p:cNvPr id="22" name="Conector recto de flecha 21">
             <a:extLst>
               <a:ext uri="{FF2B5EF4-FFF2-40B4-BE49-F238E27FC236}">
-                <a16:creationId xmlns:a16="http://schemas.microsoft.com/office/drawing/2014/main" id="{4F89D099-91A4-4407-B9A1-8892F34F9DD3}"/>
+                <a16:creationId xmlns:a16="http://schemas.microsoft.com/office/drawing/2014/main" xmlns="" id="{4F89D099-91A4-4407-B9A1-8892F34F9DD3}"/>
               </a:ext>
             </a:extLst>
           </p:cNvPr>
@@ -20474,7 +21412,7 @@
           <p:cNvPr id="25" name="Conector recto de flecha 24">
             <a:extLst>
               <a:ext uri="{FF2B5EF4-FFF2-40B4-BE49-F238E27FC236}">
-                <a16:creationId xmlns:a16="http://schemas.microsoft.com/office/drawing/2014/main" id="{7D0D67B9-038C-48CA-894A-7A8F7111C531}"/>
+                <a16:creationId xmlns:a16="http://schemas.microsoft.com/office/drawing/2014/main" xmlns="" id="{7D0D67B9-038C-48CA-894A-7A8F7111C531}"/>
               </a:ext>
             </a:extLst>
           </p:cNvPr>
@@ -20523,7 +21461,7 @@
           <p:cNvPr id="27" name="CuadroTexto 26">
             <a:extLst>
               <a:ext uri="{FF2B5EF4-FFF2-40B4-BE49-F238E27FC236}">
-                <a16:creationId xmlns:a16="http://schemas.microsoft.com/office/drawing/2014/main" id="{D617B930-87ED-434E-81A5-DC120474ADE3}"/>
+                <a16:creationId xmlns:a16="http://schemas.microsoft.com/office/drawing/2014/main" xmlns="" id="{D617B930-87ED-434E-81A5-DC120474ADE3}"/>
               </a:ext>
             </a:extLst>
           </p:cNvPr>
@@ -20563,7 +21501,7 @@
           <p:cNvPr id="23" name="Título 1">
             <a:extLst>
               <a:ext uri="{FF2B5EF4-FFF2-40B4-BE49-F238E27FC236}">
-                <a16:creationId xmlns:a16="http://schemas.microsoft.com/office/drawing/2014/main" id="{C50F150F-04D7-4668-A0EF-B0EAD3961A73}"/>
+                <a16:creationId xmlns:a16="http://schemas.microsoft.com/office/drawing/2014/main" xmlns="" id="{C50F150F-04D7-4668-A0EF-B0EAD3961A73}"/>
               </a:ext>
             </a:extLst>
           </p:cNvPr>
@@ -20639,7 +21577,7 @@
           <p:cNvPr id="24" name="Tabla 23">
             <a:extLst>
               <a:ext uri="{FF2B5EF4-FFF2-40B4-BE49-F238E27FC236}">
-                <a16:creationId xmlns:a16="http://schemas.microsoft.com/office/drawing/2014/main" id="{82972B3E-B0AA-4CEF-90B7-3325FED88204}"/>
+                <a16:creationId xmlns:a16="http://schemas.microsoft.com/office/drawing/2014/main" xmlns="" id="{82972B3E-B0AA-4CEF-90B7-3325FED88204}"/>
               </a:ext>
             </a:extLst>
           </p:cNvPr>
@@ -20668,7 +21606,7 @@
                 <a:gridCol w="3649241">
                   <a:extLst>
                     <a:ext uri="{9D8B030D-6E8A-4147-A177-3AD203B41FA5}">
-                      <a16:colId xmlns:a16="http://schemas.microsoft.com/office/drawing/2014/main" val="1322281579"/>
+                      <a16:colId xmlns:a16="http://schemas.microsoft.com/office/drawing/2014/main" xmlns="" val="1322281579"/>
                     </a:ext>
                   </a:extLst>
                 </a:gridCol>
@@ -20714,7 +21652,7 @@
                 </a:tc>
                 <a:extLst>
                   <a:ext uri="{0D108BD9-81ED-4DB2-BD59-A6C34878D82A}">
-                    <a16:rowId xmlns:a16="http://schemas.microsoft.com/office/drawing/2014/main" val="2344520333"/>
+                    <a16:rowId xmlns:a16="http://schemas.microsoft.com/office/drawing/2014/main" xmlns="" val="2344520333"/>
                   </a:ext>
                 </a:extLst>
               </a:tr>
@@ -20768,7 +21706,7 @@
                 </a:tc>
                 <a:extLst>
                   <a:ext uri="{0D108BD9-81ED-4DB2-BD59-A6C34878D82A}">
-                    <a16:rowId xmlns:a16="http://schemas.microsoft.com/office/drawing/2014/main" val="1026996701"/>
+                    <a16:rowId xmlns:a16="http://schemas.microsoft.com/office/drawing/2014/main" xmlns="" val="1026996701"/>
                   </a:ext>
                 </a:extLst>
               </a:tr>
@@ -20781,7 +21719,7 @@
           <p:cNvPr id="28" name="CuadroTexto 27">
             <a:extLst>
               <a:ext uri="{FF2B5EF4-FFF2-40B4-BE49-F238E27FC236}">
-                <a16:creationId xmlns:a16="http://schemas.microsoft.com/office/drawing/2014/main" id="{D28B5E88-468B-4F61-9E12-61A501CAB970}"/>
+                <a16:creationId xmlns:a16="http://schemas.microsoft.com/office/drawing/2014/main" xmlns="" id="{D28B5E88-468B-4F61-9E12-61A501CAB970}"/>
               </a:ext>
             </a:extLst>
           </p:cNvPr>
@@ -20894,7 +21832,7 @@
           <p:cNvPr id="7" name="Diagrama 6">
             <a:extLst>
               <a:ext uri="{FF2B5EF4-FFF2-40B4-BE49-F238E27FC236}">
-                <a16:creationId xmlns:a16="http://schemas.microsoft.com/office/drawing/2014/main" id="{9B6BB26D-3E29-479D-9E3F-DE9DF36E71D8}"/>
+                <a16:creationId xmlns:a16="http://schemas.microsoft.com/office/drawing/2014/main" xmlns="" id="{9B6BB26D-3E29-479D-9E3F-DE9DF36E71D8}"/>
               </a:ext>
             </a:extLst>
           </p:cNvPr>
@@ -20922,7 +21860,7 @@
           <p:cNvPr id="4" name="CuadroTexto 3">
             <a:extLst>
               <a:ext uri="{FF2B5EF4-FFF2-40B4-BE49-F238E27FC236}">
-                <a16:creationId xmlns:a16="http://schemas.microsoft.com/office/drawing/2014/main" id="{F86D735E-13C3-4CD2-B2C7-CCB64689F917}"/>
+                <a16:creationId xmlns:a16="http://schemas.microsoft.com/office/drawing/2014/main" xmlns="" id="{F86D735E-13C3-4CD2-B2C7-CCB64689F917}"/>
               </a:ext>
             </a:extLst>
           </p:cNvPr>
@@ -21010,7 +21948,7 @@
           <p:cNvPr id="8" name="CuadroTexto 7">
             <a:extLst>
               <a:ext uri="{FF2B5EF4-FFF2-40B4-BE49-F238E27FC236}">
-                <a16:creationId xmlns:a16="http://schemas.microsoft.com/office/drawing/2014/main" id="{FB8AFF2C-2A59-48E2-941A-4955BD8F63CB}"/>
+                <a16:creationId xmlns:a16="http://schemas.microsoft.com/office/drawing/2014/main" xmlns="" id="{FB8AFF2C-2A59-48E2-941A-4955BD8F63CB}"/>
               </a:ext>
             </a:extLst>
           </p:cNvPr>
@@ -21287,7 +22225,7 @@
           <p:cNvPr id="9" name="CuadroTexto 8">
             <a:extLst>
               <a:ext uri="{FF2B5EF4-FFF2-40B4-BE49-F238E27FC236}">
-                <a16:creationId xmlns:a16="http://schemas.microsoft.com/office/drawing/2014/main" id="{D58D7AEE-F373-4D4A-8CB3-AAACD3BA79BB}"/>
+                <a16:creationId xmlns:a16="http://schemas.microsoft.com/office/drawing/2014/main" xmlns="" id="{D58D7AEE-F373-4D4A-8CB3-AAACD3BA79BB}"/>
               </a:ext>
             </a:extLst>
           </p:cNvPr>
@@ -21373,7 +22311,7 @@
           <p:cNvPr id="12" name="Título 1">
             <a:extLst>
               <a:ext uri="{FF2B5EF4-FFF2-40B4-BE49-F238E27FC236}">
-                <a16:creationId xmlns:a16="http://schemas.microsoft.com/office/drawing/2014/main" id="{04A1BE83-D791-45E6-A427-17512C2896FF}"/>
+                <a16:creationId xmlns:a16="http://schemas.microsoft.com/office/drawing/2014/main" xmlns="" id="{04A1BE83-D791-45E6-A427-17512C2896FF}"/>
               </a:ext>
             </a:extLst>
           </p:cNvPr>
@@ -21474,92 +22412,12 @@
           <a:chExt cx="0" cy="0"/>
         </a:xfrm>
       </p:grpSpPr>
-      <p:sp>
-        <p:nvSpPr>
-          <p:cNvPr id="2" name="Título 1">
-            <a:extLst>
-              <a:ext uri="{FF2B5EF4-FFF2-40B4-BE49-F238E27FC236}">
-                <a16:creationId xmlns:a16="http://schemas.microsoft.com/office/drawing/2014/main" id="{6CB0BDF8-C479-4081-B92A-8012B3357711}"/>
-              </a:ext>
-            </a:extLst>
-          </p:cNvPr>
-          <p:cNvSpPr>
-            <a:spLocks noGrp="1"/>
-          </p:cNvSpPr>
-          <p:nvPr>
-            <p:ph type="title"/>
-          </p:nvPr>
-        </p:nvSpPr>
-        <p:spPr/>
-        <p:txBody>
-          <a:bodyPr/>
-          <a:lstStyle/>
-          <a:p>
-            <a:endParaRPr lang="en-GB"/>
-          </a:p>
-        </p:txBody>
-      </p:sp>
-      <p:sp>
-        <p:nvSpPr>
-          <p:cNvPr id="3" name="Marcador de contenido 2">
-            <a:extLst>
-              <a:ext uri="{FF2B5EF4-FFF2-40B4-BE49-F238E27FC236}">
-                <a16:creationId xmlns:a16="http://schemas.microsoft.com/office/drawing/2014/main" id="{1D167F42-8C39-4D64-8C64-01E0117C0449}"/>
-              </a:ext>
-            </a:extLst>
-          </p:cNvPr>
-          <p:cNvSpPr>
-            <a:spLocks noGrp="1"/>
-          </p:cNvSpPr>
-          <p:nvPr>
-            <p:ph idx="1"/>
-          </p:nvPr>
-        </p:nvSpPr>
-        <p:spPr/>
-        <p:txBody>
-          <a:bodyPr/>
-          <a:lstStyle/>
-          <a:p>
-            <a:endParaRPr lang="en-GB"/>
-          </a:p>
-        </p:txBody>
-      </p:sp>
-    </p:spTree>
-    <p:extLst>
-      <p:ext uri="{BB962C8B-B14F-4D97-AF65-F5344CB8AC3E}">
-        <p14:creationId xmlns:p14="http://schemas.microsoft.com/office/powerpoint/2010/main" val="1167722478"/>
-      </p:ext>
-    </p:extLst>
-  </p:cSld>
-  <p:clrMapOvr>
-    <a:masterClrMapping/>
-  </p:clrMapOvr>
-</p:sld>
-</file>
-
-<file path=ppt/slides/slide6.xml><?xml version="1.0" encoding="utf-8"?>
-<p:sld xmlns:a="http://schemas.openxmlformats.org/drawingml/2006/main" xmlns:r="http://schemas.openxmlformats.org/officeDocument/2006/relationships" xmlns:p="http://schemas.openxmlformats.org/presentationml/2006/main">
-  <p:cSld>
-    <p:spTree>
-      <p:nvGrpSpPr>
-        <p:cNvPr id="1" name=""/>
-        <p:cNvGrpSpPr/>
-        <p:nvPr/>
-      </p:nvGrpSpPr>
-      <p:grpSpPr>
-        <a:xfrm>
-          <a:off x="0" y="0"/>
-          <a:ext cx="0" cy="0"/>
-          <a:chOff x="0" y="0"/>
-          <a:chExt cx="0" cy="0"/>
-        </a:xfrm>
-      </p:grpSpPr>
       <p:graphicFrame>
         <p:nvGraphicFramePr>
           <p:cNvPr id="4" name="Marcador de contenido 3">
             <a:extLst>
               <a:ext uri="{FF2B5EF4-FFF2-40B4-BE49-F238E27FC236}">
-                <a16:creationId xmlns:a16="http://schemas.microsoft.com/office/drawing/2014/main" id="{0A79A359-313C-4D56-B712-2F4711C93092}"/>
+                <a16:creationId xmlns:a16="http://schemas.microsoft.com/office/drawing/2014/main" xmlns="" id="{0A79A359-313C-4D56-B712-2F4711C93092}"/>
               </a:ext>
             </a:extLst>
           </p:cNvPr>
@@ -21589,14 +22447,14 @@
                 <a:gridCol w="3791597">
                   <a:extLst>
                     <a:ext uri="{9D8B030D-6E8A-4147-A177-3AD203B41FA5}">
-                      <a16:colId xmlns:a16="http://schemas.microsoft.com/office/drawing/2014/main" val="2335588041"/>
+                      <a16:colId xmlns:a16="http://schemas.microsoft.com/office/drawing/2014/main" xmlns="" val="2335588041"/>
                     </a:ext>
                   </a:extLst>
                 </a:gridCol>
                 <a:gridCol w="3791597">
                   <a:extLst>
                     <a:ext uri="{9D8B030D-6E8A-4147-A177-3AD203B41FA5}">
-                      <a16:colId xmlns:a16="http://schemas.microsoft.com/office/drawing/2014/main" val="1112588493"/>
+                      <a16:colId xmlns:a16="http://schemas.microsoft.com/office/drawing/2014/main" xmlns="" val="1112588493"/>
                     </a:ext>
                   </a:extLst>
                 </a:gridCol>
@@ -21634,7 +22492,7 @@
                 </a:tc>
                 <a:extLst>
                   <a:ext uri="{0D108BD9-81ED-4DB2-BD59-A6C34878D82A}">
-                    <a16:rowId xmlns:a16="http://schemas.microsoft.com/office/drawing/2014/main" val="3992468993"/>
+                    <a16:rowId xmlns:a16="http://schemas.microsoft.com/office/drawing/2014/main" xmlns="" val="3992468993"/>
                   </a:ext>
                 </a:extLst>
               </a:tr>
@@ -21675,7 +22533,7 @@
                 </a:tc>
                 <a:extLst>
                   <a:ext uri="{0D108BD9-81ED-4DB2-BD59-A6C34878D82A}">
-                    <a16:rowId xmlns:a16="http://schemas.microsoft.com/office/drawing/2014/main" val="2024136782"/>
+                    <a16:rowId xmlns:a16="http://schemas.microsoft.com/office/drawing/2014/main" xmlns="" val="2024136782"/>
                   </a:ext>
                 </a:extLst>
               </a:tr>
@@ -21712,7 +22570,7 @@
                 </a:tc>
                 <a:extLst>
                   <a:ext uri="{0D108BD9-81ED-4DB2-BD59-A6C34878D82A}">
-                    <a16:rowId xmlns:a16="http://schemas.microsoft.com/office/drawing/2014/main" val="621434231"/>
+                    <a16:rowId xmlns:a16="http://schemas.microsoft.com/office/drawing/2014/main" xmlns="" val="621434231"/>
                   </a:ext>
                 </a:extLst>
               </a:tr>
@@ -21725,7 +22583,7 @@
           <p:cNvPr id="5" name="Diagrama 4">
             <a:extLst>
               <a:ext uri="{FF2B5EF4-FFF2-40B4-BE49-F238E27FC236}">
-                <a16:creationId xmlns:a16="http://schemas.microsoft.com/office/drawing/2014/main" id="{A46FEF82-D37D-47CE-AFFE-69DB712AF98A}"/>
+                <a16:creationId xmlns:a16="http://schemas.microsoft.com/office/drawing/2014/main" xmlns="" id="{A46FEF82-D37D-47CE-AFFE-69DB712AF98A}"/>
               </a:ext>
             </a:extLst>
           </p:cNvPr>
@@ -21753,7 +22611,7 @@
           <p:cNvPr id="6" name="Diagrama 5">
             <a:extLst>
               <a:ext uri="{FF2B5EF4-FFF2-40B4-BE49-F238E27FC236}">
-                <a16:creationId xmlns:a16="http://schemas.microsoft.com/office/drawing/2014/main" id="{7D5390E7-BC34-44A6-A954-A344F5581748}"/>
+                <a16:creationId xmlns:a16="http://schemas.microsoft.com/office/drawing/2014/main" xmlns="" id="{7D5390E7-BC34-44A6-A954-A344F5581748}"/>
               </a:ext>
             </a:extLst>
           </p:cNvPr>
@@ -21781,7 +22639,7 @@
           <p:cNvPr id="9" name="CuadroTexto 8">
             <a:extLst>
               <a:ext uri="{FF2B5EF4-FFF2-40B4-BE49-F238E27FC236}">
-                <a16:creationId xmlns:a16="http://schemas.microsoft.com/office/drawing/2014/main" id="{13DB99E7-F3ED-4A57-A0FC-5AF3EAC0C81D}"/>
+                <a16:creationId xmlns:a16="http://schemas.microsoft.com/office/drawing/2014/main" xmlns="" id="{13DB99E7-F3ED-4A57-A0FC-5AF3EAC0C81D}"/>
               </a:ext>
             </a:extLst>
           </p:cNvPr>
@@ -21918,7 +22776,7 @@
           <p:cNvPr id="12" name="Título 1">
             <a:extLst>
               <a:ext uri="{FF2B5EF4-FFF2-40B4-BE49-F238E27FC236}">
-                <a16:creationId xmlns:a16="http://schemas.microsoft.com/office/drawing/2014/main" id="{99B5AF95-097D-4738-83EF-F6E071141CE9}"/>
+                <a16:creationId xmlns:a16="http://schemas.microsoft.com/office/drawing/2014/main" xmlns="" id="{99B5AF95-097D-4738-83EF-F6E071141CE9}"/>
               </a:ext>
             </a:extLst>
           </p:cNvPr>
@@ -21994,7 +22852,7 @@
           <p:cNvPr id="13" name="Grupo 12">
             <a:extLst>
               <a:ext uri="{FF2B5EF4-FFF2-40B4-BE49-F238E27FC236}">
-                <a16:creationId xmlns:a16="http://schemas.microsoft.com/office/drawing/2014/main" id="{892181AC-7731-47B7-B4D5-32FB0DA3D8D2}"/>
+                <a16:creationId xmlns:a16="http://schemas.microsoft.com/office/drawing/2014/main" xmlns="" id="{892181AC-7731-47B7-B4D5-32FB0DA3D8D2}"/>
               </a:ext>
             </a:extLst>
           </p:cNvPr>
@@ -22014,7 +22872,7 @@
             <p:cNvPr id="14" name="Rectángulo: esquinas redondeadas 13">
               <a:extLst>
                 <a:ext uri="{FF2B5EF4-FFF2-40B4-BE49-F238E27FC236}">
-                  <a16:creationId xmlns:a16="http://schemas.microsoft.com/office/drawing/2014/main" id="{2CF8D916-B82C-45E8-8EC4-32BF4FDF6262}"/>
+                  <a16:creationId xmlns:a16="http://schemas.microsoft.com/office/drawing/2014/main" xmlns="" id="{2CF8D916-B82C-45E8-8EC4-32BF4FDF6262}"/>
                 </a:ext>
               </a:extLst>
             </p:cNvPr>
@@ -22065,7 +22923,7 @@
             <p:cNvPr id="15" name="Rectángulo: esquinas redondeadas 4">
               <a:extLst>
                 <a:ext uri="{FF2B5EF4-FFF2-40B4-BE49-F238E27FC236}">
-                  <a16:creationId xmlns:a16="http://schemas.microsoft.com/office/drawing/2014/main" id="{C5772EF3-A1DB-43BE-9F3F-53864ACD3F16}"/>
+                  <a16:creationId xmlns:a16="http://schemas.microsoft.com/office/drawing/2014/main" xmlns="" id="{C5772EF3-A1DB-43BE-9F3F-53864ACD3F16}"/>
                 </a:ext>
               </a:extLst>
             </p:cNvPr>
@@ -22146,7 +23004,7 @@
           <p:cNvPr id="20" name="Grupo 19">
             <a:extLst>
               <a:ext uri="{FF2B5EF4-FFF2-40B4-BE49-F238E27FC236}">
-                <a16:creationId xmlns:a16="http://schemas.microsoft.com/office/drawing/2014/main" id="{437C47F0-803A-46F9-A824-8B85AC4DF5FD}"/>
+                <a16:creationId xmlns:a16="http://schemas.microsoft.com/office/drawing/2014/main" xmlns="" id="{437C47F0-803A-46F9-A824-8B85AC4DF5FD}"/>
               </a:ext>
             </a:extLst>
           </p:cNvPr>
@@ -22166,7 +23024,7 @@
             <p:cNvPr id="21" name="Rectángulo: esquinas redondeadas 20">
               <a:extLst>
                 <a:ext uri="{FF2B5EF4-FFF2-40B4-BE49-F238E27FC236}">
-                  <a16:creationId xmlns:a16="http://schemas.microsoft.com/office/drawing/2014/main" id="{78607DDC-E8C8-42E6-94EB-3DD8AC2D9048}"/>
+                  <a16:creationId xmlns:a16="http://schemas.microsoft.com/office/drawing/2014/main" xmlns="" id="{78607DDC-E8C8-42E6-94EB-3DD8AC2D9048}"/>
                 </a:ext>
               </a:extLst>
             </p:cNvPr>
@@ -22217,7 +23075,7 @@
             <p:cNvPr id="22" name="Rectángulo: esquinas redondeadas 4">
               <a:extLst>
                 <a:ext uri="{FF2B5EF4-FFF2-40B4-BE49-F238E27FC236}">
-                  <a16:creationId xmlns:a16="http://schemas.microsoft.com/office/drawing/2014/main" id="{E5EC5060-928D-4A62-80DB-F3A08B0B2301}"/>
+                  <a16:creationId xmlns:a16="http://schemas.microsoft.com/office/drawing/2014/main" xmlns="" id="{E5EC5060-928D-4A62-80DB-F3A08B0B2301}"/>
                 </a:ext>
               </a:extLst>
             </p:cNvPr>
@@ -22378,7 +23236,7 @@
 </p:sld>
 </file>
 
-<file path=ppt/slides/slide7.xml><?xml version="1.0" encoding="utf-8"?>
+<file path=ppt/slides/slide6.xml><?xml version="1.0" encoding="utf-8"?>
 <p:sld xmlns:a="http://schemas.openxmlformats.org/drawingml/2006/main" xmlns:r="http://schemas.openxmlformats.org/officeDocument/2006/relationships" xmlns:p="http://schemas.openxmlformats.org/presentationml/2006/main">
   <p:cSld>
     <p:spTree>
@@ -22400,7 +23258,7 @@
           <p:cNvPr id="6" name="Título 1">
             <a:extLst>
               <a:ext uri="{FF2B5EF4-FFF2-40B4-BE49-F238E27FC236}">
-                <a16:creationId xmlns:a16="http://schemas.microsoft.com/office/drawing/2014/main" id="{9249C319-7D5A-4C4C-AC1D-81A3F5517B0A}"/>
+                <a16:creationId xmlns:a16="http://schemas.microsoft.com/office/drawing/2014/main" xmlns="" id="{9249C319-7D5A-4C4C-AC1D-81A3F5517B0A}"/>
               </a:ext>
             </a:extLst>
           </p:cNvPr>
@@ -22476,7 +23334,7 @@
           <p:cNvPr id="7" name="Diagrama 6">
             <a:extLst>
               <a:ext uri="{FF2B5EF4-FFF2-40B4-BE49-F238E27FC236}">
-                <a16:creationId xmlns:a16="http://schemas.microsoft.com/office/drawing/2014/main" id="{C6E808E7-6BED-4E76-A9B2-D9A847A282FB}"/>
+                <a16:creationId xmlns:a16="http://schemas.microsoft.com/office/drawing/2014/main" xmlns="" id="{C6E808E7-6BED-4E76-A9B2-D9A847A282FB}"/>
               </a:ext>
             </a:extLst>
           </p:cNvPr>
@@ -22512,7 +23370,7 @@
 </p:sld>
 </file>
 
-<file path=ppt/slides/slide8.xml><?xml version="1.0" encoding="utf-8"?>
+<file path=ppt/slides/slide7.xml><?xml version="1.0" encoding="utf-8"?>
 <p:sld xmlns:a="http://schemas.openxmlformats.org/drawingml/2006/main" xmlns:r="http://schemas.openxmlformats.org/officeDocument/2006/relationships" xmlns:p="http://schemas.openxmlformats.org/presentationml/2006/main">
   <p:cSld>
     <p:spTree>
@@ -22534,7 +23392,7 @@
           <p:cNvPr id="6" name="Grupo 5">
             <a:extLst>
               <a:ext uri="{FF2B5EF4-FFF2-40B4-BE49-F238E27FC236}">
-                <a16:creationId xmlns:a16="http://schemas.microsoft.com/office/drawing/2014/main" id="{2D41E8DA-C00D-4652-A6F2-9381D3655687}"/>
+                <a16:creationId xmlns:a16="http://schemas.microsoft.com/office/drawing/2014/main" xmlns="" id="{2D41E8DA-C00D-4652-A6F2-9381D3655687}"/>
               </a:ext>
             </a:extLst>
           </p:cNvPr>
@@ -22554,7 +23412,7 @@
             <p:cNvPr id="7" name="Rectángulo: esquinas redondeadas 6">
               <a:extLst>
                 <a:ext uri="{FF2B5EF4-FFF2-40B4-BE49-F238E27FC236}">
-                  <a16:creationId xmlns:a16="http://schemas.microsoft.com/office/drawing/2014/main" id="{355DC236-28A5-4831-ACFF-FDD0AFEC1EFB}"/>
+                  <a16:creationId xmlns:a16="http://schemas.microsoft.com/office/drawing/2014/main" xmlns="" id="{355DC236-28A5-4831-ACFF-FDD0AFEC1EFB}"/>
                 </a:ext>
               </a:extLst>
             </p:cNvPr>
@@ -22605,7 +23463,7 @@
             <p:cNvPr id="8" name="Rectángulo: esquinas redondeadas 4">
               <a:extLst>
                 <a:ext uri="{FF2B5EF4-FFF2-40B4-BE49-F238E27FC236}">
-                  <a16:creationId xmlns:a16="http://schemas.microsoft.com/office/drawing/2014/main" id="{BE2DEC7B-8981-4018-BEC2-9D4B279EAA2E}"/>
+                  <a16:creationId xmlns:a16="http://schemas.microsoft.com/office/drawing/2014/main" xmlns="" id="{BE2DEC7B-8981-4018-BEC2-9D4B279EAA2E}"/>
                 </a:ext>
               </a:extLst>
             </p:cNvPr>
@@ -22704,7 +23562,7 @@
           <p:cNvPr id="9" name="Grupo 8">
             <a:extLst>
               <a:ext uri="{FF2B5EF4-FFF2-40B4-BE49-F238E27FC236}">
-                <a16:creationId xmlns:a16="http://schemas.microsoft.com/office/drawing/2014/main" id="{52B5AAD8-ACBB-4329-8510-CDA49D95118F}"/>
+                <a16:creationId xmlns:a16="http://schemas.microsoft.com/office/drawing/2014/main" xmlns="" id="{52B5AAD8-ACBB-4329-8510-CDA49D95118F}"/>
               </a:ext>
             </a:extLst>
           </p:cNvPr>
@@ -22713,8 +23571,8 @@
         </p:nvGrpSpPr>
         <p:grpSpPr>
           <a:xfrm>
-            <a:off x="2491410" y="3242719"/>
-            <a:ext cx="3617844" cy="676014"/>
+            <a:off x="2093845" y="3149955"/>
+            <a:ext cx="2120347" cy="676014"/>
             <a:chOff x="310204" y="223537"/>
             <a:chExt cx="1881014" cy="372562"/>
           </a:xfrm>
@@ -22724,7 +23582,7 @@
             <p:cNvPr id="10" name="Rectángulo: esquinas redondeadas 9">
               <a:extLst>
                 <a:ext uri="{FF2B5EF4-FFF2-40B4-BE49-F238E27FC236}">
-                  <a16:creationId xmlns:a16="http://schemas.microsoft.com/office/drawing/2014/main" id="{E6201173-0918-409C-B562-00DF62B351D9}"/>
+                  <a16:creationId xmlns:a16="http://schemas.microsoft.com/office/drawing/2014/main" xmlns="" id="{E6201173-0918-409C-B562-00DF62B351D9}"/>
                 </a:ext>
               </a:extLst>
             </p:cNvPr>
@@ -22775,7 +23633,7 @@
             <p:cNvPr id="11" name="Rectángulo: esquinas redondeadas 4">
               <a:extLst>
                 <a:ext uri="{FF2B5EF4-FFF2-40B4-BE49-F238E27FC236}">
-                  <a16:creationId xmlns:a16="http://schemas.microsoft.com/office/drawing/2014/main" id="{CEBDB7A9-2EAC-4DCD-98F1-1485419E89FF}"/>
+                  <a16:creationId xmlns:a16="http://schemas.microsoft.com/office/drawing/2014/main" xmlns="" id="{CEBDB7A9-2EAC-4DCD-98F1-1485419E89FF}"/>
                 </a:ext>
               </a:extLst>
             </p:cNvPr>
@@ -22865,7 +23723,7 @@
           <p:cNvPr id="13" name="Grupo 12">
             <a:extLst>
               <a:ext uri="{FF2B5EF4-FFF2-40B4-BE49-F238E27FC236}">
-                <a16:creationId xmlns:a16="http://schemas.microsoft.com/office/drawing/2014/main" id="{9E62A5C7-2630-4E8C-97D2-73FAB46883F0}"/>
+                <a16:creationId xmlns:a16="http://schemas.microsoft.com/office/drawing/2014/main" xmlns="" id="{9E62A5C7-2630-4E8C-97D2-73FAB46883F0}"/>
               </a:ext>
             </a:extLst>
           </p:cNvPr>
@@ -22874,8 +23732,8 @@
         </p:nvGrpSpPr>
         <p:grpSpPr>
           <a:xfrm>
-            <a:off x="2512398" y="4481025"/>
-            <a:ext cx="3617844" cy="676014"/>
+            <a:off x="2106145" y="5586394"/>
+            <a:ext cx="2108047" cy="676014"/>
             <a:chOff x="310204" y="223537"/>
             <a:chExt cx="1881014" cy="372562"/>
           </a:xfrm>
@@ -22885,7 +23743,7 @@
             <p:cNvPr id="14" name="Rectángulo: esquinas redondeadas 13">
               <a:extLst>
                 <a:ext uri="{FF2B5EF4-FFF2-40B4-BE49-F238E27FC236}">
-                  <a16:creationId xmlns:a16="http://schemas.microsoft.com/office/drawing/2014/main" id="{0AC60D5B-494A-4B05-A89A-657B46B36A5C}"/>
+                  <a16:creationId xmlns:a16="http://schemas.microsoft.com/office/drawing/2014/main" xmlns="" id="{0AC60D5B-494A-4B05-A89A-657B46B36A5C}"/>
                 </a:ext>
               </a:extLst>
             </p:cNvPr>
@@ -22936,7 +23794,7 @@
             <p:cNvPr id="15" name="Rectángulo: esquinas redondeadas 4">
               <a:extLst>
                 <a:ext uri="{FF2B5EF4-FFF2-40B4-BE49-F238E27FC236}">
-                  <a16:creationId xmlns:a16="http://schemas.microsoft.com/office/drawing/2014/main" id="{D58241AD-F6C5-42EB-AA3C-11DF68DD4BBE}"/>
+                  <a16:creationId xmlns:a16="http://schemas.microsoft.com/office/drawing/2014/main" xmlns="" id="{D58241AD-F6C5-42EB-AA3C-11DF68DD4BBE}"/>
                 </a:ext>
               </a:extLst>
             </p:cNvPr>
@@ -23017,7 +23875,7 @@
           <p:cNvPr id="19" name="Flecha: doblada hacia arriba 18">
             <a:extLst>
               <a:ext uri="{FF2B5EF4-FFF2-40B4-BE49-F238E27FC236}">
-                <a16:creationId xmlns:a16="http://schemas.microsoft.com/office/drawing/2014/main" id="{D70877CB-6A05-4556-890A-4818810AB680}"/>
+                <a16:creationId xmlns:a16="http://schemas.microsoft.com/office/drawing/2014/main" xmlns="" id="{D70877CB-6A05-4556-890A-4818810AB680}"/>
               </a:ext>
             </a:extLst>
           </p:cNvPr>
@@ -23026,8 +23884,8 @@
         </p:nvSpPr>
         <p:spPr>
           <a:xfrm rot="5400000">
-            <a:off x="1007165" y="2928730"/>
-            <a:ext cx="848139" cy="990003"/>
+            <a:off x="1062508" y="2820378"/>
+            <a:ext cx="737451" cy="990003"/>
           </a:xfrm>
           <a:prstGeom prst="bentUpArrow">
             <a:avLst/>
@@ -23063,7 +23921,7 @@
           <p:cNvPr id="20" name="Flecha: doblada hacia arriba 19">
             <a:extLst>
               <a:ext uri="{FF2B5EF4-FFF2-40B4-BE49-F238E27FC236}">
-                <a16:creationId xmlns:a16="http://schemas.microsoft.com/office/drawing/2014/main" id="{AB5CB3A8-CFF7-48C4-BFFB-992F8AFAF69A}"/>
+                <a16:creationId xmlns:a16="http://schemas.microsoft.com/office/drawing/2014/main" xmlns="" id="{AB5CB3A8-CFF7-48C4-BFFB-992F8AFAF69A}"/>
               </a:ext>
             </a:extLst>
           </p:cNvPr>
@@ -23072,7 +23930,7 @@
         </p:nvSpPr>
         <p:spPr>
           <a:xfrm rot="5400000">
-            <a:off x="1007164" y="4216213"/>
+            <a:off x="1007164" y="5196877"/>
             <a:ext cx="848139" cy="990003"/>
           </a:xfrm>
           <a:prstGeom prst="bentUpArrow">
@@ -23109,7 +23967,7 @@
           <p:cNvPr id="21" name="Título 1">
             <a:extLst>
               <a:ext uri="{FF2B5EF4-FFF2-40B4-BE49-F238E27FC236}">
-                <a16:creationId xmlns:a16="http://schemas.microsoft.com/office/drawing/2014/main" id="{E290D59A-085A-4768-A84E-AE5246A4182F}"/>
+                <a16:creationId xmlns:a16="http://schemas.microsoft.com/office/drawing/2014/main" xmlns="" id="{E290D59A-085A-4768-A84E-AE5246A4182F}"/>
               </a:ext>
             </a:extLst>
           </p:cNvPr>
@@ -23180,6 +24038,714 @@
           </a:p>
         </p:txBody>
       </p:sp>
+      <p:grpSp>
+        <p:nvGrpSpPr>
+          <p:cNvPr id="26" name="Grupo 8">
+            <a:extLst>
+              <a:ext uri="{FF2B5EF4-FFF2-40B4-BE49-F238E27FC236}">
+                <a16:creationId xmlns:a16="http://schemas.microsoft.com/office/drawing/2014/main" xmlns="" id="{52B5AAD8-ACBB-4329-8510-CDA49D95118F}"/>
+              </a:ext>
+            </a:extLst>
+          </p:cNvPr>
+          <p:cNvGrpSpPr/>
+          <p:nvPr/>
+        </p:nvGrpSpPr>
+        <p:grpSpPr>
+          <a:xfrm>
+            <a:off x="4961339" y="2716696"/>
+            <a:ext cx="3201999" cy="2105131"/>
+            <a:chOff x="310204" y="223537"/>
+            <a:chExt cx="1881014" cy="372562"/>
+          </a:xfrm>
+        </p:grpSpPr>
+        <p:sp>
+          <p:nvSpPr>
+            <p:cNvPr id="27" name="Rectángulo: esquinas redondeadas 9">
+              <a:extLst>
+                <a:ext uri="{FF2B5EF4-FFF2-40B4-BE49-F238E27FC236}">
+                  <a16:creationId xmlns:a16="http://schemas.microsoft.com/office/drawing/2014/main" xmlns="" id="{E6201173-0918-409C-B562-00DF62B351D9}"/>
+                </a:ext>
+              </a:extLst>
+            </p:cNvPr>
+            <p:cNvSpPr/>
+            <p:nvPr/>
+          </p:nvSpPr>
+          <p:spPr>
+            <a:xfrm>
+              <a:off x="310204" y="223537"/>
+              <a:ext cx="1881014" cy="372562"/>
+            </a:xfrm>
+            <a:prstGeom prst="roundRect">
+              <a:avLst>
+                <a:gd name="adj" fmla="val 10000"/>
+              </a:avLst>
+            </a:prstGeom>
+            <a:solidFill>
+              <a:srgbClr val="C0DEED"/>
+            </a:solidFill>
+          </p:spPr>
+          <p:style>
+            <a:lnRef idx="2">
+              <a:schemeClr val="lt1">
+                <a:hueOff val="0"/>
+                <a:satOff val="0"/>
+                <a:lumOff val="0"/>
+                <a:alphaOff val="0"/>
+              </a:schemeClr>
+            </a:lnRef>
+            <a:fillRef idx="1">
+              <a:scrgbClr r="0" g="0" b="0"/>
+            </a:fillRef>
+            <a:effectRef idx="0">
+              <a:schemeClr val="accent1">
+                <a:hueOff val="0"/>
+                <a:satOff val="0"/>
+                <a:lumOff val="0"/>
+                <a:alphaOff val="0"/>
+              </a:schemeClr>
+            </a:effectRef>
+            <a:fontRef idx="minor">
+              <a:schemeClr val="lt1"/>
+            </a:fontRef>
+          </p:style>
+        </p:sp>
+        <p:sp>
+          <p:nvSpPr>
+            <p:cNvPr id="28" name="Rectángulo: esquinas redondeadas 4">
+              <a:extLst>
+                <a:ext uri="{FF2B5EF4-FFF2-40B4-BE49-F238E27FC236}">
+                  <a16:creationId xmlns:a16="http://schemas.microsoft.com/office/drawing/2014/main" xmlns="" id="{CEBDB7A9-2EAC-4DCD-98F1-1485419E89FF}"/>
+                </a:ext>
+              </a:extLst>
+            </p:cNvPr>
+            <p:cNvSpPr txBox="1"/>
+            <p:nvPr/>
+          </p:nvSpPr>
+          <p:spPr>
+            <a:xfrm>
+              <a:off x="321116" y="234449"/>
+              <a:ext cx="1859190" cy="350738"/>
+            </a:xfrm>
+            <a:prstGeom prst="rect">
+              <a:avLst/>
+            </a:prstGeom>
+          </p:spPr>
+          <p:style>
+            <a:lnRef idx="0">
+              <a:scrgbClr r="0" g="0" b="0"/>
+            </a:lnRef>
+            <a:fillRef idx="0">
+              <a:scrgbClr r="0" g="0" b="0"/>
+            </a:fillRef>
+            <a:effectRef idx="0">
+              <a:scrgbClr r="0" g="0" b="0"/>
+            </a:effectRef>
+            <a:fontRef idx="minor">
+              <a:schemeClr val="lt1"/>
+            </a:fontRef>
+          </p:style>
+          <p:txBody>
+            <a:bodyPr spcFirstLastPara="0" vert="horz" wrap="square" lIns="60960" tIns="60960" rIns="60960" bIns="60960" numCol="1" spcCol="1270" anchor="ctr" anchorCtr="0">
+              <a:noAutofit/>
+            </a:bodyPr>
+            <a:lstStyle/>
+            <a:p>
+              <a:pPr marL="0" lvl="0" indent="0" algn="ctr" defTabSz="711200">
+                <a:lnSpc>
+                  <a:spcPct val="90000"/>
+                </a:lnSpc>
+                <a:spcBef>
+                  <a:spcPct val="0"/>
+                </a:spcBef>
+                <a:spcAft>
+                  <a:spcPct val="35000"/>
+                </a:spcAft>
+                <a:buNone/>
+              </a:pPr>
+              <a:r>
+                <a:rPr lang="es-ES" sz="1600" u="sng" dirty="0" smtClean="0">
+                  <a:solidFill>
+                    <a:schemeClr val="tx1"/>
+                  </a:solidFill>
+                  <a:latin typeface="Candara" panose="020E0502030303020204" pitchFamily="34" charset="0"/>
+                </a:rPr>
+                <a:t>Variables</a:t>
+              </a:r>
+              <a:r>
+                <a:rPr lang="es-ES" sz="1600" b="1" dirty="0" smtClean="0">
+                  <a:solidFill>
+                    <a:schemeClr val="tx1"/>
+                  </a:solidFill>
+                  <a:latin typeface="Candara" panose="020E0502030303020204" pitchFamily="34" charset="0"/>
+                </a:rPr>
+                <a:t> (6)</a:t>
+              </a:r>
+            </a:p>
+            <a:p>
+              <a:pPr marL="285750" lvl="0" indent="-285750" defTabSz="711200">
+                <a:lnSpc>
+                  <a:spcPct val="90000"/>
+                </a:lnSpc>
+                <a:spcBef>
+                  <a:spcPct val="0"/>
+                </a:spcBef>
+                <a:spcAft>
+                  <a:spcPct val="35000"/>
+                </a:spcAft>
+                <a:buFont typeface="Arial" charset="0"/>
+                <a:buChar char="•"/>
+              </a:pPr>
+              <a:r>
+                <a:rPr lang="es-ES" sz="1600" b="1" dirty="0" smtClean="0">
+                  <a:solidFill>
+                    <a:schemeClr val="tx1"/>
+                  </a:solidFill>
+                  <a:latin typeface="Candara" panose="020E0502030303020204" pitchFamily="34" charset="0"/>
+                </a:rPr>
+                <a:t>Mean</a:t>
+              </a:r>
+              <a:r>
+                <a:rPr lang="es-ES" sz="1600" dirty="0" smtClean="0">
+                  <a:solidFill>
+                    <a:schemeClr val="tx1"/>
+                  </a:solidFill>
+                  <a:latin typeface="Candara" panose="020E0502030303020204" pitchFamily="34" charset="0"/>
+                </a:rPr>
+                <a:t> and </a:t>
+              </a:r>
+              <a:r>
+                <a:rPr lang="es-ES" sz="1600" b="1" dirty="0" smtClean="0">
+                  <a:solidFill>
+                    <a:schemeClr val="tx1"/>
+                  </a:solidFill>
+                  <a:latin typeface="Candara" panose="020E0502030303020204" pitchFamily="34" charset="0"/>
+                </a:rPr>
+                <a:t>standard </a:t>
+              </a:r>
+              <a:r>
+                <a:rPr lang="es-ES" sz="1600" b="1" dirty="0" err="1" smtClean="0">
+                  <a:solidFill>
+                    <a:schemeClr val="tx1"/>
+                  </a:solidFill>
+                  <a:latin typeface="Candara" panose="020E0502030303020204" pitchFamily="34" charset="0"/>
+                </a:rPr>
+                <a:t>deviation</a:t>
+              </a:r>
+              <a:r>
+                <a:rPr lang="es-ES" sz="1600" b="1" dirty="0" smtClean="0">
+                  <a:solidFill>
+                    <a:schemeClr val="tx1"/>
+                  </a:solidFill>
+                  <a:latin typeface="Candara" panose="020E0502030303020204" pitchFamily="34" charset="0"/>
+                </a:rPr>
+                <a:t> </a:t>
+              </a:r>
+              <a:r>
+                <a:rPr lang="es-ES" sz="1600" dirty="0" smtClean="0">
+                  <a:solidFill>
+                    <a:schemeClr val="tx1"/>
+                  </a:solidFill>
+                  <a:latin typeface="Candara" panose="020E0502030303020204" pitchFamily="34" charset="0"/>
+                </a:rPr>
+                <a:t>of </a:t>
+              </a:r>
+              <a:r>
+                <a:rPr lang="es-ES" sz="1600" dirty="0" err="1" smtClean="0">
+                  <a:solidFill>
+                    <a:schemeClr val="tx1"/>
+                  </a:solidFill>
+                  <a:latin typeface="Candara" panose="020E0502030303020204" pitchFamily="34" charset="0"/>
+                </a:rPr>
+                <a:t>the</a:t>
+              </a:r>
+              <a:r>
+                <a:rPr lang="es-ES" sz="1600" dirty="0" smtClean="0">
+                  <a:solidFill>
+                    <a:schemeClr val="tx1"/>
+                  </a:solidFill>
+                  <a:latin typeface="Candara" panose="020E0502030303020204" pitchFamily="34" charset="0"/>
+                </a:rPr>
+                <a:t> </a:t>
+              </a:r>
+              <a:r>
+                <a:rPr lang="es-ES" sz="1600" dirty="0" err="1" smtClean="0">
+                  <a:solidFill>
+                    <a:schemeClr val="tx1"/>
+                  </a:solidFill>
+                  <a:latin typeface="Candara" panose="020E0502030303020204" pitchFamily="34" charset="0"/>
+                </a:rPr>
+                <a:t>last</a:t>
+              </a:r>
+              <a:r>
+                <a:rPr lang="es-ES" sz="1600" dirty="0" smtClean="0">
+                  <a:solidFill>
+                    <a:schemeClr val="tx1"/>
+                  </a:solidFill>
+                  <a:latin typeface="Candara" panose="020E0502030303020204" pitchFamily="34" charset="0"/>
+                </a:rPr>
+                <a:t> 10 tweets (</a:t>
+              </a:r>
+              <a:r>
+                <a:rPr lang="es-ES" sz="1600" dirty="0" err="1" smtClean="0">
+                  <a:solidFill>
+                    <a:schemeClr val="tx1"/>
+                  </a:solidFill>
+                  <a:latin typeface="Candara" panose="020E0502030303020204" pitchFamily="34" charset="0"/>
+                </a:rPr>
+                <a:t>for</a:t>
+              </a:r>
+              <a:r>
+                <a:rPr lang="es-ES" sz="1600" dirty="0" smtClean="0">
+                  <a:solidFill>
+                    <a:schemeClr val="tx1"/>
+                  </a:solidFill>
+                  <a:latin typeface="Candara" panose="020E0502030303020204" pitchFamily="34" charset="0"/>
+                </a:rPr>
+                <a:t> </a:t>
+              </a:r>
+              <a:r>
+                <a:rPr lang="es-ES" sz="1600" dirty="0" err="1" smtClean="0">
+                  <a:solidFill>
+                    <a:schemeClr val="tx1"/>
+                  </a:solidFill>
+                  <a:latin typeface="Candara" panose="020E0502030303020204" pitchFamily="34" charset="0"/>
+                </a:rPr>
+                <a:t>likes</a:t>
+              </a:r>
+              <a:r>
+                <a:rPr lang="es-ES" sz="1600" dirty="0" smtClean="0">
+                  <a:solidFill>
+                    <a:schemeClr val="tx1"/>
+                  </a:solidFill>
+                  <a:latin typeface="Candara" panose="020E0502030303020204" pitchFamily="34" charset="0"/>
+                </a:rPr>
+                <a:t> and </a:t>
+              </a:r>
+              <a:r>
+                <a:rPr lang="es-ES" sz="1600" dirty="0" err="1" smtClean="0">
+                  <a:solidFill>
+                    <a:schemeClr val="tx1"/>
+                  </a:solidFill>
+                  <a:latin typeface="Candara" panose="020E0502030303020204" pitchFamily="34" charset="0"/>
+                </a:rPr>
+                <a:t>retweets</a:t>
+              </a:r>
+              <a:r>
+                <a:rPr lang="es-ES" sz="1600" dirty="0" smtClean="0">
+                  <a:solidFill>
+                    <a:schemeClr val="tx1"/>
+                  </a:solidFill>
+                  <a:latin typeface="Candara" panose="020E0502030303020204" pitchFamily="34" charset="0"/>
+                </a:rPr>
+                <a:t>)</a:t>
+              </a:r>
+            </a:p>
+            <a:p>
+              <a:pPr marL="285750" lvl="0" indent="-285750" defTabSz="711200">
+                <a:lnSpc>
+                  <a:spcPct val="90000"/>
+                </a:lnSpc>
+                <a:spcBef>
+                  <a:spcPct val="0"/>
+                </a:spcBef>
+                <a:spcAft>
+                  <a:spcPct val="35000"/>
+                </a:spcAft>
+                <a:buFont typeface="Arial" charset="0"/>
+                <a:buChar char="•"/>
+              </a:pPr>
+              <a:r>
+                <a:rPr lang="es-ES" sz="1600" dirty="0" err="1" smtClean="0">
+                  <a:solidFill>
+                    <a:schemeClr val="tx1"/>
+                  </a:solidFill>
+                  <a:latin typeface="Candara" panose="020E0502030303020204" pitchFamily="34" charset="0"/>
+                </a:rPr>
+                <a:t>Number</a:t>
+              </a:r>
+              <a:r>
+                <a:rPr lang="es-ES" sz="1600" dirty="0" smtClean="0">
+                  <a:solidFill>
+                    <a:schemeClr val="tx1"/>
+                  </a:solidFill>
+                  <a:latin typeface="Candara" panose="020E0502030303020204" pitchFamily="34" charset="0"/>
+                </a:rPr>
+                <a:t> of </a:t>
+              </a:r>
+              <a:r>
+                <a:rPr lang="es-ES" sz="1600" b="1" dirty="0" err="1" smtClean="0">
+                  <a:solidFill>
+                    <a:schemeClr val="tx1"/>
+                  </a:solidFill>
+                  <a:latin typeface="Candara" panose="020E0502030303020204" pitchFamily="34" charset="0"/>
+                </a:rPr>
+                <a:t>friends</a:t>
+              </a:r>
+              <a:r>
+                <a:rPr lang="es-ES" sz="1600" dirty="0" smtClean="0">
+                  <a:solidFill>
+                    <a:schemeClr val="tx1"/>
+                  </a:solidFill>
+                  <a:latin typeface="Candara" panose="020E0502030303020204" pitchFamily="34" charset="0"/>
+                </a:rPr>
+                <a:t> </a:t>
+              </a:r>
+            </a:p>
+            <a:p>
+              <a:pPr marL="285750" lvl="0" indent="-285750" defTabSz="711200">
+                <a:lnSpc>
+                  <a:spcPct val="90000"/>
+                </a:lnSpc>
+                <a:spcBef>
+                  <a:spcPct val="0"/>
+                </a:spcBef>
+                <a:spcAft>
+                  <a:spcPct val="35000"/>
+                </a:spcAft>
+                <a:buFont typeface="Arial" charset="0"/>
+                <a:buChar char="•"/>
+              </a:pPr>
+              <a:r>
+                <a:rPr lang="es-ES" sz="1600" dirty="0" err="1" smtClean="0">
+                  <a:solidFill>
+                    <a:schemeClr val="tx1"/>
+                  </a:solidFill>
+                  <a:latin typeface="Candara" panose="020E0502030303020204" pitchFamily="34" charset="0"/>
+                </a:rPr>
+                <a:t>Number</a:t>
+              </a:r>
+              <a:r>
+                <a:rPr lang="es-ES" sz="1600" dirty="0" smtClean="0">
+                  <a:solidFill>
+                    <a:schemeClr val="tx1"/>
+                  </a:solidFill>
+                  <a:latin typeface="Candara" panose="020E0502030303020204" pitchFamily="34" charset="0"/>
+                </a:rPr>
+                <a:t> of </a:t>
+              </a:r>
+              <a:r>
+                <a:rPr lang="es-ES" sz="1600" b="1" dirty="0" err="1" smtClean="0">
+                  <a:solidFill>
+                    <a:schemeClr val="tx1"/>
+                  </a:solidFill>
+                  <a:latin typeface="Candara" panose="020E0502030303020204" pitchFamily="34" charset="0"/>
+                </a:rPr>
+                <a:t>followers</a:t>
+              </a:r>
+              <a:r>
+                <a:rPr lang="es-ES" sz="1600" dirty="0" smtClean="0">
+                  <a:solidFill>
+                    <a:schemeClr val="tx1"/>
+                  </a:solidFill>
+                  <a:latin typeface="Candara" panose="020E0502030303020204" pitchFamily="34" charset="0"/>
+                </a:rPr>
+                <a:t> </a:t>
+              </a:r>
+              <a:endParaRPr lang="en-GB" sz="1600" kern="1200" dirty="0">
+                <a:solidFill>
+                  <a:schemeClr val="tx1"/>
+                </a:solidFill>
+                <a:latin typeface="Candara" panose="020E0502030303020204" pitchFamily="34" charset="0"/>
+              </a:endParaRPr>
+            </a:p>
+          </p:txBody>
+        </p:sp>
+      </p:grpSp>
+      <p:sp>
+        <p:nvSpPr>
+          <p:cNvPr id="31" name="Conector recto 4"/>
+          <p:cNvSpPr/>
+          <p:nvPr/>
+        </p:nvSpPr>
+        <p:spPr>
+          <a:xfrm rot="21090" flipH="1" flipV="1">
+            <a:off x="5066029" y="3722167"/>
+            <a:ext cx="2286" cy="45719"/>
+          </a:xfrm>
+          <a:prstGeom prst="rect">
+            <a:avLst/>
+          </a:prstGeom>
+        </p:spPr>
+        <p:style>
+          <a:lnRef idx="0">
+            <a:scrgbClr r="0" g="0" b="0"/>
+          </a:lnRef>
+          <a:fillRef idx="0">
+            <a:scrgbClr r="0" g="0" b="0"/>
+          </a:fillRef>
+          <a:effectRef idx="0">
+            <a:scrgbClr r="0" g="0" b="0"/>
+          </a:effectRef>
+          <a:fontRef idx="minor">
+            <a:schemeClr val="tx1">
+              <a:hueOff val="0"/>
+              <a:satOff val="0"/>
+              <a:lumOff val="0"/>
+              <a:alphaOff val="0"/>
+            </a:schemeClr>
+          </a:fontRef>
+        </p:style>
+        <p:txBody>
+          <a:bodyPr spcFirstLastPara="0" vert="horz" wrap="square" lIns="12700" tIns="0" rIns="12700" bIns="0" numCol="1" spcCol="1270" anchor="ctr" anchorCtr="0">
+            <a:noAutofit/>
+          </a:bodyPr>
+          <a:lstStyle/>
+          <a:p>
+            <a:pPr lvl="0" algn="ctr" defTabSz="266700">
+              <a:lnSpc>
+                <a:spcPct val="90000"/>
+              </a:lnSpc>
+              <a:spcBef>
+                <a:spcPct val="0"/>
+              </a:spcBef>
+              <a:spcAft>
+                <a:spcPct val="35000"/>
+              </a:spcAft>
+            </a:pPr>
+            <a:endParaRPr lang="en-GB" sz="600" kern="1200"/>
+          </a:p>
+        </p:txBody>
+      </p:sp>
+      <p:cxnSp>
+        <p:nvCxnSpPr>
+          <p:cNvPr id="32" name="Conector recto 31"/>
+          <p:cNvCxnSpPr>
+            <a:stCxn id="10" idx="3"/>
+          </p:cNvCxnSpPr>
+          <p:nvPr/>
+        </p:nvCxnSpPr>
+        <p:spPr>
+          <a:xfrm flipV="1">
+            <a:off x="4214192" y="3485981"/>
+            <a:ext cx="755373" cy="1981"/>
+          </a:xfrm>
+          <a:prstGeom prst="line">
+            <a:avLst/>
+          </a:prstGeom>
+          <a:ln w="50800"/>
+        </p:spPr>
+        <p:style>
+          <a:lnRef idx="1">
+            <a:schemeClr val="accent1"/>
+          </a:lnRef>
+          <a:fillRef idx="0">
+            <a:schemeClr val="accent1"/>
+          </a:fillRef>
+          <a:effectRef idx="0">
+            <a:schemeClr val="accent1"/>
+          </a:effectRef>
+          <a:fontRef idx="minor">
+            <a:schemeClr val="tx1"/>
+          </a:fontRef>
+        </p:style>
+      </p:cxnSp>
+      <p:grpSp>
+        <p:nvGrpSpPr>
+          <p:cNvPr id="34" name="Grupo 8">
+            <a:extLst>
+              <a:ext uri="{FF2B5EF4-FFF2-40B4-BE49-F238E27FC236}">
+                <a16:creationId xmlns:a16="http://schemas.microsoft.com/office/drawing/2014/main" xmlns="" id="{52B5AAD8-ACBB-4329-8510-CDA49D95118F}"/>
+              </a:ext>
+            </a:extLst>
+          </p:cNvPr>
+          <p:cNvGrpSpPr/>
+          <p:nvPr/>
+        </p:nvGrpSpPr>
+        <p:grpSpPr>
+          <a:xfrm>
+            <a:off x="4961338" y="5249255"/>
+            <a:ext cx="3201999" cy="1088600"/>
+            <a:chOff x="310204" y="223537"/>
+            <a:chExt cx="1881014" cy="372562"/>
+          </a:xfrm>
+        </p:grpSpPr>
+        <p:sp>
+          <p:nvSpPr>
+            <p:cNvPr id="35" name="Rectángulo: esquinas redondeadas 9">
+              <a:extLst>
+                <a:ext uri="{FF2B5EF4-FFF2-40B4-BE49-F238E27FC236}">
+                  <a16:creationId xmlns:a16="http://schemas.microsoft.com/office/drawing/2014/main" xmlns="" id="{E6201173-0918-409C-B562-00DF62B351D9}"/>
+                </a:ext>
+              </a:extLst>
+            </p:cNvPr>
+            <p:cNvSpPr/>
+            <p:nvPr/>
+          </p:nvSpPr>
+          <p:spPr>
+            <a:xfrm>
+              <a:off x="310204" y="223537"/>
+              <a:ext cx="1881014" cy="372562"/>
+            </a:xfrm>
+            <a:prstGeom prst="roundRect">
+              <a:avLst>
+                <a:gd name="adj" fmla="val 10000"/>
+              </a:avLst>
+            </a:prstGeom>
+            <a:solidFill>
+              <a:srgbClr val="C0DEED"/>
+            </a:solidFill>
+          </p:spPr>
+          <p:style>
+            <a:lnRef idx="2">
+              <a:schemeClr val="lt1">
+                <a:hueOff val="0"/>
+                <a:satOff val="0"/>
+                <a:lumOff val="0"/>
+                <a:alphaOff val="0"/>
+              </a:schemeClr>
+            </a:lnRef>
+            <a:fillRef idx="1">
+              <a:scrgbClr r="0" g="0" b="0"/>
+            </a:fillRef>
+            <a:effectRef idx="0">
+              <a:schemeClr val="accent1">
+                <a:hueOff val="0"/>
+                <a:satOff val="0"/>
+                <a:lumOff val="0"/>
+                <a:alphaOff val="0"/>
+              </a:schemeClr>
+            </a:effectRef>
+            <a:fontRef idx="minor">
+              <a:schemeClr val="lt1"/>
+            </a:fontRef>
+          </p:style>
+        </p:sp>
+        <p:sp>
+          <p:nvSpPr>
+            <p:cNvPr id="36" name="Rectángulo: esquinas redondeadas 4">
+              <a:extLst>
+                <a:ext uri="{FF2B5EF4-FFF2-40B4-BE49-F238E27FC236}">
+                  <a16:creationId xmlns:a16="http://schemas.microsoft.com/office/drawing/2014/main" xmlns="" id="{CEBDB7A9-2EAC-4DCD-98F1-1485419E89FF}"/>
+                </a:ext>
+              </a:extLst>
+            </p:cNvPr>
+            <p:cNvSpPr txBox="1"/>
+            <p:nvPr/>
+          </p:nvSpPr>
+          <p:spPr>
+            <a:xfrm>
+              <a:off x="321116" y="234449"/>
+              <a:ext cx="1859190" cy="350738"/>
+            </a:xfrm>
+            <a:prstGeom prst="rect">
+              <a:avLst/>
+            </a:prstGeom>
+          </p:spPr>
+          <p:style>
+            <a:lnRef idx="0">
+              <a:scrgbClr r="0" g="0" b="0"/>
+            </a:lnRef>
+            <a:fillRef idx="0">
+              <a:scrgbClr r="0" g="0" b="0"/>
+            </a:fillRef>
+            <a:effectRef idx="0">
+              <a:scrgbClr r="0" g="0" b="0"/>
+            </a:effectRef>
+            <a:fontRef idx="minor">
+              <a:schemeClr val="lt1"/>
+            </a:fontRef>
+          </p:style>
+          <p:txBody>
+            <a:bodyPr spcFirstLastPara="0" vert="horz" wrap="square" lIns="60960" tIns="60960" rIns="60960" bIns="60960" numCol="1" spcCol="1270" anchor="ctr" anchorCtr="0">
+              <a:noAutofit/>
+            </a:bodyPr>
+            <a:lstStyle/>
+            <a:p>
+              <a:pPr marL="0" lvl="0" indent="0" algn="ctr" defTabSz="711200">
+                <a:lnSpc>
+                  <a:spcPct val="90000"/>
+                </a:lnSpc>
+                <a:spcBef>
+                  <a:spcPct val="0"/>
+                </a:spcBef>
+                <a:spcAft>
+                  <a:spcPct val="35000"/>
+                </a:spcAft>
+                <a:buNone/>
+              </a:pPr>
+              <a:r>
+                <a:rPr lang="es-ES" sz="1600" u="sng" dirty="0" smtClean="0">
+                  <a:solidFill>
+                    <a:schemeClr val="tx1"/>
+                  </a:solidFill>
+                  <a:latin typeface="Candara" panose="020E0502030303020204" pitchFamily="34" charset="0"/>
+                </a:rPr>
+                <a:t>Variables</a:t>
+              </a:r>
+              <a:r>
+                <a:rPr lang="es-ES" sz="1600" b="1" dirty="0" smtClean="0">
+                  <a:solidFill>
+                    <a:schemeClr val="tx1"/>
+                  </a:solidFill>
+                  <a:latin typeface="Candara" panose="020E0502030303020204" pitchFamily="34" charset="0"/>
+                </a:rPr>
+                <a:t> (1)</a:t>
+              </a:r>
+            </a:p>
+            <a:p>
+              <a:pPr marL="285750" lvl="0" indent="-285750" defTabSz="711200">
+                <a:lnSpc>
+                  <a:spcPct val="90000"/>
+                </a:lnSpc>
+                <a:spcBef>
+                  <a:spcPct val="0"/>
+                </a:spcBef>
+                <a:spcAft>
+                  <a:spcPct val="35000"/>
+                </a:spcAft>
+                <a:buFont typeface="Arial" charset="0"/>
+                <a:buChar char="•"/>
+              </a:pPr>
+              <a:r>
+                <a:rPr lang="es-ES" sz="1600" b="1" dirty="0" smtClean="0">
+                  <a:solidFill>
+                    <a:schemeClr val="tx1"/>
+                  </a:solidFill>
+                  <a:latin typeface="Candara" panose="020E0502030303020204" pitchFamily="34" charset="0"/>
+                </a:rPr>
+                <a:t>Text</a:t>
+              </a:r>
+              <a:endParaRPr lang="en-GB" sz="1600" kern="1200" dirty="0">
+                <a:solidFill>
+                  <a:schemeClr val="tx1"/>
+                </a:solidFill>
+                <a:latin typeface="Candara" panose="020E0502030303020204" pitchFamily="34" charset="0"/>
+              </a:endParaRPr>
+            </a:p>
+          </p:txBody>
+        </p:sp>
+      </p:grpSp>
+      <p:cxnSp>
+        <p:nvCxnSpPr>
+          <p:cNvPr id="37" name="Conector recto 36"/>
+          <p:cNvCxnSpPr/>
+          <p:nvPr/>
+        </p:nvCxnSpPr>
+        <p:spPr>
+          <a:xfrm flipV="1">
+            <a:off x="4231230" y="5921710"/>
+            <a:ext cx="755373" cy="1981"/>
+          </a:xfrm>
+          <a:prstGeom prst="line">
+            <a:avLst/>
+          </a:prstGeom>
+          <a:ln w="50800"/>
+        </p:spPr>
+        <p:style>
+          <a:lnRef idx="1">
+            <a:schemeClr val="accent1"/>
+          </a:lnRef>
+          <a:fillRef idx="0">
+            <a:schemeClr val="accent1"/>
+          </a:fillRef>
+          <a:effectRef idx="0">
+            <a:schemeClr val="accent1"/>
+          </a:effectRef>
+          <a:fontRef idx="minor">
+            <a:schemeClr val="tx1"/>
+          </a:fontRef>
+        </p:style>
+      </p:cxnSp>
     </p:spTree>
     <p:extLst>
       <p:ext uri="{BB962C8B-B14F-4D97-AF65-F5344CB8AC3E}">
@@ -23193,7 +24759,7 @@
 </p:sld>
 </file>
 
-<file path=ppt/slides/slide9.xml><?xml version="1.0" encoding="utf-8"?>
+<file path=ppt/slides/slide8.xml><?xml version="1.0" encoding="utf-8"?>
 <p:sld xmlns:a="http://schemas.openxmlformats.org/drawingml/2006/main" xmlns:r="http://schemas.openxmlformats.org/officeDocument/2006/relationships" xmlns:p="http://schemas.openxmlformats.org/presentationml/2006/main">
   <p:cSld>
     <p:spTree>
@@ -23215,7 +24781,7 @@
           <p:cNvPr id="5" name="Título 1">
             <a:extLst>
               <a:ext uri="{FF2B5EF4-FFF2-40B4-BE49-F238E27FC236}">
-                <a16:creationId xmlns:a16="http://schemas.microsoft.com/office/drawing/2014/main" id="{916AAFAB-76A2-477A-B044-DC2FFD00340C}"/>
+                <a16:creationId xmlns:a16="http://schemas.microsoft.com/office/drawing/2014/main" xmlns="" id="{916AAFAB-76A2-477A-B044-DC2FFD00340C}"/>
               </a:ext>
             </a:extLst>
           </p:cNvPr>
@@ -23291,7 +24857,7 @@
           <p:cNvPr id="6" name="CuadroTexto 5">
             <a:extLst>
               <a:ext uri="{FF2B5EF4-FFF2-40B4-BE49-F238E27FC236}">
-                <a16:creationId xmlns:a16="http://schemas.microsoft.com/office/drawing/2014/main" id="{95C4CB89-681E-42B4-AF1D-DE1B4385F53F}"/>
+                <a16:creationId xmlns:a16="http://schemas.microsoft.com/office/drawing/2014/main" xmlns="" id="{95C4CB89-681E-42B4-AF1D-DE1B4385F53F}"/>
               </a:ext>
             </a:extLst>
           </p:cNvPr>
@@ -23301,7 +24867,7 @@
         <p:spPr>
           <a:xfrm>
             <a:off x="1152029" y="2931207"/>
-            <a:ext cx="6560736" cy="1000274"/>
+            <a:ext cx="6136668" cy="1000274"/>
           </a:xfrm>
           <a:prstGeom prst="rect">
             <a:avLst/>
@@ -23341,7 +24907,7 @@
           <p:cNvPr id="7" name="CuadroTexto 6">
             <a:extLst>
               <a:ext uri="{FF2B5EF4-FFF2-40B4-BE49-F238E27FC236}">
-                <a16:creationId xmlns:a16="http://schemas.microsoft.com/office/drawing/2014/main" id="{97817A8C-D431-4B61-8B4E-5E40472BDA69}"/>
+                <a16:creationId xmlns:a16="http://schemas.microsoft.com/office/drawing/2014/main" xmlns="" id="{97817A8C-D431-4B61-8B4E-5E40472BDA69}"/>
               </a:ext>
             </a:extLst>
           </p:cNvPr>
@@ -23350,8 +24916,8 @@
         </p:nvSpPr>
         <p:spPr>
           <a:xfrm>
-            <a:off x="1152028" y="3891989"/>
-            <a:ext cx="6560735" cy="1000274"/>
+            <a:off x="1152029" y="3706461"/>
+            <a:ext cx="6136668" cy="1308050"/>
           </a:xfrm>
           <a:prstGeom prst="rect">
             <a:avLst/>
@@ -23375,13 +24941,74 @@
               <a:t>The intervals in which we </a:t>
             </a:r>
             <a:r>
-              <a:rPr lang="en-US" sz="2000" dirty="0" err="1"/>
-              <a:t>separe</a:t>
+              <a:rPr lang="en-US" sz="2000" dirty="0" smtClean="0"/>
+              <a:t>separate </a:t>
             </a:r>
             <a:r>
               <a:rPr lang="en-US" sz="2000" dirty="0"/>
-              <a:t> the population are, and why:</a:t>
+              <a:t>the population </a:t>
             </a:r>
+            <a:r>
+              <a:rPr lang="en-US" sz="2000" dirty="0" smtClean="0"/>
+              <a:t>are:</a:t>
+            </a:r>
+          </a:p>
+          <a:p>
+            <a:pPr marL="800100" lvl="1" indent="-342900">
+              <a:buFont typeface="Wingdings" charset="2"/>
+              <a:buChar char="§"/>
+            </a:pPr>
+            <a:r>
+              <a:rPr lang="en-US" sz="2000" dirty="0" smtClean="0"/>
+              <a:t>Likes     : [0,15), [15,50] and (50,∞)</a:t>
+            </a:r>
+          </a:p>
+          <a:p>
+            <a:pPr marL="800100" lvl="1" indent="-342900">
+              <a:buFont typeface="Wingdings" charset="2"/>
+              <a:buChar char="§"/>
+            </a:pPr>
+            <a:r>
+              <a:rPr lang="en-US" sz="2000" dirty="0" smtClean="0"/>
+              <a:t>Retweets      </a:t>
+            </a:r>
+            <a:r>
+              <a:rPr lang="en-US" sz="2000" dirty="0" smtClean="0"/>
+              <a:t>: </a:t>
+            </a:r>
+            <a:r>
+              <a:rPr lang="en-US" sz="2000" dirty="0"/>
+              <a:t>[</a:t>
+            </a:r>
+            <a:r>
+              <a:rPr lang="en-US" sz="2000" dirty="0" smtClean="0"/>
+              <a:t>0,5</a:t>
+            </a:r>
+            <a:r>
+              <a:rPr lang="en-US" sz="2000" dirty="0"/>
+              <a:t>), </a:t>
+            </a:r>
+            <a:r>
+              <a:rPr lang="en-US" sz="2000" dirty="0" smtClean="0"/>
+              <a:t>[5,25] </a:t>
+            </a:r>
+            <a:r>
+              <a:rPr lang="en-US" sz="2000" dirty="0"/>
+              <a:t>and </a:t>
+            </a:r>
+            <a:r>
+              <a:rPr lang="en-US" sz="2000" dirty="0" smtClean="0"/>
+              <a:t>(25,</a:t>
+            </a:r>
+            <a:r>
+              <a:rPr lang="en-US" sz="2000" dirty="0"/>
+              <a:t>∞</a:t>
+            </a:r>
+            <a:r>
+              <a:rPr lang="en-US" sz="2000" dirty="0" smtClean="0"/>
+              <a:t>)</a:t>
+            </a:r>
+            <a:endParaRPr lang="en-US" sz="2000" dirty="0"/>
           </a:p>
           <a:p>
             <a:pPr marL="285750" indent="-285750">
@@ -23399,7 +25026,7 @@
           <p:cNvPr id="8" name="CuadroTexto 7">
             <a:extLst>
               <a:ext uri="{FF2B5EF4-FFF2-40B4-BE49-F238E27FC236}">
-                <a16:creationId xmlns:a16="http://schemas.microsoft.com/office/drawing/2014/main" id="{44635A10-BFA4-4C1A-B826-853BD4EB8CC8}"/>
+                <a16:creationId xmlns:a16="http://schemas.microsoft.com/office/drawing/2014/main" xmlns="" id="{44635A10-BFA4-4C1A-B826-853BD4EB8CC8}"/>
               </a:ext>
             </a:extLst>
           </p:cNvPr>
@@ -23408,8 +25035,8 @@
         </p:nvSpPr>
         <p:spPr>
           <a:xfrm>
-            <a:off x="1152029" y="4852771"/>
-            <a:ext cx="6560734" cy="400110"/>
+            <a:off x="1152028" y="4799763"/>
+            <a:ext cx="7382371" cy="1015663"/>
           </a:xfrm>
           <a:prstGeom prst="rect">
             <a:avLst/>
@@ -23430,8 +25057,33 @@
             </a:pPr>
             <a:r>
               <a:rPr lang="en-US" sz="2000" dirty="0"/>
-              <a:t>The model that we use to predict are:</a:t>
+              <a:t>The model that we use to predict are</a:t>
             </a:r>
+            <a:r>
+              <a:rPr lang="en-US" sz="2000" dirty="0" smtClean="0"/>
+              <a:t>:</a:t>
+            </a:r>
+          </a:p>
+          <a:p>
+            <a:pPr marL="800100" lvl="1" indent="-342900">
+              <a:buFont typeface="Wingdings" charset="2"/>
+              <a:buChar char="§"/>
+            </a:pPr>
+            <a:r>
+              <a:rPr lang="en-US" sz="2000" dirty="0" smtClean="0"/>
+              <a:t>Likes    : Logistic Regression</a:t>
+            </a:r>
+          </a:p>
+          <a:p>
+            <a:pPr marL="800100" lvl="1" indent="-342900">
+              <a:buFont typeface="Wingdings" charset="2"/>
+              <a:buChar char="§"/>
+            </a:pPr>
+            <a:r>
+              <a:rPr lang="en-US" sz="2000" dirty="0" smtClean="0"/>
+              <a:t>Retweets      : Logistic Regression</a:t>
+            </a:r>
+            <a:endParaRPr lang="en-US" sz="2000" dirty="0"/>
           </a:p>
         </p:txBody>
       </p:sp>
@@ -23440,7 +25092,7 @@
           <p:cNvPr id="9" name="Grupo 8">
             <a:extLst>
               <a:ext uri="{FF2B5EF4-FFF2-40B4-BE49-F238E27FC236}">
-                <a16:creationId xmlns:a16="http://schemas.microsoft.com/office/drawing/2014/main" id="{46C0D869-0351-410D-9CFA-98FDC78451C1}"/>
+                <a16:creationId xmlns:a16="http://schemas.microsoft.com/office/drawing/2014/main" xmlns="" id="{46C0D869-0351-410D-9CFA-98FDC78451C1}"/>
               </a:ext>
             </a:extLst>
           </p:cNvPr>
@@ -23460,7 +25112,7 @@
             <p:cNvPr id="10" name="Rectángulo: esquinas redondeadas 9">
               <a:extLst>
                 <a:ext uri="{FF2B5EF4-FFF2-40B4-BE49-F238E27FC236}">
-                  <a16:creationId xmlns:a16="http://schemas.microsoft.com/office/drawing/2014/main" id="{68F801A9-2473-4773-AE2C-337B6C165E9C}"/>
+                  <a16:creationId xmlns:a16="http://schemas.microsoft.com/office/drawing/2014/main" xmlns="" id="{68F801A9-2473-4773-AE2C-337B6C165E9C}"/>
                 </a:ext>
               </a:extLst>
             </p:cNvPr>
@@ -23511,7 +25163,7 @@
             <p:cNvPr id="11" name="Rectángulo: esquinas redondeadas 4">
               <a:extLst>
                 <a:ext uri="{FF2B5EF4-FFF2-40B4-BE49-F238E27FC236}">
-                  <a16:creationId xmlns:a16="http://schemas.microsoft.com/office/drawing/2014/main" id="{A13F1B03-1100-422F-BA10-E0CAB4D83330}"/>
+                  <a16:creationId xmlns:a16="http://schemas.microsoft.com/office/drawing/2014/main" xmlns="" id="{A13F1B03-1100-422F-BA10-E0CAB4D83330}"/>
                 </a:ext>
               </a:extLst>
             </p:cNvPr>
@@ -23578,10 +25230,887 @@
           </p:txBody>
         </p:sp>
       </p:grpSp>
+      <p:pic>
+        <p:nvPicPr>
+          <p:cNvPr id="2" name="Imagen 1"/>
+          <p:cNvPicPr>
+            <a:picLocks noChangeAspect="1"/>
+          </p:cNvPicPr>
+          <p:nvPr/>
+        </p:nvPicPr>
+        <p:blipFill>
+          <a:blip r:embed="rId2">
+            <a:extLst>
+              <a:ext uri="{28A0092B-C50C-407E-A947-70E740481C1C}">
+                <a14:useLocalDpi xmlns:a14="http://schemas.microsoft.com/office/drawing/2010/main" val="0"/>
+              </a:ext>
+            </a:extLst>
+          </a:blip>
+          <a:stretch>
+            <a:fillRect/>
+          </a:stretch>
+        </p:blipFill>
+        <p:spPr>
+          <a:xfrm flipH="1">
+            <a:off x="2587093" y="4134920"/>
+            <a:ext cx="197486" cy="183600"/>
+          </a:xfrm>
+          <a:prstGeom prst="rect">
+            <a:avLst/>
+          </a:prstGeom>
+        </p:spPr>
+      </p:pic>
+      <p:pic>
+        <p:nvPicPr>
+          <p:cNvPr id="3" name="Imagen 2"/>
+          <p:cNvPicPr>
+            <a:picLocks noChangeAspect="1"/>
+          </p:cNvPicPr>
+          <p:nvPr/>
+        </p:nvPicPr>
+        <p:blipFill>
+          <a:blip r:embed="rId3">
+            <a:extLst>
+              <a:ext uri="{28A0092B-C50C-407E-A947-70E740481C1C}">
+                <a14:useLocalDpi xmlns:a14="http://schemas.microsoft.com/office/drawing/2010/main" val="0"/>
+              </a:ext>
+            </a:extLst>
+          </a:blip>
+          <a:stretch>
+            <a:fillRect/>
+          </a:stretch>
+        </p:blipFill>
+        <p:spPr>
+          <a:xfrm>
+            <a:off x="3067145" y="4438862"/>
+            <a:ext cx="259149" cy="180000"/>
+          </a:xfrm>
+          <a:prstGeom prst="rect">
+            <a:avLst/>
+          </a:prstGeom>
+        </p:spPr>
+      </p:pic>
+      <p:pic>
+        <p:nvPicPr>
+          <p:cNvPr id="12" name="Imagen 11"/>
+          <p:cNvPicPr>
+            <a:picLocks noChangeAspect="1"/>
+          </p:cNvPicPr>
+          <p:nvPr/>
+        </p:nvPicPr>
+        <p:blipFill>
+          <a:blip r:embed="rId2">
+            <a:extLst>
+              <a:ext uri="{28A0092B-C50C-407E-A947-70E740481C1C}">
+                <a14:useLocalDpi xmlns:a14="http://schemas.microsoft.com/office/drawing/2010/main" val="0"/>
+              </a:ext>
+            </a:extLst>
+          </a:blip>
+          <a:stretch>
+            <a:fillRect/>
+          </a:stretch>
+        </p:blipFill>
+        <p:spPr>
+          <a:xfrm flipH="1">
+            <a:off x="2553965" y="5228225"/>
+            <a:ext cx="197486" cy="183600"/>
+          </a:xfrm>
+          <a:prstGeom prst="rect">
+            <a:avLst/>
+          </a:prstGeom>
+        </p:spPr>
+      </p:pic>
+      <p:pic>
+        <p:nvPicPr>
+          <p:cNvPr id="13" name="Imagen 12"/>
+          <p:cNvPicPr>
+            <a:picLocks noChangeAspect="1"/>
+          </p:cNvPicPr>
+          <p:nvPr/>
+        </p:nvPicPr>
+        <p:blipFill>
+          <a:blip r:embed="rId3">
+            <a:extLst>
+              <a:ext uri="{28A0092B-C50C-407E-A947-70E740481C1C}">
+                <a14:useLocalDpi xmlns:a14="http://schemas.microsoft.com/office/drawing/2010/main" val="0"/>
+              </a:ext>
+            </a:extLst>
+          </a:blip>
+          <a:stretch>
+            <a:fillRect/>
+          </a:stretch>
+        </p:blipFill>
+        <p:spPr>
+          <a:xfrm>
+            <a:off x="3060521" y="5532167"/>
+            <a:ext cx="259149" cy="180000"/>
+          </a:xfrm>
+          <a:prstGeom prst="rect">
+            <a:avLst/>
+          </a:prstGeom>
+        </p:spPr>
+      </p:pic>
     </p:spTree>
     <p:extLst>
       <p:ext uri="{BB962C8B-B14F-4D97-AF65-F5344CB8AC3E}">
         <p14:creationId xmlns:p14="http://schemas.microsoft.com/office/powerpoint/2010/main" val="2470263519"/>
+      </p:ext>
+    </p:extLst>
+  </p:cSld>
+  <p:clrMapOvr>
+    <a:masterClrMapping/>
+  </p:clrMapOvr>
+</p:sld>
+</file>
+
+<file path=ppt/slides/slide9.xml><?xml version="1.0" encoding="utf-8"?>
+<p:sld xmlns:a="http://schemas.openxmlformats.org/drawingml/2006/main" xmlns:r="http://schemas.openxmlformats.org/officeDocument/2006/relationships" xmlns:p="http://schemas.openxmlformats.org/presentationml/2006/main">
+  <p:cSld>
+    <p:spTree>
+      <p:nvGrpSpPr>
+        <p:cNvPr id="1" name=""/>
+        <p:cNvGrpSpPr/>
+        <p:nvPr/>
+      </p:nvGrpSpPr>
+      <p:grpSpPr>
+        <a:xfrm>
+          <a:off x="0" y="0"/>
+          <a:ext cx="0" cy="0"/>
+          <a:chOff x="0" y="0"/>
+          <a:chExt cx="0" cy="0"/>
+        </a:xfrm>
+      </p:grpSpPr>
+      <p:sp>
+        <p:nvSpPr>
+          <p:cNvPr id="4" name="Título 1">
+            <a:extLst>
+              <a:ext uri="{FF2B5EF4-FFF2-40B4-BE49-F238E27FC236}">
+                <a16:creationId xmlns:a16="http://schemas.microsoft.com/office/drawing/2014/main" xmlns="" id="{C736E2C2-565F-4EE7-9A5F-7431CB35BD98}"/>
+              </a:ext>
+            </a:extLst>
+          </p:cNvPr>
+          <p:cNvSpPr txBox="1">
+            <a:spLocks/>
+          </p:cNvSpPr>
+          <p:nvPr/>
+        </p:nvSpPr>
+        <p:spPr>
+          <a:xfrm>
+            <a:off x="1" y="463097"/>
+            <a:ext cx="9144000" cy="676014"/>
+          </a:xfrm>
+          <a:prstGeom prst="rect">
+            <a:avLst/>
+          </a:prstGeom>
+          <a:solidFill>
+            <a:srgbClr val="3886CC"/>
+          </a:solidFill>
+        </p:spPr>
+        <p:txBody>
+          <a:bodyPr vert="horz" lIns="91440" tIns="45720" rIns="91440" bIns="45720" rtlCol="0" anchor="ctr">
+            <a:normAutofit fontScale="97500" lnSpcReduction="10000"/>
+          </a:bodyPr>
+          <a:lstStyle>
+            <a:lvl1pPr algn="l" defTabSz="914400" rtl="0" eaLnBrk="1" latinLnBrk="0" hangingPunct="1">
+              <a:lnSpc>
+                <a:spcPct val="90000"/>
+              </a:lnSpc>
+              <a:spcBef>
+                <a:spcPct val="0"/>
+              </a:spcBef>
+              <a:buNone/>
+              <a:defRPr sz="4400" kern="1200">
+                <a:solidFill>
+                  <a:schemeClr val="tx1"/>
+                </a:solidFill>
+                <a:latin typeface="+mj-lt"/>
+                <a:ea typeface="+mj-ea"/>
+                <a:cs typeface="+mj-cs"/>
+              </a:defRPr>
+            </a:lvl1pPr>
+          </a:lstStyle>
+          <a:p>
+            <a:r>
+              <a:rPr lang="en-US" dirty="0">
+                <a:solidFill>
+                  <a:schemeClr val="bg1"/>
+                </a:solidFill>
+              </a:rPr>
+              <a:t>	</a:t>
+            </a:r>
+            <a:r>
+              <a:rPr lang="en-US" b="1" dirty="0">
+                <a:solidFill>
+                  <a:schemeClr val="bg1"/>
+                </a:solidFill>
+                <a:latin typeface="Candara" panose="020E0502030303020204" pitchFamily="34" charset="0"/>
+              </a:rPr>
+              <a:t>Model</a:t>
+            </a:r>
+            <a:endParaRPr lang="en-GB" b="1" dirty="0">
+              <a:solidFill>
+                <a:schemeClr val="bg1"/>
+              </a:solidFill>
+              <a:latin typeface="Candara" panose="020E0502030303020204" pitchFamily="34" charset="0"/>
+            </a:endParaRPr>
+          </a:p>
+        </p:txBody>
+      </p:sp>
+      <p:grpSp>
+        <p:nvGrpSpPr>
+          <p:cNvPr id="6" name="Grupo 5">
+            <a:extLst>
+              <a:ext uri="{FF2B5EF4-FFF2-40B4-BE49-F238E27FC236}">
+                <a16:creationId xmlns:a16="http://schemas.microsoft.com/office/drawing/2014/main" xmlns="" id="{40594550-BD22-4435-80F5-F41248669E21}"/>
+              </a:ext>
+            </a:extLst>
+          </p:cNvPr>
+          <p:cNvGrpSpPr/>
+          <p:nvPr/>
+        </p:nvGrpSpPr>
+        <p:grpSpPr>
+          <a:xfrm>
+            <a:off x="713217" y="1647362"/>
+            <a:ext cx="2507061" cy="813758"/>
+            <a:chOff x="2080" y="1905132"/>
+            <a:chExt cx="1710916" cy="855458"/>
+          </a:xfrm>
+        </p:grpSpPr>
+        <p:sp>
+          <p:nvSpPr>
+            <p:cNvPr id="7" name="Rectángulo: esquinas redondeadas 6">
+              <a:extLst>
+                <a:ext uri="{FF2B5EF4-FFF2-40B4-BE49-F238E27FC236}">
+                  <a16:creationId xmlns:a16="http://schemas.microsoft.com/office/drawing/2014/main" xmlns="" id="{9A2DA0CB-6191-4382-822F-DC5827B63853}"/>
+                </a:ext>
+              </a:extLst>
+            </p:cNvPr>
+            <p:cNvSpPr/>
+            <p:nvPr/>
+          </p:nvSpPr>
+          <p:spPr>
+            <a:xfrm>
+              <a:off x="2080" y="1905132"/>
+              <a:ext cx="1710916" cy="855458"/>
+            </a:xfrm>
+            <a:prstGeom prst="roundRect">
+              <a:avLst>
+                <a:gd name="adj" fmla="val 10000"/>
+              </a:avLst>
+            </a:prstGeom>
+            <a:solidFill>
+              <a:srgbClr val="C0DEED"/>
+            </a:solidFill>
+          </p:spPr>
+          <p:style>
+            <a:lnRef idx="2">
+              <a:schemeClr val="lt1">
+                <a:hueOff val="0"/>
+                <a:satOff val="0"/>
+                <a:lumOff val="0"/>
+                <a:alphaOff val="0"/>
+              </a:schemeClr>
+            </a:lnRef>
+            <a:fillRef idx="1">
+              <a:scrgbClr r="0" g="0" b="0"/>
+            </a:fillRef>
+            <a:effectRef idx="0">
+              <a:schemeClr val="accent1">
+                <a:hueOff val="0"/>
+                <a:satOff val="0"/>
+                <a:lumOff val="0"/>
+                <a:alphaOff val="0"/>
+              </a:schemeClr>
+            </a:effectRef>
+            <a:fontRef idx="minor">
+              <a:schemeClr val="lt1"/>
+            </a:fontRef>
+          </p:style>
+        </p:sp>
+        <p:sp>
+          <p:nvSpPr>
+            <p:cNvPr id="8" name="Rectángulo: esquinas redondeadas 4">
+              <a:extLst>
+                <a:ext uri="{FF2B5EF4-FFF2-40B4-BE49-F238E27FC236}">
+                  <a16:creationId xmlns:a16="http://schemas.microsoft.com/office/drawing/2014/main" xmlns="" id="{3C60D3E6-A068-4852-8E95-D6A8B9269B0D}"/>
+                </a:ext>
+              </a:extLst>
+            </p:cNvPr>
+            <p:cNvSpPr txBox="1"/>
+            <p:nvPr/>
+          </p:nvSpPr>
+          <p:spPr>
+            <a:xfrm>
+              <a:off x="27136" y="1930188"/>
+              <a:ext cx="1660804" cy="805346"/>
+            </a:xfrm>
+            <a:prstGeom prst="rect">
+              <a:avLst/>
+            </a:prstGeom>
+          </p:spPr>
+          <p:style>
+            <a:lnRef idx="0">
+              <a:scrgbClr r="0" g="0" b="0"/>
+            </a:lnRef>
+            <a:fillRef idx="0">
+              <a:scrgbClr r="0" g="0" b="0"/>
+            </a:fillRef>
+            <a:effectRef idx="0">
+              <a:scrgbClr r="0" g="0" b="0"/>
+            </a:effectRef>
+            <a:fontRef idx="minor">
+              <a:schemeClr val="lt1"/>
+            </a:fontRef>
+          </p:style>
+          <p:txBody>
+            <a:bodyPr spcFirstLastPara="0" vert="horz" wrap="square" lIns="17145" tIns="17145" rIns="17145" bIns="17145" numCol="1" spcCol="1270" anchor="ctr" anchorCtr="0">
+              <a:noAutofit/>
+            </a:bodyPr>
+            <a:lstStyle/>
+            <a:p>
+              <a:pPr marL="0" lvl="0" indent="0" algn="ctr" defTabSz="1200150">
+                <a:lnSpc>
+                  <a:spcPct val="90000"/>
+                </a:lnSpc>
+                <a:spcBef>
+                  <a:spcPct val="0"/>
+                </a:spcBef>
+                <a:spcAft>
+                  <a:spcPct val="35000"/>
+                </a:spcAft>
+                <a:buNone/>
+              </a:pPr>
+              <a:r>
+                <a:rPr lang="es-ES" sz="2700" b="1" dirty="0">
+                  <a:solidFill>
+                    <a:schemeClr val="tx1"/>
+                  </a:solidFill>
+                  <a:latin typeface="Candara" panose="020E0502030303020204" pitchFamily="34" charset="0"/>
+                </a:rPr>
+                <a:t>Text</a:t>
+              </a:r>
+              <a:endParaRPr lang="en-GB" sz="2700" b="1" kern="1200" dirty="0">
+                <a:solidFill>
+                  <a:schemeClr val="tx1"/>
+                </a:solidFill>
+                <a:latin typeface="Candara" panose="020E0502030303020204" pitchFamily="34" charset="0"/>
+              </a:endParaRPr>
+            </a:p>
+          </p:txBody>
+        </p:sp>
+      </p:grpSp>
+      <p:grpSp>
+        <p:nvGrpSpPr>
+          <p:cNvPr id="10" name="Grupo 8">
+            <a:extLst>
+              <a:ext uri="{FF2B5EF4-FFF2-40B4-BE49-F238E27FC236}">
+                <a16:creationId xmlns:a16="http://schemas.microsoft.com/office/drawing/2014/main" xmlns="" id="{52B5AAD8-ACBB-4329-8510-CDA49D95118F}"/>
+              </a:ext>
+            </a:extLst>
+          </p:cNvPr>
+          <p:cNvGrpSpPr/>
+          <p:nvPr/>
+        </p:nvGrpSpPr>
+        <p:grpSpPr>
+          <a:xfrm>
+            <a:off x="2279376" y="2803946"/>
+            <a:ext cx="2120347" cy="676014"/>
+            <a:chOff x="310204" y="223537"/>
+            <a:chExt cx="1881014" cy="372562"/>
+          </a:xfrm>
+        </p:grpSpPr>
+        <p:sp>
+          <p:nvSpPr>
+            <p:cNvPr id="11" name="Rectángulo: esquinas redondeadas 9">
+              <a:extLst>
+                <a:ext uri="{FF2B5EF4-FFF2-40B4-BE49-F238E27FC236}">
+                  <a16:creationId xmlns:a16="http://schemas.microsoft.com/office/drawing/2014/main" xmlns="" id="{E6201173-0918-409C-B562-00DF62B351D9}"/>
+                </a:ext>
+              </a:extLst>
+            </p:cNvPr>
+            <p:cNvSpPr/>
+            <p:nvPr/>
+          </p:nvSpPr>
+          <p:spPr>
+            <a:xfrm>
+              <a:off x="310204" y="223537"/>
+              <a:ext cx="1881014" cy="372562"/>
+            </a:xfrm>
+            <a:prstGeom prst="roundRect">
+              <a:avLst>
+                <a:gd name="adj" fmla="val 10000"/>
+              </a:avLst>
+            </a:prstGeom>
+            <a:solidFill>
+              <a:srgbClr val="C0DEED"/>
+            </a:solidFill>
+          </p:spPr>
+          <p:style>
+            <a:lnRef idx="2">
+              <a:schemeClr val="lt1">
+                <a:hueOff val="0"/>
+                <a:satOff val="0"/>
+                <a:lumOff val="0"/>
+                <a:alphaOff val="0"/>
+              </a:schemeClr>
+            </a:lnRef>
+            <a:fillRef idx="1">
+              <a:scrgbClr r="0" g="0" b="0"/>
+            </a:fillRef>
+            <a:effectRef idx="0">
+              <a:schemeClr val="accent1">
+                <a:hueOff val="0"/>
+                <a:satOff val="0"/>
+                <a:lumOff val="0"/>
+                <a:alphaOff val="0"/>
+              </a:schemeClr>
+            </a:effectRef>
+            <a:fontRef idx="minor">
+              <a:schemeClr val="lt1"/>
+            </a:fontRef>
+          </p:style>
+        </p:sp>
+        <p:sp>
+          <p:nvSpPr>
+            <p:cNvPr id="12" name="Rectángulo: esquinas redondeadas 4">
+              <a:extLst>
+                <a:ext uri="{FF2B5EF4-FFF2-40B4-BE49-F238E27FC236}">
+                  <a16:creationId xmlns:a16="http://schemas.microsoft.com/office/drawing/2014/main" xmlns="" id="{CEBDB7A9-2EAC-4DCD-98F1-1485419E89FF}"/>
+                </a:ext>
+              </a:extLst>
+            </p:cNvPr>
+            <p:cNvSpPr txBox="1"/>
+            <p:nvPr/>
+          </p:nvSpPr>
+          <p:spPr>
+            <a:xfrm>
+              <a:off x="321116" y="234449"/>
+              <a:ext cx="1752538" cy="350738"/>
+            </a:xfrm>
+            <a:prstGeom prst="rect">
+              <a:avLst/>
+            </a:prstGeom>
+          </p:spPr>
+          <p:style>
+            <a:lnRef idx="0">
+              <a:scrgbClr r="0" g="0" b="0"/>
+            </a:lnRef>
+            <a:fillRef idx="0">
+              <a:scrgbClr r="0" g="0" b="0"/>
+            </a:fillRef>
+            <a:effectRef idx="0">
+              <a:scrgbClr r="0" g="0" b="0"/>
+            </a:effectRef>
+            <a:fontRef idx="minor">
+              <a:schemeClr val="lt1"/>
+            </a:fontRef>
+          </p:style>
+          <p:txBody>
+            <a:bodyPr spcFirstLastPara="0" vert="horz" wrap="square" lIns="60960" tIns="60960" rIns="60960" bIns="60960" numCol="1" spcCol="1270" anchor="ctr" anchorCtr="0">
+              <a:noAutofit/>
+            </a:bodyPr>
+            <a:lstStyle/>
+            <a:p>
+              <a:pPr marL="0" lvl="0" indent="0" algn="ctr" defTabSz="711200">
+                <a:lnSpc>
+                  <a:spcPct val="90000"/>
+                </a:lnSpc>
+                <a:spcBef>
+                  <a:spcPct val="0"/>
+                </a:spcBef>
+                <a:spcAft>
+                  <a:spcPct val="35000"/>
+                </a:spcAft>
+                <a:buNone/>
+              </a:pPr>
+              <a:r>
+                <a:rPr lang="es-ES" sz="2000" b="1" dirty="0" err="1" smtClean="0">
+                  <a:solidFill>
+                    <a:schemeClr val="tx1"/>
+                  </a:solidFill>
+                  <a:latin typeface="Candara" panose="020E0502030303020204" pitchFamily="34" charset="0"/>
+                </a:rPr>
+                <a:t>Likes</a:t>
+              </a:r>
+              <a:endParaRPr lang="en-GB" sz="2000" b="1" kern="1200" dirty="0">
+                <a:solidFill>
+                  <a:schemeClr val="tx1"/>
+                </a:solidFill>
+                <a:latin typeface="Candara" panose="020E0502030303020204" pitchFamily="34" charset="0"/>
+              </a:endParaRPr>
+            </a:p>
+          </p:txBody>
+        </p:sp>
+      </p:grpSp>
+      <p:sp>
+        <p:nvSpPr>
+          <p:cNvPr id="13" name="Flecha: doblada hacia arriba 18">
+            <a:extLst>
+              <a:ext uri="{FF2B5EF4-FFF2-40B4-BE49-F238E27FC236}">
+                <a16:creationId xmlns:a16="http://schemas.microsoft.com/office/drawing/2014/main" xmlns="" id="{D70877CB-6A05-4556-890A-4818810AB680}"/>
+              </a:ext>
+            </a:extLst>
+          </p:cNvPr>
+          <p:cNvSpPr/>
+          <p:nvPr/>
+        </p:nvSpPr>
+        <p:spPr>
+          <a:xfrm rot="5400000">
+            <a:off x="1248039" y="2474369"/>
+            <a:ext cx="737451" cy="990003"/>
+          </a:xfrm>
+          <a:prstGeom prst="bentUpArrow">
+            <a:avLst/>
+          </a:prstGeom>
+        </p:spPr>
+        <p:style>
+          <a:lnRef idx="2">
+            <a:schemeClr val="accent1">
+              <a:shade val="50000"/>
+            </a:schemeClr>
+          </a:lnRef>
+          <a:fillRef idx="1">
+            <a:schemeClr val="accent1"/>
+          </a:fillRef>
+          <a:effectRef idx="0">
+            <a:schemeClr val="accent1"/>
+          </a:effectRef>
+          <a:fontRef idx="minor">
+            <a:schemeClr val="lt1"/>
+          </a:fontRef>
+        </p:style>
+        <p:txBody>
+          <a:bodyPr rtlCol="0" anchor="ctr"/>
+          <a:lstStyle/>
+          <a:p>
+            <a:pPr algn="ctr"/>
+            <a:endParaRPr lang="es-ES"/>
+          </a:p>
+        </p:txBody>
+      </p:sp>
+      <p:pic>
+        <p:nvPicPr>
+          <p:cNvPr id="14" name="Imagen 13"/>
+          <p:cNvPicPr>
+            <a:picLocks noChangeAspect="1"/>
+          </p:cNvPicPr>
+          <p:nvPr/>
+        </p:nvPicPr>
+        <p:blipFill>
+          <a:blip r:embed="rId2">
+            <a:extLst>
+              <a:ext uri="{28A0092B-C50C-407E-A947-70E740481C1C}">
+                <a14:useLocalDpi xmlns:a14="http://schemas.microsoft.com/office/drawing/2010/main" val="0"/>
+              </a:ext>
+            </a:extLst>
+          </a:blip>
+          <a:stretch>
+            <a:fillRect/>
+          </a:stretch>
+        </p:blipFill>
+        <p:spPr>
+          <a:xfrm flipH="1">
+            <a:off x="3660520" y="3050153"/>
+            <a:ext cx="197486" cy="183600"/>
+          </a:xfrm>
+          <a:prstGeom prst="rect">
+            <a:avLst/>
+          </a:prstGeom>
+        </p:spPr>
+      </p:pic>
+      <p:graphicFrame>
+        <p:nvGraphicFramePr>
+          <p:cNvPr id="16" name="Marcador de contenido 3">
+            <a:extLst>
+              <a:ext uri="{FF2B5EF4-FFF2-40B4-BE49-F238E27FC236}">
+                <a16:creationId xmlns:a16="http://schemas.microsoft.com/office/drawing/2014/main" xmlns="" id="{0A79A359-313C-4D56-B712-2F4711C93092}"/>
+              </a:ext>
+            </a:extLst>
+          </p:cNvPr>
+          <p:cNvGraphicFramePr>
+            <a:graphicFrameLocks/>
+          </p:cNvGraphicFramePr>
+          <p:nvPr>
+            <p:extLst>
+              <p:ext uri="{D42A27DB-BD31-4B8C-83A1-F6EECF244321}">
+                <p14:modId xmlns:p14="http://schemas.microsoft.com/office/powerpoint/2010/main" val="446379173"/>
+              </p:ext>
+            </p:extLst>
+          </p:nvPr>
+        </p:nvGraphicFramePr>
+        <p:xfrm>
+          <a:off x="713216" y="4429330"/>
+          <a:ext cx="7756392" cy="1005840"/>
+        </p:xfrm>
+        <a:graphic>
+          <a:graphicData uri="http://schemas.openxmlformats.org/drawingml/2006/table">
+            <a:tbl>
+              <a:tblPr firstRow="1" bandRow="1">
+                <a:tableStyleId>{5C22544A-7EE6-4342-B048-85BDC9FD1C3A}</a:tableStyleId>
+              </a:tblPr>
+              <a:tblGrid>
+                <a:gridCol w="1939098"/>
+                <a:gridCol w="1939098"/>
+                <a:gridCol w="1939098">
+                  <a:extLst>
+                    <a:ext uri="{9D8B030D-6E8A-4147-A177-3AD203B41FA5}">
+                      <a16:colId xmlns:a16="http://schemas.microsoft.com/office/drawing/2014/main" xmlns="" val="2335588041"/>
+                    </a:ext>
+                  </a:extLst>
+                </a:gridCol>
+                <a:gridCol w="1939098">
+                  <a:extLst>
+                    <a:ext uri="{9D8B030D-6E8A-4147-A177-3AD203B41FA5}">
+                      <a16:colId xmlns:a16="http://schemas.microsoft.com/office/drawing/2014/main" xmlns="" val="1112588493"/>
+                    </a:ext>
+                  </a:extLst>
+                </a:gridCol>
+              </a:tblGrid>
+              <a:tr h="310237">
+                <a:tc>
+                  <a:txBody>
+                    <a:bodyPr/>
+                    <a:lstStyle/>
+                    <a:p>
+                      <a:pPr algn="ctr"/>
+                      <a:endParaRPr lang="en-GB" dirty="0"/>
+                    </a:p>
+                  </a:txBody>
+                  <a:tcPr>
+                    <a:noFill/>
+                  </a:tcPr>
+                </a:tc>
+                <a:tc>
+                  <a:txBody>
+                    <a:bodyPr/>
+                    <a:lstStyle/>
+                    <a:p>
+                      <a:pPr marL="0" marR="0" indent="0" algn="ctr" defTabSz="914400" rtl="0" eaLnBrk="1" fontAlgn="auto" latinLnBrk="0" hangingPunct="1">
+                        <a:lnSpc>
+                          <a:spcPct val="100000"/>
+                        </a:lnSpc>
+                        <a:spcBef>
+                          <a:spcPts val="0"/>
+                        </a:spcBef>
+                        <a:spcAft>
+                          <a:spcPts val="0"/>
+                        </a:spcAft>
+                        <a:buClrTx/>
+                        <a:buSzTx/>
+                        <a:buFontTx/>
+                        <a:buNone/>
+                        <a:tabLst/>
+                        <a:defRPr/>
+                      </a:pPr>
+                      <a:r>
+                        <a:rPr lang="es-ES" dirty="0" err="1" smtClean="0"/>
+                        <a:t>Class</a:t>
+                      </a:r>
+                      <a:r>
+                        <a:rPr lang="es-ES" baseline="0" dirty="0" smtClean="0"/>
+                        <a:t> 1 </a:t>
+                      </a:r>
+                      <a:r>
+                        <a:rPr lang="en-US" sz="1800" dirty="0" smtClean="0"/>
+                        <a:t>[0,15)</a:t>
+                      </a:r>
+                      <a:endParaRPr lang="en-GB" dirty="0" smtClean="0"/>
+                    </a:p>
+                  </a:txBody>
+                  <a:tcPr/>
+                </a:tc>
+                <a:tc>
+                  <a:txBody>
+                    <a:bodyPr/>
+                    <a:lstStyle/>
+                    <a:p>
+                      <a:pPr marL="0" marR="0" indent="0" algn="ctr" defTabSz="914400" rtl="0" eaLnBrk="1" fontAlgn="auto" latinLnBrk="0" hangingPunct="1">
+                        <a:lnSpc>
+                          <a:spcPct val="100000"/>
+                        </a:lnSpc>
+                        <a:spcBef>
+                          <a:spcPts val="0"/>
+                        </a:spcBef>
+                        <a:spcAft>
+                          <a:spcPts val="0"/>
+                        </a:spcAft>
+                        <a:buClrTx/>
+                        <a:buSzTx/>
+                        <a:buFontTx/>
+                        <a:buNone/>
+                        <a:tabLst/>
+                        <a:defRPr/>
+                      </a:pPr>
+                      <a:r>
+                        <a:rPr lang="es-ES" dirty="0" err="1" smtClean="0"/>
+                        <a:t>Class</a:t>
+                      </a:r>
+                      <a:r>
+                        <a:rPr lang="es-ES" dirty="0" smtClean="0"/>
+                        <a:t> 2 </a:t>
+                      </a:r>
+                      <a:r>
+                        <a:rPr lang="en-US" sz="1800" dirty="0" smtClean="0"/>
+                        <a:t>[15,50] </a:t>
+                      </a:r>
+                      <a:endParaRPr lang="en-GB" dirty="0" smtClean="0"/>
+                    </a:p>
+                  </a:txBody>
+                  <a:tcPr/>
+                </a:tc>
+                <a:tc>
+                  <a:txBody>
+                    <a:bodyPr/>
+                    <a:lstStyle/>
+                    <a:p>
+                      <a:pPr algn="ctr"/>
+                      <a:r>
+                        <a:rPr lang="en-GB" dirty="0" smtClean="0"/>
+                        <a:t>Class</a:t>
+                      </a:r>
+                      <a:r>
+                        <a:rPr lang="en-GB" baseline="0" dirty="0" smtClean="0"/>
+                        <a:t> 3 </a:t>
+                      </a:r>
+                      <a:r>
+                        <a:rPr lang="en-US" sz="1800" dirty="0" smtClean="0"/>
+                        <a:t>(50,∞)</a:t>
+                      </a:r>
+                      <a:endParaRPr lang="en-GB" dirty="0"/>
+                    </a:p>
+                  </a:txBody>
+                  <a:tcPr/>
+                </a:tc>
+                <a:extLst>
+                  <a:ext uri="{0D108BD9-81ED-4DB2-BD59-A6C34878D82A}">
+                    <a16:rowId xmlns:a16="http://schemas.microsoft.com/office/drawing/2014/main" xmlns="" val="3992468993"/>
+                  </a:ext>
+                </a:extLst>
+              </a:tr>
+              <a:tr h="561305">
+                <a:tc>
+                  <a:txBody>
+                    <a:bodyPr/>
+                    <a:lstStyle/>
+                    <a:p>
+                      <a:pPr algn="ctr"/>
+                      <a:r>
+                        <a:rPr lang="en-GB" sz="1800" b="1" kern="1200" dirty="0" smtClean="0">
+                          <a:solidFill>
+                            <a:schemeClr val="lt1"/>
+                          </a:solidFill>
+                          <a:latin typeface="+mn-lt"/>
+                          <a:ea typeface="+mn-ea"/>
+                          <a:cs typeface="+mn-cs"/>
+                        </a:rPr>
+                        <a:t>Model</a:t>
+                      </a:r>
+                      <a:endParaRPr lang="en-GB" dirty="0"/>
+                    </a:p>
+                  </a:txBody>
+                  <a:tcPr>
+                    <a:solidFill>
+                      <a:schemeClr val="accent1"/>
+                    </a:solidFill>
+                  </a:tcPr>
+                </a:tc>
+                <a:tc>
+                  <a:txBody>
+                    <a:bodyPr/>
+                    <a:lstStyle/>
+                    <a:p>
+                      <a:pPr algn="ctr"/>
+                      <a:r>
+                        <a:rPr lang="en-GB" dirty="0" smtClean="0"/>
+                        <a:t>Mean of the last 10 tweets</a:t>
+                      </a:r>
+                      <a:endParaRPr lang="en-GB" dirty="0"/>
+                    </a:p>
+                  </a:txBody>
+                  <a:tcPr/>
+                </a:tc>
+                <a:tc>
+                  <a:txBody>
+                    <a:bodyPr/>
+                    <a:lstStyle/>
+                    <a:p>
+                      <a:pPr marL="0" marR="0" indent="0" algn="ctr" defTabSz="914400" rtl="0" eaLnBrk="1" fontAlgn="auto" latinLnBrk="0" hangingPunct="1">
+                        <a:lnSpc>
+                          <a:spcPct val="100000"/>
+                        </a:lnSpc>
+                        <a:spcBef>
+                          <a:spcPts val="0"/>
+                        </a:spcBef>
+                        <a:spcAft>
+                          <a:spcPts val="0"/>
+                        </a:spcAft>
+                        <a:buClrTx/>
+                        <a:buSzTx/>
+                        <a:buFontTx/>
+                        <a:buNone/>
+                        <a:tabLst/>
+                        <a:defRPr/>
+                      </a:pPr>
+                      <a:r>
+                        <a:rPr lang="en-GB" dirty="0" smtClean="0"/>
+                        <a:t>Logistic Regression</a:t>
+                      </a:r>
+                    </a:p>
+                    <a:p>
+                      <a:pPr algn="ctr"/>
+                      <a:endParaRPr lang="en-GB" dirty="0"/>
+                    </a:p>
+                  </a:txBody>
+                  <a:tcPr/>
+                </a:tc>
+                <a:tc>
+                  <a:txBody>
+                    <a:bodyPr/>
+                    <a:lstStyle/>
+                    <a:p>
+                      <a:pPr marL="0" marR="0" indent="0" algn="ctr" defTabSz="914400" rtl="0" eaLnBrk="1" fontAlgn="auto" latinLnBrk="0" hangingPunct="1">
+                        <a:lnSpc>
+                          <a:spcPct val="100000"/>
+                        </a:lnSpc>
+                        <a:spcBef>
+                          <a:spcPts val="0"/>
+                        </a:spcBef>
+                        <a:spcAft>
+                          <a:spcPts val="0"/>
+                        </a:spcAft>
+                        <a:buClrTx/>
+                        <a:buSzTx/>
+                        <a:buFontTx/>
+                        <a:buNone/>
+                        <a:tabLst/>
+                        <a:defRPr/>
+                      </a:pPr>
+                      <a:r>
+                        <a:rPr lang="en-GB" dirty="0" smtClean="0"/>
+                        <a:t>Random Forest</a:t>
+                      </a:r>
+                    </a:p>
+                    <a:p>
+                      <a:pPr algn="ctr"/>
+                      <a:endParaRPr lang="en-GB" dirty="0"/>
+                    </a:p>
+                  </a:txBody>
+                  <a:tcPr/>
+                </a:tc>
+                <a:extLst>
+                  <a:ext uri="{0D108BD9-81ED-4DB2-BD59-A6C34878D82A}">
+                    <a16:rowId xmlns:a16="http://schemas.microsoft.com/office/drawing/2014/main" xmlns="" val="2024136782"/>
+                  </a:ext>
+                </a:extLst>
+              </a:tr>
+            </a:tbl>
+          </a:graphicData>
+        </a:graphic>
+      </p:graphicFrame>
+    </p:spTree>
+    <p:extLst>
+      <p:ext uri="{BB962C8B-B14F-4D97-AF65-F5344CB8AC3E}">
+        <p14:creationId xmlns:p14="http://schemas.microsoft.com/office/powerpoint/2010/main" val="1352326078"/>
       </p:ext>
     </p:extLst>
   </p:cSld>
@@ -23850,4 +26379,265 @@
     </a:ext>
   </a:extLst>
 </a:theme>
+</file>
+
+<file path=ppt/theme/theme2.xml><?xml version="1.0" encoding="utf-8"?>
+<a:theme xmlns:a="http://schemas.openxmlformats.org/drawingml/2006/main" name="Tema de Office">
+  <a:themeElements>
+    <a:clrScheme name="Office">
+      <a:dk1>
+        <a:sysClr val="windowText" lastClr="000000"/>
+      </a:dk1>
+      <a:lt1>
+        <a:sysClr val="window" lastClr="FFFFFF"/>
+      </a:lt1>
+      <a:dk2>
+        <a:srgbClr val="44546A"/>
+      </a:dk2>
+      <a:lt2>
+        <a:srgbClr val="E7E6E6"/>
+      </a:lt2>
+      <a:accent1>
+        <a:srgbClr val="4472C4"/>
+      </a:accent1>
+      <a:accent2>
+        <a:srgbClr val="ED7D31"/>
+      </a:accent2>
+      <a:accent3>
+        <a:srgbClr val="A5A5A5"/>
+      </a:accent3>
+      <a:accent4>
+        <a:srgbClr val="FFC000"/>
+      </a:accent4>
+      <a:accent5>
+        <a:srgbClr val="5B9BD5"/>
+      </a:accent5>
+      <a:accent6>
+        <a:srgbClr val="70AD47"/>
+      </a:accent6>
+      <a:hlink>
+        <a:srgbClr val="0563C1"/>
+      </a:hlink>
+      <a:folHlink>
+        <a:srgbClr val="954F72"/>
+      </a:folHlink>
+    </a:clrScheme>
+    <a:fontScheme name="Office">
+      <a:majorFont>
+        <a:latin typeface="Calibri Light" panose="020F0302020204030204"/>
+        <a:ea typeface=""/>
+        <a:cs typeface=""/>
+        <a:font script="Jpan" typeface="Yu Gothic Light"/>
+        <a:font script="Hang" typeface="맑은 고딕"/>
+        <a:font script="Hans" typeface="DengXian Light"/>
+        <a:font script="Hant" typeface="新細明體"/>
+        <a:font script="Arab" typeface="Times New Roman"/>
+        <a:font script="Hebr" typeface="Times New Roman"/>
+        <a:font script="Thai" typeface="Angsana New"/>
+        <a:font script="Ethi" typeface="Nyala"/>
+        <a:font script="Beng" typeface="Vrinda"/>
+        <a:font script="Gujr" typeface="Shruti"/>
+        <a:font script="Khmr" typeface="MoolBoran"/>
+        <a:font script="Knda" typeface="Tunga"/>
+        <a:font script="Guru" typeface="Raavi"/>
+        <a:font script="Cans" typeface="Euphemia"/>
+        <a:font script="Cher" typeface="Plantagenet Cherokee"/>
+        <a:font script="Yiii" typeface="Microsoft Yi Baiti"/>
+        <a:font script="Tibt" typeface="Microsoft Himalaya"/>
+        <a:font script="Thaa" typeface="MV Boli"/>
+        <a:font script="Deva" typeface="Mangal"/>
+        <a:font script="Telu" typeface="Gautami"/>
+        <a:font script="Taml" typeface="Latha"/>
+        <a:font script="Syrc" typeface="Estrangelo Edessa"/>
+        <a:font script="Orya" typeface="Kalinga"/>
+        <a:font script="Mlym" typeface="Kartika"/>
+        <a:font script="Laoo" typeface="DokChampa"/>
+        <a:font script="Sinh" typeface="Iskoola Pota"/>
+        <a:font script="Mong" typeface="Mongolian Baiti"/>
+        <a:font script="Viet" typeface="Times New Roman"/>
+        <a:font script="Uigh" typeface="Microsoft Uighur"/>
+        <a:font script="Geor" typeface="Sylfaen"/>
+      </a:majorFont>
+      <a:minorFont>
+        <a:latin typeface="Calibri" panose="020F0502020204030204"/>
+        <a:ea typeface=""/>
+        <a:cs typeface=""/>
+        <a:font script="Jpan" typeface="Yu Gothic"/>
+        <a:font script="Hang" typeface="맑은 고딕"/>
+        <a:font script="Hans" typeface="DengXian"/>
+        <a:font script="Hant" typeface="新細明體"/>
+        <a:font script="Arab" typeface="Arial"/>
+        <a:font script="Hebr" typeface="Arial"/>
+        <a:font script="Thai" typeface="Cordia New"/>
+        <a:font script="Ethi" typeface="Nyala"/>
+        <a:font script="Beng" typeface="Vrinda"/>
+        <a:font script="Gujr" typeface="Shruti"/>
+        <a:font script="Khmr" typeface="DaunPenh"/>
+        <a:font script="Knda" typeface="Tunga"/>
+        <a:font script="Guru" typeface="Raavi"/>
+        <a:font script="Cans" typeface="Euphemia"/>
+        <a:font script="Cher" typeface="Plantagenet Cherokee"/>
+        <a:font script="Yiii" typeface="Microsoft Yi Baiti"/>
+        <a:font script="Tibt" typeface="Microsoft Himalaya"/>
+        <a:font script="Thaa" typeface="MV Boli"/>
+        <a:font script="Deva" typeface="Mangal"/>
+        <a:font script="Telu" typeface="Gautami"/>
+        <a:font script="Taml" typeface="Latha"/>
+        <a:font script="Syrc" typeface="Estrangelo Edessa"/>
+        <a:font script="Orya" typeface="Kalinga"/>
+        <a:font script="Mlym" typeface="Kartika"/>
+        <a:font script="Laoo" typeface="DokChampa"/>
+        <a:font script="Sinh" typeface="Iskoola Pota"/>
+        <a:font script="Mong" typeface="Mongolian Baiti"/>
+        <a:font script="Viet" typeface="Arial"/>
+        <a:font script="Uigh" typeface="Microsoft Uighur"/>
+        <a:font script="Geor" typeface="Sylfaen"/>
+      </a:minorFont>
+    </a:fontScheme>
+    <a:fmtScheme name="Office">
+      <a:fillStyleLst>
+        <a:solidFill>
+          <a:schemeClr val="phClr"/>
+        </a:solidFill>
+        <a:gradFill rotWithShape="1">
+          <a:gsLst>
+            <a:gs pos="0">
+              <a:schemeClr val="phClr">
+                <a:lumMod val="110000"/>
+                <a:satMod val="105000"/>
+                <a:tint val="67000"/>
+              </a:schemeClr>
+            </a:gs>
+            <a:gs pos="50000">
+              <a:schemeClr val="phClr">
+                <a:lumMod val="105000"/>
+                <a:satMod val="103000"/>
+                <a:tint val="73000"/>
+              </a:schemeClr>
+            </a:gs>
+            <a:gs pos="100000">
+              <a:schemeClr val="phClr">
+                <a:lumMod val="105000"/>
+                <a:satMod val="109000"/>
+                <a:tint val="81000"/>
+              </a:schemeClr>
+            </a:gs>
+          </a:gsLst>
+          <a:lin ang="5400000" scaled="0"/>
+        </a:gradFill>
+        <a:gradFill rotWithShape="1">
+          <a:gsLst>
+            <a:gs pos="0">
+              <a:schemeClr val="phClr">
+                <a:satMod val="103000"/>
+                <a:lumMod val="102000"/>
+                <a:tint val="94000"/>
+              </a:schemeClr>
+            </a:gs>
+            <a:gs pos="50000">
+              <a:schemeClr val="phClr">
+                <a:satMod val="110000"/>
+                <a:lumMod val="100000"/>
+                <a:shade val="100000"/>
+              </a:schemeClr>
+            </a:gs>
+            <a:gs pos="100000">
+              <a:schemeClr val="phClr">
+                <a:lumMod val="99000"/>
+                <a:satMod val="120000"/>
+                <a:shade val="78000"/>
+              </a:schemeClr>
+            </a:gs>
+          </a:gsLst>
+          <a:lin ang="5400000" scaled="0"/>
+        </a:gradFill>
+      </a:fillStyleLst>
+      <a:lnStyleLst>
+        <a:ln w="6350" cap="flat" cmpd="sng" algn="ctr">
+          <a:solidFill>
+            <a:schemeClr val="phClr"/>
+          </a:solidFill>
+          <a:prstDash val="solid"/>
+          <a:miter lim="800000"/>
+        </a:ln>
+        <a:ln w="12700" cap="flat" cmpd="sng" algn="ctr">
+          <a:solidFill>
+            <a:schemeClr val="phClr"/>
+          </a:solidFill>
+          <a:prstDash val="solid"/>
+          <a:miter lim="800000"/>
+        </a:ln>
+        <a:ln w="19050" cap="flat" cmpd="sng" algn="ctr">
+          <a:solidFill>
+            <a:schemeClr val="phClr"/>
+          </a:solidFill>
+          <a:prstDash val="solid"/>
+          <a:miter lim="800000"/>
+        </a:ln>
+      </a:lnStyleLst>
+      <a:effectStyleLst>
+        <a:effectStyle>
+          <a:effectLst/>
+        </a:effectStyle>
+        <a:effectStyle>
+          <a:effectLst/>
+        </a:effectStyle>
+        <a:effectStyle>
+          <a:effectLst>
+            <a:outerShdw blurRad="57150" dist="19050" dir="5400000" algn="ctr" rotWithShape="0">
+              <a:srgbClr val="000000">
+                <a:alpha val="63000"/>
+              </a:srgbClr>
+            </a:outerShdw>
+          </a:effectLst>
+        </a:effectStyle>
+      </a:effectStyleLst>
+      <a:bgFillStyleLst>
+        <a:solidFill>
+          <a:schemeClr val="phClr"/>
+        </a:solidFill>
+        <a:solidFill>
+          <a:schemeClr val="phClr">
+            <a:tint val="95000"/>
+            <a:satMod val="170000"/>
+          </a:schemeClr>
+        </a:solidFill>
+        <a:gradFill rotWithShape="1">
+          <a:gsLst>
+            <a:gs pos="0">
+              <a:schemeClr val="phClr">
+                <a:tint val="93000"/>
+                <a:satMod val="150000"/>
+                <a:shade val="98000"/>
+                <a:lumMod val="102000"/>
+              </a:schemeClr>
+            </a:gs>
+            <a:gs pos="50000">
+              <a:schemeClr val="phClr">
+                <a:tint val="98000"/>
+                <a:satMod val="130000"/>
+                <a:shade val="90000"/>
+                <a:lumMod val="103000"/>
+              </a:schemeClr>
+            </a:gs>
+            <a:gs pos="100000">
+              <a:schemeClr val="phClr">
+                <a:shade val="63000"/>
+                <a:satMod val="120000"/>
+              </a:schemeClr>
+            </a:gs>
+          </a:gsLst>
+          <a:lin ang="5400000" scaled="0"/>
+        </a:gradFill>
+      </a:bgFillStyleLst>
+    </a:fmtScheme>
+  </a:themeElements>
+  <a:objectDefaults/>
+  <a:extraClrSchemeLst/>
+  <a:extLst>
+    <a:ext uri="{05A4C25C-085E-4340-85A3-A5531E510DB2}">
+      <thm15:themeFamily xmlns:thm15="http://schemas.microsoft.com/office/thememl/2012/main" name="Office Theme" id="{62F939B6-93AF-4DB8-9C6B-D6C7DFDC589F}" vid="{4A3C46E8-61CC-4603-A589-7422A47A8E4A}"/>
+    </a:ext>
+  </a:extLst>
+</a:theme>
 </file>
--- a/Presentation/development.pptx
+++ b/Presentation/development.pptx
@@ -5,19 +5,20 @@
     <p:sldMasterId id="2147483660" r:id="rId1"/>
   </p:sldMasterIdLst>
   <p:notesMasterIdLst>
-    <p:notesMasterId r:id="rId12"/>
+    <p:notesMasterId r:id="rId13"/>
   </p:notesMasterIdLst>
   <p:sldIdLst>
     <p:sldId id="256" r:id="rId2"/>
     <p:sldId id="261" r:id="rId3"/>
     <p:sldId id="257" r:id="rId4"/>
     <p:sldId id="258" r:id="rId5"/>
-    <p:sldId id="259" r:id="rId6"/>
-    <p:sldId id="262" r:id="rId7"/>
-    <p:sldId id="263" r:id="rId8"/>
-    <p:sldId id="264" r:id="rId9"/>
-    <p:sldId id="266" r:id="rId10"/>
-    <p:sldId id="267" r:id="rId11"/>
+    <p:sldId id="262" r:id="rId6"/>
+    <p:sldId id="263" r:id="rId7"/>
+    <p:sldId id="264" r:id="rId8"/>
+    <p:sldId id="266" r:id="rId9"/>
+    <p:sldId id="267" r:id="rId10"/>
+    <p:sldId id="268" r:id="rId11"/>
+    <p:sldId id="269" r:id="rId12"/>
   </p:sldIdLst>
   <p:sldSz cx="9144000" cy="6858000" type="screen4x3"/>
   <p:notesSz cx="6858000" cy="9144000"/>
@@ -118,7 +119,7 @@
   </p:defaultTextStyle>
   <p:extLst>
     <p:ext uri="{EFAFB233-063F-42B5-8137-9DF3F51BA10A}">
-      <p15:sldGuideLst xmlns:p15="http://schemas.microsoft.com/office/powerpoint/2012/main"/>
+      <p15:sldGuideLst xmlns:p15="http://schemas.microsoft.com/office/powerpoint/2012/main" xmlns=""/>
     </p:ext>
   </p:extLst>
 </p:presentation>
@@ -3863,7 +3864,7 @@
 <dgm:dataModel xmlns:dgm="http://schemas.openxmlformats.org/drawingml/2006/diagram" xmlns:a="http://schemas.openxmlformats.org/drawingml/2006/main">
   <dgm:ptLst>
     <dgm:pt modelId="{D4C10C00-80A2-42A5-B3CA-BEFD7A222C7A}" type="doc">
-      <dgm:prSet loTypeId="urn:microsoft.com/office/officeart/2005/8/layout/hProcess10" loCatId="process" qsTypeId="urn:microsoft.com/office/officeart/2005/8/quickstyle/simple1" qsCatId="simple" csTypeId="urn:microsoft.com/office/officeart/2005/8/colors/accent1_2" csCatId="accent1" phldr="1"/>
+      <dgm:prSet loTypeId="urn:microsoft.com/office/officeart/2005/8/layout/hProcess10#1" loCatId="process" qsTypeId="urn:microsoft.com/office/officeart/2005/8/quickstyle/simple1" qsCatId="simple" csTypeId="urn:microsoft.com/office/officeart/2005/8/colors/accent1_2" csCatId="accent1" phldr="1"/>
       <dgm:spPr/>
     </dgm:pt>
     <dgm:pt modelId="{807C3FDE-B0DD-4107-AC7F-461AAE01D743}">
@@ -4176,36 +4177,36 @@
     </dgm:pt>
   </dgm:ptLst>
   <dgm:cxnLst>
-    <dgm:cxn modelId="{7488CDC6-9964-461E-BCEF-3619080A6B76}" type="presOf" srcId="{A96C15C2-BC76-48A7-90B3-6A19DE930206}" destId="{26CC9CCF-2B50-496A-8774-54C73B7647D2}" srcOrd="1" destOrd="0" presId="urn:microsoft.com/office/officeart/2005/8/layout/hProcess10"/>
-    <dgm:cxn modelId="{F471219C-CEFA-4172-B0A1-ECB2072F3D6B}" type="presOf" srcId="{A4DB9C1F-5FE4-4542-844F-963FE2041AF3}" destId="{34A639B1-3936-4ACB-8F99-6D0DE81988C9}" srcOrd="1" destOrd="0" presId="urn:microsoft.com/office/officeart/2005/8/layout/hProcess10"/>
-    <dgm:cxn modelId="{6B39AD57-8876-404D-8365-FAD0B2554265}" type="presOf" srcId="{D4C10C00-80A2-42A5-B3CA-BEFD7A222C7A}" destId="{36F15962-492A-4628-9724-21AAC493A2DE}" srcOrd="0" destOrd="0" presId="urn:microsoft.com/office/officeart/2005/8/layout/hProcess10"/>
-    <dgm:cxn modelId="{77DDB290-3BE3-4C1C-837B-3E5C36DBF59C}" type="presOf" srcId="{A4DB9C1F-5FE4-4542-844F-963FE2041AF3}" destId="{ACC99F59-DA74-44EF-8F9C-E6B3FC08F54D}" srcOrd="0" destOrd="0" presId="urn:microsoft.com/office/officeart/2005/8/layout/hProcess10"/>
-    <dgm:cxn modelId="{2A5573CF-25DA-4AE5-8F7C-C03A0F2B0E07}" type="presOf" srcId="{807C3FDE-B0DD-4107-AC7F-461AAE01D743}" destId="{43A6E665-86B6-4D4E-A413-F43DE372F51D}" srcOrd="0" destOrd="0" presId="urn:microsoft.com/office/officeart/2005/8/layout/hProcess10"/>
-    <dgm:cxn modelId="{11F0CFD9-9255-4378-87C9-C9728A423270}" type="presOf" srcId="{A96C15C2-BC76-48A7-90B3-6A19DE930206}" destId="{CD18E1C8-6424-42B3-BAB5-5519EDB41FA6}" srcOrd="0" destOrd="0" presId="urn:microsoft.com/office/officeart/2005/8/layout/hProcess10"/>
-    <dgm:cxn modelId="{50D82C12-E167-4C50-88EE-17B162BED5CC}" type="presOf" srcId="{9CB328A8-74E0-4055-9081-12CA8C2ACB80}" destId="{AD71F164-E960-4FDF-B54C-CD3035226506}" srcOrd="0" destOrd="0" presId="urn:microsoft.com/office/officeart/2005/8/layout/hProcess10"/>
-    <dgm:cxn modelId="{7FA36579-B30D-4381-B5E8-F04AB9BE3255}" type="presOf" srcId="{B5B29429-D4BE-4A66-8600-EC3D71B2F1EC}" destId="{7A252ADC-75AD-4A88-A59C-E5C33FC5FA48}" srcOrd="0" destOrd="0" presId="urn:microsoft.com/office/officeart/2005/8/layout/hProcess10"/>
     <dgm:cxn modelId="{575049A4-283C-4AA1-A923-21A5459FBCE5}" srcId="{D4C10C00-80A2-42A5-B3CA-BEFD7A222C7A}" destId="{9CB328A8-74E0-4055-9081-12CA8C2ACB80}" srcOrd="1" destOrd="0" parTransId="{F7709A87-569E-421F-AC9C-29743C2B4E37}" sibTransId="{A4DB9C1F-5FE4-4542-844F-963FE2041AF3}"/>
+    <dgm:cxn modelId="{6B39AD57-8876-404D-8365-FAD0B2554265}" type="presOf" srcId="{D4C10C00-80A2-42A5-B3CA-BEFD7A222C7A}" destId="{36F15962-492A-4628-9724-21AAC493A2DE}" srcOrd="0" destOrd="0" presId="urn:microsoft.com/office/officeart/2005/8/layout/hProcess10#1"/>
+    <dgm:cxn modelId="{11F0CFD9-9255-4378-87C9-C9728A423270}" type="presOf" srcId="{A96C15C2-BC76-48A7-90B3-6A19DE930206}" destId="{CD18E1C8-6424-42B3-BAB5-5519EDB41FA6}" srcOrd="0" destOrd="0" presId="urn:microsoft.com/office/officeart/2005/8/layout/hProcess10#1"/>
+    <dgm:cxn modelId="{7FA36579-B30D-4381-B5E8-F04AB9BE3255}" type="presOf" srcId="{B5B29429-D4BE-4A66-8600-EC3D71B2F1EC}" destId="{7A252ADC-75AD-4A88-A59C-E5C33FC5FA48}" srcOrd="0" destOrd="0" presId="urn:microsoft.com/office/officeart/2005/8/layout/hProcess10#1"/>
+    <dgm:cxn modelId="{95851DF4-DB55-4784-A973-739BC60DD3CD}" srcId="{D4C10C00-80A2-42A5-B3CA-BEFD7A222C7A}" destId="{B5B29429-D4BE-4A66-8600-EC3D71B2F1EC}" srcOrd="2" destOrd="0" parTransId="{B633EBC1-2623-4E05-BC2A-36FABB3134A2}" sibTransId="{E327145C-8BB6-4E40-89F7-FC8742FC8217}"/>
+    <dgm:cxn modelId="{2A5573CF-25DA-4AE5-8F7C-C03A0F2B0E07}" type="presOf" srcId="{807C3FDE-B0DD-4107-AC7F-461AAE01D743}" destId="{43A6E665-86B6-4D4E-A413-F43DE372F51D}" srcOrd="0" destOrd="0" presId="urn:microsoft.com/office/officeart/2005/8/layout/hProcess10#1"/>
+    <dgm:cxn modelId="{77DDB290-3BE3-4C1C-837B-3E5C36DBF59C}" type="presOf" srcId="{A4DB9C1F-5FE4-4542-844F-963FE2041AF3}" destId="{ACC99F59-DA74-44EF-8F9C-E6B3FC08F54D}" srcOrd="0" destOrd="0" presId="urn:microsoft.com/office/officeart/2005/8/layout/hProcess10#1"/>
+    <dgm:cxn modelId="{F471219C-CEFA-4172-B0A1-ECB2072F3D6B}" type="presOf" srcId="{A4DB9C1F-5FE4-4542-844F-963FE2041AF3}" destId="{34A639B1-3936-4ACB-8F99-6D0DE81988C9}" srcOrd="1" destOrd="0" presId="urn:microsoft.com/office/officeart/2005/8/layout/hProcess10#1"/>
+    <dgm:cxn modelId="{7488CDC6-9964-461E-BCEF-3619080A6B76}" type="presOf" srcId="{A96C15C2-BC76-48A7-90B3-6A19DE930206}" destId="{26CC9CCF-2B50-496A-8774-54C73B7647D2}" srcOrd="1" destOrd="0" presId="urn:microsoft.com/office/officeart/2005/8/layout/hProcess10#1"/>
     <dgm:cxn modelId="{1F475901-8770-400C-A050-885CBE63AD4C}" srcId="{D4C10C00-80A2-42A5-B3CA-BEFD7A222C7A}" destId="{807C3FDE-B0DD-4107-AC7F-461AAE01D743}" srcOrd="0" destOrd="0" parTransId="{953EB8F1-3A8F-4606-A35B-9FCACF28119C}" sibTransId="{A96C15C2-BC76-48A7-90B3-6A19DE930206}"/>
-    <dgm:cxn modelId="{95851DF4-DB55-4784-A973-739BC60DD3CD}" srcId="{D4C10C00-80A2-42A5-B3CA-BEFD7A222C7A}" destId="{B5B29429-D4BE-4A66-8600-EC3D71B2F1EC}" srcOrd="2" destOrd="0" parTransId="{B633EBC1-2623-4E05-BC2A-36FABB3134A2}" sibTransId="{E327145C-8BB6-4E40-89F7-FC8742FC8217}"/>
-    <dgm:cxn modelId="{6F0000F1-76E8-40E8-8C7F-103EF7EEF2D3}" type="presParOf" srcId="{36F15962-492A-4628-9724-21AAC493A2DE}" destId="{6971AB1C-FDAD-48D9-98FD-1C7C3022C555}" srcOrd="0" destOrd="0" presId="urn:microsoft.com/office/officeart/2005/8/layout/hProcess10"/>
-    <dgm:cxn modelId="{0047CA40-14C3-4C3D-AE95-F5D42FF79EEE}" type="presParOf" srcId="{6971AB1C-FDAD-48D9-98FD-1C7C3022C555}" destId="{6E32CC41-1E35-4DED-9D9E-777D910F91D0}" srcOrd="0" destOrd="0" presId="urn:microsoft.com/office/officeart/2005/8/layout/hProcess10"/>
-    <dgm:cxn modelId="{7D78DAC0-4327-4CA0-B314-C4CA0C4982BA}" type="presParOf" srcId="{6971AB1C-FDAD-48D9-98FD-1C7C3022C555}" destId="{43A6E665-86B6-4D4E-A413-F43DE372F51D}" srcOrd="1" destOrd="0" presId="urn:microsoft.com/office/officeart/2005/8/layout/hProcess10"/>
-    <dgm:cxn modelId="{5E9F22FF-C642-4BD3-98D4-7F504D48A32A}" type="presParOf" srcId="{36F15962-492A-4628-9724-21AAC493A2DE}" destId="{CD18E1C8-6424-42B3-BAB5-5519EDB41FA6}" srcOrd="1" destOrd="0" presId="urn:microsoft.com/office/officeart/2005/8/layout/hProcess10"/>
-    <dgm:cxn modelId="{1879AFB1-B837-4489-9B61-2B2739CFEBC0}" type="presParOf" srcId="{CD18E1C8-6424-42B3-BAB5-5519EDB41FA6}" destId="{26CC9CCF-2B50-496A-8774-54C73B7647D2}" srcOrd="0" destOrd="0" presId="urn:microsoft.com/office/officeart/2005/8/layout/hProcess10"/>
-    <dgm:cxn modelId="{A13E4687-1388-42B2-9309-425BDE8FE7DF}" type="presParOf" srcId="{36F15962-492A-4628-9724-21AAC493A2DE}" destId="{5404D1F7-541D-4D93-8C2A-0661A0491272}" srcOrd="2" destOrd="0" presId="urn:microsoft.com/office/officeart/2005/8/layout/hProcess10"/>
-    <dgm:cxn modelId="{52CD75D3-87C6-4F8F-95D8-5CB1449753A4}" type="presParOf" srcId="{5404D1F7-541D-4D93-8C2A-0661A0491272}" destId="{0EFF11F4-FC1F-4E38-B0F3-FB1AD7A99B05}" srcOrd="0" destOrd="0" presId="urn:microsoft.com/office/officeart/2005/8/layout/hProcess10"/>
-    <dgm:cxn modelId="{1CC5347E-E208-4B3D-B550-D6785CD7745F}" type="presParOf" srcId="{5404D1F7-541D-4D93-8C2A-0661A0491272}" destId="{AD71F164-E960-4FDF-B54C-CD3035226506}" srcOrd="1" destOrd="0" presId="urn:microsoft.com/office/officeart/2005/8/layout/hProcess10"/>
-    <dgm:cxn modelId="{E79207C9-A5CE-45C5-8C25-443D473455F5}" type="presParOf" srcId="{36F15962-492A-4628-9724-21AAC493A2DE}" destId="{ACC99F59-DA74-44EF-8F9C-E6B3FC08F54D}" srcOrd="3" destOrd="0" presId="urn:microsoft.com/office/officeart/2005/8/layout/hProcess10"/>
-    <dgm:cxn modelId="{6BF02A90-0077-4348-B433-1D7006CE53C6}" type="presParOf" srcId="{ACC99F59-DA74-44EF-8F9C-E6B3FC08F54D}" destId="{34A639B1-3936-4ACB-8F99-6D0DE81988C9}" srcOrd="0" destOrd="0" presId="urn:microsoft.com/office/officeart/2005/8/layout/hProcess10"/>
-    <dgm:cxn modelId="{97EE1F16-F6EC-463D-A219-84C23104D82E}" type="presParOf" srcId="{36F15962-492A-4628-9724-21AAC493A2DE}" destId="{DDECB4EA-27CE-4B7F-8CA3-16BCA3468F9F}" srcOrd="4" destOrd="0" presId="urn:microsoft.com/office/officeart/2005/8/layout/hProcess10"/>
-    <dgm:cxn modelId="{E522FE57-1013-4630-B904-D3B38836321E}" type="presParOf" srcId="{DDECB4EA-27CE-4B7F-8CA3-16BCA3468F9F}" destId="{CD4E51E7-3864-46BB-BFBE-69BA2EEC8F55}" srcOrd="0" destOrd="0" presId="urn:microsoft.com/office/officeart/2005/8/layout/hProcess10"/>
-    <dgm:cxn modelId="{FBC091F5-D448-4A76-B421-C80AC011EFE5}" type="presParOf" srcId="{DDECB4EA-27CE-4B7F-8CA3-16BCA3468F9F}" destId="{7A252ADC-75AD-4A88-A59C-E5C33FC5FA48}" srcOrd="1" destOrd="0" presId="urn:microsoft.com/office/officeart/2005/8/layout/hProcess10"/>
+    <dgm:cxn modelId="{50D82C12-E167-4C50-88EE-17B162BED5CC}" type="presOf" srcId="{9CB328A8-74E0-4055-9081-12CA8C2ACB80}" destId="{AD71F164-E960-4FDF-B54C-CD3035226506}" srcOrd="0" destOrd="0" presId="urn:microsoft.com/office/officeart/2005/8/layout/hProcess10#1"/>
+    <dgm:cxn modelId="{6F0000F1-76E8-40E8-8C7F-103EF7EEF2D3}" type="presParOf" srcId="{36F15962-492A-4628-9724-21AAC493A2DE}" destId="{6971AB1C-FDAD-48D9-98FD-1C7C3022C555}" srcOrd="0" destOrd="0" presId="urn:microsoft.com/office/officeart/2005/8/layout/hProcess10#1"/>
+    <dgm:cxn modelId="{0047CA40-14C3-4C3D-AE95-F5D42FF79EEE}" type="presParOf" srcId="{6971AB1C-FDAD-48D9-98FD-1C7C3022C555}" destId="{6E32CC41-1E35-4DED-9D9E-777D910F91D0}" srcOrd="0" destOrd="0" presId="urn:microsoft.com/office/officeart/2005/8/layout/hProcess10#1"/>
+    <dgm:cxn modelId="{7D78DAC0-4327-4CA0-B314-C4CA0C4982BA}" type="presParOf" srcId="{6971AB1C-FDAD-48D9-98FD-1C7C3022C555}" destId="{43A6E665-86B6-4D4E-A413-F43DE372F51D}" srcOrd="1" destOrd="0" presId="urn:microsoft.com/office/officeart/2005/8/layout/hProcess10#1"/>
+    <dgm:cxn modelId="{5E9F22FF-C642-4BD3-98D4-7F504D48A32A}" type="presParOf" srcId="{36F15962-492A-4628-9724-21AAC493A2DE}" destId="{CD18E1C8-6424-42B3-BAB5-5519EDB41FA6}" srcOrd="1" destOrd="0" presId="urn:microsoft.com/office/officeart/2005/8/layout/hProcess10#1"/>
+    <dgm:cxn modelId="{1879AFB1-B837-4489-9B61-2B2739CFEBC0}" type="presParOf" srcId="{CD18E1C8-6424-42B3-BAB5-5519EDB41FA6}" destId="{26CC9CCF-2B50-496A-8774-54C73B7647D2}" srcOrd="0" destOrd="0" presId="urn:microsoft.com/office/officeart/2005/8/layout/hProcess10#1"/>
+    <dgm:cxn modelId="{A13E4687-1388-42B2-9309-425BDE8FE7DF}" type="presParOf" srcId="{36F15962-492A-4628-9724-21AAC493A2DE}" destId="{5404D1F7-541D-4D93-8C2A-0661A0491272}" srcOrd="2" destOrd="0" presId="urn:microsoft.com/office/officeart/2005/8/layout/hProcess10#1"/>
+    <dgm:cxn modelId="{52CD75D3-87C6-4F8F-95D8-5CB1449753A4}" type="presParOf" srcId="{5404D1F7-541D-4D93-8C2A-0661A0491272}" destId="{0EFF11F4-FC1F-4E38-B0F3-FB1AD7A99B05}" srcOrd="0" destOrd="0" presId="urn:microsoft.com/office/officeart/2005/8/layout/hProcess10#1"/>
+    <dgm:cxn modelId="{1CC5347E-E208-4B3D-B550-D6785CD7745F}" type="presParOf" srcId="{5404D1F7-541D-4D93-8C2A-0661A0491272}" destId="{AD71F164-E960-4FDF-B54C-CD3035226506}" srcOrd="1" destOrd="0" presId="urn:microsoft.com/office/officeart/2005/8/layout/hProcess10#1"/>
+    <dgm:cxn modelId="{E79207C9-A5CE-45C5-8C25-443D473455F5}" type="presParOf" srcId="{36F15962-492A-4628-9724-21AAC493A2DE}" destId="{ACC99F59-DA74-44EF-8F9C-E6B3FC08F54D}" srcOrd="3" destOrd="0" presId="urn:microsoft.com/office/officeart/2005/8/layout/hProcess10#1"/>
+    <dgm:cxn modelId="{6BF02A90-0077-4348-B433-1D7006CE53C6}" type="presParOf" srcId="{ACC99F59-DA74-44EF-8F9C-E6B3FC08F54D}" destId="{34A639B1-3936-4ACB-8F99-6D0DE81988C9}" srcOrd="0" destOrd="0" presId="urn:microsoft.com/office/officeart/2005/8/layout/hProcess10#1"/>
+    <dgm:cxn modelId="{97EE1F16-F6EC-463D-A219-84C23104D82E}" type="presParOf" srcId="{36F15962-492A-4628-9724-21AAC493A2DE}" destId="{DDECB4EA-27CE-4B7F-8CA3-16BCA3468F9F}" srcOrd="4" destOrd="0" presId="urn:microsoft.com/office/officeart/2005/8/layout/hProcess10#1"/>
+    <dgm:cxn modelId="{E522FE57-1013-4630-B904-D3B38836321E}" type="presParOf" srcId="{DDECB4EA-27CE-4B7F-8CA3-16BCA3468F9F}" destId="{CD4E51E7-3864-46BB-BFBE-69BA2EEC8F55}" srcOrd="0" destOrd="0" presId="urn:microsoft.com/office/officeart/2005/8/layout/hProcess10#1"/>
+    <dgm:cxn modelId="{FBC091F5-D448-4A76-B421-C80AC011EFE5}" type="presParOf" srcId="{DDECB4EA-27CE-4B7F-8CA3-16BCA3468F9F}" destId="{7A252ADC-75AD-4A88-A59C-E5C33FC5FA48}" srcOrd="1" destOrd="0" presId="urn:microsoft.com/office/officeart/2005/8/layout/hProcess10#1"/>
   </dgm:cxnLst>
   <dgm:bg/>
   <dgm:whole/>
   <dgm:extLst>
     <a:ext uri="http://schemas.microsoft.com/office/drawing/2008/diagram">
-      <dsp:dataModelExt xmlns:dsp="http://schemas.microsoft.com/office/drawing/2008/diagram" relId="rId8" minVer="http://schemas.openxmlformats.org/drawingml/2006/diagram"/>
+      <dsp:dataModelExt xmlns:dsp="http://schemas.microsoft.com/office/drawing/2008/diagram" xmlns="" relId="rId8" minVer="http://schemas.openxmlformats.org/drawingml/2006/diagram"/>
     </a:ext>
   </dgm:extLst>
 </dgm:dataModel>
@@ -4662,21 +4663,21 @@
     </dgm:pt>
   </dgm:ptLst>
   <dgm:cxnLst>
+    <dgm:cxn modelId="{9ADAC277-F909-4CB1-A85E-1433B3529E98}" srcId="{0219E034-AF4C-475D-B6E7-82A870FACCCC}" destId="{2B2880F9-55E5-49ED-8E33-9F5627C3B520}" srcOrd="1" destOrd="0" parTransId="{B8CB6F02-DAC1-4456-A097-6AE1610AE1D9}" sibTransId="{E1F3EC87-D003-4A3C-B824-CE54E8BB2655}"/>
     <dgm:cxn modelId="{A1755BE7-25D3-47DD-8E9D-AE216A7FD57F}" type="presOf" srcId="{1A83A397-9752-44D8-928B-BD77A2D011B3}" destId="{03FF4F4B-322C-442A-B7FE-5765012B0349}" srcOrd="0" destOrd="0" presId="urn:microsoft.com/office/officeart/2005/8/layout/hierarchy2"/>
-    <dgm:cxn modelId="{25ECA16D-0769-453B-BF48-89C48A9A98C1}" type="presOf" srcId="{8B3A4E7D-3269-4C83-89F3-4CA429309498}" destId="{1E56210F-6CE6-4DD2-ACB8-CC8B6B2F9515}" srcOrd="0" destOrd="0" presId="urn:microsoft.com/office/officeart/2005/8/layout/hierarchy2"/>
+    <dgm:cxn modelId="{F6020431-E627-41B1-8570-C48C88AA67B0}" type="presOf" srcId="{AB9CCEB4-8828-486D-B82D-15BE50DBDCD3}" destId="{A344F690-7383-498D-B42C-7E12860C3B17}" srcOrd="0" destOrd="0" presId="urn:microsoft.com/office/officeart/2005/8/layout/hierarchy2"/>
+    <dgm:cxn modelId="{1F660E23-F919-4D2C-89EA-1E5EB1193556}" type="presOf" srcId="{0219E034-AF4C-475D-B6E7-82A870FACCCC}" destId="{9FCD4B2A-DA32-43E2-B487-D226E6438787}" srcOrd="0" destOrd="0" presId="urn:microsoft.com/office/officeart/2005/8/layout/hierarchy2"/>
+    <dgm:cxn modelId="{D65590B2-C226-462B-906A-D5D094B2E1B7}" srcId="{1A83A397-9752-44D8-928B-BD77A2D011B3}" destId="{0219E034-AF4C-475D-B6E7-82A870FACCCC}" srcOrd="0" destOrd="0" parTransId="{1E7504BC-FD3E-4CB5-8448-7B6E02A437E2}" sibTransId="{DA6710C6-927A-48A4-9D63-E1F8F37EE5EB}"/>
+    <dgm:cxn modelId="{E2BAFAB7-DC2B-4A11-9F8E-BA8D64C5230A}" type="presOf" srcId="{B8CB6F02-DAC1-4456-A097-6AE1610AE1D9}" destId="{99348ADB-093D-45FE-BECC-4CC0D6755CF6}" srcOrd="1" destOrd="0" presId="urn:microsoft.com/office/officeart/2005/8/layout/hierarchy2"/>
+    <dgm:cxn modelId="{C5243614-7BBA-4801-8C67-E7956AC52C6A}" srcId="{0219E034-AF4C-475D-B6E7-82A870FACCCC}" destId="{AB9CCEB4-8828-486D-B82D-15BE50DBDCD3}" srcOrd="2" destOrd="0" parTransId="{9F315F11-CE4E-4647-AC74-DFF45127B67D}" sibTransId="{085A98A6-6A8A-4C8D-A7C1-8F4E92BADE45}"/>
+    <dgm:cxn modelId="{5EFF8C44-4609-4B6A-B178-9D4A5A72C59F}" type="presOf" srcId="{BA182E10-CCF4-4F85-BFA0-151C2CB19CC2}" destId="{26D72EED-E068-43D9-8934-11630CD0FA6C}" srcOrd="0" destOrd="0" presId="urn:microsoft.com/office/officeart/2005/8/layout/hierarchy2"/>
+    <dgm:cxn modelId="{E58E251E-DCB6-4679-8C66-DE2A81969E59}" type="presOf" srcId="{9F315F11-CE4E-4647-AC74-DFF45127B67D}" destId="{47028209-C738-49C0-B43F-734F468CB14E}" srcOrd="1" destOrd="0" presId="urn:microsoft.com/office/officeart/2005/8/layout/hierarchy2"/>
+    <dgm:cxn modelId="{A880BDC0-086A-4801-85FF-EAAEFD1411E9}" type="presOf" srcId="{BA182E10-CCF4-4F85-BFA0-151C2CB19CC2}" destId="{AE5BB926-FC4E-48BC-8740-E56A7FDB2856}" srcOrd="1" destOrd="0" presId="urn:microsoft.com/office/officeart/2005/8/layout/hierarchy2"/>
+    <dgm:cxn modelId="{07A2BCA0-392C-4A22-9EA7-01A81E54C6CD}" type="presOf" srcId="{B8CB6F02-DAC1-4456-A097-6AE1610AE1D9}" destId="{136F9DBB-E600-48D5-BDAB-5077D57D50AA}" srcOrd="0" destOrd="0" presId="urn:microsoft.com/office/officeart/2005/8/layout/hierarchy2"/>
     <dgm:cxn modelId="{0ED95747-78E4-4AFB-A9A0-40EAA7EBDD7F}" type="presOf" srcId="{2B2880F9-55E5-49ED-8E33-9F5627C3B520}" destId="{806EF166-724E-4559-AC86-DD6E259A7871}" srcOrd="0" destOrd="0" presId="urn:microsoft.com/office/officeart/2005/8/layout/hierarchy2"/>
     <dgm:cxn modelId="{409EAF45-2722-4360-B03E-D16295B09604}" srcId="{0219E034-AF4C-475D-B6E7-82A870FACCCC}" destId="{8B3A4E7D-3269-4C83-89F3-4CA429309498}" srcOrd="0" destOrd="0" parTransId="{BA182E10-CCF4-4F85-BFA0-151C2CB19CC2}" sibTransId="{48E3F399-96C3-4078-85BD-01E7114AF0CE}"/>
-    <dgm:cxn modelId="{5EFF8C44-4609-4B6A-B178-9D4A5A72C59F}" type="presOf" srcId="{BA182E10-CCF4-4F85-BFA0-151C2CB19CC2}" destId="{26D72EED-E068-43D9-8934-11630CD0FA6C}" srcOrd="0" destOrd="0" presId="urn:microsoft.com/office/officeart/2005/8/layout/hierarchy2"/>
-    <dgm:cxn modelId="{A880BDC0-086A-4801-85FF-EAAEFD1411E9}" type="presOf" srcId="{BA182E10-CCF4-4F85-BFA0-151C2CB19CC2}" destId="{AE5BB926-FC4E-48BC-8740-E56A7FDB2856}" srcOrd="1" destOrd="0" presId="urn:microsoft.com/office/officeart/2005/8/layout/hierarchy2"/>
-    <dgm:cxn modelId="{F6020431-E627-41B1-8570-C48C88AA67B0}" type="presOf" srcId="{AB9CCEB4-8828-486D-B82D-15BE50DBDCD3}" destId="{A344F690-7383-498D-B42C-7E12860C3B17}" srcOrd="0" destOrd="0" presId="urn:microsoft.com/office/officeart/2005/8/layout/hierarchy2"/>
-    <dgm:cxn modelId="{9ADAC277-F909-4CB1-A85E-1433B3529E98}" srcId="{0219E034-AF4C-475D-B6E7-82A870FACCCC}" destId="{2B2880F9-55E5-49ED-8E33-9F5627C3B520}" srcOrd="1" destOrd="0" parTransId="{B8CB6F02-DAC1-4456-A097-6AE1610AE1D9}" sibTransId="{E1F3EC87-D003-4A3C-B824-CE54E8BB2655}"/>
-    <dgm:cxn modelId="{D65590B2-C226-462B-906A-D5D094B2E1B7}" srcId="{1A83A397-9752-44D8-928B-BD77A2D011B3}" destId="{0219E034-AF4C-475D-B6E7-82A870FACCCC}" srcOrd="0" destOrd="0" parTransId="{1E7504BC-FD3E-4CB5-8448-7B6E02A437E2}" sibTransId="{DA6710C6-927A-48A4-9D63-E1F8F37EE5EB}"/>
-    <dgm:cxn modelId="{E58E251E-DCB6-4679-8C66-DE2A81969E59}" type="presOf" srcId="{9F315F11-CE4E-4647-AC74-DFF45127B67D}" destId="{47028209-C738-49C0-B43F-734F468CB14E}" srcOrd="1" destOrd="0" presId="urn:microsoft.com/office/officeart/2005/8/layout/hierarchy2"/>
     <dgm:cxn modelId="{F2BC7B4F-3BF6-4798-A1EF-3736E9862178}" type="presOf" srcId="{9F315F11-CE4E-4647-AC74-DFF45127B67D}" destId="{3A533134-6777-4855-BE27-367216C161A0}" srcOrd="0" destOrd="0" presId="urn:microsoft.com/office/officeart/2005/8/layout/hierarchy2"/>
-    <dgm:cxn modelId="{C5243614-7BBA-4801-8C67-E7956AC52C6A}" srcId="{0219E034-AF4C-475D-B6E7-82A870FACCCC}" destId="{AB9CCEB4-8828-486D-B82D-15BE50DBDCD3}" srcOrd="2" destOrd="0" parTransId="{9F315F11-CE4E-4647-AC74-DFF45127B67D}" sibTransId="{085A98A6-6A8A-4C8D-A7C1-8F4E92BADE45}"/>
-    <dgm:cxn modelId="{07A2BCA0-392C-4A22-9EA7-01A81E54C6CD}" type="presOf" srcId="{B8CB6F02-DAC1-4456-A097-6AE1610AE1D9}" destId="{136F9DBB-E600-48D5-BDAB-5077D57D50AA}" srcOrd="0" destOrd="0" presId="urn:microsoft.com/office/officeart/2005/8/layout/hierarchy2"/>
-    <dgm:cxn modelId="{1F660E23-F919-4D2C-89EA-1E5EB1193556}" type="presOf" srcId="{0219E034-AF4C-475D-B6E7-82A870FACCCC}" destId="{9FCD4B2A-DA32-43E2-B487-D226E6438787}" srcOrd="0" destOrd="0" presId="urn:microsoft.com/office/officeart/2005/8/layout/hierarchy2"/>
-    <dgm:cxn modelId="{E2BAFAB7-DC2B-4A11-9F8E-BA8D64C5230A}" type="presOf" srcId="{B8CB6F02-DAC1-4456-A097-6AE1610AE1D9}" destId="{99348ADB-093D-45FE-BECC-4CC0D6755CF6}" srcOrd="1" destOrd="0" presId="urn:microsoft.com/office/officeart/2005/8/layout/hierarchy2"/>
+    <dgm:cxn modelId="{25ECA16D-0769-453B-BF48-89C48A9A98C1}" type="presOf" srcId="{8B3A4E7D-3269-4C83-89F3-4CA429309498}" destId="{1E56210F-6CE6-4DD2-ACB8-CC8B6B2F9515}" srcOrd="0" destOrd="0" presId="urn:microsoft.com/office/officeart/2005/8/layout/hierarchy2"/>
     <dgm:cxn modelId="{8F44A096-283A-4CF6-BAFE-B710FDFF1708}" type="presParOf" srcId="{03FF4F4B-322C-442A-B7FE-5765012B0349}" destId="{408C97A3-02A7-4CF6-9095-4827F1B6C828}" srcOrd="0" destOrd="0" presId="urn:microsoft.com/office/officeart/2005/8/layout/hierarchy2"/>
     <dgm:cxn modelId="{C51327C7-8CC6-4D10-9C23-F29C76C701E3}" type="presParOf" srcId="{408C97A3-02A7-4CF6-9095-4827F1B6C828}" destId="{9FCD4B2A-DA32-43E2-B487-D226E6438787}" srcOrd="0" destOrd="0" presId="urn:microsoft.com/office/officeart/2005/8/layout/hierarchy2"/>
     <dgm:cxn modelId="{21746A78-565F-4B12-934E-7D08128E2539}" type="presParOf" srcId="{408C97A3-02A7-4CF6-9095-4827F1B6C828}" destId="{48BEF979-0731-4DFA-BF6C-47AEE6A87E82}" srcOrd="1" destOrd="0" presId="urn:microsoft.com/office/officeart/2005/8/layout/hierarchy2"/>
@@ -4700,547 +4701,13 @@
   <dgm:whole/>
   <dgm:extLst>
     <a:ext uri="http://schemas.microsoft.com/office/drawing/2008/diagram">
-      <dsp:dataModelExt xmlns:dsp="http://schemas.microsoft.com/office/drawing/2008/diagram" relId="rId6" minVer="http://schemas.openxmlformats.org/drawingml/2006/diagram"/>
+      <dsp:dataModelExt xmlns:dsp="http://schemas.microsoft.com/office/drawing/2008/diagram" xmlns="" relId="rId6" minVer="http://schemas.openxmlformats.org/drawingml/2006/diagram"/>
     </a:ext>
   </dgm:extLst>
 </dgm:dataModel>
 </file>
 
 <file path=ppt/diagrams/data3.xml><?xml version="1.0" encoding="utf-8"?>
-<dgm:dataModel xmlns:dgm="http://schemas.openxmlformats.org/drawingml/2006/diagram" xmlns:a="http://schemas.openxmlformats.org/drawingml/2006/main">
-  <dgm:ptLst>
-    <dgm:pt modelId="{12A1EA06-02B5-4138-86D9-1D9519EA3DB5}" type="doc">
-      <dgm:prSet loTypeId="urn:microsoft.com/office/officeart/2008/layout/LinedList" loCatId="list" qsTypeId="urn:microsoft.com/office/officeart/2005/8/quickstyle/simple1" qsCatId="simple" csTypeId="urn:microsoft.com/office/officeart/2005/8/colors/accent1_2" csCatId="accent1" phldr="1"/>
-      <dgm:spPr/>
-      <dgm:t>
-        <a:bodyPr/>
-        <a:lstStyle/>
-        <a:p>
-          <a:endParaRPr lang="en-GB"/>
-        </a:p>
-      </dgm:t>
-    </dgm:pt>
-    <dgm:pt modelId="{95FA51A4-834D-4EE1-9134-725C0F5D2958}">
-      <dgm:prSet phldrT="[Texto]"/>
-      <dgm:spPr/>
-      <dgm:t>
-        <a:bodyPr/>
-        <a:lstStyle/>
-        <a:p>
-          <a:r>
-            <a:rPr lang="es-ES" dirty="0" err="1"/>
-            <a:t>Screen</a:t>
-          </a:r>
-          <a:r>
-            <a:rPr lang="es-ES" dirty="0"/>
-            <a:t> </a:t>
-          </a:r>
-          <a:r>
-            <a:rPr lang="es-ES" dirty="0" err="1"/>
-            <a:t>name</a:t>
-          </a:r>
-          <a:endParaRPr lang="en-GB" dirty="0"/>
-        </a:p>
-      </dgm:t>
-    </dgm:pt>
-    <dgm:pt modelId="{D4F723A0-6D07-4293-9354-418D8F01542B}" type="parTrans" cxnId="{36A687A8-343B-4CF5-B690-27ACDD16CAD2}">
-      <dgm:prSet/>
-      <dgm:spPr/>
-      <dgm:t>
-        <a:bodyPr/>
-        <a:lstStyle/>
-        <a:p>
-          <a:endParaRPr lang="en-GB"/>
-        </a:p>
-      </dgm:t>
-    </dgm:pt>
-    <dgm:pt modelId="{188BBD3D-CC3C-46DA-90A6-BC774FBBD9DF}" type="sibTrans" cxnId="{36A687A8-343B-4CF5-B690-27ACDD16CAD2}">
-      <dgm:prSet/>
-      <dgm:spPr/>
-      <dgm:t>
-        <a:bodyPr/>
-        <a:lstStyle/>
-        <a:p>
-          <a:endParaRPr lang="en-GB"/>
-        </a:p>
-      </dgm:t>
-    </dgm:pt>
-    <dgm:pt modelId="{10DC7316-BEB5-4E34-AB5A-92022B85F9DA}" type="pres">
-      <dgm:prSet presAssocID="{12A1EA06-02B5-4138-86D9-1D9519EA3DB5}" presName="vert0" presStyleCnt="0">
-        <dgm:presLayoutVars>
-          <dgm:dir/>
-          <dgm:animOne val="branch"/>
-          <dgm:animLvl val="lvl"/>
-        </dgm:presLayoutVars>
-      </dgm:prSet>
-      <dgm:spPr/>
-      <dgm:t>
-        <a:bodyPr/>
-        <a:lstStyle/>
-        <a:p>
-          <a:endParaRPr lang="es-ES_tradnl"/>
-        </a:p>
-      </dgm:t>
-    </dgm:pt>
-    <dgm:pt modelId="{470DB5D0-9EF1-49E5-81D2-E149DA81DA04}" type="pres">
-      <dgm:prSet presAssocID="{95FA51A4-834D-4EE1-9134-725C0F5D2958}" presName="thickLine" presStyleLbl="alignNode1" presStyleIdx="0" presStyleCnt="1"/>
-      <dgm:spPr/>
-    </dgm:pt>
-    <dgm:pt modelId="{15C97AF9-B0C7-48FB-AEDF-5F862E90767A}" type="pres">
-      <dgm:prSet presAssocID="{95FA51A4-834D-4EE1-9134-725C0F5D2958}" presName="horz1" presStyleCnt="0"/>
-      <dgm:spPr/>
-    </dgm:pt>
-    <dgm:pt modelId="{5BF1887B-8A01-47B8-BC51-AD1881EB2750}" type="pres">
-      <dgm:prSet presAssocID="{95FA51A4-834D-4EE1-9134-725C0F5D2958}" presName="tx1" presStyleLbl="revTx" presStyleIdx="0" presStyleCnt="1"/>
-      <dgm:spPr/>
-      <dgm:t>
-        <a:bodyPr/>
-        <a:lstStyle/>
-        <a:p>
-          <a:endParaRPr lang="es-ES_tradnl"/>
-        </a:p>
-      </dgm:t>
-    </dgm:pt>
-    <dgm:pt modelId="{1D1D6272-894F-4571-B532-E37FD94761DD}" type="pres">
-      <dgm:prSet presAssocID="{95FA51A4-834D-4EE1-9134-725C0F5D2958}" presName="vert1" presStyleCnt="0"/>
-      <dgm:spPr/>
-    </dgm:pt>
-  </dgm:ptLst>
-  <dgm:cxnLst>
-    <dgm:cxn modelId="{A4E03FA6-0F8D-436C-8E57-E0FDC8FA0FF3}" type="presOf" srcId="{12A1EA06-02B5-4138-86D9-1D9519EA3DB5}" destId="{10DC7316-BEB5-4E34-AB5A-92022B85F9DA}" srcOrd="0" destOrd="0" presId="urn:microsoft.com/office/officeart/2008/layout/LinedList"/>
-    <dgm:cxn modelId="{36A687A8-343B-4CF5-B690-27ACDD16CAD2}" srcId="{12A1EA06-02B5-4138-86D9-1D9519EA3DB5}" destId="{95FA51A4-834D-4EE1-9134-725C0F5D2958}" srcOrd="0" destOrd="0" parTransId="{D4F723A0-6D07-4293-9354-418D8F01542B}" sibTransId="{188BBD3D-CC3C-46DA-90A6-BC774FBBD9DF}"/>
-    <dgm:cxn modelId="{84B1B489-7F40-4229-A0F6-267C9A6B0819}" type="presOf" srcId="{95FA51A4-834D-4EE1-9134-725C0F5D2958}" destId="{5BF1887B-8A01-47B8-BC51-AD1881EB2750}" srcOrd="0" destOrd="0" presId="urn:microsoft.com/office/officeart/2008/layout/LinedList"/>
-    <dgm:cxn modelId="{DDC9AB4C-9A6D-45F2-8176-6C83E920240D}" type="presParOf" srcId="{10DC7316-BEB5-4E34-AB5A-92022B85F9DA}" destId="{470DB5D0-9EF1-49E5-81D2-E149DA81DA04}" srcOrd="0" destOrd="0" presId="urn:microsoft.com/office/officeart/2008/layout/LinedList"/>
-    <dgm:cxn modelId="{83BEA796-36B4-40DA-A4F0-03EA87D011DD}" type="presParOf" srcId="{10DC7316-BEB5-4E34-AB5A-92022B85F9DA}" destId="{15C97AF9-B0C7-48FB-AEDF-5F862E90767A}" srcOrd="1" destOrd="0" presId="urn:microsoft.com/office/officeart/2008/layout/LinedList"/>
-    <dgm:cxn modelId="{4769CD57-9638-49D0-8ABA-907A157AC8C3}" type="presParOf" srcId="{15C97AF9-B0C7-48FB-AEDF-5F862E90767A}" destId="{5BF1887B-8A01-47B8-BC51-AD1881EB2750}" srcOrd="0" destOrd="0" presId="urn:microsoft.com/office/officeart/2008/layout/LinedList"/>
-    <dgm:cxn modelId="{0C05F38A-DF3A-463E-AA50-263DAD353B84}" type="presParOf" srcId="{15C97AF9-B0C7-48FB-AEDF-5F862E90767A}" destId="{1D1D6272-894F-4571-B532-E37FD94761DD}" srcOrd="1" destOrd="0" presId="urn:microsoft.com/office/officeart/2008/layout/LinedList"/>
-  </dgm:cxnLst>
-  <dgm:bg/>
-  <dgm:whole/>
-  <dgm:extLst>
-    <a:ext uri="http://schemas.microsoft.com/office/drawing/2008/diagram">
-      <dsp:dataModelExt xmlns:dsp="http://schemas.microsoft.com/office/drawing/2008/diagram" relId="rId6" minVer="http://schemas.openxmlformats.org/drawingml/2006/diagram"/>
-    </a:ext>
-  </dgm:extLst>
-</dgm:dataModel>
-</file>
-
-<file path=ppt/diagrams/data4.xml><?xml version="1.0" encoding="utf-8"?>
-<dgm:dataModel xmlns:dgm="http://schemas.openxmlformats.org/drawingml/2006/diagram" xmlns:a="http://schemas.openxmlformats.org/drawingml/2006/main">
-  <dgm:ptLst>
-    <dgm:pt modelId="{12A1EA06-02B5-4138-86D9-1D9519EA3DB5}" type="doc">
-      <dgm:prSet loTypeId="urn:microsoft.com/office/officeart/2008/layout/LinedList" loCatId="list" qsTypeId="urn:microsoft.com/office/officeart/2005/8/quickstyle/simple1" qsCatId="simple" csTypeId="urn:microsoft.com/office/officeart/2005/8/colors/accent1_2" csCatId="accent1" phldr="1"/>
-      <dgm:spPr/>
-      <dgm:t>
-        <a:bodyPr/>
-        <a:lstStyle/>
-        <a:p>
-          <a:endParaRPr lang="en-GB"/>
-        </a:p>
-      </dgm:t>
-    </dgm:pt>
-    <dgm:pt modelId="{95FA51A4-834D-4EE1-9134-725C0F5D2958}">
-      <dgm:prSet phldrT="[Texto]"/>
-      <dgm:spPr/>
-      <dgm:t>
-        <a:bodyPr/>
-        <a:lstStyle/>
-        <a:p>
-          <a:r>
-            <a:rPr lang="es-ES" dirty="0"/>
-            <a:t>Id</a:t>
-          </a:r>
-          <a:endParaRPr lang="en-GB" dirty="0"/>
-        </a:p>
-      </dgm:t>
-    </dgm:pt>
-    <dgm:pt modelId="{D4F723A0-6D07-4293-9354-418D8F01542B}" type="parTrans" cxnId="{36A687A8-343B-4CF5-B690-27ACDD16CAD2}">
-      <dgm:prSet/>
-      <dgm:spPr/>
-      <dgm:t>
-        <a:bodyPr/>
-        <a:lstStyle/>
-        <a:p>
-          <a:endParaRPr lang="en-GB"/>
-        </a:p>
-      </dgm:t>
-    </dgm:pt>
-    <dgm:pt modelId="{188BBD3D-CC3C-46DA-90A6-BC774FBBD9DF}" type="sibTrans" cxnId="{36A687A8-343B-4CF5-B690-27ACDD16CAD2}">
-      <dgm:prSet/>
-      <dgm:spPr/>
-      <dgm:t>
-        <a:bodyPr/>
-        <a:lstStyle/>
-        <a:p>
-          <a:endParaRPr lang="en-GB"/>
-        </a:p>
-      </dgm:t>
-    </dgm:pt>
-    <dgm:pt modelId="{25103830-F553-439A-9127-FE769C4A083B}">
-      <dgm:prSet phldrT="[Texto]"/>
-      <dgm:spPr/>
-      <dgm:t>
-        <a:bodyPr/>
-        <a:lstStyle/>
-        <a:p>
-          <a:r>
-            <a:rPr lang="es-ES" dirty="0"/>
-            <a:t>Text</a:t>
-          </a:r>
-          <a:endParaRPr lang="en-GB" dirty="0"/>
-        </a:p>
-      </dgm:t>
-    </dgm:pt>
-    <dgm:pt modelId="{44A974AA-0C50-41EA-97FA-939A78EB0761}" type="parTrans" cxnId="{7AA2629B-A812-4A9C-8CB5-4F662072717B}">
-      <dgm:prSet/>
-      <dgm:spPr/>
-      <dgm:t>
-        <a:bodyPr/>
-        <a:lstStyle/>
-        <a:p>
-          <a:endParaRPr lang="en-GB"/>
-        </a:p>
-      </dgm:t>
-    </dgm:pt>
-    <dgm:pt modelId="{F5F43D10-4CC5-4DC2-B3DD-50A0C63A4010}" type="sibTrans" cxnId="{7AA2629B-A812-4A9C-8CB5-4F662072717B}">
-      <dgm:prSet/>
-      <dgm:spPr/>
-      <dgm:t>
-        <a:bodyPr/>
-        <a:lstStyle/>
-        <a:p>
-          <a:endParaRPr lang="en-GB"/>
-        </a:p>
-      </dgm:t>
-    </dgm:pt>
-    <dgm:pt modelId="{5FE1970C-B27A-4406-B70E-345DA49DD767}">
-      <dgm:prSet phldrT="[Texto]"/>
-      <dgm:spPr/>
-      <dgm:t>
-        <a:bodyPr/>
-        <a:lstStyle/>
-        <a:p>
-          <a:r>
-            <a:rPr lang="es-ES" dirty="0" err="1"/>
-            <a:t>Entities</a:t>
-          </a:r>
-          <a:r>
-            <a:rPr lang="es-ES" dirty="0"/>
-            <a:t> (hashtags, </a:t>
-          </a:r>
-          <a:r>
-            <a:rPr lang="es-ES" dirty="0" err="1"/>
-            <a:t>mentions</a:t>
-          </a:r>
-          <a:r>
-            <a:rPr lang="es-ES" dirty="0"/>
-            <a:t>)</a:t>
-          </a:r>
-          <a:endParaRPr lang="en-GB" dirty="0"/>
-        </a:p>
-      </dgm:t>
-    </dgm:pt>
-    <dgm:pt modelId="{DD7A1D6B-1745-4E98-9DDF-EDA4BE2CF160}" type="parTrans" cxnId="{4B0D23D9-AD1E-4E89-AB5A-F085451195C4}">
-      <dgm:prSet/>
-      <dgm:spPr/>
-      <dgm:t>
-        <a:bodyPr/>
-        <a:lstStyle/>
-        <a:p>
-          <a:endParaRPr lang="en-GB"/>
-        </a:p>
-      </dgm:t>
-    </dgm:pt>
-    <dgm:pt modelId="{9159E7C0-D39F-424B-B69E-84F263393897}" type="sibTrans" cxnId="{4B0D23D9-AD1E-4E89-AB5A-F085451195C4}">
-      <dgm:prSet/>
-      <dgm:spPr/>
-      <dgm:t>
-        <a:bodyPr/>
-        <a:lstStyle/>
-        <a:p>
-          <a:endParaRPr lang="en-GB"/>
-        </a:p>
-      </dgm:t>
-    </dgm:pt>
-    <dgm:pt modelId="{D78D9EE8-8188-46A4-BFE8-A6A288115181}">
-      <dgm:prSet phldrT="[Texto]"/>
-      <dgm:spPr/>
-      <dgm:t>
-        <a:bodyPr/>
-        <a:lstStyle/>
-        <a:p>
-          <a:r>
-            <a:rPr lang="es-ES" dirty="0" err="1"/>
-            <a:t>Information</a:t>
-          </a:r>
-          <a:r>
-            <a:rPr lang="es-ES" dirty="0"/>
-            <a:t> </a:t>
-          </a:r>
-          <a:r>
-            <a:rPr lang="es-ES" dirty="0" err="1"/>
-            <a:t>of</a:t>
-          </a:r>
-          <a:r>
-            <a:rPr lang="es-ES" dirty="0"/>
-            <a:t> </a:t>
-          </a:r>
-          <a:r>
-            <a:rPr lang="es-ES" dirty="0" err="1"/>
-            <a:t>user</a:t>
-          </a:r>
-          <a:endParaRPr lang="en-GB" dirty="0"/>
-        </a:p>
-      </dgm:t>
-    </dgm:pt>
-    <dgm:pt modelId="{0FB8411C-FDC5-4ED7-996E-80CD933BDDC0}" type="parTrans" cxnId="{EC6E2E91-F167-4BC7-8773-0D5E5151E521}">
-      <dgm:prSet/>
-      <dgm:spPr/>
-      <dgm:t>
-        <a:bodyPr/>
-        <a:lstStyle/>
-        <a:p>
-          <a:endParaRPr lang="en-GB"/>
-        </a:p>
-      </dgm:t>
-    </dgm:pt>
-    <dgm:pt modelId="{9770E5B2-6315-4146-9AA4-A5538CEB9120}" type="sibTrans" cxnId="{EC6E2E91-F167-4BC7-8773-0D5E5151E521}">
-      <dgm:prSet/>
-      <dgm:spPr/>
-      <dgm:t>
-        <a:bodyPr/>
-        <a:lstStyle/>
-        <a:p>
-          <a:endParaRPr lang="en-GB"/>
-        </a:p>
-      </dgm:t>
-    </dgm:pt>
-    <dgm:pt modelId="{6F512148-8219-4F81-8E10-C001E68301DE}">
-      <dgm:prSet phldrT="[Texto]"/>
-      <dgm:spPr/>
-      <dgm:t>
-        <a:bodyPr/>
-        <a:lstStyle/>
-        <a:p>
-          <a:r>
-            <a:rPr lang="es-ES" dirty="0" err="1"/>
-            <a:t>Impact</a:t>
-          </a:r>
-          <a:r>
-            <a:rPr lang="es-ES" dirty="0"/>
-            <a:t> </a:t>
-          </a:r>
-          <a:r>
-            <a:rPr lang="es-ES" dirty="0" err="1"/>
-            <a:t>of</a:t>
-          </a:r>
-          <a:r>
-            <a:rPr lang="es-ES" dirty="0"/>
-            <a:t> tweet</a:t>
-          </a:r>
-          <a:endParaRPr lang="en-GB" dirty="0"/>
-        </a:p>
-      </dgm:t>
-    </dgm:pt>
-    <dgm:pt modelId="{40DA1613-CD2E-4B50-8D7F-1F45F6DFC765}" type="parTrans" cxnId="{FCF7DDC5-F843-4125-87EB-17ECE366064C}">
-      <dgm:prSet/>
-      <dgm:spPr/>
-      <dgm:t>
-        <a:bodyPr/>
-        <a:lstStyle/>
-        <a:p>
-          <a:endParaRPr lang="en-GB"/>
-        </a:p>
-      </dgm:t>
-    </dgm:pt>
-    <dgm:pt modelId="{1D62BE9C-C69D-41B4-A411-3885B87D4E28}" type="sibTrans" cxnId="{FCF7DDC5-F843-4125-87EB-17ECE366064C}">
-      <dgm:prSet/>
-      <dgm:spPr/>
-      <dgm:t>
-        <a:bodyPr/>
-        <a:lstStyle/>
-        <a:p>
-          <a:endParaRPr lang="en-GB"/>
-        </a:p>
-      </dgm:t>
-    </dgm:pt>
-    <dgm:pt modelId="{10DC7316-BEB5-4E34-AB5A-92022B85F9DA}" type="pres">
-      <dgm:prSet presAssocID="{12A1EA06-02B5-4138-86D9-1D9519EA3DB5}" presName="vert0" presStyleCnt="0">
-        <dgm:presLayoutVars>
-          <dgm:dir/>
-          <dgm:animOne val="branch"/>
-          <dgm:animLvl val="lvl"/>
-        </dgm:presLayoutVars>
-      </dgm:prSet>
-      <dgm:spPr/>
-      <dgm:t>
-        <a:bodyPr/>
-        <a:lstStyle/>
-        <a:p>
-          <a:endParaRPr lang="es-ES_tradnl"/>
-        </a:p>
-      </dgm:t>
-    </dgm:pt>
-    <dgm:pt modelId="{470DB5D0-9EF1-49E5-81D2-E149DA81DA04}" type="pres">
-      <dgm:prSet presAssocID="{95FA51A4-834D-4EE1-9134-725C0F5D2958}" presName="thickLine" presStyleLbl="alignNode1" presStyleIdx="0" presStyleCnt="5"/>
-      <dgm:spPr/>
-    </dgm:pt>
-    <dgm:pt modelId="{15C97AF9-B0C7-48FB-AEDF-5F862E90767A}" type="pres">
-      <dgm:prSet presAssocID="{95FA51A4-834D-4EE1-9134-725C0F5D2958}" presName="horz1" presStyleCnt="0"/>
-      <dgm:spPr/>
-    </dgm:pt>
-    <dgm:pt modelId="{5BF1887B-8A01-47B8-BC51-AD1881EB2750}" type="pres">
-      <dgm:prSet presAssocID="{95FA51A4-834D-4EE1-9134-725C0F5D2958}" presName="tx1" presStyleLbl="revTx" presStyleIdx="0" presStyleCnt="5"/>
-      <dgm:spPr/>
-      <dgm:t>
-        <a:bodyPr/>
-        <a:lstStyle/>
-        <a:p>
-          <a:endParaRPr lang="es-ES_tradnl"/>
-        </a:p>
-      </dgm:t>
-    </dgm:pt>
-    <dgm:pt modelId="{1D1D6272-894F-4571-B532-E37FD94761DD}" type="pres">
-      <dgm:prSet presAssocID="{95FA51A4-834D-4EE1-9134-725C0F5D2958}" presName="vert1" presStyleCnt="0"/>
-      <dgm:spPr/>
-    </dgm:pt>
-    <dgm:pt modelId="{6B6FECF7-7266-48AC-BECB-C72F71FDF787}" type="pres">
-      <dgm:prSet presAssocID="{25103830-F553-439A-9127-FE769C4A083B}" presName="thickLine" presStyleLbl="alignNode1" presStyleIdx="1" presStyleCnt="5"/>
-      <dgm:spPr/>
-    </dgm:pt>
-    <dgm:pt modelId="{831D5B1D-6163-4A7B-A87C-1270B3DEC7CB}" type="pres">
-      <dgm:prSet presAssocID="{25103830-F553-439A-9127-FE769C4A083B}" presName="horz1" presStyleCnt="0"/>
-      <dgm:spPr/>
-    </dgm:pt>
-    <dgm:pt modelId="{E70CD125-40C2-4308-98DE-F49961EBEDD8}" type="pres">
-      <dgm:prSet presAssocID="{25103830-F553-439A-9127-FE769C4A083B}" presName="tx1" presStyleLbl="revTx" presStyleIdx="1" presStyleCnt="5"/>
-      <dgm:spPr/>
-      <dgm:t>
-        <a:bodyPr/>
-        <a:lstStyle/>
-        <a:p>
-          <a:endParaRPr lang="es-ES_tradnl"/>
-        </a:p>
-      </dgm:t>
-    </dgm:pt>
-    <dgm:pt modelId="{AB093892-A620-47CB-96F1-0A5F3A711473}" type="pres">
-      <dgm:prSet presAssocID="{25103830-F553-439A-9127-FE769C4A083B}" presName="vert1" presStyleCnt="0"/>
-      <dgm:spPr/>
-    </dgm:pt>
-    <dgm:pt modelId="{F345CF5F-BF03-4460-9A6F-9ACC89499420}" type="pres">
-      <dgm:prSet presAssocID="{5FE1970C-B27A-4406-B70E-345DA49DD767}" presName="thickLine" presStyleLbl="alignNode1" presStyleIdx="2" presStyleCnt="5"/>
-      <dgm:spPr/>
-    </dgm:pt>
-    <dgm:pt modelId="{5D37E809-45FF-478A-B4C6-44492C7DD6D9}" type="pres">
-      <dgm:prSet presAssocID="{5FE1970C-B27A-4406-B70E-345DA49DD767}" presName="horz1" presStyleCnt="0"/>
-      <dgm:spPr/>
-    </dgm:pt>
-    <dgm:pt modelId="{5511D2C0-81E2-437B-ACB6-2D3EFEA183BA}" type="pres">
-      <dgm:prSet presAssocID="{5FE1970C-B27A-4406-B70E-345DA49DD767}" presName="tx1" presStyleLbl="revTx" presStyleIdx="2" presStyleCnt="5"/>
-      <dgm:spPr/>
-      <dgm:t>
-        <a:bodyPr/>
-        <a:lstStyle/>
-        <a:p>
-          <a:endParaRPr lang="es-ES_tradnl"/>
-        </a:p>
-      </dgm:t>
-    </dgm:pt>
-    <dgm:pt modelId="{10EB79B5-8105-48D8-9C10-A642F0EC8538}" type="pres">
-      <dgm:prSet presAssocID="{5FE1970C-B27A-4406-B70E-345DA49DD767}" presName="vert1" presStyleCnt="0"/>
-      <dgm:spPr/>
-    </dgm:pt>
-    <dgm:pt modelId="{46D05F7D-9AFB-45D5-9DD9-9E6336A2B90E}" type="pres">
-      <dgm:prSet presAssocID="{D78D9EE8-8188-46A4-BFE8-A6A288115181}" presName="thickLine" presStyleLbl="alignNode1" presStyleIdx="3" presStyleCnt="5"/>
-      <dgm:spPr/>
-    </dgm:pt>
-    <dgm:pt modelId="{565C30E3-4DFF-4226-B40E-D268C5D2186D}" type="pres">
-      <dgm:prSet presAssocID="{D78D9EE8-8188-46A4-BFE8-A6A288115181}" presName="horz1" presStyleCnt="0"/>
-      <dgm:spPr/>
-    </dgm:pt>
-    <dgm:pt modelId="{E524C1C6-3455-4CFD-8426-791F0041DAA7}" type="pres">
-      <dgm:prSet presAssocID="{D78D9EE8-8188-46A4-BFE8-A6A288115181}" presName="tx1" presStyleLbl="revTx" presStyleIdx="3" presStyleCnt="5"/>
-      <dgm:spPr/>
-      <dgm:t>
-        <a:bodyPr/>
-        <a:lstStyle/>
-        <a:p>
-          <a:endParaRPr lang="es-ES_tradnl"/>
-        </a:p>
-      </dgm:t>
-    </dgm:pt>
-    <dgm:pt modelId="{C7A72AD2-A1A9-4B1C-B9D0-E04412EDCCD9}" type="pres">
-      <dgm:prSet presAssocID="{D78D9EE8-8188-46A4-BFE8-A6A288115181}" presName="vert1" presStyleCnt="0"/>
-      <dgm:spPr/>
-    </dgm:pt>
-    <dgm:pt modelId="{43700C84-20D4-4B09-946C-49F19441932E}" type="pres">
-      <dgm:prSet presAssocID="{6F512148-8219-4F81-8E10-C001E68301DE}" presName="thickLine" presStyleLbl="alignNode1" presStyleIdx="4" presStyleCnt="5"/>
-      <dgm:spPr/>
-    </dgm:pt>
-    <dgm:pt modelId="{231436DC-C2E7-4899-8FF5-7CACDF199452}" type="pres">
-      <dgm:prSet presAssocID="{6F512148-8219-4F81-8E10-C001E68301DE}" presName="horz1" presStyleCnt="0"/>
-      <dgm:spPr/>
-    </dgm:pt>
-    <dgm:pt modelId="{E50588D9-734D-4CF4-9462-86745D1B9141}" type="pres">
-      <dgm:prSet presAssocID="{6F512148-8219-4F81-8E10-C001E68301DE}" presName="tx1" presStyleLbl="revTx" presStyleIdx="4" presStyleCnt="5"/>
-      <dgm:spPr/>
-      <dgm:t>
-        <a:bodyPr/>
-        <a:lstStyle/>
-        <a:p>
-          <a:endParaRPr lang="es-ES_tradnl"/>
-        </a:p>
-      </dgm:t>
-    </dgm:pt>
-    <dgm:pt modelId="{63352534-528D-4976-81C7-532DBBC977CC}" type="pres">
-      <dgm:prSet presAssocID="{6F512148-8219-4F81-8E10-C001E68301DE}" presName="vert1" presStyleCnt="0"/>
-      <dgm:spPr/>
-    </dgm:pt>
-  </dgm:ptLst>
-  <dgm:cxnLst>
-    <dgm:cxn modelId="{36A687A8-343B-4CF5-B690-27ACDD16CAD2}" srcId="{12A1EA06-02B5-4138-86D9-1D9519EA3DB5}" destId="{95FA51A4-834D-4EE1-9134-725C0F5D2958}" srcOrd="0" destOrd="0" parTransId="{D4F723A0-6D07-4293-9354-418D8F01542B}" sibTransId="{188BBD3D-CC3C-46DA-90A6-BC774FBBD9DF}"/>
-    <dgm:cxn modelId="{A4E03FA6-0F8D-436C-8E57-E0FDC8FA0FF3}" type="presOf" srcId="{12A1EA06-02B5-4138-86D9-1D9519EA3DB5}" destId="{10DC7316-BEB5-4E34-AB5A-92022B85F9DA}" srcOrd="0" destOrd="0" presId="urn:microsoft.com/office/officeart/2008/layout/LinedList"/>
-    <dgm:cxn modelId="{894A646E-3604-4437-A591-7D7A75EE0B74}" type="presOf" srcId="{5FE1970C-B27A-4406-B70E-345DA49DD767}" destId="{5511D2C0-81E2-437B-ACB6-2D3EFEA183BA}" srcOrd="0" destOrd="0" presId="urn:microsoft.com/office/officeart/2008/layout/LinedList"/>
-    <dgm:cxn modelId="{FCF7DDC5-F843-4125-87EB-17ECE366064C}" srcId="{12A1EA06-02B5-4138-86D9-1D9519EA3DB5}" destId="{6F512148-8219-4F81-8E10-C001E68301DE}" srcOrd="4" destOrd="0" parTransId="{40DA1613-CD2E-4B50-8D7F-1F45F6DFC765}" sibTransId="{1D62BE9C-C69D-41B4-A411-3885B87D4E28}"/>
-    <dgm:cxn modelId="{7AA2629B-A812-4A9C-8CB5-4F662072717B}" srcId="{12A1EA06-02B5-4138-86D9-1D9519EA3DB5}" destId="{25103830-F553-439A-9127-FE769C4A083B}" srcOrd="1" destOrd="0" parTransId="{44A974AA-0C50-41EA-97FA-939A78EB0761}" sibTransId="{F5F43D10-4CC5-4DC2-B3DD-50A0C63A4010}"/>
-    <dgm:cxn modelId="{EC6E2E91-F167-4BC7-8773-0D5E5151E521}" srcId="{12A1EA06-02B5-4138-86D9-1D9519EA3DB5}" destId="{D78D9EE8-8188-46A4-BFE8-A6A288115181}" srcOrd="3" destOrd="0" parTransId="{0FB8411C-FDC5-4ED7-996E-80CD933BDDC0}" sibTransId="{9770E5B2-6315-4146-9AA4-A5538CEB9120}"/>
-    <dgm:cxn modelId="{4B0D23D9-AD1E-4E89-AB5A-F085451195C4}" srcId="{12A1EA06-02B5-4138-86D9-1D9519EA3DB5}" destId="{5FE1970C-B27A-4406-B70E-345DA49DD767}" srcOrd="2" destOrd="0" parTransId="{DD7A1D6B-1745-4E98-9DDF-EDA4BE2CF160}" sibTransId="{9159E7C0-D39F-424B-B69E-84F263393897}"/>
-    <dgm:cxn modelId="{84B1B489-7F40-4229-A0F6-267C9A6B0819}" type="presOf" srcId="{95FA51A4-834D-4EE1-9134-725C0F5D2958}" destId="{5BF1887B-8A01-47B8-BC51-AD1881EB2750}" srcOrd="0" destOrd="0" presId="urn:microsoft.com/office/officeart/2008/layout/LinedList"/>
-    <dgm:cxn modelId="{1E0392FC-1B84-4864-A40E-511F453530E3}" type="presOf" srcId="{6F512148-8219-4F81-8E10-C001E68301DE}" destId="{E50588D9-734D-4CF4-9462-86745D1B9141}" srcOrd="0" destOrd="0" presId="urn:microsoft.com/office/officeart/2008/layout/LinedList"/>
-    <dgm:cxn modelId="{48764411-2126-406F-A389-8A73C577D87D}" type="presOf" srcId="{D78D9EE8-8188-46A4-BFE8-A6A288115181}" destId="{E524C1C6-3455-4CFD-8426-791F0041DAA7}" srcOrd="0" destOrd="0" presId="urn:microsoft.com/office/officeart/2008/layout/LinedList"/>
-    <dgm:cxn modelId="{B94223CD-B852-428D-83AD-DD747B52CD23}" type="presOf" srcId="{25103830-F553-439A-9127-FE769C4A083B}" destId="{E70CD125-40C2-4308-98DE-F49961EBEDD8}" srcOrd="0" destOrd="0" presId="urn:microsoft.com/office/officeart/2008/layout/LinedList"/>
-    <dgm:cxn modelId="{DDC9AB4C-9A6D-45F2-8176-6C83E920240D}" type="presParOf" srcId="{10DC7316-BEB5-4E34-AB5A-92022B85F9DA}" destId="{470DB5D0-9EF1-49E5-81D2-E149DA81DA04}" srcOrd="0" destOrd="0" presId="urn:microsoft.com/office/officeart/2008/layout/LinedList"/>
-    <dgm:cxn modelId="{83BEA796-36B4-40DA-A4F0-03EA87D011DD}" type="presParOf" srcId="{10DC7316-BEB5-4E34-AB5A-92022B85F9DA}" destId="{15C97AF9-B0C7-48FB-AEDF-5F862E90767A}" srcOrd="1" destOrd="0" presId="urn:microsoft.com/office/officeart/2008/layout/LinedList"/>
-    <dgm:cxn modelId="{4769CD57-9638-49D0-8ABA-907A157AC8C3}" type="presParOf" srcId="{15C97AF9-B0C7-48FB-AEDF-5F862E90767A}" destId="{5BF1887B-8A01-47B8-BC51-AD1881EB2750}" srcOrd="0" destOrd="0" presId="urn:microsoft.com/office/officeart/2008/layout/LinedList"/>
-    <dgm:cxn modelId="{0C05F38A-DF3A-463E-AA50-263DAD353B84}" type="presParOf" srcId="{15C97AF9-B0C7-48FB-AEDF-5F862E90767A}" destId="{1D1D6272-894F-4571-B532-E37FD94761DD}" srcOrd="1" destOrd="0" presId="urn:microsoft.com/office/officeart/2008/layout/LinedList"/>
-    <dgm:cxn modelId="{AF87221A-5E87-46ED-82F7-1CDB4CF80510}" type="presParOf" srcId="{10DC7316-BEB5-4E34-AB5A-92022B85F9DA}" destId="{6B6FECF7-7266-48AC-BECB-C72F71FDF787}" srcOrd="2" destOrd="0" presId="urn:microsoft.com/office/officeart/2008/layout/LinedList"/>
-    <dgm:cxn modelId="{F0021EFF-7650-4E82-857E-FC525473101C}" type="presParOf" srcId="{10DC7316-BEB5-4E34-AB5A-92022B85F9DA}" destId="{831D5B1D-6163-4A7B-A87C-1270B3DEC7CB}" srcOrd="3" destOrd="0" presId="urn:microsoft.com/office/officeart/2008/layout/LinedList"/>
-    <dgm:cxn modelId="{DCCFC484-50E4-4669-86E4-5914F5F52E4C}" type="presParOf" srcId="{831D5B1D-6163-4A7B-A87C-1270B3DEC7CB}" destId="{E70CD125-40C2-4308-98DE-F49961EBEDD8}" srcOrd="0" destOrd="0" presId="urn:microsoft.com/office/officeart/2008/layout/LinedList"/>
-    <dgm:cxn modelId="{C084556C-9D8E-44AB-9606-1D02E6750A72}" type="presParOf" srcId="{831D5B1D-6163-4A7B-A87C-1270B3DEC7CB}" destId="{AB093892-A620-47CB-96F1-0A5F3A711473}" srcOrd="1" destOrd="0" presId="urn:microsoft.com/office/officeart/2008/layout/LinedList"/>
-    <dgm:cxn modelId="{832A9835-F063-4473-8123-3B1D3953C7E2}" type="presParOf" srcId="{10DC7316-BEB5-4E34-AB5A-92022B85F9DA}" destId="{F345CF5F-BF03-4460-9A6F-9ACC89499420}" srcOrd="4" destOrd="0" presId="urn:microsoft.com/office/officeart/2008/layout/LinedList"/>
-    <dgm:cxn modelId="{6D2DC26E-D08C-47E8-ADC1-1D64478A84CD}" type="presParOf" srcId="{10DC7316-BEB5-4E34-AB5A-92022B85F9DA}" destId="{5D37E809-45FF-478A-B4C6-44492C7DD6D9}" srcOrd="5" destOrd="0" presId="urn:microsoft.com/office/officeart/2008/layout/LinedList"/>
-    <dgm:cxn modelId="{69701953-71E6-4AF8-8AC0-88C69162FE34}" type="presParOf" srcId="{5D37E809-45FF-478A-B4C6-44492C7DD6D9}" destId="{5511D2C0-81E2-437B-ACB6-2D3EFEA183BA}" srcOrd="0" destOrd="0" presId="urn:microsoft.com/office/officeart/2008/layout/LinedList"/>
-    <dgm:cxn modelId="{C226C6C7-FFF5-4209-95B0-000F6E36C604}" type="presParOf" srcId="{5D37E809-45FF-478A-B4C6-44492C7DD6D9}" destId="{10EB79B5-8105-48D8-9C10-A642F0EC8538}" srcOrd="1" destOrd="0" presId="urn:microsoft.com/office/officeart/2008/layout/LinedList"/>
-    <dgm:cxn modelId="{24B05772-484C-4705-8F6C-B5675E80CAAE}" type="presParOf" srcId="{10DC7316-BEB5-4E34-AB5A-92022B85F9DA}" destId="{46D05F7D-9AFB-45D5-9DD9-9E6336A2B90E}" srcOrd="6" destOrd="0" presId="urn:microsoft.com/office/officeart/2008/layout/LinedList"/>
-    <dgm:cxn modelId="{AA60319D-7A16-4A24-834C-A82963869133}" type="presParOf" srcId="{10DC7316-BEB5-4E34-AB5A-92022B85F9DA}" destId="{565C30E3-4DFF-4226-B40E-D268C5D2186D}" srcOrd="7" destOrd="0" presId="urn:microsoft.com/office/officeart/2008/layout/LinedList"/>
-    <dgm:cxn modelId="{9B6498C6-54F2-4FE3-A2BE-A26AFFE27500}" type="presParOf" srcId="{565C30E3-4DFF-4226-B40E-D268C5D2186D}" destId="{E524C1C6-3455-4CFD-8426-791F0041DAA7}" srcOrd="0" destOrd="0" presId="urn:microsoft.com/office/officeart/2008/layout/LinedList"/>
-    <dgm:cxn modelId="{96FC4519-3BFD-4224-B942-C7A70FB5A3BE}" type="presParOf" srcId="{565C30E3-4DFF-4226-B40E-D268C5D2186D}" destId="{C7A72AD2-A1A9-4B1C-B9D0-E04412EDCCD9}" srcOrd="1" destOrd="0" presId="urn:microsoft.com/office/officeart/2008/layout/LinedList"/>
-    <dgm:cxn modelId="{648F3003-CC76-4183-AB54-B7D7B95E69C6}" type="presParOf" srcId="{10DC7316-BEB5-4E34-AB5A-92022B85F9DA}" destId="{43700C84-20D4-4B09-946C-49F19441932E}" srcOrd="8" destOrd="0" presId="urn:microsoft.com/office/officeart/2008/layout/LinedList"/>
-    <dgm:cxn modelId="{8159263E-0716-4040-B69E-1083C777729C}" type="presParOf" srcId="{10DC7316-BEB5-4E34-AB5A-92022B85F9DA}" destId="{231436DC-C2E7-4899-8FF5-7CACDF199452}" srcOrd="9" destOrd="0" presId="urn:microsoft.com/office/officeart/2008/layout/LinedList"/>
-    <dgm:cxn modelId="{5BDF1F7F-661E-4566-99C7-757826C369FD}" type="presParOf" srcId="{231436DC-C2E7-4899-8FF5-7CACDF199452}" destId="{E50588D9-734D-4CF4-9462-86745D1B9141}" srcOrd="0" destOrd="0" presId="urn:microsoft.com/office/officeart/2008/layout/LinedList"/>
-    <dgm:cxn modelId="{ACFFE3DE-D2A4-44EF-A9F0-657C672E778F}" type="presParOf" srcId="{231436DC-C2E7-4899-8FF5-7CACDF199452}" destId="{63352534-528D-4976-81C7-532DBBC977CC}" srcOrd="1" destOrd="0" presId="urn:microsoft.com/office/officeart/2008/layout/LinedList"/>
-  </dgm:cxnLst>
-  <dgm:bg/>
-  <dgm:whole/>
-  <dgm:extLst>
-    <a:ext uri="http://schemas.microsoft.com/office/drawing/2008/diagram">
-      <dsp:dataModelExt xmlns:dsp="http://schemas.microsoft.com/office/drawing/2008/diagram" relId="rId11" minVer="http://schemas.openxmlformats.org/drawingml/2006/diagram"/>
-    </a:ext>
-  </dgm:extLst>
-</dgm:dataModel>
-</file>
-
-<file path=ppt/diagrams/data5.xml><?xml version="1.0" encoding="utf-8"?>
 <dgm:dataModel xmlns:dgm="http://schemas.openxmlformats.org/drawingml/2006/diagram" xmlns:a="http://schemas.openxmlformats.org/drawingml/2006/main">
   <dgm:ptLst>
     <dgm:pt modelId="{1A83A397-9752-44D8-928B-BD77A2D011B3}" type="doc">
@@ -5613,21 +5080,21 @@
     </dgm:pt>
   </dgm:ptLst>
   <dgm:cxnLst>
+    <dgm:cxn modelId="{9ADAC277-F909-4CB1-A85E-1433B3529E98}" srcId="{0219E034-AF4C-475D-B6E7-82A870FACCCC}" destId="{2B2880F9-55E5-49ED-8E33-9F5627C3B520}" srcOrd="1" destOrd="0" parTransId="{B8CB6F02-DAC1-4456-A097-6AE1610AE1D9}" sibTransId="{E1F3EC87-D003-4A3C-B824-CE54E8BB2655}"/>
     <dgm:cxn modelId="{A1755BE7-25D3-47DD-8E9D-AE216A7FD57F}" type="presOf" srcId="{1A83A397-9752-44D8-928B-BD77A2D011B3}" destId="{03FF4F4B-322C-442A-B7FE-5765012B0349}" srcOrd="0" destOrd="0" presId="urn:microsoft.com/office/officeart/2005/8/layout/hierarchy2"/>
-    <dgm:cxn modelId="{25ECA16D-0769-453B-BF48-89C48A9A98C1}" type="presOf" srcId="{8B3A4E7D-3269-4C83-89F3-4CA429309498}" destId="{1E56210F-6CE6-4DD2-ACB8-CC8B6B2F9515}" srcOrd="0" destOrd="0" presId="urn:microsoft.com/office/officeart/2005/8/layout/hierarchy2"/>
+    <dgm:cxn modelId="{F6020431-E627-41B1-8570-C48C88AA67B0}" type="presOf" srcId="{AB9CCEB4-8828-486D-B82D-15BE50DBDCD3}" destId="{A344F690-7383-498D-B42C-7E12860C3B17}" srcOrd="0" destOrd="0" presId="urn:microsoft.com/office/officeart/2005/8/layout/hierarchy2"/>
+    <dgm:cxn modelId="{1F660E23-F919-4D2C-89EA-1E5EB1193556}" type="presOf" srcId="{0219E034-AF4C-475D-B6E7-82A870FACCCC}" destId="{9FCD4B2A-DA32-43E2-B487-D226E6438787}" srcOrd="0" destOrd="0" presId="urn:microsoft.com/office/officeart/2005/8/layout/hierarchy2"/>
+    <dgm:cxn modelId="{D65590B2-C226-462B-906A-D5D094B2E1B7}" srcId="{1A83A397-9752-44D8-928B-BD77A2D011B3}" destId="{0219E034-AF4C-475D-B6E7-82A870FACCCC}" srcOrd="0" destOrd="0" parTransId="{1E7504BC-FD3E-4CB5-8448-7B6E02A437E2}" sibTransId="{DA6710C6-927A-48A4-9D63-E1F8F37EE5EB}"/>
+    <dgm:cxn modelId="{E2BAFAB7-DC2B-4A11-9F8E-BA8D64C5230A}" type="presOf" srcId="{B8CB6F02-DAC1-4456-A097-6AE1610AE1D9}" destId="{99348ADB-093D-45FE-BECC-4CC0D6755CF6}" srcOrd="1" destOrd="0" presId="urn:microsoft.com/office/officeart/2005/8/layout/hierarchy2"/>
+    <dgm:cxn modelId="{C5243614-7BBA-4801-8C67-E7956AC52C6A}" srcId="{0219E034-AF4C-475D-B6E7-82A870FACCCC}" destId="{AB9CCEB4-8828-486D-B82D-15BE50DBDCD3}" srcOrd="2" destOrd="0" parTransId="{9F315F11-CE4E-4647-AC74-DFF45127B67D}" sibTransId="{085A98A6-6A8A-4C8D-A7C1-8F4E92BADE45}"/>
+    <dgm:cxn modelId="{5EFF8C44-4609-4B6A-B178-9D4A5A72C59F}" type="presOf" srcId="{BA182E10-CCF4-4F85-BFA0-151C2CB19CC2}" destId="{26D72EED-E068-43D9-8934-11630CD0FA6C}" srcOrd="0" destOrd="0" presId="urn:microsoft.com/office/officeart/2005/8/layout/hierarchy2"/>
+    <dgm:cxn modelId="{E58E251E-DCB6-4679-8C66-DE2A81969E59}" type="presOf" srcId="{9F315F11-CE4E-4647-AC74-DFF45127B67D}" destId="{47028209-C738-49C0-B43F-734F468CB14E}" srcOrd="1" destOrd="0" presId="urn:microsoft.com/office/officeart/2005/8/layout/hierarchy2"/>
+    <dgm:cxn modelId="{A880BDC0-086A-4801-85FF-EAAEFD1411E9}" type="presOf" srcId="{BA182E10-CCF4-4F85-BFA0-151C2CB19CC2}" destId="{AE5BB926-FC4E-48BC-8740-E56A7FDB2856}" srcOrd="1" destOrd="0" presId="urn:microsoft.com/office/officeart/2005/8/layout/hierarchy2"/>
+    <dgm:cxn modelId="{07A2BCA0-392C-4A22-9EA7-01A81E54C6CD}" type="presOf" srcId="{B8CB6F02-DAC1-4456-A097-6AE1610AE1D9}" destId="{136F9DBB-E600-48D5-BDAB-5077D57D50AA}" srcOrd="0" destOrd="0" presId="urn:microsoft.com/office/officeart/2005/8/layout/hierarchy2"/>
     <dgm:cxn modelId="{0ED95747-78E4-4AFB-A9A0-40EAA7EBDD7F}" type="presOf" srcId="{2B2880F9-55E5-49ED-8E33-9F5627C3B520}" destId="{806EF166-724E-4559-AC86-DD6E259A7871}" srcOrd="0" destOrd="0" presId="urn:microsoft.com/office/officeart/2005/8/layout/hierarchy2"/>
     <dgm:cxn modelId="{409EAF45-2722-4360-B03E-D16295B09604}" srcId="{0219E034-AF4C-475D-B6E7-82A870FACCCC}" destId="{8B3A4E7D-3269-4C83-89F3-4CA429309498}" srcOrd="0" destOrd="0" parTransId="{BA182E10-CCF4-4F85-BFA0-151C2CB19CC2}" sibTransId="{48E3F399-96C3-4078-85BD-01E7114AF0CE}"/>
-    <dgm:cxn modelId="{5EFF8C44-4609-4B6A-B178-9D4A5A72C59F}" type="presOf" srcId="{BA182E10-CCF4-4F85-BFA0-151C2CB19CC2}" destId="{26D72EED-E068-43D9-8934-11630CD0FA6C}" srcOrd="0" destOrd="0" presId="urn:microsoft.com/office/officeart/2005/8/layout/hierarchy2"/>
-    <dgm:cxn modelId="{A880BDC0-086A-4801-85FF-EAAEFD1411E9}" type="presOf" srcId="{BA182E10-CCF4-4F85-BFA0-151C2CB19CC2}" destId="{AE5BB926-FC4E-48BC-8740-E56A7FDB2856}" srcOrd="1" destOrd="0" presId="urn:microsoft.com/office/officeart/2005/8/layout/hierarchy2"/>
-    <dgm:cxn modelId="{F6020431-E627-41B1-8570-C48C88AA67B0}" type="presOf" srcId="{AB9CCEB4-8828-486D-B82D-15BE50DBDCD3}" destId="{A344F690-7383-498D-B42C-7E12860C3B17}" srcOrd="0" destOrd="0" presId="urn:microsoft.com/office/officeart/2005/8/layout/hierarchy2"/>
-    <dgm:cxn modelId="{9ADAC277-F909-4CB1-A85E-1433B3529E98}" srcId="{0219E034-AF4C-475D-B6E7-82A870FACCCC}" destId="{2B2880F9-55E5-49ED-8E33-9F5627C3B520}" srcOrd="1" destOrd="0" parTransId="{B8CB6F02-DAC1-4456-A097-6AE1610AE1D9}" sibTransId="{E1F3EC87-D003-4A3C-B824-CE54E8BB2655}"/>
-    <dgm:cxn modelId="{D65590B2-C226-462B-906A-D5D094B2E1B7}" srcId="{1A83A397-9752-44D8-928B-BD77A2D011B3}" destId="{0219E034-AF4C-475D-B6E7-82A870FACCCC}" srcOrd="0" destOrd="0" parTransId="{1E7504BC-FD3E-4CB5-8448-7B6E02A437E2}" sibTransId="{DA6710C6-927A-48A4-9D63-E1F8F37EE5EB}"/>
-    <dgm:cxn modelId="{E58E251E-DCB6-4679-8C66-DE2A81969E59}" type="presOf" srcId="{9F315F11-CE4E-4647-AC74-DFF45127B67D}" destId="{47028209-C738-49C0-B43F-734F468CB14E}" srcOrd="1" destOrd="0" presId="urn:microsoft.com/office/officeart/2005/8/layout/hierarchy2"/>
     <dgm:cxn modelId="{F2BC7B4F-3BF6-4798-A1EF-3736E9862178}" type="presOf" srcId="{9F315F11-CE4E-4647-AC74-DFF45127B67D}" destId="{3A533134-6777-4855-BE27-367216C161A0}" srcOrd="0" destOrd="0" presId="urn:microsoft.com/office/officeart/2005/8/layout/hierarchy2"/>
-    <dgm:cxn modelId="{C5243614-7BBA-4801-8C67-E7956AC52C6A}" srcId="{0219E034-AF4C-475D-B6E7-82A870FACCCC}" destId="{AB9CCEB4-8828-486D-B82D-15BE50DBDCD3}" srcOrd="2" destOrd="0" parTransId="{9F315F11-CE4E-4647-AC74-DFF45127B67D}" sibTransId="{085A98A6-6A8A-4C8D-A7C1-8F4E92BADE45}"/>
-    <dgm:cxn modelId="{07A2BCA0-392C-4A22-9EA7-01A81E54C6CD}" type="presOf" srcId="{B8CB6F02-DAC1-4456-A097-6AE1610AE1D9}" destId="{136F9DBB-E600-48D5-BDAB-5077D57D50AA}" srcOrd="0" destOrd="0" presId="urn:microsoft.com/office/officeart/2005/8/layout/hierarchy2"/>
-    <dgm:cxn modelId="{1F660E23-F919-4D2C-89EA-1E5EB1193556}" type="presOf" srcId="{0219E034-AF4C-475D-B6E7-82A870FACCCC}" destId="{9FCD4B2A-DA32-43E2-B487-D226E6438787}" srcOrd="0" destOrd="0" presId="urn:microsoft.com/office/officeart/2005/8/layout/hierarchy2"/>
-    <dgm:cxn modelId="{E2BAFAB7-DC2B-4A11-9F8E-BA8D64C5230A}" type="presOf" srcId="{B8CB6F02-DAC1-4456-A097-6AE1610AE1D9}" destId="{99348ADB-093D-45FE-BECC-4CC0D6755CF6}" srcOrd="1" destOrd="0" presId="urn:microsoft.com/office/officeart/2005/8/layout/hierarchy2"/>
+    <dgm:cxn modelId="{25ECA16D-0769-453B-BF48-89C48A9A98C1}" type="presOf" srcId="{8B3A4E7D-3269-4C83-89F3-4CA429309498}" destId="{1E56210F-6CE6-4DD2-ACB8-CC8B6B2F9515}" srcOrd="0" destOrd="0" presId="urn:microsoft.com/office/officeart/2005/8/layout/hierarchy2"/>
     <dgm:cxn modelId="{8F44A096-283A-4CF6-BAFE-B710FDFF1708}" type="presParOf" srcId="{03FF4F4B-322C-442A-B7FE-5765012B0349}" destId="{408C97A3-02A7-4CF6-9095-4827F1B6C828}" srcOrd="0" destOrd="0" presId="urn:microsoft.com/office/officeart/2005/8/layout/hierarchy2"/>
     <dgm:cxn modelId="{C51327C7-8CC6-4D10-9C23-F29C76C701E3}" type="presParOf" srcId="{408C97A3-02A7-4CF6-9095-4827F1B6C828}" destId="{9FCD4B2A-DA32-43E2-B487-D226E6438787}" srcOrd="0" destOrd="0" presId="urn:microsoft.com/office/officeart/2005/8/layout/hierarchy2"/>
     <dgm:cxn modelId="{21746A78-565F-4B12-934E-7D08128E2539}" type="presParOf" srcId="{408C97A3-02A7-4CF6-9095-4827F1B6C828}" destId="{48BEF979-0731-4DFA-BF6C-47AEE6A87E82}" srcOrd="1" destOrd="0" presId="urn:microsoft.com/office/officeart/2005/8/layout/hierarchy2"/>
@@ -5651,14 +5118,572 @@
   <dgm:whole/>
   <dgm:extLst>
     <a:ext uri="http://schemas.microsoft.com/office/drawing/2008/diagram">
-      <dsp:dataModelExt xmlns:dsp="http://schemas.microsoft.com/office/drawing/2008/diagram" relId="rId6" minVer="http://schemas.openxmlformats.org/drawingml/2006/diagram"/>
+      <dsp:dataModelExt xmlns:dsp="http://schemas.microsoft.com/office/drawing/2008/diagram" xmlns="" relId="rId6" minVer="http://schemas.openxmlformats.org/drawingml/2006/diagram"/>
+    </a:ext>
+  </dgm:extLst>
+</dgm:dataModel>
+</file>
+
+<file path=ppt/diagrams/data4.xml><?xml version="1.0" encoding="utf-8"?>
+<dgm:dataModel xmlns:dgm="http://schemas.openxmlformats.org/drawingml/2006/diagram" xmlns:a="http://schemas.openxmlformats.org/drawingml/2006/main">
+  <dgm:ptLst>
+    <dgm:pt modelId="{12A1EA06-02B5-4138-86D9-1D9519EA3DB5}" type="doc">
+      <dgm:prSet loTypeId="urn:microsoft.com/office/officeart/2008/layout/LinedList" loCatId="list" qsTypeId="urn:microsoft.com/office/officeart/2005/8/quickstyle/simple1" qsCatId="simple" csTypeId="urn:microsoft.com/office/officeart/2005/8/colors/accent1_2" csCatId="accent1" phldr="1"/>
+      <dgm:spPr/>
+      <dgm:t>
+        <a:bodyPr/>
+        <a:lstStyle/>
+        <a:p>
+          <a:endParaRPr lang="en-GB"/>
+        </a:p>
+      </dgm:t>
+    </dgm:pt>
+    <dgm:pt modelId="{95FA51A4-834D-4EE1-9134-725C0F5D2958}">
+      <dgm:prSet phldrT="[Texto]"/>
+      <dgm:spPr>
+        <a:solidFill>
+          <a:srgbClr val="F8F8F8"/>
+        </a:solidFill>
+      </dgm:spPr>
+      <dgm:t>
+        <a:bodyPr/>
+        <a:lstStyle/>
+        <a:p>
+          <a:r>
+            <a:rPr lang="es-ES" dirty="0" err="1"/>
+            <a:t>Screen</a:t>
+          </a:r>
+          <a:r>
+            <a:rPr lang="es-ES" dirty="0"/>
+            <a:t> </a:t>
+          </a:r>
+          <a:r>
+            <a:rPr lang="es-ES" dirty="0" err="1"/>
+            <a:t>name</a:t>
+          </a:r>
+          <a:endParaRPr lang="en-GB" dirty="0"/>
+        </a:p>
+      </dgm:t>
+    </dgm:pt>
+    <dgm:pt modelId="{D4F723A0-6D07-4293-9354-418D8F01542B}" type="parTrans" cxnId="{36A687A8-343B-4CF5-B690-27ACDD16CAD2}">
+      <dgm:prSet/>
+      <dgm:spPr/>
+      <dgm:t>
+        <a:bodyPr/>
+        <a:lstStyle/>
+        <a:p>
+          <a:endParaRPr lang="en-GB"/>
+        </a:p>
+      </dgm:t>
+    </dgm:pt>
+    <dgm:pt modelId="{188BBD3D-CC3C-46DA-90A6-BC774FBBD9DF}" type="sibTrans" cxnId="{36A687A8-343B-4CF5-B690-27ACDD16CAD2}">
+      <dgm:prSet/>
+      <dgm:spPr/>
+      <dgm:t>
+        <a:bodyPr/>
+        <a:lstStyle/>
+        <a:p>
+          <a:endParaRPr lang="en-GB"/>
+        </a:p>
+      </dgm:t>
+    </dgm:pt>
+    <dgm:pt modelId="{10DC7316-BEB5-4E34-AB5A-92022B85F9DA}" type="pres">
+      <dgm:prSet presAssocID="{12A1EA06-02B5-4138-86D9-1D9519EA3DB5}" presName="vert0" presStyleCnt="0">
+        <dgm:presLayoutVars>
+          <dgm:dir/>
+          <dgm:animOne val="branch"/>
+          <dgm:animLvl val="lvl"/>
+        </dgm:presLayoutVars>
+      </dgm:prSet>
+      <dgm:spPr/>
+      <dgm:t>
+        <a:bodyPr/>
+        <a:lstStyle/>
+        <a:p>
+          <a:endParaRPr lang="es-ES_tradnl"/>
+        </a:p>
+      </dgm:t>
+    </dgm:pt>
+    <dgm:pt modelId="{470DB5D0-9EF1-49E5-81D2-E149DA81DA04}" type="pres">
+      <dgm:prSet presAssocID="{95FA51A4-834D-4EE1-9134-725C0F5D2958}" presName="thickLine" presStyleLbl="alignNode1" presStyleIdx="0" presStyleCnt="1"/>
+      <dgm:spPr/>
+    </dgm:pt>
+    <dgm:pt modelId="{15C97AF9-B0C7-48FB-AEDF-5F862E90767A}" type="pres">
+      <dgm:prSet presAssocID="{95FA51A4-834D-4EE1-9134-725C0F5D2958}" presName="horz1" presStyleCnt="0"/>
+      <dgm:spPr/>
+    </dgm:pt>
+    <dgm:pt modelId="{5BF1887B-8A01-47B8-BC51-AD1881EB2750}" type="pres">
+      <dgm:prSet presAssocID="{95FA51A4-834D-4EE1-9134-725C0F5D2958}" presName="tx1" presStyleLbl="revTx" presStyleIdx="0" presStyleCnt="1"/>
+      <dgm:spPr/>
+      <dgm:t>
+        <a:bodyPr/>
+        <a:lstStyle/>
+        <a:p>
+          <a:endParaRPr lang="es-ES_tradnl"/>
+        </a:p>
+      </dgm:t>
+    </dgm:pt>
+    <dgm:pt modelId="{1D1D6272-894F-4571-B532-E37FD94761DD}" type="pres">
+      <dgm:prSet presAssocID="{95FA51A4-834D-4EE1-9134-725C0F5D2958}" presName="vert1" presStyleCnt="0"/>
+      <dgm:spPr/>
+    </dgm:pt>
+  </dgm:ptLst>
+  <dgm:cxnLst>
+    <dgm:cxn modelId="{36A687A8-343B-4CF5-B690-27ACDD16CAD2}" srcId="{12A1EA06-02B5-4138-86D9-1D9519EA3DB5}" destId="{95FA51A4-834D-4EE1-9134-725C0F5D2958}" srcOrd="0" destOrd="0" parTransId="{D4F723A0-6D07-4293-9354-418D8F01542B}" sibTransId="{188BBD3D-CC3C-46DA-90A6-BC774FBBD9DF}"/>
+    <dgm:cxn modelId="{8DC9D9AF-59D4-4520-B92C-A915A60034F2}" type="presOf" srcId="{95FA51A4-834D-4EE1-9134-725C0F5D2958}" destId="{5BF1887B-8A01-47B8-BC51-AD1881EB2750}" srcOrd="0" destOrd="0" presId="urn:microsoft.com/office/officeart/2008/layout/LinedList"/>
+    <dgm:cxn modelId="{0479F472-7AA3-4E52-A88E-5CF19A136425}" type="presOf" srcId="{12A1EA06-02B5-4138-86D9-1D9519EA3DB5}" destId="{10DC7316-BEB5-4E34-AB5A-92022B85F9DA}" srcOrd="0" destOrd="0" presId="urn:microsoft.com/office/officeart/2008/layout/LinedList"/>
+    <dgm:cxn modelId="{134C0B48-4ED0-4998-A675-F3C41791A6A8}" type="presParOf" srcId="{10DC7316-BEB5-4E34-AB5A-92022B85F9DA}" destId="{470DB5D0-9EF1-49E5-81D2-E149DA81DA04}" srcOrd="0" destOrd="0" presId="urn:microsoft.com/office/officeart/2008/layout/LinedList"/>
+    <dgm:cxn modelId="{D9408458-4001-4A4D-B99A-BA4915C2E0BE}" type="presParOf" srcId="{10DC7316-BEB5-4E34-AB5A-92022B85F9DA}" destId="{15C97AF9-B0C7-48FB-AEDF-5F862E90767A}" srcOrd="1" destOrd="0" presId="urn:microsoft.com/office/officeart/2008/layout/LinedList"/>
+    <dgm:cxn modelId="{6C1ECD98-A841-4340-A6C3-144C41CDA848}" type="presParOf" srcId="{15C97AF9-B0C7-48FB-AEDF-5F862E90767A}" destId="{5BF1887B-8A01-47B8-BC51-AD1881EB2750}" srcOrd="0" destOrd="0" presId="urn:microsoft.com/office/officeart/2008/layout/LinedList"/>
+    <dgm:cxn modelId="{7FA87C9C-1DD5-4D4E-A082-595E3206A2FD}" type="presParOf" srcId="{15C97AF9-B0C7-48FB-AEDF-5F862E90767A}" destId="{1D1D6272-894F-4571-B532-E37FD94761DD}" srcOrd="1" destOrd="0" presId="urn:microsoft.com/office/officeart/2008/layout/LinedList"/>
+  </dgm:cxnLst>
+  <dgm:bg/>
+  <dgm:whole/>
+  <dgm:extLst>
+    <a:ext uri="http://schemas.microsoft.com/office/drawing/2008/diagram">
+      <dsp:dataModelExt xmlns:dsp="http://schemas.microsoft.com/office/drawing/2008/diagram" xmlns="" relId="rId6" minVer="http://schemas.openxmlformats.org/drawingml/2006/diagram"/>
+    </a:ext>
+  </dgm:extLst>
+</dgm:dataModel>
+</file>
+
+<file path=ppt/diagrams/data5.xml><?xml version="1.0" encoding="utf-8"?>
+<dgm:dataModel xmlns:dgm="http://schemas.openxmlformats.org/drawingml/2006/diagram" xmlns:a="http://schemas.openxmlformats.org/drawingml/2006/main">
+  <dgm:ptLst>
+    <dgm:pt modelId="{12A1EA06-02B5-4138-86D9-1D9519EA3DB5}" type="doc">
+      <dgm:prSet loTypeId="urn:microsoft.com/office/officeart/2008/layout/LinedList" loCatId="list" qsTypeId="urn:microsoft.com/office/officeart/2005/8/quickstyle/simple1" qsCatId="simple" csTypeId="urn:microsoft.com/office/officeart/2005/8/colors/accent1_2" csCatId="accent1" phldr="1"/>
+      <dgm:spPr/>
+      <dgm:t>
+        <a:bodyPr/>
+        <a:lstStyle/>
+        <a:p>
+          <a:endParaRPr lang="en-GB"/>
+        </a:p>
+      </dgm:t>
+    </dgm:pt>
+    <dgm:pt modelId="{95FA51A4-834D-4EE1-9134-725C0F5D2958}">
+      <dgm:prSet phldrT="[Texto]"/>
+      <dgm:spPr>
+        <a:solidFill>
+          <a:srgbClr val="F8F8F8"/>
+        </a:solidFill>
+      </dgm:spPr>
+      <dgm:t>
+        <a:bodyPr/>
+        <a:lstStyle/>
+        <a:p>
+          <a:r>
+            <a:rPr lang="es-ES" dirty="0"/>
+            <a:t>Id</a:t>
+          </a:r>
+          <a:endParaRPr lang="en-GB" dirty="0"/>
+        </a:p>
+      </dgm:t>
+    </dgm:pt>
+    <dgm:pt modelId="{D4F723A0-6D07-4293-9354-418D8F01542B}" type="parTrans" cxnId="{36A687A8-343B-4CF5-B690-27ACDD16CAD2}">
+      <dgm:prSet/>
+      <dgm:spPr/>
+      <dgm:t>
+        <a:bodyPr/>
+        <a:lstStyle/>
+        <a:p>
+          <a:endParaRPr lang="en-GB"/>
+        </a:p>
+      </dgm:t>
+    </dgm:pt>
+    <dgm:pt modelId="{188BBD3D-CC3C-46DA-90A6-BC774FBBD9DF}" type="sibTrans" cxnId="{36A687A8-343B-4CF5-B690-27ACDD16CAD2}">
+      <dgm:prSet/>
+      <dgm:spPr/>
+      <dgm:t>
+        <a:bodyPr/>
+        <a:lstStyle/>
+        <a:p>
+          <a:endParaRPr lang="en-GB"/>
+        </a:p>
+      </dgm:t>
+    </dgm:pt>
+    <dgm:pt modelId="{25103830-F553-439A-9127-FE769C4A083B}">
+      <dgm:prSet phldrT="[Texto]"/>
+      <dgm:spPr>
+        <a:solidFill>
+          <a:srgbClr val="F8F8F8"/>
+        </a:solidFill>
+      </dgm:spPr>
+      <dgm:t>
+        <a:bodyPr/>
+        <a:lstStyle/>
+        <a:p>
+          <a:r>
+            <a:rPr lang="es-ES" dirty="0"/>
+            <a:t>Text</a:t>
+          </a:r>
+          <a:endParaRPr lang="en-GB" dirty="0"/>
+        </a:p>
+      </dgm:t>
+    </dgm:pt>
+    <dgm:pt modelId="{44A974AA-0C50-41EA-97FA-939A78EB0761}" type="parTrans" cxnId="{7AA2629B-A812-4A9C-8CB5-4F662072717B}">
+      <dgm:prSet/>
+      <dgm:spPr/>
+      <dgm:t>
+        <a:bodyPr/>
+        <a:lstStyle/>
+        <a:p>
+          <a:endParaRPr lang="en-GB"/>
+        </a:p>
+      </dgm:t>
+    </dgm:pt>
+    <dgm:pt modelId="{F5F43D10-4CC5-4DC2-B3DD-50A0C63A4010}" type="sibTrans" cxnId="{7AA2629B-A812-4A9C-8CB5-4F662072717B}">
+      <dgm:prSet/>
+      <dgm:spPr/>
+      <dgm:t>
+        <a:bodyPr/>
+        <a:lstStyle/>
+        <a:p>
+          <a:endParaRPr lang="en-GB"/>
+        </a:p>
+      </dgm:t>
+    </dgm:pt>
+    <dgm:pt modelId="{5FE1970C-B27A-4406-B70E-345DA49DD767}">
+      <dgm:prSet phldrT="[Texto]"/>
+      <dgm:spPr>
+        <a:solidFill>
+          <a:srgbClr val="F8F8F8"/>
+        </a:solidFill>
+      </dgm:spPr>
+      <dgm:t>
+        <a:bodyPr/>
+        <a:lstStyle/>
+        <a:p>
+          <a:r>
+            <a:rPr lang="es-ES" dirty="0" err="1"/>
+            <a:t>Entities</a:t>
+          </a:r>
+          <a:r>
+            <a:rPr lang="es-ES" dirty="0"/>
+            <a:t> (hashtags, </a:t>
+          </a:r>
+          <a:r>
+            <a:rPr lang="es-ES" dirty="0" err="1"/>
+            <a:t>mentions</a:t>
+          </a:r>
+          <a:r>
+            <a:rPr lang="es-ES" dirty="0"/>
+            <a:t>)</a:t>
+          </a:r>
+          <a:endParaRPr lang="en-GB" dirty="0"/>
+        </a:p>
+      </dgm:t>
+    </dgm:pt>
+    <dgm:pt modelId="{DD7A1D6B-1745-4E98-9DDF-EDA4BE2CF160}" type="parTrans" cxnId="{4B0D23D9-AD1E-4E89-AB5A-F085451195C4}">
+      <dgm:prSet/>
+      <dgm:spPr/>
+      <dgm:t>
+        <a:bodyPr/>
+        <a:lstStyle/>
+        <a:p>
+          <a:endParaRPr lang="en-GB"/>
+        </a:p>
+      </dgm:t>
+    </dgm:pt>
+    <dgm:pt modelId="{9159E7C0-D39F-424B-B69E-84F263393897}" type="sibTrans" cxnId="{4B0D23D9-AD1E-4E89-AB5A-F085451195C4}">
+      <dgm:prSet/>
+      <dgm:spPr/>
+      <dgm:t>
+        <a:bodyPr/>
+        <a:lstStyle/>
+        <a:p>
+          <a:endParaRPr lang="en-GB"/>
+        </a:p>
+      </dgm:t>
+    </dgm:pt>
+    <dgm:pt modelId="{D78D9EE8-8188-46A4-BFE8-A6A288115181}">
+      <dgm:prSet phldrT="[Texto]"/>
+      <dgm:spPr>
+        <a:solidFill>
+          <a:srgbClr val="F8F8F8"/>
+        </a:solidFill>
+      </dgm:spPr>
+      <dgm:t>
+        <a:bodyPr/>
+        <a:lstStyle/>
+        <a:p>
+          <a:r>
+            <a:rPr lang="es-ES" dirty="0" err="1"/>
+            <a:t>Information</a:t>
+          </a:r>
+          <a:r>
+            <a:rPr lang="es-ES" dirty="0"/>
+            <a:t> </a:t>
+          </a:r>
+          <a:r>
+            <a:rPr lang="es-ES" dirty="0" err="1"/>
+            <a:t>of</a:t>
+          </a:r>
+          <a:r>
+            <a:rPr lang="es-ES" dirty="0"/>
+            <a:t> </a:t>
+          </a:r>
+          <a:r>
+            <a:rPr lang="es-ES" dirty="0" err="1"/>
+            <a:t>user</a:t>
+          </a:r>
+          <a:endParaRPr lang="en-GB" dirty="0"/>
+        </a:p>
+      </dgm:t>
+    </dgm:pt>
+    <dgm:pt modelId="{0FB8411C-FDC5-4ED7-996E-80CD933BDDC0}" type="parTrans" cxnId="{EC6E2E91-F167-4BC7-8773-0D5E5151E521}">
+      <dgm:prSet/>
+      <dgm:spPr/>
+      <dgm:t>
+        <a:bodyPr/>
+        <a:lstStyle/>
+        <a:p>
+          <a:endParaRPr lang="en-GB"/>
+        </a:p>
+      </dgm:t>
+    </dgm:pt>
+    <dgm:pt modelId="{9770E5B2-6315-4146-9AA4-A5538CEB9120}" type="sibTrans" cxnId="{EC6E2E91-F167-4BC7-8773-0D5E5151E521}">
+      <dgm:prSet/>
+      <dgm:spPr/>
+      <dgm:t>
+        <a:bodyPr/>
+        <a:lstStyle/>
+        <a:p>
+          <a:endParaRPr lang="en-GB"/>
+        </a:p>
+      </dgm:t>
+    </dgm:pt>
+    <dgm:pt modelId="{6F512148-8219-4F81-8E10-C001E68301DE}">
+      <dgm:prSet phldrT="[Texto]"/>
+      <dgm:spPr>
+        <a:solidFill>
+          <a:srgbClr val="F8F8F8"/>
+        </a:solidFill>
+      </dgm:spPr>
+      <dgm:t>
+        <a:bodyPr/>
+        <a:lstStyle/>
+        <a:p>
+          <a:r>
+            <a:rPr lang="es-ES" dirty="0" err="1"/>
+            <a:t>Impact</a:t>
+          </a:r>
+          <a:r>
+            <a:rPr lang="es-ES" dirty="0"/>
+            <a:t> </a:t>
+          </a:r>
+          <a:r>
+            <a:rPr lang="es-ES" dirty="0" err="1"/>
+            <a:t>of</a:t>
+          </a:r>
+          <a:r>
+            <a:rPr lang="es-ES" dirty="0"/>
+            <a:t> tweet</a:t>
+          </a:r>
+          <a:endParaRPr lang="en-GB" dirty="0"/>
+        </a:p>
+      </dgm:t>
+    </dgm:pt>
+    <dgm:pt modelId="{40DA1613-CD2E-4B50-8D7F-1F45F6DFC765}" type="parTrans" cxnId="{FCF7DDC5-F843-4125-87EB-17ECE366064C}">
+      <dgm:prSet/>
+      <dgm:spPr/>
+      <dgm:t>
+        <a:bodyPr/>
+        <a:lstStyle/>
+        <a:p>
+          <a:endParaRPr lang="en-GB"/>
+        </a:p>
+      </dgm:t>
+    </dgm:pt>
+    <dgm:pt modelId="{1D62BE9C-C69D-41B4-A411-3885B87D4E28}" type="sibTrans" cxnId="{FCF7DDC5-F843-4125-87EB-17ECE366064C}">
+      <dgm:prSet/>
+      <dgm:spPr/>
+      <dgm:t>
+        <a:bodyPr/>
+        <a:lstStyle/>
+        <a:p>
+          <a:endParaRPr lang="en-GB"/>
+        </a:p>
+      </dgm:t>
+    </dgm:pt>
+    <dgm:pt modelId="{10DC7316-BEB5-4E34-AB5A-92022B85F9DA}" type="pres">
+      <dgm:prSet presAssocID="{12A1EA06-02B5-4138-86D9-1D9519EA3DB5}" presName="vert0" presStyleCnt="0">
+        <dgm:presLayoutVars>
+          <dgm:dir/>
+          <dgm:animOne val="branch"/>
+          <dgm:animLvl val="lvl"/>
+        </dgm:presLayoutVars>
+      </dgm:prSet>
+      <dgm:spPr/>
+      <dgm:t>
+        <a:bodyPr/>
+        <a:lstStyle/>
+        <a:p>
+          <a:endParaRPr lang="es-ES_tradnl"/>
+        </a:p>
+      </dgm:t>
+    </dgm:pt>
+    <dgm:pt modelId="{470DB5D0-9EF1-49E5-81D2-E149DA81DA04}" type="pres">
+      <dgm:prSet presAssocID="{95FA51A4-834D-4EE1-9134-725C0F5D2958}" presName="thickLine" presStyleLbl="alignNode1" presStyleIdx="0" presStyleCnt="5"/>
+      <dgm:spPr/>
+    </dgm:pt>
+    <dgm:pt modelId="{15C97AF9-B0C7-48FB-AEDF-5F862E90767A}" type="pres">
+      <dgm:prSet presAssocID="{95FA51A4-834D-4EE1-9134-725C0F5D2958}" presName="horz1" presStyleCnt="0"/>
+      <dgm:spPr/>
+    </dgm:pt>
+    <dgm:pt modelId="{5BF1887B-8A01-47B8-BC51-AD1881EB2750}" type="pres">
+      <dgm:prSet presAssocID="{95FA51A4-834D-4EE1-9134-725C0F5D2958}" presName="tx1" presStyleLbl="revTx" presStyleIdx="0" presStyleCnt="5"/>
+      <dgm:spPr/>
+      <dgm:t>
+        <a:bodyPr/>
+        <a:lstStyle/>
+        <a:p>
+          <a:endParaRPr lang="es-ES_tradnl"/>
+        </a:p>
+      </dgm:t>
+    </dgm:pt>
+    <dgm:pt modelId="{1D1D6272-894F-4571-B532-E37FD94761DD}" type="pres">
+      <dgm:prSet presAssocID="{95FA51A4-834D-4EE1-9134-725C0F5D2958}" presName="vert1" presStyleCnt="0"/>
+      <dgm:spPr/>
+    </dgm:pt>
+    <dgm:pt modelId="{6B6FECF7-7266-48AC-BECB-C72F71FDF787}" type="pres">
+      <dgm:prSet presAssocID="{25103830-F553-439A-9127-FE769C4A083B}" presName="thickLine" presStyleLbl="alignNode1" presStyleIdx="1" presStyleCnt="5"/>
+      <dgm:spPr/>
+    </dgm:pt>
+    <dgm:pt modelId="{831D5B1D-6163-4A7B-A87C-1270B3DEC7CB}" type="pres">
+      <dgm:prSet presAssocID="{25103830-F553-439A-9127-FE769C4A083B}" presName="horz1" presStyleCnt="0"/>
+      <dgm:spPr/>
+    </dgm:pt>
+    <dgm:pt modelId="{E70CD125-40C2-4308-98DE-F49961EBEDD8}" type="pres">
+      <dgm:prSet presAssocID="{25103830-F553-439A-9127-FE769C4A083B}" presName="tx1" presStyleLbl="revTx" presStyleIdx="1" presStyleCnt="5"/>
+      <dgm:spPr/>
+      <dgm:t>
+        <a:bodyPr/>
+        <a:lstStyle/>
+        <a:p>
+          <a:endParaRPr lang="es-ES_tradnl"/>
+        </a:p>
+      </dgm:t>
+    </dgm:pt>
+    <dgm:pt modelId="{AB093892-A620-47CB-96F1-0A5F3A711473}" type="pres">
+      <dgm:prSet presAssocID="{25103830-F553-439A-9127-FE769C4A083B}" presName="vert1" presStyleCnt="0"/>
+      <dgm:spPr/>
+    </dgm:pt>
+    <dgm:pt modelId="{F345CF5F-BF03-4460-9A6F-9ACC89499420}" type="pres">
+      <dgm:prSet presAssocID="{5FE1970C-B27A-4406-B70E-345DA49DD767}" presName="thickLine" presStyleLbl="alignNode1" presStyleIdx="2" presStyleCnt="5"/>
+      <dgm:spPr/>
+    </dgm:pt>
+    <dgm:pt modelId="{5D37E809-45FF-478A-B4C6-44492C7DD6D9}" type="pres">
+      <dgm:prSet presAssocID="{5FE1970C-B27A-4406-B70E-345DA49DD767}" presName="horz1" presStyleCnt="0"/>
+      <dgm:spPr/>
+    </dgm:pt>
+    <dgm:pt modelId="{5511D2C0-81E2-437B-ACB6-2D3EFEA183BA}" type="pres">
+      <dgm:prSet presAssocID="{5FE1970C-B27A-4406-B70E-345DA49DD767}" presName="tx1" presStyleLbl="revTx" presStyleIdx="2" presStyleCnt="5"/>
+      <dgm:spPr/>
+      <dgm:t>
+        <a:bodyPr/>
+        <a:lstStyle/>
+        <a:p>
+          <a:endParaRPr lang="es-ES_tradnl"/>
+        </a:p>
+      </dgm:t>
+    </dgm:pt>
+    <dgm:pt modelId="{10EB79B5-8105-48D8-9C10-A642F0EC8538}" type="pres">
+      <dgm:prSet presAssocID="{5FE1970C-B27A-4406-B70E-345DA49DD767}" presName="vert1" presStyleCnt="0"/>
+      <dgm:spPr/>
+    </dgm:pt>
+    <dgm:pt modelId="{46D05F7D-9AFB-45D5-9DD9-9E6336A2B90E}" type="pres">
+      <dgm:prSet presAssocID="{D78D9EE8-8188-46A4-BFE8-A6A288115181}" presName="thickLine" presStyleLbl="alignNode1" presStyleIdx="3" presStyleCnt="5"/>
+      <dgm:spPr/>
+    </dgm:pt>
+    <dgm:pt modelId="{565C30E3-4DFF-4226-B40E-D268C5D2186D}" type="pres">
+      <dgm:prSet presAssocID="{D78D9EE8-8188-46A4-BFE8-A6A288115181}" presName="horz1" presStyleCnt="0"/>
+      <dgm:spPr/>
+    </dgm:pt>
+    <dgm:pt modelId="{E524C1C6-3455-4CFD-8426-791F0041DAA7}" type="pres">
+      <dgm:prSet presAssocID="{D78D9EE8-8188-46A4-BFE8-A6A288115181}" presName="tx1" presStyleLbl="revTx" presStyleIdx="3" presStyleCnt="5"/>
+      <dgm:spPr/>
+      <dgm:t>
+        <a:bodyPr/>
+        <a:lstStyle/>
+        <a:p>
+          <a:endParaRPr lang="es-ES_tradnl"/>
+        </a:p>
+      </dgm:t>
+    </dgm:pt>
+    <dgm:pt modelId="{C7A72AD2-A1A9-4B1C-B9D0-E04412EDCCD9}" type="pres">
+      <dgm:prSet presAssocID="{D78D9EE8-8188-46A4-BFE8-A6A288115181}" presName="vert1" presStyleCnt="0"/>
+      <dgm:spPr/>
+    </dgm:pt>
+    <dgm:pt modelId="{43700C84-20D4-4B09-946C-49F19441932E}" type="pres">
+      <dgm:prSet presAssocID="{6F512148-8219-4F81-8E10-C001E68301DE}" presName="thickLine" presStyleLbl="alignNode1" presStyleIdx="4" presStyleCnt="5"/>
+      <dgm:spPr/>
+    </dgm:pt>
+    <dgm:pt modelId="{231436DC-C2E7-4899-8FF5-7CACDF199452}" type="pres">
+      <dgm:prSet presAssocID="{6F512148-8219-4F81-8E10-C001E68301DE}" presName="horz1" presStyleCnt="0"/>
+      <dgm:spPr/>
+    </dgm:pt>
+    <dgm:pt modelId="{E50588D9-734D-4CF4-9462-86745D1B9141}" type="pres">
+      <dgm:prSet presAssocID="{6F512148-8219-4F81-8E10-C001E68301DE}" presName="tx1" presStyleLbl="revTx" presStyleIdx="4" presStyleCnt="5"/>
+      <dgm:spPr/>
+      <dgm:t>
+        <a:bodyPr/>
+        <a:lstStyle/>
+        <a:p>
+          <a:endParaRPr lang="es-ES_tradnl"/>
+        </a:p>
+      </dgm:t>
+    </dgm:pt>
+    <dgm:pt modelId="{63352534-528D-4976-81C7-532DBBC977CC}" type="pres">
+      <dgm:prSet presAssocID="{6F512148-8219-4F81-8E10-C001E68301DE}" presName="vert1" presStyleCnt="0"/>
+      <dgm:spPr/>
+    </dgm:pt>
+  </dgm:ptLst>
+  <dgm:cxnLst>
+    <dgm:cxn modelId="{B01E5D15-D01B-4F74-B87F-1A7236E0A708}" type="presOf" srcId="{25103830-F553-439A-9127-FE769C4A083B}" destId="{E70CD125-40C2-4308-98DE-F49961EBEDD8}" srcOrd="0" destOrd="0" presId="urn:microsoft.com/office/officeart/2008/layout/LinedList"/>
+    <dgm:cxn modelId="{71E57978-B283-488D-87B5-E8E7503E8389}" type="presOf" srcId="{12A1EA06-02B5-4138-86D9-1D9519EA3DB5}" destId="{10DC7316-BEB5-4E34-AB5A-92022B85F9DA}" srcOrd="0" destOrd="0" presId="urn:microsoft.com/office/officeart/2008/layout/LinedList"/>
+    <dgm:cxn modelId="{EC6E2E91-F167-4BC7-8773-0D5E5151E521}" srcId="{12A1EA06-02B5-4138-86D9-1D9519EA3DB5}" destId="{D78D9EE8-8188-46A4-BFE8-A6A288115181}" srcOrd="3" destOrd="0" parTransId="{0FB8411C-FDC5-4ED7-996E-80CD933BDDC0}" sibTransId="{9770E5B2-6315-4146-9AA4-A5538CEB9120}"/>
+    <dgm:cxn modelId="{F64CA7F9-0117-4058-8E37-096041A2E4DB}" type="presOf" srcId="{6F512148-8219-4F81-8E10-C001E68301DE}" destId="{E50588D9-734D-4CF4-9462-86745D1B9141}" srcOrd="0" destOrd="0" presId="urn:microsoft.com/office/officeart/2008/layout/LinedList"/>
+    <dgm:cxn modelId="{3260561A-23C5-403C-903C-8908259005C6}" type="presOf" srcId="{95FA51A4-834D-4EE1-9134-725C0F5D2958}" destId="{5BF1887B-8A01-47B8-BC51-AD1881EB2750}" srcOrd="0" destOrd="0" presId="urn:microsoft.com/office/officeart/2008/layout/LinedList"/>
+    <dgm:cxn modelId="{5629A09A-3C2E-4C4C-992F-12724E0F1622}" type="presOf" srcId="{5FE1970C-B27A-4406-B70E-345DA49DD767}" destId="{5511D2C0-81E2-437B-ACB6-2D3EFEA183BA}" srcOrd="0" destOrd="0" presId="urn:microsoft.com/office/officeart/2008/layout/LinedList"/>
+    <dgm:cxn modelId="{7AA2629B-A812-4A9C-8CB5-4F662072717B}" srcId="{12A1EA06-02B5-4138-86D9-1D9519EA3DB5}" destId="{25103830-F553-439A-9127-FE769C4A083B}" srcOrd="1" destOrd="0" parTransId="{44A974AA-0C50-41EA-97FA-939A78EB0761}" sibTransId="{F5F43D10-4CC5-4DC2-B3DD-50A0C63A4010}"/>
+    <dgm:cxn modelId="{FCF7DDC5-F843-4125-87EB-17ECE366064C}" srcId="{12A1EA06-02B5-4138-86D9-1D9519EA3DB5}" destId="{6F512148-8219-4F81-8E10-C001E68301DE}" srcOrd="4" destOrd="0" parTransId="{40DA1613-CD2E-4B50-8D7F-1F45F6DFC765}" sibTransId="{1D62BE9C-C69D-41B4-A411-3885B87D4E28}"/>
+    <dgm:cxn modelId="{1D0BE308-943F-4E92-BBCF-EC134A910574}" type="presOf" srcId="{D78D9EE8-8188-46A4-BFE8-A6A288115181}" destId="{E524C1C6-3455-4CFD-8426-791F0041DAA7}" srcOrd="0" destOrd="0" presId="urn:microsoft.com/office/officeart/2008/layout/LinedList"/>
+    <dgm:cxn modelId="{4B0D23D9-AD1E-4E89-AB5A-F085451195C4}" srcId="{12A1EA06-02B5-4138-86D9-1D9519EA3DB5}" destId="{5FE1970C-B27A-4406-B70E-345DA49DD767}" srcOrd="2" destOrd="0" parTransId="{DD7A1D6B-1745-4E98-9DDF-EDA4BE2CF160}" sibTransId="{9159E7C0-D39F-424B-B69E-84F263393897}"/>
+    <dgm:cxn modelId="{36A687A8-343B-4CF5-B690-27ACDD16CAD2}" srcId="{12A1EA06-02B5-4138-86D9-1D9519EA3DB5}" destId="{95FA51A4-834D-4EE1-9134-725C0F5D2958}" srcOrd="0" destOrd="0" parTransId="{D4F723A0-6D07-4293-9354-418D8F01542B}" sibTransId="{188BBD3D-CC3C-46DA-90A6-BC774FBBD9DF}"/>
+    <dgm:cxn modelId="{148F1B4B-8BFF-4801-BDE0-E7824F0A481E}" type="presParOf" srcId="{10DC7316-BEB5-4E34-AB5A-92022B85F9DA}" destId="{470DB5D0-9EF1-49E5-81D2-E149DA81DA04}" srcOrd="0" destOrd="0" presId="urn:microsoft.com/office/officeart/2008/layout/LinedList"/>
+    <dgm:cxn modelId="{97E87BBE-3E53-4A68-A7CA-1C04A1106159}" type="presParOf" srcId="{10DC7316-BEB5-4E34-AB5A-92022B85F9DA}" destId="{15C97AF9-B0C7-48FB-AEDF-5F862E90767A}" srcOrd="1" destOrd="0" presId="urn:microsoft.com/office/officeart/2008/layout/LinedList"/>
+    <dgm:cxn modelId="{B33658B8-B468-4920-9524-AE8D6B25F87D}" type="presParOf" srcId="{15C97AF9-B0C7-48FB-AEDF-5F862E90767A}" destId="{5BF1887B-8A01-47B8-BC51-AD1881EB2750}" srcOrd="0" destOrd="0" presId="urn:microsoft.com/office/officeart/2008/layout/LinedList"/>
+    <dgm:cxn modelId="{12146B94-475A-4168-9FA1-8046527FCD03}" type="presParOf" srcId="{15C97AF9-B0C7-48FB-AEDF-5F862E90767A}" destId="{1D1D6272-894F-4571-B532-E37FD94761DD}" srcOrd="1" destOrd="0" presId="urn:microsoft.com/office/officeart/2008/layout/LinedList"/>
+    <dgm:cxn modelId="{AD56CB89-E5DA-43EA-BD51-E662042E6848}" type="presParOf" srcId="{10DC7316-BEB5-4E34-AB5A-92022B85F9DA}" destId="{6B6FECF7-7266-48AC-BECB-C72F71FDF787}" srcOrd="2" destOrd="0" presId="urn:microsoft.com/office/officeart/2008/layout/LinedList"/>
+    <dgm:cxn modelId="{C18AC734-619C-4065-9597-FBA388A02561}" type="presParOf" srcId="{10DC7316-BEB5-4E34-AB5A-92022B85F9DA}" destId="{831D5B1D-6163-4A7B-A87C-1270B3DEC7CB}" srcOrd="3" destOrd="0" presId="urn:microsoft.com/office/officeart/2008/layout/LinedList"/>
+    <dgm:cxn modelId="{8DA08E50-B205-4164-A3E7-3E6717194B93}" type="presParOf" srcId="{831D5B1D-6163-4A7B-A87C-1270B3DEC7CB}" destId="{E70CD125-40C2-4308-98DE-F49961EBEDD8}" srcOrd="0" destOrd="0" presId="urn:microsoft.com/office/officeart/2008/layout/LinedList"/>
+    <dgm:cxn modelId="{183BE57B-87F7-4113-9F2D-16AA3497FC36}" type="presParOf" srcId="{831D5B1D-6163-4A7B-A87C-1270B3DEC7CB}" destId="{AB093892-A620-47CB-96F1-0A5F3A711473}" srcOrd="1" destOrd="0" presId="urn:microsoft.com/office/officeart/2008/layout/LinedList"/>
+    <dgm:cxn modelId="{02720AED-1979-4389-B770-973DCC7022CA}" type="presParOf" srcId="{10DC7316-BEB5-4E34-AB5A-92022B85F9DA}" destId="{F345CF5F-BF03-4460-9A6F-9ACC89499420}" srcOrd="4" destOrd="0" presId="urn:microsoft.com/office/officeart/2008/layout/LinedList"/>
+    <dgm:cxn modelId="{574793F6-A009-4180-B79A-107CE2F9598A}" type="presParOf" srcId="{10DC7316-BEB5-4E34-AB5A-92022B85F9DA}" destId="{5D37E809-45FF-478A-B4C6-44492C7DD6D9}" srcOrd="5" destOrd="0" presId="urn:microsoft.com/office/officeart/2008/layout/LinedList"/>
+    <dgm:cxn modelId="{E6E5785A-BB7E-4E70-8F0A-9C3D766E01DD}" type="presParOf" srcId="{5D37E809-45FF-478A-B4C6-44492C7DD6D9}" destId="{5511D2C0-81E2-437B-ACB6-2D3EFEA183BA}" srcOrd="0" destOrd="0" presId="urn:microsoft.com/office/officeart/2008/layout/LinedList"/>
+    <dgm:cxn modelId="{B6621472-0B84-49F8-AB62-8D54D368A7AD}" type="presParOf" srcId="{5D37E809-45FF-478A-B4C6-44492C7DD6D9}" destId="{10EB79B5-8105-48D8-9C10-A642F0EC8538}" srcOrd="1" destOrd="0" presId="urn:microsoft.com/office/officeart/2008/layout/LinedList"/>
+    <dgm:cxn modelId="{2EFFC616-F89E-4912-A399-A069C0AF556B}" type="presParOf" srcId="{10DC7316-BEB5-4E34-AB5A-92022B85F9DA}" destId="{46D05F7D-9AFB-45D5-9DD9-9E6336A2B90E}" srcOrd="6" destOrd="0" presId="urn:microsoft.com/office/officeart/2008/layout/LinedList"/>
+    <dgm:cxn modelId="{5E143E90-CFDD-444F-B816-D7E5116754EC}" type="presParOf" srcId="{10DC7316-BEB5-4E34-AB5A-92022B85F9DA}" destId="{565C30E3-4DFF-4226-B40E-D268C5D2186D}" srcOrd="7" destOrd="0" presId="urn:microsoft.com/office/officeart/2008/layout/LinedList"/>
+    <dgm:cxn modelId="{A1EDA35D-CD7B-4BF3-9B7D-2F9924E9F225}" type="presParOf" srcId="{565C30E3-4DFF-4226-B40E-D268C5D2186D}" destId="{E524C1C6-3455-4CFD-8426-791F0041DAA7}" srcOrd="0" destOrd="0" presId="urn:microsoft.com/office/officeart/2008/layout/LinedList"/>
+    <dgm:cxn modelId="{3B05D325-F3AB-4763-BAF4-8DE6270BFA9D}" type="presParOf" srcId="{565C30E3-4DFF-4226-B40E-D268C5D2186D}" destId="{C7A72AD2-A1A9-4B1C-B9D0-E04412EDCCD9}" srcOrd="1" destOrd="0" presId="urn:microsoft.com/office/officeart/2008/layout/LinedList"/>
+    <dgm:cxn modelId="{174D1B45-46F5-41A6-9D06-8D421A06640F}" type="presParOf" srcId="{10DC7316-BEB5-4E34-AB5A-92022B85F9DA}" destId="{43700C84-20D4-4B09-946C-49F19441932E}" srcOrd="8" destOrd="0" presId="urn:microsoft.com/office/officeart/2008/layout/LinedList"/>
+    <dgm:cxn modelId="{F94AFA59-9752-47FE-A787-4308C537FE0D}" type="presParOf" srcId="{10DC7316-BEB5-4E34-AB5A-92022B85F9DA}" destId="{231436DC-C2E7-4899-8FF5-7CACDF199452}" srcOrd="9" destOrd="0" presId="urn:microsoft.com/office/officeart/2008/layout/LinedList"/>
+    <dgm:cxn modelId="{748598B5-1FDB-4417-840E-3B8CB3FBD10F}" type="presParOf" srcId="{231436DC-C2E7-4899-8FF5-7CACDF199452}" destId="{E50588D9-734D-4CF4-9462-86745D1B9141}" srcOrd="0" destOrd="0" presId="urn:microsoft.com/office/officeart/2008/layout/LinedList"/>
+    <dgm:cxn modelId="{35EAE0B6-5B25-4013-AB85-51152CCDC85D}" type="presParOf" srcId="{231436DC-C2E7-4899-8FF5-7CACDF199452}" destId="{63352534-528D-4976-81C7-532DBBC977CC}" srcOrd="1" destOrd="0" presId="urn:microsoft.com/office/officeart/2008/layout/LinedList"/>
+  </dgm:cxnLst>
+  <dgm:bg/>
+  <dgm:whole/>
+  <dgm:extLst>
+    <a:ext uri="http://schemas.microsoft.com/office/drawing/2008/diagram">
+      <dsp:dataModelExt xmlns:dsp="http://schemas.microsoft.com/office/drawing/2008/diagram" xmlns="" relId="rId11" minVer="http://schemas.openxmlformats.org/drawingml/2006/diagram"/>
     </a:ext>
   </dgm:extLst>
 </dgm:dataModel>
 </file>
 
 <file path=ppt/diagrams/drawing1.xml><?xml version="1.0" encoding="utf-8"?>
-<dsp:drawing xmlns:dgm="http://schemas.openxmlformats.org/drawingml/2006/diagram" xmlns:dsp="http://schemas.microsoft.com/office/drawing/2008/diagram" xmlns:a="http://schemas.openxmlformats.org/drawingml/2006/main">
+<dsp:drawing xmlns:dgm="http://schemas.openxmlformats.org/drawingml/2006/diagram" xmlns:a="http://schemas.openxmlformats.org/drawingml/2006/main" xmlns:dsp="http://schemas.microsoft.com/office/drawing/2008/diagram">
   <dsp:spTree>
     <dsp:nvGrpSpPr>
       <dsp:cNvPr id="0" name=""/>
@@ -5795,8 +5820,8 @@
         </a:p>
       </dsp:txBody>
       <dsp:txXfrm>
-        <a:off x="321116" y="234449"/>
-        <a:ext cx="1859190" cy="350738"/>
+        <a:off x="310204" y="223537"/>
+        <a:ext cx="1881014" cy="372562"/>
       </dsp:txXfrm>
     </dsp:sp>
     <dsp:sp modelId="{CD18E1C8-6424-42B3-BAB5-5519EDB41FA6}">
@@ -5864,8 +5889,8 @@
         </a:p>
       </dsp:txBody>
       <dsp:txXfrm>
-        <a:off x="2344978" y="50687"/>
-        <a:ext cx="253627" cy="271189"/>
+        <a:off x="2344978" y="-39709"/>
+        <a:ext cx="362324" cy="451981"/>
       </dsp:txXfrm>
     </dsp:sp>
     <dsp:sp modelId="{0EFF11F4-FC1F-4E38-B0F3-FB1AD7A99B05}">
@@ -6007,8 +6032,8 @@
         </a:p>
       </dsp:txBody>
       <dsp:txXfrm>
-        <a:off x="3237345" y="234449"/>
-        <a:ext cx="1859190" cy="350738"/>
+        <a:off x="3226433" y="223537"/>
+        <a:ext cx="1881014" cy="372562"/>
       </dsp:txXfrm>
     </dsp:sp>
     <dsp:sp modelId="{ACC99F59-DA74-44EF-8F9C-E6B3FC08F54D}">
@@ -6076,8 +6101,8 @@
         </a:p>
       </dsp:txBody>
       <dsp:txXfrm>
-        <a:off x="5287838" y="50687"/>
-        <a:ext cx="253627" cy="271189"/>
+        <a:off x="5287838" y="-39709"/>
+        <a:ext cx="362324" cy="451981"/>
       </dsp:txXfrm>
     </dsp:sp>
     <dsp:sp modelId="{CD4E51E7-3864-46BB-BFBE-69BA2EEC8F55}">
@@ -6210,8 +6235,8 @@
         </a:p>
       </dsp:txBody>
       <dsp:txXfrm>
-        <a:off x="6153573" y="234449"/>
-        <a:ext cx="1859190" cy="350738"/>
+        <a:off x="6142661" y="223537"/>
+        <a:ext cx="1881014" cy="372562"/>
       </dsp:txXfrm>
     </dsp:sp>
   </dsp:spTree>
@@ -6219,7 +6244,7 @@
 </file>
 
 <file path=ppt/diagrams/drawing2.xml><?xml version="1.0" encoding="utf-8"?>
-<dsp:drawing xmlns:dgm="http://schemas.openxmlformats.org/drawingml/2006/diagram" xmlns:dsp="http://schemas.microsoft.com/office/drawing/2008/diagram" xmlns:a="http://schemas.openxmlformats.org/drawingml/2006/main">
+<dsp:drawing xmlns:dgm="http://schemas.openxmlformats.org/drawingml/2006/diagram" xmlns:a="http://schemas.openxmlformats.org/drawingml/2006/main" xmlns:dsp="http://schemas.microsoft.com/office/drawing/2008/diagram">
   <dsp:spTree>
     <dsp:nvGrpSpPr>
       <dsp:cNvPr id="0" name=""/>
@@ -6316,8 +6341,8 @@
         </a:p>
       </dsp:txBody>
       <dsp:txXfrm>
-        <a:off x="27136" y="1930188"/>
-        <a:ext cx="1660804" cy="805346"/>
+        <a:off x="2080" y="1905132"/>
+        <a:ext cx="1710916" cy="855458"/>
       </dsp:txXfrm>
     </dsp:sp>
     <dsp:sp modelId="{26D72EED-E068-43D9-8934-11630CD0FA6C}">
@@ -6395,7 +6420,7 @@
           <a:endParaRPr lang="en-GB" sz="700" kern="1200"/>
         </a:p>
       </dsp:txBody>
-      <dsp:txXfrm>
+      <dsp:txXfrm rot="17351529">
         <a:off x="1988077" y="1351486"/>
         <a:ext cx="98687" cy="98687"/>
       </dsp:txXfrm>
@@ -6499,8 +6524,8 @@
         </a:p>
       </dsp:txBody>
       <dsp:txXfrm>
-        <a:off x="2386901" y="66127"/>
-        <a:ext cx="1660804" cy="805346"/>
+        <a:off x="2361845" y="41071"/>
+        <a:ext cx="1710916" cy="855458"/>
       </dsp:txXfrm>
     </dsp:sp>
     <dsp:sp modelId="{136F9DBB-E600-48D5-BDAB-5077D57D50AA}">
@@ -6673,8 +6698,8 @@
         </a:p>
       </dsp:txBody>
       <dsp:txXfrm>
-        <a:off x="2422419" y="1930188"/>
-        <a:ext cx="1660804" cy="805346"/>
+        <a:off x="2397363" y="1905132"/>
+        <a:ext cx="1710916" cy="855458"/>
       </dsp:txXfrm>
     </dsp:sp>
     <dsp:sp modelId="{3A533134-6777-4855-BE27-367216C161A0}">
@@ -6752,7 +6777,7 @@
           <a:endParaRPr lang="en-GB" sz="700" kern="1200"/>
         </a:p>
       </dsp:txBody>
-      <dsp:txXfrm>
+      <dsp:txXfrm rot="4199743">
         <a:off x="2005166" y="3222770"/>
         <a:ext cx="100027" cy="100027"/>
       </dsp:txXfrm>
@@ -6856,8 +6881,8 @@
         </a:p>
       </dsp:txBody>
       <dsp:txXfrm>
-        <a:off x="2422419" y="3810032"/>
-        <a:ext cx="1660804" cy="805346"/>
+        <a:off x="2397363" y="3784976"/>
+        <a:ext cx="1710916" cy="855458"/>
       </dsp:txXfrm>
     </dsp:sp>
   </dsp:spTree>
@@ -6865,739 +6890,7 @@
 </file>
 
 <file path=ppt/diagrams/drawing3.xml><?xml version="1.0" encoding="utf-8"?>
-<dsp:drawing xmlns:dgm="http://schemas.openxmlformats.org/drawingml/2006/diagram" xmlns:dsp="http://schemas.microsoft.com/office/drawing/2008/diagram" xmlns:a="http://schemas.openxmlformats.org/drawingml/2006/main">
-  <dsp:spTree>
-    <dsp:nvGrpSpPr>
-      <dsp:cNvPr id="0" name=""/>
-      <dsp:cNvGrpSpPr/>
-    </dsp:nvGrpSpPr>
-    <dsp:grpSpPr/>
-    <dsp:sp modelId="{470DB5D0-9EF1-49E5-81D2-E149DA81DA04}">
-      <dsp:nvSpPr>
-        <dsp:cNvPr id="0" name=""/>
-        <dsp:cNvSpPr/>
-      </dsp:nvSpPr>
-      <dsp:spPr>
-        <a:xfrm>
-          <a:off x="0" y="0"/>
-          <a:ext cx="3791598" cy="0"/>
-        </a:xfrm>
-        <a:prstGeom prst="line">
-          <a:avLst/>
-        </a:prstGeom>
-        <a:solidFill>
-          <a:schemeClr val="accent1">
-            <a:hueOff val="0"/>
-            <a:satOff val="0"/>
-            <a:lumOff val="0"/>
-            <a:alphaOff val="0"/>
-          </a:schemeClr>
-        </a:solidFill>
-        <a:ln w="12700" cap="flat" cmpd="sng" algn="ctr">
-          <a:solidFill>
-            <a:schemeClr val="accent1">
-              <a:hueOff val="0"/>
-              <a:satOff val="0"/>
-              <a:lumOff val="0"/>
-              <a:alphaOff val="0"/>
-            </a:schemeClr>
-          </a:solidFill>
-          <a:prstDash val="solid"/>
-          <a:miter lim="800000"/>
-        </a:ln>
-        <a:effectLst/>
-      </dsp:spPr>
-      <dsp:style>
-        <a:lnRef idx="2">
-          <a:scrgbClr r="0" g="0" b="0"/>
-        </a:lnRef>
-        <a:fillRef idx="1">
-          <a:scrgbClr r="0" g="0" b="0"/>
-        </a:fillRef>
-        <a:effectRef idx="0">
-          <a:scrgbClr r="0" g="0" b="0"/>
-        </a:effectRef>
-        <a:fontRef idx="minor">
-          <a:schemeClr val="lt1"/>
-        </a:fontRef>
-      </dsp:style>
-    </dsp:sp>
-    <dsp:sp modelId="{5BF1887B-8A01-47B8-BC51-AD1881EB2750}">
-      <dsp:nvSpPr>
-        <dsp:cNvPr id="0" name=""/>
-        <dsp:cNvSpPr/>
-      </dsp:nvSpPr>
-      <dsp:spPr>
-        <a:xfrm>
-          <a:off x="0" y="0"/>
-          <a:ext cx="3791598" cy="346846"/>
-        </a:xfrm>
-        <a:prstGeom prst="rect">
-          <a:avLst/>
-        </a:prstGeom>
-        <a:noFill/>
-        <a:ln>
-          <a:noFill/>
-        </a:ln>
-        <a:effectLst/>
-      </dsp:spPr>
-      <dsp:style>
-        <a:lnRef idx="0">
-          <a:scrgbClr r="0" g="0" b="0"/>
-        </a:lnRef>
-        <a:fillRef idx="0">
-          <a:scrgbClr r="0" g="0" b="0"/>
-        </a:fillRef>
-        <a:effectRef idx="0">
-          <a:scrgbClr r="0" g="0" b="0"/>
-        </a:effectRef>
-        <a:fontRef idx="minor"/>
-      </dsp:style>
-      <dsp:txBody>
-        <a:bodyPr spcFirstLastPara="0" vert="horz" wrap="square" lIns="60960" tIns="60960" rIns="60960" bIns="60960" numCol="1" spcCol="1270" anchor="t" anchorCtr="0">
-          <a:noAutofit/>
-        </a:bodyPr>
-        <a:lstStyle/>
-        <a:p>
-          <a:pPr lvl="0" algn="l" defTabSz="711200">
-            <a:lnSpc>
-              <a:spcPct val="90000"/>
-            </a:lnSpc>
-            <a:spcBef>
-              <a:spcPct val="0"/>
-            </a:spcBef>
-            <a:spcAft>
-              <a:spcPct val="35000"/>
-            </a:spcAft>
-          </a:pPr>
-          <a:r>
-            <a:rPr lang="es-ES" sz="1600" kern="1200" dirty="0" err="1"/>
-            <a:t>Screen</a:t>
-          </a:r>
-          <a:r>
-            <a:rPr lang="es-ES" sz="1600" kern="1200" dirty="0"/>
-            <a:t> </a:t>
-          </a:r>
-          <a:r>
-            <a:rPr lang="es-ES" sz="1600" kern="1200" dirty="0" err="1"/>
-            <a:t>name</a:t>
-          </a:r>
-          <a:endParaRPr lang="en-GB" sz="1600" kern="1200" dirty="0"/>
-        </a:p>
-      </dsp:txBody>
-      <dsp:txXfrm>
-        <a:off x="0" y="0"/>
-        <a:ext cx="3791598" cy="346846"/>
-      </dsp:txXfrm>
-    </dsp:sp>
-  </dsp:spTree>
-</dsp:drawing>
-</file>
-
-<file path=ppt/diagrams/drawing4.xml><?xml version="1.0" encoding="utf-8"?>
-<dsp:drawing xmlns:dgm="http://schemas.openxmlformats.org/drawingml/2006/diagram" xmlns:dsp="http://schemas.microsoft.com/office/drawing/2008/diagram" xmlns:a="http://schemas.openxmlformats.org/drawingml/2006/main">
-  <dsp:spTree>
-    <dsp:nvGrpSpPr>
-      <dsp:cNvPr id="0" name=""/>
-      <dsp:cNvGrpSpPr/>
-    </dsp:nvGrpSpPr>
-    <dsp:grpSpPr/>
-    <dsp:sp modelId="{470DB5D0-9EF1-49E5-81D2-E149DA81DA04}">
-      <dsp:nvSpPr>
-        <dsp:cNvPr id="0" name=""/>
-        <dsp:cNvSpPr/>
-      </dsp:nvSpPr>
-      <dsp:spPr>
-        <a:xfrm>
-          <a:off x="0" y="199"/>
-          <a:ext cx="3791597" cy="0"/>
-        </a:xfrm>
-        <a:prstGeom prst="line">
-          <a:avLst/>
-        </a:prstGeom>
-        <a:solidFill>
-          <a:schemeClr val="accent1">
-            <a:hueOff val="0"/>
-            <a:satOff val="0"/>
-            <a:lumOff val="0"/>
-            <a:alphaOff val="0"/>
-          </a:schemeClr>
-        </a:solidFill>
-        <a:ln w="12700" cap="flat" cmpd="sng" algn="ctr">
-          <a:solidFill>
-            <a:schemeClr val="accent1">
-              <a:hueOff val="0"/>
-              <a:satOff val="0"/>
-              <a:lumOff val="0"/>
-              <a:alphaOff val="0"/>
-            </a:schemeClr>
-          </a:solidFill>
-          <a:prstDash val="solid"/>
-          <a:miter lim="800000"/>
-        </a:ln>
-        <a:effectLst/>
-      </dsp:spPr>
-      <dsp:style>
-        <a:lnRef idx="2">
-          <a:scrgbClr r="0" g="0" b="0"/>
-        </a:lnRef>
-        <a:fillRef idx="1">
-          <a:scrgbClr r="0" g="0" b="0"/>
-        </a:fillRef>
-        <a:effectRef idx="0">
-          <a:scrgbClr r="0" g="0" b="0"/>
-        </a:effectRef>
-        <a:fontRef idx="minor">
-          <a:schemeClr val="lt1"/>
-        </a:fontRef>
-      </dsp:style>
-    </dsp:sp>
-    <dsp:sp modelId="{5BF1887B-8A01-47B8-BC51-AD1881EB2750}">
-      <dsp:nvSpPr>
-        <dsp:cNvPr id="0" name=""/>
-        <dsp:cNvSpPr/>
-      </dsp:nvSpPr>
-      <dsp:spPr>
-        <a:xfrm>
-          <a:off x="0" y="199"/>
-          <a:ext cx="3791597" cy="325977"/>
-        </a:xfrm>
-        <a:prstGeom prst="rect">
-          <a:avLst/>
-        </a:prstGeom>
-        <a:noFill/>
-        <a:ln>
-          <a:noFill/>
-        </a:ln>
-        <a:effectLst/>
-      </dsp:spPr>
-      <dsp:style>
-        <a:lnRef idx="0">
-          <a:scrgbClr r="0" g="0" b="0"/>
-        </a:lnRef>
-        <a:fillRef idx="0">
-          <a:scrgbClr r="0" g="0" b="0"/>
-        </a:fillRef>
-        <a:effectRef idx="0">
-          <a:scrgbClr r="0" g="0" b="0"/>
-        </a:effectRef>
-        <a:fontRef idx="minor"/>
-      </dsp:style>
-      <dsp:txBody>
-        <a:bodyPr spcFirstLastPara="0" vert="horz" wrap="square" lIns="57150" tIns="57150" rIns="57150" bIns="57150" numCol="1" spcCol="1270" anchor="t" anchorCtr="0">
-          <a:noAutofit/>
-        </a:bodyPr>
-        <a:lstStyle/>
-        <a:p>
-          <a:pPr lvl="0" algn="l" defTabSz="666750">
-            <a:lnSpc>
-              <a:spcPct val="90000"/>
-            </a:lnSpc>
-            <a:spcBef>
-              <a:spcPct val="0"/>
-            </a:spcBef>
-            <a:spcAft>
-              <a:spcPct val="35000"/>
-            </a:spcAft>
-          </a:pPr>
-          <a:r>
-            <a:rPr lang="es-ES" sz="1500" kern="1200" dirty="0"/>
-            <a:t>Id</a:t>
-          </a:r>
-          <a:endParaRPr lang="en-GB" sz="1500" kern="1200" dirty="0"/>
-        </a:p>
-      </dsp:txBody>
-      <dsp:txXfrm>
-        <a:off x="0" y="199"/>
-        <a:ext cx="3791597" cy="325977"/>
-      </dsp:txXfrm>
-    </dsp:sp>
-    <dsp:sp modelId="{6B6FECF7-7266-48AC-BECB-C72F71FDF787}">
-      <dsp:nvSpPr>
-        <dsp:cNvPr id="0" name=""/>
-        <dsp:cNvSpPr/>
-      </dsp:nvSpPr>
-      <dsp:spPr>
-        <a:xfrm>
-          <a:off x="0" y="326176"/>
-          <a:ext cx="3791597" cy="0"/>
-        </a:xfrm>
-        <a:prstGeom prst="line">
-          <a:avLst/>
-        </a:prstGeom>
-        <a:solidFill>
-          <a:schemeClr val="accent1">
-            <a:hueOff val="0"/>
-            <a:satOff val="0"/>
-            <a:lumOff val="0"/>
-            <a:alphaOff val="0"/>
-          </a:schemeClr>
-        </a:solidFill>
-        <a:ln w="12700" cap="flat" cmpd="sng" algn="ctr">
-          <a:solidFill>
-            <a:schemeClr val="accent1">
-              <a:hueOff val="0"/>
-              <a:satOff val="0"/>
-              <a:lumOff val="0"/>
-              <a:alphaOff val="0"/>
-            </a:schemeClr>
-          </a:solidFill>
-          <a:prstDash val="solid"/>
-          <a:miter lim="800000"/>
-        </a:ln>
-        <a:effectLst/>
-      </dsp:spPr>
-      <dsp:style>
-        <a:lnRef idx="2">
-          <a:scrgbClr r="0" g="0" b="0"/>
-        </a:lnRef>
-        <a:fillRef idx="1">
-          <a:scrgbClr r="0" g="0" b="0"/>
-        </a:fillRef>
-        <a:effectRef idx="0">
-          <a:scrgbClr r="0" g="0" b="0"/>
-        </a:effectRef>
-        <a:fontRef idx="minor">
-          <a:schemeClr val="lt1"/>
-        </a:fontRef>
-      </dsp:style>
-    </dsp:sp>
-    <dsp:sp modelId="{E70CD125-40C2-4308-98DE-F49961EBEDD8}">
-      <dsp:nvSpPr>
-        <dsp:cNvPr id="0" name=""/>
-        <dsp:cNvSpPr/>
-      </dsp:nvSpPr>
-      <dsp:spPr>
-        <a:xfrm>
-          <a:off x="0" y="326176"/>
-          <a:ext cx="3791597" cy="325977"/>
-        </a:xfrm>
-        <a:prstGeom prst="rect">
-          <a:avLst/>
-        </a:prstGeom>
-        <a:noFill/>
-        <a:ln>
-          <a:noFill/>
-        </a:ln>
-        <a:effectLst/>
-      </dsp:spPr>
-      <dsp:style>
-        <a:lnRef idx="0">
-          <a:scrgbClr r="0" g="0" b="0"/>
-        </a:lnRef>
-        <a:fillRef idx="0">
-          <a:scrgbClr r="0" g="0" b="0"/>
-        </a:fillRef>
-        <a:effectRef idx="0">
-          <a:scrgbClr r="0" g="0" b="0"/>
-        </a:effectRef>
-        <a:fontRef idx="minor"/>
-      </dsp:style>
-      <dsp:txBody>
-        <a:bodyPr spcFirstLastPara="0" vert="horz" wrap="square" lIns="57150" tIns="57150" rIns="57150" bIns="57150" numCol="1" spcCol="1270" anchor="t" anchorCtr="0">
-          <a:noAutofit/>
-        </a:bodyPr>
-        <a:lstStyle/>
-        <a:p>
-          <a:pPr lvl="0" algn="l" defTabSz="666750">
-            <a:lnSpc>
-              <a:spcPct val="90000"/>
-            </a:lnSpc>
-            <a:spcBef>
-              <a:spcPct val="0"/>
-            </a:spcBef>
-            <a:spcAft>
-              <a:spcPct val="35000"/>
-            </a:spcAft>
-          </a:pPr>
-          <a:r>
-            <a:rPr lang="es-ES" sz="1500" kern="1200" dirty="0"/>
-            <a:t>Text</a:t>
-          </a:r>
-          <a:endParaRPr lang="en-GB" sz="1500" kern="1200" dirty="0"/>
-        </a:p>
-      </dsp:txBody>
-      <dsp:txXfrm>
-        <a:off x="0" y="326176"/>
-        <a:ext cx="3791597" cy="325977"/>
-      </dsp:txXfrm>
-    </dsp:sp>
-    <dsp:sp modelId="{F345CF5F-BF03-4460-9A6F-9ACC89499420}">
-      <dsp:nvSpPr>
-        <dsp:cNvPr id="0" name=""/>
-        <dsp:cNvSpPr/>
-      </dsp:nvSpPr>
-      <dsp:spPr>
-        <a:xfrm>
-          <a:off x="0" y="652153"/>
-          <a:ext cx="3791597" cy="0"/>
-        </a:xfrm>
-        <a:prstGeom prst="line">
-          <a:avLst/>
-        </a:prstGeom>
-        <a:solidFill>
-          <a:schemeClr val="accent1">
-            <a:hueOff val="0"/>
-            <a:satOff val="0"/>
-            <a:lumOff val="0"/>
-            <a:alphaOff val="0"/>
-          </a:schemeClr>
-        </a:solidFill>
-        <a:ln w="12700" cap="flat" cmpd="sng" algn="ctr">
-          <a:solidFill>
-            <a:schemeClr val="accent1">
-              <a:hueOff val="0"/>
-              <a:satOff val="0"/>
-              <a:lumOff val="0"/>
-              <a:alphaOff val="0"/>
-            </a:schemeClr>
-          </a:solidFill>
-          <a:prstDash val="solid"/>
-          <a:miter lim="800000"/>
-        </a:ln>
-        <a:effectLst/>
-      </dsp:spPr>
-      <dsp:style>
-        <a:lnRef idx="2">
-          <a:scrgbClr r="0" g="0" b="0"/>
-        </a:lnRef>
-        <a:fillRef idx="1">
-          <a:scrgbClr r="0" g="0" b="0"/>
-        </a:fillRef>
-        <a:effectRef idx="0">
-          <a:scrgbClr r="0" g="0" b="0"/>
-        </a:effectRef>
-        <a:fontRef idx="minor">
-          <a:schemeClr val="lt1"/>
-        </a:fontRef>
-      </dsp:style>
-    </dsp:sp>
-    <dsp:sp modelId="{5511D2C0-81E2-437B-ACB6-2D3EFEA183BA}">
-      <dsp:nvSpPr>
-        <dsp:cNvPr id="0" name=""/>
-        <dsp:cNvSpPr/>
-      </dsp:nvSpPr>
-      <dsp:spPr>
-        <a:xfrm>
-          <a:off x="0" y="652153"/>
-          <a:ext cx="3791597" cy="325977"/>
-        </a:xfrm>
-        <a:prstGeom prst="rect">
-          <a:avLst/>
-        </a:prstGeom>
-        <a:noFill/>
-        <a:ln>
-          <a:noFill/>
-        </a:ln>
-        <a:effectLst/>
-      </dsp:spPr>
-      <dsp:style>
-        <a:lnRef idx="0">
-          <a:scrgbClr r="0" g="0" b="0"/>
-        </a:lnRef>
-        <a:fillRef idx="0">
-          <a:scrgbClr r="0" g="0" b="0"/>
-        </a:fillRef>
-        <a:effectRef idx="0">
-          <a:scrgbClr r="0" g="0" b="0"/>
-        </a:effectRef>
-        <a:fontRef idx="minor"/>
-      </dsp:style>
-      <dsp:txBody>
-        <a:bodyPr spcFirstLastPara="0" vert="horz" wrap="square" lIns="57150" tIns="57150" rIns="57150" bIns="57150" numCol="1" spcCol="1270" anchor="t" anchorCtr="0">
-          <a:noAutofit/>
-        </a:bodyPr>
-        <a:lstStyle/>
-        <a:p>
-          <a:pPr lvl="0" algn="l" defTabSz="666750">
-            <a:lnSpc>
-              <a:spcPct val="90000"/>
-            </a:lnSpc>
-            <a:spcBef>
-              <a:spcPct val="0"/>
-            </a:spcBef>
-            <a:spcAft>
-              <a:spcPct val="35000"/>
-            </a:spcAft>
-          </a:pPr>
-          <a:r>
-            <a:rPr lang="es-ES" sz="1500" kern="1200" dirty="0" err="1"/>
-            <a:t>Entities</a:t>
-          </a:r>
-          <a:r>
-            <a:rPr lang="es-ES" sz="1500" kern="1200" dirty="0"/>
-            <a:t> (hashtags, </a:t>
-          </a:r>
-          <a:r>
-            <a:rPr lang="es-ES" sz="1500" kern="1200" dirty="0" err="1"/>
-            <a:t>mentions</a:t>
-          </a:r>
-          <a:r>
-            <a:rPr lang="es-ES" sz="1500" kern="1200" dirty="0"/>
-            <a:t>)</a:t>
-          </a:r>
-          <a:endParaRPr lang="en-GB" sz="1500" kern="1200" dirty="0"/>
-        </a:p>
-      </dsp:txBody>
-      <dsp:txXfrm>
-        <a:off x="0" y="652153"/>
-        <a:ext cx="3791597" cy="325977"/>
-      </dsp:txXfrm>
-    </dsp:sp>
-    <dsp:sp modelId="{46D05F7D-9AFB-45D5-9DD9-9E6336A2B90E}">
-      <dsp:nvSpPr>
-        <dsp:cNvPr id="0" name=""/>
-        <dsp:cNvSpPr/>
-      </dsp:nvSpPr>
-      <dsp:spPr>
-        <a:xfrm>
-          <a:off x="0" y="978131"/>
-          <a:ext cx="3791597" cy="0"/>
-        </a:xfrm>
-        <a:prstGeom prst="line">
-          <a:avLst/>
-        </a:prstGeom>
-        <a:solidFill>
-          <a:schemeClr val="accent1">
-            <a:hueOff val="0"/>
-            <a:satOff val="0"/>
-            <a:lumOff val="0"/>
-            <a:alphaOff val="0"/>
-          </a:schemeClr>
-        </a:solidFill>
-        <a:ln w="12700" cap="flat" cmpd="sng" algn="ctr">
-          <a:solidFill>
-            <a:schemeClr val="accent1">
-              <a:hueOff val="0"/>
-              <a:satOff val="0"/>
-              <a:lumOff val="0"/>
-              <a:alphaOff val="0"/>
-            </a:schemeClr>
-          </a:solidFill>
-          <a:prstDash val="solid"/>
-          <a:miter lim="800000"/>
-        </a:ln>
-        <a:effectLst/>
-      </dsp:spPr>
-      <dsp:style>
-        <a:lnRef idx="2">
-          <a:scrgbClr r="0" g="0" b="0"/>
-        </a:lnRef>
-        <a:fillRef idx="1">
-          <a:scrgbClr r="0" g="0" b="0"/>
-        </a:fillRef>
-        <a:effectRef idx="0">
-          <a:scrgbClr r="0" g="0" b="0"/>
-        </a:effectRef>
-        <a:fontRef idx="minor">
-          <a:schemeClr val="lt1"/>
-        </a:fontRef>
-      </dsp:style>
-    </dsp:sp>
-    <dsp:sp modelId="{E524C1C6-3455-4CFD-8426-791F0041DAA7}">
-      <dsp:nvSpPr>
-        <dsp:cNvPr id="0" name=""/>
-        <dsp:cNvSpPr/>
-      </dsp:nvSpPr>
-      <dsp:spPr>
-        <a:xfrm>
-          <a:off x="0" y="978131"/>
-          <a:ext cx="3791597" cy="325977"/>
-        </a:xfrm>
-        <a:prstGeom prst="rect">
-          <a:avLst/>
-        </a:prstGeom>
-        <a:noFill/>
-        <a:ln>
-          <a:noFill/>
-        </a:ln>
-        <a:effectLst/>
-      </dsp:spPr>
-      <dsp:style>
-        <a:lnRef idx="0">
-          <a:scrgbClr r="0" g="0" b="0"/>
-        </a:lnRef>
-        <a:fillRef idx="0">
-          <a:scrgbClr r="0" g="0" b="0"/>
-        </a:fillRef>
-        <a:effectRef idx="0">
-          <a:scrgbClr r="0" g="0" b="0"/>
-        </a:effectRef>
-        <a:fontRef idx="minor"/>
-      </dsp:style>
-      <dsp:txBody>
-        <a:bodyPr spcFirstLastPara="0" vert="horz" wrap="square" lIns="57150" tIns="57150" rIns="57150" bIns="57150" numCol="1" spcCol="1270" anchor="t" anchorCtr="0">
-          <a:noAutofit/>
-        </a:bodyPr>
-        <a:lstStyle/>
-        <a:p>
-          <a:pPr lvl="0" algn="l" defTabSz="666750">
-            <a:lnSpc>
-              <a:spcPct val="90000"/>
-            </a:lnSpc>
-            <a:spcBef>
-              <a:spcPct val="0"/>
-            </a:spcBef>
-            <a:spcAft>
-              <a:spcPct val="35000"/>
-            </a:spcAft>
-          </a:pPr>
-          <a:r>
-            <a:rPr lang="es-ES" sz="1500" kern="1200" dirty="0" err="1"/>
-            <a:t>Information</a:t>
-          </a:r>
-          <a:r>
-            <a:rPr lang="es-ES" sz="1500" kern="1200" dirty="0"/>
-            <a:t> </a:t>
-          </a:r>
-          <a:r>
-            <a:rPr lang="es-ES" sz="1500" kern="1200" dirty="0" err="1"/>
-            <a:t>of</a:t>
-          </a:r>
-          <a:r>
-            <a:rPr lang="es-ES" sz="1500" kern="1200" dirty="0"/>
-            <a:t> </a:t>
-          </a:r>
-          <a:r>
-            <a:rPr lang="es-ES" sz="1500" kern="1200" dirty="0" err="1"/>
-            <a:t>user</a:t>
-          </a:r>
-          <a:endParaRPr lang="en-GB" sz="1500" kern="1200" dirty="0"/>
-        </a:p>
-      </dsp:txBody>
-      <dsp:txXfrm>
-        <a:off x="0" y="978131"/>
-        <a:ext cx="3791597" cy="325977"/>
-      </dsp:txXfrm>
-    </dsp:sp>
-    <dsp:sp modelId="{43700C84-20D4-4B09-946C-49F19441932E}">
-      <dsp:nvSpPr>
-        <dsp:cNvPr id="0" name=""/>
-        <dsp:cNvSpPr/>
-      </dsp:nvSpPr>
-      <dsp:spPr>
-        <a:xfrm>
-          <a:off x="0" y="1304108"/>
-          <a:ext cx="3791597" cy="0"/>
-        </a:xfrm>
-        <a:prstGeom prst="line">
-          <a:avLst/>
-        </a:prstGeom>
-        <a:solidFill>
-          <a:schemeClr val="accent1">
-            <a:hueOff val="0"/>
-            <a:satOff val="0"/>
-            <a:lumOff val="0"/>
-            <a:alphaOff val="0"/>
-          </a:schemeClr>
-        </a:solidFill>
-        <a:ln w="12700" cap="flat" cmpd="sng" algn="ctr">
-          <a:solidFill>
-            <a:schemeClr val="accent1">
-              <a:hueOff val="0"/>
-              <a:satOff val="0"/>
-              <a:lumOff val="0"/>
-              <a:alphaOff val="0"/>
-            </a:schemeClr>
-          </a:solidFill>
-          <a:prstDash val="solid"/>
-          <a:miter lim="800000"/>
-        </a:ln>
-        <a:effectLst/>
-      </dsp:spPr>
-      <dsp:style>
-        <a:lnRef idx="2">
-          <a:scrgbClr r="0" g="0" b="0"/>
-        </a:lnRef>
-        <a:fillRef idx="1">
-          <a:scrgbClr r="0" g="0" b="0"/>
-        </a:fillRef>
-        <a:effectRef idx="0">
-          <a:scrgbClr r="0" g="0" b="0"/>
-        </a:effectRef>
-        <a:fontRef idx="minor">
-          <a:schemeClr val="lt1"/>
-        </a:fontRef>
-      </dsp:style>
-    </dsp:sp>
-    <dsp:sp modelId="{E50588D9-734D-4CF4-9462-86745D1B9141}">
-      <dsp:nvSpPr>
-        <dsp:cNvPr id="0" name=""/>
-        <dsp:cNvSpPr/>
-      </dsp:nvSpPr>
-      <dsp:spPr>
-        <a:xfrm>
-          <a:off x="0" y="1304108"/>
-          <a:ext cx="3791597" cy="325977"/>
-        </a:xfrm>
-        <a:prstGeom prst="rect">
-          <a:avLst/>
-        </a:prstGeom>
-        <a:noFill/>
-        <a:ln>
-          <a:noFill/>
-        </a:ln>
-        <a:effectLst/>
-      </dsp:spPr>
-      <dsp:style>
-        <a:lnRef idx="0">
-          <a:scrgbClr r="0" g="0" b="0"/>
-        </a:lnRef>
-        <a:fillRef idx="0">
-          <a:scrgbClr r="0" g="0" b="0"/>
-        </a:fillRef>
-        <a:effectRef idx="0">
-          <a:scrgbClr r="0" g="0" b="0"/>
-        </a:effectRef>
-        <a:fontRef idx="minor"/>
-      </dsp:style>
-      <dsp:txBody>
-        <a:bodyPr spcFirstLastPara="0" vert="horz" wrap="square" lIns="57150" tIns="57150" rIns="57150" bIns="57150" numCol="1" spcCol="1270" anchor="t" anchorCtr="0">
-          <a:noAutofit/>
-        </a:bodyPr>
-        <a:lstStyle/>
-        <a:p>
-          <a:pPr lvl="0" algn="l" defTabSz="666750">
-            <a:lnSpc>
-              <a:spcPct val="90000"/>
-            </a:lnSpc>
-            <a:spcBef>
-              <a:spcPct val="0"/>
-            </a:spcBef>
-            <a:spcAft>
-              <a:spcPct val="35000"/>
-            </a:spcAft>
-          </a:pPr>
-          <a:r>
-            <a:rPr lang="es-ES" sz="1500" kern="1200" dirty="0" err="1"/>
-            <a:t>Impact</a:t>
-          </a:r>
-          <a:r>
-            <a:rPr lang="es-ES" sz="1500" kern="1200" dirty="0"/>
-            <a:t> </a:t>
-          </a:r>
-          <a:r>
-            <a:rPr lang="es-ES" sz="1500" kern="1200" dirty="0" err="1"/>
-            <a:t>of</a:t>
-          </a:r>
-          <a:r>
-            <a:rPr lang="es-ES" sz="1500" kern="1200" dirty="0"/>
-            <a:t> tweet</a:t>
-          </a:r>
-          <a:endParaRPr lang="en-GB" sz="1500" kern="1200" dirty="0"/>
-        </a:p>
-      </dsp:txBody>
-      <dsp:txXfrm>
-        <a:off x="0" y="1304108"/>
-        <a:ext cx="3791597" cy="325977"/>
-      </dsp:txXfrm>
-    </dsp:sp>
-  </dsp:spTree>
-</dsp:drawing>
-</file>
-
-<file path=ppt/diagrams/drawing5.xml><?xml version="1.0" encoding="utf-8"?>
-<dsp:drawing xmlns:dgm="http://schemas.openxmlformats.org/drawingml/2006/diagram" xmlns:dsp="http://schemas.microsoft.com/office/drawing/2008/diagram" xmlns:a="http://schemas.openxmlformats.org/drawingml/2006/main">
+<dsp:drawing xmlns:dgm="http://schemas.openxmlformats.org/drawingml/2006/diagram" xmlns:a="http://schemas.openxmlformats.org/drawingml/2006/main" xmlns:dsp="http://schemas.microsoft.com/office/drawing/2008/diagram">
   <dsp:spTree>
     <dsp:nvGrpSpPr>
       <dsp:cNvPr id="0" name=""/>
@@ -7679,8 +6972,8 @@
         </a:p>
       </dsp:txBody>
       <dsp:txXfrm>
-        <a:off x="41977" y="1706599"/>
-        <a:ext cx="4268783" cy="1252524"/>
+        <a:off x="3009" y="1667631"/>
+        <a:ext cx="4346719" cy="1330460"/>
       </dsp:txXfrm>
     </dsp:sp>
     <dsp:sp modelId="{26D72EED-E068-43D9-8934-11630CD0FA6C}">
@@ -7758,7 +7051,7 @@
           <a:endParaRPr lang="en-GB" sz="600" kern="1200"/>
         </a:p>
       </dsp:txBody>
-      <dsp:txXfrm>
+      <dsp:txXfrm rot="18070754">
         <a:off x="4805562" y="1450316"/>
         <a:ext cx="97459" cy="97459"/>
       </dsp:txXfrm>
@@ -7838,8 +7131,8 @@
         </a:p>
       </dsp:txBody>
       <dsp:txXfrm>
-        <a:off x="5397824" y="38968"/>
-        <a:ext cx="2582984" cy="1252524"/>
+        <a:off x="5358856" y="0"/>
+        <a:ext cx="2660920" cy="1330460"/>
       </dsp:txXfrm>
     </dsp:sp>
     <dsp:sp modelId="{136F9DBB-E600-48D5-BDAB-5077D57D50AA}">
@@ -7997,8 +7290,8 @@
         </a:p>
       </dsp:txBody>
       <dsp:txXfrm>
-        <a:off x="5453064" y="1706599"/>
-        <a:ext cx="2582984" cy="1252524"/>
+        <a:off x="5414096" y="1667631"/>
+        <a:ext cx="2660920" cy="1330460"/>
       </dsp:txXfrm>
     </dsp:sp>
     <dsp:sp modelId="{3A533134-6777-4855-BE27-367216C161A0}">
@@ -8076,7 +7369,7 @@
           <a:endParaRPr lang="en-GB" sz="700" kern="1200"/>
         </a:p>
       </dsp:txBody>
-      <dsp:txXfrm>
+      <dsp:txXfrm rot="3447113">
         <a:off x="4832453" y="3117218"/>
         <a:ext cx="98917" cy="98917"/>
       </dsp:txXfrm>
@@ -8156,8 +7449,752 @@
         </a:p>
       </dsp:txBody>
       <dsp:txXfrm>
-        <a:off x="5453064" y="3374230"/>
-        <a:ext cx="2582984" cy="1252524"/>
+        <a:off x="5414096" y="3335262"/>
+        <a:ext cx="2660920" cy="1330460"/>
+      </dsp:txXfrm>
+    </dsp:sp>
+  </dsp:spTree>
+</dsp:drawing>
+</file>
+
+<file path=ppt/diagrams/drawing4.xml><?xml version="1.0" encoding="utf-8"?>
+<dsp:drawing xmlns:dgm="http://schemas.openxmlformats.org/drawingml/2006/diagram" xmlns:a="http://schemas.openxmlformats.org/drawingml/2006/main" xmlns:dsp="http://schemas.microsoft.com/office/drawing/2008/diagram">
+  <dsp:spTree>
+    <dsp:nvGrpSpPr>
+      <dsp:cNvPr id="0" name=""/>
+      <dsp:cNvGrpSpPr/>
+    </dsp:nvGrpSpPr>
+    <dsp:grpSpPr/>
+    <dsp:sp modelId="{470DB5D0-9EF1-49E5-81D2-E149DA81DA04}">
+      <dsp:nvSpPr>
+        <dsp:cNvPr id="0" name=""/>
+        <dsp:cNvSpPr/>
+      </dsp:nvSpPr>
+      <dsp:spPr>
+        <a:xfrm>
+          <a:off x="0" y="0"/>
+          <a:ext cx="3791598" cy="0"/>
+        </a:xfrm>
+        <a:prstGeom prst="line">
+          <a:avLst/>
+        </a:prstGeom>
+        <a:solidFill>
+          <a:schemeClr val="accent1">
+            <a:hueOff val="0"/>
+            <a:satOff val="0"/>
+            <a:lumOff val="0"/>
+            <a:alphaOff val="0"/>
+          </a:schemeClr>
+        </a:solidFill>
+        <a:ln w="12700" cap="flat" cmpd="sng" algn="ctr">
+          <a:solidFill>
+            <a:schemeClr val="accent1">
+              <a:hueOff val="0"/>
+              <a:satOff val="0"/>
+              <a:lumOff val="0"/>
+              <a:alphaOff val="0"/>
+            </a:schemeClr>
+          </a:solidFill>
+          <a:prstDash val="solid"/>
+          <a:miter lim="800000"/>
+        </a:ln>
+        <a:effectLst/>
+      </dsp:spPr>
+      <dsp:style>
+        <a:lnRef idx="2">
+          <a:scrgbClr r="0" g="0" b="0"/>
+        </a:lnRef>
+        <a:fillRef idx="1">
+          <a:scrgbClr r="0" g="0" b="0"/>
+        </a:fillRef>
+        <a:effectRef idx="0">
+          <a:scrgbClr r="0" g="0" b="0"/>
+        </a:effectRef>
+        <a:fontRef idx="minor">
+          <a:schemeClr val="lt1"/>
+        </a:fontRef>
+      </dsp:style>
+    </dsp:sp>
+    <dsp:sp modelId="{5BF1887B-8A01-47B8-BC51-AD1881EB2750}">
+      <dsp:nvSpPr>
+        <dsp:cNvPr id="0" name=""/>
+        <dsp:cNvSpPr/>
+      </dsp:nvSpPr>
+      <dsp:spPr>
+        <a:xfrm>
+          <a:off x="0" y="0"/>
+          <a:ext cx="3791598" cy="346846"/>
+        </a:xfrm>
+        <a:prstGeom prst="rect">
+          <a:avLst/>
+        </a:prstGeom>
+        <a:solidFill>
+          <a:srgbClr val="F8F8F8"/>
+        </a:solidFill>
+        <a:ln>
+          <a:noFill/>
+        </a:ln>
+        <a:effectLst/>
+      </dsp:spPr>
+      <dsp:style>
+        <a:lnRef idx="0">
+          <a:scrgbClr r="0" g="0" b="0"/>
+        </a:lnRef>
+        <a:fillRef idx="0">
+          <a:scrgbClr r="0" g="0" b="0"/>
+        </a:fillRef>
+        <a:effectRef idx="0">
+          <a:scrgbClr r="0" g="0" b="0"/>
+        </a:effectRef>
+        <a:fontRef idx="minor"/>
+      </dsp:style>
+      <dsp:txBody>
+        <a:bodyPr spcFirstLastPara="0" vert="horz" wrap="square" lIns="60960" tIns="60960" rIns="60960" bIns="60960" numCol="1" spcCol="1270" anchor="t" anchorCtr="0">
+          <a:noAutofit/>
+        </a:bodyPr>
+        <a:lstStyle/>
+        <a:p>
+          <a:pPr lvl="0" algn="l" defTabSz="711200">
+            <a:lnSpc>
+              <a:spcPct val="90000"/>
+            </a:lnSpc>
+            <a:spcBef>
+              <a:spcPct val="0"/>
+            </a:spcBef>
+            <a:spcAft>
+              <a:spcPct val="35000"/>
+            </a:spcAft>
+          </a:pPr>
+          <a:r>
+            <a:rPr lang="es-ES" sz="1600" kern="1200" dirty="0" err="1"/>
+            <a:t>Screen</a:t>
+          </a:r>
+          <a:r>
+            <a:rPr lang="es-ES" sz="1600" kern="1200" dirty="0"/>
+            <a:t> </a:t>
+          </a:r>
+          <a:r>
+            <a:rPr lang="es-ES" sz="1600" kern="1200" dirty="0" err="1"/>
+            <a:t>name</a:t>
+          </a:r>
+          <a:endParaRPr lang="en-GB" sz="1600" kern="1200" dirty="0"/>
+        </a:p>
+      </dsp:txBody>
+      <dsp:txXfrm>
+        <a:off x="0" y="0"/>
+        <a:ext cx="3791598" cy="346846"/>
+      </dsp:txXfrm>
+    </dsp:sp>
+  </dsp:spTree>
+</dsp:drawing>
+</file>
+
+<file path=ppt/diagrams/drawing5.xml><?xml version="1.0" encoding="utf-8"?>
+<dsp:drawing xmlns:dgm="http://schemas.openxmlformats.org/drawingml/2006/diagram" xmlns:a="http://schemas.openxmlformats.org/drawingml/2006/main" xmlns:dsp="http://schemas.microsoft.com/office/drawing/2008/diagram">
+  <dsp:spTree>
+    <dsp:nvGrpSpPr>
+      <dsp:cNvPr id="0" name=""/>
+      <dsp:cNvGrpSpPr/>
+    </dsp:nvGrpSpPr>
+    <dsp:grpSpPr/>
+    <dsp:sp modelId="{470DB5D0-9EF1-49E5-81D2-E149DA81DA04}">
+      <dsp:nvSpPr>
+        <dsp:cNvPr id="0" name=""/>
+        <dsp:cNvSpPr/>
+      </dsp:nvSpPr>
+      <dsp:spPr>
+        <a:xfrm>
+          <a:off x="0" y="199"/>
+          <a:ext cx="3791597" cy="0"/>
+        </a:xfrm>
+        <a:prstGeom prst="line">
+          <a:avLst/>
+        </a:prstGeom>
+        <a:solidFill>
+          <a:schemeClr val="accent1">
+            <a:hueOff val="0"/>
+            <a:satOff val="0"/>
+            <a:lumOff val="0"/>
+            <a:alphaOff val="0"/>
+          </a:schemeClr>
+        </a:solidFill>
+        <a:ln w="12700" cap="flat" cmpd="sng" algn="ctr">
+          <a:solidFill>
+            <a:schemeClr val="accent1">
+              <a:hueOff val="0"/>
+              <a:satOff val="0"/>
+              <a:lumOff val="0"/>
+              <a:alphaOff val="0"/>
+            </a:schemeClr>
+          </a:solidFill>
+          <a:prstDash val="solid"/>
+          <a:miter lim="800000"/>
+        </a:ln>
+        <a:effectLst/>
+      </dsp:spPr>
+      <dsp:style>
+        <a:lnRef idx="2">
+          <a:scrgbClr r="0" g="0" b="0"/>
+        </a:lnRef>
+        <a:fillRef idx="1">
+          <a:scrgbClr r="0" g="0" b="0"/>
+        </a:fillRef>
+        <a:effectRef idx="0">
+          <a:scrgbClr r="0" g="0" b="0"/>
+        </a:effectRef>
+        <a:fontRef idx="minor">
+          <a:schemeClr val="lt1"/>
+        </a:fontRef>
+      </dsp:style>
+    </dsp:sp>
+    <dsp:sp modelId="{5BF1887B-8A01-47B8-BC51-AD1881EB2750}">
+      <dsp:nvSpPr>
+        <dsp:cNvPr id="0" name=""/>
+        <dsp:cNvSpPr/>
+      </dsp:nvSpPr>
+      <dsp:spPr>
+        <a:xfrm>
+          <a:off x="0" y="199"/>
+          <a:ext cx="3791597" cy="325977"/>
+        </a:xfrm>
+        <a:prstGeom prst="rect">
+          <a:avLst/>
+        </a:prstGeom>
+        <a:solidFill>
+          <a:srgbClr val="F8F8F8"/>
+        </a:solidFill>
+        <a:ln>
+          <a:noFill/>
+        </a:ln>
+        <a:effectLst/>
+      </dsp:spPr>
+      <dsp:style>
+        <a:lnRef idx="0">
+          <a:scrgbClr r="0" g="0" b="0"/>
+        </a:lnRef>
+        <a:fillRef idx="0">
+          <a:scrgbClr r="0" g="0" b="0"/>
+        </a:fillRef>
+        <a:effectRef idx="0">
+          <a:scrgbClr r="0" g="0" b="0"/>
+        </a:effectRef>
+        <a:fontRef idx="minor"/>
+      </dsp:style>
+      <dsp:txBody>
+        <a:bodyPr spcFirstLastPara="0" vert="horz" wrap="square" lIns="57150" tIns="57150" rIns="57150" bIns="57150" numCol="1" spcCol="1270" anchor="t" anchorCtr="0">
+          <a:noAutofit/>
+        </a:bodyPr>
+        <a:lstStyle/>
+        <a:p>
+          <a:pPr lvl="0" algn="l" defTabSz="666750">
+            <a:lnSpc>
+              <a:spcPct val="90000"/>
+            </a:lnSpc>
+            <a:spcBef>
+              <a:spcPct val="0"/>
+            </a:spcBef>
+            <a:spcAft>
+              <a:spcPct val="35000"/>
+            </a:spcAft>
+          </a:pPr>
+          <a:r>
+            <a:rPr lang="es-ES" sz="1500" kern="1200" dirty="0"/>
+            <a:t>Id</a:t>
+          </a:r>
+          <a:endParaRPr lang="en-GB" sz="1500" kern="1200" dirty="0"/>
+        </a:p>
+      </dsp:txBody>
+      <dsp:txXfrm>
+        <a:off x="0" y="199"/>
+        <a:ext cx="3791597" cy="325977"/>
+      </dsp:txXfrm>
+    </dsp:sp>
+    <dsp:sp modelId="{6B6FECF7-7266-48AC-BECB-C72F71FDF787}">
+      <dsp:nvSpPr>
+        <dsp:cNvPr id="0" name=""/>
+        <dsp:cNvSpPr/>
+      </dsp:nvSpPr>
+      <dsp:spPr>
+        <a:xfrm>
+          <a:off x="0" y="326176"/>
+          <a:ext cx="3791597" cy="0"/>
+        </a:xfrm>
+        <a:prstGeom prst="line">
+          <a:avLst/>
+        </a:prstGeom>
+        <a:solidFill>
+          <a:schemeClr val="accent1">
+            <a:hueOff val="0"/>
+            <a:satOff val="0"/>
+            <a:lumOff val="0"/>
+            <a:alphaOff val="0"/>
+          </a:schemeClr>
+        </a:solidFill>
+        <a:ln w="12700" cap="flat" cmpd="sng" algn="ctr">
+          <a:solidFill>
+            <a:schemeClr val="accent1">
+              <a:hueOff val="0"/>
+              <a:satOff val="0"/>
+              <a:lumOff val="0"/>
+              <a:alphaOff val="0"/>
+            </a:schemeClr>
+          </a:solidFill>
+          <a:prstDash val="solid"/>
+          <a:miter lim="800000"/>
+        </a:ln>
+        <a:effectLst/>
+      </dsp:spPr>
+      <dsp:style>
+        <a:lnRef idx="2">
+          <a:scrgbClr r="0" g="0" b="0"/>
+        </a:lnRef>
+        <a:fillRef idx="1">
+          <a:scrgbClr r="0" g="0" b="0"/>
+        </a:fillRef>
+        <a:effectRef idx="0">
+          <a:scrgbClr r="0" g="0" b="0"/>
+        </a:effectRef>
+        <a:fontRef idx="minor">
+          <a:schemeClr val="lt1"/>
+        </a:fontRef>
+      </dsp:style>
+    </dsp:sp>
+    <dsp:sp modelId="{E70CD125-40C2-4308-98DE-F49961EBEDD8}">
+      <dsp:nvSpPr>
+        <dsp:cNvPr id="0" name=""/>
+        <dsp:cNvSpPr/>
+      </dsp:nvSpPr>
+      <dsp:spPr>
+        <a:xfrm>
+          <a:off x="0" y="326176"/>
+          <a:ext cx="3791597" cy="325977"/>
+        </a:xfrm>
+        <a:prstGeom prst="rect">
+          <a:avLst/>
+        </a:prstGeom>
+        <a:solidFill>
+          <a:srgbClr val="F8F8F8"/>
+        </a:solidFill>
+        <a:ln>
+          <a:noFill/>
+        </a:ln>
+        <a:effectLst/>
+      </dsp:spPr>
+      <dsp:style>
+        <a:lnRef idx="0">
+          <a:scrgbClr r="0" g="0" b="0"/>
+        </a:lnRef>
+        <a:fillRef idx="0">
+          <a:scrgbClr r="0" g="0" b="0"/>
+        </a:fillRef>
+        <a:effectRef idx="0">
+          <a:scrgbClr r="0" g="0" b="0"/>
+        </a:effectRef>
+        <a:fontRef idx="minor"/>
+      </dsp:style>
+      <dsp:txBody>
+        <a:bodyPr spcFirstLastPara="0" vert="horz" wrap="square" lIns="57150" tIns="57150" rIns="57150" bIns="57150" numCol="1" spcCol="1270" anchor="t" anchorCtr="0">
+          <a:noAutofit/>
+        </a:bodyPr>
+        <a:lstStyle/>
+        <a:p>
+          <a:pPr lvl="0" algn="l" defTabSz="666750">
+            <a:lnSpc>
+              <a:spcPct val="90000"/>
+            </a:lnSpc>
+            <a:spcBef>
+              <a:spcPct val="0"/>
+            </a:spcBef>
+            <a:spcAft>
+              <a:spcPct val="35000"/>
+            </a:spcAft>
+          </a:pPr>
+          <a:r>
+            <a:rPr lang="es-ES" sz="1500" kern="1200" dirty="0"/>
+            <a:t>Text</a:t>
+          </a:r>
+          <a:endParaRPr lang="en-GB" sz="1500" kern="1200" dirty="0"/>
+        </a:p>
+      </dsp:txBody>
+      <dsp:txXfrm>
+        <a:off x="0" y="326176"/>
+        <a:ext cx="3791597" cy="325977"/>
+      </dsp:txXfrm>
+    </dsp:sp>
+    <dsp:sp modelId="{F345CF5F-BF03-4460-9A6F-9ACC89499420}">
+      <dsp:nvSpPr>
+        <dsp:cNvPr id="0" name=""/>
+        <dsp:cNvSpPr/>
+      </dsp:nvSpPr>
+      <dsp:spPr>
+        <a:xfrm>
+          <a:off x="0" y="652153"/>
+          <a:ext cx="3791597" cy="0"/>
+        </a:xfrm>
+        <a:prstGeom prst="line">
+          <a:avLst/>
+        </a:prstGeom>
+        <a:solidFill>
+          <a:schemeClr val="accent1">
+            <a:hueOff val="0"/>
+            <a:satOff val="0"/>
+            <a:lumOff val="0"/>
+            <a:alphaOff val="0"/>
+          </a:schemeClr>
+        </a:solidFill>
+        <a:ln w="12700" cap="flat" cmpd="sng" algn="ctr">
+          <a:solidFill>
+            <a:schemeClr val="accent1">
+              <a:hueOff val="0"/>
+              <a:satOff val="0"/>
+              <a:lumOff val="0"/>
+              <a:alphaOff val="0"/>
+            </a:schemeClr>
+          </a:solidFill>
+          <a:prstDash val="solid"/>
+          <a:miter lim="800000"/>
+        </a:ln>
+        <a:effectLst/>
+      </dsp:spPr>
+      <dsp:style>
+        <a:lnRef idx="2">
+          <a:scrgbClr r="0" g="0" b="0"/>
+        </a:lnRef>
+        <a:fillRef idx="1">
+          <a:scrgbClr r="0" g="0" b="0"/>
+        </a:fillRef>
+        <a:effectRef idx="0">
+          <a:scrgbClr r="0" g="0" b="0"/>
+        </a:effectRef>
+        <a:fontRef idx="minor">
+          <a:schemeClr val="lt1"/>
+        </a:fontRef>
+      </dsp:style>
+    </dsp:sp>
+    <dsp:sp modelId="{5511D2C0-81E2-437B-ACB6-2D3EFEA183BA}">
+      <dsp:nvSpPr>
+        <dsp:cNvPr id="0" name=""/>
+        <dsp:cNvSpPr/>
+      </dsp:nvSpPr>
+      <dsp:spPr>
+        <a:xfrm>
+          <a:off x="0" y="652153"/>
+          <a:ext cx="3791597" cy="325977"/>
+        </a:xfrm>
+        <a:prstGeom prst="rect">
+          <a:avLst/>
+        </a:prstGeom>
+        <a:solidFill>
+          <a:srgbClr val="F8F8F8"/>
+        </a:solidFill>
+        <a:ln>
+          <a:noFill/>
+        </a:ln>
+        <a:effectLst/>
+      </dsp:spPr>
+      <dsp:style>
+        <a:lnRef idx="0">
+          <a:scrgbClr r="0" g="0" b="0"/>
+        </a:lnRef>
+        <a:fillRef idx="0">
+          <a:scrgbClr r="0" g="0" b="0"/>
+        </a:fillRef>
+        <a:effectRef idx="0">
+          <a:scrgbClr r="0" g="0" b="0"/>
+        </a:effectRef>
+        <a:fontRef idx="minor"/>
+      </dsp:style>
+      <dsp:txBody>
+        <a:bodyPr spcFirstLastPara="0" vert="horz" wrap="square" lIns="57150" tIns="57150" rIns="57150" bIns="57150" numCol="1" spcCol="1270" anchor="t" anchorCtr="0">
+          <a:noAutofit/>
+        </a:bodyPr>
+        <a:lstStyle/>
+        <a:p>
+          <a:pPr lvl="0" algn="l" defTabSz="666750">
+            <a:lnSpc>
+              <a:spcPct val="90000"/>
+            </a:lnSpc>
+            <a:spcBef>
+              <a:spcPct val="0"/>
+            </a:spcBef>
+            <a:spcAft>
+              <a:spcPct val="35000"/>
+            </a:spcAft>
+          </a:pPr>
+          <a:r>
+            <a:rPr lang="es-ES" sz="1500" kern="1200" dirty="0" err="1"/>
+            <a:t>Entities</a:t>
+          </a:r>
+          <a:r>
+            <a:rPr lang="es-ES" sz="1500" kern="1200" dirty="0"/>
+            <a:t> (hashtags, </a:t>
+          </a:r>
+          <a:r>
+            <a:rPr lang="es-ES" sz="1500" kern="1200" dirty="0" err="1"/>
+            <a:t>mentions</a:t>
+          </a:r>
+          <a:r>
+            <a:rPr lang="es-ES" sz="1500" kern="1200" dirty="0"/>
+            <a:t>)</a:t>
+          </a:r>
+          <a:endParaRPr lang="en-GB" sz="1500" kern="1200" dirty="0"/>
+        </a:p>
+      </dsp:txBody>
+      <dsp:txXfrm>
+        <a:off x="0" y="652153"/>
+        <a:ext cx="3791597" cy="325977"/>
+      </dsp:txXfrm>
+    </dsp:sp>
+    <dsp:sp modelId="{46D05F7D-9AFB-45D5-9DD9-9E6336A2B90E}">
+      <dsp:nvSpPr>
+        <dsp:cNvPr id="0" name=""/>
+        <dsp:cNvSpPr/>
+      </dsp:nvSpPr>
+      <dsp:spPr>
+        <a:xfrm>
+          <a:off x="0" y="978131"/>
+          <a:ext cx="3791597" cy="0"/>
+        </a:xfrm>
+        <a:prstGeom prst="line">
+          <a:avLst/>
+        </a:prstGeom>
+        <a:solidFill>
+          <a:schemeClr val="accent1">
+            <a:hueOff val="0"/>
+            <a:satOff val="0"/>
+            <a:lumOff val="0"/>
+            <a:alphaOff val="0"/>
+          </a:schemeClr>
+        </a:solidFill>
+        <a:ln w="12700" cap="flat" cmpd="sng" algn="ctr">
+          <a:solidFill>
+            <a:schemeClr val="accent1">
+              <a:hueOff val="0"/>
+              <a:satOff val="0"/>
+              <a:lumOff val="0"/>
+              <a:alphaOff val="0"/>
+            </a:schemeClr>
+          </a:solidFill>
+          <a:prstDash val="solid"/>
+          <a:miter lim="800000"/>
+        </a:ln>
+        <a:effectLst/>
+      </dsp:spPr>
+      <dsp:style>
+        <a:lnRef idx="2">
+          <a:scrgbClr r="0" g="0" b="0"/>
+        </a:lnRef>
+        <a:fillRef idx="1">
+          <a:scrgbClr r="0" g="0" b="0"/>
+        </a:fillRef>
+        <a:effectRef idx="0">
+          <a:scrgbClr r="0" g="0" b="0"/>
+        </a:effectRef>
+        <a:fontRef idx="minor">
+          <a:schemeClr val="lt1"/>
+        </a:fontRef>
+      </dsp:style>
+    </dsp:sp>
+    <dsp:sp modelId="{E524C1C6-3455-4CFD-8426-791F0041DAA7}">
+      <dsp:nvSpPr>
+        <dsp:cNvPr id="0" name=""/>
+        <dsp:cNvSpPr/>
+      </dsp:nvSpPr>
+      <dsp:spPr>
+        <a:xfrm>
+          <a:off x="0" y="978131"/>
+          <a:ext cx="3791597" cy="325977"/>
+        </a:xfrm>
+        <a:prstGeom prst="rect">
+          <a:avLst/>
+        </a:prstGeom>
+        <a:solidFill>
+          <a:srgbClr val="F8F8F8"/>
+        </a:solidFill>
+        <a:ln>
+          <a:noFill/>
+        </a:ln>
+        <a:effectLst/>
+      </dsp:spPr>
+      <dsp:style>
+        <a:lnRef idx="0">
+          <a:scrgbClr r="0" g="0" b="0"/>
+        </a:lnRef>
+        <a:fillRef idx="0">
+          <a:scrgbClr r="0" g="0" b="0"/>
+        </a:fillRef>
+        <a:effectRef idx="0">
+          <a:scrgbClr r="0" g="0" b="0"/>
+        </a:effectRef>
+        <a:fontRef idx="minor"/>
+      </dsp:style>
+      <dsp:txBody>
+        <a:bodyPr spcFirstLastPara="0" vert="horz" wrap="square" lIns="57150" tIns="57150" rIns="57150" bIns="57150" numCol="1" spcCol="1270" anchor="t" anchorCtr="0">
+          <a:noAutofit/>
+        </a:bodyPr>
+        <a:lstStyle/>
+        <a:p>
+          <a:pPr lvl="0" algn="l" defTabSz="666750">
+            <a:lnSpc>
+              <a:spcPct val="90000"/>
+            </a:lnSpc>
+            <a:spcBef>
+              <a:spcPct val="0"/>
+            </a:spcBef>
+            <a:spcAft>
+              <a:spcPct val="35000"/>
+            </a:spcAft>
+          </a:pPr>
+          <a:r>
+            <a:rPr lang="es-ES" sz="1500" kern="1200" dirty="0" err="1"/>
+            <a:t>Information</a:t>
+          </a:r>
+          <a:r>
+            <a:rPr lang="es-ES" sz="1500" kern="1200" dirty="0"/>
+            <a:t> </a:t>
+          </a:r>
+          <a:r>
+            <a:rPr lang="es-ES" sz="1500" kern="1200" dirty="0" err="1"/>
+            <a:t>of</a:t>
+          </a:r>
+          <a:r>
+            <a:rPr lang="es-ES" sz="1500" kern="1200" dirty="0"/>
+            <a:t> </a:t>
+          </a:r>
+          <a:r>
+            <a:rPr lang="es-ES" sz="1500" kern="1200" dirty="0" err="1"/>
+            <a:t>user</a:t>
+          </a:r>
+          <a:endParaRPr lang="en-GB" sz="1500" kern="1200" dirty="0"/>
+        </a:p>
+      </dsp:txBody>
+      <dsp:txXfrm>
+        <a:off x="0" y="978131"/>
+        <a:ext cx="3791597" cy="325977"/>
+      </dsp:txXfrm>
+    </dsp:sp>
+    <dsp:sp modelId="{43700C84-20D4-4B09-946C-49F19441932E}">
+      <dsp:nvSpPr>
+        <dsp:cNvPr id="0" name=""/>
+        <dsp:cNvSpPr/>
+      </dsp:nvSpPr>
+      <dsp:spPr>
+        <a:xfrm>
+          <a:off x="0" y="1304108"/>
+          <a:ext cx="3791597" cy="0"/>
+        </a:xfrm>
+        <a:prstGeom prst="line">
+          <a:avLst/>
+        </a:prstGeom>
+        <a:solidFill>
+          <a:schemeClr val="accent1">
+            <a:hueOff val="0"/>
+            <a:satOff val="0"/>
+            <a:lumOff val="0"/>
+            <a:alphaOff val="0"/>
+          </a:schemeClr>
+        </a:solidFill>
+        <a:ln w="12700" cap="flat" cmpd="sng" algn="ctr">
+          <a:solidFill>
+            <a:schemeClr val="accent1">
+              <a:hueOff val="0"/>
+              <a:satOff val="0"/>
+              <a:lumOff val="0"/>
+              <a:alphaOff val="0"/>
+            </a:schemeClr>
+          </a:solidFill>
+          <a:prstDash val="solid"/>
+          <a:miter lim="800000"/>
+        </a:ln>
+        <a:effectLst/>
+      </dsp:spPr>
+      <dsp:style>
+        <a:lnRef idx="2">
+          <a:scrgbClr r="0" g="0" b="0"/>
+        </a:lnRef>
+        <a:fillRef idx="1">
+          <a:scrgbClr r="0" g="0" b="0"/>
+        </a:fillRef>
+        <a:effectRef idx="0">
+          <a:scrgbClr r="0" g="0" b="0"/>
+        </a:effectRef>
+        <a:fontRef idx="minor">
+          <a:schemeClr val="lt1"/>
+        </a:fontRef>
+      </dsp:style>
+    </dsp:sp>
+    <dsp:sp modelId="{E50588D9-734D-4CF4-9462-86745D1B9141}">
+      <dsp:nvSpPr>
+        <dsp:cNvPr id="0" name=""/>
+        <dsp:cNvSpPr/>
+      </dsp:nvSpPr>
+      <dsp:spPr>
+        <a:xfrm>
+          <a:off x="0" y="1304108"/>
+          <a:ext cx="3791597" cy="325977"/>
+        </a:xfrm>
+        <a:prstGeom prst="rect">
+          <a:avLst/>
+        </a:prstGeom>
+        <a:solidFill>
+          <a:srgbClr val="F8F8F8"/>
+        </a:solidFill>
+        <a:ln>
+          <a:noFill/>
+        </a:ln>
+        <a:effectLst/>
+      </dsp:spPr>
+      <dsp:style>
+        <a:lnRef idx="0">
+          <a:scrgbClr r="0" g="0" b="0"/>
+        </a:lnRef>
+        <a:fillRef idx="0">
+          <a:scrgbClr r="0" g="0" b="0"/>
+        </a:fillRef>
+        <a:effectRef idx="0">
+          <a:scrgbClr r="0" g="0" b="0"/>
+        </a:effectRef>
+        <a:fontRef idx="minor"/>
+      </dsp:style>
+      <dsp:txBody>
+        <a:bodyPr spcFirstLastPara="0" vert="horz" wrap="square" lIns="57150" tIns="57150" rIns="57150" bIns="57150" numCol="1" spcCol="1270" anchor="t" anchorCtr="0">
+          <a:noAutofit/>
+        </a:bodyPr>
+        <a:lstStyle/>
+        <a:p>
+          <a:pPr lvl="0" algn="l" defTabSz="666750">
+            <a:lnSpc>
+              <a:spcPct val="90000"/>
+            </a:lnSpc>
+            <a:spcBef>
+              <a:spcPct val="0"/>
+            </a:spcBef>
+            <a:spcAft>
+              <a:spcPct val="35000"/>
+            </a:spcAft>
+          </a:pPr>
+          <a:r>
+            <a:rPr lang="es-ES" sz="1500" kern="1200" dirty="0" err="1"/>
+            <a:t>Impact</a:t>
+          </a:r>
+          <a:r>
+            <a:rPr lang="es-ES" sz="1500" kern="1200" dirty="0"/>
+            <a:t> </a:t>
+          </a:r>
+          <a:r>
+            <a:rPr lang="es-ES" sz="1500" kern="1200" dirty="0" err="1"/>
+            <a:t>of</a:t>
+          </a:r>
+          <a:r>
+            <a:rPr lang="es-ES" sz="1500" kern="1200" dirty="0"/>
+            <a:t> tweet</a:t>
+          </a:r>
+          <a:endParaRPr lang="en-GB" sz="1500" kern="1200" dirty="0"/>
+        </a:p>
+      </dsp:txBody>
+      <dsp:txXfrm>
+        <a:off x="0" y="1304108"/>
+        <a:ext cx="3791597" cy="325977"/>
       </dsp:txXfrm>
     </dsp:sp>
   </dsp:spTree>
@@ -8165,7 +8202,7 @@
 </file>
 
 <file path=ppt/diagrams/layout1.xml><?xml version="1.0" encoding="utf-8"?>
-<dgm:layoutDef xmlns:dgm="http://schemas.openxmlformats.org/drawingml/2006/diagram" xmlns:a="http://schemas.openxmlformats.org/drawingml/2006/main" uniqueId="urn:microsoft.com/office/officeart/2005/8/layout/hProcess10">
+<dgm:layoutDef xmlns:dgm="http://schemas.openxmlformats.org/drawingml/2006/diagram" xmlns:a="http://schemas.openxmlformats.org/drawingml/2006/main" uniqueId="urn:microsoft.com/office/officeart/2005/8/layout/hProcess10#1">
   <dgm:title val=""/>
   <dgm:desc val=""/>
   <dgm:catLst>
@@ -8725,12 +8762,11 @@
 </file>
 
 <file path=ppt/diagrams/layout3.xml><?xml version="1.0" encoding="utf-8"?>
-<dgm:layoutDef xmlns:dgm="http://schemas.openxmlformats.org/drawingml/2006/diagram" xmlns:a="http://schemas.openxmlformats.org/drawingml/2006/main" uniqueId="urn:microsoft.com/office/officeart/2008/layout/LinedList">
+<dgm:layoutDef xmlns:dgm="http://schemas.openxmlformats.org/drawingml/2006/diagram" xmlns:a="http://schemas.openxmlformats.org/drawingml/2006/main" uniqueId="urn:microsoft.com/office/officeart/2005/8/layout/hierarchy2">
   <dgm:title val=""/>
   <dgm:desc val=""/>
   <dgm:catLst>
-    <dgm:cat type="hierarchy" pri="8000"/>
-    <dgm:cat type="list" pri="2500"/>
+    <dgm:cat type="hierarchy" pri="5000"/>
   </dgm:catLst>
   <dgm:sampData>
     <dgm:dataModel>
@@ -8739,21 +8775,29 @@
         <dgm:pt modelId="1">
           <dgm:prSet phldr="1"/>
         </dgm:pt>
-        <dgm:pt modelId="11">
+        <dgm:pt modelId="2">
           <dgm:prSet phldr="1"/>
         </dgm:pt>
-        <dgm:pt modelId="12">
+        <dgm:pt modelId="21">
           <dgm:prSet phldr="1"/>
         </dgm:pt>
-        <dgm:pt modelId="13">
+        <dgm:pt modelId="22">
+          <dgm:prSet phldr="1"/>
+        </dgm:pt>
+        <dgm:pt modelId="3">
+          <dgm:prSet phldr="1"/>
+        </dgm:pt>
+        <dgm:pt modelId="31">
           <dgm:prSet phldr="1"/>
         </dgm:pt>
       </dgm:ptLst>
       <dgm:cxnLst>
-        <dgm:cxn modelId="2" srcId="0" destId="1" srcOrd="0" destOrd="0"/>
-        <dgm:cxn modelId="3" srcId="1" destId="11" srcOrd="0" destOrd="0"/>
-        <dgm:cxn modelId="4" srcId="1" destId="12" srcOrd="1" destOrd="0"/>
-        <dgm:cxn modelId="5" srcId="1" destId="13" srcOrd="2" destOrd="0"/>
+        <dgm:cxn modelId="4" srcId="0" destId="1" srcOrd="0" destOrd="0"/>
+        <dgm:cxn modelId="5" srcId="1" destId="2" srcOrd="0" destOrd="0"/>
+        <dgm:cxn modelId="6" srcId="1" destId="3" srcOrd="1" destOrd="0"/>
+        <dgm:cxn modelId="23" srcId="2" destId="21" srcOrd="0" destOrd="0"/>
+        <dgm:cxn modelId="24" srcId="2" destId="22" srcOrd="1" destOrd="0"/>
+        <dgm:cxn modelId="33" srcId="3" destId="31" srcOrd="0" destOrd="0"/>
       </dgm:cxnLst>
       <dgm:bg/>
       <dgm:whole/>
@@ -8763,20 +8807,14 @@
     <dgm:dataModel>
       <dgm:ptLst>
         <dgm:pt modelId="0" type="doc"/>
-        <dgm:pt modelId="1">
-          <dgm:prSet phldr="1"/>
-        </dgm:pt>
-        <dgm:pt modelId="11">
-          <dgm:prSet phldr="1"/>
-        </dgm:pt>
-        <dgm:pt modelId="12">
-          <dgm:prSet phldr="1"/>
-        </dgm:pt>
+        <dgm:pt modelId="1"/>
+        <dgm:pt modelId="11"/>
+        <dgm:pt modelId="12"/>
       </dgm:ptLst>
       <dgm:cxnLst>
         <dgm:cxn modelId="2" srcId="0" destId="1" srcOrd="0" destOrd="0"/>
-        <dgm:cxn modelId="3" srcId="1" destId="11" srcOrd="0" destOrd="0"/>
-        <dgm:cxn modelId="4" srcId="1" destId="12" srcOrd="1" destOrd="0"/>
+        <dgm:cxn modelId="13" srcId="1" destId="11" srcOrd="0" destOrd="0"/>
+        <dgm:cxn modelId="14" srcId="1" destId="12" srcOrd="1" destOrd="0"/>
       </dgm:cxnLst>
       <dgm:bg/>
       <dgm:whole/>
@@ -8786,42 +8824,46 @@
     <dgm:dataModel>
       <dgm:ptLst>
         <dgm:pt modelId="0" type="doc"/>
-        <dgm:pt modelId="1">
-          <dgm:prSet phldr="1"/>
-        </dgm:pt>
-        <dgm:pt modelId="11">
-          <dgm:prSet phldr="1"/>
-        </dgm:pt>
-        <dgm:pt modelId="12">
-          <dgm:prSet phldr="1"/>
-        </dgm:pt>
+        <dgm:pt modelId="1"/>
+        <dgm:pt modelId="2"/>
+        <dgm:pt modelId="21"/>
+        <dgm:pt modelId="211"/>
+        <dgm:pt modelId="3"/>
+        <dgm:pt modelId="31"/>
+        <dgm:pt modelId="311"/>
       </dgm:ptLst>
       <dgm:cxnLst>
-        <dgm:cxn modelId="2" srcId="0" destId="1" srcOrd="0" destOrd="0"/>
-        <dgm:cxn modelId="3" srcId="1" destId="11" srcOrd="0" destOrd="0"/>
-        <dgm:cxn modelId="4" srcId="1" destId="12" srcOrd="1" destOrd="0"/>
+        <dgm:cxn modelId="4" srcId="0" destId="1" srcOrd="0" destOrd="0"/>
+        <dgm:cxn modelId="5" srcId="1" destId="2" srcOrd="0" destOrd="0"/>
+        <dgm:cxn modelId="6" srcId="1" destId="3" srcOrd="1" destOrd="0"/>
+        <dgm:cxn modelId="23" srcId="2" destId="21" srcOrd="0" destOrd="0"/>
+        <dgm:cxn modelId="24" srcId="21" destId="211" srcOrd="0" destOrd="0"/>
+        <dgm:cxn modelId="33" srcId="3" destId="31" srcOrd="0" destOrd="0"/>
+        <dgm:cxn modelId="34" srcId="31" destId="311" srcOrd="0" destOrd="0"/>
       </dgm:cxnLst>
       <dgm:bg/>
       <dgm:whole/>
     </dgm:dataModel>
   </dgm:clrData>
-  <dgm:layoutNode name="vert0">
+  <dgm:layoutNode name="diagram">
     <dgm:varLst>
+      <dgm:chPref val="1"/>
       <dgm:dir/>
       <dgm:animOne val="branch"/>
       <dgm:animLvl val="lvl"/>
+      <dgm:resizeHandles val="exact"/>
     </dgm:varLst>
     <dgm:choose name="Name0">
       <dgm:if name="Name1" func="var" arg="dir" op="equ" val="norm">
-        <dgm:alg type="lin">
+        <dgm:alg type="hierChild">
           <dgm:param type="linDir" val="fromT"/>
-          <dgm:param type="nodeHorzAlign" val="l"/>
+          <dgm:param type="chAlign" val="l"/>
         </dgm:alg>
       </dgm:if>
       <dgm:else name="Name2">
-        <dgm:alg type="lin">
+        <dgm:alg type="hierChild">
           <dgm:param type="linDir" val="fromT"/>
-          <dgm:param type="nodeHorzAlign" val="r"/>
+          <dgm:param type="chAlign" val="r"/>
         </dgm:alg>
       </dgm:else>
     </dgm:choose>
@@ -8830,127 +8872,30 @@
     </dgm:shape>
     <dgm:presOf/>
     <dgm:constrLst>
-      <dgm:constr type="w" for="ch" forName="horz1" refType="w"/>
-      <dgm:constr type="h" for="ch" forName="horz1" refType="h"/>
-      <dgm:constr type="h" for="des" forName="vert1" refType="h"/>
-      <dgm:constr type="h" for="des" forName="tx1" refType="h"/>
-      <dgm:constr type="h" for="des" forName="horz2" refType="h"/>
-      <dgm:constr type="h" for="des" forName="vert2" refType="h"/>
-      <dgm:constr type="h" for="des" forName="horz3" refType="h"/>
-      <dgm:constr type="h" for="des" forName="vert3" refType="h"/>
-      <dgm:constr type="h" for="des" forName="horz4" refType="h"/>
       <dgm:constr type="h" for="des" ptType="node" refType="h"/>
-      <dgm:constr type="primFontSz" for="des" forName="tx1" op="equ" val="65"/>
-      <dgm:constr type="primFontSz" for="des" forName="tx2" op="equ" val="65"/>
-      <dgm:constr type="primFontSz" for="des" forName="tx3" op="equ" val="65"/>
-      <dgm:constr type="primFontSz" for="des" forName="tx4" op="equ" val="65"/>
-      <dgm:constr type="w" for="des" forName="thickLine" refType="w"/>
-      <dgm:constr type="h" for="des" forName="thickLine"/>
-      <dgm:constr type="h" for="des" forName="thinLine1"/>
-      <dgm:constr type="h" for="des" forName="thinLine2b"/>
-      <dgm:constr type="h" for="des" forName="thinLine3"/>
-      <dgm:constr type="h" for="des" forName="vertSpace2a" refType="h" fact="0.05"/>
-      <dgm:constr type="h" for="des" forName="vertSpace2b" refType="h" refFor="des" refForName="vertSpace2a"/>
+      <dgm:constr type="w" for="des" ptType="node" refType="h" refFor="des" refPtType="node" fact="2"/>
+      <dgm:constr type="sibSp" refType="h" refFor="des" refPtType="node" op="equ" fact="0.15"/>
+      <dgm:constr type="sibSp" for="des" forName="level2hierChild" refType="h" refFor="des" refPtType="node" op="equ" fact="0.15"/>
+      <dgm:constr type="sibSp" for="des" forName="level3hierChild" refType="h" refFor="des" refPtType="node" op="equ" fact="0.15"/>
+      <dgm:constr type="sp" for="des" forName="root1" refType="w" refFor="des" refPtType="node" fact="0.4"/>
+      <dgm:constr type="sp" for="des" forName="root2" refType="sp" refFor="des" refForName="root1" op="equ"/>
+      <dgm:constr type="primFontSz" for="des" ptType="node" op="equ" val="65"/>
+      <dgm:constr type="primFontSz" for="des" forName="connTx" op="equ" val="55"/>
+      <dgm:constr type="primFontSz" for="des" forName="connTx" refType="primFontSz" refFor="des" refPtType="node" op="lte" fact="0.8"/>
     </dgm:constrLst>
-    <dgm:forEach name="Name3" axis="ch" ptType="node">
-      <dgm:layoutNode name="thickLine" styleLbl="alignNode1">
-        <dgm:alg type="sp"/>
-        <dgm:shape xmlns:r="http://schemas.openxmlformats.org/officeDocument/2006/relationships" type="line" r:blip="">
-          <dgm:adjLst/>
-        </dgm:shape>
-        <dgm:presOf/>
-      </dgm:layoutNode>
-      <dgm:layoutNode name="horz1">
-        <dgm:choose name="Name4">
-          <dgm:if name="Name5" func="var" arg="dir" op="equ" val="norm">
-            <dgm:alg type="lin">
-              <dgm:param type="linDir" val="fromL"/>
-              <dgm:param type="nodeVertAlign" val="t"/>
-            </dgm:alg>
-          </dgm:if>
-          <dgm:else name="Name6">
-            <dgm:alg type="lin">
-              <dgm:param type="linDir" val="fromR"/>
-              <dgm:param type="nodeVertAlign" val="t"/>
-            </dgm:alg>
-          </dgm:else>
-        </dgm:choose>
-        <dgm:shape xmlns:r="http://schemas.openxmlformats.org/officeDocument/2006/relationships" r:blip="">
-          <dgm:adjLst/>
-        </dgm:shape>
-        <dgm:presOf/>
-        <dgm:choose name="Name7">
-          <dgm:if name="Name8" axis="root des" func="maxDepth" op="equ" val="1">
-            <dgm:constrLst>
-              <dgm:constr type="w" for="ch" forName="tx1" refType="w"/>
-            </dgm:constrLst>
-          </dgm:if>
-          <dgm:if name="Name9" axis="root des" func="maxDepth" op="equ" val="2">
-            <dgm:constrLst>
-              <dgm:constr type="w" for="ch" forName="tx1" refType="w" fact="0.2"/>
-              <dgm:constr type="w" for="des" forName="tx2" refType="w" fact="0.785"/>
-              <dgm:constr type="w" for="des" forName="horzSpace2" refType="w" fact="0.015"/>
-              <dgm:constr type="w" for="des" forName="thinLine2b" refType="w" fact="0.8"/>
-            </dgm:constrLst>
-          </dgm:if>
-          <dgm:if name="Name10" axis="root des" func="maxDepth" op="equ" val="3">
-            <dgm:constrLst>
-              <dgm:constr type="w" for="ch" forName="tx1" refType="w" fact="0.2"/>
-              <dgm:constr type="w" for="des" forName="tx2" refType="w" fact="0.385"/>
-              <dgm:constr type="w" for="des" forName="tx3" refType="w" fact="0.385"/>
-              <dgm:constr type="w" for="des" forName="horzSpace2" refType="w" fact="0.015"/>
-              <dgm:constr type="w" for="des" forName="horzSpace3" refType="w" fact="0.015"/>
-              <dgm:constr type="w" for="des" forName="thinLine2b" refType="w" fact="0.8"/>
-              <dgm:constr type="w" for="des" forName="thinLine3" refType="w" fact="0.385"/>
-            </dgm:constrLst>
-          </dgm:if>
-          <dgm:if name="Name11" axis="root des" func="maxDepth" op="gte" val="4">
-            <dgm:constrLst>
-              <dgm:constr type="w" for="ch" forName="tx1" refType="w" fact="0.2"/>
-              <dgm:constr type="w" for="des" forName="tx2" refType="w" fact="0.2516"/>
-              <dgm:constr type="w" for="des" forName="tx3" refType="w" fact="0.2516"/>
-              <dgm:constr type="w" for="des" forName="tx4" refType="w" fact="0.2516"/>
-              <dgm:constr type="w" for="des" forName="horzSpace2" refType="w" fact="0.015"/>
-              <dgm:constr type="w" for="des" forName="horzSpace3" refType="w" fact="0.015"/>
-              <dgm:constr type="w" for="des" forName="horzSpace4" refType="w" fact="0.015"/>
-              <dgm:constr type="w" for="des" forName="thinLine2b" refType="w" fact="0.8"/>
-              <dgm:constr type="w" for="des" forName="thinLine3" refType="w" fact="0.5332"/>
-            </dgm:constrLst>
-          </dgm:if>
-          <dgm:else name="Name12"/>
-        </dgm:choose>
-        <dgm:layoutNode name="tx1" styleLbl="revTx">
-          <dgm:alg type="tx">
-            <dgm:param type="parTxLTRAlign" val="l"/>
-            <dgm:param type="parTxRTLAlign" val="r"/>
-            <dgm:param type="txAnchorVert" val="t"/>
-          </dgm:alg>
-          <dgm:shape xmlns:r="http://schemas.openxmlformats.org/officeDocument/2006/relationships" type="rect" r:blip="">
-            <dgm:adjLst/>
-          </dgm:shape>
-          <dgm:presOf axis="self"/>
-          <dgm:constrLst>
-            <dgm:constr type="tMarg" refType="primFontSz" fact="0.3"/>
-            <dgm:constr type="bMarg" refType="primFontSz" fact="0.3"/>
-            <dgm:constr type="lMarg" refType="primFontSz" fact="0.3"/>
-            <dgm:constr type="rMarg" refType="primFontSz" fact="0.3"/>
-          </dgm:constrLst>
-          <dgm:ruleLst>
-            <dgm:rule type="primFontSz" val="5" fact="NaN" max="NaN"/>
-          </dgm:ruleLst>
-        </dgm:layoutNode>
-        <dgm:layoutNode name="vert1">
-          <dgm:choose name="Name13">
-            <dgm:if name="Name14" func="var" arg="dir" op="equ" val="norm">
-              <dgm:alg type="lin">
-                <dgm:param type="linDir" val="fromT"/>
-                <dgm:param type="nodeHorzAlign" val="l"/>
+    <dgm:ruleLst/>
+    <dgm:forEach name="Name3" axis="ch">
+      <dgm:forEach name="Name4" axis="self" ptType="node">
+        <dgm:layoutNode name="root1">
+          <dgm:choose name="Name5">
+            <dgm:if name="Name6" func="var" arg="dir" op="equ" val="norm">
+              <dgm:alg type="hierRoot">
+                <dgm:param type="hierAlign" val="lCtrCh"/>
               </dgm:alg>
             </dgm:if>
-            <dgm:else name="Name15">
-              <dgm:alg type="lin">
-                <dgm:param type="linDir" val="fromT"/>
-                <dgm:param type="nodeHorzAlign" val="r"/>
+            <dgm:else name="Name7">
+              <dgm:alg type="hierRoot">
+                <dgm:param type="hierAlign" val="rCtrCh"/>
               </dgm:alg>
             </dgm:else>
           </dgm:choose>
@@ -8958,97 +8903,162 @@
             <dgm:adjLst/>
           </dgm:shape>
           <dgm:presOf/>
-          <dgm:forEach name="Name16" axis="ch" ptType="node">
-            <dgm:choose name="Name17">
-              <dgm:if name="Name18" axis="self" ptType="node" func="pos" op="equ" val="1">
-                <dgm:layoutNode name="vertSpace2a">
-                  <dgm:alg type="sp"/>
+          <dgm:constrLst/>
+          <dgm:ruleLst/>
+          <dgm:layoutNode name="LevelOneTextNode" styleLbl="node0">
+            <dgm:varLst>
+              <dgm:chPref val="3"/>
+            </dgm:varLst>
+            <dgm:alg type="tx"/>
+            <dgm:shape xmlns:r="http://schemas.openxmlformats.org/officeDocument/2006/relationships" type="roundRect" r:blip="">
+              <dgm:adjLst>
+                <dgm:adj idx="1" val="0.1"/>
+              </dgm:adjLst>
+            </dgm:shape>
+            <dgm:presOf axis="self"/>
+            <dgm:constrLst>
+              <dgm:constr type="tMarg" refType="primFontSz" fact="0.05"/>
+              <dgm:constr type="bMarg" refType="primFontSz" fact="0.05"/>
+              <dgm:constr type="lMarg" refType="primFontSz" fact="0.05"/>
+              <dgm:constr type="rMarg" refType="primFontSz" fact="0.05"/>
+            </dgm:constrLst>
+            <dgm:ruleLst>
+              <dgm:rule type="primFontSz" val="5" fact="NaN" max="NaN"/>
+            </dgm:ruleLst>
+          </dgm:layoutNode>
+          <dgm:layoutNode name="level2hierChild">
+            <dgm:choose name="Name8">
+              <dgm:if name="Name9" func="var" arg="dir" op="equ" val="norm">
+                <dgm:alg type="hierChild">
+                  <dgm:param type="linDir" val="fromT"/>
+                  <dgm:param type="chAlign" val="l"/>
+                </dgm:alg>
+              </dgm:if>
+              <dgm:else name="Name10">
+                <dgm:alg type="hierChild">
+                  <dgm:param type="linDir" val="fromT"/>
+                  <dgm:param type="chAlign" val="r"/>
+                </dgm:alg>
+              </dgm:else>
+            </dgm:choose>
+            <dgm:shape xmlns:r="http://schemas.openxmlformats.org/officeDocument/2006/relationships" r:blip="">
+              <dgm:adjLst/>
+            </dgm:shape>
+            <dgm:presOf/>
+            <dgm:constrLst/>
+            <dgm:ruleLst/>
+            <dgm:forEach name="repeat" axis="ch">
+              <dgm:forEach name="Name11" axis="self" ptType="parTrans" cnt="1">
+                <dgm:layoutNode name="conn2-1">
+                  <dgm:choose name="Name12">
+                    <dgm:if name="Name13" func="var" arg="dir" op="equ" val="norm">
+                      <dgm:alg type="conn">
+                        <dgm:param type="dim" val="1D"/>
+                        <dgm:param type="begPts" val="midR"/>
+                        <dgm:param type="endPts" val="midL"/>
+                        <dgm:param type="endSty" val="noArr"/>
+                      </dgm:alg>
+                    </dgm:if>
+                    <dgm:else name="Name14">
+                      <dgm:alg type="conn">
+                        <dgm:param type="dim" val="1D"/>
+                        <dgm:param type="begPts" val="midL"/>
+                        <dgm:param type="endPts" val="midR"/>
+                        <dgm:param type="endSty" val="noArr"/>
+                      </dgm:alg>
+                    </dgm:else>
+                  </dgm:choose>
+                  <dgm:shape xmlns:r="http://schemas.openxmlformats.org/officeDocument/2006/relationships" type="conn" r:blip="">
+                    <dgm:adjLst/>
+                  </dgm:shape>
+                  <dgm:presOf axis="self"/>
+                  <dgm:constrLst>
+                    <dgm:constr type="w" val="1"/>
+                    <dgm:constr type="h" val="5"/>
+                    <dgm:constr type="connDist"/>
+                    <dgm:constr type="begPad"/>
+                    <dgm:constr type="endPad"/>
+                    <dgm:constr type="userA" for="ch" refType="connDist"/>
+                  </dgm:constrLst>
+                  <dgm:ruleLst/>
+                  <dgm:layoutNode name="connTx">
+                    <dgm:alg type="tx">
+                      <dgm:param type="autoTxRot" val="grav"/>
+                    </dgm:alg>
+                    <dgm:shape xmlns:r="http://schemas.openxmlformats.org/officeDocument/2006/relationships" type="rect" r:blip="" hideGeom="1">
+                      <dgm:adjLst/>
+                    </dgm:shape>
+                    <dgm:presOf axis="self"/>
+                    <dgm:constrLst>
+                      <dgm:constr type="userA"/>
+                      <dgm:constr type="w" refType="userA" fact="0.05"/>
+                      <dgm:constr type="h" refType="userA" fact="0.05"/>
+                      <dgm:constr type="lMarg" val="1"/>
+                      <dgm:constr type="rMarg" val="1"/>
+                      <dgm:constr type="tMarg"/>
+                      <dgm:constr type="bMarg"/>
+                    </dgm:constrLst>
+                    <dgm:ruleLst>
+                      <dgm:rule type="h" val="NaN" fact="0.25" max="NaN"/>
+                      <dgm:rule type="w" val="NaN" fact="0.8" max="NaN"/>
+                      <dgm:rule type="primFontSz" val="5" fact="NaN" max="NaN"/>
+                    </dgm:ruleLst>
+                  </dgm:layoutNode>
+                </dgm:layoutNode>
+              </dgm:forEach>
+              <dgm:forEach name="Name15" axis="self" ptType="node">
+                <dgm:layoutNode name="root2">
+                  <dgm:choose name="Name16">
+                    <dgm:if name="Name17" func="var" arg="dir" op="equ" val="norm">
+                      <dgm:alg type="hierRoot">
+                        <dgm:param type="hierAlign" val="lCtrCh"/>
+                      </dgm:alg>
+                    </dgm:if>
+                    <dgm:else name="Name18">
+                      <dgm:alg type="hierRoot">
+                        <dgm:param type="hierAlign" val="rCtrCh"/>
+                      </dgm:alg>
+                    </dgm:else>
+                  </dgm:choose>
                   <dgm:shape xmlns:r="http://schemas.openxmlformats.org/officeDocument/2006/relationships" r:blip="">
                     <dgm:adjLst/>
                   </dgm:shape>
                   <dgm:presOf/>
-                </dgm:layoutNode>
-              </dgm:if>
-              <dgm:else name="Name19"/>
-            </dgm:choose>
-            <dgm:layoutNode name="horz2">
-              <dgm:choose name="Name20">
-                <dgm:if name="Name21" func="var" arg="dir" op="equ" val="norm">
-                  <dgm:alg type="lin">
-                    <dgm:param type="linDir" val="fromL"/>
-                    <dgm:param type="nodeVertAlign" val="t"/>
-                  </dgm:alg>
-                </dgm:if>
-                <dgm:else name="Name22">
-                  <dgm:alg type="lin">
-                    <dgm:param type="linDir" val="fromR"/>
-                    <dgm:param type="nodeVertAlign" val="t"/>
-                  </dgm:alg>
-                </dgm:else>
-              </dgm:choose>
-              <dgm:shape xmlns:r="http://schemas.openxmlformats.org/officeDocument/2006/relationships" r:blip="">
-                <dgm:adjLst/>
-              </dgm:shape>
-              <dgm:presOf/>
-              <dgm:layoutNode name="horzSpace2">
-                <dgm:alg type="sp"/>
-                <dgm:shape xmlns:r="http://schemas.openxmlformats.org/officeDocument/2006/relationships" r:blip="">
-                  <dgm:adjLst/>
-                </dgm:shape>
-                <dgm:presOf/>
-              </dgm:layoutNode>
-              <dgm:layoutNode name="tx2" styleLbl="revTx">
-                <dgm:alg type="tx">
-                  <dgm:param type="parTxLTRAlign" val="l"/>
-                  <dgm:param type="parTxRTLAlign" val="r"/>
-                  <dgm:param type="txAnchorVert" val="t"/>
-                </dgm:alg>
-                <dgm:shape xmlns:r="http://schemas.openxmlformats.org/officeDocument/2006/relationships" type="rect" r:blip="">
-                  <dgm:adjLst/>
-                </dgm:shape>
-                <dgm:presOf axis="self"/>
-                <dgm:constrLst>
-                  <dgm:constr type="tMarg" refType="primFontSz" fact="0.3"/>
-                  <dgm:constr type="bMarg" refType="primFontSz" fact="0.3"/>
-                  <dgm:constr type="lMarg" refType="primFontSz" fact="0.3"/>
-                  <dgm:constr type="rMarg" refType="primFontSz" fact="0.3"/>
-                </dgm:constrLst>
-                <dgm:ruleLst>
-                  <dgm:rule type="primFontSz" val="5" fact="NaN" max="NaN"/>
-                </dgm:ruleLst>
-              </dgm:layoutNode>
-              <dgm:layoutNode name="vert2">
-                <dgm:choose name="Name23">
-                  <dgm:if name="Name24" func="var" arg="dir" op="equ" val="norm">
-                    <dgm:alg type="lin">
-                      <dgm:param type="linDir" val="fromT"/>
-                      <dgm:param type="nodeHorzAlign" val="l"/>
-                    </dgm:alg>
-                  </dgm:if>
-                  <dgm:else name="Name25">
-                    <dgm:alg type="lin">
-                      <dgm:param type="linDir" val="fromT"/>
-                      <dgm:param type="nodeHorzAlign" val="r"/>
-                    </dgm:alg>
-                  </dgm:else>
-                </dgm:choose>
-                <dgm:shape xmlns:r="http://schemas.openxmlformats.org/officeDocument/2006/relationships" r:blip="">
-                  <dgm:adjLst/>
-                </dgm:shape>
-                <dgm:presOf/>
-                <dgm:forEach name="Name26" axis="ch" ptType="node">
-                  <dgm:layoutNode name="horz3">
-                    <dgm:choose name="Name27">
-                      <dgm:if name="Name28" func="var" arg="dir" op="equ" val="norm">
-                        <dgm:alg type="lin">
-                          <dgm:param type="linDir" val="fromL"/>
-                          <dgm:param type="nodeVertAlign" val="t"/>
+                  <dgm:constrLst/>
+                  <dgm:ruleLst/>
+                  <dgm:layoutNode name="LevelTwoTextNode">
+                    <dgm:varLst>
+                      <dgm:chPref val="3"/>
+                    </dgm:varLst>
+                    <dgm:alg type="tx"/>
+                    <dgm:shape xmlns:r="http://schemas.openxmlformats.org/officeDocument/2006/relationships" type="roundRect" r:blip="">
+                      <dgm:adjLst>
+                        <dgm:adj idx="1" val="0.1"/>
+                      </dgm:adjLst>
+                    </dgm:shape>
+                    <dgm:presOf axis="self"/>
+                    <dgm:constrLst>
+                      <dgm:constr type="tMarg" refType="primFontSz" fact="0.05"/>
+                      <dgm:constr type="bMarg" refType="primFontSz" fact="0.05"/>
+                      <dgm:constr type="lMarg" refType="primFontSz" fact="0.05"/>
+                      <dgm:constr type="rMarg" refType="primFontSz" fact="0.05"/>
+                    </dgm:constrLst>
+                    <dgm:ruleLst>
+                      <dgm:rule type="primFontSz" val="5" fact="NaN" max="NaN"/>
+                    </dgm:ruleLst>
+                  </dgm:layoutNode>
+                  <dgm:layoutNode name="level3hierChild">
+                    <dgm:choose name="Name19">
+                      <dgm:if name="Name20" func="var" arg="dir" op="equ" val="norm">
+                        <dgm:alg type="hierChild">
+                          <dgm:param type="linDir" val="fromT"/>
+                          <dgm:param type="chAlign" val="l"/>
                         </dgm:alg>
                       </dgm:if>
-                      <dgm:else name="Name29">
-                        <dgm:alg type="lin">
-                          <dgm:param type="linDir" val="fromR"/>
-                          <dgm:param type="nodeVertAlign" val="t"/>
+                      <dgm:else name="Name21">
+                        <dgm:alg type="hierChild">
+                          <dgm:param type="linDir" val="fromT"/>
+                          <dgm:param type="chAlign" val="r"/>
                         </dgm:alg>
                       </dgm:else>
                     </dgm:choose>
@@ -9056,135 +9066,16 @@
                       <dgm:adjLst/>
                     </dgm:shape>
                     <dgm:presOf/>
-                    <dgm:layoutNode name="horzSpace3">
-                      <dgm:alg type="sp"/>
-                      <dgm:shape xmlns:r="http://schemas.openxmlformats.org/officeDocument/2006/relationships" r:blip="">
-                        <dgm:adjLst/>
-                      </dgm:shape>
-                      <dgm:presOf/>
-                    </dgm:layoutNode>
-                    <dgm:layoutNode name="tx3" styleLbl="revTx">
-                      <dgm:alg type="tx">
-                        <dgm:param type="parTxLTRAlign" val="l"/>
-                        <dgm:param type="parTxRTLAlign" val="r"/>
-                        <dgm:param type="txAnchorVert" val="t"/>
-                      </dgm:alg>
-                      <dgm:shape xmlns:r="http://schemas.openxmlformats.org/officeDocument/2006/relationships" type="rect" r:blip="">
-                        <dgm:adjLst/>
-                      </dgm:shape>
-                      <dgm:presOf axis="self"/>
-                      <dgm:constrLst>
-                        <dgm:constr type="tMarg" refType="primFontSz" fact="0.3"/>
-                        <dgm:constr type="bMarg" refType="primFontSz" fact="0.3"/>
-                        <dgm:constr type="lMarg" refType="primFontSz" fact="0.3"/>
-                        <dgm:constr type="rMarg" refType="primFontSz" fact="0.3"/>
-                      </dgm:constrLst>
-                      <dgm:ruleLst>
-                        <dgm:rule type="primFontSz" val="5" fact="NaN" max="NaN"/>
-                      </dgm:ruleLst>
-                    </dgm:layoutNode>
-                    <dgm:layoutNode name="vert3">
-                      <dgm:choose name="Name30">
-                        <dgm:if name="Name31" func="var" arg="dir" op="equ" val="norm">
-                          <dgm:alg type="lin">
-                            <dgm:param type="linDir" val="fromT"/>
-                            <dgm:param type="nodeHorzAlign" val="l"/>
-                          </dgm:alg>
-                        </dgm:if>
-                        <dgm:else name="Name32">
-                          <dgm:alg type="lin">
-                            <dgm:param type="linDir" val="fromT"/>
-                            <dgm:param type="nodeHorzAlign" val="r"/>
-                          </dgm:alg>
-                        </dgm:else>
-                      </dgm:choose>
-                      <dgm:shape xmlns:r="http://schemas.openxmlformats.org/officeDocument/2006/relationships" r:blip="">
-                        <dgm:adjLst/>
-                      </dgm:shape>
-                      <dgm:presOf/>
-                      <dgm:forEach name="Name33" axis="ch" ptType="node">
-                        <dgm:layoutNode name="horz4">
-                          <dgm:choose name="Name34">
-                            <dgm:if name="Name35" func="var" arg="dir" op="equ" val="norm">
-                              <dgm:alg type="lin">
-                                <dgm:param type="linDir" val="fromL"/>
-                                <dgm:param type="nodeVertAlign" val="t"/>
-                              </dgm:alg>
-                            </dgm:if>
-                            <dgm:else name="Name36">
-                              <dgm:alg type="lin">
-                                <dgm:param type="linDir" val="fromR"/>
-                                <dgm:param type="nodeVertAlign" val="t"/>
-                              </dgm:alg>
-                            </dgm:else>
-                          </dgm:choose>
-                          <dgm:shape xmlns:r="http://schemas.openxmlformats.org/officeDocument/2006/relationships" r:blip="">
-                            <dgm:adjLst/>
-                          </dgm:shape>
-                          <dgm:presOf/>
-                          <dgm:layoutNode name="horzSpace4">
-                            <dgm:alg type="sp"/>
-                            <dgm:shape xmlns:r="http://schemas.openxmlformats.org/officeDocument/2006/relationships" r:blip="">
-                              <dgm:adjLst/>
-                            </dgm:shape>
-                            <dgm:presOf/>
-                          </dgm:layoutNode>
-                          <dgm:layoutNode name="tx4" styleLbl="revTx">
-                            <dgm:varLst>
-                              <dgm:bulletEnabled val="1"/>
-                            </dgm:varLst>
-                            <dgm:alg type="tx">
-                              <dgm:param type="parTxLTRAlign" val="l"/>
-                              <dgm:param type="parTxRTLAlign" val="r"/>
-                              <dgm:param type="txAnchorVert" val="t"/>
-                            </dgm:alg>
-                            <dgm:shape xmlns:r="http://schemas.openxmlformats.org/officeDocument/2006/relationships" type="rect" r:blip="">
-                              <dgm:adjLst/>
-                            </dgm:shape>
-                            <dgm:presOf axis="desOrSelf" ptType="node"/>
-                            <dgm:constrLst>
-                              <dgm:constr type="tMarg" refType="primFontSz" fact="0.3"/>
-                              <dgm:constr type="bMarg" refType="primFontSz" fact="0.3"/>
-                              <dgm:constr type="lMarg" refType="primFontSz" fact="0.3"/>
-                              <dgm:constr type="rMarg" refType="primFontSz" fact="0.3"/>
-                            </dgm:constrLst>
-                            <dgm:ruleLst>
-                              <dgm:rule type="primFontSz" val="5" fact="NaN" max="NaN"/>
-                            </dgm:ruleLst>
-                          </dgm:layoutNode>
-                        </dgm:layoutNode>
-                      </dgm:forEach>
-                    </dgm:layoutNode>
+                    <dgm:constrLst/>
+                    <dgm:ruleLst/>
+                    <dgm:forEach name="Name22" ref="repeat"/>
                   </dgm:layoutNode>
-                  <dgm:forEach name="Name37" axis="followSib" ptType="sibTrans" cnt="1">
-                    <dgm:layoutNode name="thinLine3" styleLbl="callout">
-                      <dgm:alg type="sp"/>
-                      <dgm:shape xmlns:r="http://schemas.openxmlformats.org/officeDocument/2006/relationships" type="line" r:blip="">
-                        <dgm:adjLst/>
-                      </dgm:shape>
-                      <dgm:presOf/>
-                    </dgm:layoutNode>
-                  </dgm:forEach>
-                </dgm:forEach>
-              </dgm:layoutNode>
-            </dgm:layoutNode>
-            <dgm:layoutNode name="thinLine2b" styleLbl="callout">
-              <dgm:alg type="sp"/>
-              <dgm:shape xmlns:r="http://schemas.openxmlformats.org/officeDocument/2006/relationships" type="line" r:blip="">
-                <dgm:adjLst/>
-              </dgm:shape>
-              <dgm:presOf/>
-            </dgm:layoutNode>
-            <dgm:layoutNode name="vertSpace2b">
-              <dgm:alg type="sp"/>
-              <dgm:shape xmlns:r="http://schemas.openxmlformats.org/officeDocument/2006/relationships" r:blip="">
-                <dgm:adjLst/>
-              </dgm:shape>
-              <dgm:presOf/>
-            </dgm:layoutNode>
-          </dgm:forEach>
+                </dgm:layoutNode>
+              </dgm:forEach>
+            </dgm:forEach>
+          </dgm:layoutNode>
         </dgm:layoutNode>
-      </dgm:layoutNode>
+      </dgm:forEach>
     </dgm:forEach>
   </dgm:layoutNode>
 </dgm:layoutDef>
@@ -9657,11 +9548,12 @@
 </file>
 
 <file path=ppt/diagrams/layout5.xml><?xml version="1.0" encoding="utf-8"?>
-<dgm:layoutDef xmlns:dgm="http://schemas.openxmlformats.org/drawingml/2006/diagram" xmlns:a="http://schemas.openxmlformats.org/drawingml/2006/main" uniqueId="urn:microsoft.com/office/officeart/2005/8/layout/hierarchy2">
+<dgm:layoutDef xmlns:dgm="http://schemas.openxmlformats.org/drawingml/2006/diagram" xmlns:a="http://schemas.openxmlformats.org/drawingml/2006/main" uniqueId="urn:microsoft.com/office/officeart/2008/layout/LinedList">
   <dgm:title val=""/>
   <dgm:desc val=""/>
   <dgm:catLst>
-    <dgm:cat type="hierarchy" pri="5000"/>
+    <dgm:cat type="hierarchy" pri="8000"/>
+    <dgm:cat type="list" pri="2500"/>
   </dgm:catLst>
   <dgm:sampData>
     <dgm:dataModel>
@@ -9670,29 +9562,21 @@
         <dgm:pt modelId="1">
           <dgm:prSet phldr="1"/>
         </dgm:pt>
-        <dgm:pt modelId="2">
+        <dgm:pt modelId="11">
           <dgm:prSet phldr="1"/>
         </dgm:pt>
-        <dgm:pt modelId="21">
+        <dgm:pt modelId="12">
           <dgm:prSet phldr="1"/>
         </dgm:pt>
-        <dgm:pt modelId="22">
-          <dgm:prSet phldr="1"/>
-        </dgm:pt>
-        <dgm:pt modelId="3">
-          <dgm:prSet phldr="1"/>
-        </dgm:pt>
-        <dgm:pt modelId="31">
+        <dgm:pt modelId="13">
           <dgm:prSet phldr="1"/>
         </dgm:pt>
       </dgm:ptLst>
       <dgm:cxnLst>
-        <dgm:cxn modelId="4" srcId="0" destId="1" srcOrd="0" destOrd="0"/>
-        <dgm:cxn modelId="5" srcId="1" destId="2" srcOrd="0" destOrd="0"/>
-        <dgm:cxn modelId="6" srcId="1" destId="3" srcOrd="1" destOrd="0"/>
-        <dgm:cxn modelId="23" srcId="2" destId="21" srcOrd="0" destOrd="0"/>
-        <dgm:cxn modelId="24" srcId="2" destId="22" srcOrd="1" destOrd="0"/>
-        <dgm:cxn modelId="33" srcId="3" destId="31" srcOrd="0" destOrd="0"/>
+        <dgm:cxn modelId="2" srcId="0" destId="1" srcOrd="0" destOrd="0"/>
+        <dgm:cxn modelId="3" srcId="1" destId="11" srcOrd="0" destOrd="0"/>
+        <dgm:cxn modelId="4" srcId="1" destId="12" srcOrd="1" destOrd="0"/>
+        <dgm:cxn modelId="5" srcId="1" destId="13" srcOrd="2" destOrd="0"/>
       </dgm:cxnLst>
       <dgm:bg/>
       <dgm:whole/>
@@ -9702,14 +9586,20 @@
     <dgm:dataModel>
       <dgm:ptLst>
         <dgm:pt modelId="0" type="doc"/>
-        <dgm:pt modelId="1"/>
-        <dgm:pt modelId="11"/>
-        <dgm:pt modelId="12"/>
+        <dgm:pt modelId="1">
+          <dgm:prSet phldr="1"/>
+        </dgm:pt>
+        <dgm:pt modelId="11">
+          <dgm:prSet phldr="1"/>
+        </dgm:pt>
+        <dgm:pt modelId="12">
+          <dgm:prSet phldr="1"/>
+        </dgm:pt>
       </dgm:ptLst>
       <dgm:cxnLst>
         <dgm:cxn modelId="2" srcId="0" destId="1" srcOrd="0" destOrd="0"/>
-        <dgm:cxn modelId="13" srcId="1" destId="11" srcOrd="0" destOrd="0"/>
-        <dgm:cxn modelId="14" srcId="1" destId="12" srcOrd="1" destOrd="0"/>
+        <dgm:cxn modelId="3" srcId="1" destId="11" srcOrd="0" destOrd="0"/>
+        <dgm:cxn modelId="4" srcId="1" destId="12" srcOrd="1" destOrd="0"/>
       </dgm:cxnLst>
       <dgm:bg/>
       <dgm:whole/>
@@ -9719,46 +9609,42 @@
     <dgm:dataModel>
       <dgm:ptLst>
         <dgm:pt modelId="0" type="doc"/>
-        <dgm:pt modelId="1"/>
-        <dgm:pt modelId="2"/>
-        <dgm:pt modelId="21"/>
-        <dgm:pt modelId="211"/>
-        <dgm:pt modelId="3"/>
-        <dgm:pt modelId="31"/>
-        <dgm:pt modelId="311"/>
+        <dgm:pt modelId="1">
+          <dgm:prSet phldr="1"/>
+        </dgm:pt>
+        <dgm:pt modelId="11">
+          <dgm:prSet phldr="1"/>
+        </dgm:pt>
+        <dgm:pt modelId="12">
+          <dgm:prSet phldr="1"/>
+        </dgm:pt>
       </dgm:ptLst>
       <dgm:cxnLst>
-        <dgm:cxn modelId="4" srcId="0" destId="1" srcOrd="0" destOrd="0"/>
-        <dgm:cxn modelId="5" srcId="1" destId="2" srcOrd="0" destOrd="0"/>
-        <dgm:cxn modelId="6" srcId="1" destId="3" srcOrd="1" destOrd="0"/>
-        <dgm:cxn modelId="23" srcId="2" destId="21" srcOrd="0" destOrd="0"/>
-        <dgm:cxn modelId="24" srcId="21" destId="211" srcOrd="0" destOrd="0"/>
-        <dgm:cxn modelId="33" srcId="3" destId="31" srcOrd="0" destOrd="0"/>
-        <dgm:cxn modelId="34" srcId="31" destId="311" srcOrd="0" destOrd="0"/>
+        <dgm:cxn modelId="2" srcId="0" destId="1" srcOrd="0" destOrd="0"/>
+        <dgm:cxn modelId="3" srcId="1" destId="11" srcOrd="0" destOrd="0"/>
+        <dgm:cxn modelId="4" srcId="1" destId="12" srcOrd="1" destOrd="0"/>
       </dgm:cxnLst>
       <dgm:bg/>
       <dgm:whole/>
     </dgm:dataModel>
   </dgm:clrData>
-  <dgm:layoutNode name="diagram">
+  <dgm:layoutNode name="vert0">
     <dgm:varLst>
-      <dgm:chPref val="1"/>
       <dgm:dir/>
       <dgm:animOne val="branch"/>
       <dgm:animLvl val="lvl"/>
-      <dgm:resizeHandles val="exact"/>
     </dgm:varLst>
     <dgm:choose name="Name0">
       <dgm:if name="Name1" func="var" arg="dir" op="equ" val="norm">
-        <dgm:alg type="hierChild">
+        <dgm:alg type="lin">
           <dgm:param type="linDir" val="fromT"/>
-          <dgm:param type="chAlign" val="l"/>
+          <dgm:param type="nodeHorzAlign" val="l"/>
         </dgm:alg>
       </dgm:if>
       <dgm:else name="Name2">
-        <dgm:alg type="hierChild">
+        <dgm:alg type="lin">
           <dgm:param type="linDir" val="fromT"/>
-          <dgm:param type="chAlign" val="r"/>
+          <dgm:param type="nodeHorzAlign" val="r"/>
         </dgm:alg>
       </dgm:else>
     </dgm:choose>
@@ -9767,30 +9653,127 @@
     </dgm:shape>
     <dgm:presOf/>
     <dgm:constrLst>
+      <dgm:constr type="w" for="ch" forName="horz1" refType="w"/>
+      <dgm:constr type="h" for="ch" forName="horz1" refType="h"/>
+      <dgm:constr type="h" for="des" forName="vert1" refType="h"/>
+      <dgm:constr type="h" for="des" forName="tx1" refType="h"/>
+      <dgm:constr type="h" for="des" forName="horz2" refType="h"/>
+      <dgm:constr type="h" for="des" forName="vert2" refType="h"/>
+      <dgm:constr type="h" for="des" forName="horz3" refType="h"/>
+      <dgm:constr type="h" for="des" forName="vert3" refType="h"/>
+      <dgm:constr type="h" for="des" forName="horz4" refType="h"/>
       <dgm:constr type="h" for="des" ptType="node" refType="h"/>
-      <dgm:constr type="w" for="des" ptType="node" refType="h" refFor="des" refPtType="node" fact="2"/>
-      <dgm:constr type="sibSp" refType="h" refFor="des" refPtType="node" op="equ" fact="0.15"/>
-      <dgm:constr type="sibSp" for="des" forName="level2hierChild" refType="h" refFor="des" refPtType="node" op="equ" fact="0.15"/>
-      <dgm:constr type="sibSp" for="des" forName="level3hierChild" refType="h" refFor="des" refPtType="node" op="equ" fact="0.15"/>
-      <dgm:constr type="sp" for="des" forName="root1" refType="w" refFor="des" refPtType="node" fact="0.4"/>
-      <dgm:constr type="sp" for="des" forName="root2" refType="sp" refFor="des" refForName="root1" op="equ"/>
-      <dgm:constr type="primFontSz" for="des" ptType="node" op="equ" val="65"/>
-      <dgm:constr type="primFontSz" for="des" forName="connTx" op="equ" val="55"/>
-      <dgm:constr type="primFontSz" for="des" forName="connTx" refType="primFontSz" refFor="des" refPtType="node" op="lte" fact="0.8"/>
+      <dgm:constr type="primFontSz" for="des" forName="tx1" op="equ" val="65"/>
+      <dgm:constr type="primFontSz" for="des" forName="tx2" op="equ" val="65"/>
+      <dgm:constr type="primFontSz" for="des" forName="tx3" op="equ" val="65"/>
+      <dgm:constr type="primFontSz" for="des" forName="tx4" op="equ" val="65"/>
+      <dgm:constr type="w" for="des" forName="thickLine" refType="w"/>
+      <dgm:constr type="h" for="des" forName="thickLine"/>
+      <dgm:constr type="h" for="des" forName="thinLine1"/>
+      <dgm:constr type="h" for="des" forName="thinLine2b"/>
+      <dgm:constr type="h" for="des" forName="thinLine3"/>
+      <dgm:constr type="h" for="des" forName="vertSpace2a" refType="h" fact="0.05"/>
+      <dgm:constr type="h" for="des" forName="vertSpace2b" refType="h" refFor="des" refForName="vertSpace2a"/>
     </dgm:constrLst>
-    <dgm:ruleLst/>
-    <dgm:forEach name="Name3" axis="ch">
-      <dgm:forEach name="Name4" axis="self" ptType="node">
-        <dgm:layoutNode name="root1">
-          <dgm:choose name="Name5">
-            <dgm:if name="Name6" func="var" arg="dir" op="equ" val="norm">
-              <dgm:alg type="hierRoot">
-                <dgm:param type="hierAlign" val="lCtrCh"/>
+    <dgm:forEach name="Name3" axis="ch" ptType="node">
+      <dgm:layoutNode name="thickLine" styleLbl="alignNode1">
+        <dgm:alg type="sp"/>
+        <dgm:shape xmlns:r="http://schemas.openxmlformats.org/officeDocument/2006/relationships" type="line" r:blip="">
+          <dgm:adjLst/>
+        </dgm:shape>
+        <dgm:presOf/>
+      </dgm:layoutNode>
+      <dgm:layoutNode name="horz1">
+        <dgm:choose name="Name4">
+          <dgm:if name="Name5" func="var" arg="dir" op="equ" val="norm">
+            <dgm:alg type="lin">
+              <dgm:param type="linDir" val="fromL"/>
+              <dgm:param type="nodeVertAlign" val="t"/>
+            </dgm:alg>
+          </dgm:if>
+          <dgm:else name="Name6">
+            <dgm:alg type="lin">
+              <dgm:param type="linDir" val="fromR"/>
+              <dgm:param type="nodeVertAlign" val="t"/>
+            </dgm:alg>
+          </dgm:else>
+        </dgm:choose>
+        <dgm:shape xmlns:r="http://schemas.openxmlformats.org/officeDocument/2006/relationships" r:blip="">
+          <dgm:adjLst/>
+        </dgm:shape>
+        <dgm:presOf/>
+        <dgm:choose name="Name7">
+          <dgm:if name="Name8" axis="root des" func="maxDepth" op="equ" val="1">
+            <dgm:constrLst>
+              <dgm:constr type="w" for="ch" forName="tx1" refType="w"/>
+            </dgm:constrLst>
+          </dgm:if>
+          <dgm:if name="Name9" axis="root des" func="maxDepth" op="equ" val="2">
+            <dgm:constrLst>
+              <dgm:constr type="w" for="ch" forName="tx1" refType="w" fact="0.2"/>
+              <dgm:constr type="w" for="des" forName="tx2" refType="w" fact="0.785"/>
+              <dgm:constr type="w" for="des" forName="horzSpace2" refType="w" fact="0.015"/>
+              <dgm:constr type="w" for="des" forName="thinLine2b" refType="w" fact="0.8"/>
+            </dgm:constrLst>
+          </dgm:if>
+          <dgm:if name="Name10" axis="root des" func="maxDepth" op="equ" val="3">
+            <dgm:constrLst>
+              <dgm:constr type="w" for="ch" forName="tx1" refType="w" fact="0.2"/>
+              <dgm:constr type="w" for="des" forName="tx2" refType="w" fact="0.385"/>
+              <dgm:constr type="w" for="des" forName="tx3" refType="w" fact="0.385"/>
+              <dgm:constr type="w" for="des" forName="horzSpace2" refType="w" fact="0.015"/>
+              <dgm:constr type="w" for="des" forName="horzSpace3" refType="w" fact="0.015"/>
+              <dgm:constr type="w" for="des" forName="thinLine2b" refType="w" fact="0.8"/>
+              <dgm:constr type="w" for="des" forName="thinLine3" refType="w" fact="0.385"/>
+            </dgm:constrLst>
+          </dgm:if>
+          <dgm:if name="Name11" axis="root des" func="maxDepth" op="gte" val="4">
+            <dgm:constrLst>
+              <dgm:constr type="w" for="ch" forName="tx1" refType="w" fact="0.2"/>
+              <dgm:constr type="w" for="des" forName="tx2" refType="w" fact="0.2516"/>
+              <dgm:constr type="w" for="des" forName="tx3" refType="w" fact="0.2516"/>
+              <dgm:constr type="w" for="des" forName="tx4" refType="w" fact="0.2516"/>
+              <dgm:constr type="w" for="des" forName="horzSpace2" refType="w" fact="0.015"/>
+              <dgm:constr type="w" for="des" forName="horzSpace3" refType="w" fact="0.015"/>
+              <dgm:constr type="w" for="des" forName="horzSpace4" refType="w" fact="0.015"/>
+              <dgm:constr type="w" for="des" forName="thinLine2b" refType="w" fact="0.8"/>
+              <dgm:constr type="w" for="des" forName="thinLine3" refType="w" fact="0.5332"/>
+            </dgm:constrLst>
+          </dgm:if>
+          <dgm:else name="Name12"/>
+        </dgm:choose>
+        <dgm:layoutNode name="tx1" styleLbl="revTx">
+          <dgm:alg type="tx">
+            <dgm:param type="parTxLTRAlign" val="l"/>
+            <dgm:param type="parTxRTLAlign" val="r"/>
+            <dgm:param type="txAnchorVert" val="t"/>
+          </dgm:alg>
+          <dgm:shape xmlns:r="http://schemas.openxmlformats.org/officeDocument/2006/relationships" type="rect" r:blip="">
+            <dgm:adjLst/>
+          </dgm:shape>
+          <dgm:presOf axis="self"/>
+          <dgm:constrLst>
+            <dgm:constr type="tMarg" refType="primFontSz" fact="0.3"/>
+            <dgm:constr type="bMarg" refType="primFontSz" fact="0.3"/>
+            <dgm:constr type="lMarg" refType="primFontSz" fact="0.3"/>
+            <dgm:constr type="rMarg" refType="primFontSz" fact="0.3"/>
+          </dgm:constrLst>
+          <dgm:ruleLst>
+            <dgm:rule type="primFontSz" val="5" fact="NaN" max="NaN"/>
+          </dgm:ruleLst>
+        </dgm:layoutNode>
+        <dgm:layoutNode name="vert1">
+          <dgm:choose name="Name13">
+            <dgm:if name="Name14" func="var" arg="dir" op="equ" val="norm">
+              <dgm:alg type="lin">
+                <dgm:param type="linDir" val="fromT"/>
+                <dgm:param type="nodeHorzAlign" val="l"/>
               </dgm:alg>
             </dgm:if>
-            <dgm:else name="Name7">
-              <dgm:alg type="hierRoot">
-                <dgm:param type="hierAlign" val="rCtrCh"/>
+            <dgm:else name="Name15">
+              <dgm:alg type="lin">
+                <dgm:param type="linDir" val="fromT"/>
+                <dgm:param type="nodeHorzAlign" val="r"/>
               </dgm:alg>
             </dgm:else>
           </dgm:choose>
@@ -9798,162 +9781,97 @@
             <dgm:adjLst/>
           </dgm:shape>
           <dgm:presOf/>
-          <dgm:constrLst/>
-          <dgm:ruleLst/>
-          <dgm:layoutNode name="LevelOneTextNode" styleLbl="node0">
-            <dgm:varLst>
-              <dgm:chPref val="3"/>
-            </dgm:varLst>
-            <dgm:alg type="tx"/>
-            <dgm:shape xmlns:r="http://schemas.openxmlformats.org/officeDocument/2006/relationships" type="roundRect" r:blip="">
-              <dgm:adjLst>
-                <dgm:adj idx="1" val="0.1"/>
-              </dgm:adjLst>
-            </dgm:shape>
-            <dgm:presOf axis="self"/>
-            <dgm:constrLst>
-              <dgm:constr type="tMarg" refType="primFontSz" fact="0.05"/>
-              <dgm:constr type="bMarg" refType="primFontSz" fact="0.05"/>
-              <dgm:constr type="lMarg" refType="primFontSz" fact="0.05"/>
-              <dgm:constr type="rMarg" refType="primFontSz" fact="0.05"/>
-            </dgm:constrLst>
-            <dgm:ruleLst>
-              <dgm:rule type="primFontSz" val="5" fact="NaN" max="NaN"/>
-            </dgm:ruleLst>
-          </dgm:layoutNode>
-          <dgm:layoutNode name="level2hierChild">
-            <dgm:choose name="Name8">
-              <dgm:if name="Name9" func="var" arg="dir" op="equ" val="norm">
-                <dgm:alg type="hierChild">
-                  <dgm:param type="linDir" val="fromT"/>
-                  <dgm:param type="chAlign" val="l"/>
-                </dgm:alg>
-              </dgm:if>
-              <dgm:else name="Name10">
-                <dgm:alg type="hierChild">
-                  <dgm:param type="linDir" val="fromT"/>
-                  <dgm:param type="chAlign" val="r"/>
-                </dgm:alg>
-              </dgm:else>
-            </dgm:choose>
-            <dgm:shape xmlns:r="http://schemas.openxmlformats.org/officeDocument/2006/relationships" r:blip="">
-              <dgm:adjLst/>
-            </dgm:shape>
-            <dgm:presOf/>
-            <dgm:constrLst/>
-            <dgm:ruleLst/>
-            <dgm:forEach name="repeat" axis="ch">
-              <dgm:forEach name="Name11" axis="self" ptType="parTrans" cnt="1">
-                <dgm:layoutNode name="conn2-1">
-                  <dgm:choose name="Name12">
-                    <dgm:if name="Name13" func="var" arg="dir" op="equ" val="norm">
-                      <dgm:alg type="conn">
-                        <dgm:param type="dim" val="1D"/>
-                        <dgm:param type="begPts" val="midR"/>
-                        <dgm:param type="endPts" val="midL"/>
-                        <dgm:param type="endSty" val="noArr"/>
-                      </dgm:alg>
-                    </dgm:if>
-                    <dgm:else name="Name14">
-                      <dgm:alg type="conn">
-                        <dgm:param type="dim" val="1D"/>
-                        <dgm:param type="begPts" val="midL"/>
-                        <dgm:param type="endPts" val="midR"/>
-                        <dgm:param type="endSty" val="noArr"/>
-                      </dgm:alg>
-                    </dgm:else>
-                  </dgm:choose>
-                  <dgm:shape xmlns:r="http://schemas.openxmlformats.org/officeDocument/2006/relationships" type="conn" r:blip="">
-                    <dgm:adjLst/>
-                  </dgm:shape>
-                  <dgm:presOf axis="self"/>
-                  <dgm:constrLst>
-                    <dgm:constr type="w" val="1"/>
-                    <dgm:constr type="h" val="5"/>
-                    <dgm:constr type="connDist"/>
-                    <dgm:constr type="begPad"/>
-                    <dgm:constr type="endPad"/>
-                    <dgm:constr type="userA" for="ch" refType="connDist"/>
-                  </dgm:constrLst>
-                  <dgm:ruleLst/>
-                  <dgm:layoutNode name="connTx">
-                    <dgm:alg type="tx">
-                      <dgm:param type="autoTxRot" val="grav"/>
-                    </dgm:alg>
-                    <dgm:shape xmlns:r="http://schemas.openxmlformats.org/officeDocument/2006/relationships" type="rect" r:blip="" hideGeom="1">
-                      <dgm:adjLst/>
-                    </dgm:shape>
-                    <dgm:presOf axis="self"/>
-                    <dgm:constrLst>
-                      <dgm:constr type="userA"/>
-                      <dgm:constr type="w" refType="userA" fact="0.05"/>
-                      <dgm:constr type="h" refType="userA" fact="0.05"/>
-                      <dgm:constr type="lMarg" val="1"/>
-                      <dgm:constr type="rMarg" val="1"/>
-                      <dgm:constr type="tMarg"/>
-                      <dgm:constr type="bMarg"/>
-                    </dgm:constrLst>
-                    <dgm:ruleLst>
-                      <dgm:rule type="h" val="NaN" fact="0.25" max="NaN"/>
-                      <dgm:rule type="w" val="NaN" fact="0.8" max="NaN"/>
-                      <dgm:rule type="primFontSz" val="5" fact="NaN" max="NaN"/>
-                    </dgm:ruleLst>
-                  </dgm:layoutNode>
-                </dgm:layoutNode>
-              </dgm:forEach>
-              <dgm:forEach name="Name15" axis="self" ptType="node">
-                <dgm:layoutNode name="root2">
-                  <dgm:choose name="Name16">
-                    <dgm:if name="Name17" func="var" arg="dir" op="equ" val="norm">
-                      <dgm:alg type="hierRoot">
-                        <dgm:param type="hierAlign" val="lCtrCh"/>
-                      </dgm:alg>
-                    </dgm:if>
-                    <dgm:else name="Name18">
-                      <dgm:alg type="hierRoot">
-                        <dgm:param type="hierAlign" val="rCtrCh"/>
-                      </dgm:alg>
-                    </dgm:else>
-                  </dgm:choose>
+          <dgm:forEach name="Name16" axis="ch" ptType="node">
+            <dgm:choose name="Name17">
+              <dgm:if name="Name18" axis="self" ptType="node" func="pos" op="equ" val="1">
+                <dgm:layoutNode name="vertSpace2a">
+                  <dgm:alg type="sp"/>
                   <dgm:shape xmlns:r="http://schemas.openxmlformats.org/officeDocument/2006/relationships" r:blip="">
                     <dgm:adjLst/>
                   </dgm:shape>
                   <dgm:presOf/>
-                  <dgm:constrLst/>
-                  <dgm:ruleLst/>
-                  <dgm:layoutNode name="LevelTwoTextNode">
-                    <dgm:varLst>
-                      <dgm:chPref val="3"/>
-                    </dgm:varLst>
-                    <dgm:alg type="tx"/>
-                    <dgm:shape xmlns:r="http://schemas.openxmlformats.org/officeDocument/2006/relationships" type="roundRect" r:blip="">
-                      <dgm:adjLst>
-                        <dgm:adj idx="1" val="0.1"/>
-                      </dgm:adjLst>
-                    </dgm:shape>
-                    <dgm:presOf axis="self"/>
-                    <dgm:constrLst>
-                      <dgm:constr type="tMarg" refType="primFontSz" fact="0.05"/>
-                      <dgm:constr type="bMarg" refType="primFontSz" fact="0.05"/>
-                      <dgm:constr type="lMarg" refType="primFontSz" fact="0.05"/>
-                      <dgm:constr type="rMarg" refType="primFontSz" fact="0.05"/>
-                    </dgm:constrLst>
-                    <dgm:ruleLst>
-                      <dgm:rule type="primFontSz" val="5" fact="NaN" max="NaN"/>
-                    </dgm:ruleLst>
-                  </dgm:layoutNode>
-                  <dgm:layoutNode name="level3hierChild">
-                    <dgm:choose name="Name19">
-                      <dgm:if name="Name20" func="var" arg="dir" op="equ" val="norm">
-                        <dgm:alg type="hierChild">
-                          <dgm:param type="linDir" val="fromT"/>
-                          <dgm:param type="chAlign" val="l"/>
+                </dgm:layoutNode>
+              </dgm:if>
+              <dgm:else name="Name19"/>
+            </dgm:choose>
+            <dgm:layoutNode name="horz2">
+              <dgm:choose name="Name20">
+                <dgm:if name="Name21" func="var" arg="dir" op="equ" val="norm">
+                  <dgm:alg type="lin">
+                    <dgm:param type="linDir" val="fromL"/>
+                    <dgm:param type="nodeVertAlign" val="t"/>
+                  </dgm:alg>
+                </dgm:if>
+                <dgm:else name="Name22">
+                  <dgm:alg type="lin">
+                    <dgm:param type="linDir" val="fromR"/>
+                    <dgm:param type="nodeVertAlign" val="t"/>
+                  </dgm:alg>
+                </dgm:else>
+              </dgm:choose>
+              <dgm:shape xmlns:r="http://schemas.openxmlformats.org/officeDocument/2006/relationships" r:blip="">
+                <dgm:adjLst/>
+              </dgm:shape>
+              <dgm:presOf/>
+              <dgm:layoutNode name="horzSpace2">
+                <dgm:alg type="sp"/>
+                <dgm:shape xmlns:r="http://schemas.openxmlformats.org/officeDocument/2006/relationships" r:blip="">
+                  <dgm:adjLst/>
+                </dgm:shape>
+                <dgm:presOf/>
+              </dgm:layoutNode>
+              <dgm:layoutNode name="tx2" styleLbl="revTx">
+                <dgm:alg type="tx">
+                  <dgm:param type="parTxLTRAlign" val="l"/>
+                  <dgm:param type="parTxRTLAlign" val="r"/>
+                  <dgm:param type="txAnchorVert" val="t"/>
+                </dgm:alg>
+                <dgm:shape xmlns:r="http://schemas.openxmlformats.org/officeDocument/2006/relationships" type="rect" r:blip="">
+                  <dgm:adjLst/>
+                </dgm:shape>
+                <dgm:presOf axis="self"/>
+                <dgm:constrLst>
+                  <dgm:constr type="tMarg" refType="primFontSz" fact="0.3"/>
+                  <dgm:constr type="bMarg" refType="primFontSz" fact="0.3"/>
+                  <dgm:constr type="lMarg" refType="primFontSz" fact="0.3"/>
+                  <dgm:constr type="rMarg" refType="primFontSz" fact="0.3"/>
+                </dgm:constrLst>
+                <dgm:ruleLst>
+                  <dgm:rule type="primFontSz" val="5" fact="NaN" max="NaN"/>
+                </dgm:ruleLst>
+              </dgm:layoutNode>
+              <dgm:layoutNode name="vert2">
+                <dgm:choose name="Name23">
+                  <dgm:if name="Name24" func="var" arg="dir" op="equ" val="norm">
+                    <dgm:alg type="lin">
+                      <dgm:param type="linDir" val="fromT"/>
+                      <dgm:param type="nodeHorzAlign" val="l"/>
+                    </dgm:alg>
+                  </dgm:if>
+                  <dgm:else name="Name25">
+                    <dgm:alg type="lin">
+                      <dgm:param type="linDir" val="fromT"/>
+                      <dgm:param type="nodeHorzAlign" val="r"/>
+                    </dgm:alg>
+                  </dgm:else>
+                </dgm:choose>
+                <dgm:shape xmlns:r="http://schemas.openxmlformats.org/officeDocument/2006/relationships" r:blip="">
+                  <dgm:adjLst/>
+                </dgm:shape>
+                <dgm:presOf/>
+                <dgm:forEach name="Name26" axis="ch" ptType="node">
+                  <dgm:layoutNode name="horz3">
+                    <dgm:choose name="Name27">
+                      <dgm:if name="Name28" func="var" arg="dir" op="equ" val="norm">
+                        <dgm:alg type="lin">
+                          <dgm:param type="linDir" val="fromL"/>
+                          <dgm:param type="nodeVertAlign" val="t"/>
                         </dgm:alg>
                       </dgm:if>
-                      <dgm:else name="Name21">
-                        <dgm:alg type="hierChild">
-                          <dgm:param type="linDir" val="fromT"/>
-                          <dgm:param type="chAlign" val="r"/>
+                      <dgm:else name="Name29">
+                        <dgm:alg type="lin">
+                          <dgm:param type="linDir" val="fromR"/>
+                          <dgm:param type="nodeVertAlign" val="t"/>
                         </dgm:alg>
                       </dgm:else>
                     </dgm:choose>
@@ -9961,16 +9879,135 @@
                       <dgm:adjLst/>
                     </dgm:shape>
                     <dgm:presOf/>
-                    <dgm:constrLst/>
-                    <dgm:ruleLst/>
-                    <dgm:forEach name="Name22" ref="repeat"/>
+                    <dgm:layoutNode name="horzSpace3">
+                      <dgm:alg type="sp"/>
+                      <dgm:shape xmlns:r="http://schemas.openxmlformats.org/officeDocument/2006/relationships" r:blip="">
+                        <dgm:adjLst/>
+                      </dgm:shape>
+                      <dgm:presOf/>
+                    </dgm:layoutNode>
+                    <dgm:layoutNode name="tx3" styleLbl="revTx">
+                      <dgm:alg type="tx">
+                        <dgm:param type="parTxLTRAlign" val="l"/>
+                        <dgm:param type="parTxRTLAlign" val="r"/>
+                        <dgm:param type="txAnchorVert" val="t"/>
+                      </dgm:alg>
+                      <dgm:shape xmlns:r="http://schemas.openxmlformats.org/officeDocument/2006/relationships" type="rect" r:blip="">
+                        <dgm:adjLst/>
+                      </dgm:shape>
+                      <dgm:presOf axis="self"/>
+                      <dgm:constrLst>
+                        <dgm:constr type="tMarg" refType="primFontSz" fact="0.3"/>
+                        <dgm:constr type="bMarg" refType="primFontSz" fact="0.3"/>
+                        <dgm:constr type="lMarg" refType="primFontSz" fact="0.3"/>
+                        <dgm:constr type="rMarg" refType="primFontSz" fact="0.3"/>
+                      </dgm:constrLst>
+                      <dgm:ruleLst>
+                        <dgm:rule type="primFontSz" val="5" fact="NaN" max="NaN"/>
+                      </dgm:ruleLst>
+                    </dgm:layoutNode>
+                    <dgm:layoutNode name="vert3">
+                      <dgm:choose name="Name30">
+                        <dgm:if name="Name31" func="var" arg="dir" op="equ" val="norm">
+                          <dgm:alg type="lin">
+                            <dgm:param type="linDir" val="fromT"/>
+                            <dgm:param type="nodeHorzAlign" val="l"/>
+                          </dgm:alg>
+                        </dgm:if>
+                        <dgm:else name="Name32">
+                          <dgm:alg type="lin">
+                            <dgm:param type="linDir" val="fromT"/>
+                            <dgm:param type="nodeHorzAlign" val="r"/>
+                          </dgm:alg>
+                        </dgm:else>
+                      </dgm:choose>
+                      <dgm:shape xmlns:r="http://schemas.openxmlformats.org/officeDocument/2006/relationships" r:blip="">
+                        <dgm:adjLst/>
+                      </dgm:shape>
+                      <dgm:presOf/>
+                      <dgm:forEach name="Name33" axis="ch" ptType="node">
+                        <dgm:layoutNode name="horz4">
+                          <dgm:choose name="Name34">
+                            <dgm:if name="Name35" func="var" arg="dir" op="equ" val="norm">
+                              <dgm:alg type="lin">
+                                <dgm:param type="linDir" val="fromL"/>
+                                <dgm:param type="nodeVertAlign" val="t"/>
+                              </dgm:alg>
+                            </dgm:if>
+                            <dgm:else name="Name36">
+                              <dgm:alg type="lin">
+                                <dgm:param type="linDir" val="fromR"/>
+                                <dgm:param type="nodeVertAlign" val="t"/>
+                              </dgm:alg>
+                            </dgm:else>
+                          </dgm:choose>
+                          <dgm:shape xmlns:r="http://schemas.openxmlformats.org/officeDocument/2006/relationships" r:blip="">
+                            <dgm:adjLst/>
+                          </dgm:shape>
+                          <dgm:presOf/>
+                          <dgm:layoutNode name="horzSpace4">
+                            <dgm:alg type="sp"/>
+                            <dgm:shape xmlns:r="http://schemas.openxmlformats.org/officeDocument/2006/relationships" r:blip="">
+                              <dgm:adjLst/>
+                            </dgm:shape>
+                            <dgm:presOf/>
+                          </dgm:layoutNode>
+                          <dgm:layoutNode name="tx4" styleLbl="revTx">
+                            <dgm:varLst>
+                              <dgm:bulletEnabled val="1"/>
+                            </dgm:varLst>
+                            <dgm:alg type="tx">
+                              <dgm:param type="parTxLTRAlign" val="l"/>
+                              <dgm:param type="parTxRTLAlign" val="r"/>
+                              <dgm:param type="txAnchorVert" val="t"/>
+                            </dgm:alg>
+                            <dgm:shape xmlns:r="http://schemas.openxmlformats.org/officeDocument/2006/relationships" type="rect" r:blip="">
+                              <dgm:adjLst/>
+                            </dgm:shape>
+                            <dgm:presOf axis="desOrSelf" ptType="node"/>
+                            <dgm:constrLst>
+                              <dgm:constr type="tMarg" refType="primFontSz" fact="0.3"/>
+                              <dgm:constr type="bMarg" refType="primFontSz" fact="0.3"/>
+                              <dgm:constr type="lMarg" refType="primFontSz" fact="0.3"/>
+                              <dgm:constr type="rMarg" refType="primFontSz" fact="0.3"/>
+                            </dgm:constrLst>
+                            <dgm:ruleLst>
+                              <dgm:rule type="primFontSz" val="5" fact="NaN" max="NaN"/>
+                            </dgm:ruleLst>
+                          </dgm:layoutNode>
+                        </dgm:layoutNode>
+                      </dgm:forEach>
+                    </dgm:layoutNode>
                   </dgm:layoutNode>
-                </dgm:layoutNode>
-              </dgm:forEach>
-            </dgm:forEach>
-          </dgm:layoutNode>
+                  <dgm:forEach name="Name37" axis="followSib" ptType="sibTrans" cnt="1">
+                    <dgm:layoutNode name="thinLine3" styleLbl="callout">
+                      <dgm:alg type="sp"/>
+                      <dgm:shape xmlns:r="http://schemas.openxmlformats.org/officeDocument/2006/relationships" type="line" r:blip="">
+                        <dgm:adjLst/>
+                      </dgm:shape>
+                      <dgm:presOf/>
+                    </dgm:layoutNode>
+                  </dgm:forEach>
+                </dgm:forEach>
+              </dgm:layoutNode>
+            </dgm:layoutNode>
+            <dgm:layoutNode name="thinLine2b" styleLbl="callout">
+              <dgm:alg type="sp"/>
+              <dgm:shape xmlns:r="http://schemas.openxmlformats.org/officeDocument/2006/relationships" type="line" r:blip="">
+                <dgm:adjLst/>
+              </dgm:shape>
+              <dgm:presOf/>
+            </dgm:layoutNode>
+            <dgm:layoutNode name="vertSpace2b">
+              <dgm:alg type="sp"/>
+              <dgm:shape xmlns:r="http://schemas.openxmlformats.org/officeDocument/2006/relationships" r:blip="">
+                <dgm:adjLst/>
+              </dgm:shape>
+              <dgm:presOf/>
+            </dgm:layoutNode>
+          </dgm:forEach>
         </dgm:layoutNode>
-      </dgm:forEach>
+      </dgm:layoutNode>
     </dgm:forEach>
   </dgm:layoutNode>
 </dgm:layoutDef>
@@ -15228,7 +15265,8 @@
           <a:p>
             <a:fld id="{9F668389-8C21-D848-9A17-5B133ED78DC4}" type="datetimeFigureOut">
               <a:rPr lang="es-ES_tradnl" smtClean="0"/>
-              <a:t>20/12/18</a:t>
+              <a:pPr/>
+              <a:t>20/12/2018</a:t>
             </a:fld>
             <a:endParaRPr lang="es-ES_tradnl"/>
           </a:p>
@@ -15387,7 +15425,8 @@
           <a:p>
             <a:fld id="{CD0E4A7A-2E79-D349-AF8C-F6A50FA47582}" type="slidenum">
               <a:rPr lang="es-ES_tradnl" smtClean="0"/>
-              <a:t>‹Nr.›</a:t>
+              <a:pPr/>
+              <a:t>‹Nº›</a:t>
             </a:fld>
             <a:endParaRPr lang="es-ES_tradnl"/>
           </a:p>
@@ -15396,7 +15435,7 @@
     </p:spTree>
     <p:extLst>
       <p:ext uri="{BB962C8B-B14F-4D97-AF65-F5344CB8AC3E}">
-        <p14:creationId xmlns:p14="http://schemas.microsoft.com/office/powerpoint/2010/main" val="951096157"/>
+        <p14:creationId xmlns:p14="http://schemas.microsoft.com/office/powerpoint/2010/main" xmlns="" val="951096157"/>
       </p:ext>
     </p:extLst>
   </p:cSld>
@@ -15627,6 +15666,7 @@
           <a:p>
             <a:fld id="{6F218A04-5CB0-4443-A237-A19E8C8C0D4F}" type="datetimeFigureOut">
               <a:rPr lang="en-GB" smtClean="0"/>
+              <a:pPr/>
               <a:t>20/12/2018</a:t>
             </a:fld>
             <a:endParaRPr lang="en-GB"/>
@@ -15669,7 +15709,8 @@
           <a:p>
             <a:fld id="{F640AD6A-7A3E-48FF-8251-5C988A442CEA}" type="slidenum">
               <a:rPr lang="en-GB" smtClean="0"/>
-              <a:t>‹Nr.›</a:t>
+              <a:pPr/>
+              <a:t>‹Nº›</a:t>
             </a:fld>
             <a:endParaRPr lang="en-GB"/>
           </a:p>
@@ -15678,7 +15719,7 @@
     </p:spTree>
     <p:extLst>
       <p:ext uri="{BB962C8B-B14F-4D97-AF65-F5344CB8AC3E}">
-        <p14:creationId xmlns:p14="http://schemas.microsoft.com/office/powerpoint/2010/main" val="1298026610"/>
+        <p14:creationId xmlns:p14="http://schemas.microsoft.com/office/powerpoint/2010/main" xmlns="" val="1298026610"/>
       </p:ext>
     </p:extLst>
   </p:cSld>
@@ -15797,6 +15838,7 @@
           <a:p>
             <a:fld id="{6F218A04-5CB0-4443-A237-A19E8C8C0D4F}" type="datetimeFigureOut">
               <a:rPr lang="en-GB" smtClean="0"/>
+              <a:pPr/>
               <a:t>20/12/2018</a:t>
             </a:fld>
             <a:endParaRPr lang="en-GB"/>
@@ -15839,7 +15881,8 @@
           <a:p>
             <a:fld id="{F640AD6A-7A3E-48FF-8251-5C988A442CEA}" type="slidenum">
               <a:rPr lang="en-GB" smtClean="0"/>
-              <a:t>‹Nr.›</a:t>
+              <a:pPr/>
+              <a:t>‹Nº›</a:t>
             </a:fld>
             <a:endParaRPr lang="en-GB"/>
           </a:p>
@@ -15848,7 +15891,7 @@
     </p:spTree>
     <p:extLst>
       <p:ext uri="{BB962C8B-B14F-4D97-AF65-F5344CB8AC3E}">
-        <p14:creationId xmlns:p14="http://schemas.microsoft.com/office/powerpoint/2010/main" val="3984263725"/>
+        <p14:creationId xmlns:p14="http://schemas.microsoft.com/office/powerpoint/2010/main" xmlns="" val="3984263725"/>
       </p:ext>
     </p:extLst>
   </p:cSld>
@@ -15977,6 +16020,7 @@
           <a:p>
             <a:fld id="{6F218A04-5CB0-4443-A237-A19E8C8C0D4F}" type="datetimeFigureOut">
               <a:rPr lang="en-GB" smtClean="0"/>
+              <a:pPr/>
               <a:t>20/12/2018</a:t>
             </a:fld>
             <a:endParaRPr lang="en-GB"/>
@@ -16019,7 +16063,8 @@
           <a:p>
             <a:fld id="{F640AD6A-7A3E-48FF-8251-5C988A442CEA}" type="slidenum">
               <a:rPr lang="en-GB" smtClean="0"/>
-              <a:t>‹Nr.›</a:t>
+              <a:pPr/>
+              <a:t>‹Nº›</a:t>
             </a:fld>
             <a:endParaRPr lang="en-GB"/>
           </a:p>
@@ -16028,7 +16073,7 @@
     </p:spTree>
     <p:extLst>
       <p:ext uri="{BB962C8B-B14F-4D97-AF65-F5344CB8AC3E}">
-        <p14:creationId xmlns:p14="http://schemas.microsoft.com/office/powerpoint/2010/main" val="530952077"/>
+        <p14:creationId xmlns:p14="http://schemas.microsoft.com/office/powerpoint/2010/main" xmlns="" val="530952077"/>
       </p:ext>
     </p:extLst>
   </p:cSld>
@@ -16147,6 +16192,7 @@
           <a:p>
             <a:fld id="{6F218A04-5CB0-4443-A237-A19E8C8C0D4F}" type="datetimeFigureOut">
               <a:rPr lang="en-GB" smtClean="0"/>
+              <a:pPr/>
               <a:t>20/12/2018</a:t>
             </a:fld>
             <a:endParaRPr lang="en-GB"/>
@@ -16189,7 +16235,8 @@
           <a:p>
             <a:fld id="{F640AD6A-7A3E-48FF-8251-5C988A442CEA}" type="slidenum">
               <a:rPr lang="en-GB" smtClean="0"/>
-              <a:t>‹Nr.›</a:t>
+              <a:pPr/>
+              <a:t>‹Nº›</a:t>
             </a:fld>
             <a:endParaRPr lang="en-GB"/>
           </a:p>
@@ -16198,7 +16245,7 @@
     </p:spTree>
     <p:extLst>
       <p:ext uri="{BB962C8B-B14F-4D97-AF65-F5344CB8AC3E}">
-        <p14:creationId xmlns:p14="http://schemas.microsoft.com/office/powerpoint/2010/main" val="802144663"/>
+        <p14:creationId xmlns:p14="http://schemas.microsoft.com/office/powerpoint/2010/main" xmlns="" val="802144663"/>
       </p:ext>
     </p:extLst>
   </p:cSld>
@@ -16391,6 +16438,7 @@
           <a:p>
             <a:fld id="{6F218A04-5CB0-4443-A237-A19E8C8C0D4F}" type="datetimeFigureOut">
               <a:rPr lang="en-GB" smtClean="0"/>
+              <a:pPr/>
               <a:t>20/12/2018</a:t>
             </a:fld>
             <a:endParaRPr lang="en-GB"/>
@@ -16433,7 +16481,8 @@
           <a:p>
             <a:fld id="{F640AD6A-7A3E-48FF-8251-5C988A442CEA}" type="slidenum">
               <a:rPr lang="en-GB" smtClean="0"/>
-              <a:t>‹Nr.›</a:t>
+              <a:pPr/>
+              <a:t>‹Nº›</a:t>
             </a:fld>
             <a:endParaRPr lang="en-GB"/>
           </a:p>
@@ -16442,7 +16491,7 @@
     </p:spTree>
     <p:extLst>
       <p:ext uri="{BB962C8B-B14F-4D97-AF65-F5344CB8AC3E}">
-        <p14:creationId xmlns:p14="http://schemas.microsoft.com/office/powerpoint/2010/main" val="60314343"/>
+        <p14:creationId xmlns:p14="http://schemas.microsoft.com/office/powerpoint/2010/main" xmlns="" val="60314343"/>
       </p:ext>
     </p:extLst>
   </p:cSld>
@@ -16623,6 +16672,7 @@
           <a:p>
             <a:fld id="{6F218A04-5CB0-4443-A237-A19E8C8C0D4F}" type="datetimeFigureOut">
               <a:rPr lang="en-GB" smtClean="0"/>
+              <a:pPr/>
               <a:t>20/12/2018</a:t>
             </a:fld>
             <a:endParaRPr lang="en-GB"/>
@@ -16665,7 +16715,8 @@
           <a:p>
             <a:fld id="{F640AD6A-7A3E-48FF-8251-5C988A442CEA}" type="slidenum">
               <a:rPr lang="en-GB" smtClean="0"/>
-              <a:t>‹Nr.›</a:t>
+              <a:pPr/>
+              <a:t>‹Nº›</a:t>
             </a:fld>
             <a:endParaRPr lang="en-GB"/>
           </a:p>
@@ -16674,7 +16725,7 @@
     </p:spTree>
     <p:extLst>
       <p:ext uri="{BB962C8B-B14F-4D97-AF65-F5344CB8AC3E}">
-        <p14:creationId xmlns:p14="http://schemas.microsoft.com/office/powerpoint/2010/main" val="253129559"/>
+        <p14:creationId xmlns:p14="http://schemas.microsoft.com/office/powerpoint/2010/main" xmlns="" val="253129559"/>
       </p:ext>
     </p:extLst>
   </p:cSld>
@@ -16990,6 +17041,7 @@
           <a:p>
             <a:fld id="{6F218A04-5CB0-4443-A237-A19E8C8C0D4F}" type="datetimeFigureOut">
               <a:rPr lang="en-GB" smtClean="0"/>
+              <a:pPr/>
               <a:t>20/12/2018</a:t>
             </a:fld>
             <a:endParaRPr lang="en-GB"/>
@@ -17032,7 +17084,8 @@
           <a:p>
             <a:fld id="{F640AD6A-7A3E-48FF-8251-5C988A442CEA}" type="slidenum">
               <a:rPr lang="en-GB" smtClean="0"/>
-              <a:t>‹Nr.›</a:t>
+              <a:pPr/>
+              <a:t>‹Nº›</a:t>
             </a:fld>
             <a:endParaRPr lang="en-GB"/>
           </a:p>
@@ -17041,7 +17094,7 @@
     </p:spTree>
     <p:extLst>
       <p:ext uri="{BB962C8B-B14F-4D97-AF65-F5344CB8AC3E}">
-        <p14:creationId xmlns:p14="http://schemas.microsoft.com/office/powerpoint/2010/main" val="1334106859"/>
+        <p14:creationId xmlns:p14="http://schemas.microsoft.com/office/powerpoint/2010/main" xmlns="" val="1334106859"/>
       </p:ext>
     </p:extLst>
   </p:cSld>
@@ -17108,6 +17161,7 @@
           <a:p>
             <a:fld id="{6F218A04-5CB0-4443-A237-A19E8C8C0D4F}" type="datetimeFigureOut">
               <a:rPr lang="en-GB" smtClean="0"/>
+              <a:pPr/>
               <a:t>20/12/2018</a:t>
             </a:fld>
             <a:endParaRPr lang="en-GB"/>
@@ -17150,7 +17204,8 @@
           <a:p>
             <a:fld id="{F640AD6A-7A3E-48FF-8251-5C988A442CEA}" type="slidenum">
               <a:rPr lang="en-GB" smtClean="0"/>
-              <a:t>‹Nr.›</a:t>
+              <a:pPr/>
+              <a:t>‹Nº›</a:t>
             </a:fld>
             <a:endParaRPr lang="en-GB"/>
           </a:p>
@@ -17159,7 +17214,7 @@
     </p:spTree>
     <p:extLst>
       <p:ext uri="{BB962C8B-B14F-4D97-AF65-F5344CB8AC3E}">
-        <p14:creationId xmlns:p14="http://schemas.microsoft.com/office/powerpoint/2010/main" val="374600800"/>
+        <p14:creationId xmlns:p14="http://schemas.microsoft.com/office/powerpoint/2010/main" xmlns="" val="374600800"/>
       </p:ext>
     </p:extLst>
   </p:cSld>
@@ -17203,6 +17258,7 @@
           <a:p>
             <a:fld id="{6F218A04-5CB0-4443-A237-A19E8C8C0D4F}" type="datetimeFigureOut">
               <a:rPr lang="en-GB" smtClean="0"/>
+              <a:pPr/>
               <a:t>20/12/2018</a:t>
             </a:fld>
             <a:endParaRPr lang="en-GB"/>
@@ -17245,7 +17301,8 @@
           <a:p>
             <a:fld id="{F640AD6A-7A3E-48FF-8251-5C988A442CEA}" type="slidenum">
               <a:rPr lang="en-GB" smtClean="0"/>
-              <a:t>‹Nr.›</a:t>
+              <a:pPr/>
+              <a:t>‹Nº›</a:t>
             </a:fld>
             <a:endParaRPr lang="en-GB"/>
           </a:p>
@@ -17254,7 +17311,7 @@
     </p:spTree>
     <p:extLst>
       <p:ext uri="{BB962C8B-B14F-4D97-AF65-F5344CB8AC3E}">
-        <p14:creationId xmlns:p14="http://schemas.microsoft.com/office/powerpoint/2010/main" val="3487373088"/>
+        <p14:creationId xmlns:p14="http://schemas.microsoft.com/office/powerpoint/2010/main" xmlns="" val="3487373088"/>
       </p:ext>
     </p:extLst>
   </p:cSld>
@@ -17480,6 +17537,7 @@
           <a:p>
             <a:fld id="{6F218A04-5CB0-4443-A237-A19E8C8C0D4F}" type="datetimeFigureOut">
               <a:rPr lang="en-GB" smtClean="0"/>
+              <a:pPr/>
               <a:t>20/12/2018</a:t>
             </a:fld>
             <a:endParaRPr lang="en-GB"/>
@@ -17522,7 +17580,8 @@
           <a:p>
             <a:fld id="{F640AD6A-7A3E-48FF-8251-5C988A442CEA}" type="slidenum">
               <a:rPr lang="en-GB" smtClean="0"/>
-              <a:t>‹Nr.›</a:t>
+              <a:pPr/>
+              <a:t>‹Nº›</a:t>
             </a:fld>
             <a:endParaRPr lang="en-GB"/>
           </a:p>
@@ -17531,7 +17590,7 @@
     </p:spTree>
     <p:extLst>
       <p:ext uri="{BB962C8B-B14F-4D97-AF65-F5344CB8AC3E}">
-        <p14:creationId xmlns:p14="http://schemas.microsoft.com/office/powerpoint/2010/main" val="3190625984"/>
+        <p14:creationId xmlns:p14="http://schemas.microsoft.com/office/powerpoint/2010/main" xmlns="" val="3190625984"/>
       </p:ext>
     </p:extLst>
   </p:cSld>
@@ -17737,6 +17796,7 @@
           <a:p>
             <a:fld id="{6F218A04-5CB0-4443-A237-A19E8C8C0D4F}" type="datetimeFigureOut">
               <a:rPr lang="en-GB" smtClean="0"/>
+              <a:pPr/>
               <a:t>20/12/2018</a:t>
             </a:fld>
             <a:endParaRPr lang="en-GB"/>
@@ -17779,7 +17839,8 @@
           <a:p>
             <a:fld id="{F640AD6A-7A3E-48FF-8251-5C988A442CEA}" type="slidenum">
               <a:rPr lang="en-GB" smtClean="0"/>
-              <a:t>‹Nr.›</a:t>
+              <a:pPr/>
+              <a:t>‹Nº›</a:t>
             </a:fld>
             <a:endParaRPr lang="en-GB"/>
           </a:p>
@@ -17788,7 +17849,7 @@
     </p:spTree>
     <p:extLst>
       <p:ext uri="{BB962C8B-B14F-4D97-AF65-F5344CB8AC3E}">
-        <p14:creationId xmlns:p14="http://schemas.microsoft.com/office/powerpoint/2010/main" val="2449329734"/>
+        <p14:creationId xmlns:p14="http://schemas.microsoft.com/office/powerpoint/2010/main" xmlns="" val="2449329734"/>
       </p:ext>
     </p:extLst>
   </p:cSld>
@@ -17804,7 +17865,7 @@
     <p:bg>
       <p:bgPr>
         <a:blipFill dpi="0" rotWithShape="1">
-          <a:blip r:embed="rId13">
+          <a:blip r:embed="rId13" cstate="print">
             <a:alphaModFix amt="70000"/>
             <a:lum/>
           </a:blip>
@@ -17960,6 +18021,7 @@
           <a:p>
             <a:fld id="{6F218A04-5CB0-4443-A237-A19E8C8C0D4F}" type="datetimeFigureOut">
               <a:rPr lang="en-GB" smtClean="0"/>
+              <a:pPr/>
               <a:t>20/12/2018</a:t>
             </a:fld>
             <a:endParaRPr lang="en-GB"/>
@@ -18038,7 +18100,8 @@
           <a:p>
             <a:fld id="{F640AD6A-7A3E-48FF-8251-5C988A442CEA}" type="slidenum">
               <a:rPr lang="en-GB" smtClean="0"/>
-              <a:t>‹Nr.›</a:t>
+              <a:pPr/>
+              <a:t>‹Nº›</a:t>
             </a:fld>
             <a:endParaRPr lang="en-GB"/>
           </a:p>
@@ -18047,7 +18110,7 @@
     </p:spTree>
     <p:extLst>
       <p:ext uri="{BB962C8B-B14F-4D97-AF65-F5344CB8AC3E}">
-        <p14:creationId xmlns:p14="http://schemas.microsoft.com/office/powerpoint/2010/main" val="2071180167"/>
+        <p14:creationId xmlns:p14="http://schemas.microsoft.com/office/powerpoint/2010/main" xmlns="" val="2071180167"/>
       </p:ext>
     </p:extLst>
   </p:cSld>
@@ -18370,7 +18433,7 @@
           <p:cNvPr id="3" name="Subtítulo 2">
             <a:extLst>
               <a:ext uri="{FF2B5EF4-FFF2-40B4-BE49-F238E27FC236}">
-                <a16:creationId xmlns:a16="http://schemas.microsoft.com/office/drawing/2014/main" xmlns="" id="{7898A89F-12B7-43F8-981E-81E94A2635E7}"/>
+                <a16:creationId xmlns="" xmlns:a16="http://schemas.microsoft.com/office/drawing/2014/main" id="{7898A89F-12B7-43F8-981E-81E94A2635E7}"/>
               </a:ext>
             </a:extLst>
           </p:cNvPr>
@@ -18397,7 +18460,7 @@
                 <a:hlinkClick r:id="rId2">
                   <a:extLst>
                     <a:ext uri="{A12FA001-AC4F-418D-AE19-62706E023703}">
-                      <ahyp:hlinkClr xmlns:ahyp="http://schemas.microsoft.com/office/drawing/2018/hyperlinkcolor" xmlns="" val="tx"/>
+                      <ahyp:hlinkClr xmlns="" xmlns:ahyp="http://schemas.microsoft.com/office/drawing/2018/hyperlinkcolor" val="tx"/>
                     </a:ext>
                   </a:extLst>
                 </a:hlinkClick>
@@ -18413,7 +18476,7 @@
           <p:cNvPr id="5" name="Rectángulo: esquinas redondeadas 4">
             <a:extLst>
               <a:ext uri="{FF2B5EF4-FFF2-40B4-BE49-F238E27FC236}">
-                <a16:creationId xmlns:a16="http://schemas.microsoft.com/office/drawing/2014/main" xmlns="" id="{1786D3C0-39CB-4172-9853-40F6BEDBDDAB}"/>
+                <a16:creationId xmlns="" xmlns:a16="http://schemas.microsoft.com/office/drawing/2014/main" id="{1786D3C0-39CB-4172-9853-40F6BEDBDDAB}"/>
               </a:ext>
             </a:extLst>
           </p:cNvPr>
@@ -18473,7 +18536,7 @@
           <p:cNvPr id="7" name="Imagen 6">
             <a:extLst>
               <a:ext uri="{FF2B5EF4-FFF2-40B4-BE49-F238E27FC236}">
-                <a16:creationId xmlns:a16="http://schemas.microsoft.com/office/drawing/2014/main" xmlns="" id="{A7BF51C9-5ED6-42CE-9B5C-7CA03EA63DCA}"/>
+                <a16:creationId xmlns="" xmlns:a16="http://schemas.microsoft.com/office/drawing/2014/main" id="{A7BF51C9-5ED6-42CE-9B5C-7CA03EA63DCA}"/>
               </a:ext>
             </a:extLst>
           </p:cNvPr>
@@ -18483,10 +18546,10 @@
           <p:nvPr/>
         </p:nvPicPr>
         <p:blipFill>
-          <a:blip r:embed="rId3">
+          <a:blip r:embed="rId3" cstate="print">
             <a:extLst>
               <a:ext uri="{28A0092B-C50C-407E-A947-70E740481C1C}">
-                <a14:useLocalDpi xmlns:a14="http://schemas.microsoft.com/office/drawing/2010/main" val="0"/>
+                <a14:useLocalDpi xmlns:a14="http://schemas.microsoft.com/office/drawing/2010/main" xmlns="" val="0"/>
               </a:ext>
             </a:extLst>
           </a:blip>
@@ -18509,7 +18572,7 @@
           <p:cNvPr id="8" name="CuadroTexto 7">
             <a:extLst>
               <a:ext uri="{FF2B5EF4-FFF2-40B4-BE49-F238E27FC236}">
-                <a16:creationId xmlns:a16="http://schemas.microsoft.com/office/drawing/2014/main" xmlns="" id="{2876116E-114D-4377-A1FE-1E5B18150DF1}"/>
+                <a16:creationId xmlns="" xmlns:a16="http://schemas.microsoft.com/office/drawing/2014/main" id="{2876116E-114D-4377-A1FE-1E5B18150DF1}"/>
               </a:ext>
             </a:extLst>
           </p:cNvPr>
@@ -18630,13 +18693,20 @@
     </p:spTree>
     <p:extLst>
       <p:ext uri="{BB962C8B-B14F-4D97-AF65-F5344CB8AC3E}">
-        <p14:creationId xmlns:p14="http://schemas.microsoft.com/office/powerpoint/2010/main" val="1059215615"/>
+        <p14:creationId xmlns:p14="http://schemas.microsoft.com/office/powerpoint/2010/main" xmlns="" val="1059215615"/>
       </p:ext>
     </p:extLst>
   </p:cSld>
   <p:clrMapOvr>
     <a:masterClrMapping/>
   </p:clrMapOvr>
+  <p:timing>
+    <p:tnLst>
+      <p:par>
+        <p:cTn id="1" dur="indefinite" restart="never" nodeType="tmRoot"/>
+      </p:par>
+    </p:tnLst>
+  </p:timing>
 </p:sld>
 </file>
 
@@ -18657,12 +18727,489 @@
           <a:chExt cx="0" cy="0"/>
         </a:xfrm>
       </p:grpSpPr>
+      <p:graphicFrame>
+        <p:nvGraphicFramePr>
+          <p:cNvPr id="4" name="Marcador de contenido 3">
+            <a:extLst>
+              <a:ext uri="{FF2B5EF4-FFF2-40B4-BE49-F238E27FC236}">
+                <a16:creationId xmlns="" xmlns:a16="http://schemas.microsoft.com/office/drawing/2014/main" id="{0A79A359-313C-4D56-B712-2F4711C93092}"/>
+              </a:ext>
+            </a:extLst>
+          </p:cNvPr>
+          <p:cNvGraphicFramePr>
+            <a:graphicFrameLocks noGrp="1"/>
+          </p:cNvGraphicFramePr>
+          <p:nvPr>
+            <p:ph idx="1"/>
+            <p:extLst>
+              <p:ext uri="{D42A27DB-BD31-4B8C-83A1-F6EECF244321}">
+                <p14:modId xmlns:p14="http://schemas.microsoft.com/office/powerpoint/2010/main" xmlns="" val="571232939"/>
+              </p:ext>
+            </p:extLst>
+          </p:nvPr>
+        </p:nvGraphicFramePr>
+        <p:xfrm>
+          <a:off x="780399" y="2472314"/>
+          <a:ext cx="7583194" cy="1112520"/>
+        </p:xfrm>
+        <a:graphic>
+          <a:graphicData uri="http://schemas.openxmlformats.org/drawingml/2006/table">
+            <a:tbl>
+              <a:tblPr firstRow="1" bandRow="1">
+                <a:tableStyleId>{5C22544A-7EE6-4342-B048-85BDC9FD1C3A}</a:tableStyleId>
+              </a:tblPr>
+              <a:tblGrid>
+                <a:gridCol w="3791597">
+                  <a:extLst>
+                    <a:ext uri="{9D8B030D-6E8A-4147-A177-3AD203B41FA5}">
+                      <a16:colId xmlns="" xmlns:a16="http://schemas.microsoft.com/office/drawing/2014/main" val="2335588041"/>
+                    </a:ext>
+                  </a:extLst>
+                </a:gridCol>
+                <a:gridCol w="3791597">
+                  <a:extLst>
+                    <a:ext uri="{9D8B030D-6E8A-4147-A177-3AD203B41FA5}">
+                      <a16:colId xmlns="" xmlns:a16="http://schemas.microsoft.com/office/drawing/2014/main" val="1112588493"/>
+                    </a:ext>
+                  </a:extLst>
+                </a:gridCol>
+              </a:tblGrid>
+              <a:tr h="370840">
+                <a:tc>
+                  <a:txBody>
+                    <a:bodyPr/>
+                    <a:lstStyle/>
+                    <a:p>
+                      <a:pPr algn="ctr"/>
+                      <a:r>
+                        <a:rPr lang="es-ES" dirty="0" err="1"/>
+                        <a:t>Users</a:t>
+                      </a:r>
+                      <a:endParaRPr lang="en-GB" dirty="0"/>
+                    </a:p>
+                  </a:txBody>
+                  <a:tcPr>
+                    <a:solidFill>
+                      <a:srgbClr val="3886CC"/>
+                    </a:solidFill>
+                  </a:tcPr>
+                </a:tc>
+                <a:tc>
+                  <a:txBody>
+                    <a:bodyPr/>
+                    <a:lstStyle/>
+                    <a:p>
+                      <a:pPr algn="ctr"/>
+                      <a:r>
+                        <a:rPr lang="es-ES" dirty="0"/>
+                        <a:t>Tweets</a:t>
+                      </a:r>
+                      <a:endParaRPr lang="en-GB" dirty="0"/>
+                    </a:p>
+                  </a:txBody>
+                  <a:tcPr>
+                    <a:solidFill>
+                      <a:srgbClr val="3886CC"/>
+                    </a:solidFill>
+                  </a:tcPr>
+                </a:tc>
+                <a:extLst>
+                  <a:ext uri="{0D108BD9-81ED-4DB2-BD59-A6C34878D82A}">
+                    <a16:rowId xmlns="" xmlns:a16="http://schemas.microsoft.com/office/drawing/2014/main" val="3992468993"/>
+                  </a:ext>
+                </a:extLst>
+              </a:tr>
+              <a:tr h="370840">
+                <a:tc>
+                  <a:txBody>
+                    <a:bodyPr/>
+                    <a:lstStyle/>
+                    <a:p>
+                      <a:pPr algn="ctr"/>
+                      <a:r>
+                        <a:rPr lang="es-ES" dirty="0"/>
+                        <a:t>4,077 </a:t>
+                      </a:r>
+                      <a:r>
+                        <a:rPr lang="es-ES" dirty="0" err="1"/>
+                        <a:t>users</a:t>
+                      </a:r>
+                      <a:endParaRPr lang="en-GB" dirty="0"/>
+                    </a:p>
+                  </a:txBody>
+                  <a:tcPr/>
+                </a:tc>
+                <a:tc>
+                  <a:txBody>
+                    <a:bodyPr/>
+                    <a:lstStyle/>
+                    <a:p>
+                      <a:pPr algn="ctr"/>
+                      <a:r>
+                        <a:rPr lang="es-ES" dirty="0"/>
+                        <a:t>39,283 tweets</a:t>
+                      </a:r>
+                      <a:endParaRPr lang="en-GB" dirty="0"/>
+                    </a:p>
+                  </a:txBody>
+                  <a:tcPr/>
+                </a:tc>
+                <a:extLst>
+                  <a:ext uri="{0D108BD9-81ED-4DB2-BD59-A6C34878D82A}">
+                    <a16:rowId xmlns="" xmlns:a16="http://schemas.microsoft.com/office/drawing/2014/main" val="2024136782"/>
+                  </a:ext>
+                </a:extLst>
+              </a:tr>
+              <a:tr h="370840">
+                <a:tc>
+                  <a:txBody>
+                    <a:bodyPr/>
+                    <a:lstStyle/>
+                    <a:p>
+                      <a:pPr algn="ctr"/>
+                      <a:r>
+                        <a:rPr lang="es-ES" dirty="0"/>
+                        <a:t>335.293 KB</a:t>
+                      </a:r>
+                      <a:endParaRPr lang="en-GB" dirty="0"/>
+                    </a:p>
+                  </a:txBody>
+                  <a:tcPr/>
+                </a:tc>
+                <a:tc>
+                  <a:txBody>
+                    <a:bodyPr/>
+                    <a:lstStyle/>
+                    <a:p>
+                      <a:pPr algn="ctr"/>
+                      <a:r>
+                        <a:rPr lang="es-ES" dirty="0"/>
+                        <a:t>196 MB</a:t>
+                      </a:r>
+                      <a:endParaRPr lang="en-GB" dirty="0"/>
+                    </a:p>
+                  </a:txBody>
+                  <a:tcPr/>
+                </a:tc>
+                <a:extLst>
+                  <a:ext uri="{0D108BD9-81ED-4DB2-BD59-A6C34878D82A}">
+                    <a16:rowId xmlns="" xmlns:a16="http://schemas.microsoft.com/office/drawing/2014/main" val="621434231"/>
+                  </a:ext>
+                </a:extLst>
+              </a:tr>
+            </a:tbl>
+          </a:graphicData>
+        </a:graphic>
+      </p:graphicFrame>
+      <p:graphicFrame>
+        <p:nvGraphicFramePr>
+          <p:cNvPr id="5" name="Diagrama 4">
+            <a:extLst>
+              <a:ext uri="{FF2B5EF4-FFF2-40B4-BE49-F238E27FC236}">
+                <a16:creationId xmlns="" xmlns:a16="http://schemas.microsoft.com/office/drawing/2014/main" id="{A46FEF82-D37D-47CE-AFFE-69DB712AF98A}"/>
+              </a:ext>
+            </a:extLst>
+          </p:cNvPr>
+          <p:cNvGraphicFramePr/>
+          <p:nvPr>
+            <p:extLst>
+              <p:ext uri="{D42A27DB-BD31-4B8C-83A1-F6EECF244321}">
+                <p14:modId xmlns:p14="http://schemas.microsoft.com/office/powerpoint/2010/main" xmlns="" val="791407120"/>
+              </p:ext>
+            </p:extLst>
+          </p:nvPr>
+        </p:nvGraphicFramePr>
+        <p:xfrm>
+          <a:off x="780400" y="3813651"/>
+          <a:ext cx="3791598" cy="346846"/>
+        </p:xfrm>
+        <a:graphic>
+          <a:graphicData uri="http://schemas.openxmlformats.org/drawingml/2006/diagram">
+            <dgm:relIds xmlns:dgm="http://schemas.openxmlformats.org/drawingml/2006/diagram" xmlns:r="http://schemas.openxmlformats.org/officeDocument/2006/relationships" r:dm="rId2" r:lo="rId3" r:qs="rId4" r:cs="rId5"/>
+          </a:graphicData>
+        </a:graphic>
+      </p:graphicFrame>
+      <p:graphicFrame>
+        <p:nvGraphicFramePr>
+          <p:cNvPr id="6" name="Diagrama 5">
+            <a:extLst>
+              <a:ext uri="{FF2B5EF4-FFF2-40B4-BE49-F238E27FC236}">
+                <a16:creationId xmlns="" xmlns:a16="http://schemas.microsoft.com/office/drawing/2014/main" id="{7D5390E7-BC34-44A6-A954-A344F5581748}"/>
+              </a:ext>
+            </a:extLst>
+          </p:cNvPr>
+          <p:cNvGraphicFramePr/>
+          <p:nvPr>
+            <p:extLst>
+              <p:ext uri="{D42A27DB-BD31-4B8C-83A1-F6EECF244321}">
+                <p14:modId xmlns:p14="http://schemas.microsoft.com/office/powerpoint/2010/main" xmlns="" val="636086313"/>
+              </p:ext>
+            </p:extLst>
+          </p:nvPr>
+        </p:nvGraphicFramePr>
+        <p:xfrm>
+          <a:off x="4571997" y="3813651"/>
+          <a:ext cx="3791597" cy="1630285"/>
+        </p:xfrm>
+        <a:graphic>
+          <a:graphicData uri="http://schemas.openxmlformats.org/drawingml/2006/diagram">
+            <dgm:relIds xmlns:dgm="http://schemas.openxmlformats.org/drawingml/2006/diagram" xmlns:r="http://schemas.openxmlformats.org/officeDocument/2006/relationships" r:dm="rId7" r:lo="rId8" r:qs="rId9" r:cs="rId10"/>
+          </a:graphicData>
+        </a:graphic>
+      </p:graphicFrame>
       <p:sp>
         <p:nvSpPr>
-          <p:cNvPr id="4" name="Título 1">
+          <p:cNvPr id="9" name="CuadroTexto 8">
             <a:extLst>
               <a:ext uri="{FF2B5EF4-FFF2-40B4-BE49-F238E27FC236}">
-                <a16:creationId xmlns:a16="http://schemas.microsoft.com/office/drawing/2014/main" xmlns="" id="{C736E2C2-565F-4EE7-9A5F-7431CB35BD98}"/>
+                <a16:creationId xmlns="" xmlns:a16="http://schemas.microsoft.com/office/drawing/2014/main" id="{13DB99E7-F3ED-4A57-A0FC-5AF3EAC0C81D}"/>
+              </a:ext>
+            </a:extLst>
+          </p:cNvPr>
+          <p:cNvSpPr txBox="1"/>
+          <p:nvPr/>
+        </p:nvSpPr>
+        <p:spPr>
+          <a:xfrm>
+            <a:off x="780402" y="5690584"/>
+            <a:ext cx="7583194" cy="369332"/>
+          </a:xfrm>
+          <a:prstGeom prst="rect">
+            <a:avLst/>
+          </a:prstGeom>
+          <a:solidFill>
+            <a:srgbClr val="3886CC"/>
+          </a:solidFill>
+        </p:spPr>
+        <p:txBody>
+          <a:bodyPr wrap="square" rtlCol="0">
+            <a:spAutoFit/>
+          </a:bodyPr>
+          <a:lstStyle/>
+          <a:p>
+            <a:pPr algn="ctr"/>
+            <a:r>
+              <a:rPr lang="es-ES" dirty="0" err="1">
+                <a:solidFill>
+                  <a:schemeClr val="bg1"/>
+                </a:solidFill>
+              </a:rPr>
+              <a:t>This</a:t>
+            </a:r>
+            <a:r>
+              <a:rPr lang="es-ES" dirty="0">
+                <a:solidFill>
+                  <a:schemeClr val="bg1"/>
+                </a:solidFill>
+              </a:rPr>
+              <a:t> data </a:t>
+            </a:r>
+            <a:r>
+              <a:rPr lang="es-ES" dirty="0" err="1">
+                <a:solidFill>
+                  <a:schemeClr val="bg1"/>
+                </a:solidFill>
+              </a:rPr>
+              <a:t>is</a:t>
+            </a:r>
+            <a:r>
+              <a:rPr lang="es-ES" dirty="0">
+                <a:solidFill>
+                  <a:schemeClr val="bg1"/>
+                </a:solidFill>
+              </a:rPr>
+              <a:t> </a:t>
+            </a:r>
+            <a:r>
+              <a:rPr lang="es-ES" b="1" dirty="0" err="1">
+                <a:solidFill>
+                  <a:schemeClr val="bg1"/>
+                </a:solidFill>
+              </a:rPr>
+              <a:t>processed</a:t>
+            </a:r>
+            <a:r>
+              <a:rPr lang="es-ES" dirty="0">
+                <a:solidFill>
+                  <a:schemeClr val="bg1"/>
+                </a:solidFill>
+              </a:rPr>
+              <a:t> </a:t>
+            </a:r>
+            <a:r>
+              <a:rPr lang="es-ES" dirty="0" err="1">
+                <a:solidFill>
+                  <a:schemeClr val="bg1"/>
+                </a:solidFill>
+              </a:rPr>
+              <a:t>to</a:t>
+            </a:r>
+            <a:r>
+              <a:rPr lang="es-ES" dirty="0">
+                <a:solidFill>
+                  <a:schemeClr val="bg1"/>
+                </a:solidFill>
+              </a:rPr>
+              <a:t> </a:t>
+            </a:r>
+            <a:r>
+              <a:rPr lang="es-ES" dirty="0" err="1">
+                <a:solidFill>
+                  <a:schemeClr val="bg1"/>
+                </a:solidFill>
+              </a:rPr>
+              <a:t>get</a:t>
+            </a:r>
+            <a:r>
+              <a:rPr lang="es-ES" dirty="0">
+                <a:solidFill>
+                  <a:schemeClr val="bg1"/>
+                </a:solidFill>
+              </a:rPr>
+              <a:t> </a:t>
+            </a:r>
+            <a:r>
+              <a:rPr lang="es-ES" b="1" dirty="0" err="1">
+                <a:solidFill>
+                  <a:schemeClr val="bg1"/>
+                </a:solidFill>
+              </a:rPr>
+              <a:t>cleaned</a:t>
+            </a:r>
+            <a:r>
+              <a:rPr lang="es-ES" dirty="0">
+                <a:solidFill>
+                  <a:schemeClr val="bg1"/>
+                </a:solidFill>
+              </a:rPr>
+              <a:t> </a:t>
+            </a:r>
+            <a:r>
+              <a:rPr lang="es-ES" dirty="0" err="1">
+                <a:solidFill>
+                  <a:schemeClr val="bg1"/>
+                </a:solidFill>
+              </a:rPr>
+              <a:t>csv</a:t>
+            </a:r>
+            <a:r>
+              <a:rPr lang="es-ES" dirty="0">
+                <a:solidFill>
+                  <a:schemeClr val="bg1"/>
+                </a:solidFill>
+              </a:rPr>
+              <a:t> files </a:t>
+            </a:r>
+            <a:r>
+              <a:rPr lang="es-ES" dirty="0" err="1">
+                <a:solidFill>
+                  <a:schemeClr val="bg1"/>
+                </a:solidFill>
+              </a:rPr>
+              <a:t>from</a:t>
+            </a:r>
+            <a:r>
+              <a:rPr lang="es-ES" dirty="0">
+                <a:solidFill>
+                  <a:schemeClr val="bg1"/>
+                </a:solidFill>
+              </a:rPr>
+              <a:t> </a:t>
+            </a:r>
+            <a:r>
+              <a:rPr lang="es-ES" dirty="0" err="1">
+                <a:solidFill>
+                  <a:schemeClr val="bg1"/>
+                </a:solidFill>
+              </a:rPr>
+              <a:t>it</a:t>
+            </a:r>
+            <a:r>
+              <a:rPr lang="es-ES" dirty="0">
+                <a:solidFill>
+                  <a:schemeClr val="bg1"/>
+                </a:solidFill>
+              </a:rPr>
+              <a:t> and </a:t>
+            </a:r>
+            <a:r>
+              <a:rPr lang="es-ES" dirty="0" err="1">
+                <a:solidFill>
+                  <a:schemeClr val="bg1"/>
+                </a:solidFill>
+              </a:rPr>
+              <a:t>sent</a:t>
+            </a:r>
+            <a:r>
+              <a:rPr lang="es-ES" dirty="0">
+                <a:solidFill>
+                  <a:schemeClr val="bg1"/>
+                </a:solidFill>
+              </a:rPr>
+              <a:t> </a:t>
+            </a:r>
+            <a:r>
+              <a:rPr lang="es-ES" dirty="0" err="1">
+                <a:solidFill>
+                  <a:schemeClr val="bg1"/>
+                </a:solidFill>
+              </a:rPr>
+              <a:t>to</a:t>
+            </a:r>
+            <a:r>
+              <a:rPr lang="es-ES" dirty="0">
+                <a:solidFill>
+                  <a:schemeClr val="bg1"/>
+                </a:solidFill>
+              </a:rPr>
+              <a:t> </a:t>
+            </a:r>
+            <a:r>
+              <a:rPr lang="es-ES" dirty="0" err="1">
+                <a:solidFill>
+                  <a:schemeClr val="bg1"/>
+                </a:solidFill>
+              </a:rPr>
+              <a:t>the</a:t>
+            </a:r>
+            <a:r>
+              <a:rPr lang="es-ES" dirty="0">
+                <a:solidFill>
+                  <a:schemeClr val="bg1"/>
+                </a:solidFill>
+              </a:rPr>
+              <a:t> </a:t>
+            </a:r>
+            <a:r>
+              <a:rPr lang="es-ES" b="1" dirty="0" err="1">
+                <a:solidFill>
+                  <a:schemeClr val="bg1"/>
+                </a:solidFill>
+              </a:rPr>
+              <a:t>model</a:t>
+            </a:r>
+            <a:r>
+              <a:rPr lang="es-ES" dirty="0">
+                <a:solidFill>
+                  <a:schemeClr val="bg1"/>
+                </a:solidFill>
+              </a:rPr>
+              <a:t>.</a:t>
+            </a:r>
+            <a:endParaRPr lang="en-GB" dirty="0">
+              <a:solidFill>
+                <a:schemeClr val="bg1"/>
+              </a:solidFill>
+            </a:endParaRPr>
+          </a:p>
+        </p:txBody>
+      </p:sp>
+      <p:sp>
+        <p:nvSpPr>
+          <p:cNvPr id="12" name="Título 1">
+            <a:extLst>
+              <a:ext uri="{FF2B5EF4-FFF2-40B4-BE49-F238E27FC236}">
+                <a16:creationId xmlns="" xmlns:a16="http://schemas.microsoft.com/office/drawing/2014/main" id="{99B5AF95-097D-4738-83EF-F6E071141CE9}"/>
               </a:ext>
             </a:extLst>
           </p:cNvPr>
@@ -18716,13 +19263,13 @@
               <a:t>	</a:t>
             </a:r>
             <a:r>
-              <a:rPr lang="en-US" b="1" dirty="0">
+              <a:rPr lang="en-US" b="1" dirty="0" smtClean="0">
                 <a:solidFill>
                   <a:schemeClr val="bg1"/>
                 </a:solidFill>
                 <a:latin typeface="Candara" panose="020E0502030303020204" pitchFamily="34" charset="0"/>
               </a:rPr>
-              <a:t>Model</a:t>
+              <a:t>Data Sources</a:t>
             </a:r>
             <a:endParaRPr lang="en-GB" b="1" dirty="0">
               <a:solidFill>
@@ -18735,10 +19282,10 @@
       </p:sp>
       <p:grpSp>
         <p:nvGrpSpPr>
-          <p:cNvPr id="6" name="Grupo 5">
+          <p:cNvPr id="2" name="Grupo 12">
             <a:extLst>
               <a:ext uri="{FF2B5EF4-FFF2-40B4-BE49-F238E27FC236}">
-                <a16:creationId xmlns:a16="http://schemas.microsoft.com/office/drawing/2014/main" xmlns="" id="{40594550-BD22-4435-80F5-F41248669E21}"/>
+                <a16:creationId xmlns="" xmlns:a16="http://schemas.microsoft.com/office/drawing/2014/main" id="{892181AC-7731-47B7-B4D5-32FB0DA3D8D2}"/>
               </a:ext>
             </a:extLst>
           </p:cNvPr>
@@ -18747,18 +19294,18 @@
         </p:nvGrpSpPr>
         <p:grpSpPr>
           <a:xfrm>
-            <a:off x="713217" y="1647362"/>
-            <a:ext cx="2507061" cy="813758"/>
+            <a:off x="1349321" y="1447657"/>
+            <a:ext cx="2808545" cy="744327"/>
             <a:chOff x="2080" y="1905132"/>
             <a:chExt cx="1710916" cy="855458"/>
           </a:xfrm>
         </p:grpSpPr>
         <p:sp>
           <p:nvSpPr>
-            <p:cNvPr id="7" name="Rectángulo: esquinas redondeadas 6">
+            <p:cNvPr id="14" name="Rectángulo: esquinas redondeadas 13">
               <a:extLst>
                 <a:ext uri="{FF2B5EF4-FFF2-40B4-BE49-F238E27FC236}">
-                  <a16:creationId xmlns:a16="http://schemas.microsoft.com/office/drawing/2014/main" xmlns="" id="{9A2DA0CB-6191-4382-822F-DC5827B63853}"/>
+                  <a16:creationId xmlns="" xmlns:a16="http://schemas.microsoft.com/office/drawing/2014/main" id="{2CF8D916-B82C-45E8-8EC4-32BF4FDF6262}"/>
                 </a:ext>
               </a:extLst>
             </p:cNvPr>
@@ -18806,10 +19353,10 @@
         </p:sp>
         <p:sp>
           <p:nvSpPr>
-            <p:cNvPr id="8" name="Rectángulo: esquinas redondeadas 4">
+            <p:cNvPr id="15" name="Rectángulo: esquinas redondeadas 4">
               <a:extLst>
                 <a:ext uri="{FF2B5EF4-FFF2-40B4-BE49-F238E27FC236}">
-                  <a16:creationId xmlns:a16="http://schemas.microsoft.com/office/drawing/2014/main" xmlns="" id="{3C60D3E6-A068-4852-8E95-D6A8B9269B0D}"/>
+                  <a16:creationId xmlns="" xmlns:a16="http://schemas.microsoft.com/office/drawing/2014/main" id="{C5772EF3-A1DB-43BE-9F3F-53864ACD3F16}"/>
                 </a:ext>
               </a:extLst>
             </p:cNvPr>
@@ -18858,13 +19405,22 @@
                 <a:buNone/>
               </a:pPr>
               <a:r>
-                <a:rPr lang="es-ES" sz="2700" b="1" dirty="0">
+                <a:rPr lang="es-ES" sz="2700" b="1" kern="1200" dirty="0" err="1">
                   <a:solidFill>
                     <a:schemeClr val="tx1"/>
                   </a:solidFill>
                   <a:latin typeface="Candara" panose="020E0502030303020204" pitchFamily="34" charset="0"/>
                 </a:rPr>
-                <a:t>Text</a:t>
+                <a:t>Located</a:t>
+              </a:r>
+              <a:r>
+                <a:rPr lang="es-ES" sz="2700" b="1" kern="1200" dirty="0">
+                  <a:solidFill>
+                    <a:schemeClr val="tx1"/>
+                  </a:solidFill>
+                  <a:latin typeface="Candara" panose="020E0502030303020204" pitchFamily="34" charset="0"/>
+                </a:rPr>
+                <a:t> in MLAB</a:t>
               </a:r>
               <a:endParaRPr lang="en-GB" sz="2700" b="1" kern="1200" dirty="0">
                 <a:solidFill>
@@ -18878,10 +19434,10 @@
       </p:grpSp>
       <p:grpSp>
         <p:nvGrpSpPr>
-          <p:cNvPr id="10" name="Grupo 8">
+          <p:cNvPr id="3" name="Grupo 19">
             <a:extLst>
               <a:ext uri="{FF2B5EF4-FFF2-40B4-BE49-F238E27FC236}">
-                <a16:creationId xmlns:a16="http://schemas.microsoft.com/office/drawing/2014/main" xmlns="" id="{52B5AAD8-ACBB-4329-8510-CDA49D95118F}"/>
+                <a16:creationId xmlns="" xmlns:a16="http://schemas.microsoft.com/office/drawing/2014/main" id="{437C47F0-803A-46F9-A824-8B85AC4DF5FD}"/>
               </a:ext>
             </a:extLst>
           </p:cNvPr>
@@ -18890,18 +19446,18 @@
         </p:nvGrpSpPr>
         <p:grpSpPr>
           <a:xfrm>
-            <a:off x="2279376" y="2803946"/>
-            <a:ext cx="2385389" cy="676014"/>
-            <a:chOff x="310204" y="223537"/>
-            <a:chExt cx="1881014" cy="372562"/>
+            <a:off x="4718033" y="1458559"/>
+            <a:ext cx="3304215" cy="722526"/>
+            <a:chOff x="2080" y="1905132"/>
+            <a:chExt cx="1710916" cy="855458"/>
           </a:xfrm>
         </p:grpSpPr>
         <p:sp>
           <p:nvSpPr>
-            <p:cNvPr id="11" name="Rectángulo: esquinas redondeadas 9">
+            <p:cNvPr id="21" name="Rectángulo: esquinas redondeadas 20">
               <a:extLst>
                 <a:ext uri="{FF2B5EF4-FFF2-40B4-BE49-F238E27FC236}">
-                  <a16:creationId xmlns:a16="http://schemas.microsoft.com/office/drawing/2014/main" xmlns="" id="{E6201173-0918-409C-B562-00DF62B351D9}"/>
+                  <a16:creationId xmlns="" xmlns:a16="http://schemas.microsoft.com/office/drawing/2014/main" id="{78607DDC-E8C8-42E6-94EB-3DD8AC2D9048}"/>
                 </a:ext>
               </a:extLst>
             </p:cNvPr>
@@ -18910,8 +19466,8 @@
           </p:nvSpPr>
           <p:spPr>
             <a:xfrm>
-              <a:off x="310204" y="223537"/>
-              <a:ext cx="1881014" cy="372562"/>
+              <a:off x="2080" y="1905132"/>
+              <a:ext cx="1710916" cy="855458"/>
             </a:xfrm>
             <a:prstGeom prst="roundRect">
               <a:avLst>
@@ -18949,10 +19505,10 @@
         </p:sp>
         <p:sp>
           <p:nvSpPr>
-            <p:cNvPr id="12" name="Rectángulo: esquinas redondeadas 4">
+            <p:cNvPr id="22" name="Rectángulo: esquinas redondeadas 4">
               <a:extLst>
                 <a:ext uri="{FF2B5EF4-FFF2-40B4-BE49-F238E27FC236}">
-                  <a16:creationId xmlns:a16="http://schemas.microsoft.com/office/drawing/2014/main" xmlns="" id="{CEBDB7A9-2EAC-4DCD-98F1-1485419E89FF}"/>
+                  <a16:creationId xmlns="" xmlns:a16="http://schemas.microsoft.com/office/drawing/2014/main" id="{E5EC5060-928D-4A62-80DB-F3A08B0B2301}"/>
                 </a:ext>
               </a:extLst>
             </p:cNvPr>
@@ -18961,8 +19517,8 @@
           </p:nvSpPr>
           <p:spPr>
             <a:xfrm>
-              <a:off x="321116" y="234449"/>
-              <a:ext cx="1752538" cy="350738"/>
+              <a:off x="27136" y="1930188"/>
+              <a:ext cx="1660804" cy="805346"/>
             </a:xfrm>
             <a:prstGeom prst="rect">
               <a:avLst/>
@@ -18983,12 +19539,12 @@
             </a:fontRef>
           </p:style>
           <p:txBody>
-            <a:bodyPr spcFirstLastPara="0" vert="horz" wrap="square" lIns="60960" tIns="60960" rIns="60960" bIns="60960" numCol="1" spcCol="1270" anchor="ctr" anchorCtr="0">
+            <a:bodyPr spcFirstLastPara="0" vert="horz" wrap="square" lIns="17145" tIns="17145" rIns="17145" bIns="17145" numCol="1" spcCol="1270" anchor="ctr" anchorCtr="0">
               <a:noAutofit/>
             </a:bodyPr>
             <a:lstStyle/>
             <a:p>
-              <a:pPr marL="0" lvl="0" indent="0" algn="ctr" defTabSz="711200">
+              <a:pPr marL="0" lvl="0" indent="0" algn="ctr" defTabSz="1200150">
                 <a:lnSpc>
                   <a:spcPct val="90000"/>
                 </a:lnSpc>
@@ -19001,15 +19557,96 @@
                 <a:buNone/>
               </a:pPr>
               <a:r>
-                <a:rPr lang="es-ES" sz="2000" b="1" dirty="0" err="1" smtClean="0">
+                <a:rPr lang="es-ES" sz="2200" kern="1200" dirty="0" err="1">
                   <a:solidFill>
                     <a:schemeClr val="tx1"/>
                   </a:solidFill>
                   <a:latin typeface="Candara" panose="020E0502030303020204" pitchFamily="34" charset="0"/>
                 </a:rPr>
-                <a:t>Retweets</a:t>
+                <a:t>Extracted</a:t>
               </a:r>
-              <a:endParaRPr lang="en-GB" sz="2000" b="1" kern="1200" dirty="0">
+              <a:r>
+                <a:rPr lang="es-ES" sz="2200" kern="1200" dirty="0">
+                  <a:solidFill>
+                    <a:schemeClr val="tx1"/>
+                  </a:solidFill>
+                  <a:latin typeface="Candara" panose="020E0502030303020204" pitchFamily="34" charset="0"/>
+                </a:rPr>
+                <a:t> </a:t>
+              </a:r>
+              <a:r>
+                <a:rPr lang="es-ES" sz="2200" kern="1200" dirty="0" err="1">
+                  <a:solidFill>
+                    <a:schemeClr val="tx1"/>
+                  </a:solidFill>
+                  <a:latin typeface="Candara" panose="020E0502030303020204" pitchFamily="34" charset="0"/>
+                </a:rPr>
+                <a:t>from</a:t>
+              </a:r>
+              <a:r>
+                <a:rPr lang="es-ES" sz="2200" kern="1200" dirty="0">
+                  <a:solidFill>
+                    <a:schemeClr val="tx1"/>
+                  </a:solidFill>
+                  <a:latin typeface="Candara" panose="020E0502030303020204" pitchFamily="34" charset="0"/>
+                </a:rPr>
+                <a:t> </a:t>
+              </a:r>
+              <a:r>
+                <a:rPr lang="es-ES" sz="2200" kern="1200" dirty="0" err="1">
+                  <a:solidFill>
+                    <a:schemeClr val="tx1"/>
+                  </a:solidFill>
+                  <a:latin typeface="Candara" panose="020E0502030303020204" pitchFamily="34" charset="0"/>
+                </a:rPr>
+                <a:t>the</a:t>
+              </a:r>
+              <a:r>
+                <a:rPr lang="es-ES" sz="2200" kern="1200" dirty="0">
+                  <a:solidFill>
+                    <a:schemeClr val="tx1"/>
+                  </a:solidFill>
+                  <a:latin typeface="Candara" panose="020E0502030303020204" pitchFamily="34" charset="0"/>
+                </a:rPr>
+                <a:t> </a:t>
+              </a:r>
+              <a:r>
+                <a:rPr lang="es-ES" sz="2700" b="1" kern="1200" dirty="0">
+                  <a:solidFill>
+                    <a:schemeClr val="tx1"/>
+                  </a:solidFill>
+                  <a:latin typeface="Candara" panose="020E0502030303020204" pitchFamily="34" charset="0"/>
+                </a:rPr>
+                <a:t>Twitter API </a:t>
+              </a:r>
+              <a:r>
+                <a:rPr lang="es-ES" sz="2200" kern="1200" dirty="0" err="1">
+                  <a:solidFill>
+                    <a:schemeClr val="tx1"/>
+                  </a:solidFill>
+                  <a:latin typeface="Candara" panose="020E0502030303020204" pitchFamily="34" charset="0"/>
+                </a:rPr>
+                <a:t>for</a:t>
+              </a:r>
+              <a:r>
+                <a:rPr lang="es-ES" sz="2200" kern="1200" dirty="0">
+                  <a:solidFill>
+                    <a:schemeClr val="tx1"/>
+                  </a:solidFill>
+                  <a:latin typeface="Candara" panose="020E0502030303020204" pitchFamily="34" charset="0"/>
+                </a:rPr>
+                <a:t> </a:t>
+              </a:r>
+              <a:r>
+                <a:rPr lang="es-ES" sz="2200" kern="1200" dirty="0" err="1">
+                  <a:solidFill>
+                    <a:schemeClr val="tx1"/>
+                  </a:solidFill>
+                  <a:latin typeface="Candara" panose="020E0502030303020204" pitchFamily="34" charset="0"/>
+                </a:rPr>
+                <a:t>python</a:t>
+              </a:r>
+              <a:endParaRPr lang="en-GB" sz="2200" kern="1200" dirty="0">
                 <a:solidFill>
                   <a:schemeClr val="tx1"/>
                 </a:solidFill>
@@ -19019,12 +19656,125 @@
           </p:txBody>
         </p:sp>
       </p:grpSp>
+    </p:spTree>
+    <p:extLst>
+      <p:ext uri="{BB962C8B-B14F-4D97-AF65-F5344CB8AC3E}">
+        <p14:creationId xmlns:p14="http://schemas.microsoft.com/office/powerpoint/2010/main" xmlns="" val="3963840826"/>
+      </p:ext>
+    </p:extLst>
+  </p:cSld>
+  <p:clrMapOvr>
+    <a:masterClrMapping/>
+  </p:clrMapOvr>
+  <p:timing>
+    <p:tnLst>
+      <p:par>
+        <p:cTn id="1" dur="indefinite" restart="never" nodeType="tmRoot"/>
+      </p:par>
+    </p:tnLst>
+  </p:timing>
+</p:sld>
+</file>
+
+<file path=ppt/slides/slide11.xml><?xml version="1.0" encoding="utf-8"?>
+<p:sld xmlns:a="http://schemas.openxmlformats.org/drawingml/2006/main" xmlns:r="http://schemas.openxmlformats.org/officeDocument/2006/relationships" xmlns:p="http://schemas.openxmlformats.org/presentationml/2006/main">
+  <p:cSld>
+    <p:spTree>
+      <p:nvGrpSpPr>
+        <p:cNvPr id="1" name=""/>
+        <p:cNvGrpSpPr/>
+        <p:nvPr/>
+      </p:nvGrpSpPr>
+      <p:grpSpPr>
+        <a:xfrm>
+          <a:off x="0" y="0"/>
+          <a:ext cx="0" cy="0"/>
+          <a:chOff x="0" y="0"/>
+          <a:chExt cx="0" cy="0"/>
+        </a:xfrm>
+      </p:grpSpPr>
       <p:sp>
         <p:nvSpPr>
-          <p:cNvPr id="13" name="Flecha: doblada hacia arriba 18">
+          <p:cNvPr id="4" name="Título 1">
             <a:extLst>
               <a:ext uri="{FF2B5EF4-FFF2-40B4-BE49-F238E27FC236}">
-                <a16:creationId xmlns:a16="http://schemas.microsoft.com/office/drawing/2014/main" xmlns="" id="{D70877CB-6A05-4556-890A-4818810AB680}"/>
+                <a16:creationId xmlns="" xmlns:a16="http://schemas.microsoft.com/office/drawing/2014/main" id="{99B5AF95-097D-4738-83EF-F6E071141CE9}"/>
+              </a:ext>
+            </a:extLst>
+          </p:cNvPr>
+          <p:cNvSpPr txBox="1">
+            <a:spLocks/>
+          </p:cNvSpPr>
+          <p:nvPr/>
+        </p:nvSpPr>
+        <p:spPr>
+          <a:xfrm>
+            <a:off x="1" y="463097"/>
+            <a:ext cx="9144000" cy="676014"/>
+          </a:xfrm>
+          <a:prstGeom prst="rect">
+            <a:avLst/>
+          </a:prstGeom>
+          <a:solidFill>
+            <a:srgbClr val="3886CC"/>
+          </a:solidFill>
+        </p:spPr>
+        <p:txBody>
+          <a:bodyPr vert="horz" lIns="91440" tIns="45720" rIns="91440" bIns="45720" rtlCol="0" anchor="ctr">
+            <a:normAutofit fontScale="97500" lnSpcReduction="10000"/>
+          </a:bodyPr>
+          <a:lstStyle>
+            <a:lvl1pPr algn="l" defTabSz="914400" rtl="0" eaLnBrk="1" latinLnBrk="0" hangingPunct="1">
+              <a:lnSpc>
+                <a:spcPct val="90000"/>
+              </a:lnSpc>
+              <a:spcBef>
+                <a:spcPct val="0"/>
+              </a:spcBef>
+              <a:buNone/>
+              <a:defRPr sz="4400" kern="1200">
+                <a:solidFill>
+                  <a:schemeClr val="tx1"/>
+                </a:solidFill>
+                <a:latin typeface="+mj-lt"/>
+                <a:ea typeface="+mj-ea"/>
+                <a:cs typeface="+mj-cs"/>
+              </a:defRPr>
+            </a:lvl1pPr>
+          </a:lstStyle>
+          <a:p>
+            <a:r>
+              <a:rPr lang="en-US" dirty="0">
+                <a:solidFill>
+                  <a:schemeClr val="bg1"/>
+                </a:solidFill>
+              </a:rPr>
+              <a:t>	</a:t>
+            </a:r>
+            <a:r>
+              <a:rPr lang="en-US" b="1" dirty="0" smtClean="0">
+                <a:solidFill>
+                  <a:schemeClr val="bg1"/>
+                </a:solidFill>
+                <a:latin typeface="Candara" panose="020E0502030303020204" pitchFamily="34" charset="0"/>
+              </a:rPr>
+              <a:t>Demo</a:t>
+            </a:r>
+            <a:endParaRPr lang="en-GB" b="1" dirty="0">
+              <a:solidFill>
+                <a:schemeClr val="bg1"/>
+              </a:solidFill>
+              <a:latin typeface="Candara" panose="020E0502030303020204" pitchFamily="34" charset="0"/>
+            </a:endParaRPr>
+          </a:p>
+        </p:txBody>
+      </p:sp>
+      <p:sp>
+        <p:nvSpPr>
+          <p:cNvPr id="5" name="Rectángulo: esquinas redondeadas 4">
+            <a:extLst>
+              <a:ext uri="{FF2B5EF4-FFF2-40B4-BE49-F238E27FC236}">
+                <a16:creationId xmlns="" xmlns:a16="http://schemas.microsoft.com/office/drawing/2014/main" id="{1786D3C0-39CB-4172-9853-40F6BEDBDDAB}"/>
               </a:ext>
             </a:extLst>
           </p:cNvPr>
@@ -19032,13 +19782,19 @@
           <p:nvPr/>
         </p:nvSpPr>
         <p:spPr>
-          <a:xfrm rot="5400000">
-            <a:off x="1248039" y="2474369"/>
-            <a:ext cx="737451" cy="990003"/>
+          <a:xfrm>
+            <a:off x="2047051" y="3104300"/>
+            <a:ext cx="4733759" cy="1360822"/>
           </a:xfrm>
-          <a:prstGeom prst="bentUpArrow">
+          <a:prstGeom prst="roundRect">
             <a:avLst/>
           </a:prstGeom>
+          <a:solidFill>
+            <a:srgbClr val="3886CC"/>
+          </a:solidFill>
+          <a:ln>
+            <a:noFill/>
+          </a:ln>
         </p:spPr>
         <p:style>
           <a:lnRef idx="2">
@@ -19061,305 +19817,127 @@
           <a:lstStyle/>
           <a:p>
             <a:pPr algn="ctr"/>
-            <a:endParaRPr lang="es-ES"/>
+            <a:r>
+              <a:rPr lang="es-ES" sz="5000" b="1" dirty="0" err="1" smtClean="0">
+                <a:latin typeface="Candara" panose="020E0502030303020204" pitchFamily="34" charset="0"/>
+              </a:rPr>
+              <a:t>Thank</a:t>
+            </a:r>
+            <a:r>
+              <a:rPr lang="es-ES" sz="5000" b="1" dirty="0" smtClean="0">
+                <a:latin typeface="Candara" panose="020E0502030303020204" pitchFamily="34" charset="0"/>
+              </a:rPr>
+              <a:t> </a:t>
+            </a:r>
+            <a:r>
+              <a:rPr lang="es-ES" sz="5000" b="1" dirty="0" err="1" smtClean="0">
+                <a:latin typeface="Candara" panose="020E0502030303020204" pitchFamily="34" charset="0"/>
+              </a:rPr>
+              <a:t>you</a:t>
+            </a:r>
+            <a:r>
+              <a:rPr lang="es-ES" sz="5000" b="1" dirty="0" smtClean="0">
+                <a:latin typeface="Candara" panose="020E0502030303020204" pitchFamily="34" charset="0"/>
+              </a:rPr>
+              <a:t>!</a:t>
+            </a:r>
+            <a:endParaRPr lang="en-GB" sz="5000" b="1" dirty="0">
+              <a:latin typeface="Candara" panose="020E0502030303020204" pitchFamily="34" charset="0"/>
+            </a:endParaRPr>
           </a:p>
         </p:txBody>
       </p:sp>
-      <p:graphicFrame>
-        <p:nvGraphicFramePr>
-          <p:cNvPr id="16" name="Marcador de contenido 3">
+      <p:sp>
+        <p:nvSpPr>
+          <p:cNvPr id="6" name="Subtítulo 2">
             <a:extLst>
               <a:ext uri="{FF2B5EF4-FFF2-40B4-BE49-F238E27FC236}">
-                <a16:creationId xmlns:a16="http://schemas.microsoft.com/office/drawing/2014/main" xmlns="" id="{0A79A359-313C-4D56-B712-2F4711C93092}"/>
+                <a16:creationId xmlns="" xmlns:a16="http://schemas.microsoft.com/office/drawing/2014/main" id="{7898A89F-12B7-43F8-981E-81E94A2635E7}"/>
               </a:ext>
             </a:extLst>
           </p:cNvPr>
-          <p:cNvGraphicFramePr>
-            <a:graphicFrameLocks/>
-          </p:cNvGraphicFramePr>
-          <p:nvPr>
-            <p:extLst>
-              <p:ext uri="{D42A27DB-BD31-4B8C-83A1-F6EECF244321}">
-                <p14:modId xmlns:p14="http://schemas.microsoft.com/office/powerpoint/2010/main" val="846018289"/>
-              </p:ext>
-            </p:extLst>
-          </p:nvPr>
-        </p:nvGraphicFramePr>
-        <p:xfrm>
-          <a:off x="713216" y="4429330"/>
-          <a:ext cx="7756392" cy="1005840"/>
-        </p:xfrm>
-        <a:graphic>
-          <a:graphicData uri="http://schemas.openxmlformats.org/drawingml/2006/table">
-            <a:tbl>
-              <a:tblPr firstRow="1" bandRow="1">
-                <a:tableStyleId>{5C22544A-7EE6-4342-B048-85BDC9FD1C3A}</a:tableStyleId>
-              </a:tblPr>
-              <a:tblGrid>
-                <a:gridCol w="1939098"/>
-                <a:gridCol w="1939098"/>
-                <a:gridCol w="1939098">
-                  <a:extLst>
-                    <a:ext uri="{9D8B030D-6E8A-4147-A177-3AD203B41FA5}">
-                      <a16:colId xmlns:a16="http://schemas.microsoft.com/office/drawing/2014/main" xmlns="" val="2335588041"/>
-                    </a:ext>
-                  </a:extLst>
-                </a:gridCol>
-                <a:gridCol w="1939098">
-                  <a:extLst>
-                    <a:ext uri="{9D8B030D-6E8A-4147-A177-3AD203B41FA5}">
-                      <a16:colId xmlns:a16="http://schemas.microsoft.com/office/drawing/2014/main" xmlns="" val="1112588493"/>
-                    </a:ext>
-                  </a:extLst>
-                </a:gridCol>
-              </a:tblGrid>
-              <a:tr h="310237">
-                <a:tc>
-                  <a:txBody>
-                    <a:bodyPr/>
-                    <a:lstStyle/>
-                    <a:p>
-                      <a:pPr algn="ctr"/>
-                      <a:endParaRPr lang="en-GB" dirty="0"/>
-                    </a:p>
-                  </a:txBody>
-                  <a:tcPr>
-                    <a:noFill/>
-                  </a:tcPr>
-                </a:tc>
-                <a:tc>
-                  <a:txBody>
-                    <a:bodyPr/>
-                    <a:lstStyle/>
-                    <a:p>
-                      <a:pPr marL="0" marR="0" indent="0" algn="ctr" defTabSz="914400" rtl="0" eaLnBrk="1" fontAlgn="auto" latinLnBrk="0" hangingPunct="1">
-                        <a:lnSpc>
-                          <a:spcPct val="100000"/>
-                        </a:lnSpc>
-                        <a:spcBef>
-                          <a:spcPts val="0"/>
-                        </a:spcBef>
-                        <a:spcAft>
-                          <a:spcPts val="0"/>
-                        </a:spcAft>
-                        <a:buClrTx/>
-                        <a:buSzTx/>
-                        <a:buFontTx/>
-                        <a:buNone/>
-                        <a:tabLst/>
-                        <a:defRPr/>
-                      </a:pPr>
-                      <a:r>
-                        <a:rPr lang="es-ES" dirty="0" err="1" smtClean="0"/>
-                        <a:t>Class</a:t>
-                      </a:r>
-                      <a:r>
-                        <a:rPr lang="es-ES" baseline="0" dirty="0" smtClean="0"/>
-                        <a:t> 1 </a:t>
-                      </a:r>
-                      <a:r>
-                        <a:rPr lang="en-US" sz="1800" dirty="0" smtClean="0"/>
-                        <a:t>[0,5)</a:t>
-                      </a:r>
-                      <a:endParaRPr lang="en-GB" dirty="0" smtClean="0"/>
-                    </a:p>
-                  </a:txBody>
-                  <a:tcPr/>
-                </a:tc>
-                <a:tc>
-                  <a:txBody>
-                    <a:bodyPr/>
-                    <a:lstStyle/>
-                    <a:p>
-                      <a:pPr marL="0" marR="0" indent="0" algn="ctr" defTabSz="914400" rtl="0" eaLnBrk="1" fontAlgn="auto" latinLnBrk="0" hangingPunct="1">
-                        <a:lnSpc>
-                          <a:spcPct val="100000"/>
-                        </a:lnSpc>
-                        <a:spcBef>
-                          <a:spcPts val="0"/>
-                        </a:spcBef>
-                        <a:spcAft>
-                          <a:spcPts val="0"/>
-                        </a:spcAft>
-                        <a:buClrTx/>
-                        <a:buSzTx/>
-                        <a:buFontTx/>
-                        <a:buNone/>
-                        <a:tabLst/>
-                        <a:defRPr/>
-                      </a:pPr>
-                      <a:r>
-                        <a:rPr lang="es-ES" dirty="0" err="1" smtClean="0"/>
-                        <a:t>Class</a:t>
-                      </a:r>
-                      <a:r>
-                        <a:rPr lang="es-ES" dirty="0" smtClean="0"/>
-                        <a:t> 2 </a:t>
-                      </a:r>
-                      <a:r>
-                        <a:rPr lang="en-US" sz="1800" dirty="0" smtClean="0"/>
-                        <a:t>[5,25] </a:t>
-                      </a:r>
-                      <a:endParaRPr lang="en-GB" dirty="0" smtClean="0"/>
-                    </a:p>
-                  </a:txBody>
-                  <a:tcPr/>
-                </a:tc>
-                <a:tc>
-                  <a:txBody>
-                    <a:bodyPr/>
-                    <a:lstStyle/>
-                    <a:p>
-                      <a:pPr algn="ctr"/>
-                      <a:r>
-                        <a:rPr lang="en-GB" dirty="0" smtClean="0"/>
-                        <a:t>Class</a:t>
-                      </a:r>
-                      <a:r>
-                        <a:rPr lang="en-GB" baseline="0" dirty="0" smtClean="0"/>
-                        <a:t> 3 </a:t>
-                      </a:r>
-                      <a:r>
-                        <a:rPr lang="en-US" sz="1800" dirty="0" smtClean="0"/>
-                        <a:t>(25,∞)</a:t>
-                      </a:r>
-                      <a:endParaRPr lang="en-GB" dirty="0"/>
-                    </a:p>
-                  </a:txBody>
-                  <a:tcPr/>
-                </a:tc>
-                <a:extLst>
-                  <a:ext uri="{0D108BD9-81ED-4DB2-BD59-A6C34878D82A}">
-                    <a16:rowId xmlns:a16="http://schemas.microsoft.com/office/drawing/2014/main" xmlns="" val="3992468993"/>
-                  </a:ext>
-                </a:extLst>
-              </a:tr>
-              <a:tr h="561305">
-                <a:tc>
-                  <a:txBody>
-                    <a:bodyPr/>
-                    <a:lstStyle/>
-                    <a:p>
-                      <a:pPr algn="ctr"/>
-                      <a:r>
-                        <a:rPr lang="en-GB" sz="1800" b="1" kern="1200" dirty="0" smtClean="0">
-                          <a:solidFill>
-                            <a:schemeClr val="lt1"/>
-                          </a:solidFill>
-                          <a:latin typeface="+mn-lt"/>
-                          <a:ea typeface="+mn-ea"/>
-                          <a:cs typeface="+mn-cs"/>
-                        </a:rPr>
-                        <a:t>Model</a:t>
-                      </a:r>
-                      <a:endParaRPr lang="en-GB" dirty="0"/>
-                    </a:p>
-                  </a:txBody>
-                  <a:tcPr>
-                    <a:solidFill>
-                      <a:schemeClr val="accent1"/>
-                    </a:solidFill>
-                  </a:tcPr>
-                </a:tc>
-                <a:tc>
-                  <a:txBody>
-                    <a:bodyPr/>
-                    <a:lstStyle/>
-                    <a:p>
-                      <a:pPr algn="ctr"/>
-                      <a:r>
-                        <a:rPr lang="en-GB" dirty="0" smtClean="0"/>
-                        <a:t>Mean of the last 10 tweets</a:t>
-                      </a:r>
-                      <a:endParaRPr lang="en-GB" dirty="0"/>
-                    </a:p>
-                  </a:txBody>
-                  <a:tcPr/>
-                </a:tc>
-                <a:tc>
-                  <a:txBody>
-                    <a:bodyPr/>
-                    <a:lstStyle/>
-                    <a:p>
-                      <a:pPr algn="ctr"/>
-                      <a:r>
-                        <a:rPr lang="en-GB" dirty="0" smtClean="0"/>
-                        <a:t>MLP Classifier (Neural</a:t>
-                      </a:r>
-                      <a:r>
-                        <a:rPr lang="en-GB" baseline="0" dirty="0" smtClean="0"/>
-                        <a:t> Network)</a:t>
-                      </a:r>
-                      <a:endParaRPr lang="en-GB" dirty="0"/>
-                    </a:p>
-                  </a:txBody>
-                  <a:tcPr/>
-                </a:tc>
-                <a:tc>
-                  <a:txBody>
-                    <a:bodyPr/>
-                    <a:lstStyle/>
-                    <a:p>
-                      <a:pPr algn="ctr"/>
-                      <a:r>
-                        <a:rPr lang="en-GB" dirty="0" smtClean="0"/>
-                        <a:t>MLP Classifier (Neural</a:t>
-                      </a:r>
-                      <a:r>
-                        <a:rPr lang="en-GB" baseline="0" dirty="0" smtClean="0"/>
-                        <a:t> Network)</a:t>
-                      </a:r>
-                      <a:endParaRPr lang="en-GB" dirty="0" smtClean="0"/>
-                    </a:p>
-                  </a:txBody>
-                  <a:tcPr/>
-                </a:tc>
-                <a:extLst>
-                  <a:ext uri="{0D108BD9-81ED-4DB2-BD59-A6C34878D82A}">
-                    <a16:rowId xmlns:a16="http://schemas.microsoft.com/office/drawing/2014/main" xmlns="" val="2024136782"/>
-                  </a:ext>
-                </a:extLst>
-              </a:tr>
-            </a:tbl>
-          </a:graphicData>
-        </a:graphic>
-      </p:graphicFrame>
-      <p:pic>
-        <p:nvPicPr>
-          <p:cNvPr id="15" name="Imagen 14"/>
-          <p:cNvPicPr>
-            <a:picLocks noChangeAspect="1"/>
-          </p:cNvPicPr>
+          <p:cNvSpPr txBox="1">
+            <a:spLocks/>
+          </p:cNvSpPr>
           <p:nvPr/>
-        </p:nvPicPr>
-        <p:blipFill>
-          <a:blip r:embed="rId2">
-            <a:extLst>
-              <a:ext uri="{28A0092B-C50C-407E-A947-70E740481C1C}">
-                <a14:useLocalDpi xmlns:a14="http://schemas.microsoft.com/office/drawing/2010/main" val="0"/>
-              </a:ext>
-            </a:extLst>
-          </a:blip>
-          <a:stretch>
-            <a:fillRect/>
-          </a:stretch>
-        </p:blipFill>
+        </p:nvSpPr>
         <p:spPr>
           <a:xfrm>
-            <a:off x="4002158" y="3033804"/>
-            <a:ext cx="331302" cy="230116"/>
+            <a:off x="2005632" y="2000734"/>
+            <a:ext cx="4858305" cy="530442"/>
           </a:xfrm>
           <a:prstGeom prst="rect">
             <a:avLst/>
           </a:prstGeom>
+          <a:solidFill>
+            <a:schemeClr val="bg1"/>
+          </a:solidFill>
         </p:spPr>
-      </p:pic>
+        <p:txBody>
+          <a:bodyPr vert="horz" lIns="91440" tIns="45720" rIns="91440" bIns="45720" rtlCol="0">
+            <a:normAutofit fontScale="77500" lnSpcReduction="20000"/>
+          </a:bodyPr>
+          <a:lstStyle/>
+          <a:p>
+            <a:pPr marL="228600" marR="0" lvl="0" indent="-228600" algn="l" defTabSz="914400" rtl="0" eaLnBrk="1" fontAlgn="auto" latinLnBrk="0" hangingPunct="1">
+              <a:lnSpc>
+                <a:spcPct val="90000"/>
+              </a:lnSpc>
+              <a:spcBef>
+                <a:spcPts val="1000"/>
+              </a:spcBef>
+              <a:spcAft>
+                <a:spcPts val="0"/>
+              </a:spcAft>
+              <a:buClrTx/>
+              <a:buSzTx/>
+              <a:buFont typeface="Arial" panose="020B0604020202020204" pitchFamily="34" charset="0"/>
+              <a:buChar char="•"/>
+              <a:tabLst/>
+              <a:defRPr/>
+            </a:pPr>
+            <a:r>
+              <a:rPr kumimoji="0" lang="en-GB" sz="2800" b="0" i="0" u="none" strike="noStrike" kern="1200" cap="none" spc="0" normalizeH="0" baseline="0" noProof="0" dirty="0" smtClean="0">
+                <a:ln>
+                  <a:noFill/>
+                </a:ln>
+                <a:solidFill>
+                  <a:schemeClr val="tx1"/>
+                </a:solidFill>
+                <a:effectLst/>
+                <a:uLnTx/>
+                <a:uFillTx/>
+                <a:latin typeface="+mn-lt"/>
+                <a:ea typeface="+mn-ea"/>
+                <a:cs typeface="+mn-cs"/>
+                <a:hlinkClick r:id="rId2">
+                  <a:extLst>
+                    <a:ext uri="{A12FA001-AC4F-418D-AE19-62706E023703}">
+                      <ahyp:hlinkClr xmlns="" xmlns:ahyp="http://schemas.microsoft.com/office/drawing/2018/hyperlinkcolor" val="tx"/>
+                    </a:ext>
+                  </a:extLst>
+                </a:hlinkClick>
+              </a:rPr>
+              <a:t>https://tweempact.herokuapp.com/</a:t>
+            </a:r>
+            <a:endParaRPr kumimoji="0" lang="en-GB" sz="2800" b="0" i="0" u="none" strike="noStrike" kern="1200" cap="none" spc="0" normalizeH="0" baseline="0" noProof="0" dirty="0">
+              <a:ln>
+                <a:noFill/>
+              </a:ln>
+              <a:solidFill>
+                <a:schemeClr val="tx1"/>
+              </a:solidFill>
+              <a:effectLst/>
+              <a:uLnTx/>
+              <a:uFillTx/>
+              <a:latin typeface="+mn-lt"/>
+              <a:ea typeface="+mn-ea"/>
+              <a:cs typeface="+mn-cs"/>
+            </a:endParaRPr>
+          </a:p>
+        </p:txBody>
+      </p:sp>
     </p:spTree>
-    <p:extLst>
-      <p:ext uri="{BB962C8B-B14F-4D97-AF65-F5344CB8AC3E}">
-        <p14:creationId xmlns:p14="http://schemas.microsoft.com/office/powerpoint/2010/main" val="1134381640"/>
-      </p:ext>
-    </p:extLst>
   </p:cSld>
   <p:clrMapOvr>
     <a:masterClrMapping/>
@@ -19389,7 +19967,7 @@
           <p:cNvPr id="2" name="Título 1">
             <a:extLst>
               <a:ext uri="{FF2B5EF4-FFF2-40B4-BE49-F238E27FC236}">
-                <a16:creationId xmlns:a16="http://schemas.microsoft.com/office/drawing/2014/main" xmlns="" id="{D17DCCC3-705B-4276-A440-5FC29EC0BF40}"/>
+                <a16:creationId xmlns="" xmlns:a16="http://schemas.microsoft.com/office/drawing/2014/main" id="{D17DCCC3-705B-4276-A440-5FC29EC0BF40}"/>
               </a:ext>
             </a:extLst>
           </p:cNvPr>
@@ -19446,7 +20024,7 @@
           <p:cNvPr id="3" name="Marcador de contenido 2">
             <a:extLst>
               <a:ext uri="{FF2B5EF4-FFF2-40B4-BE49-F238E27FC236}">
-                <a16:creationId xmlns:a16="http://schemas.microsoft.com/office/drawing/2014/main" xmlns="" id="{EAC2261B-2E4E-4544-AE7A-F27D5AD06453}"/>
+                <a16:creationId xmlns="" xmlns:a16="http://schemas.microsoft.com/office/drawing/2014/main" id="{EAC2261B-2E4E-4544-AE7A-F27D5AD06453}"/>
               </a:ext>
             </a:extLst>
           </p:cNvPr>
@@ -19491,7 +20069,7 @@
           <p:cNvPr id="5" name="Marcador de contenido 2">
             <a:extLst>
               <a:ext uri="{FF2B5EF4-FFF2-40B4-BE49-F238E27FC236}">
-                <a16:creationId xmlns:a16="http://schemas.microsoft.com/office/drawing/2014/main" xmlns="" id="{070AC387-A01C-4A51-97F3-9AE830F528EA}"/>
+                <a16:creationId xmlns="" xmlns:a16="http://schemas.microsoft.com/office/drawing/2014/main" id="{070AC387-A01C-4A51-97F3-9AE830F528EA}"/>
               </a:ext>
             </a:extLst>
           </p:cNvPr>
@@ -19698,7 +20276,7 @@
           <p:cNvPr id="6" name="Marcador de contenido 2">
             <a:extLst>
               <a:ext uri="{FF2B5EF4-FFF2-40B4-BE49-F238E27FC236}">
-                <a16:creationId xmlns:a16="http://schemas.microsoft.com/office/drawing/2014/main" xmlns="" id="{51F9C440-C32E-4017-9091-3EC22A4B838B}"/>
+                <a16:creationId xmlns="" xmlns:a16="http://schemas.microsoft.com/office/drawing/2014/main" id="{51F9C440-C32E-4017-9091-3EC22A4B838B}"/>
               </a:ext>
             </a:extLst>
           </p:cNvPr>
@@ -19905,7 +20483,7 @@
           <p:cNvPr id="7" name="Marcador de contenido 2">
             <a:extLst>
               <a:ext uri="{FF2B5EF4-FFF2-40B4-BE49-F238E27FC236}">
-                <a16:creationId xmlns:a16="http://schemas.microsoft.com/office/drawing/2014/main" xmlns="" id="{CAD68F51-7D69-4BD4-80F2-EB5AF3E1743D}"/>
+                <a16:creationId xmlns="" xmlns:a16="http://schemas.microsoft.com/office/drawing/2014/main" id="{CAD68F51-7D69-4BD4-80F2-EB5AF3E1743D}"/>
               </a:ext>
             </a:extLst>
           </p:cNvPr>
@@ -20114,13 +20692,20 @@
     </p:spTree>
     <p:extLst>
       <p:ext uri="{BB962C8B-B14F-4D97-AF65-F5344CB8AC3E}">
-        <p14:creationId xmlns:p14="http://schemas.microsoft.com/office/powerpoint/2010/main" val="1368180478"/>
+        <p14:creationId xmlns:p14="http://schemas.microsoft.com/office/powerpoint/2010/main" xmlns="" val="1368180478"/>
       </p:ext>
     </p:extLst>
   </p:cSld>
   <p:clrMapOvr>
     <a:masterClrMapping/>
   </p:clrMapOvr>
+  <p:timing>
+    <p:tnLst>
+      <p:par>
+        <p:cTn id="1" dur="indefinite" restart="never" nodeType="tmRoot"/>
+      </p:par>
+    </p:tnLst>
+  </p:timing>
 </p:sld>
 </file>
 
@@ -20146,7 +20731,7 @@
           <p:cNvPr id="11" name="Grupo 10">
             <a:extLst>
               <a:ext uri="{FF2B5EF4-FFF2-40B4-BE49-F238E27FC236}">
-                <a16:creationId xmlns:a16="http://schemas.microsoft.com/office/drawing/2014/main" xmlns="" id="{05AC0499-4791-4450-863B-98CD11CE3EDB}"/>
+                <a16:creationId xmlns="" xmlns:a16="http://schemas.microsoft.com/office/drawing/2014/main" id="{05AC0499-4791-4450-863B-98CD11CE3EDB}"/>
               </a:ext>
             </a:extLst>
           </p:cNvPr>
@@ -20166,7 +20751,7 @@
             <p:cNvPr id="7" name="AutoShape 2">
               <a:extLst>
                 <a:ext uri="{FF2B5EF4-FFF2-40B4-BE49-F238E27FC236}">
-                  <a16:creationId xmlns:a16="http://schemas.microsoft.com/office/drawing/2014/main" xmlns="" id="{6FB34A55-1545-4F4B-961A-728C11DEC89F}"/>
+                  <a16:creationId xmlns="" xmlns:a16="http://schemas.microsoft.com/office/drawing/2014/main" id="{6FB34A55-1545-4F4B-961A-728C11DEC89F}"/>
                 </a:ext>
               </a:extLst>
             </p:cNvPr>
@@ -20194,7 +20779,7 @@
             <a:effectLst/>
             <a:extLst>
               <a:ext uri="{91240B29-F687-4F45-9708-019B960494DF}">
-                <a14:hiddenLine xmlns:a14="http://schemas.microsoft.com/office/drawing/2010/main" w="25400" algn="ctr">
+                <a14:hiddenLine xmlns:a14="http://schemas.microsoft.com/office/drawing/2010/main" xmlns="" w="25400" algn="ctr">
                   <a:solidFill>
                     <a:srgbClr val="000000"/>
                   </a:solidFill>
@@ -20204,7 +20789,7 @@
                 </a14:hiddenLine>
               </a:ext>
               <a:ext uri="{AF507438-7753-43E0-B8FC-AC1667EBCBE1}">
-                <a14:hiddenEffects xmlns:a14="http://schemas.microsoft.com/office/drawing/2010/main">
+                <a14:hiddenEffects xmlns:a14="http://schemas.microsoft.com/office/drawing/2010/main" xmlns="">
                   <a:effectLst>
                     <a:outerShdw dist="35921" dir="2700000" algn="ctr" rotWithShape="0">
                       <a:srgbClr val="000000"/>
@@ -20340,7 +20925,7 @@
             <p:cNvPr id="8" name="Text Box 3">
               <a:extLst>
                 <a:ext uri="{FF2B5EF4-FFF2-40B4-BE49-F238E27FC236}">
-                  <a16:creationId xmlns:a16="http://schemas.microsoft.com/office/drawing/2014/main" xmlns="" id="{3B12F2B2-7621-4AC1-B191-95073A0FDCF3}"/>
+                  <a16:creationId xmlns="" xmlns:a16="http://schemas.microsoft.com/office/drawing/2014/main" id="{3B12F2B2-7621-4AC1-B191-95073A0FDCF3}"/>
                 </a:ext>
               </a:extLst>
             </p:cNvPr>
@@ -20364,14 +20949,14 @@
             <a:effectLst/>
             <a:extLst>
               <a:ext uri="{909E8E84-426E-40DD-AFC4-6F175D3DCCD1}">
-                <a14:hiddenFill xmlns:a14="http://schemas.microsoft.com/office/drawing/2010/main">
+                <a14:hiddenFill xmlns:a14="http://schemas.microsoft.com/office/drawing/2010/main" xmlns="">
                   <a:solidFill>
                     <a:srgbClr val="5B9BD5"/>
                   </a:solidFill>
                 </a14:hiddenFill>
               </a:ext>
               <a:ext uri="{91240B29-F687-4F45-9708-019B960494DF}">
-                <a14:hiddenLine xmlns:a14="http://schemas.microsoft.com/office/drawing/2010/main" w="25400" algn="ctr">
+                <a14:hiddenLine xmlns:a14="http://schemas.microsoft.com/office/drawing/2010/main" xmlns="" w="25400" algn="ctr">
                   <a:solidFill>
                     <a:srgbClr val="000000"/>
                   </a:solidFill>
@@ -20381,7 +20966,7 @@
                 </a14:hiddenLine>
               </a:ext>
               <a:ext uri="{AF507438-7753-43E0-B8FC-AC1667EBCBE1}">
-                <a14:hiddenEffects xmlns:a14="http://schemas.microsoft.com/office/drawing/2010/main">
+                <a14:hiddenEffects xmlns:a14="http://schemas.microsoft.com/office/drawing/2010/main" xmlns="">
                   <a:effectLst>
                     <a:outerShdw dist="35921" dir="2700000" algn="ctr" rotWithShape="0">
                       <a:srgbClr val="000000"/>
@@ -20578,7 +21163,7 @@
             <p:cNvPr id="1028" name="Picture 4" descr="Resultat d'imatges de star icon">
               <a:extLst>
                 <a:ext uri="{FF2B5EF4-FFF2-40B4-BE49-F238E27FC236}">
-                  <a16:creationId xmlns:a16="http://schemas.microsoft.com/office/drawing/2014/main" xmlns="" id="{B49E22A6-C16E-42FF-9087-40F82BB8599C}"/>
+                  <a16:creationId xmlns="" xmlns:a16="http://schemas.microsoft.com/office/drawing/2014/main" id="{B49E22A6-C16E-42FF-9087-40F82BB8599C}"/>
                 </a:ext>
               </a:extLst>
             </p:cNvPr>
@@ -20588,10 +21173,10 @@
             <p:nvPr/>
           </p:nvPicPr>
           <p:blipFill>
-            <a:blip r:embed="rId2">
+            <a:blip r:embed="rId2" cstate="print">
               <a:extLst>
                 <a:ext uri="{28A0092B-C50C-407E-A947-70E740481C1C}">
-                  <a14:useLocalDpi xmlns:a14="http://schemas.microsoft.com/office/drawing/2010/main" val="0"/>
+                  <a14:useLocalDpi xmlns:a14="http://schemas.microsoft.com/office/drawing/2010/main" xmlns="" val="0"/>
                 </a:ext>
               </a:extLst>
             </a:blip>
@@ -20614,14 +21199,14 @@
             </a:ln>
             <a:extLst>
               <a:ext uri="{909E8E84-426E-40DD-AFC4-6F175D3DCCD1}">
-                <a14:hiddenFill xmlns:a14="http://schemas.microsoft.com/office/drawing/2010/main">
+                <a14:hiddenFill xmlns:a14="http://schemas.microsoft.com/office/drawing/2010/main" xmlns="">
                   <a:solidFill>
                     <a:srgbClr val="FFFFFF"/>
                   </a:solidFill>
                 </a14:hiddenFill>
               </a:ext>
               <a:ext uri="{91240B29-F687-4F45-9708-019B960494DF}">
-                <a14:hiddenLine xmlns:a14="http://schemas.microsoft.com/office/drawing/2010/main" w="9525" algn="in">
+                <a14:hiddenLine xmlns:a14="http://schemas.microsoft.com/office/drawing/2010/main" xmlns="" w="9525" algn="in">
                   <a:solidFill>
                     <a:srgbClr val="000000"/>
                   </a:solidFill>
@@ -20639,7 +21224,7 @@
           <p:cNvPr id="12" name="Grupo 11">
             <a:extLst>
               <a:ext uri="{FF2B5EF4-FFF2-40B4-BE49-F238E27FC236}">
-                <a16:creationId xmlns:a16="http://schemas.microsoft.com/office/drawing/2014/main" xmlns="" id="{A7655AD6-E550-454E-9C5B-0D49593AF82D}"/>
+                <a16:creationId xmlns="" xmlns:a16="http://schemas.microsoft.com/office/drawing/2014/main" id="{A7655AD6-E550-454E-9C5B-0D49593AF82D}"/>
               </a:ext>
             </a:extLst>
           </p:cNvPr>
@@ -20659,7 +21244,7 @@
             <p:cNvPr id="9" name="AutoShape 5">
               <a:extLst>
                 <a:ext uri="{FF2B5EF4-FFF2-40B4-BE49-F238E27FC236}">
-                  <a16:creationId xmlns:a16="http://schemas.microsoft.com/office/drawing/2014/main" xmlns="" id="{73155F2A-3401-4454-AC7F-CE4DB1F55EB2}"/>
+                  <a16:creationId xmlns="" xmlns:a16="http://schemas.microsoft.com/office/drawing/2014/main" id="{73155F2A-3401-4454-AC7F-CE4DB1F55EB2}"/>
                 </a:ext>
               </a:extLst>
             </p:cNvPr>
@@ -20687,7 +21272,7 @@
             <a:effectLst/>
             <a:extLst>
               <a:ext uri="{91240B29-F687-4F45-9708-019B960494DF}">
-                <a14:hiddenLine xmlns:a14="http://schemas.microsoft.com/office/drawing/2010/main" w="25400" algn="ctr">
+                <a14:hiddenLine xmlns:a14="http://schemas.microsoft.com/office/drawing/2010/main" xmlns="" w="25400" algn="ctr">
                   <a:solidFill>
                     <a:srgbClr val="000000"/>
                   </a:solidFill>
@@ -20697,7 +21282,7 @@
                 </a14:hiddenLine>
               </a:ext>
               <a:ext uri="{AF507438-7753-43E0-B8FC-AC1667EBCBE1}">
-                <a14:hiddenEffects xmlns:a14="http://schemas.microsoft.com/office/drawing/2010/main">
+                <a14:hiddenEffects xmlns:a14="http://schemas.microsoft.com/office/drawing/2010/main" xmlns="">
                   <a:effectLst>
                     <a:outerShdw dist="35921" dir="2700000" algn="ctr" rotWithShape="0">
                       <a:srgbClr val="000000"/>
@@ -20833,7 +21418,7 @@
             <p:cNvPr id="1030" name="Picture 6" descr="graph">
               <a:extLst>
                 <a:ext uri="{FF2B5EF4-FFF2-40B4-BE49-F238E27FC236}">
-                  <a16:creationId xmlns:a16="http://schemas.microsoft.com/office/drawing/2014/main" xmlns="" id="{E7BCF0D7-DE19-4F02-BCAF-505777665855}"/>
+                  <a16:creationId xmlns="" xmlns:a16="http://schemas.microsoft.com/office/drawing/2014/main" id="{E7BCF0D7-DE19-4F02-BCAF-505777665855}"/>
                 </a:ext>
               </a:extLst>
             </p:cNvPr>
@@ -20843,10 +21428,10 @@
             <p:nvPr/>
           </p:nvPicPr>
           <p:blipFill>
-            <a:blip r:embed="rId3">
+            <a:blip r:embed="rId3" cstate="print">
               <a:extLst>
                 <a:ext uri="{28A0092B-C50C-407E-A947-70E740481C1C}">
-                  <a14:useLocalDpi xmlns:a14="http://schemas.microsoft.com/office/drawing/2010/main" val="0"/>
+                  <a14:useLocalDpi xmlns:a14="http://schemas.microsoft.com/office/drawing/2010/main" xmlns="" val="0"/>
                 </a:ext>
               </a:extLst>
             </a:blip>
@@ -20870,14 +21455,14 @@
             <a:effectLst/>
             <a:extLst>
               <a:ext uri="{909E8E84-426E-40DD-AFC4-6F175D3DCCD1}">
-                <a14:hiddenFill xmlns:a14="http://schemas.microsoft.com/office/drawing/2010/main">
+                <a14:hiddenFill xmlns:a14="http://schemas.microsoft.com/office/drawing/2010/main" xmlns="">
                   <a:solidFill>
                     <a:srgbClr val="5B9BD5"/>
                   </a:solidFill>
                 </a14:hiddenFill>
               </a:ext>
               <a:ext uri="{91240B29-F687-4F45-9708-019B960494DF}">
-                <a14:hiddenLine xmlns:a14="http://schemas.microsoft.com/office/drawing/2010/main" w="25400" algn="ctr">
+                <a14:hiddenLine xmlns:a14="http://schemas.microsoft.com/office/drawing/2010/main" xmlns="" w="25400" algn="ctr">
                   <a:solidFill>
                     <a:srgbClr val="000000"/>
                   </a:solidFill>
@@ -20887,7 +21472,7 @@
                 </a14:hiddenLine>
               </a:ext>
               <a:ext uri="{AF507438-7753-43E0-B8FC-AC1667EBCBE1}">
-                <a14:hiddenEffects xmlns:a14="http://schemas.microsoft.com/office/drawing/2010/main">
+                <a14:hiddenEffects xmlns:a14="http://schemas.microsoft.com/office/drawing/2010/main" xmlns="">
                   <a:effectLst>
                     <a:outerShdw dist="35921" dir="2700000" algn="ctr" rotWithShape="0">
                       <a:srgbClr val="000000"/>
@@ -20903,7 +21488,7 @@
             <p:cNvPr id="10" name="Text Box 7">
               <a:extLst>
                 <a:ext uri="{FF2B5EF4-FFF2-40B4-BE49-F238E27FC236}">
-                  <a16:creationId xmlns:a16="http://schemas.microsoft.com/office/drawing/2014/main" xmlns="" id="{95C5CC35-1807-4FAD-87D9-6CE581C264A6}"/>
+                  <a16:creationId xmlns="" xmlns:a16="http://schemas.microsoft.com/office/drawing/2014/main" id="{95C5CC35-1807-4FAD-87D9-6CE581C264A6}"/>
                 </a:ext>
               </a:extLst>
             </p:cNvPr>
@@ -20927,14 +21512,14 @@
             <a:effectLst/>
             <a:extLst>
               <a:ext uri="{909E8E84-426E-40DD-AFC4-6F175D3DCCD1}">
-                <a14:hiddenFill xmlns:a14="http://schemas.microsoft.com/office/drawing/2010/main">
+                <a14:hiddenFill xmlns:a14="http://schemas.microsoft.com/office/drawing/2010/main" xmlns="">
                   <a:solidFill>
                     <a:srgbClr val="5B9BD5"/>
                   </a:solidFill>
                 </a14:hiddenFill>
               </a:ext>
               <a:ext uri="{91240B29-F687-4F45-9708-019B960494DF}">
-                <a14:hiddenLine xmlns:a14="http://schemas.microsoft.com/office/drawing/2010/main" w="25400" algn="ctr">
+                <a14:hiddenLine xmlns:a14="http://schemas.microsoft.com/office/drawing/2010/main" xmlns="" w="25400" algn="ctr">
                   <a:solidFill>
                     <a:srgbClr val="000000"/>
                   </a:solidFill>
@@ -20944,7 +21529,7 @@
                 </a14:hiddenLine>
               </a:ext>
               <a:ext uri="{AF507438-7753-43E0-B8FC-AC1667EBCBE1}">
-                <a14:hiddenEffects xmlns:a14="http://schemas.microsoft.com/office/drawing/2010/main">
+                <a14:hiddenEffects xmlns:a14="http://schemas.microsoft.com/office/drawing/2010/main" xmlns="">
                   <a:effectLst>
                     <a:outerShdw dist="35921" dir="2700000" algn="ctr" rotWithShape="0">
                       <a:srgbClr val="000000"/>
@@ -21114,7 +21699,7 @@
           <p:cNvPr id="14" name="Tabla 13">
             <a:extLst>
               <a:ext uri="{FF2B5EF4-FFF2-40B4-BE49-F238E27FC236}">
-                <a16:creationId xmlns:a16="http://schemas.microsoft.com/office/drawing/2014/main" xmlns="" id="{A89C7F25-956C-476C-96B8-BB54109B5279}"/>
+                <a16:creationId xmlns="" xmlns:a16="http://schemas.microsoft.com/office/drawing/2014/main" id="{A89C7F25-956C-476C-96B8-BB54109B5279}"/>
               </a:ext>
             </a:extLst>
           </p:cNvPr>
@@ -21124,7 +21709,7 @@
           <p:nvPr>
             <p:extLst>
               <p:ext uri="{D42A27DB-BD31-4B8C-83A1-F6EECF244321}">
-                <p14:modId xmlns:p14="http://schemas.microsoft.com/office/powerpoint/2010/main" val="3540886712"/>
+                <p14:modId xmlns:p14="http://schemas.microsoft.com/office/powerpoint/2010/main" xmlns="" val="3540886712"/>
               </p:ext>
             </p:extLst>
           </p:nvPr>
@@ -21143,14 +21728,14 @@
                 <a:gridCol w="1985489">
                   <a:extLst>
                     <a:ext uri="{9D8B030D-6E8A-4147-A177-3AD203B41FA5}">
-                      <a16:colId xmlns:a16="http://schemas.microsoft.com/office/drawing/2014/main" xmlns="" val="1322281579"/>
+                      <a16:colId xmlns="" xmlns:a16="http://schemas.microsoft.com/office/drawing/2014/main" val="1322281579"/>
                     </a:ext>
                   </a:extLst>
                 </a:gridCol>
                 <a:gridCol w="1985489">
                   <a:extLst>
                     <a:ext uri="{9D8B030D-6E8A-4147-A177-3AD203B41FA5}">
-                      <a16:colId xmlns:a16="http://schemas.microsoft.com/office/drawing/2014/main" xmlns="" val="2223543333"/>
+                      <a16:colId xmlns="" xmlns:a16="http://schemas.microsoft.com/office/drawing/2014/main" val="2223543333"/>
                     </a:ext>
                   </a:extLst>
                 </a:gridCol>
@@ -21206,7 +21791,7 @@
                 </a:tc>
                 <a:extLst>
                   <a:ext uri="{0D108BD9-81ED-4DB2-BD59-A6C34878D82A}">
-                    <a16:rowId xmlns:a16="http://schemas.microsoft.com/office/drawing/2014/main" xmlns="" val="2344520333"/>
+                    <a16:rowId xmlns="" xmlns:a16="http://schemas.microsoft.com/office/drawing/2014/main" val="2344520333"/>
                   </a:ext>
                 </a:extLst>
               </a:tr>
@@ -21275,7 +21860,7 @@
                 </a:tc>
                 <a:extLst>
                   <a:ext uri="{0D108BD9-81ED-4DB2-BD59-A6C34878D82A}">
-                    <a16:rowId xmlns:a16="http://schemas.microsoft.com/office/drawing/2014/main" xmlns="" val="1026996701"/>
+                    <a16:rowId xmlns="" xmlns:a16="http://schemas.microsoft.com/office/drawing/2014/main" val="1026996701"/>
                   </a:ext>
                 </a:extLst>
               </a:tr>
@@ -21288,7 +21873,7 @@
           <p:cNvPr id="15" name="Diagrama 14">
             <a:extLst>
               <a:ext uri="{FF2B5EF4-FFF2-40B4-BE49-F238E27FC236}">
-                <a16:creationId xmlns:a16="http://schemas.microsoft.com/office/drawing/2014/main" xmlns="" id="{59267DE5-CD34-44B0-A64C-A7C0826743D5}"/>
+                <a16:creationId xmlns="" xmlns:a16="http://schemas.microsoft.com/office/drawing/2014/main" id="{59267DE5-CD34-44B0-A64C-A7C0826743D5}"/>
               </a:ext>
             </a:extLst>
           </p:cNvPr>
@@ -21296,7 +21881,7 @@
           <p:nvPr>
             <p:extLst>
               <p:ext uri="{D42A27DB-BD31-4B8C-83A1-F6EECF244321}">
-                <p14:modId xmlns:p14="http://schemas.microsoft.com/office/powerpoint/2010/main" val="2654417307"/>
+                <p14:modId xmlns:p14="http://schemas.microsoft.com/office/powerpoint/2010/main" xmlns="" val="2654417307"/>
               </p:ext>
             </p:extLst>
           </p:nvPr>
@@ -21316,7 +21901,7 @@
           <p:cNvPr id="19" name="Conector recto de flecha 18">
             <a:extLst>
               <a:ext uri="{FF2B5EF4-FFF2-40B4-BE49-F238E27FC236}">
-                <a16:creationId xmlns:a16="http://schemas.microsoft.com/office/drawing/2014/main" xmlns="" id="{F5C49D69-C4DA-485D-A191-CFDB5D7D0037}"/>
+                <a16:creationId xmlns="" xmlns:a16="http://schemas.microsoft.com/office/drawing/2014/main" id="{F5C49D69-C4DA-485D-A191-CFDB5D7D0037}"/>
               </a:ext>
             </a:extLst>
           </p:cNvPr>
@@ -21364,7 +21949,7 @@
           <p:cNvPr id="22" name="Conector recto de flecha 21">
             <a:extLst>
               <a:ext uri="{FF2B5EF4-FFF2-40B4-BE49-F238E27FC236}">
-                <a16:creationId xmlns:a16="http://schemas.microsoft.com/office/drawing/2014/main" xmlns="" id="{4F89D099-91A4-4407-B9A1-8892F34F9DD3}"/>
+                <a16:creationId xmlns="" xmlns:a16="http://schemas.microsoft.com/office/drawing/2014/main" id="{4F89D099-91A4-4407-B9A1-8892F34F9DD3}"/>
               </a:ext>
             </a:extLst>
           </p:cNvPr>
@@ -21412,7 +21997,7 @@
           <p:cNvPr id="25" name="Conector recto de flecha 24">
             <a:extLst>
               <a:ext uri="{FF2B5EF4-FFF2-40B4-BE49-F238E27FC236}">
-                <a16:creationId xmlns:a16="http://schemas.microsoft.com/office/drawing/2014/main" xmlns="" id="{7D0D67B9-038C-48CA-894A-7A8F7111C531}"/>
+                <a16:creationId xmlns="" xmlns:a16="http://schemas.microsoft.com/office/drawing/2014/main" id="{7D0D67B9-038C-48CA-894A-7A8F7111C531}"/>
               </a:ext>
             </a:extLst>
           </p:cNvPr>
@@ -21461,7 +22046,7 @@
           <p:cNvPr id="27" name="CuadroTexto 26">
             <a:extLst>
               <a:ext uri="{FF2B5EF4-FFF2-40B4-BE49-F238E27FC236}">
-                <a16:creationId xmlns:a16="http://schemas.microsoft.com/office/drawing/2014/main" xmlns="" id="{D617B930-87ED-434E-81A5-DC120474ADE3}"/>
+                <a16:creationId xmlns="" xmlns:a16="http://schemas.microsoft.com/office/drawing/2014/main" id="{D617B930-87ED-434E-81A5-DC120474ADE3}"/>
               </a:ext>
             </a:extLst>
           </p:cNvPr>
@@ -21501,7 +22086,7 @@
           <p:cNvPr id="23" name="Título 1">
             <a:extLst>
               <a:ext uri="{FF2B5EF4-FFF2-40B4-BE49-F238E27FC236}">
-                <a16:creationId xmlns:a16="http://schemas.microsoft.com/office/drawing/2014/main" xmlns="" id="{C50F150F-04D7-4668-A0EF-B0EAD3961A73}"/>
+                <a16:creationId xmlns="" xmlns:a16="http://schemas.microsoft.com/office/drawing/2014/main" id="{C50F150F-04D7-4668-A0EF-B0EAD3961A73}"/>
               </a:ext>
             </a:extLst>
           </p:cNvPr>
@@ -21577,7 +22162,7 @@
           <p:cNvPr id="24" name="Tabla 23">
             <a:extLst>
               <a:ext uri="{FF2B5EF4-FFF2-40B4-BE49-F238E27FC236}">
-                <a16:creationId xmlns:a16="http://schemas.microsoft.com/office/drawing/2014/main" xmlns="" id="{82972B3E-B0AA-4CEF-90B7-3325FED88204}"/>
+                <a16:creationId xmlns="" xmlns:a16="http://schemas.microsoft.com/office/drawing/2014/main" id="{82972B3E-B0AA-4CEF-90B7-3325FED88204}"/>
               </a:ext>
             </a:extLst>
           </p:cNvPr>
@@ -21587,7 +22172,7 @@
           <p:nvPr>
             <p:extLst>
               <p:ext uri="{D42A27DB-BD31-4B8C-83A1-F6EECF244321}">
-                <p14:modId xmlns:p14="http://schemas.microsoft.com/office/powerpoint/2010/main" val="3837911309"/>
+                <p14:modId xmlns:p14="http://schemas.microsoft.com/office/powerpoint/2010/main" xmlns="" val="3837911309"/>
               </p:ext>
             </p:extLst>
           </p:nvPr>
@@ -21606,7 +22191,7 @@
                 <a:gridCol w="3649241">
                   <a:extLst>
                     <a:ext uri="{9D8B030D-6E8A-4147-A177-3AD203B41FA5}">
-                      <a16:colId xmlns:a16="http://schemas.microsoft.com/office/drawing/2014/main" xmlns="" val="1322281579"/>
+                      <a16:colId xmlns="" xmlns:a16="http://schemas.microsoft.com/office/drawing/2014/main" val="1322281579"/>
                     </a:ext>
                   </a:extLst>
                 </a:gridCol>
@@ -21652,7 +22237,7 @@
                 </a:tc>
                 <a:extLst>
                   <a:ext uri="{0D108BD9-81ED-4DB2-BD59-A6C34878D82A}">
-                    <a16:rowId xmlns:a16="http://schemas.microsoft.com/office/drawing/2014/main" xmlns="" val="2344520333"/>
+                    <a16:rowId xmlns="" xmlns:a16="http://schemas.microsoft.com/office/drawing/2014/main" val="2344520333"/>
                   </a:ext>
                 </a:extLst>
               </a:tr>
@@ -21706,7 +22291,7 @@
                 </a:tc>
                 <a:extLst>
                   <a:ext uri="{0D108BD9-81ED-4DB2-BD59-A6C34878D82A}">
-                    <a16:rowId xmlns:a16="http://schemas.microsoft.com/office/drawing/2014/main" xmlns="" val="1026996701"/>
+                    <a16:rowId xmlns="" xmlns:a16="http://schemas.microsoft.com/office/drawing/2014/main" val="1026996701"/>
                   </a:ext>
                 </a:extLst>
               </a:tr>
@@ -21719,7 +22304,7 @@
           <p:cNvPr id="28" name="CuadroTexto 27">
             <a:extLst>
               <a:ext uri="{FF2B5EF4-FFF2-40B4-BE49-F238E27FC236}">
-                <a16:creationId xmlns:a16="http://schemas.microsoft.com/office/drawing/2014/main" xmlns="" id="{D28B5E88-468B-4F61-9E12-61A501CAB970}"/>
+                <a16:creationId xmlns="" xmlns:a16="http://schemas.microsoft.com/office/drawing/2014/main" id="{D28B5E88-468B-4F61-9E12-61A501CAB970}"/>
               </a:ext>
             </a:extLst>
           </p:cNvPr>
@@ -21800,13 +22385,20 @@
     </p:spTree>
     <p:extLst>
       <p:ext uri="{BB962C8B-B14F-4D97-AF65-F5344CB8AC3E}">
-        <p14:creationId xmlns:p14="http://schemas.microsoft.com/office/powerpoint/2010/main" val="2720846509"/>
+        <p14:creationId xmlns:p14="http://schemas.microsoft.com/office/powerpoint/2010/main" xmlns="" val="2720846509"/>
       </p:ext>
     </p:extLst>
   </p:cSld>
   <p:clrMapOvr>
     <a:masterClrMapping/>
   </p:clrMapOvr>
+  <p:timing>
+    <p:tnLst>
+      <p:par>
+        <p:cTn id="1" dur="indefinite" restart="never" nodeType="tmRoot"/>
+      </p:par>
+    </p:tnLst>
+  </p:timing>
 </p:sld>
 </file>
 
@@ -21832,7 +22424,7 @@
           <p:cNvPr id="7" name="Diagrama 6">
             <a:extLst>
               <a:ext uri="{FF2B5EF4-FFF2-40B4-BE49-F238E27FC236}">
-                <a16:creationId xmlns:a16="http://schemas.microsoft.com/office/drawing/2014/main" xmlns="" id="{9B6BB26D-3E29-479D-9E3F-DE9DF36E71D8}"/>
+                <a16:creationId xmlns="" xmlns:a16="http://schemas.microsoft.com/office/drawing/2014/main" id="{9B6BB26D-3E29-479D-9E3F-DE9DF36E71D8}"/>
               </a:ext>
             </a:extLst>
           </p:cNvPr>
@@ -21840,7 +22432,7 @@
           <p:nvPr>
             <p:extLst>
               <p:ext uri="{D42A27DB-BD31-4B8C-83A1-F6EECF244321}">
-                <p14:modId xmlns:p14="http://schemas.microsoft.com/office/powerpoint/2010/main" val="3893462035"/>
+                <p14:modId xmlns:p14="http://schemas.microsoft.com/office/powerpoint/2010/main" xmlns="" val="3893462035"/>
               </p:ext>
             </p:extLst>
           </p:nvPr>
@@ -21860,7 +22452,7 @@
           <p:cNvPr id="4" name="CuadroTexto 3">
             <a:extLst>
               <a:ext uri="{FF2B5EF4-FFF2-40B4-BE49-F238E27FC236}">
-                <a16:creationId xmlns:a16="http://schemas.microsoft.com/office/drawing/2014/main" xmlns="" id="{F86D735E-13C3-4CD2-B2C7-CCB64689F917}"/>
+                <a16:creationId xmlns="" xmlns:a16="http://schemas.microsoft.com/office/drawing/2014/main" id="{F86D735E-13C3-4CD2-B2C7-CCB64689F917}"/>
               </a:ext>
             </a:extLst>
           </p:cNvPr>
@@ -21948,7 +22540,7 @@
           <p:cNvPr id="8" name="CuadroTexto 7">
             <a:extLst>
               <a:ext uri="{FF2B5EF4-FFF2-40B4-BE49-F238E27FC236}">
-                <a16:creationId xmlns:a16="http://schemas.microsoft.com/office/drawing/2014/main" xmlns="" id="{FB8AFF2C-2A59-48E2-941A-4955BD8F63CB}"/>
+                <a16:creationId xmlns="" xmlns:a16="http://schemas.microsoft.com/office/drawing/2014/main" id="{FB8AFF2C-2A59-48E2-941A-4955BD8F63CB}"/>
               </a:ext>
             </a:extLst>
           </p:cNvPr>
@@ -22225,7 +22817,7 @@
           <p:cNvPr id="9" name="CuadroTexto 8">
             <a:extLst>
               <a:ext uri="{FF2B5EF4-FFF2-40B4-BE49-F238E27FC236}">
-                <a16:creationId xmlns:a16="http://schemas.microsoft.com/office/drawing/2014/main" xmlns="" id="{D58D7AEE-F373-4D4A-8CB3-AAACD3BA79BB}"/>
+                <a16:creationId xmlns="" xmlns:a16="http://schemas.microsoft.com/office/drawing/2014/main" id="{D58D7AEE-F373-4D4A-8CB3-AAACD3BA79BB}"/>
               </a:ext>
             </a:extLst>
           </p:cNvPr>
@@ -22311,7 +22903,7 @@
           <p:cNvPr id="12" name="Título 1">
             <a:extLst>
               <a:ext uri="{FF2B5EF4-FFF2-40B4-BE49-F238E27FC236}">
-                <a16:creationId xmlns:a16="http://schemas.microsoft.com/office/drawing/2014/main" xmlns="" id="{04A1BE83-D791-45E6-A427-17512C2896FF}"/>
+                <a16:creationId xmlns="" xmlns:a16="http://schemas.microsoft.com/office/drawing/2014/main" id="{04A1BE83-D791-45E6-A427-17512C2896FF}"/>
               </a:ext>
             </a:extLst>
           </p:cNvPr>
@@ -22385,858 +22977,24 @@
     </p:spTree>
     <p:extLst>
       <p:ext uri="{BB962C8B-B14F-4D97-AF65-F5344CB8AC3E}">
-        <p14:creationId xmlns:p14="http://schemas.microsoft.com/office/powerpoint/2010/main" val="1060691260"/>
+        <p14:creationId xmlns:p14="http://schemas.microsoft.com/office/powerpoint/2010/main" xmlns="" val="1060691260"/>
       </p:ext>
     </p:extLst>
   </p:cSld>
   <p:clrMapOvr>
     <a:masterClrMapping/>
   </p:clrMapOvr>
+  <p:timing>
+    <p:tnLst>
+      <p:par>
+        <p:cTn id="1" dur="indefinite" restart="never" nodeType="tmRoot"/>
+      </p:par>
+    </p:tnLst>
+  </p:timing>
 </p:sld>
 </file>
 
 <file path=ppt/slides/slide5.xml><?xml version="1.0" encoding="utf-8"?>
-<p:sld xmlns:a="http://schemas.openxmlformats.org/drawingml/2006/main" xmlns:r="http://schemas.openxmlformats.org/officeDocument/2006/relationships" xmlns:p="http://schemas.openxmlformats.org/presentationml/2006/main">
-  <p:cSld>
-    <p:spTree>
-      <p:nvGrpSpPr>
-        <p:cNvPr id="1" name=""/>
-        <p:cNvGrpSpPr/>
-        <p:nvPr/>
-      </p:nvGrpSpPr>
-      <p:grpSpPr>
-        <a:xfrm>
-          <a:off x="0" y="0"/>
-          <a:ext cx="0" cy="0"/>
-          <a:chOff x="0" y="0"/>
-          <a:chExt cx="0" cy="0"/>
-        </a:xfrm>
-      </p:grpSpPr>
-      <p:graphicFrame>
-        <p:nvGraphicFramePr>
-          <p:cNvPr id="4" name="Marcador de contenido 3">
-            <a:extLst>
-              <a:ext uri="{FF2B5EF4-FFF2-40B4-BE49-F238E27FC236}">
-                <a16:creationId xmlns:a16="http://schemas.microsoft.com/office/drawing/2014/main" xmlns="" id="{0A79A359-313C-4D56-B712-2F4711C93092}"/>
-              </a:ext>
-            </a:extLst>
-          </p:cNvPr>
-          <p:cNvGraphicFramePr>
-            <a:graphicFrameLocks noGrp="1"/>
-          </p:cNvGraphicFramePr>
-          <p:nvPr>
-            <p:ph idx="1"/>
-            <p:extLst>
-              <p:ext uri="{D42A27DB-BD31-4B8C-83A1-F6EECF244321}">
-                <p14:modId xmlns:p14="http://schemas.microsoft.com/office/powerpoint/2010/main" val="571232939"/>
-              </p:ext>
-            </p:extLst>
-          </p:nvPr>
-        </p:nvGraphicFramePr>
-        <p:xfrm>
-          <a:off x="780399" y="2472314"/>
-          <a:ext cx="7583194" cy="1112520"/>
-        </p:xfrm>
-        <a:graphic>
-          <a:graphicData uri="http://schemas.openxmlformats.org/drawingml/2006/table">
-            <a:tbl>
-              <a:tblPr firstRow="1" bandRow="1">
-                <a:tableStyleId>{5C22544A-7EE6-4342-B048-85BDC9FD1C3A}</a:tableStyleId>
-              </a:tblPr>
-              <a:tblGrid>
-                <a:gridCol w="3791597">
-                  <a:extLst>
-                    <a:ext uri="{9D8B030D-6E8A-4147-A177-3AD203B41FA5}">
-                      <a16:colId xmlns:a16="http://schemas.microsoft.com/office/drawing/2014/main" xmlns="" val="2335588041"/>
-                    </a:ext>
-                  </a:extLst>
-                </a:gridCol>
-                <a:gridCol w="3791597">
-                  <a:extLst>
-                    <a:ext uri="{9D8B030D-6E8A-4147-A177-3AD203B41FA5}">
-                      <a16:colId xmlns:a16="http://schemas.microsoft.com/office/drawing/2014/main" xmlns="" val="1112588493"/>
-                    </a:ext>
-                  </a:extLst>
-                </a:gridCol>
-              </a:tblGrid>
-              <a:tr h="370840">
-                <a:tc>
-                  <a:txBody>
-                    <a:bodyPr/>
-                    <a:lstStyle/>
-                    <a:p>
-                      <a:pPr algn="ctr"/>
-                      <a:r>
-                        <a:rPr lang="es-ES" dirty="0" err="1"/>
-                        <a:t>Users</a:t>
-                      </a:r>
-                      <a:endParaRPr lang="en-GB" dirty="0"/>
-                    </a:p>
-                  </a:txBody>
-                  <a:tcPr/>
-                </a:tc>
-                <a:tc>
-                  <a:txBody>
-                    <a:bodyPr/>
-                    <a:lstStyle/>
-                    <a:p>
-                      <a:pPr algn="ctr"/>
-                      <a:r>
-                        <a:rPr lang="es-ES" dirty="0"/>
-                        <a:t>Tweets</a:t>
-                      </a:r>
-                      <a:endParaRPr lang="en-GB" dirty="0"/>
-                    </a:p>
-                  </a:txBody>
-                  <a:tcPr/>
-                </a:tc>
-                <a:extLst>
-                  <a:ext uri="{0D108BD9-81ED-4DB2-BD59-A6C34878D82A}">
-                    <a16:rowId xmlns:a16="http://schemas.microsoft.com/office/drawing/2014/main" xmlns="" val="3992468993"/>
-                  </a:ext>
-                </a:extLst>
-              </a:tr>
-              <a:tr h="370840">
-                <a:tc>
-                  <a:txBody>
-                    <a:bodyPr/>
-                    <a:lstStyle/>
-                    <a:p>
-                      <a:pPr algn="ctr"/>
-                      <a:r>
-                        <a:rPr lang="es-ES" dirty="0"/>
-                        <a:t>4,077 </a:t>
-                      </a:r>
-                      <a:r>
-                        <a:rPr lang="es-ES" dirty="0" err="1"/>
-                        <a:t>users</a:t>
-                      </a:r>
-                      <a:endParaRPr lang="en-GB" dirty="0"/>
-                    </a:p>
-                  </a:txBody>
-                  <a:tcPr/>
-                </a:tc>
-                <a:tc>
-                  <a:txBody>
-                    <a:bodyPr/>
-                    <a:lstStyle/>
-                    <a:p>
-                      <a:pPr algn="ctr"/>
-                      <a:r>
-                        <a:rPr lang="es-ES" dirty="0"/>
-                        <a:t>39,283 tweets</a:t>
-                      </a:r>
-                      <a:endParaRPr lang="en-GB" dirty="0"/>
-                    </a:p>
-                  </a:txBody>
-                  <a:tcPr/>
-                </a:tc>
-                <a:extLst>
-                  <a:ext uri="{0D108BD9-81ED-4DB2-BD59-A6C34878D82A}">
-                    <a16:rowId xmlns:a16="http://schemas.microsoft.com/office/drawing/2014/main" xmlns="" val="2024136782"/>
-                  </a:ext>
-                </a:extLst>
-              </a:tr>
-              <a:tr h="370840">
-                <a:tc>
-                  <a:txBody>
-                    <a:bodyPr/>
-                    <a:lstStyle/>
-                    <a:p>
-                      <a:pPr algn="ctr"/>
-                      <a:r>
-                        <a:rPr lang="es-ES" dirty="0"/>
-                        <a:t>335.293 KB</a:t>
-                      </a:r>
-                      <a:endParaRPr lang="en-GB" dirty="0"/>
-                    </a:p>
-                  </a:txBody>
-                  <a:tcPr/>
-                </a:tc>
-                <a:tc>
-                  <a:txBody>
-                    <a:bodyPr/>
-                    <a:lstStyle/>
-                    <a:p>
-                      <a:pPr algn="ctr"/>
-                      <a:r>
-                        <a:rPr lang="es-ES" dirty="0"/>
-                        <a:t>196 MB</a:t>
-                      </a:r>
-                      <a:endParaRPr lang="en-GB" dirty="0"/>
-                    </a:p>
-                  </a:txBody>
-                  <a:tcPr/>
-                </a:tc>
-                <a:extLst>
-                  <a:ext uri="{0D108BD9-81ED-4DB2-BD59-A6C34878D82A}">
-                    <a16:rowId xmlns:a16="http://schemas.microsoft.com/office/drawing/2014/main" xmlns="" val="621434231"/>
-                  </a:ext>
-                </a:extLst>
-              </a:tr>
-            </a:tbl>
-          </a:graphicData>
-        </a:graphic>
-      </p:graphicFrame>
-      <p:graphicFrame>
-        <p:nvGraphicFramePr>
-          <p:cNvPr id="5" name="Diagrama 4">
-            <a:extLst>
-              <a:ext uri="{FF2B5EF4-FFF2-40B4-BE49-F238E27FC236}">
-                <a16:creationId xmlns:a16="http://schemas.microsoft.com/office/drawing/2014/main" xmlns="" id="{A46FEF82-D37D-47CE-AFFE-69DB712AF98A}"/>
-              </a:ext>
-            </a:extLst>
-          </p:cNvPr>
-          <p:cNvGraphicFramePr/>
-          <p:nvPr>
-            <p:extLst>
-              <p:ext uri="{D42A27DB-BD31-4B8C-83A1-F6EECF244321}">
-                <p14:modId xmlns:p14="http://schemas.microsoft.com/office/powerpoint/2010/main" val="791407120"/>
-              </p:ext>
-            </p:extLst>
-          </p:nvPr>
-        </p:nvGraphicFramePr>
-        <p:xfrm>
-          <a:off x="780400" y="3813651"/>
-          <a:ext cx="3791598" cy="346846"/>
-        </p:xfrm>
-        <a:graphic>
-          <a:graphicData uri="http://schemas.openxmlformats.org/drawingml/2006/diagram">
-            <dgm:relIds xmlns:dgm="http://schemas.openxmlformats.org/drawingml/2006/diagram" xmlns:r="http://schemas.openxmlformats.org/officeDocument/2006/relationships" r:dm="rId2" r:lo="rId3" r:qs="rId4" r:cs="rId5"/>
-          </a:graphicData>
-        </a:graphic>
-      </p:graphicFrame>
-      <p:graphicFrame>
-        <p:nvGraphicFramePr>
-          <p:cNvPr id="6" name="Diagrama 5">
-            <a:extLst>
-              <a:ext uri="{FF2B5EF4-FFF2-40B4-BE49-F238E27FC236}">
-                <a16:creationId xmlns:a16="http://schemas.microsoft.com/office/drawing/2014/main" xmlns="" id="{7D5390E7-BC34-44A6-A954-A344F5581748}"/>
-              </a:ext>
-            </a:extLst>
-          </p:cNvPr>
-          <p:cNvGraphicFramePr/>
-          <p:nvPr>
-            <p:extLst>
-              <p:ext uri="{D42A27DB-BD31-4B8C-83A1-F6EECF244321}">
-                <p14:modId xmlns:p14="http://schemas.microsoft.com/office/powerpoint/2010/main" val="636086313"/>
-              </p:ext>
-            </p:extLst>
-          </p:nvPr>
-        </p:nvGraphicFramePr>
-        <p:xfrm>
-          <a:off x="4571997" y="3813651"/>
-          <a:ext cx="3791597" cy="1630285"/>
-        </p:xfrm>
-        <a:graphic>
-          <a:graphicData uri="http://schemas.openxmlformats.org/drawingml/2006/diagram">
-            <dgm:relIds xmlns:dgm="http://schemas.openxmlformats.org/drawingml/2006/diagram" xmlns:r="http://schemas.openxmlformats.org/officeDocument/2006/relationships" r:dm="rId7" r:lo="rId8" r:qs="rId9" r:cs="rId10"/>
-          </a:graphicData>
-        </a:graphic>
-      </p:graphicFrame>
-      <p:sp>
-        <p:nvSpPr>
-          <p:cNvPr id="9" name="CuadroTexto 8">
-            <a:extLst>
-              <a:ext uri="{FF2B5EF4-FFF2-40B4-BE49-F238E27FC236}">
-                <a16:creationId xmlns:a16="http://schemas.microsoft.com/office/drawing/2014/main" xmlns="" id="{13DB99E7-F3ED-4A57-A0FC-5AF3EAC0C81D}"/>
-              </a:ext>
-            </a:extLst>
-          </p:cNvPr>
-          <p:cNvSpPr txBox="1"/>
-          <p:nvPr/>
-        </p:nvSpPr>
-        <p:spPr>
-          <a:xfrm>
-            <a:off x="780402" y="5690584"/>
-            <a:ext cx="7583194" cy="369332"/>
-          </a:xfrm>
-          <a:prstGeom prst="rect">
-            <a:avLst/>
-          </a:prstGeom>
-          <a:noFill/>
-        </p:spPr>
-        <p:txBody>
-          <a:bodyPr wrap="square" rtlCol="0">
-            <a:spAutoFit/>
-          </a:bodyPr>
-          <a:lstStyle/>
-          <a:p>
-            <a:pPr algn="ctr"/>
-            <a:r>
-              <a:rPr lang="es-ES" dirty="0" err="1"/>
-              <a:t>This</a:t>
-            </a:r>
-            <a:r>
-              <a:rPr lang="es-ES" dirty="0"/>
-              <a:t> data </a:t>
-            </a:r>
-            <a:r>
-              <a:rPr lang="es-ES" dirty="0" err="1"/>
-              <a:t>is</a:t>
-            </a:r>
-            <a:r>
-              <a:rPr lang="es-ES" dirty="0"/>
-              <a:t> </a:t>
-            </a:r>
-            <a:r>
-              <a:rPr lang="es-ES" dirty="0" err="1"/>
-              <a:t>processed</a:t>
-            </a:r>
-            <a:r>
-              <a:rPr lang="es-ES" dirty="0"/>
-              <a:t> </a:t>
-            </a:r>
-            <a:r>
-              <a:rPr lang="es-ES" dirty="0" err="1"/>
-              <a:t>to</a:t>
-            </a:r>
-            <a:r>
-              <a:rPr lang="es-ES" dirty="0"/>
-              <a:t> </a:t>
-            </a:r>
-            <a:r>
-              <a:rPr lang="es-ES" dirty="0" err="1"/>
-              <a:t>get</a:t>
-            </a:r>
-            <a:r>
-              <a:rPr lang="es-ES" dirty="0"/>
-              <a:t> </a:t>
-            </a:r>
-            <a:r>
-              <a:rPr lang="es-ES" dirty="0" err="1"/>
-              <a:t>cleaned</a:t>
-            </a:r>
-            <a:r>
-              <a:rPr lang="es-ES" dirty="0"/>
-              <a:t> </a:t>
-            </a:r>
-            <a:r>
-              <a:rPr lang="es-ES" dirty="0" err="1"/>
-              <a:t>csv</a:t>
-            </a:r>
-            <a:r>
-              <a:rPr lang="es-ES" dirty="0"/>
-              <a:t> files </a:t>
-            </a:r>
-            <a:r>
-              <a:rPr lang="es-ES" dirty="0" err="1"/>
-              <a:t>from</a:t>
-            </a:r>
-            <a:r>
-              <a:rPr lang="es-ES" dirty="0"/>
-              <a:t> </a:t>
-            </a:r>
-            <a:r>
-              <a:rPr lang="es-ES" dirty="0" err="1"/>
-              <a:t>it</a:t>
-            </a:r>
-            <a:r>
-              <a:rPr lang="es-ES" dirty="0"/>
-              <a:t> and </a:t>
-            </a:r>
-            <a:r>
-              <a:rPr lang="es-ES" dirty="0" err="1"/>
-              <a:t>sent</a:t>
-            </a:r>
-            <a:r>
-              <a:rPr lang="es-ES" dirty="0"/>
-              <a:t> </a:t>
-            </a:r>
-            <a:r>
-              <a:rPr lang="es-ES" dirty="0" err="1"/>
-              <a:t>to</a:t>
-            </a:r>
-            <a:r>
-              <a:rPr lang="es-ES" dirty="0"/>
-              <a:t> </a:t>
-            </a:r>
-            <a:r>
-              <a:rPr lang="es-ES" dirty="0" err="1"/>
-              <a:t>the</a:t>
-            </a:r>
-            <a:r>
-              <a:rPr lang="es-ES" dirty="0"/>
-              <a:t> </a:t>
-            </a:r>
-            <a:r>
-              <a:rPr lang="es-ES" dirty="0" err="1"/>
-              <a:t>model</a:t>
-            </a:r>
-            <a:r>
-              <a:rPr lang="es-ES" dirty="0"/>
-              <a:t>.</a:t>
-            </a:r>
-            <a:endParaRPr lang="en-GB" dirty="0"/>
-          </a:p>
-        </p:txBody>
-      </p:sp>
-      <p:sp>
-        <p:nvSpPr>
-          <p:cNvPr id="12" name="Título 1">
-            <a:extLst>
-              <a:ext uri="{FF2B5EF4-FFF2-40B4-BE49-F238E27FC236}">
-                <a16:creationId xmlns:a16="http://schemas.microsoft.com/office/drawing/2014/main" xmlns="" id="{99B5AF95-097D-4738-83EF-F6E071141CE9}"/>
-              </a:ext>
-            </a:extLst>
-          </p:cNvPr>
-          <p:cNvSpPr txBox="1">
-            <a:spLocks/>
-          </p:cNvSpPr>
-          <p:nvPr/>
-        </p:nvSpPr>
-        <p:spPr>
-          <a:xfrm>
-            <a:off x="1" y="463097"/>
-            <a:ext cx="9144000" cy="676014"/>
-          </a:xfrm>
-          <a:prstGeom prst="rect">
-            <a:avLst/>
-          </a:prstGeom>
-          <a:solidFill>
-            <a:srgbClr val="3886CC"/>
-          </a:solidFill>
-        </p:spPr>
-        <p:txBody>
-          <a:bodyPr vert="horz" lIns="91440" tIns="45720" rIns="91440" bIns="45720" rtlCol="0" anchor="ctr">
-            <a:normAutofit fontScale="97500" lnSpcReduction="10000"/>
-          </a:bodyPr>
-          <a:lstStyle>
-            <a:lvl1pPr algn="l" defTabSz="914400" rtl="0" eaLnBrk="1" latinLnBrk="0" hangingPunct="1">
-              <a:lnSpc>
-                <a:spcPct val="90000"/>
-              </a:lnSpc>
-              <a:spcBef>
-                <a:spcPct val="0"/>
-              </a:spcBef>
-              <a:buNone/>
-              <a:defRPr sz="4400" kern="1200">
-                <a:solidFill>
-                  <a:schemeClr val="tx1"/>
-                </a:solidFill>
-                <a:latin typeface="+mj-lt"/>
-                <a:ea typeface="+mj-ea"/>
-                <a:cs typeface="+mj-cs"/>
-              </a:defRPr>
-            </a:lvl1pPr>
-          </a:lstStyle>
-          <a:p>
-            <a:r>
-              <a:rPr lang="en-US" dirty="0">
-                <a:solidFill>
-                  <a:schemeClr val="bg1"/>
-                </a:solidFill>
-              </a:rPr>
-              <a:t>	</a:t>
-            </a:r>
-            <a:r>
-              <a:rPr lang="en-US" b="1" dirty="0">
-                <a:solidFill>
-                  <a:schemeClr val="bg1"/>
-                </a:solidFill>
-                <a:latin typeface="Candara" panose="020E0502030303020204" pitchFamily="34" charset="0"/>
-              </a:rPr>
-              <a:t>Functionalities</a:t>
-            </a:r>
-            <a:endParaRPr lang="en-GB" b="1" dirty="0">
-              <a:solidFill>
-                <a:schemeClr val="bg1"/>
-              </a:solidFill>
-              <a:latin typeface="Candara" panose="020E0502030303020204" pitchFamily="34" charset="0"/>
-            </a:endParaRPr>
-          </a:p>
-        </p:txBody>
-      </p:sp>
-      <p:grpSp>
-        <p:nvGrpSpPr>
-          <p:cNvPr id="13" name="Grupo 12">
-            <a:extLst>
-              <a:ext uri="{FF2B5EF4-FFF2-40B4-BE49-F238E27FC236}">
-                <a16:creationId xmlns:a16="http://schemas.microsoft.com/office/drawing/2014/main" xmlns="" id="{892181AC-7731-47B7-B4D5-32FB0DA3D8D2}"/>
-              </a:ext>
-            </a:extLst>
-          </p:cNvPr>
-          <p:cNvGrpSpPr/>
-          <p:nvPr/>
-        </p:nvGrpSpPr>
-        <p:grpSpPr>
-          <a:xfrm>
-            <a:off x="1349321" y="1447657"/>
-            <a:ext cx="2808545" cy="744327"/>
-            <a:chOff x="2080" y="1905132"/>
-            <a:chExt cx="1710916" cy="855458"/>
-          </a:xfrm>
-        </p:grpSpPr>
-        <p:sp>
-          <p:nvSpPr>
-            <p:cNvPr id="14" name="Rectángulo: esquinas redondeadas 13">
-              <a:extLst>
-                <a:ext uri="{FF2B5EF4-FFF2-40B4-BE49-F238E27FC236}">
-                  <a16:creationId xmlns:a16="http://schemas.microsoft.com/office/drawing/2014/main" xmlns="" id="{2CF8D916-B82C-45E8-8EC4-32BF4FDF6262}"/>
-                </a:ext>
-              </a:extLst>
-            </p:cNvPr>
-            <p:cNvSpPr/>
-            <p:nvPr/>
-          </p:nvSpPr>
-          <p:spPr>
-            <a:xfrm>
-              <a:off x="2080" y="1905132"/>
-              <a:ext cx="1710916" cy="855458"/>
-            </a:xfrm>
-            <a:prstGeom prst="roundRect">
-              <a:avLst>
-                <a:gd name="adj" fmla="val 10000"/>
-              </a:avLst>
-            </a:prstGeom>
-            <a:solidFill>
-              <a:srgbClr val="C0DEED"/>
-            </a:solidFill>
-          </p:spPr>
-          <p:style>
-            <a:lnRef idx="2">
-              <a:schemeClr val="lt1">
-                <a:hueOff val="0"/>
-                <a:satOff val="0"/>
-                <a:lumOff val="0"/>
-                <a:alphaOff val="0"/>
-              </a:schemeClr>
-            </a:lnRef>
-            <a:fillRef idx="1">
-              <a:scrgbClr r="0" g="0" b="0"/>
-            </a:fillRef>
-            <a:effectRef idx="0">
-              <a:schemeClr val="accent1">
-                <a:hueOff val="0"/>
-                <a:satOff val="0"/>
-                <a:lumOff val="0"/>
-                <a:alphaOff val="0"/>
-              </a:schemeClr>
-            </a:effectRef>
-            <a:fontRef idx="minor">
-              <a:schemeClr val="lt1"/>
-            </a:fontRef>
-          </p:style>
-        </p:sp>
-        <p:sp>
-          <p:nvSpPr>
-            <p:cNvPr id="15" name="Rectángulo: esquinas redondeadas 4">
-              <a:extLst>
-                <a:ext uri="{FF2B5EF4-FFF2-40B4-BE49-F238E27FC236}">
-                  <a16:creationId xmlns:a16="http://schemas.microsoft.com/office/drawing/2014/main" xmlns="" id="{C5772EF3-A1DB-43BE-9F3F-53864ACD3F16}"/>
-                </a:ext>
-              </a:extLst>
-            </p:cNvPr>
-            <p:cNvSpPr txBox="1"/>
-            <p:nvPr/>
-          </p:nvSpPr>
-          <p:spPr>
-            <a:xfrm>
-              <a:off x="27136" y="1930188"/>
-              <a:ext cx="1660804" cy="805346"/>
-            </a:xfrm>
-            <a:prstGeom prst="rect">
-              <a:avLst/>
-            </a:prstGeom>
-          </p:spPr>
-          <p:style>
-            <a:lnRef idx="0">
-              <a:scrgbClr r="0" g="0" b="0"/>
-            </a:lnRef>
-            <a:fillRef idx="0">
-              <a:scrgbClr r="0" g="0" b="0"/>
-            </a:fillRef>
-            <a:effectRef idx="0">
-              <a:scrgbClr r="0" g="0" b="0"/>
-            </a:effectRef>
-            <a:fontRef idx="minor">
-              <a:schemeClr val="lt1"/>
-            </a:fontRef>
-          </p:style>
-          <p:txBody>
-            <a:bodyPr spcFirstLastPara="0" vert="horz" wrap="square" lIns="17145" tIns="17145" rIns="17145" bIns="17145" numCol="1" spcCol="1270" anchor="ctr" anchorCtr="0">
-              <a:noAutofit/>
-            </a:bodyPr>
-            <a:lstStyle/>
-            <a:p>
-              <a:pPr marL="0" lvl="0" indent="0" algn="ctr" defTabSz="1200150">
-                <a:lnSpc>
-                  <a:spcPct val="90000"/>
-                </a:lnSpc>
-                <a:spcBef>
-                  <a:spcPct val="0"/>
-                </a:spcBef>
-                <a:spcAft>
-                  <a:spcPct val="35000"/>
-                </a:spcAft>
-                <a:buNone/>
-              </a:pPr>
-              <a:r>
-                <a:rPr lang="es-ES" sz="2700" b="1" kern="1200" dirty="0" err="1">
-                  <a:solidFill>
-                    <a:schemeClr val="tx1"/>
-                  </a:solidFill>
-                  <a:latin typeface="Candara" panose="020E0502030303020204" pitchFamily="34" charset="0"/>
-                </a:rPr>
-                <a:t>Located</a:t>
-              </a:r>
-              <a:r>
-                <a:rPr lang="es-ES" sz="2700" b="1" kern="1200" dirty="0">
-                  <a:solidFill>
-                    <a:schemeClr val="tx1"/>
-                  </a:solidFill>
-                  <a:latin typeface="Candara" panose="020E0502030303020204" pitchFamily="34" charset="0"/>
-                </a:rPr>
-                <a:t> in MLAB</a:t>
-              </a:r>
-              <a:endParaRPr lang="en-GB" sz="2700" b="1" kern="1200" dirty="0">
-                <a:solidFill>
-                  <a:schemeClr val="tx1"/>
-                </a:solidFill>
-                <a:latin typeface="Candara" panose="020E0502030303020204" pitchFamily="34" charset="0"/>
-              </a:endParaRPr>
-            </a:p>
-          </p:txBody>
-        </p:sp>
-      </p:grpSp>
-      <p:grpSp>
-        <p:nvGrpSpPr>
-          <p:cNvPr id="20" name="Grupo 19">
-            <a:extLst>
-              <a:ext uri="{FF2B5EF4-FFF2-40B4-BE49-F238E27FC236}">
-                <a16:creationId xmlns:a16="http://schemas.microsoft.com/office/drawing/2014/main" xmlns="" id="{437C47F0-803A-46F9-A824-8B85AC4DF5FD}"/>
-              </a:ext>
-            </a:extLst>
-          </p:cNvPr>
-          <p:cNvGrpSpPr/>
-          <p:nvPr/>
-        </p:nvGrpSpPr>
-        <p:grpSpPr>
-          <a:xfrm>
-            <a:off x="4718033" y="1458559"/>
-            <a:ext cx="3304215" cy="722526"/>
-            <a:chOff x="2080" y="1905132"/>
-            <a:chExt cx="1710916" cy="855458"/>
-          </a:xfrm>
-        </p:grpSpPr>
-        <p:sp>
-          <p:nvSpPr>
-            <p:cNvPr id="21" name="Rectángulo: esquinas redondeadas 20">
-              <a:extLst>
-                <a:ext uri="{FF2B5EF4-FFF2-40B4-BE49-F238E27FC236}">
-                  <a16:creationId xmlns:a16="http://schemas.microsoft.com/office/drawing/2014/main" xmlns="" id="{78607DDC-E8C8-42E6-94EB-3DD8AC2D9048}"/>
-                </a:ext>
-              </a:extLst>
-            </p:cNvPr>
-            <p:cNvSpPr/>
-            <p:nvPr/>
-          </p:nvSpPr>
-          <p:spPr>
-            <a:xfrm>
-              <a:off x="2080" y="1905132"/>
-              <a:ext cx="1710916" cy="855458"/>
-            </a:xfrm>
-            <a:prstGeom prst="roundRect">
-              <a:avLst>
-                <a:gd name="adj" fmla="val 10000"/>
-              </a:avLst>
-            </a:prstGeom>
-            <a:solidFill>
-              <a:srgbClr val="C0DEED"/>
-            </a:solidFill>
-          </p:spPr>
-          <p:style>
-            <a:lnRef idx="2">
-              <a:schemeClr val="lt1">
-                <a:hueOff val="0"/>
-                <a:satOff val="0"/>
-                <a:lumOff val="0"/>
-                <a:alphaOff val="0"/>
-              </a:schemeClr>
-            </a:lnRef>
-            <a:fillRef idx="1">
-              <a:scrgbClr r="0" g="0" b="0"/>
-            </a:fillRef>
-            <a:effectRef idx="0">
-              <a:schemeClr val="accent1">
-                <a:hueOff val="0"/>
-                <a:satOff val="0"/>
-                <a:lumOff val="0"/>
-                <a:alphaOff val="0"/>
-              </a:schemeClr>
-            </a:effectRef>
-            <a:fontRef idx="minor">
-              <a:schemeClr val="lt1"/>
-            </a:fontRef>
-          </p:style>
-        </p:sp>
-        <p:sp>
-          <p:nvSpPr>
-            <p:cNvPr id="22" name="Rectángulo: esquinas redondeadas 4">
-              <a:extLst>
-                <a:ext uri="{FF2B5EF4-FFF2-40B4-BE49-F238E27FC236}">
-                  <a16:creationId xmlns:a16="http://schemas.microsoft.com/office/drawing/2014/main" xmlns="" id="{E5EC5060-928D-4A62-80DB-F3A08B0B2301}"/>
-                </a:ext>
-              </a:extLst>
-            </p:cNvPr>
-            <p:cNvSpPr txBox="1"/>
-            <p:nvPr/>
-          </p:nvSpPr>
-          <p:spPr>
-            <a:xfrm>
-              <a:off x="27136" y="1930188"/>
-              <a:ext cx="1660804" cy="805346"/>
-            </a:xfrm>
-            <a:prstGeom prst="rect">
-              <a:avLst/>
-            </a:prstGeom>
-          </p:spPr>
-          <p:style>
-            <a:lnRef idx="0">
-              <a:scrgbClr r="0" g="0" b="0"/>
-            </a:lnRef>
-            <a:fillRef idx="0">
-              <a:scrgbClr r="0" g="0" b="0"/>
-            </a:fillRef>
-            <a:effectRef idx="0">
-              <a:scrgbClr r="0" g="0" b="0"/>
-            </a:effectRef>
-            <a:fontRef idx="minor">
-              <a:schemeClr val="lt1"/>
-            </a:fontRef>
-          </p:style>
-          <p:txBody>
-            <a:bodyPr spcFirstLastPara="0" vert="horz" wrap="square" lIns="17145" tIns="17145" rIns="17145" bIns="17145" numCol="1" spcCol="1270" anchor="ctr" anchorCtr="0">
-              <a:noAutofit/>
-            </a:bodyPr>
-            <a:lstStyle/>
-            <a:p>
-              <a:pPr marL="0" lvl="0" indent="0" algn="ctr" defTabSz="1200150">
-                <a:lnSpc>
-                  <a:spcPct val="90000"/>
-                </a:lnSpc>
-                <a:spcBef>
-                  <a:spcPct val="0"/>
-                </a:spcBef>
-                <a:spcAft>
-                  <a:spcPct val="35000"/>
-                </a:spcAft>
-                <a:buNone/>
-              </a:pPr>
-              <a:r>
-                <a:rPr lang="es-ES" sz="2200" kern="1200" dirty="0" err="1">
-                  <a:solidFill>
-                    <a:schemeClr val="tx1"/>
-                  </a:solidFill>
-                  <a:latin typeface="Candara" panose="020E0502030303020204" pitchFamily="34" charset="0"/>
-                </a:rPr>
-                <a:t>Extracted</a:t>
-              </a:r>
-              <a:r>
-                <a:rPr lang="es-ES" sz="2200" kern="1200" dirty="0">
-                  <a:solidFill>
-                    <a:schemeClr val="tx1"/>
-                  </a:solidFill>
-                  <a:latin typeface="Candara" panose="020E0502030303020204" pitchFamily="34" charset="0"/>
-                </a:rPr>
-                <a:t> </a:t>
-              </a:r>
-              <a:r>
-                <a:rPr lang="es-ES" sz="2200" kern="1200" dirty="0" err="1">
-                  <a:solidFill>
-                    <a:schemeClr val="tx1"/>
-                  </a:solidFill>
-                  <a:latin typeface="Candara" panose="020E0502030303020204" pitchFamily="34" charset="0"/>
-                </a:rPr>
-                <a:t>from</a:t>
-              </a:r>
-              <a:r>
-                <a:rPr lang="es-ES" sz="2200" kern="1200" dirty="0">
-                  <a:solidFill>
-                    <a:schemeClr val="tx1"/>
-                  </a:solidFill>
-                  <a:latin typeface="Candara" panose="020E0502030303020204" pitchFamily="34" charset="0"/>
-                </a:rPr>
-                <a:t> </a:t>
-              </a:r>
-              <a:r>
-                <a:rPr lang="es-ES" sz="2200" kern="1200" dirty="0" err="1">
-                  <a:solidFill>
-                    <a:schemeClr val="tx1"/>
-                  </a:solidFill>
-                  <a:latin typeface="Candara" panose="020E0502030303020204" pitchFamily="34" charset="0"/>
-                </a:rPr>
-                <a:t>the</a:t>
-              </a:r>
-              <a:r>
-                <a:rPr lang="es-ES" sz="2200" kern="1200" dirty="0">
-                  <a:solidFill>
-                    <a:schemeClr val="tx1"/>
-                  </a:solidFill>
-                  <a:latin typeface="Candara" panose="020E0502030303020204" pitchFamily="34" charset="0"/>
-                </a:rPr>
-                <a:t> </a:t>
-              </a:r>
-              <a:r>
-                <a:rPr lang="es-ES" sz="2700" b="1" kern="1200" dirty="0">
-                  <a:solidFill>
-                    <a:schemeClr val="tx1"/>
-                  </a:solidFill>
-                  <a:latin typeface="Candara" panose="020E0502030303020204" pitchFamily="34" charset="0"/>
-                </a:rPr>
-                <a:t>Twitter API </a:t>
-              </a:r>
-              <a:r>
-                <a:rPr lang="es-ES" sz="2200" kern="1200" dirty="0" err="1">
-                  <a:solidFill>
-                    <a:schemeClr val="tx1"/>
-                  </a:solidFill>
-                  <a:latin typeface="Candara" panose="020E0502030303020204" pitchFamily="34" charset="0"/>
-                </a:rPr>
-                <a:t>for</a:t>
-              </a:r>
-              <a:r>
-                <a:rPr lang="es-ES" sz="2200" kern="1200" dirty="0">
-                  <a:solidFill>
-                    <a:schemeClr val="tx1"/>
-                  </a:solidFill>
-                  <a:latin typeface="Candara" panose="020E0502030303020204" pitchFamily="34" charset="0"/>
-                </a:rPr>
-                <a:t> </a:t>
-              </a:r>
-              <a:r>
-                <a:rPr lang="es-ES" sz="2200" kern="1200" dirty="0" err="1">
-                  <a:solidFill>
-                    <a:schemeClr val="tx1"/>
-                  </a:solidFill>
-                  <a:latin typeface="Candara" panose="020E0502030303020204" pitchFamily="34" charset="0"/>
-                </a:rPr>
-                <a:t>python</a:t>
-              </a:r>
-              <a:endParaRPr lang="en-GB" sz="2200" kern="1200" dirty="0">
-                <a:solidFill>
-                  <a:schemeClr val="tx1"/>
-                </a:solidFill>
-                <a:latin typeface="Candara" panose="020E0502030303020204" pitchFamily="34" charset="0"/>
-              </a:endParaRPr>
-            </a:p>
-          </p:txBody>
-        </p:sp>
-      </p:grpSp>
-    </p:spTree>
-    <p:extLst>
-      <p:ext uri="{BB962C8B-B14F-4D97-AF65-F5344CB8AC3E}">
-        <p14:creationId xmlns:p14="http://schemas.microsoft.com/office/powerpoint/2010/main" val="3963840826"/>
-      </p:ext>
-    </p:extLst>
-  </p:cSld>
-  <p:clrMapOvr>
-    <a:masterClrMapping/>
-  </p:clrMapOvr>
-</p:sld>
-</file>
-
-<file path=ppt/slides/slide6.xml><?xml version="1.0" encoding="utf-8"?>
 <p:sld xmlns:a="http://schemas.openxmlformats.org/drawingml/2006/main" xmlns:r="http://schemas.openxmlformats.org/officeDocument/2006/relationships" xmlns:p="http://schemas.openxmlformats.org/presentationml/2006/main">
   <p:cSld>
     <p:spTree>
@@ -23258,7 +23016,7 @@
           <p:cNvPr id="6" name="Título 1">
             <a:extLst>
               <a:ext uri="{FF2B5EF4-FFF2-40B4-BE49-F238E27FC236}">
-                <a16:creationId xmlns:a16="http://schemas.microsoft.com/office/drawing/2014/main" xmlns="" id="{9249C319-7D5A-4C4C-AC1D-81A3F5517B0A}"/>
+                <a16:creationId xmlns="" xmlns:a16="http://schemas.microsoft.com/office/drawing/2014/main" id="{9249C319-7D5A-4C4C-AC1D-81A3F5517B0A}"/>
               </a:ext>
             </a:extLst>
           </p:cNvPr>
@@ -23334,7 +23092,7 @@
           <p:cNvPr id="7" name="Diagrama 6">
             <a:extLst>
               <a:ext uri="{FF2B5EF4-FFF2-40B4-BE49-F238E27FC236}">
-                <a16:creationId xmlns:a16="http://schemas.microsoft.com/office/drawing/2014/main" xmlns="" id="{C6E808E7-6BED-4E76-A9B2-D9A847A282FB}"/>
+                <a16:creationId xmlns="" xmlns:a16="http://schemas.microsoft.com/office/drawing/2014/main" id="{C6E808E7-6BED-4E76-A9B2-D9A847A282FB}"/>
               </a:ext>
             </a:extLst>
           </p:cNvPr>
@@ -23342,7 +23100,7 @@
           <p:nvPr>
             <p:extLst>
               <p:ext uri="{D42A27DB-BD31-4B8C-83A1-F6EECF244321}">
-                <p14:modId xmlns:p14="http://schemas.microsoft.com/office/powerpoint/2010/main" val="613313934"/>
+                <p14:modId xmlns:p14="http://schemas.microsoft.com/office/powerpoint/2010/main" xmlns="" val="613313934"/>
               </p:ext>
             </p:extLst>
           </p:nvPr>
@@ -23360,17 +23118,24 @@
     </p:spTree>
     <p:extLst>
       <p:ext uri="{BB962C8B-B14F-4D97-AF65-F5344CB8AC3E}">
-        <p14:creationId xmlns:p14="http://schemas.microsoft.com/office/powerpoint/2010/main" val="2483184559"/>
+        <p14:creationId xmlns:p14="http://schemas.microsoft.com/office/powerpoint/2010/main" xmlns="" val="2483184559"/>
       </p:ext>
     </p:extLst>
   </p:cSld>
   <p:clrMapOvr>
     <a:masterClrMapping/>
   </p:clrMapOvr>
+  <p:timing>
+    <p:tnLst>
+      <p:par>
+        <p:cTn id="1" dur="indefinite" restart="never" nodeType="tmRoot"/>
+      </p:par>
+    </p:tnLst>
+  </p:timing>
 </p:sld>
 </file>
 
-<file path=ppt/slides/slide7.xml><?xml version="1.0" encoding="utf-8"?>
+<file path=ppt/slides/slide6.xml><?xml version="1.0" encoding="utf-8"?>
 <p:sld xmlns:a="http://schemas.openxmlformats.org/drawingml/2006/main" xmlns:r="http://schemas.openxmlformats.org/officeDocument/2006/relationships" xmlns:p="http://schemas.openxmlformats.org/presentationml/2006/main">
   <p:cSld>
     <p:spTree>
@@ -23392,7 +23157,7 @@
           <p:cNvPr id="6" name="Grupo 5">
             <a:extLst>
               <a:ext uri="{FF2B5EF4-FFF2-40B4-BE49-F238E27FC236}">
-                <a16:creationId xmlns:a16="http://schemas.microsoft.com/office/drawing/2014/main" xmlns="" id="{2D41E8DA-C00D-4652-A6F2-9381D3655687}"/>
+                <a16:creationId xmlns="" xmlns:a16="http://schemas.microsoft.com/office/drawing/2014/main" id="{2D41E8DA-C00D-4652-A6F2-9381D3655687}"/>
               </a:ext>
             </a:extLst>
           </p:cNvPr>
@@ -23412,7 +23177,7 @@
             <p:cNvPr id="7" name="Rectángulo: esquinas redondeadas 6">
               <a:extLst>
                 <a:ext uri="{FF2B5EF4-FFF2-40B4-BE49-F238E27FC236}">
-                  <a16:creationId xmlns:a16="http://schemas.microsoft.com/office/drawing/2014/main" xmlns="" id="{355DC236-28A5-4831-ACFF-FDD0AFEC1EFB}"/>
+                  <a16:creationId xmlns="" xmlns:a16="http://schemas.microsoft.com/office/drawing/2014/main" id="{355DC236-28A5-4831-ACFF-FDD0AFEC1EFB}"/>
                 </a:ext>
               </a:extLst>
             </p:cNvPr>
@@ -23463,7 +23228,7 @@
             <p:cNvPr id="8" name="Rectángulo: esquinas redondeadas 4">
               <a:extLst>
                 <a:ext uri="{FF2B5EF4-FFF2-40B4-BE49-F238E27FC236}">
-                  <a16:creationId xmlns:a16="http://schemas.microsoft.com/office/drawing/2014/main" xmlns="" id="{BE2DEC7B-8981-4018-BEC2-9D4B279EAA2E}"/>
+                  <a16:creationId xmlns="" xmlns:a16="http://schemas.microsoft.com/office/drawing/2014/main" id="{BE2DEC7B-8981-4018-BEC2-9D4B279EAA2E}"/>
                 </a:ext>
               </a:extLst>
             </p:cNvPr>
@@ -23562,7 +23327,7 @@
           <p:cNvPr id="9" name="Grupo 8">
             <a:extLst>
               <a:ext uri="{FF2B5EF4-FFF2-40B4-BE49-F238E27FC236}">
-                <a16:creationId xmlns:a16="http://schemas.microsoft.com/office/drawing/2014/main" xmlns="" id="{52B5AAD8-ACBB-4329-8510-CDA49D95118F}"/>
+                <a16:creationId xmlns="" xmlns:a16="http://schemas.microsoft.com/office/drawing/2014/main" id="{52B5AAD8-ACBB-4329-8510-CDA49D95118F}"/>
               </a:ext>
             </a:extLst>
           </p:cNvPr>
@@ -23582,7 +23347,7 @@
             <p:cNvPr id="10" name="Rectángulo: esquinas redondeadas 9">
               <a:extLst>
                 <a:ext uri="{FF2B5EF4-FFF2-40B4-BE49-F238E27FC236}">
-                  <a16:creationId xmlns:a16="http://schemas.microsoft.com/office/drawing/2014/main" xmlns="" id="{E6201173-0918-409C-B562-00DF62B351D9}"/>
+                  <a16:creationId xmlns="" xmlns:a16="http://schemas.microsoft.com/office/drawing/2014/main" id="{E6201173-0918-409C-B562-00DF62B351D9}"/>
                 </a:ext>
               </a:extLst>
             </p:cNvPr>
@@ -23633,7 +23398,7 @@
             <p:cNvPr id="11" name="Rectángulo: esquinas redondeadas 4">
               <a:extLst>
                 <a:ext uri="{FF2B5EF4-FFF2-40B4-BE49-F238E27FC236}">
-                  <a16:creationId xmlns:a16="http://schemas.microsoft.com/office/drawing/2014/main" xmlns="" id="{CEBDB7A9-2EAC-4DCD-98F1-1485419E89FF}"/>
+                  <a16:creationId xmlns="" xmlns:a16="http://schemas.microsoft.com/office/drawing/2014/main" id="{CEBDB7A9-2EAC-4DCD-98F1-1485419E89FF}"/>
                 </a:ext>
               </a:extLst>
             </p:cNvPr>
@@ -23723,7 +23488,7 @@
           <p:cNvPr id="13" name="Grupo 12">
             <a:extLst>
               <a:ext uri="{FF2B5EF4-FFF2-40B4-BE49-F238E27FC236}">
-                <a16:creationId xmlns:a16="http://schemas.microsoft.com/office/drawing/2014/main" xmlns="" id="{9E62A5C7-2630-4E8C-97D2-73FAB46883F0}"/>
+                <a16:creationId xmlns="" xmlns:a16="http://schemas.microsoft.com/office/drawing/2014/main" id="{9E62A5C7-2630-4E8C-97D2-73FAB46883F0}"/>
               </a:ext>
             </a:extLst>
           </p:cNvPr>
@@ -23743,7 +23508,7 @@
             <p:cNvPr id="14" name="Rectángulo: esquinas redondeadas 13">
               <a:extLst>
                 <a:ext uri="{FF2B5EF4-FFF2-40B4-BE49-F238E27FC236}">
-                  <a16:creationId xmlns:a16="http://schemas.microsoft.com/office/drawing/2014/main" xmlns="" id="{0AC60D5B-494A-4B05-A89A-657B46B36A5C}"/>
+                  <a16:creationId xmlns="" xmlns:a16="http://schemas.microsoft.com/office/drawing/2014/main" id="{0AC60D5B-494A-4B05-A89A-657B46B36A5C}"/>
                 </a:ext>
               </a:extLst>
             </p:cNvPr>
@@ -23794,7 +23559,7 @@
             <p:cNvPr id="15" name="Rectángulo: esquinas redondeadas 4">
               <a:extLst>
                 <a:ext uri="{FF2B5EF4-FFF2-40B4-BE49-F238E27FC236}">
-                  <a16:creationId xmlns:a16="http://schemas.microsoft.com/office/drawing/2014/main" xmlns="" id="{D58241AD-F6C5-42EB-AA3C-11DF68DD4BBE}"/>
+                  <a16:creationId xmlns="" xmlns:a16="http://schemas.microsoft.com/office/drawing/2014/main" id="{D58241AD-F6C5-42EB-AA3C-11DF68DD4BBE}"/>
                 </a:ext>
               </a:extLst>
             </p:cNvPr>
@@ -23875,7 +23640,7 @@
           <p:cNvPr id="19" name="Flecha: doblada hacia arriba 18">
             <a:extLst>
               <a:ext uri="{FF2B5EF4-FFF2-40B4-BE49-F238E27FC236}">
-                <a16:creationId xmlns:a16="http://schemas.microsoft.com/office/drawing/2014/main" xmlns="" id="{D70877CB-6A05-4556-890A-4818810AB680}"/>
+                <a16:creationId xmlns="" xmlns:a16="http://schemas.microsoft.com/office/drawing/2014/main" id="{D70877CB-6A05-4556-890A-4818810AB680}"/>
               </a:ext>
             </a:extLst>
           </p:cNvPr>
@@ -23921,7 +23686,7 @@
           <p:cNvPr id="20" name="Flecha: doblada hacia arriba 19">
             <a:extLst>
               <a:ext uri="{FF2B5EF4-FFF2-40B4-BE49-F238E27FC236}">
-                <a16:creationId xmlns:a16="http://schemas.microsoft.com/office/drawing/2014/main" xmlns="" id="{AB5CB3A8-CFF7-48C4-BFFB-992F8AFAF69A}"/>
+                <a16:creationId xmlns="" xmlns:a16="http://schemas.microsoft.com/office/drawing/2014/main" id="{AB5CB3A8-CFF7-48C4-BFFB-992F8AFAF69A}"/>
               </a:ext>
             </a:extLst>
           </p:cNvPr>
@@ -23967,7 +23732,7 @@
           <p:cNvPr id="21" name="Título 1">
             <a:extLst>
               <a:ext uri="{FF2B5EF4-FFF2-40B4-BE49-F238E27FC236}">
-                <a16:creationId xmlns:a16="http://schemas.microsoft.com/office/drawing/2014/main" xmlns="" id="{E290D59A-085A-4768-A84E-AE5246A4182F}"/>
+                <a16:creationId xmlns="" xmlns:a16="http://schemas.microsoft.com/office/drawing/2014/main" id="{E290D59A-085A-4768-A84E-AE5246A4182F}"/>
               </a:ext>
             </a:extLst>
           </p:cNvPr>
@@ -24043,7 +23808,7 @@
           <p:cNvPr id="26" name="Grupo 8">
             <a:extLst>
               <a:ext uri="{FF2B5EF4-FFF2-40B4-BE49-F238E27FC236}">
-                <a16:creationId xmlns:a16="http://schemas.microsoft.com/office/drawing/2014/main" xmlns="" id="{52B5AAD8-ACBB-4329-8510-CDA49D95118F}"/>
+                <a16:creationId xmlns="" xmlns:a16="http://schemas.microsoft.com/office/drawing/2014/main" id="{52B5AAD8-ACBB-4329-8510-CDA49D95118F}"/>
               </a:ext>
             </a:extLst>
           </p:cNvPr>
@@ -24063,7 +23828,7 @@
             <p:cNvPr id="27" name="Rectángulo: esquinas redondeadas 9">
               <a:extLst>
                 <a:ext uri="{FF2B5EF4-FFF2-40B4-BE49-F238E27FC236}">
-                  <a16:creationId xmlns:a16="http://schemas.microsoft.com/office/drawing/2014/main" xmlns="" id="{E6201173-0918-409C-B562-00DF62B351D9}"/>
+                  <a16:creationId xmlns="" xmlns:a16="http://schemas.microsoft.com/office/drawing/2014/main" id="{E6201173-0918-409C-B562-00DF62B351D9}"/>
                 </a:ext>
               </a:extLst>
             </p:cNvPr>
@@ -24114,7 +23879,7 @@
             <p:cNvPr id="28" name="Rectángulo: esquinas redondeadas 4">
               <a:extLst>
                 <a:ext uri="{FF2B5EF4-FFF2-40B4-BE49-F238E27FC236}">
-                  <a16:creationId xmlns:a16="http://schemas.microsoft.com/office/drawing/2014/main" xmlns="" id="{CEBDB7A9-2EAC-4DCD-98F1-1485419E89FF}"/>
+                  <a16:creationId xmlns="" xmlns:a16="http://schemas.microsoft.com/office/drawing/2014/main" id="{CEBDB7A9-2EAC-4DCD-98F1-1485419E89FF}"/>
                 </a:ext>
               </a:extLst>
             </p:cNvPr>
@@ -24544,7 +24309,7 @@
           <p:cNvPr id="34" name="Grupo 8">
             <a:extLst>
               <a:ext uri="{FF2B5EF4-FFF2-40B4-BE49-F238E27FC236}">
-                <a16:creationId xmlns:a16="http://schemas.microsoft.com/office/drawing/2014/main" xmlns="" id="{52B5AAD8-ACBB-4329-8510-CDA49D95118F}"/>
+                <a16:creationId xmlns="" xmlns:a16="http://schemas.microsoft.com/office/drawing/2014/main" id="{52B5AAD8-ACBB-4329-8510-CDA49D95118F}"/>
               </a:ext>
             </a:extLst>
           </p:cNvPr>
@@ -24564,7 +24329,7 @@
             <p:cNvPr id="35" name="Rectángulo: esquinas redondeadas 9">
               <a:extLst>
                 <a:ext uri="{FF2B5EF4-FFF2-40B4-BE49-F238E27FC236}">
-                  <a16:creationId xmlns:a16="http://schemas.microsoft.com/office/drawing/2014/main" xmlns="" id="{E6201173-0918-409C-B562-00DF62B351D9}"/>
+                  <a16:creationId xmlns="" xmlns:a16="http://schemas.microsoft.com/office/drawing/2014/main" id="{E6201173-0918-409C-B562-00DF62B351D9}"/>
                 </a:ext>
               </a:extLst>
             </p:cNvPr>
@@ -24615,7 +24380,7 @@
             <p:cNvPr id="36" name="Rectángulo: esquinas redondeadas 4">
               <a:extLst>
                 <a:ext uri="{FF2B5EF4-FFF2-40B4-BE49-F238E27FC236}">
-                  <a16:creationId xmlns:a16="http://schemas.microsoft.com/office/drawing/2014/main" xmlns="" id="{CEBDB7A9-2EAC-4DCD-98F1-1485419E89FF}"/>
+                  <a16:creationId xmlns="" xmlns:a16="http://schemas.microsoft.com/office/drawing/2014/main" id="{CEBDB7A9-2EAC-4DCD-98F1-1485419E89FF}"/>
                 </a:ext>
               </a:extLst>
             </p:cNvPr>
@@ -24749,17 +24514,24 @@
     </p:spTree>
     <p:extLst>
       <p:ext uri="{BB962C8B-B14F-4D97-AF65-F5344CB8AC3E}">
-        <p14:creationId xmlns:p14="http://schemas.microsoft.com/office/powerpoint/2010/main" val="697461153"/>
+        <p14:creationId xmlns:p14="http://schemas.microsoft.com/office/powerpoint/2010/main" xmlns="" val="697461153"/>
       </p:ext>
     </p:extLst>
   </p:cSld>
   <p:clrMapOvr>
     <a:masterClrMapping/>
   </p:clrMapOvr>
+  <p:timing>
+    <p:tnLst>
+      <p:par>
+        <p:cTn id="1" dur="indefinite" restart="never" nodeType="tmRoot"/>
+      </p:par>
+    </p:tnLst>
+  </p:timing>
 </p:sld>
 </file>
 
-<file path=ppt/slides/slide8.xml><?xml version="1.0" encoding="utf-8"?>
+<file path=ppt/slides/slide7.xml><?xml version="1.0" encoding="utf-8"?>
 <p:sld xmlns:a="http://schemas.openxmlformats.org/drawingml/2006/main" xmlns:r="http://schemas.openxmlformats.org/officeDocument/2006/relationships" xmlns:p="http://schemas.openxmlformats.org/presentationml/2006/main">
   <p:cSld>
     <p:spTree>
@@ -24781,7 +24553,7 @@
           <p:cNvPr id="5" name="Título 1">
             <a:extLst>
               <a:ext uri="{FF2B5EF4-FFF2-40B4-BE49-F238E27FC236}">
-                <a16:creationId xmlns:a16="http://schemas.microsoft.com/office/drawing/2014/main" xmlns="" id="{916AAFAB-76A2-477A-B044-DC2FFD00340C}"/>
+                <a16:creationId xmlns="" xmlns:a16="http://schemas.microsoft.com/office/drawing/2014/main" id="{916AAFAB-76A2-477A-B044-DC2FFD00340C}"/>
               </a:ext>
             </a:extLst>
           </p:cNvPr>
@@ -24857,7 +24629,7 @@
           <p:cNvPr id="6" name="CuadroTexto 5">
             <a:extLst>
               <a:ext uri="{FF2B5EF4-FFF2-40B4-BE49-F238E27FC236}">
-                <a16:creationId xmlns:a16="http://schemas.microsoft.com/office/drawing/2014/main" xmlns="" id="{95C4CB89-681E-42B4-AF1D-DE1B4385F53F}"/>
+                <a16:creationId xmlns="" xmlns:a16="http://schemas.microsoft.com/office/drawing/2014/main" id="{95C4CB89-681E-42B4-AF1D-DE1B4385F53F}"/>
               </a:ext>
             </a:extLst>
           </p:cNvPr>
@@ -24907,7 +24679,7 @@
           <p:cNvPr id="7" name="CuadroTexto 6">
             <a:extLst>
               <a:ext uri="{FF2B5EF4-FFF2-40B4-BE49-F238E27FC236}">
-                <a16:creationId xmlns:a16="http://schemas.microsoft.com/office/drawing/2014/main" xmlns="" id="{97817A8C-D431-4B61-8B4E-5E40472BDA69}"/>
+                <a16:creationId xmlns="" xmlns:a16="http://schemas.microsoft.com/office/drawing/2014/main" id="{97817A8C-D431-4B61-8B4E-5E40472BDA69}"/>
               </a:ext>
             </a:extLst>
           </p:cNvPr>
@@ -24970,11 +24742,7 @@
             </a:pPr>
             <a:r>
               <a:rPr lang="en-US" sz="2000" dirty="0" smtClean="0"/>
-              <a:t>Retweets      </a:t>
-            </a:r>
-            <a:r>
-              <a:rPr lang="en-US" sz="2000" dirty="0" smtClean="0"/>
-              <a:t>: </a:t>
+              <a:t>Retweets      : </a:t>
             </a:r>
             <a:r>
               <a:rPr lang="en-US" sz="2000" dirty="0"/>
@@ -25026,7 +24794,7 @@
           <p:cNvPr id="8" name="CuadroTexto 7">
             <a:extLst>
               <a:ext uri="{FF2B5EF4-FFF2-40B4-BE49-F238E27FC236}">
-                <a16:creationId xmlns:a16="http://schemas.microsoft.com/office/drawing/2014/main" xmlns="" id="{44635A10-BFA4-4C1A-B826-853BD4EB8CC8}"/>
+                <a16:creationId xmlns="" xmlns:a16="http://schemas.microsoft.com/office/drawing/2014/main" id="{44635A10-BFA4-4C1A-B826-853BD4EB8CC8}"/>
               </a:ext>
             </a:extLst>
           </p:cNvPr>
@@ -25092,7 +24860,7 @@
           <p:cNvPr id="9" name="Grupo 8">
             <a:extLst>
               <a:ext uri="{FF2B5EF4-FFF2-40B4-BE49-F238E27FC236}">
-                <a16:creationId xmlns:a16="http://schemas.microsoft.com/office/drawing/2014/main" xmlns="" id="{46C0D869-0351-410D-9CFA-98FDC78451C1}"/>
+                <a16:creationId xmlns="" xmlns:a16="http://schemas.microsoft.com/office/drawing/2014/main" id="{46C0D869-0351-410D-9CFA-98FDC78451C1}"/>
               </a:ext>
             </a:extLst>
           </p:cNvPr>
@@ -25112,7 +24880,7 @@
             <p:cNvPr id="10" name="Rectángulo: esquinas redondeadas 9">
               <a:extLst>
                 <a:ext uri="{FF2B5EF4-FFF2-40B4-BE49-F238E27FC236}">
-                  <a16:creationId xmlns:a16="http://schemas.microsoft.com/office/drawing/2014/main" xmlns="" id="{68F801A9-2473-4773-AE2C-337B6C165E9C}"/>
+                  <a16:creationId xmlns="" xmlns:a16="http://schemas.microsoft.com/office/drawing/2014/main" id="{68F801A9-2473-4773-AE2C-337B6C165E9C}"/>
                 </a:ext>
               </a:extLst>
             </p:cNvPr>
@@ -25163,7 +24931,7 @@
             <p:cNvPr id="11" name="Rectángulo: esquinas redondeadas 4">
               <a:extLst>
                 <a:ext uri="{FF2B5EF4-FFF2-40B4-BE49-F238E27FC236}">
-                  <a16:creationId xmlns:a16="http://schemas.microsoft.com/office/drawing/2014/main" xmlns="" id="{A13F1B03-1100-422F-BA10-E0CAB4D83330}"/>
+                  <a16:creationId xmlns="" xmlns:a16="http://schemas.microsoft.com/office/drawing/2014/main" id="{A13F1B03-1100-422F-BA10-E0CAB4D83330}"/>
                 </a:ext>
               </a:extLst>
             </p:cNvPr>
@@ -25239,10 +25007,10 @@
           <p:nvPr/>
         </p:nvPicPr>
         <p:blipFill>
-          <a:blip r:embed="rId2">
+          <a:blip r:embed="rId2" cstate="print">
             <a:extLst>
               <a:ext uri="{28A0092B-C50C-407E-A947-70E740481C1C}">
-                <a14:useLocalDpi xmlns:a14="http://schemas.microsoft.com/office/drawing/2010/main" val="0"/>
+                <a14:useLocalDpi xmlns:a14="http://schemas.microsoft.com/office/drawing/2010/main" xmlns="" val="0"/>
               </a:ext>
             </a:extLst>
           </a:blip>
@@ -25269,10 +25037,10 @@
           <p:nvPr/>
         </p:nvPicPr>
         <p:blipFill>
-          <a:blip r:embed="rId3">
+          <a:blip r:embed="rId3" cstate="print">
             <a:extLst>
               <a:ext uri="{28A0092B-C50C-407E-A947-70E740481C1C}">
-                <a14:useLocalDpi xmlns:a14="http://schemas.microsoft.com/office/drawing/2010/main" val="0"/>
+                <a14:useLocalDpi xmlns:a14="http://schemas.microsoft.com/office/drawing/2010/main" xmlns="" val="0"/>
               </a:ext>
             </a:extLst>
           </a:blip>
@@ -25299,10 +25067,10 @@
           <p:nvPr/>
         </p:nvPicPr>
         <p:blipFill>
-          <a:blip r:embed="rId2">
+          <a:blip r:embed="rId2" cstate="print">
             <a:extLst>
               <a:ext uri="{28A0092B-C50C-407E-A947-70E740481C1C}">
-                <a14:useLocalDpi xmlns:a14="http://schemas.microsoft.com/office/drawing/2010/main" val="0"/>
+                <a14:useLocalDpi xmlns:a14="http://schemas.microsoft.com/office/drawing/2010/main" xmlns="" val="0"/>
               </a:ext>
             </a:extLst>
           </a:blip>
@@ -25329,10 +25097,10 @@
           <p:nvPr/>
         </p:nvPicPr>
         <p:blipFill>
-          <a:blip r:embed="rId3">
+          <a:blip r:embed="rId3" cstate="print">
             <a:extLst>
               <a:ext uri="{28A0092B-C50C-407E-A947-70E740481C1C}">
-                <a14:useLocalDpi xmlns:a14="http://schemas.microsoft.com/office/drawing/2010/main" val="0"/>
+                <a14:useLocalDpi xmlns:a14="http://schemas.microsoft.com/office/drawing/2010/main" xmlns="" val="0"/>
               </a:ext>
             </a:extLst>
           </a:blip>
@@ -25353,17 +25121,24 @@
     </p:spTree>
     <p:extLst>
       <p:ext uri="{BB962C8B-B14F-4D97-AF65-F5344CB8AC3E}">
-        <p14:creationId xmlns:p14="http://schemas.microsoft.com/office/powerpoint/2010/main" val="2470263519"/>
+        <p14:creationId xmlns:p14="http://schemas.microsoft.com/office/powerpoint/2010/main" xmlns="" val="2470263519"/>
       </p:ext>
     </p:extLst>
   </p:cSld>
   <p:clrMapOvr>
     <a:masterClrMapping/>
   </p:clrMapOvr>
+  <p:timing>
+    <p:tnLst>
+      <p:par>
+        <p:cTn id="1" dur="indefinite" restart="never" nodeType="tmRoot"/>
+      </p:par>
+    </p:tnLst>
+  </p:timing>
 </p:sld>
 </file>
 
-<file path=ppt/slides/slide9.xml><?xml version="1.0" encoding="utf-8"?>
+<file path=ppt/slides/slide8.xml><?xml version="1.0" encoding="utf-8"?>
 <p:sld xmlns:a="http://schemas.openxmlformats.org/drawingml/2006/main" xmlns:r="http://schemas.openxmlformats.org/officeDocument/2006/relationships" xmlns:p="http://schemas.openxmlformats.org/presentationml/2006/main">
   <p:cSld>
     <p:spTree>
@@ -25385,7 +25160,7 @@
           <p:cNvPr id="4" name="Título 1">
             <a:extLst>
               <a:ext uri="{FF2B5EF4-FFF2-40B4-BE49-F238E27FC236}">
-                <a16:creationId xmlns:a16="http://schemas.microsoft.com/office/drawing/2014/main" xmlns="" id="{C736E2C2-565F-4EE7-9A5F-7431CB35BD98}"/>
+                <a16:creationId xmlns="" xmlns:a16="http://schemas.microsoft.com/office/drawing/2014/main" id="{C736E2C2-565F-4EE7-9A5F-7431CB35BD98}"/>
               </a:ext>
             </a:extLst>
           </p:cNvPr>
@@ -25461,7 +25236,7 @@
           <p:cNvPr id="6" name="Grupo 5">
             <a:extLst>
               <a:ext uri="{FF2B5EF4-FFF2-40B4-BE49-F238E27FC236}">
-                <a16:creationId xmlns:a16="http://schemas.microsoft.com/office/drawing/2014/main" xmlns="" id="{40594550-BD22-4435-80F5-F41248669E21}"/>
+                <a16:creationId xmlns="" xmlns:a16="http://schemas.microsoft.com/office/drawing/2014/main" id="{40594550-BD22-4435-80F5-F41248669E21}"/>
               </a:ext>
             </a:extLst>
           </p:cNvPr>
@@ -25481,7 +25256,7 @@
             <p:cNvPr id="7" name="Rectángulo: esquinas redondeadas 6">
               <a:extLst>
                 <a:ext uri="{FF2B5EF4-FFF2-40B4-BE49-F238E27FC236}">
-                  <a16:creationId xmlns:a16="http://schemas.microsoft.com/office/drawing/2014/main" xmlns="" id="{9A2DA0CB-6191-4382-822F-DC5827B63853}"/>
+                  <a16:creationId xmlns="" xmlns:a16="http://schemas.microsoft.com/office/drawing/2014/main" id="{9A2DA0CB-6191-4382-822F-DC5827B63853}"/>
                 </a:ext>
               </a:extLst>
             </p:cNvPr>
@@ -25532,7 +25307,7 @@
             <p:cNvPr id="8" name="Rectángulo: esquinas redondeadas 4">
               <a:extLst>
                 <a:ext uri="{FF2B5EF4-FFF2-40B4-BE49-F238E27FC236}">
-                  <a16:creationId xmlns:a16="http://schemas.microsoft.com/office/drawing/2014/main" xmlns="" id="{3C60D3E6-A068-4852-8E95-D6A8B9269B0D}"/>
+                  <a16:creationId xmlns="" xmlns:a16="http://schemas.microsoft.com/office/drawing/2014/main" id="{3C60D3E6-A068-4852-8E95-D6A8B9269B0D}"/>
                 </a:ext>
               </a:extLst>
             </p:cNvPr>
@@ -25604,7 +25379,7 @@
           <p:cNvPr id="10" name="Grupo 8">
             <a:extLst>
               <a:ext uri="{FF2B5EF4-FFF2-40B4-BE49-F238E27FC236}">
-                <a16:creationId xmlns:a16="http://schemas.microsoft.com/office/drawing/2014/main" xmlns="" id="{52B5AAD8-ACBB-4329-8510-CDA49D95118F}"/>
+                <a16:creationId xmlns="" xmlns:a16="http://schemas.microsoft.com/office/drawing/2014/main" id="{52B5AAD8-ACBB-4329-8510-CDA49D95118F}"/>
               </a:ext>
             </a:extLst>
           </p:cNvPr>
@@ -25624,7 +25399,7 @@
             <p:cNvPr id="11" name="Rectángulo: esquinas redondeadas 9">
               <a:extLst>
                 <a:ext uri="{FF2B5EF4-FFF2-40B4-BE49-F238E27FC236}">
-                  <a16:creationId xmlns:a16="http://schemas.microsoft.com/office/drawing/2014/main" xmlns="" id="{E6201173-0918-409C-B562-00DF62B351D9}"/>
+                  <a16:creationId xmlns="" xmlns:a16="http://schemas.microsoft.com/office/drawing/2014/main" id="{E6201173-0918-409C-B562-00DF62B351D9}"/>
                 </a:ext>
               </a:extLst>
             </p:cNvPr>
@@ -25675,7 +25450,7 @@
             <p:cNvPr id="12" name="Rectángulo: esquinas redondeadas 4">
               <a:extLst>
                 <a:ext uri="{FF2B5EF4-FFF2-40B4-BE49-F238E27FC236}">
-                  <a16:creationId xmlns:a16="http://schemas.microsoft.com/office/drawing/2014/main" xmlns="" id="{CEBDB7A9-2EAC-4DCD-98F1-1485419E89FF}"/>
+                  <a16:creationId xmlns="" xmlns:a16="http://schemas.microsoft.com/office/drawing/2014/main" id="{CEBDB7A9-2EAC-4DCD-98F1-1485419E89FF}"/>
                 </a:ext>
               </a:extLst>
             </p:cNvPr>
@@ -25747,7 +25522,7 @@
           <p:cNvPr id="13" name="Flecha: doblada hacia arriba 18">
             <a:extLst>
               <a:ext uri="{FF2B5EF4-FFF2-40B4-BE49-F238E27FC236}">
-                <a16:creationId xmlns:a16="http://schemas.microsoft.com/office/drawing/2014/main" xmlns="" id="{D70877CB-6A05-4556-890A-4818810AB680}"/>
+                <a16:creationId xmlns="" xmlns:a16="http://schemas.microsoft.com/office/drawing/2014/main" id="{D70877CB-6A05-4556-890A-4818810AB680}"/>
               </a:ext>
             </a:extLst>
           </p:cNvPr>
@@ -25797,10 +25572,10 @@
           <p:nvPr/>
         </p:nvPicPr>
         <p:blipFill>
-          <a:blip r:embed="rId2">
+          <a:blip r:embed="rId2" cstate="print">
             <a:extLst>
               <a:ext uri="{28A0092B-C50C-407E-A947-70E740481C1C}">
-                <a14:useLocalDpi xmlns:a14="http://schemas.microsoft.com/office/drawing/2010/main" val="0"/>
+                <a14:useLocalDpi xmlns:a14="http://schemas.microsoft.com/office/drawing/2010/main" xmlns="" val="0"/>
               </a:ext>
             </a:extLst>
           </a:blip>
@@ -25823,7 +25598,7 @@
           <p:cNvPr id="16" name="Marcador de contenido 3">
             <a:extLst>
               <a:ext uri="{FF2B5EF4-FFF2-40B4-BE49-F238E27FC236}">
-                <a16:creationId xmlns:a16="http://schemas.microsoft.com/office/drawing/2014/main" xmlns="" id="{0A79A359-313C-4D56-B712-2F4711C93092}"/>
+                <a16:creationId xmlns="" xmlns:a16="http://schemas.microsoft.com/office/drawing/2014/main" id="{0A79A359-313C-4D56-B712-2F4711C93092}"/>
               </a:ext>
             </a:extLst>
           </p:cNvPr>
@@ -25833,7 +25608,7 @@
           <p:nvPr>
             <p:extLst>
               <p:ext uri="{D42A27DB-BD31-4B8C-83A1-F6EECF244321}">
-                <p14:modId xmlns:p14="http://schemas.microsoft.com/office/powerpoint/2010/main" val="446379173"/>
+                <p14:modId xmlns:p14="http://schemas.microsoft.com/office/powerpoint/2010/main" xmlns="" val="446379173"/>
               </p:ext>
             </p:extLst>
           </p:nvPr>
@@ -25854,14 +25629,14 @@
                 <a:gridCol w="1939098">
                   <a:extLst>
                     <a:ext uri="{9D8B030D-6E8A-4147-A177-3AD203B41FA5}">
-                      <a16:colId xmlns:a16="http://schemas.microsoft.com/office/drawing/2014/main" xmlns="" val="2335588041"/>
+                      <a16:colId xmlns="" xmlns:a16="http://schemas.microsoft.com/office/drawing/2014/main" val="2335588041"/>
                     </a:ext>
                   </a:extLst>
                 </a:gridCol>
                 <a:gridCol w="1939098">
                   <a:extLst>
                     <a:ext uri="{9D8B030D-6E8A-4147-A177-3AD203B41FA5}">
-                      <a16:colId xmlns:a16="http://schemas.microsoft.com/office/drawing/2014/main" xmlns="" val="1112588493"/>
+                      <a16:colId xmlns="" xmlns:a16="http://schemas.microsoft.com/office/drawing/2014/main" val="1112588493"/>
                     </a:ext>
                   </a:extLst>
                 </a:gridCol>
@@ -25983,7 +25758,7 @@
                 </a:tc>
                 <a:extLst>
                   <a:ext uri="{0D108BD9-81ED-4DB2-BD59-A6C34878D82A}">
-                    <a16:rowId xmlns:a16="http://schemas.microsoft.com/office/drawing/2014/main" xmlns="" val="3992468993"/>
+                    <a16:rowId xmlns="" xmlns:a16="http://schemas.microsoft.com/office/drawing/2014/main" val="3992468993"/>
                   </a:ext>
                 </a:extLst>
               </a:tr>
@@ -26099,7 +25874,7 @@
                 </a:tc>
                 <a:extLst>
                   <a:ext uri="{0D108BD9-81ED-4DB2-BD59-A6C34878D82A}">
-                    <a16:rowId xmlns:a16="http://schemas.microsoft.com/office/drawing/2014/main" xmlns="" val="2024136782"/>
+                    <a16:rowId xmlns="" xmlns:a16="http://schemas.microsoft.com/office/drawing/2014/main" val="2024136782"/>
                   </a:ext>
                 </a:extLst>
               </a:tr>
@@ -26110,13 +25885,754 @@
     </p:spTree>
     <p:extLst>
       <p:ext uri="{BB962C8B-B14F-4D97-AF65-F5344CB8AC3E}">
-        <p14:creationId xmlns:p14="http://schemas.microsoft.com/office/powerpoint/2010/main" val="1352326078"/>
+        <p14:creationId xmlns:p14="http://schemas.microsoft.com/office/powerpoint/2010/main" xmlns="" val="1352326078"/>
       </p:ext>
     </p:extLst>
   </p:cSld>
   <p:clrMapOvr>
     <a:masterClrMapping/>
   </p:clrMapOvr>
+  <p:timing>
+    <p:tnLst>
+      <p:par>
+        <p:cTn id="1" dur="indefinite" restart="never" nodeType="tmRoot"/>
+      </p:par>
+    </p:tnLst>
+  </p:timing>
+</p:sld>
+</file>
+
+<file path=ppt/slides/slide9.xml><?xml version="1.0" encoding="utf-8"?>
+<p:sld xmlns:a="http://schemas.openxmlformats.org/drawingml/2006/main" xmlns:r="http://schemas.openxmlformats.org/officeDocument/2006/relationships" xmlns:p="http://schemas.openxmlformats.org/presentationml/2006/main">
+  <p:cSld>
+    <p:spTree>
+      <p:nvGrpSpPr>
+        <p:cNvPr id="1" name=""/>
+        <p:cNvGrpSpPr/>
+        <p:nvPr/>
+      </p:nvGrpSpPr>
+      <p:grpSpPr>
+        <a:xfrm>
+          <a:off x="0" y="0"/>
+          <a:ext cx="0" cy="0"/>
+          <a:chOff x="0" y="0"/>
+          <a:chExt cx="0" cy="0"/>
+        </a:xfrm>
+      </p:grpSpPr>
+      <p:sp>
+        <p:nvSpPr>
+          <p:cNvPr id="4" name="Título 1">
+            <a:extLst>
+              <a:ext uri="{FF2B5EF4-FFF2-40B4-BE49-F238E27FC236}">
+                <a16:creationId xmlns="" xmlns:a16="http://schemas.microsoft.com/office/drawing/2014/main" id="{C736E2C2-565F-4EE7-9A5F-7431CB35BD98}"/>
+              </a:ext>
+            </a:extLst>
+          </p:cNvPr>
+          <p:cNvSpPr txBox="1">
+            <a:spLocks/>
+          </p:cNvSpPr>
+          <p:nvPr/>
+        </p:nvSpPr>
+        <p:spPr>
+          <a:xfrm>
+            <a:off x="1" y="463097"/>
+            <a:ext cx="9144000" cy="676014"/>
+          </a:xfrm>
+          <a:prstGeom prst="rect">
+            <a:avLst/>
+          </a:prstGeom>
+          <a:solidFill>
+            <a:srgbClr val="3886CC"/>
+          </a:solidFill>
+        </p:spPr>
+        <p:txBody>
+          <a:bodyPr vert="horz" lIns="91440" tIns="45720" rIns="91440" bIns="45720" rtlCol="0" anchor="ctr">
+            <a:normAutofit fontScale="97500" lnSpcReduction="10000"/>
+          </a:bodyPr>
+          <a:lstStyle>
+            <a:lvl1pPr algn="l" defTabSz="914400" rtl="0" eaLnBrk="1" latinLnBrk="0" hangingPunct="1">
+              <a:lnSpc>
+                <a:spcPct val="90000"/>
+              </a:lnSpc>
+              <a:spcBef>
+                <a:spcPct val="0"/>
+              </a:spcBef>
+              <a:buNone/>
+              <a:defRPr sz="4400" kern="1200">
+                <a:solidFill>
+                  <a:schemeClr val="tx1"/>
+                </a:solidFill>
+                <a:latin typeface="+mj-lt"/>
+                <a:ea typeface="+mj-ea"/>
+                <a:cs typeface="+mj-cs"/>
+              </a:defRPr>
+            </a:lvl1pPr>
+          </a:lstStyle>
+          <a:p>
+            <a:r>
+              <a:rPr lang="en-US" dirty="0">
+                <a:solidFill>
+                  <a:schemeClr val="bg1"/>
+                </a:solidFill>
+              </a:rPr>
+              <a:t>	</a:t>
+            </a:r>
+            <a:r>
+              <a:rPr lang="en-US" b="1" dirty="0">
+                <a:solidFill>
+                  <a:schemeClr val="bg1"/>
+                </a:solidFill>
+                <a:latin typeface="Candara" panose="020E0502030303020204" pitchFamily="34" charset="0"/>
+              </a:rPr>
+              <a:t>Model</a:t>
+            </a:r>
+            <a:endParaRPr lang="en-GB" b="1" dirty="0">
+              <a:solidFill>
+                <a:schemeClr val="bg1"/>
+              </a:solidFill>
+              <a:latin typeface="Candara" panose="020E0502030303020204" pitchFamily="34" charset="0"/>
+            </a:endParaRPr>
+          </a:p>
+        </p:txBody>
+      </p:sp>
+      <p:grpSp>
+        <p:nvGrpSpPr>
+          <p:cNvPr id="6" name="Grupo 5">
+            <a:extLst>
+              <a:ext uri="{FF2B5EF4-FFF2-40B4-BE49-F238E27FC236}">
+                <a16:creationId xmlns="" xmlns:a16="http://schemas.microsoft.com/office/drawing/2014/main" id="{40594550-BD22-4435-80F5-F41248669E21}"/>
+              </a:ext>
+            </a:extLst>
+          </p:cNvPr>
+          <p:cNvGrpSpPr/>
+          <p:nvPr/>
+        </p:nvGrpSpPr>
+        <p:grpSpPr>
+          <a:xfrm>
+            <a:off x="713217" y="1647362"/>
+            <a:ext cx="2507061" cy="813758"/>
+            <a:chOff x="2080" y="1905132"/>
+            <a:chExt cx="1710916" cy="855458"/>
+          </a:xfrm>
+        </p:grpSpPr>
+        <p:sp>
+          <p:nvSpPr>
+            <p:cNvPr id="7" name="Rectángulo: esquinas redondeadas 6">
+              <a:extLst>
+                <a:ext uri="{FF2B5EF4-FFF2-40B4-BE49-F238E27FC236}">
+                  <a16:creationId xmlns="" xmlns:a16="http://schemas.microsoft.com/office/drawing/2014/main" id="{9A2DA0CB-6191-4382-822F-DC5827B63853}"/>
+                </a:ext>
+              </a:extLst>
+            </p:cNvPr>
+            <p:cNvSpPr/>
+            <p:nvPr/>
+          </p:nvSpPr>
+          <p:spPr>
+            <a:xfrm>
+              <a:off x="2080" y="1905132"/>
+              <a:ext cx="1710916" cy="855458"/>
+            </a:xfrm>
+            <a:prstGeom prst="roundRect">
+              <a:avLst>
+                <a:gd name="adj" fmla="val 10000"/>
+              </a:avLst>
+            </a:prstGeom>
+            <a:solidFill>
+              <a:srgbClr val="C0DEED"/>
+            </a:solidFill>
+          </p:spPr>
+          <p:style>
+            <a:lnRef idx="2">
+              <a:schemeClr val="lt1">
+                <a:hueOff val="0"/>
+                <a:satOff val="0"/>
+                <a:lumOff val="0"/>
+                <a:alphaOff val="0"/>
+              </a:schemeClr>
+            </a:lnRef>
+            <a:fillRef idx="1">
+              <a:scrgbClr r="0" g="0" b="0"/>
+            </a:fillRef>
+            <a:effectRef idx="0">
+              <a:schemeClr val="accent1">
+                <a:hueOff val="0"/>
+                <a:satOff val="0"/>
+                <a:lumOff val="0"/>
+                <a:alphaOff val="0"/>
+              </a:schemeClr>
+            </a:effectRef>
+            <a:fontRef idx="minor">
+              <a:schemeClr val="lt1"/>
+            </a:fontRef>
+          </p:style>
+        </p:sp>
+        <p:sp>
+          <p:nvSpPr>
+            <p:cNvPr id="8" name="Rectángulo: esquinas redondeadas 4">
+              <a:extLst>
+                <a:ext uri="{FF2B5EF4-FFF2-40B4-BE49-F238E27FC236}">
+                  <a16:creationId xmlns="" xmlns:a16="http://schemas.microsoft.com/office/drawing/2014/main" id="{3C60D3E6-A068-4852-8E95-D6A8B9269B0D}"/>
+                </a:ext>
+              </a:extLst>
+            </p:cNvPr>
+            <p:cNvSpPr txBox="1"/>
+            <p:nvPr/>
+          </p:nvSpPr>
+          <p:spPr>
+            <a:xfrm>
+              <a:off x="27136" y="1930188"/>
+              <a:ext cx="1660804" cy="805346"/>
+            </a:xfrm>
+            <a:prstGeom prst="rect">
+              <a:avLst/>
+            </a:prstGeom>
+          </p:spPr>
+          <p:style>
+            <a:lnRef idx="0">
+              <a:scrgbClr r="0" g="0" b="0"/>
+            </a:lnRef>
+            <a:fillRef idx="0">
+              <a:scrgbClr r="0" g="0" b="0"/>
+            </a:fillRef>
+            <a:effectRef idx="0">
+              <a:scrgbClr r="0" g="0" b="0"/>
+            </a:effectRef>
+            <a:fontRef idx="minor">
+              <a:schemeClr val="lt1"/>
+            </a:fontRef>
+          </p:style>
+          <p:txBody>
+            <a:bodyPr spcFirstLastPara="0" vert="horz" wrap="square" lIns="17145" tIns="17145" rIns="17145" bIns="17145" numCol="1" spcCol="1270" anchor="ctr" anchorCtr="0">
+              <a:noAutofit/>
+            </a:bodyPr>
+            <a:lstStyle/>
+            <a:p>
+              <a:pPr marL="0" lvl="0" indent="0" algn="ctr" defTabSz="1200150">
+                <a:lnSpc>
+                  <a:spcPct val="90000"/>
+                </a:lnSpc>
+                <a:spcBef>
+                  <a:spcPct val="0"/>
+                </a:spcBef>
+                <a:spcAft>
+                  <a:spcPct val="35000"/>
+                </a:spcAft>
+                <a:buNone/>
+              </a:pPr>
+              <a:r>
+                <a:rPr lang="es-ES" sz="2700" b="1" dirty="0">
+                  <a:solidFill>
+                    <a:schemeClr val="tx1"/>
+                  </a:solidFill>
+                  <a:latin typeface="Candara" panose="020E0502030303020204" pitchFamily="34" charset="0"/>
+                </a:rPr>
+                <a:t>Text</a:t>
+              </a:r>
+              <a:endParaRPr lang="en-GB" sz="2700" b="1" kern="1200" dirty="0">
+                <a:solidFill>
+                  <a:schemeClr val="tx1"/>
+                </a:solidFill>
+                <a:latin typeface="Candara" panose="020E0502030303020204" pitchFamily="34" charset="0"/>
+              </a:endParaRPr>
+            </a:p>
+          </p:txBody>
+        </p:sp>
+      </p:grpSp>
+      <p:grpSp>
+        <p:nvGrpSpPr>
+          <p:cNvPr id="10" name="Grupo 8">
+            <a:extLst>
+              <a:ext uri="{FF2B5EF4-FFF2-40B4-BE49-F238E27FC236}">
+                <a16:creationId xmlns="" xmlns:a16="http://schemas.microsoft.com/office/drawing/2014/main" id="{52B5AAD8-ACBB-4329-8510-CDA49D95118F}"/>
+              </a:ext>
+            </a:extLst>
+          </p:cNvPr>
+          <p:cNvGrpSpPr/>
+          <p:nvPr/>
+        </p:nvGrpSpPr>
+        <p:grpSpPr>
+          <a:xfrm>
+            <a:off x="2279376" y="2803946"/>
+            <a:ext cx="2385389" cy="676014"/>
+            <a:chOff x="310204" y="223537"/>
+            <a:chExt cx="1881014" cy="372562"/>
+          </a:xfrm>
+        </p:grpSpPr>
+        <p:sp>
+          <p:nvSpPr>
+            <p:cNvPr id="11" name="Rectángulo: esquinas redondeadas 9">
+              <a:extLst>
+                <a:ext uri="{FF2B5EF4-FFF2-40B4-BE49-F238E27FC236}">
+                  <a16:creationId xmlns="" xmlns:a16="http://schemas.microsoft.com/office/drawing/2014/main" id="{E6201173-0918-409C-B562-00DF62B351D9}"/>
+                </a:ext>
+              </a:extLst>
+            </p:cNvPr>
+            <p:cNvSpPr/>
+            <p:nvPr/>
+          </p:nvSpPr>
+          <p:spPr>
+            <a:xfrm>
+              <a:off x="310204" y="223537"/>
+              <a:ext cx="1881014" cy="372562"/>
+            </a:xfrm>
+            <a:prstGeom prst="roundRect">
+              <a:avLst>
+                <a:gd name="adj" fmla="val 10000"/>
+              </a:avLst>
+            </a:prstGeom>
+            <a:solidFill>
+              <a:srgbClr val="C0DEED"/>
+            </a:solidFill>
+          </p:spPr>
+          <p:style>
+            <a:lnRef idx="2">
+              <a:schemeClr val="lt1">
+                <a:hueOff val="0"/>
+                <a:satOff val="0"/>
+                <a:lumOff val="0"/>
+                <a:alphaOff val="0"/>
+              </a:schemeClr>
+            </a:lnRef>
+            <a:fillRef idx="1">
+              <a:scrgbClr r="0" g="0" b="0"/>
+            </a:fillRef>
+            <a:effectRef idx="0">
+              <a:schemeClr val="accent1">
+                <a:hueOff val="0"/>
+                <a:satOff val="0"/>
+                <a:lumOff val="0"/>
+                <a:alphaOff val="0"/>
+              </a:schemeClr>
+            </a:effectRef>
+            <a:fontRef idx="minor">
+              <a:schemeClr val="lt1"/>
+            </a:fontRef>
+          </p:style>
+        </p:sp>
+        <p:sp>
+          <p:nvSpPr>
+            <p:cNvPr id="12" name="Rectángulo: esquinas redondeadas 4">
+              <a:extLst>
+                <a:ext uri="{FF2B5EF4-FFF2-40B4-BE49-F238E27FC236}">
+                  <a16:creationId xmlns="" xmlns:a16="http://schemas.microsoft.com/office/drawing/2014/main" id="{CEBDB7A9-2EAC-4DCD-98F1-1485419E89FF}"/>
+                </a:ext>
+              </a:extLst>
+            </p:cNvPr>
+            <p:cNvSpPr txBox="1"/>
+            <p:nvPr/>
+          </p:nvSpPr>
+          <p:spPr>
+            <a:xfrm>
+              <a:off x="321116" y="234449"/>
+              <a:ext cx="1752538" cy="350738"/>
+            </a:xfrm>
+            <a:prstGeom prst="rect">
+              <a:avLst/>
+            </a:prstGeom>
+          </p:spPr>
+          <p:style>
+            <a:lnRef idx="0">
+              <a:scrgbClr r="0" g="0" b="0"/>
+            </a:lnRef>
+            <a:fillRef idx="0">
+              <a:scrgbClr r="0" g="0" b="0"/>
+            </a:fillRef>
+            <a:effectRef idx="0">
+              <a:scrgbClr r="0" g="0" b="0"/>
+            </a:effectRef>
+            <a:fontRef idx="minor">
+              <a:schemeClr val="lt1"/>
+            </a:fontRef>
+          </p:style>
+          <p:txBody>
+            <a:bodyPr spcFirstLastPara="0" vert="horz" wrap="square" lIns="60960" tIns="60960" rIns="60960" bIns="60960" numCol="1" spcCol="1270" anchor="ctr" anchorCtr="0">
+              <a:noAutofit/>
+            </a:bodyPr>
+            <a:lstStyle/>
+            <a:p>
+              <a:pPr marL="0" lvl="0" indent="0" algn="ctr" defTabSz="711200">
+                <a:lnSpc>
+                  <a:spcPct val="90000"/>
+                </a:lnSpc>
+                <a:spcBef>
+                  <a:spcPct val="0"/>
+                </a:spcBef>
+                <a:spcAft>
+                  <a:spcPct val="35000"/>
+                </a:spcAft>
+                <a:buNone/>
+              </a:pPr>
+              <a:r>
+                <a:rPr lang="es-ES" sz="2000" b="1" dirty="0" err="1" smtClean="0">
+                  <a:solidFill>
+                    <a:schemeClr val="tx1"/>
+                  </a:solidFill>
+                  <a:latin typeface="Candara" panose="020E0502030303020204" pitchFamily="34" charset="0"/>
+                </a:rPr>
+                <a:t>Retweets</a:t>
+              </a:r>
+              <a:endParaRPr lang="en-GB" sz="2000" b="1" kern="1200" dirty="0">
+                <a:solidFill>
+                  <a:schemeClr val="tx1"/>
+                </a:solidFill>
+                <a:latin typeface="Candara" panose="020E0502030303020204" pitchFamily="34" charset="0"/>
+              </a:endParaRPr>
+            </a:p>
+          </p:txBody>
+        </p:sp>
+      </p:grpSp>
+      <p:sp>
+        <p:nvSpPr>
+          <p:cNvPr id="13" name="Flecha: doblada hacia arriba 18">
+            <a:extLst>
+              <a:ext uri="{FF2B5EF4-FFF2-40B4-BE49-F238E27FC236}">
+                <a16:creationId xmlns="" xmlns:a16="http://schemas.microsoft.com/office/drawing/2014/main" id="{D70877CB-6A05-4556-890A-4818810AB680}"/>
+              </a:ext>
+            </a:extLst>
+          </p:cNvPr>
+          <p:cNvSpPr/>
+          <p:nvPr/>
+        </p:nvSpPr>
+        <p:spPr>
+          <a:xfrm rot="5400000">
+            <a:off x="1248039" y="2474369"/>
+            <a:ext cx="737451" cy="990003"/>
+          </a:xfrm>
+          <a:prstGeom prst="bentUpArrow">
+            <a:avLst/>
+          </a:prstGeom>
+        </p:spPr>
+        <p:style>
+          <a:lnRef idx="2">
+            <a:schemeClr val="accent1">
+              <a:shade val="50000"/>
+            </a:schemeClr>
+          </a:lnRef>
+          <a:fillRef idx="1">
+            <a:schemeClr val="accent1"/>
+          </a:fillRef>
+          <a:effectRef idx="0">
+            <a:schemeClr val="accent1"/>
+          </a:effectRef>
+          <a:fontRef idx="minor">
+            <a:schemeClr val="lt1"/>
+          </a:fontRef>
+        </p:style>
+        <p:txBody>
+          <a:bodyPr rtlCol="0" anchor="ctr"/>
+          <a:lstStyle/>
+          <a:p>
+            <a:pPr algn="ctr"/>
+            <a:endParaRPr lang="es-ES"/>
+          </a:p>
+        </p:txBody>
+      </p:sp>
+      <p:graphicFrame>
+        <p:nvGraphicFramePr>
+          <p:cNvPr id="16" name="Marcador de contenido 3">
+            <a:extLst>
+              <a:ext uri="{FF2B5EF4-FFF2-40B4-BE49-F238E27FC236}">
+                <a16:creationId xmlns="" xmlns:a16="http://schemas.microsoft.com/office/drawing/2014/main" id="{0A79A359-313C-4D56-B712-2F4711C93092}"/>
+              </a:ext>
+            </a:extLst>
+          </p:cNvPr>
+          <p:cNvGraphicFramePr>
+            <a:graphicFrameLocks/>
+          </p:cNvGraphicFramePr>
+          <p:nvPr>
+            <p:extLst>
+              <p:ext uri="{D42A27DB-BD31-4B8C-83A1-F6EECF244321}">
+                <p14:modId xmlns:p14="http://schemas.microsoft.com/office/powerpoint/2010/main" xmlns="" val="846018289"/>
+              </p:ext>
+            </p:extLst>
+          </p:nvPr>
+        </p:nvGraphicFramePr>
+        <p:xfrm>
+          <a:off x="713216" y="4429330"/>
+          <a:ext cx="7756392" cy="1005840"/>
+        </p:xfrm>
+        <a:graphic>
+          <a:graphicData uri="http://schemas.openxmlformats.org/drawingml/2006/table">
+            <a:tbl>
+              <a:tblPr firstRow="1" bandRow="1">
+                <a:tableStyleId>{5C22544A-7EE6-4342-B048-85BDC9FD1C3A}</a:tableStyleId>
+              </a:tblPr>
+              <a:tblGrid>
+                <a:gridCol w="1939098"/>
+                <a:gridCol w="1939098"/>
+                <a:gridCol w="1939098">
+                  <a:extLst>
+                    <a:ext uri="{9D8B030D-6E8A-4147-A177-3AD203B41FA5}">
+                      <a16:colId xmlns="" xmlns:a16="http://schemas.microsoft.com/office/drawing/2014/main" val="2335588041"/>
+                    </a:ext>
+                  </a:extLst>
+                </a:gridCol>
+                <a:gridCol w="1939098">
+                  <a:extLst>
+                    <a:ext uri="{9D8B030D-6E8A-4147-A177-3AD203B41FA5}">
+                      <a16:colId xmlns="" xmlns:a16="http://schemas.microsoft.com/office/drawing/2014/main" val="1112588493"/>
+                    </a:ext>
+                  </a:extLst>
+                </a:gridCol>
+              </a:tblGrid>
+              <a:tr h="310237">
+                <a:tc>
+                  <a:txBody>
+                    <a:bodyPr/>
+                    <a:lstStyle/>
+                    <a:p>
+                      <a:pPr algn="ctr"/>
+                      <a:endParaRPr lang="en-GB" dirty="0"/>
+                    </a:p>
+                  </a:txBody>
+                  <a:tcPr>
+                    <a:noFill/>
+                  </a:tcPr>
+                </a:tc>
+                <a:tc>
+                  <a:txBody>
+                    <a:bodyPr/>
+                    <a:lstStyle/>
+                    <a:p>
+                      <a:pPr marL="0" marR="0" indent="0" algn="ctr" defTabSz="914400" rtl="0" eaLnBrk="1" fontAlgn="auto" latinLnBrk="0" hangingPunct="1">
+                        <a:lnSpc>
+                          <a:spcPct val="100000"/>
+                        </a:lnSpc>
+                        <a:spcBef>
+                          <a:spcPts val="0"/>
+                        </a:spcBef>
+                        <a:spcAft>
+                          <a:spcPts val="0"/>
+                        </a:spcAft>
+                        <a:buClrTx/>
+                        <a:buSzTx/>
+                        <a:buFontTx/>
+                        <a:buNone/>
+                        <a:tabLst/>
+                        <a:defRPr/>
+                      </a:pPr>
+                      <a:r>
+                        <a:rPr lang="es-ES" dirty="0" err="1" smtClean="0"/>
+                        <a:t>Class</a:t>
+                      </a:r>
+                      <a:r>
+                        <a:rPr lang="es-ES" baseline="0" dirty="0" smtClean="0"/>
+                        <a:t> 1 </a:t>
+                      </a:r>
+                      <a:r>
+                        <a:rPr lang="en-US" sz="1800" dirty="0" smtClean="0"/>
+                        <a:t>[0,5)</a:t>
+                      </a:r>
+                      <a:endParaRPr lang="en-GB" dirty="0" smtClean="0"/>
+                    </a:p>
+                  </a:txBody>
+                  <a:tcPr/>
+                </a:tc>
+                <a:tc>
+                  <a:txBody>
+                    <a:bodyPr/>
+                    <a:lstStyle/>
+                    <a:p>
+                      <a:pPr marL="0" marR="0" indent="0" algn="ctr" defTabSz="914400" rtl="0" eaLnBrk="1" fontAlgn="auto" latinLnBrk="0" hangingPunct="1">
+                        <a:lnSpc>
+                          <a:spcPct val="100000"/>
+                        </a:lnSpc>
+                        <a:spcBef>
+                          <a:spcPts val="0"/>
+                        </a:spcBef>
+                        <a:spcAft>
+                          <a:spcPts val="0"/>
+                        </a:spcAft>
+                        <a:buClrTx/>
+                        <a:buSzTx/>
+                        <a:buFontTx/>
+                        <a:buNone/>
+                        <a:tabLst/>
+                        <a:defRPr/>
+                      </a:pPr>
+                      <a:r>
+                        <a:rPr lang="es-ES" dirty="0" err="1" smtClean="0"/>
+                        <a:t>Class</a:t>
+                      </a:r>
+                      <a:r>
+                        <a:rPr lang="es-ES" dirty="0" smtClean="0"/>
+                        <a:t> 2 </a:t>
+                      </a:r>
+                      <a:r>
+                        <a:rPr lang="en-US" sz="1800" dirty="0" smtClean="0"/>
+                        <a:t>[5,25] </a:t>
+                      </a:r>
+                      <a:endParaRPr lang="en-GB" dirty="0" smtClean="0"/>
+                    </a:p>
+                  </a:txBody>
+                  <a:tcPr/>
+                </a:tc>
+                <a:tc>
+                  <a:txBody>
+                    <a:bodyPr/>
+                    <a:lstStyle/>
+                    <a:p>
+                      <a:pPr algn="ctr"/>
+                      <a:r>
+                        <a:rPr lang="en-GB" dirty="0" smtClean="0"/>
+                        <a:t>Class</a:t>
+                      </a:r>
+                      <a:r>
+                        <a:rPr lang="en-GB" baseline="0" dirty="0" smtClean="0"/>
+                        <a:t> 3 </a:t>
+                      </a:r>
+                      <a:r>
+                        <a:rPr lang="en-US" sz="1800" dirty="0" smtClean="0"/>
+                        <a:t>(25,∞)</a:t>
+                      </a:r>
+                      <a:endParaRPr lang="en-GB" dirty="0"/>
+                    </a:p>
+                  </a:txBody>
+                  <a:tcPr/>
+                </a:tc>
+                <a:extLst>
+                  <a:ext uri="{0D108BD9-81ED-4DB2-BD59-A6C34878D82A}">
+                    <a16:rowId xmlns="" xmlns:a16="http://schemas.microsoft.com/office/drawing/2014/main" val="3992468993"/>
+                  </a:ext>
+                </a:extLst>
+              </a:tr>
+              <a:tr h="561305">
+                <a:tc>
+                  <a:txBody>
+                    <a:bodyPr/>
+                    <a:lstStyle/>
+                    <a:p>
+                      <a:pPr algn="ctr"/>
+                      <a:r>
+                        <a:rPr lang="en-GB" sz="1800" b="1" kern="1200" dirty="0" smtClean="0">
+                          <a:solidFill>
+                            <a:schemeClr val="lt1"/>
+                          </a:solidFill>
+                          <a:latin typeface="+mn-lt"/>
+                          <a:ea typeface="+mn-ea"/>
+                          <a:cs typeface="+mn-cs"/>
+                        </a:rPr>
+                        <a:t>Model</a:t>
+                      </a:r>
+                      <a:endParaRPr lang="en-GB" dirty="0"/>
+                    </a:p>
+                  </a:txBody>
+                  <a:tcPr>
+                    <a:solidFill>
+                      <a:schemeClr val="accent1"/>
+                    </a:solidFill>
+                  </a:tcPr>
+                </a:tc>
+                <a:tc>
+                  <a:txBody>
+                    <a:bodyPr/>
+                    <a:lstStyle/>
+                    <a:p>
+                      <a:pPr algn="ctr"/>
+                      <a:r>
+                        <a:rPr lang="en-GB" dirty="0" smtClean="0"/>
+                        <a:t>Mean of the last 10 tweets</a:t>
+                      </a:r>
+                      <a:endParaRPr lang="en-GB" dirty="0"/>
+                    </a:p>
+                  </a:txBody>
+                  <a:tcPr/>
+                </a:tc>
+                <a:tc>
+                  <a:txBody>
+                    <a:bodyPr/>
+                    <a:lstStyle/>
+                    <a:p>
+                      <a:pPr algn="ctr"/>
+                      <a:r>
+                        <a:rPr lang="en-GB" dirty="0" smtClean="0"/>
+                        <a:t>MLP Classifier (Neural</a:t>
+                      </a:r>
+                      <a:r>
+                        <a:rPr lang="en-GB" baseline="0" dirty="0" smtClean="0"/>
+                        <a:t> Network)</a:t>
+                      </a:r>
+                      <a:endParaRPr lang="en-GB" dirty="0"/>
+                    </a:p>
+                  </a:txBody>
+                  <a:tcPr/>
+                </a:tc>
+                <a:tc>
+                  <a:txBody>
+                    <a:bodyPr/>
+                    <a:lstStyle/>
+                    <a:p>
+                      <a:pPr algn="ctr"/>
+                      <a:r>
+                        <a:rPr lang="en-GB" dirty="0" smtClean="0"/>
+                        <a:t>MLP Classifier (Neural</a:t>
+                      </a:r>
+                      <a:r>
+                        <a:rPr lang="en-GB" baseline="0" dirty="0" smtClean="0"/>
+                        <a:t> Network)</a:t>
+                      </a:r>
+                      <a:endParaRPr lang="en-GB" dirty="0" smtClean="0"/>
+                    </a:p>
+                  </a:txBody>
+                  <a:tcPr/>
+                </a:tc>
+                <a:extLst>
+                  <a:ext uri="{0D108BD9-81ED-4DB2-BD59-A6C34878D82A}">
+                    <a16:rowId xmlns="" xmlns:a16="http://schemas.microsoft.com/office/drawing/2014/main" val="2024136782"/>
+                  </a:ext>
+                </a:extLst>
+              </a:tr>
+            </a:tbl>
+          </a:graphicData>
+        </a:graphic>
+      </p:graphicFrame>
+      <p:pic>
+        <p:nvPicPr>
+          <p:cNvPr id="15" name="Imagen 14"/>
+          <p:cNvPicPr>
+            <a:picLocks noChangeAspect="1"/>
+          </p:cNvPicPr>
+          <p:nvPr/>
+        </p:nvPicPr>
+        <p:blipFill>
+          <a:blip r:embed="rId2" cstate="print">
+            <a:extLst>
+              <a:ext uri="{28A0092B-C50C-407E-A947-70E740481C1C}">
+                <a14:useLocalDpi xmlns:a14="http://schemas.microsoft.com/office/drawing/2010/main" xmlns="" val="0"/>
+              </a:ext>
+            </a:extLst>
+          </a:blip>
+          <a:stretch>
+            <a:fillRect/>
+          </a:stretch>
+        </p:blipFill>
+        <p:spPr>
+          <a:xfrm>
+            <a:off x="4002158" y="3033804"/>
+            <a:ext cx="331302" cy="230116"/>
+          </a:xfrm>
+          <a:prstGeom prst="rect">
+            <a:avLst/>
+          </a:prstGeom>
+        </p:spPr>
+      </p:pic>
+    </p:spTree>
+    <p:extLst>
+      <p:ext uri="{BB962C8B-B14F-4D97-AF65-F5344CB8AC3E}">
+        <p14:creationId xmlns:p14="http://schemas.microsoft.com/office/powerpoint/2010/main" xmlns="" val="1134381640"/>
+      </p:ext>
+    </p:extLst>
+  </p:cSld>
+  <p:clrMapOvr>
+    <a:masterClrMapping/>
+  </p:clrMapOvr>
+  <p:timing>
+    <p:tnLst>
+      <p:par>
+        <p:cTn id="1" dur="indefinite" restart="never" nodeType="tmRoot"/>
+      </p:par>
+    </p:tnLst>
+  </p:timing>
 </p:sld>
 </file>
 
@@ -26163,7 +26679,7 @@
     </a:clrScheme>
     <a:fontScheme name="Tema de Office">
       <a:majorFont>
-        <a:latin typeface="Calibri Light" panose="020F0302020204030204"/>
+        <a:latin typeface="Calibri Light"/>
         <a:ea typeface=""/>
         <a:cs typeface=""/>
         <a:font script="Jpan" typeface="游ゴシック Light"/>
@@ -26198,7 +26714,7 @@
         <a:font script="Geor" typeface="Sylfaen"/>
       </a:majorFont>
       <a:minorFont>
-        <a:latin typeface="Calibri" panose="020F0502020204030204"/>
+        <a:latin typeface="Calibri"/>
         <a:ea typeface=""/>
         <a:cs typeface=""/>
         <a:font script="Jpan" typeface="游ゴシック"/>
@@ -26375,7 +26891,7 @@
   <a:extraClrSchemeLst/>
   <a:extLst>
     <a:ext uri="{05A4C25C-085E-4340-85A3-A5531E510DB2}">
-      <thm15:themeFamily xmlns:thm15="http://schemas.microsoft.com/office/thememl/2012/main" name="Office Theme" id="{62F939B6-93AF-4DB8-9C6B-D6C7DFDC589F}" vid="{4A3C46E8-61CC-4603-A589-7422A47A8E4A}"/>
+      <thm15:themeFamily xmlns:thm15="http://schemas.microsoft.com/office/thememl/2012/main" xmlns="" name="Office Theme" id="{62F939B6-93AF-4DB8-9C6B-D6C7DFDC589F}" vid="{4A3C46E8-61CC-4603-A589-7422A47A8E4A}"/>
     </a:ext>
   </a:extLst>
 </a:theme>
@@ -26424,7 +26940,7 @@
     </a:clrScheme>
     <a:fontScheme name="Office">
       <a:majorFont>
-        <a:latin typeface="Calibri Light" panose="020F0302020204030204"/>
+        <a:latin typeface="Calibri Light"/>
         <a:ea typeface=""/>
         <a:cs typeface=""/>
         <a:font script="Jpan" typeface="Yu Gothic Light"/>
@@ -26459,7 +26975,7 @@
         <a:font script="Geor" typeface="Sylfaen"/>
       </a:majorFont>
       <a:minorFont>
-        <a:latin typeface="Calibri" panose="020F0502020204030204"/>
+        <a:latin typeface="Calibri"/>
         <a:ea typeface=""/>
         <a:cs typeface=""/>
         <a:font script="Jpan" typeface="Yu Gothic"/>
@@ -26636,7 +27152,7 @@
   <a:extraClrSchemeLst/>
   <a:extLst>
     <a:ext uri="{05A4C25C-085E-4340-85A3-A5531E510DB2}">
-      <thm15:themeFamily xmlns:thm15="http://schemas.microsoft.com/office/thememl/2012/main" name="Office Theme" id="{62F939B6-93AF-4DB8-9C6B-D6C7DFDC589F}" vid="{4A3C46E8-61CC-4603-A589-7422A47A8E4A}"/>
+      <thm15:themeFamily xmlns:thm15="http://schemas.microsoft.com/office/thememl/2012/main" xmlns="" name="Office Theme" id="{62F939B6-93AF-4DB8-9C6B-D6C7DFDC589F}" vid="{4A3C46E8-61CC-4603-A589-7422A47A8E4A}"/>
     </a:ext>
   </a:extLst>
 </a:theme>

--- a/Presentation/development.pptx
+++ b/Presentation/development.pptx
@@ -119,7 +119,7 @@
   </p:defaultTextStyle>
   <p:extLst>
     <p:ext uri="{EFAFB233-063F-42B5-8137-9DF3F51BA10A}">
-      <p15:sldGuideLst xmlns:p15="http://schemas.microsoft.com/office/powerpoint/2012/main" xmlns=""/>
+      <p15:sldGuideLst xmlns="" xmlns:p15="http://schemas.microsoft.com/office/powerpoint/2012/main"/>
     </p:ext>
   </p:extLst>
 </p:presentation>
@@ -15435,7 +15435,7 @@
     </p:spTree>
     <p:extLst>
       <p:ext uri="{BB962C8B-B14F-4D97-AF65-F5344CB8AC3E}">
-        <p14:creationId xmlns:p14="http://schemas.microsoft.com/office/powerpoint/2010/main" xmlns="" val="951096157"/>
+        <p14:creationId xmlns="" xmlns:p14="http://schemas.microsoft.com/office/powerpoint/2010/main" val="951096157"/>
       </p:ext>
     </p:extLst>
   </p:cSld>
@@ -15719,7 +15719,7 @@
     </p:spTree>
     <p:extLst>
       <p:ext uri="{BB962C8B-B14F-4D97-AF65-F5344CB8AC3E}">
-        <p14:creationId xmlns:p14="http://schemas.microsoft.com/office/powerpoint/2010/main" xmlns="" val="1298026610"/>
+        <p14:creationId xmlns="" xmlns:p14="http://schemas.microsoft.com/office/powerpoint/2010/main" val="1298026610"/>
       </p:ext>
     </p:extLst>
   </p:cSld>
@@ -15891,7 +15891,7 @@
     </p:spTree>
     <p:extLst>
       <p:ext uri="{BB962C8B-B14F-4D97-AF65-F5344CB8AC3E}">
-        <p14:creationId xmlns:p14="http://schemas.microsoft.com/office/powerpoint/2010/main" xmlns="" val="3984263725"/>
+        <p14:creationId xmlns="" xmlns:p14="http://schemas.microsoft.com/office/powerpoint/2010/main" val="3984263725"/>
       </p:ext>
     </p:extLst>
   </p:cSld>
@@ -16073,7 +16073,7 @@
     </p:spTree>
     <p:extLst>
       <p:ext uri="{BB962C8B-B14F-4D97-AF65-F5344CB8AC3E}">
-        <p14:creationId xmlns:p14="http://schemas.microsoft.com/office/powerpoint/2010/main" xmlns="" val="530952077"/>
+        <p14:creationId xmlns="" xmlns:p14="http://schemas.microsoft.com/office/powerpoint/2010/main" val="530952077"/>
       </p:ext>
     </p:extLst>
   </p:cSld>
@@ -16245,7 +16245,7 @@
     </p:spTree>
     <p:extLst>
       <p:ext uri="{BB962C8B-B14F-4D97-AF65-F5344CB8AC3E}">
-        <p14:creationId xmlns:p14="http://schemas.microsoft.com/office/powerpoint/2010/main" xmlns="" val="802144663"/>
+        <p14:creationId xmlns="" xmlns:p14="http://schemas.microsoft.com/office/powerpoint/2010/main" val="802144663"/>
       </p:ext>
     </p:extLst>
   </p:cSld>
@@ -16491,7 +16491,7 @@
     </p:spTree>
     <p:extLst>
       <p:ext uri="{BB962C8B-B14F-4D97-AF65-F5344CB8AC3E}">
-        <p14:creationId xmlns:p14="http://schemas.microsoft.com/office/powerpoint/2010/main" xmlns="" val="60314343"/>
+        <p14:creationId xmlns="" xmlns:p14="http://schemas.microsoft.com/office/powerpoint/2010/main" val="60314343"/>
       </p:ext>
     </p:extLst>
   </p:cSld>
@@ -16725,7 +16725,7 @@
     </p:spTree>
     <p:extLst>
       <p:ext uri="{BB962C8B-B14F-4D97-AF65-F5344CB8AC3E}">
-        <p14:creationId xmlns:p14="http://schemas.microsoft.com/office/powerpoint/2010/main" xmlns="" val="253129559"/>
+        <p14:creationId xmlns="" xmlns:p14="http://schemas.microsoft.com/office/powerpoint/2010/main" val="253129559"/>
       </p:ext>
     </p:extLst>
   </p:cSld>
@@ -17094,7 +17094,7 @@
     </p:spTree>
     <p:extLst>
       <p:ext uri="{BB962C8B-B14F-4D97-AF65-F5344CB8AC3E}">
-        <p14:creationId xmlns:p14="http://schemas.microsoft.com/office/powerpoint/2010/main" xmlns="" val="1334106859"/>
+        <p14:creationId xmlns="" xmlns:p14="http://schemas.microsoft.com/office/powerpoint/2010/main" val="1334106859"/>
       </p:ext>
     </p:extLst>
   </p:cSld>
@@ -17214,7 +17214,7 @@
     </p:spTree>
     <p:extLst>
       <p:ext uri="{BB962C8B-B14F-4D97-AF65-F5344CB8AC3E}">
-        <p14:creationId xmlns:p14="http://schemas.microsoft.com/office/powerpoint/2010/main" xmlns="" val="374600800"/>
+        <p14:creationId xmlns="" xmlns:p14="http://schemas.microsoft.com/office/powerpoint/2010/main" val="374600800"/>
       </p:ext>
     </p:extLst>
   </p:cSld>
@@ -17311,7 +17311,7 @@
     </p:spTree>
     <p:extLst>
       <p:ext uri="{BB962C8B-B14F-4D97-AF65-F5344CB8AC3E}">
-        <p14:creationId xmlns:p14="http://schemas.microsoft.com/office/powerpoint/2010/main" xmlns="" val="3487373088"/>
+        <p14:creationId xmlns="" xmlns:p14="http://schemas.microsoft.com/office/powerpoint/2010/main" val="3487373088"/>
       </p:ext>
     </p:extLst>
   </p:cSld>
@@ -17590,7 +17590,7 @@
     </p:spTree>
     <p:extLst>
       <p:ext uri="{BB962C8B-B14F-4D97-AF65-F5344CB8AC3E}">
-        <p14:creationId xmlns:p14="http://schemas.microsoft.com/office/powerpoint/2010/main" xmlns="" val="3190625984"/>
+        <p14:creationId xmlns="" xmlns:p14="http://schemas.microsoft.com/office/powerpoint/2010/main" val="3190625984"/>
       </p:ext>
     </p:extLst>
   </p:cSld>
@@ -17849,7 +17849,7 @@
     </p:spTree>
     <p:extLst>
       <p:ext uri="{BB962C8B-B14F-4D97-AF65-F5344CB8AC3E}">
-        <p14:creationId xmlns:p14="http://schemas.microsoft.com/office/powerpoint/2010/main" xmlns="" val="2449329734"/>
+        <p14:creationId xmlns="" xmlns:p14="http://schemas.microsoft.com/office/powerpoint/2010/main" val="2449329734"/>
       </p:ext>
     </p:extLst>
   </p:cSld>
@@ -18110,7 +18110,7 @@
     </p:spTree>
     <p:extLst>
       <p:ext uri="{BB962C8B-B14F-4D97-AF65-F5344CB8AC3E}">
-        <p14:creationId xmlns:p14="http://schemas.microsoft.com/office/powerpoint/2010/main" xmlns="" val="2071180167"/>
+        <p14:creationId xmlns="" xmlns:p14="http://schemas.microsoft.com/office/powerpoint/2010/main" val="2071180167"/>
       </p:ext>
     </p:extLst>
   </p:cSld>
@@ -18433,7 +18433,7 @@
           <p:cNvPr id="3" name="Subtítulo 2">
             <a:extLst>
               <a:ext uri="{FF2B5EF4-FFF2-40B4-BE49-F238E27FC236}">
-                <a16:creationId xmlns="" xmlns:a16="http://schemas.microsoft.com/office/drawing/2014/main" id="{7898A89F-12B7-43F8-981E-81E94A2635E7}"/>
+                <a16:creationId xmlns:a16="http://schemas.microsoft.com/office/drawing/2014/main" xmlns="" id="{7898A89F-12B7-43F8-981E-81E94A2635E7}"/>
               </a:ext>
             </a:extLst>
           </p:cNvPr>
@@ -18460,7 +18460,7 @@
                 <a:hlinkClick r:id="rId2">
                   <a:extLst>
                     <a:ext uri="{A12FA001-AC4F-418D-AE19-62706E023703}">
-                      <ahyp:hlinkClr xmlns="" xmlns:ahyp="http://schemas.microsoft.com/office/drawing/2018/hyperlinkcolor" val="tx"/>
+                      <ahyp:hlinkClr xmlns:ahyp="http://schemas.microsoft.com/office/drawing/2018/hyperlinkcolor" xmlns="" val="tx"/>
                     </a:ext>
                   </a:extLst>
                 </a:hlinkClick>
@@ -18476,7 +18476,7 @@
           <p:cNvPr id="5" name="Rectángulo: esquinas redondeadas 4">
             <a:extLst>
               <a:ext uri="{FF2B5EF4-FFF2-40B4-BE49-F238E27FC236}">
-                <a16:creationId xmlns="" xmlns:a16="http://schemas.microsoft.com/office/drawing/2014/main" id="{1786D3C0-39CB-4172-9853-40F6BEDBDDAB}"/>
+                <a16:creationId xmlns:a16="http://schemas.microsoft.com/office/drawing/2014/main" xmlns="" id="{1786D3C0-39CB-4172-9853-40F6BEDBDDAB}"/>
               </a:ext>
             </a:extLst>
           </p:cNvPr>
@@ -18536,7 +18536,7 @@
           <p:cNvPr id="7" name="Imagen 6">
             <a:extLst>
               <a:ext uri="{FF2B5EF4-FFF2-40B4-BE49-F238E27FC236}">
-                <a16:creationId xmlns="" xmlns:a16="http://schemas.microsoft.com/office/drawing/2014/main" id="{A7BF51C9-5ED6-42CE-9B5C-7CA03EA63DCA}"/>
+                <a16:creationId xmlns:a16="http://schemas.microsoft.com/office/drawing/2014/main" xmlns="" id="{A7BF51C9-5ED6-42CE-9B5C-7CA03EA63DCA}"/>
               </a:ext>
             </a:extLst>
           </p:cNvPr>
@@ -18549,7 +18549,7 @@
           <a:blip r:embed="rId3" cstate="print">
             <a:extLst>
               <a:ext uri="{28A0092B-C50C-407E-A947-70E740481C1C}">
-                <a14:useLocalDpi xmlns:a14="http://schemas.microsoft.com/office/drawing/2010/main" xmlns="" val="0"/>
+                <a14:useLocalDpi xmlns="" xmlns:a14="http://schemas.microsoft.com/office/drawing/2010/main" val="0"/>
               </a:ext>
             </a:extLst>
           </a:blip>
@@ -18572,7 +18572,7 @@
           <p:cNvPr id="8" name="CuadroTexto 7">
             <a:extLst>
               <a:ext uri="{FF2B5EF4-FFF2-40B4-BE49-F238E27FC236}">
-                <a16:creationId xmlns="" xmlns:a16="http://schemas.microsoft.com/office/drawing/2014/main" id="{2876116E-114D-4377-A1FE-1E5B18150DF1}"/>
+                <a16:creationId xmlns:a16="http://schemas.microsoft.com/office/drawing/2014/main" xmlns="" id="{2876116E-114D-4377-A1FE-1E5B18150DF1}"/>
               </a:ext>
             </a:extLst>
           </p:cNvPr>
@@ -18693,7 +18693,7 @@
     </p:spTree>
     <p:extLst>
       <p:ext uri="{BB962C8B-B14F-4D97-AF65-F5344CB8AC3E}">
-        <p14:creationId xmlns:p14="http://schemas.microsoft.com/office/powerpoint/2010/main" xmlns="" val="1059215615"/>
+        <p14:creationId xmlns="" xmlns:p14="http://schemas.microsoft.com/office/powerpoint/2010/main" val="1059215615"/>
       </p:ext>
     </p:extLst>
   </p:cSld>
@@ -18732,7 +18732,7 @@
           <p:cNvPr id="4" name="Marcador de contenido 3">
             <a:extLst>
               <a:ext uri="{FF2B5EF4-FFF2-40B4-BE49-F238E27FC236}">
-                <a16:creationId xmlns="" xmlns:a16="http://schemas.microsoft.com/office/drawing/2014/main" id="{0A79A359-313C-4D56-B712-2F4711C93092}"/>
+                <a16:creationId xmlns:a16="http://schemas.microsoft.com/office/drawing/2014/main" xmlns="" id="{0A79A359-313C-4D56-B712-2F4711C93092}"/>
               </a:ext>
             </a:extLst>
           </p:cNvPr>
@@ -18743,7 +18743,7 @@
             <p:ph idx="1"/>
             <p:extLst>
               <p:ext uri="{D42A27DB-BD31-4B8C-83A1-F6EECF244321}">
-                <p14:modId xmlns:p14="http://schemas.microsoft.com/office/powerpoint/2010/main" xmlns="" val="571232939"/>
+                <p14:modId xmlns="" xmlns:p14="http://schemas.microsoft.com/office/powerpoint/2010/main" val="571232939"/>
               </p:ext>
             </p:extLst>
           </p:nvPr>
@@ -18762,14 +18762,14 @@
                 <a:gridCol w="3791597">
                   <a:extLst>
                     <a:ext uri="{9D8B030D-6E8A-4147-A177-3AD203B41FA5}">
-                      <a16:colId xmlns="" xmlns:a16="http://schemas.microsoft.com/office/drawing/2014/main" val="2335588041"/>
+                      <a16:colId xmlns:a16="http://schemas.microsoft.com/office/drawing/2014/main" xmlns="" val="2335588041"/>
                     </a:ext>
                   </a:extLst>
                 </a:gridCol>
                 <a:gridCol w="3791597">
                   <a:extLst>
                     <a:ext uri="{9D8B030D-6E8A-4147-A177-3AD203B41FA5}">
-                      <a16:colId xmlns="" xmlns:a16="http://schemas.microsoft.com/office/drawing/2014/main" val="1112588493"/>
+                      <a16:colId xmlns:a16="http://schemas.microsoft.com/office/drawing/2014/main" xmlns="" val="1112588493"/>
                     </a:ext>
                   </a:extLst>
                 </a:gridCol>
@@ -18815,7 +18815,7 @@
                 </a:tc>
                 <a:extLst>
                   <a:ext uri="{0D108BD9-81ED-4DB2-BD59-A6C34878D82A}">
-                    <a16:rowId xmlns="" xmlns:a16="http://schemas.microsoft.com/office/drawing/2014/main" val="3992468993"/>
+                    <a16:rowId xmlns:a16="http://schemas.microsoft.com/office/drawing/2014/main" xmlns="" val="3992468993"/>
                   </a:ext>
                 </a:extLst>
               </a:tr>
@@ -18856,7 +18856,7 @@
                 </a:tc>
                 <a:extLst>
                   <a:ext uri="{0D108BD9-81ED-4DB2-BD59-A6C34878D82A}">
-                    <a16:rowId xmlns="" xmlns:a16="http://schemas.microsoft.com/office/drawing/2014/main" val="2024136782"/>
+                    <a16:rowId xmlns:a16="http://schemas.microsoft.com/office/drawing/2014/main" xmlns="" val="2024136782"/>
                   </a:ext>
                 </a:extLst>
               </a:tr>
@@ -18893,7 +18893,7 @@
                 </a:tc>
                 <a:extLst>
                   <a:ext uri="{0D108BD9-81ED-4DB2-BD59-A6C34878D82A}">
-                    <a16:rowId xmlns="" xmlns:a16="http://schemas.microsoft.com/office/drawing/2014/main" val="621434231"/>
+                    <a16:rowId xmlns:a16="http://schemas.microsoft.com/office/drawing/2014/main" xmlns="" val="621434231"/>
                   </a:ext>
                 </a:extLst>
               </a:tr>
@@ -18906,7 +18906,7 @@
           <p:cNvPr id="5" name="Diagrama 4">
             <a:extLst>
               <a:ext uri="{FF2B5EF4-FFF2-40B4-BE49-F238E27FC236}">
-                <a16:creationId xmlns="" xmlns:a16="http://schemas.microsoft.com/office/drawing/2014/main" id="{A46FEF82-D37D-47CE-AFFE-69DB712AF98A}"/>
+                <a16:creationId xmlns:a16="http://schemas.microsoft.com/office/drawing/2014/main" xmlns="" id="{A46FEF82-D37D-47CE-AFFE-69DB712AF98A}"/>
               </a:ext>
             </a:extLst>
           </p:cNvPr>
@@ -18914,7 +18914,7 @@
           <p:nvPr>
             <p:extLst>
               <p:ext uri="{D42A27DB-BD31-4B8C-83A1-F6EECF244321}">
-                <p14:modId xmlns:p14="http://schemas.microsoft.com/office/powerpoint/2010/main" xmlns="" val="791407120"/>
+                <p14:modId xmlns="" xmlns:p14="http://schemas.microsoft.com/office/powerpoint/2010/main" val="791407120"/>
               </p:ext>
             </p:extLst>
           </p:nvPr>
@@ -18934,7 +18934,7 @@
           <p:cNvPr id="6" name="Diagrama 5">
             <a:extLst>
               <a:ext uri="{FF2B5EF4-FFF2-40B4-BE49-F238E27FC236}">
-                <a16:creationId xmlns="" xmlns:a16="http://schemas.microsoft.com/office/drawing/2014/main" id="{7D5390E7-BC34-44A6-A954-A344F5581748}"/>
+                <a16:creationId xmlns:a16="http://schemas.microsoft.com/office/drawing/2014/main" xmlns="" id="{7D5390E7-BC34-44A6-A954-A344F5581748}"/>
               </a:ext>
             </a:extLst>
           </p:cNvPr>
@@ -18942,7 +18942,7 @@
           <p:nvPr>
             <p:extLst>
               <p:ext uri="{D42A27DB-BD31-4B8C-83A1-F6EECF244321}">
-                <p14:modId xmlns:p14="http://schemas.microsoft.com/office/powerpoint/2010/main" xmlns="" val="636086313"/>
+                <p14:modId xmlns="" xmlns:p14="http://schemas.microsoft.com/office/powerpoint/2010/main" val="636086313"/>
               </p:ext>
             </p:extLst>
           </p:nvPr>
@@ -18962,7 +18962,7 @@
           <p:cNvPr id="9" name="CuadroTexto 8">
             <a:extLst>
               <a:ext uri="{FF2B5EF4-FFF2-40B4-BE49-F238E27FC236}">
-                <a16:creationId xmlns="" xmlns:a16="http://schemas.microsoft.com/office/drawing/2014/main" id="{13DB99E7-F3ED-4A57-A0FC-5AF3EAC0C81D}"/>
+                <a16:creationId xmlns:a16="http://schemas.microsoft.com/office/drawing/2014/main" xmlns="" id="{13DB99E7-F3ED-4A57-A0FC-5AF3EAC0C81D}"/>
               </a:ext>
             </a:extLst>
           </p:cNvPr>
@@ -19209,7 +19209,7 @@
           <p:cNvPr id="12" name="Título 1">
             <a:extLst>
               <a:ext uri="{FF2B5EF4-FFF2-40B4-BE49-F238E27FC236}">
-                <a16:creationId xmlns="" xmlns:a16="http://schemas.microsoft.com/office/drawing/2014/main" id="{99B5AF95-097D-4738-83EF-F6E071141CE9}"/>
+                <a16:creationId xmlns:a16="http://schemas.microsoft.com/office/drawing/2014/main" xmlns="" id="{99B5AF95-097D-4738-83EF-F6E071141CE9}"/>
               </a:ext>
             </a:extLst>
           </p:cNvPr>
@@ -19285,7 +19285,7 @@
           <p:cNvPr id="2" name="Grupo 12">
             <a:extLst>
               <a:ext uri="{FF2B5EF4-FFF2-40B4-BE49-F238E27FC236}">
-                <a16:creationId xmlns="" xmlns:a16="http://schemas.microsoft.com/office/drawing/2014/main" id="{892181AC-7731-47B7-B4D5-32FB0DA3D8D2}"/>
+                <a16:creationId xmlns:a16="http://schemas.microsoft.com/office/drawing/2014/main" xmlns="" id="{892181AC-7731-47B7-B4D5-32FB0DA3D8D2}"/>
               </a:ext>
             </a:extLst>
           </p:cNvPr>
@@ -19305,7 +19305,7 @@
             <p:cNvPr id="14" name="Rectángulo: esquinas redondeadas 13">
               <a:extLst>
                 <a:ext uri="{FF2B5EF4-FFF2-40B4-BE49-F238E27FC236}">
-                  <a16:creationId xmlns="" xmlns:a16="http://schemas.microsoft.com/office/drawing/2014/main" id="{2CF8D916-B82C-45E8-8EC4-32BF4FDF6262}"/>
+                  <a16:creationId xmlns:a16="http://schemas.microsoft.com/office/drawing/2014/main" xmlns="" id="{2CF8D916-B82C-45E8-8EC4-32BF4FDF6262}"/>
                 </a:ext>
               </a:extLst>
             </p:cNvPr>
@@ -19356,7 +19356,7 @@
             <p:cNvPr id="15" name="Rectángulo: esquinas redondeadas 4">
               <a:extLst>
                 <a:ext uri="{FF2B5EF4-FFF2-40B4-BE49-F238E27FC236}">
-                  <a16:creationId xmlns="" xmlns:a16="http://schemas.microsoft.com/office/drawing/2014/main" id="{C5772EF3-A1DB-43BE-9F3F-53864ACD3F16}"/>
+                  <a16:creationId xmlns:a16="http://schemas.microsoft.com/office/drawing/2014/main" xmlns="" id="{C5772EF3-A1DB-43BE-9F3F-53864ACD3F16}"/>
                 </a:ext>
               </a:extLst>
             </p:cNvPr>
@@ -19437,7 +19437,7 @@
           <p:cNvPr id="3" name="Grupo 19">
             <a:extLst>
               <a:ext uri="{FF2B5EF4-FFF2-40B4-BE49-F238E27FC236}">
-                <a16:creationId xmlns="" xmlns:a16="http://schemas.microsoft.com/office/drawing/2014/main" id="{437C47F0-803A-46F9-A824-8B85AC4DF5FD}"/>
+                <a16:creationId xmlns:a16="http://schemas.microsoft.com/office/drawing/2014/main" xmlns="" id="{437C47F0-803A-46F9-A824-8B85AC4DF5FD}"/>
               </a:ext>
             </a:extLst>
           </p:cNvPr>
@@ -19457,7 +19457,7 @@
             <p:cNvPr id="21" name="Rectángulo: esquinas redondeadas 20">
               <a:extLst>
                 <a:ext uri="{FF2B5EF4-FFF2-40B4-BE49-F238E27FC236}">
-                  <a16:creationId xmlns="" xmlns:a16="http://schemas.microsoft.com/office/drawing/2014/main" id="{78607DDC-E8C8-42E6-94EB-3DD8AC2D9048}"/>
+                  <a16:creationId xmlns:a16="http://schemas.microsoft.com/office/drawing/2014/main" xmlns="" id="{78607DDC-E8C8-42E6-94EB-3DD8AC2D9048}"/>
                 </a:ext>
               </a:extLst>
             </p:cNvPr>
@@ -19508,7 +19508,7 @@
             <p:cNvPr id="22" name="Rectángulo: esquinas redondeadas 4">
               <a:extLst>
                 <a:ext uri="{FF2B5EF4-FFF2-40B4-BE49-F238E27FC236}">
-                  <a16:creationId xmlns="" xmlns:a16="http://schemas.microsoft.com/office/drawing/2014/main" id="{E5EC5060-928D-4A62-80DB-F3A08B0B2301}"/>
+                  <a16:creationId xmlns:a16="http://schemas.microsoft.com/office/drawing/2014/main" xmlns="" id="{E5EC5060-928D-4A62-80DB-F3A08B0B2301}"/>
                 </a:ext>
               </a:extLst>
             </p:cNvPr>
@@ -19659,7 +19659,7 @@
     </p:spTree>
     <p:extLst>
       <p:ext uri="{BB962C8B-B14F-4D97-AF65-F5344CB8AC3E}">
-        <p14:creationId xmlns:p14="http://schemas.microsoft.com/office/powerpoint/2010/main" xmlns="" val="3963840826"/>
+        <p14:creationId xmlns="" xmlns:p14="http://schemas.microsoft.com/office/powerpoint/2010/main" val="3963840826"/>
       </p:ext>
     </p:extLst>
   </p:cSld>
@@ -19698,7 +19698,7 @@
           <p:cNvPr id="4" name="Título 1">
             <a:extLst>
               <a:ext uri="{FF2B5EF4-FFF2-40B4-BE49-F238E27FC236}">
-                <a16:creationId xmlns="" xmlns:a16="http://schemas.microsoft.com/office/drawing/2014/main" id="{99B5AF95-097D-4738-83EF-F6E071141CE9}"/>
+                <a16:creationId xmlns:a16="http://schemas.microsoft.com/office/drawing/2014/main" xmlns="" id="{99B5AF95-097D-4738-83EF-F6E071141CE9}"/>
               </a:ext>
             </a:extLst>
           </p:cNvPr>
@@ -19774,7 +19774,7 @@
           <p:cNvPr id="5" name="Rectángulo: esquinas redondeadas 4">
             <a:extLst>
               <a:ext uri="{FF2B5EF4-FFF2-40B4-BE49-F238E27FC236}">
-                <a16:creationId xmlns="" xmlns:a16="http://schemas.microsoft.com/office/drawing/2014/main" id="{1786D3C0-39CB-4172-9853-40F6BEDBDDAB}"/>
+                <a16:creationId xmlns:a16="http://schemas.microsoft.com/office/drawing/2014/main" xmlns="" id="{1786D3C0-39CB-4172-9853-40F6BEDBDDAB}"/>
               </a:ext>
             </a:extLst>
           </p:cNvPr>
@@ -19852,7 +19852,7 @@
           <p:cNvPr id="6" name="Subtítulo 2">
             <a:extLst>
               <a:ext uri="{FF2B5EF4-FFF2-40B4-BE49-F238E27FC236}">
-                <a16:creationId xmlns="" xmlns:a16="http://schemas.microsoft.com/office/drawing/2014/main" id="{7898A89F-12B7-43F8-981E-81E94A2635E7}"/>
+                <a16:creationId xmlns:a16="http://schemas.microsoft.com/office/drawing/2014/main" xmlns="" id="{7898A89F-12B7-43F8-981E-81E94A2635E7}"/>
               </a:ext>
             </a:extLst>
           </p:cNvPr>
@@ -19913,7 +19913,7 @@
                 <a:hlinkClick r:id="rId2">
                   <a:extLst>
                     <a:ext uri="{A12FA001-AC4F-418D-AE19-62706E023703}">
-                      <ahyp:hlinkClr xmlns="" xmlns:ahyp="http://schemas.microsoft.com/office/drawing/2018/hyperlinkcolor" val="tx"/>
+                      <ahyp:hlinkClr xmlns:ahyp="http://schemas.microsoft.com/office/drawing/2018/hyperlinkcolor" xmlns="" val="tx"/>
                     </a:ext>
                   </a:extLst>
                 </a:hlinkClick>
@@ -19967,7 +19967,7 @@
           <p:cNvPr id="2" name="Título 1">
             <a:extLst>
               <a:ext uri="{FF2B5EF4-FFF2-40B4-BE49-F238E27FC236}">
-                <a16:creationId xmlns="" xmlns:a16="http://schemas.microsoft.com/office/drawing/2014/main" id="{D17DCCC3-705B-4276-A440-5FC29EC0BF40}"/>
+                <a16:creationId xmlns:a16="http://schemas.microsoft.com/office/drawing/2014/main" xmlns="" id="{D17DCCC3-705B-4276-A440-5FC29EC0BF40}"/>
               </a:ext>
             </a:extLst>
           </p:cNvPr>
@@ -20024,7 +20024,7 @@
           <p:cNvPr id="3" name="Marcador de contenido 2">
             <a:extLst>
               <a:ext uri="{FF2B5EF4-FFF2-40B4-BE49-F238E27FC236}">
-                <a16:creationId xmlns="" xmlns:a16="http://schemas.microsoft.com/office/drawing/2014/main" id="{EAC2261B-2E4E-4544-AE7A-F27D5AD06453}"/>
+                <a16:creationId xmlns:a16="http://schemas.microsoft.com/office/drawing/2014/main" xmlns="" id="{EAC2261B-2E4E-4544-AE7A-F27D5AD06453}"/>
               </a:ext>
             </a:extLst>
           </p:cNvPr>
@@ -20069,7 +20069,7 @@
           <p:cNvPr id="5" name="Marcador de contenido 2">
             <a:extLst>
               <a:ext uri="{FF2B5EF4-FFF2-40B4-BE49-F238E27FC236}">
-                <a16:creationId xmlns="" xmlns:a16="http://schemas.microsoft.com/office/drawing/2014/main" id="{070AC387-A01C-4A51-97F3-9AE830F528EA}"/>
+                <a16:creationId xmlns:a16="http://schemas.microsoft.com/office/drawing/2014/main" xmlns="" id="{070AC387-A01C-4A51-97F3-9AE830F528EA}"/>
               </a:ext>
             </a:extLst>
           </p:cNvPr>
@@ -20276,7 +20276,7 @@
           <p:cNvPr id="6" name="Marcador de contenido 2">
             <a:extLst>
               <a:ext uri="{FF2B5EF4-FFF2-40B4-BE49-F238E27FC236}">
-                <a16:creationId xmlns="" xmlns:a16="http://schemas.microsoft.com/office/drawing/2014/main" id="{51F9C440-C32E-4017-9091-3EC22A4B838B}"/>
+                <a16:creationId xmlns:a16="http://schemas.microsoft.com/office/drawing/2014/main" xmlns="" id="{51F9C440-C32E-4017-9091-3EC22A4B838B}"/>
               </a:ext>
             </a:extLst>
           </p:cNvPr>
@@ -20483,7 +20483,7 @@
           <p:cNvPr id="7" name="Marcador de contenido 2">
             <a:extLst>
               <a:ext uri="{FF2B5EF4-FFF2-40B4-BE49-F238E27FC236}">
-                <a16:creationId xmlns="" xmlns:a16="http://schemas.microsoft.com/office/drawing/2014/main" id="{CAD68F51-7D69-4BD4-80F2-EB5AF3E1743D}"/>
+                <a16:creationId xmlns:a16="http://schemas.microsoft.com/office/drawing/2014/main" xmlns="" id="{CAD68F51-7D69-4BD4-80F2-EB5AF3E1743D}"/>
               </a:ext>
             </a:extLst>
           </p:cNvPr>
@@ -20692,7 +20692,7 @@
     </p:spTree>
     <p:extLst>
       <p:ext uri="{BB962C8B-B14F-4D97-AF65-F5344CB8AC3E}">
-        <p14:creationId xmlns:p14="http://schemas.microsoft.com/office/powerpoint/2010/main" xmlns="" val="1368180478"/>
+        <p14:creationId xmlns="" xmlns:p14="http://schemas.microsoft.com/office/powerpoint/2010/main" val="1368180478"/>
       </p:ext>
     </p:extLst>
   </p:cSld>
@@ -20731,7 +20731,7 @@
           <p:cNvPr id="11" name="Grupo 10">
             <a:extLst>
               <a:ext uri="{FF2B5EF4-FFF2-40B4-BE49-F238E27FC236}">
-                <a16:creationId xmlns="" xmlns:a16="http://schemas.microsoft.com/office/drawing/2014/main" id="{05AC0499-4791-4450-863B-98CD11CE3EDB}"/>
+                <a16:creationId xmlns:a16="http://schemas.microsoft.com/office/drawing/2014/main" xmlns="" id="{05AC0499-4791-4450-863B-98CD11CE3EDB}"/>
               </a:ext>
             </a:extLst>
           </p:cNvPr>
@@ -20751,7 +20751,7 @@
             <p:cNvPr id="7" name="AutoShape 2">
               <a:extLst>
                 <a:ext uri="{FF2B5EF4-FFF2-40B4-BE49-F238E27FC236}">
-                  <a16:creationId xmlns="" xmlns:a16="http://schemas.microsoft.com/office/drawing/2014/main" id="{6FB34A55-1545-4F4B-961A-728C11DEC89F}"/>
+                  <a16:creationId xmlns:a16="http://schemas.microsoft.com/office/drawing/2014/main" xmlns="" id="{6FB34A55-1545-4F4B-961A-728C11DEC89F}"/>
                 </a:ext>
               </a:extLst>
             </p:cNvPr>
@@ -20779,7 +20779,7 @@
             <a:effectLst/>
             <a:extLst>
               <a:ext uri="{91240B29-F687-4F45-9708-019B960494DF}">
-                <a14:hiddenLine xmlns:a14="http://schemas.microsoft.com/office/drawing/2010/main" xmlns="" w="25400" algn="ctr">
+                <a14:hiddenLine xmlns="" xmlns:a14="http://schemas.microsoft.com/office/drawing/2010/main" w="25400" algn="ctr">
                   <a:solidFill>
                     <a:srgbClr val="000000"/>
                   </a:solidFill>
@@ -20789,7 +20789,7 @@
                 </a14:hiddenLine>
               </a:ext>
               <a:ext uri="{AF507438-7753-43E0-B8FC-AC1667EBCBE1}">
-                <a14:hiddenEffects xmlns:a14="http://schemas.microsoft.com/office/drawing/2010/main" xmlns="">
+                <a14:hiddenEffects xmlns="" xmlns:a14="http://schemas.microsoft.com/office/drawing/2010/main">
                   <a:effectLst>
                     <a:outerShdw dist="35921" dir="2700000" algn="ctr" rotWithShape="0">
                       <a:srgbClr val="000000"/>
@@ -20925,7 +20925,7 @@
             <p:cNvPr id="8" name="Text Box 3">
               <a:extLst>
                 <a:ext uri="{FF2B5EF4-FFF2-40B4-BE49-F238E27FC236}">
-                  <a16:creationId xmlns="" xmlns:a16="http://schemas.microsoft.com/office/drawing/2014/main" id="{3B12F2B2-7621-4AC1-B191-95073A0FDCF3}"/>
+                  <a16:creationId xmlns:a16="http://schemas.microsoft.com/office/drawing/2014/main" xmlns="" id="{3B12F2B2-7621-4AC1-B191-95073A0FDCF3}"/>
                 </a:ext>
               </a:extLst>
             </p:cNvPr>
@@ -20949,14 +20949,14 @@
             <a:effectLst/>
             <a:extLst>
               <a:ext uri="{909E8E84-426E-40DD-AFC4-6F175D3DCCD1}">
-                <a14:hiddenFill xmlns:a14="http://schemas.microsoft.com/office/drawing/2010/main" xmlns="">
+                <a14:hiddenFill xmlns="" xmlns:a14="http://schemas.microsoft.com/office/drawing/2010/main">
                   <a:solidFill>
                     <a:srgbClr val="5B9BD5"/>
                   </a:solidFill>
                 </a14:hiddenFill>
               </a:ext>
               <a:ext uri="{91240B29-F687-4F45-9708-019B960494DF}">
-                <a14:hiddenLine xmlns:a14="http://schemas.microsoft.com/office/drawing/2010/main" xmlns="" w="25400" algn="ctr">
+                <a14:hiddenLine xmlns="" xmlns:a14="http://schemas.microsoft.com/office/drawing/2010/main" w="25400" algn="ctr">
                   <a:solidFill>
                     <a:srgbClr val="000000"/>
                   </a:solidFill>
@@ -20966,7 +20966,7 @@
                 </a14:hiddenLine>
               </a:ext>
               <a:ext uri="{AF507438-7753-43E0-B8FC-AC1667EBCBE1}">
-                <a14:hiddenEffects xmlns:a14="http://schemas.microsoft.com/office/drawing/2010/main" xmlns="">
+                <a14:hiddenEffects xmlns="" xmlns:a14="http://schemas.microsoft.com/office/drawing/2010/main">
                   <a:effectLst>
                     <a:outerShdw dist="35921" dir="2700000" algn="ctr" rotWithShape="0">
                       <a:srgbClr val="000000"/>
@@ -21163,7 +21163,7 @@
             <p:cNvPr id="1028" name="Picture 4" descr="Resultat d'imatges de star icon">
               <a:extLst>
                 <a:ext uri="{FF2B5EF4-FFF2-40B4-BE49-F238E27FC236}">
-                  <a16:creationId xmlns="" xmlns:a16="http://schemas.microsoft.com/office/drawing/2014/main" id="{B49E22A6-C16E-42FF-9087-40F82BB8599C}"/>
+                  <a16:creationId xmlns:a16="http://schemas.microsoft.com/office/drawing/2014/main" xmlns="" id="{B49E22A6-C16E-42FF-9087-40F82BB8599C}"/>
                 </a:ext>
               </a:extLst>
             </p:cNvPr>
@@ -21176,7 +21176,7 @@
             <a:blip r:embed="rId2" cstate="print">
               <a:extLst>
                 <a:ext uri="{28A0092B-C50C-407E-A947-70E740481C1C}">
-                  <a14:useLocalDpi xmlns:a14="http://schemas.microsoft.com/office/drawing/2010/main" xmlns="" val="0"/>
+                  <a14:useLocalDpi xmlns="" xmlns:a14="http://schemas.microsoft.com/office/drawing/2010/main" val="0"/>
                 </a:ext>
               </a:extLst>
             </a:blip>
@@ -21199,14 +21199,14 @@
             </a:ln>
             <a:extLst>
               <a:ext uri="{909E8E84-426E-40DD-AFC4-6F175D3DCCD1}">
-                <a14:hiddenFill xmlns:a14="http://schemas.microsoft.com/office/drawing/2010/main" xmlns="">
+                <a14:hiddenFill xmlns="" xmlns:a14="http://schemas.microsoft.com/office/drawing/2010/main">
                   <a:solidFill>
                     <a:srgbClr val="FFFFFF"/>
                   </a:solidFill>
                 </a14:hiddenFill>
               </a:ext>
               <a:ext uri="{91240B29-F687-4F45-9708-019B960494DF}">
-                <a14:hiddenLine xmlns:a14="http://schemas.microsoft.com/office/drawing/2010/main" xmlns="" w="9525" algn="in">
+                <a14:hiddenLine xmlns="" xmlns:a14="http://schemas.microsoft.com/office/drawing/2010/main" w="9525" algn="in">
                   <a:solidFill>
                     <a:srgbClr val="000000"/>
                   </a:solidFill>
@@ -21224,7 +21224,7 @@
           <p:cNvPr id="12" name="Grupo 11">
             <a:extLst>
               <a:ext uri="{FF2B5EF4-FFF2-40B4-BE49-F238E27FC236}">
-                <a16:creationId xmlns="" xmlns:a16="http://schemas.microsoft.com/office/drawing/2014/main" id="{A7655AD6-E550-454E-9C5B-0D49593AF82D}"/>
+                <a16:creationId xmlns:a16="http://schemas.microsoft.com/office/drawing/2014/main" xmlns="" id="{A7655AD6-E550-454E-9C5B-0D49593AF82D}"/>
               </a:ext>
             </a:extLst>
           </p:cNvPr>
@@ -21244,7 +21244,7 @@
             <p:cNvPr id="9" name="AutoShape 5">
               <a:extLst>
                 <a:ext uri="{FF2B5EF4-FFF2-40B4-BE49-F238E27FC236}">
-                  <a16:creationId xmlns="" xmlns:a16="http://schemas.microsoft.com/office/drawing/2014/main" id="{73155F2A-3401-4454-AC7F-CE4DB1F55EB2}"/>
+                  <a16:creationId xmlns:a16="http://schemas.microsoft.com/office/drawing/2014/main" xmlns="" id="{73155F2A-3401-4454-AC7F-CE4DB1F55EB2}"/>
                 </a:ext>
               </a:extLst>
             </p:cNvPr>
@@ -21272,7 +21272,7 @@
             <a:effectLst/>
             <a:extLst>
               <a:ext uri="{91240B29-F687-4F45-9708-019B960494DF}">
-                <a14:hiddenLine xmlns:a14="http://schemas.microsoft.com/office/drawing/2010/main" xmlns="" w="25400" algn="ctr">
+                <a14:hiddenLine xmlns="" xmlns:a14="http://schemas.microsoft.com/office/drawing/2010/main" w="25400" algn="ctr">
                   <a:solidFill>
                     <a:srgbClr val="000000"/>
                   </a:solidFill>
@@ -21282,7 +21282,7 @@
                 </a14:hiddenLine>
               </a:ext>
               <a:ext uri="{AF507438-7753-43E0-B8FC-AC1667EBCBE1}">
-                <a14:hiddenEffects xmlns:a14="http://schemas.microsoft.com/office/drawing/2010/main" xmlns="">
+                <a14:hiddenEffects xmlns="" xmlns:a14="http://schemas.microsoft.com/office/drawing/2010/main">
                   <a:effectLst>
                     <a:outerShdw dist="35921" dir="2700000" algn="ctr" rotWithShape="0">
                       <a:srgbClr val="000000"/>
@@ -21418,7 +21418,7 @@
             <p:cNvPr id="1030" name="Picture 6" descr="graph">
               <a:extLst>
                 <a:ext uri="{FF2B5EF4-FFF2-40B4-BE49-F238E27FC236}">
-                  <a16:creationId xmlns="" xmlns:a16="http://schemas.microsoft.com/office/drawing/2014/main" id="{E7BCF0D7-DE19-4F02-BCAF-505777665855}"/>
+                  <a16:creationId xmlns:a16="http://schemas.microsoft.com/office/drawing/2014/main" xmlns="" id="{E7BCF0D7-DE19-4F02-BCAF-505777665855}"/>
                 </a:ext>
               </a:extLst>
             </p:cNvPr>
@@ -21431,7 +21431,7 @@
             <a:blip r:embed="rId3" cstate="print">
               <a:extLst>
                 <a:ext uri="{28A0092B-C50C-407E-A947-70E740481C1C}">
-                  <a14:useLocalDpi xmlns:a14="http://schemas.microsoft.com/office/drawing/2010/main" xmlns="" val="0"/>
+                  <a14:useLocalDpi xmlns="" xmlns:a14="http://schemas.microsoft.com/office/drawing/2010/main" val="0"/>
                 </a:ext>
               </a:extLst>
             </a:blip>
@@ -21455,14 +21455,14 @@
             <a:effectLst/>
             <a:extLst>
               <a:ext uri="{909E8E84-426E-40DD-AFC4-6F175D3DCCD1}">
-                <a14:hiddenFill xmlns:a14="http://schemas.microsoft.com/office/drawing/2010/main" xmlns="">
+                <a14:hiddenFill xmlns="" xmlns:a14="http://schemas.microsoft.com/office/drawing/2010/main">
                   <a:solidFill>
                     <a:srgbClr val="5B9BD5"/>
                   </a:solidFill>
                 </a14:hiddenFill>
               </a:ext>
               <a:ext uri="{91240B29-F687-4F45-9708-019B960494DF}">
-                <a14:hiddenLine xmlns:a14="http://schemas.microsoft.com/office/drawing/2010/main" xmlns="" w="25400" algn="ctr">
+                <a14:hiddenLine xmlns="" xmlns:a14="http://schemas.microsoft.com/office/drawing/2010/main" w="25400" algn="ctr">
                   <a:solidFill>
                     <a:srgbClr val="000000"/>
                   </a:solidFill>
@@ -21472,7 +21472,7 @@
                 </a14:hiddenLine>
               </a:ext>
               <a:ext uri="{AF507438-7753-43E0-B8FC-AC1667EBCBE1}">
-                <a14:hiddenEffects xmlns:a14="http://schemas.microsoft.com/office/drawing/2010/main" xmlns="">
+                <a14:hiddenEffects xmlns="" xmlns:a14="http://schemas.microsoft.com/office/drawing/2010/main">
                   <a:effectLst>
                     <a:outerShdw dist="35921" dir="2700000" algn="ctr" rotWithShape="0">
                       <a:srgbClr val="000000"/>
@@ -21488,7 +21488,7 @@
             <p:cNvPr id="10" name="Text Box 7">
               <a:extLst>
                 <a:ext uri="{FF2B5EF4-FFF2-40B4-BE49-F238E27FC236}">
-                  <a16:creationId xmlns="" xmlns:a16="http://schemas.microsoft.com/office/drawing/2014/main" id="{95C5CC35-1807-4FAD-87D9-6CE581C264A6}"/>
+                  <a16:creationId xmlns:a16="http://schemas.microsoft.com/office/drawing/2014/main" xmlns="" id="{95C5CC35-1807-4FAD-87D9-6CE581C264A6}"/>
                 </a:ext>
               </a:extLst>
             </p:cNvPr>
@@ -21512,14 +21512,14 @@
             <a:effectLst/>
             <a:extLst>
               <a:ext uri="{909E8E84-426E-40DD-AFC4-6F175D3DCCD1}">
-                <a14:hiddenFill xmlns:a14="http://schemas.microsoft.com/office/drawing/2010/main" xmlns="">
+                <a14:hiddenFill xmlns="" xmlns:a14="http://schemas.microsoft.com/office/drawing/2010/main">
                   <a:solidFill>
                     <a:srgbClr val="5B9BD5"/>
                   </a:solidFill>
                 </a14:hiddenFill>
               </a:ext>
               <a:ext uri="{91240B29-F687-4F45-9708-019B960494DF}">
-                <a14:hiddenLine xmlns:a14="http://schemas.microsoft.com/office/drawing/2010/main" xmlns="" w="25400" algn="ctr">
+                <a14:hiddenLine xmlns="" xmlns:a14="http://schemas.microsoft.com/office/drawing/2010/main" w="25400" algn="ctr">
                   <a:solidFill>
                     <a:srgbClr val="000000"/>
                   </a:solidFill>
@@ -21529,7 +21529,7 @@
                 </a14:hiddenLine>
               </a:ext>
               <a:ext uri="{AF507438-7753-43E0-B8FC-AC1667EBCBE1}">
-                <a14:hiddenEffects xmlns:a14="http://schemas.microsoft.com/office/drawing/2010/main" xmlns="">
+                <a14:hiddenEffects xmlns="" xmlns:a14="http://schemas.microsoft.com/office/drawing/2010/main">
                   <a:effectLst>
                     <a:outerShdw dist="35921" dir="2700000" algn="ctr" rotWithShape="0">
                       <a:srgbClr val="000000"/>
@@ -21699,7 +21699,7 @@
           <p:cNvPr id="14" name="Tabla 13">
             <a:extLst>
               <a:ext uri="{FF2B5EF4-FFF2-40B4-BE49-F238E27FC236}">
-                <a16:creationId xmlns="" xmlns:a16="http://schemas.microsoft.com/office/drawing/2014/main" id="{A89C7F25-956C-476C-96B8-BB54109B5279}"/>
+                <a16:creationId xmlns:a16="http://schemas.microsoft.com/office/drawing/2014/main" xmlns="" id="{A89C7F25-956C-476C-96B8-BB54109B5279}"/>
               </a:ext>
             </a:extLst>
           </p:cNvPr>
@@ -21709,7 +21709,7 @@
           <p:nvPr>
             <p:extLst>
               <p:ext uri="{D42A27DB-BD31-4B8C-83A1-F6EECF244321}">
-                <p14:modId xmlns:p14="http://schemas.microsoft.com/office/powerpoint/2010/main" xmlns="" val="3540886712"/>
+                <p14:modId xmlns="" xmlns:p14="http://schemas.microsoft.com/office/powerpoint/2010/main" val="3540886712"/>
               </p:ext>
             </p:extLst>
           </p:nvPr>
@@ -21728,14 +21728,14 @@
                 <a:gridCol w="1985489">
                   <a:extLst>
                     <a:ext uri="{9D8B030D-6E8A-4147-A177-3AD203B41FA5}">
-                      <a16:colId xmlns="" xmlns:a16="http://schemas.microsoft.com/office/drawing/2014/main" val="1322281579"/>
+                      <a16:colId xmlns:a16="http://schemas.microsoft.com/office/drawing/2014/main" xmlns="" val="1322281579"/>
                     </a:ext>
                   </a:extLst>
                 </a:gridCol>
                 <a:gridCol w="1985489">
                   <a:extLst>
                     <a:ext uri="{9D8B030D-6E8A-4147-A177-3AD203B41FA5}">
-                      <a16:colId xmlns="" xmlns:a16="http://schemas.microsoft.com/office/drawing/2014/main" val="2223543333"/>
+                      <a16:colId xmlns:a16="http://schemas.microsoft.com/office/drawing/2014/main" xmlns="" val="2223543333"/>
                     </a:ext>
                   </a:extLst>
                 </a:gridCol>
@@ -21791,7 +21791,7 @@
                 </a:tc>
                 <a:extLst>
                   <a:ext uri="{0D108BD9-81ED-4DB2-BD59-A6C34878D82A}">
-                    <a16:rowId xmlns="" xmlns:a16="http://schemas.microsoft.com/office/drawing/2014/main" val="2344520333"/>
+                    <a16:rowId xmlns:a16="http://schemas.microsoft.com/office/drawing/2014/main" xmlns="" val="2344520333"/>
                   </a:ext>
                 </a:extLst>
               </a:tr>
@@ -21860,7 +21860,7 @@
                 </a:tc>
                 <a:extLst>
                   <a:ext uri="{0D108BD9-81ED-4DB2-BD59-A6C34878D82A}">
-                    <a16:rowId xmlns="" xmlns:a16="http://schemas.microsoft.com/office/drawing/2014/main" val="1026996701"/>
+                    <a16:rowId xmlns:a16="http://schemas.microsoft.com/office/drawing/2014/main" xmlns="" val="1026996701"/>
                   </a:ext>
                 </a:extLst>
               </a:tr>
@@ -21873,7 +21873,7 @@
           <p:cNvPr id="15" name="Diagrama 14">
             <a:extLst>
               <a:ext uri="{FF2B5EF4-FFF2-40B4-BE49-F238E27FC236}">
-                <a16:creationId xmlns="" xmlns:a16="http://schemas.microsoft.com/office/drawing/2014/main" id="{59267DE5-CD34-44B0-A64C-A7C0826743D5}"/>
+                <a16:creationId xmlns:a16="http://schemas.microsoft.com/office/drawing/2014/main" xmlns="" id="{59267DE5-CD34-44B0-A64C-A7C0826743D5}"/>
               </a:ext>
             </a:extLst>
           </p:cNvPr>
@@ -21881,7 +21881,7 @@
           <p:nvPr>
             <p:extLst>
               <p:ext uri="{D42A27DB-BD31-4B8C-83A1-F6EECF244321}">
-                <p14:modId xmlns:p14="http://schemas.microsoft.com/office/powerpoint/2010/main" xmlns="" val="2654417307"/>
+                <p14:modId xmlns="" xmlns:p14="http://schemas.microsoft.com/office/powerpoint/2010/main" val="2654417307"/>
               </p:ext>
             </p:extLst>
           </p:nvPr>
@@ -21901,7 +21901,7 @@
           <p:cNvPr id="19" name="Conector recto de flecha 18">
             <a:extLst>
               <a:ext uri="{FF2B5EF4-FFF2-40B4-BE49-F238E27FC236}">
-                <a16:creationId xmlns="" xmlns:a16="http://schemas.microsoft.com/office/drawing/2014/main" id="{F5C49D69-C4DA-485D-A191-CFDB5D7D0037}"/>
+                <a16:creationId xmlns:a16="http://schemas.microsoft.com/office/drawing/2014/main" xmlns="" id="{F5C49D69-C4DA-485D-A191-CFDB5D7D0037}"/>
               </a:ext>
             </a:extLst>
           </p:cNvPr>
@@ -21949,7 +21949,7 @@
           <p:cNvPr id="22" name="Conector recto de flecha 21">
             <a:extLst>
               <a:ext uri="{FF2B5EF4-FFF2-40B4-BE49-F238E27FC236}">
-                <a16:creationId xmlns="" xmlns:a16="http://schemas.microsoft.com/office/drawing/2014/main" id="{4F89D099-91A4-4407-B9A1-8892F34F9DD3}"/>
+                <a16:creationId xmlns:a16="http://schemas.microsoft.com/office/drawing/2014/main" xmlns="" id="{4F89D099-91A4-4407-B9A1-8892F34F9DD3}"/>
               </a:ext>
             </a:extLst>
           </p:cNvPr>
@@ -21997,7 +21997,7 @@
           <p:cNvPr id="25" name="Conector recto de flecha 24">
             <a:extLst>
               <a:ext uri="{FF2B5EF4-FFF2-40B4-BE49-F238E27FC236}">
-                <a16:creationId xmlns="" xmlns:a16="http://schemas.microsoft.com/office/drawing/2014/main" id="{7D0D67B9-038C-48CA-894A-7A8F7111C531}"/>
+                <a16:creationId xmlns:a16="http://schemas.microsoft.com/office/drawing/2014/main" xmlns="" id="{7D0D67B9-038C-48CA-894A-7A8F7111C531}"/>
               </a:ext>
             </a:extLst>
           </p:cNvPr>
@@ -22046,7 +22046,7 @@
           <p:cNvPr id="27" name="CuadroTexto 26">
             <a:extLst>
               <a:ext uri="{FF2B5EF4-FFF2-40B4-BE49-F238E27FC236}">
-                <a16:creationId xmlns="" xmlns:a16="http://schemas.microsoft.com/office/drawing/2014/main" id="{D617B930-87ED-434E-81A5-DC120474ADE3}"/>
+                <a16:creationId xmlns:a16="http://schemas.microsoft.com/office/drawing/2014/main" xmlns="" id="{D617B930-87ED-434E-81A5-DC120474ADE3}"/>
               </a:ext>
             </a:extLst>
           </p:cNvPr>
@@ -22086,7 +22086,7 @@
           <p:cNvPr id="23" name="Título 1">
             <a:extLst>
               <a:ext uri="{FF2B5EF4-FFF2-40B4-BE49-F238E27FC236}">
-                <a16:creationId xmlns="" xmlns:a16="http://schemas.microsoft.com/office/drawing/2014/main" id="{C50F150F-04D7-4668-A0EF-B0EAD3961A73}"/>
+                <a16:creationId xmlns:a16="http://schemas.microsoft.com/office/drawing/2014/main" xmlns="" id="{C50F150F-04D7-4668-A0EF-B0EAD3961A73}"/>
               </a:ext>
             </a:extLst>
           </p:cNvPr>
@@ -22162,7 +22162,7 @@
           <p:cNvPr id="24" name="Tabla 23">
             <a:extLst>
               <a:ext uri="{FF2B5EF4-FFF2-40B4-BE49-F238E27FC236}">
-                <a16:creationId xmlns="" xmlns:a16="http://schemas.microsoft.com/office/drawing/2014/main" id="{82972B3E-B0AA-4CEF-90B7-3325FED88204}"/>
+                <a16:creationId xmlns:a16="http://schemas.microsoft.com/office/drawing/2014/main" xmlns="" id="{82972B3E-B0AA-4CEF-90B7-3325FED88204}"/>
               </a:ext>
             </a:extLst>
           </p:cNvPr>
@@ -22172,7 +22172,7 @@
           <p:nvPr>
             <p:extLst>
               <p:ext uri="{D42A27DB-BD31-4B8C-83A1-F6EECF244321}">
-                <p14:modId xmlns:p14="http://schemas.microsoft.com/office/powerpoint/2010/main" xmlns="" val="3837911309"/>
+                <p14:modId xmlns="" xmlns:p14="http://schemas.microsoft.com/office/powerpoint/2010/main" val="3837911309"/>
               </p:ext>
             </p:extLst>
           </p:nvPr>
@@ -22191,7 +22191,7 @@
                 <a:gridCol w="3649241">
                   <a:extLst>
                     <a:ext uri="{9D8B030D-6E8A-4147-A177-3AD203B41FA5}">
-                      <a16:colId xmlns="" xmlns:a16="http://schemas.microsoft.com/office/drawing/2014/main" val="1322281579"/>
+                      <a16:colId xmlns:a16="http://schemas.microsoft.com/office/drawing/2014/main" xmlns="" val="1322281579"/>
                     </a:ext>
                   </a:extLst>
                 </a:gridCol>
@@ -22237,7 +22237,7 @@
                 </a:tc>
                 <a:extLst>
                   <a:ext uri="{0D108BD9-81ED-4DB2-BD59-A6C34878D82A}">
-                    <a16:rowId xmlns="" xmlns:a16="http://schemas.microsoft.com/office/drawing/2014/main" val="2344520333"/>
+                    <a16:rowId xmlns:a16="http://schemas.microsoft.com/office/drawing/2014/main" xmlns="" val="2344520333"/>
                   </a:ext>
                 </a:extLst>
               </a:tr>
@@ -22291,7 +22291,7 @@
                 </a:tc>
                 <a:extLst>
                   <a:ext uri="{0D108BD9-81ED-4DB2-BD59-A6C34878D82A}">
-                    <a16:rowId xmlns="" xmlns:a16="http://schemas.microsoft.com/office/drawing/2014/main" val="1026996701"/>
+                    <a16:rowId xmlns:a16="http://schemas.microsoft.com/office/drawing/2014/main" xmlns="" val="1026996701"/>
                   </a:ext>
                 </a:extLst>
               </a:tr>
@@ -22304,7 +22304,7 @@
           <p:cNvPr id="28" name="CuadroTexto 27">
             <a:extLst>
               <a:ext uri="{FF2B5EF4-FFF2-40B4-BE49-F238E27FC236}">
-                <a16:creationId xmlns="" xmlns:a16="http://schemas.microsoft.com/office/drawing/2014/main" id="{D28B5E88-468B-4F61-9E12-61A501CAB970}"/>
+                <a16:creationId xmlns:a16="http://schemas.microsoft.com/office/drawing/2014/main" xmlns="" id="{D28B5E88-468B-4F61-9E12-61A501CAB970}"/>
               </a:ext>
             </a:extLst>
           </p:cNvPr>
@@ -22385,7 +22385,7 @@
     </p:spTree>
     <p:extLst>
       <p:ext uri="{BB962C8B-B14F-4D97-AF65-F5344CB8AC3E}">
-        <p14:creationId xmlns:p14="http://schemas.microsoft.com/office/powerpoint/2010/main" xmlns="" val="2720846509"/>
+        <p14:creationId xmlns="" xmlns:p14="http://schemas.microsoft.com/office/powerpoint/2010/main" val="2720846509"/>
       </p:ext>
     </p:extLst>
   </p:cSld>
@@ -22424,7 +22424,7 @@
           <p:cNvPr id="7" name="Diagrama 6">
             <a:extLst>
               <a:ext uri="{FF2B5EF4-FFF2-40B4-BE49-F238E27FC236}">
-                <a16:creationId xmlns="" xmlns:a16="http://schemas.microsoft.com/office/drawing/2014/main" id="{9B6BB26D-3E29-479D-9E3F-DE9DF36E71D8}"/>
+                <a16:creationId xmlns:a16="http://schemas.microsoft.com/office/drawing/2014/main" xmlns="" id="{9B6BB26D-3E29-479D-9E3F-DE9DF36E71D8}"/>
               </a:ext>
             </a:extLst>
           </p:cNvPr>
@@ -22432,7 +22432,7 @@
           <p:nvPr>
             <p:extLst>
               <p:ext uri="{D42A27DB-BD31-4B8C-83A1-F6EECF244321}">
-                <p14:modId xmlns:p14="http://schemas.microsoft.com/office/powerpoint/2010/main" xmlns="" val="3893462035"/>
+                <p14:modId xmlns="" xmlns:p14="http://schemas.microsoft.com/office/powerpoint/2010/main" val="3893462035"/>
               </p:ext>
             </p:extLst>
           </p:nvPr>
@@ -22452,7 +22452,7 @@
           <p:cNvPr id="4" name="CuadroTexto 3">
             <a:extLst>
               <a:ext uri="{FF2B5EF4-FFF2-40B4-BE49-F238E27FC236}">
-                <a16:creationId xmlns="" xmlns:a16="http://schemas.microsoft.com/office/drawing/2014/main" id="{F86D735E-13C3-4CD2-B2C7-CCB64689F917}"/>
+                <a16:creationId xmlns:a16="http://schemas.microsoft.com/office/drawing/2014/main" xmlns="" id="{F86D735E-13C3-4CD2-B2C7-CCB64689F917}"/>
               </a:ext>
             </a:extLst>
           </p:cNvPr>
@@ -22540,7 +22540,7 @@
           <p:cNvPr id="8" name="CuadroTexto 7">
             <a:extLst>
               <a:ext uri="{FF2B5EF4-FFF2-40B4-BE49-F238E27FC236}">
-                <a16:creationId xmlns="" xmlns:a16="http://schemas.microsoft.com/office/drawing/2014/main" id="{FB8AFF2C-2A59-48E2-941A-4955BD8F63CB}"/>
+                <a16:creationId xmlns:a16="http://schemas.microsoft.com/office/drawing/2014/main" xmlns="" id="{FB8AFF2C-2A59-48E2-941A-4955BD8F63CB}"/>
               </a:ext>
             </a:extLst>
           </p:cNvPr>
@@ -22817,7 +22817,7 @@
           <p:cNvPr id="9" name="CuadroTexto 8">
             <a:extLst>
               <a:ext uri="{FF2B5EF4-FFF2-40B4-BE49-F238E27FC236}">
-                <a16:creationId xmlns="" xmlns:a16="http://schemas.microsoft.com/office/drawing/2014/main" id="{D58D7AEE-F373-4D4A-8CB3-AAACD3BA79BB}"/>
+                <a16:creationId xmlns:a16="http://schemas.microsoft.com/office/drawing/2014/main" xmlns="" id="{D58D7AEE-F373-4D4A-8CB3-AAACD3BA79BB}"/>
               </a:ext>
             </a:extLst>
           </p:cNvPr>
@@ -22903,7 +22903,7 @@
           <p:cNvPr id="12" name="Título 1">
             <a:extLst>
               <a:ext uri="{FF2B5EF4-FFF2-40B4-BE49-F238E27FC236}">
-                <a16:creationId xmlns="" xmlns:a16="http://schemas.microsoft.com/office/drawing/2014/main" id="{04A1BE83-D791-45E6-A427-17512C2896FF}"/>
+                <a16:creationId xmlns:a16="http://schemas.microsoft.com/office/drawing/2014/main" xmlns="" id="{04A1BE83-D791-45E6-A427-17512C2896FF}"/>
               </a:ext>
             </a:extLst>
           </p:cNvPr>
@@ -22977,7 +22977,7 @@
     </p:spTree>
     <p:extLst>
       <p:ext uri="{BB962C8B-B14F-4D97-AF65-F5344CB8AC3E}">
-        <p14:creationId xmlns:p14="http://schemas.microsoft.com/office/powerpoint/2010/main" xmlns="" val="1060691260"/>
+        <p14:creationId xmlns="" xmlns:p14="http://schemas.microsoft.com/office/powerpoint/2010/main" val="1060691260"/>
       </p:ext>
     </p:extLst>
   </p:cSld>
@@ -23016,7 +23016,7 @@
           <p:cNvPr id="6" name="Título 1">
             <a:extLst>
               <a:ext uri="{FF2B5EF4-FFF2-40B4-BE49-F238E27FC236}">
-                <a16:creationId xmlns="" xmlns:a16="http://schemas.microsoft.com/office/drawing/2014/main" id="{9249C319-7D5A-4C4C-AC1D-81A3F5517B0A}"/>
+                <a16:creationId xmlns:a16="http://schemas.microsoft.com/office/drawing/2014/main" xmlns="" id="{9249C319-7D5A-4C4C-AC1D-81A3F5517B0A}"/>
               </a:ext>
             </a:extLst>
           </p:cNvPr>
@@ -23092,7 +23092,7 @@
           <p:cNvPr id="7" name="Diagrama 6">
             <a:extLst>
               <a:ext uri="{FF2B5EF4-FFF2-40B4-BE49-F238E27FC236}">
-                <a16:creationId xmlns="" xmlns:a16="http://schemas.microsoft.com/office/drawing/2014/main" id="{C6E808E7-6BED-4E76-A9B2-D9A847A282FB}"/>
+                <a16:creationId xmlns:a16="http://schemas.microsoft.com/office/drawing/2014/main" xmlns="" id="{C6E808E7-6BED-4E76-A9B2-D9A847A282FB}"/>
               </a:ext>
             </a:extLst>
           </p:cNvPr>
@@ -23100,7 +23100,7 @@
           <p:nvPr>
             <p:extLst>
               <p:ext uri="{D42A27DB-BD31-4B8C-83A1-F6EECF244321}">
-                <p14:modId xmlns:p14="http://schemas.microsoft.com/office/powerpoint/2010/main" xmlns="" val="613313934"/>
+                <p14:modId xmlns="" xmlns:p14="http://schemas.microsoft.com/office/powerpoint/2010/main" val="613313934"/>
               </p:ext>
             </p:extLst>
           </p:nvPr>
@@ -23118,7 +23118,7 @@
     </p:spTree>
     <p:extLst>
       <p:ext uri="{BB962C8B-B14F-4D97-AF65-F5344CB8AC3E}">
-        <p14:creationId xmlns:p14="http://schemas.microsoft.com/office/powerpoint/2010/main" xmlns="" val="2483184559"/>
+        <p14:creationId xmlns="" xmlns:p14="http://schemas.microsoft.com/office/powerpoint/2010/main" val="2483184559"/>
       </p:ext>
     </p:extLst>
   </p:cSld>
@@ -23157,7 +23157,7 @@
           <p:cNvPr id="6" name="Grupo 5">
             <a:extLst>
               <a:ext uri="{FF2B5EF4-FFF2-40B4-BE49-F238E27FC236}">
-                <a16:creationId xmlns="" xmlns:a16="http://schemas.microsoft.com/office/drawing/2014/main" id="{2D41E8DA-C00D-4652-A6F2-9381D3655687}"/>
+                <a16:creationId xmlns:a16="http://schemas.microsoft.com/office/drawing/2014/main" xmlns="" id="{2D41E8DA-C00D-4652-A6F2-9381D3655687}"/>
               </a:ext>
             </a:extLst>
           </p:cNvPr>
@@ -23177,7 +23177,7 @@
             <p:cNvPr id="7" name="Rectángulo: esquinas redondeadas 6">
               <a:extLst>
                 <a:ext uri="{FF2B5EF4-FFF2-40B4-BE49-F238E27FC236}">
-                  <a16:creationId xmlns="" xmlns:a16="http://schemas.microsoft.com/office/drawing/2014/main" id="{355DC236-28A5-4831-ACFF-FDD0AFEC1EFB}"/>
+                  <a16:creationId xmlns:a16="http://schemas.microsoft.com/office/drawing/2014/main" xmlns="" id="{355DC236-28A5-4831-ACFF-FDD0AFEC1EFB}"/>
                 </a:ext>
               </a:extLst>
             </p:cNvPr>
@@ -23228,7 +23228,7 @@
             <p:cNvPr id="8" name="Rectángulo: esquinas redondeadas 4">
               <a:extLst>
                 <a:ext uri="{FF2B5EF4-FFF2-40B4-BE49-F238E27FC236}">
-                  <a16:creationId xmlns="" xmlns:a16="http://schemas.microsoft.com/office/drawing/2014/main" id="{BE2DEC7B-8981-4018-BEC2-9D4B279EAA2E}"/>
+                  <a16:creationId xmlns:a16="http://schemas.microsoft.com/office/drawing/2014/main" xmlns="" id="{BE2DEC7B-8981-4018-BEC2-9D4B279EAA2E}"/>
                 </a:ext>
               </a:extLst>
             </p:cNvPr>
@@ -23327,7 +23327,7 @@
           <p:cNvPr id="9" name="Grupo 8">
             <a:extLst>
               <a:ext uri="{FF2B5EF4-FFF2-40B4-BE49-F238E27FC236}">
-                <a16:creationId xmlns="" xmlns:a16="http://schemas.microsoft.com/office/drawing/2014/main" id="{52B5AAD8-ACBB-4329-8510-CDA49D95118F}"/>
+                <a16:creationId xmlns:a16="http://schemas.microsoft.com/office/drawing/2014/main" xmlns="" id="{52B5AAD8-ACBB-4329-8510-CDA49D95118F}"/>
               </a:ext>
             </a:extLst>
           </p:cNvPr>
@@ -23347,7 +23347,7 @@
             <p:cNvPr id="10" name="Rectángulo: esquinas redondeadas 9">
               <a:extLst>
                 <a:ext uri="{FF2B5EF4-FFF2-40B4-BE49-F238E27FC236}">
-                  <a16:creationId xmlns="" xmlns:a16="http://schemas.microsoft.com/office/drawing/2014/main" id="{E6201173-0918-409C-B562-00DF62B351D9}"/>
+                  <a16:creationId xmlns:a16="http://schemas.microsoft.com/office/drawing/2014/main" xmlns="" id="{E6201173-0918-409C-B562-00DF62B351D9}"/>
                 </a:ext>
               </a:extLst>
             </p:cNvPr>
@@ -23398,7 +23398,7 @@
             <p:cNvPr id="11" name="Rectángulo: esquinas redondeadas 4">
               <a:extLst>
                 <a:ext uri="{FF2B5EF4-FFF2-40B4-BE49-F238E27FC236}">
-                  <a16:creationId xmlns="" xmlns:a16="http://schemas.microsoft.com/office/drawing/2014/main" id="{CEBDB7A9-2EAC-4DCD-98F1-1485419E89FF}"/>
+                  <a16:creationId xmlns:a16="http://schemas.microsoft.com/office/drawing/2014/main" xmlns="" id="{CEBDB7A9-2EAC-4DCD-98F1-1485419E89FF}"/>
                 </a:ext>
               </a:extLst>
             </p:cNvPr>
@@ -23488,7 +23488,7 @@
           <p:cNvPr id="13" name="Grupo 12">
             <a:extLst>
               <a:ext uri="{FF2B5EF4-FFF2-40B4-BE49-F238E27FC236}">
-                <a16:creationId xmlns="" xmlns:a16="http://schemas.microsoft.com/office/drawing/2014/main" id="{9E62A5C7-2630-4E8C-97D2-73FAB46883F0}"/>
+                <a16:creationId xmlns:a16="http://schemas.microsoft.com/office/drawing/2014/main" xmlns="" id="{9E62A5C7-2630-4E8C-97D2-73FAB46883F0}"/>
               </a:ext>
             </a:extLst>
           </p:cNvPr>
@@ -23508,7 +23508,7 @@
             <p:cNvPr id="14" name="Rectángulo: esquinas redondeadas 13">
               <a:extLst>
                 <a:ext uri="{FF2B5EF4-FFF2-40B4-BE49-F238E27FC236}">
-                  <a16:creationId xmlns="" xmlns:a16="http://schemas.microsoft.com/office/drawing/2014/main" id="{0AC60D5B-494A-4B05-A89A-657B46B36A5C}"/>
+                  <a16:creationId xmlns:a16="http://schemas.microsoft.com/office/drawing/2014/main" xmlns="" id="{0AC60D5B-494A-4B05-A89A-657B46B36A5C}"/>
                 </a:ext>
               </a:extLst>
             </p:cNvPr>
@@ -23559,7 +23559,7 @@
             <p:cNvPr id="15" name="Rectángulo: esquinas redondeadas 4">
               <a:extLst>
                 <a:ext uri="{FF2B5EF4-FFF2-40B4-BE49-F238E27FC236}">
-                  <a16:creationId xmlns="" xmlns:a16="http://schemas.microsoft.com/office/drawing/2014/main" id="{D58241AD-F6C5-42EB-AA3C-11DF68DD4BBE}"/>
+                  <a16:creationId xmlns:a16="http://schemas.microsoft.com/office/drawing/2014/main" xmlns="" id="{D58241AD-F6C5-42EB-AA3C-11DF68DD4BBE}"/>
                 </a:ext>
               </a:extLst>
             </p:cNvPr>
@@ -23640,7 +23640,7 @@
           <p:cNvPr id="19" name="Flecha: doblada hacia arriba 18">
             <a:extLst>
               <a:ext uri="{FF2B5EF4-FFF2-40B4-BE49-F238E27FC236}">
-                <a16:creationId xmlns="" xmlns:a16="http://schemas.microsoft.com/office/drawing/2014/main" id="{D70877CB-6A05-4556-890A-4818810AB680}"/>
+                <a16:creationId xmlns:a16="http://schemas.microsoft.com/office/drawing/2014/main" xmlns="" id="{D70877CB-6A05-4556-890A-4818810AB680}"/>
               </a:ext>
             </a:extLst>
           </p:cNvPr>
@@ -23686,7 +23686,7 @@
           <p:cNvPr id="20" name="Flecha: doblada hacia arriba 19">
             <a:extLst>
               <a:ext uri="{FF2B5EF4-FFF2-40B4-BE49-F238E27FC236}">
-                <a16:creationId xmlns="" xmlns:a16="http://schemas.microsoft.com/office/drawing/2014/main" id="{AB5CB3A8-CFF7-48C4-BFFB-992F8AFAF69A}"/>
+                <a16:creationId xmlns:a16="http://schemas.microsoft.com/office/drawing/2014/main" xmlns="" id="{AB5CB3A8-CFF7-48C4-BFFB-992F8AFAF69A}"/>
               </a:ext>
             </a:extLst>
           </p:cNvPr>
@@ -23732,7 +23732,7 @@
           <p:cNvPr id="21" name="Título 1">
             <a:extLst>
               <a:ext uri="{FF2B5EF4-FFF2-40B4-BE49-F238E27FC236}">
-                <a16:creationId xmlns="" xmlns:a16="http://schemas.microsoft.com/office/drawing/2014/main" id="{E290D59A-085A-4768-A84E-AE5246A4182F}"/>
+                <a16:creationId xmlns:a16="http://schemas.microsoft.com/office/drawing/2014/main" xmlns="" id="{E290D59A-085A-4768-A84E-AE5246A4182F}"/>
               </a:ext>
             </a:extLst>
           </p:cNvPr>
@@ -23808,7 +23808,7 @@
           <p:cNvPr id="26" name="Grupo 8">
             <a:extLst>
               <a:ext uri="{FF2B5EF4-FFF2-40B4-BE49-F238E27FC236}">
-                <a16:creationId xmlns="" xmlns:a16="http://schemas.microsoft.com/office/drawing/2014/main" id="{52B5AAD8-ACBB-4329-8510-CDA49D95118F}"/>
+                <a16:creationId xmlns:a16="http://schemas.microsoft.com/office/drawing/2014/main" xmlns="" id="{52B5AAD8-ACBB-4329-8510-CDA49D95118F}"/>
               </a:ext>
             </a:extLst>
           </p:cNvPr>
@@ -23828,7 +23828,7 @@
             <p:cNvPr id="27" name="Rectángulo: esquinas redondeadas 9">
               <a:extLst>
                 <a:ext uri="{FF2B5EF4-FFF2-40B4-BE49-F238E27FC236}">
-                  <a16:creationId xmlns="" xmlns:a16="http://schemas.microsoft.com/office/drawing/2014/main" id="{E6201173-0918-409C-B562-00DF62B351D9}"/>
+                  <a16:creationId xmlns:a16="http://schemas.microsoft.com/office/drawing/2014/main" xmlns="" id="{E6201173-0918-409C-B562-00DF62B351D9}"/>
                 </a:ext>
               </a:extLst>
             </p:cNvPr>
@@ -23879,7 +23879,7 @@
             <p:cNvPr id="28" name="Rectángulo: esquinas redondeadas 4">
               <a:extLst>
                 <a:ext uri="{FF2B5EF4-FFF2-40B4-BE49-F238E27FC236}">
-                  <a16:creationId xmlns="" xmlns:a16="http://schemas.microsoft.com/office/drawing/2014/main" id="{CEBDB7A9-2EAC-4DCD-98F1-1485419E89FF}"/>
+                  <a16:creationId xmlns:a16="http://schemas.microsoft.com/office/drawing/2014/main" xmlns="" id="{CEBDB7A9-2EAC-4DCD-98F1-1485419E89FF}"/>
                 </a:ext>
               </a:extLst>
             </p:cNvPr>
@@ -24309,7 +24309,7 @@
           <p:cNvPr id="34" name="Grupo 8">
             <a:extLst>
               <a:ext uri="{FF2B5EF4-FFF2-40B4-BE49-F238E27FC236}">
-                <a16:creationId xmlns="" xmlns:a16="http://schemas.microsoft.com/office/drawing/2014/main" id="{52B5AAD8-ACBB-4329-8510-CDA49D95118F}"/>
+                <a16:creationId xmlns:a16="http://schemas.microsoft.com/office/drawing/2014/main" xmlns="" id="{52B5AAD8-ACBB-4329-8510-CDA49D95118F}"/>
               </a:ext>
             </a:extLst>
           </p:cNvPr>
@@ -24329,7 +24329,7 @@
             <p:cNvPr id="35" name="Rectángulo: esquinas redondeadas 9">
               <a:extLst>
                 <a:ext uri="{FF2B5EF4-FFF2-40B4-BE49-F238E27FC236}">
-                  <a16:creationId xmlns="" xmlns:a16="http://schemas.microsoft.com/office/drawing/2014/main" id="{E6201173-0918-409C-B562-00DF62B351D9}"/>
+                  <a16:creationId xmlns:a16="http://schemas.microsoft.com/office/drawing/2014/main" xmlns="" id="{E6201173-0918-409C-B562-00DF62B351D9}"/>
                 </a:ext>
               </a:extLst>
             </p:cNvPr>
@@ -24380,7 +24380,7 @@
             <p:cNvPr id="36" name="Rectángulo: esquinas redondeadas 4">
               <a:extLst>
                 <a:ext uri="{FF2B5EF4-FFF2-40B4-BE49-F238E27FC236}">
-                  <a16:creationId xmlns="" xmlns:a16="http://schemas.microsoft.com/office/drawing/2014/main" id="{CEBDB7A9-2EAC-4DCD-98F1-1485419E89FF}"/>
+                  <a16:creationId xmlns:a16="http://schemas.microsoft.com/office/drawing/2014/main" xmlns="" id="{CEBDB7A9-2EAC-4DCD-98F1-1485419E89FF}"/>
                 </a:ext>
               </a:extLst>
             </p:cNvPr>
@@ -24514,7 +24514,7 @@
     </p:spTree>
     <p:extLst>
       <p:ext uri="{BB962C8B-B14F-4D97-AF65-F5344CB8AC3E}">
-        <p14:creationId xmlns:p14="http://schemas.microsoft.com/office/powerpoint/2010/main" xmlns="" val="697461153"/>
+        <p14:creationId xmlns="" xmlns:p14="http://schemas.microsoft.com/office/powerpoint/2010/main" val="697461153"/>
       </p:ext>
     </p:extLst>
   </p:cSld>
@@ -24553,7 +24553,7 @@
           <p:cNvPr id="5" name="Título 1">
             <a:extLst>
               <a:ext uri="{FF2B5EF4-FFF2-40B4-BE49-F238E27FC236}">
-                <a16:creationId xmlns="" xmlns:a16="http://schemas.microsoft.com/office/drawing/2014/main" id="{916AAFAB-76A2-477A-B044-DC2FFD00340C}"/>
+                <a16:creationId xmlns:a16="http://schemas.microsoft.com/office/drawing/2014/main" xmlns="" id="{916AAFAB-76A2-477A-B044-DC2FFD00340C}"/>
               </a:ext>
             </a:extLst>
           </p:cNvPr>
@@ -24629,7 +24629,7 @@
           <p:cNvPr id="6" name="CuadroTexto 5">
             <a:extLst>
               <a:ext uri="{FF2B5EF4-FFF2-40B4-BE49-F238E27FC236}">
-                <a16:creationId xmlns="" xmlns:a16="http://schemas.microsoft.com/office/drawing/2014/main" id="{95C4CB89-681E-42B4-AF1D-DE1B4385F53F}"/>
+                <a16:creationId xmlns:a16="http://schemas.microsoft.com/office/drawing/2014/main" xmlns="" id="{95C4CB89-681E-42B4-AF1D-DE1B4385F53F}"/>
               </a:ext>
             </a:extLst>
           </p:cNvPr>
@@ -24679,7 +24679,7 @@
           <p:cNvPr id="7" name="CuadroTexto 6">
             <a:extLst>
               <a:ext uri="{FF2B5EF4-FFF2-40B4-BE49-F238E27FC236}">
-                <a16:creationId xmlns="" xmlns:a16="http://schemas.microsoft.com/office/drawing/2014/main" id="{97817A8C-D431-4B61-8B4E-5E40472BDA69}"/>
+                <a16:creationId xmlns:a16="http://schemas.microsoft.com/office/drawing/2014/main" xmlns="" id="{97817A8C-D431-4B61-8B4E-5E40472BDA69}"/>
               </a:ext>
             </a:extLst>
           </p:cNvPr>
@@ -24689,7 +24689,7 @@
         <p:spPr>
           <a:xfrm>
             <a:off x="1152029" y="3706461"/>
-            <a:ext cx="6136668" cy="1308050"/>
+            <a:ext cx="6136668" cy="1015663"/>
           </a:xfrm>
           <a:prstGeom prst="rect">
             <a:avLst/>
@@ -24732,8 +24732,9 @@
             </a:pPr>
             <a:r>
               <a:rPr lang="en-US" sz="2000" dirty="0" smtClean="0"/>
-              <a:t>Likes     : [0,15), [15,50] and (50,∞)</a:t>
+              <a:t>Likes     : Low/Medium/High influence </a:t>
             </a:r>
+            <a:endParaRPr lang="en-US" sz="2000" dirty="0" smtClean="0"/>
           </a:p>
           <a:p>
             <a:pPr marL="800100" lvl="1" indent="-342900">
@@ -24745,44 +24746,9 @@
               <a:t>Retweets      : </a:t>
             </a:r>
             <a:r>
-              <a:rPr lang="en-US" sz="2000" dirty="0"/>
-              <a:t>[</a:t>
+              <a:rPr lang="en-US" sz="2000" dirty="0" smtClean="0"/>
+              <a:t>Low/Medium/High influence </a:t>
             </a:r>
-            <a:r>
-              <a:rPr lang="en-US" sz="2000" dirty="0" smtClean="0"/>
-              <a:t>0,5</a:t>
-            </a:r>
-            <a:r>
-              <a:rPr lang="en-US" sz="2000" dirty="0"/>
-              <a:t>), </a:t>
-            </a:r>
-            <a:r>
-              <a:rPr lang="en-US" sz="2000" dirty="0" smtClean="0"/>
-              <a:t>[5,25] </a:t>
-            </a:r>
-            <a:r>
-              <a:rPr lang="en-US" sz="2000" dirty="0"/>
-              <a:t>and </a:t>
-            </a:r>
-            <a:r>
-              <a:rPr lang="en-US" sz="2000" dirty="0" smtClean="0"/>
-              <a:t>(25,</a:t>
-            </a:r>
-            <a:r>
-              <a:rPr lang="en-US" sz="2000" dirty="0"/>
-              <a:t>∞</a:t>
-            </a:r>
-            <a:r>
-              <a:rPr lang="en-US" sz="2000" dirty="0" smtClean="0"/>
-              <a:t>)</a:t>
-            </a:r>
-            <a:endParaRPr lang="en-US" sz="2000" dirty="0"/>
-          </a:p>
-          <a:p>
-            <a:pPr marL="285750" indent="-285750">
-              <a:buFont typeface="Arial" panose="020B0604020202020204" pitchFamily="34" charset="0"/>
-              <a:buChar char="•"/>
-            </a:pPr>
             <a:endParaRPr lang="en-GB" sz="1900" dirty="0">
               <a:latin typeface="Candara" panose="020E0502030303020204" pitchFamily="34" charset="0"/>
             </a:endParaRPr>
@@ -24794,7 +24760,7 @@
           <p:cNvPr id="8" name="CuadroTexto 7">
             <a:extLst>
               <a:ext uri="{FF2B5EF4-FFF2-40B4-BE49-F238E27FC236}">
-                <a16:creationId xmlns="" xmlns:a16="http://schemas.microsoft.com/office/drawing/2014/main" id="{44635A10-BFA4-4C1A-B826-853BD4EB8CC8}"/>
+                <a16:creationId xmlns:a16="http://schemas.microsoft.com/office/drawing/2014/main" xmlns="" id="{44635A10-BFA4-4C1A-B826-853BD4EB8CC8}"/>
               </a:ext>
             </a:extLst>
           </p:cNvPr>
@@ -24860,7 +24826,7 @@
           <p:cNvPr id="9" name="Grupo 8">
             <a:extLst>
               <a:ext uri="{FF2B5EF4-FFF2-40B4-BE49-F238E27FC236}">
-                <a16:creationId xmlns="" xmlns:a16="http://schemas.microsoft.com/office/drawing/2014/main" id="{46C0D869-0351-410D-9CFA-98FDC78451C1}"/>
+                <a16:creationId xmlns:a16="http://schemas.microsoft.com/office/drawing/2014/main" xmlns="" id="{46C0D869-0351-410D-9CFA-98FDC78451C1}"/>
               </a:ext>
             </a:extLst>
           </p:cNvPr>
@@ -24880,7 +24846,7 @@
             <p:cNvPr id="10" name="Rectángulo: esquinas redondeadas 9">
               <a:extLst>
                 <a:ext uri="{FF2B5EF4-FFF2-40B4-BE49-F238E27FC236}">
-                  <a16:creationId xmlns="" xmlns:a16="http://schemas.microsoft.com/office/drawing/2014/main" id="{68F801A9-2473-4773-AE2C-337B6C165E9C}"/>
+                  <a16:creationId xmlns:a16="http://schemas.microsoft.com/office/drawing/2014/main" xmlns="" id="{68F801A9-2473-4773-AE2C-337B6C165E9C}"/>
                 </a:ext>
               </a:extLst>
             </p:cNvPr>
@@ -24931,7 +24897,7 @@
             <p:cNvPr id="11" name="Rectángulo: esquinas redondeadas 4">
               <a:extLst>
                 <a:ext uri="{FF2B5EF4-FFF2-40B4-BE49-F238E27FC236}">
-                  <a16:creationId xmlns="" xmlns:a16="http://schemas.microsoft.com/office/drawing/2014/main" id="{A13F1B03-1100-422F-BA10-E0CAB4D83330}"/>
+                  <a16:creationId xmlns:a16="http://schemas.microsoft.com/office/drawing/2014/main" xmlns="" id="{A13F1B03-1100-422F-BA10-E0CAB4D83330}"/>
                 </a:ext>
               </a:extLst>
             </p:cNvPr>
@@ -25010,7 +24976,7 @@
           <a:blip r:embed="rId2" cstate="print">
             <a:extLst>
               <a:ext uri="{28A0092B-C50C-407E-A947-70E740481C1C}">
-                <a14:useLocalDpi xmlns:a14="http://schemas.microsoft.com/office/drawing/2010/main" xmlns="" val="0"/>
+                <a14:useLocalDpi xmlns="" xmlns:a14="http://schemas.microsoft.com/office/drawing/2010/main" val="0"/>
               </a:ext>
             </a:extLst>
           </a:blip>
@@ -25040,7 +25006,7 @@
           <a:blip r:embed="rId3" cstate="print">
             <a:extLst>
               <a:ext uri="{28A0092B-C50C-407E-A947-70E740481C1C}">
-                <a14:useLocalDpi xmlns:a14="http://schemas.microsoft.com/office/drawing/2010/main" xmlns="" val="0"/>
+                <a14:useLocalDpi xmlns="" xmlns:a14="http://schemas.microsoft.com/office/drawing/2010/main" val="0"/>
               </a:ext>
             </a:extLst>
           </a:blip>
@@ -25070,7 +25036,7 @@
           <a:blip r:embed="rId2" cstate="print">
             <a:extLst>
               <a:ext uri="{28A0092B-C50C-407E-A947-70E740481C1C}">
-                <a14:useLocalDpi xmlns:a14="http://schemas.microsoft.com/office/drawing/2010/main" xmlns="" val="0"/>
+                <a14:useLocalDpi xmlns="" xmlns:a14="http://schemas.microsoft.com/office/drawing/2010/main" val="0"/>
               </a:ext>
             </a:extLst>
           </a:blip>
@@ -25100,7 +25066,7 @@
           <a:blip r:embed="rId3" cstate="print">
             <a:extLst>
               <a:ext uri="{28A0092B-C50C-407E-A947-70E740481C1C}">
-                <a14:useLocalDpi xmlns:a14="http://schemas.microsoft.com/office/drawing/2010/main" xmlns="" val="0"/>
+                <a14:useLocalDpi xmlns="" xmlns:a14="http://schemas.microsoft.com/office/drawing/2010/main" val="0"/>
               </a:ext>
             </a:extLst>
           </a:blip>
@@ -25121,7 +25087,7 @@
     </p:spTree>
     <p:extLst>
       <p:ext uri="{BB962C8B-B14F-4D97-AF65-F5344CB8AC3E}">
-        <p14:creationId xmlns:p14="http://schemas.microsoft.com/office/powerpoint/2010/main" xmlns="" val="2470263519"/>
+        <p14:creationId xmlns="" xmlns:p14="http://schemas.microsoft.com/office/powerpoint/2010/main" val="2470263519"/>
       </p:ext>
     </p:extLst>
   </p:cSld>
@@ -25160,7 +25126,7 @@
           <p:cNvPr id="4" name="Título 1">
             <a:extLst>
               <a:ext uri="{FF2B5EF4-FFF2-40B4-BE49-F238E27FC236}">
-                <a16:creationId xmlns="" xmlns:a16="http://schemas.microsoft.com/office/drawing/2014/main" id="{C736E2C2-565F-4EE7-9A5F-7431CB35BD98}"/>
+                <a16:creationId xmlns:a16="http://schemas.microsoft.com/office/drawing/2014/main" xmlns="" id="{C736E2C2-565F-4EE7-9A5F-7431CB35BD98}"/>
               </a:ext>
             </a:extLst>
           </p:cNvPr>
@@ -25236,7 +25202,7 @@
           <p:cNvPr id="6" name="Grupo 5">
             <a:extLst>
               <a:ext uri="{FF2B5EF4-FFF2-40B4-BE49-F238E27FC236}">
-                <a16:creationId xmlns="" xmlns:a16="http://schemas.microsoft.com/office/drawing/2014/main" id="{40594550-BD22-4435-80F5-F41248669E21}"/>
+                <a16:creationId xmlns:a16="http://schemas.microsoft.com/office/drawing/2014/main" xmlns="" id="{40594550-BD22-4435-80F5-F41248669E21}"/>
               </a:ext>
             </a:extLst>
           </p:cNvPr>
@@ -25256,7 +25222,7 @@
             <p:cNvPr id="7" name="Rectángulo: esquinas redondeadas 6">
               <a:extLst>
                 <a:ext uri="{FF2B5EF4-FFF2-40B4-BE49-F238E27FC236}">
-                  <a16:creationId xmlns="" xmlns:a16="http://schemas.microsoft.com/office/drawing/2014/main" id="{9A2DA0CB-6191-4382-822F-DC5827B63853}"/>
+                  <a16:creationId xmlns:a16="http://schemas.microsoft.com/office/drawing/2014/main" xmlns="" id="{9A2DA0CB-6191-4382-822F-DC5827B63853}"/>
                 </a:ext>
               </a:extLst>
             </p:cNvPr>
@@ -25307,7 +25273,7 @@
             <p:cNvPr id="8" name="Rectángulo: esquinas redondeadas 4">
               <a:extLst>
                 <a:ext uri="{FF2B5EF4-FFF2-40B4-BE49-F238E27FC236}">
-                  <a16:creationId xmlns="" xmlns:a16="http://schemas.microsoft.com/office/drawing/2014/main" id="{3C60D3E6-A068-4852-8E95-D6A8B9269B0D}"/>
+                  <a16:creationId xmlns:a16="http://schemas.microsoft.com/office/drawing/2014/main" xmlns="" id="{3C60D3E6-A068-4852-8E95-D6A8B9269B0D}"/>
                 </a:ext>
               </a:extLst>
             </p:cNvPr>
@@ -25379,7 +25345,7 @@
           <p:cNvPr id="10" name="Grupo 8">
             <a:extLst>
               <a:ext uri="{FF2B5EF4-FFF2-40B4-BE49-F238E27FC236}">
-                <a16:creationId xmlns="" xmlns:a16="http://schemas.microsoft.com/office/drawing/2014/main" id="{52B5AAD8-ACBB-4329-8510-CDA49D95118F}"/>
+                <a16:creationId xmlns:a16="http://schemas.microsoft.com/office/drawing/2014/main" xmlns="" id="{52B5AAD8-ACBB-4329-8510-CDA49D95118F}"/>
               </a:ext>
             </a:extLst>
           </p:cNvPr>
@@ -25399,7 +25365,7 @@
             <p:cNvPr id="11" name="Rectángulo: esquinas redondeadas 9">
               <a:extLst>
                 <a:ext uri="{FF2B5EF4-FFF2-40B4-BE49-F238E27FC236}">
-                  <a16:creationId xmlns="" xmlns:a16="http://schemas.microsoft.com/office/drawing/2014/main" id="{E6201173-0918-409C-B562-00DF62B351D9}"/>
+                  <a16:creationId xmlns:a16="http://schemas.microsoft.com/office/drawing/2014/main" xmlns="" id="{E6201173-0918-409C-B562-00DF62B351D9}"/>
                 </a:ext>
               </a:extLst>
             </p:cNvPr>
@@ -25450,7 +25416,7 @@
             <p:cNvPr id="12" name="Rectángulo: esquinas redondeadas 4">
               <a:extLst>
                 <a:ext uri="{FF2B5EF4-FFF2-40B4-BE49-F238E27FC236}">
-                  <a16:creationId xmlns="" xmlns:a16="http://schemas.microsoft.com/office/drawing/2014/main" id="{CEBDB7A9-2EAC-4DCD-98F1-1485419E89FF}"/>
+                  <a16:creationId xmlns:a16="http://schemas.microsoft.com/office/drawing/2014/main" xmlns="" id="{CEBDB7A9-2EAC-4DCD-98F1-1485419E89FF}"/>
                 </a:ext>
               </a:extLst>
             </p:cNvPr>
@@ -25522,7 +25488,7 @@
           <p:cNvPr id="13" name="Flecha: doblada hacia arriba 18">
             <a:extLst>
               <a:ext uri="{FF2B5EF4-FFF2-40B4-BE49-F238E27FC236}">
-                <a16:creationId xmlns="" xmlns:a16="http://schemas.microsoft.com/office/drawing/2014/main" id="{D70877CB-6A05-4556-890A-4818810AB680}"/>
+                <a16:creationId xmlns:a16="http://schemas.microsoft.com/office/drawing/2014/main" xmlns="" id="{D70877CB-6A05-4556-890A-4818810AB680}"/>
               </a:ext>
             </a:extLst>
           </p:cNvPr>
@@ -25575,7 +25541,7 @@
           <a:blip r:embed="rId2" cstate="print">
             <a:extLst>
               <a:ext uri="{28A0092B-C50C-407E-A947-70E740481C1C}">
-                <a14:useLocalDpi xmlns:a14="http://schemas.microsoft.com/office/drawing/2010/main" xmlns="" val="0"/>
+                <a14:useLocalDpi xmlns="" xmlns:a14="http://schemas.microsoft.com/office/drawing/2010/main" val="0"/>
               </a:ext>
             </a:extLst>
           </a:blip>
@@ -25598,7 +25564,7 @@
           <p:cNvPr id="16" name="Marcador de contenido 3">
             <a:extLst>
               <a:ext uri="{FF2B5EF4-FFF2-40B4-BE49-F238E27FC236}">
-                <a16:creationId xmlns="" xmlns:a16="http://schemas.microsoft.com/office/drawing/2014/main" id="{0A79A359-313C-4D56-B712-2F4711C93092}"/>
+                <a16:creationId xmlns:a16="http://schemas.microsoft.com/office/drawing/2014/main" xmlns="" id="{0A79A359-313C-4D56-B712-2F4711C93092}"/>
               </a:ext>
             </a:extLst>
           </p:cNvPr>
@@ -25608,7 +25574,7 @@
           <p:nvPr>
             <p:extLst>
               <p:ext uri="{D42A27DB-BD31-4B8C-83A1-F6EECF244321}">
-                <p14:modId xmlns:p14="http://schemas.microsoft.com/office/powerpoint/2010/main" xmlns="" val="446379173"/>
+                <p14:modId xmlns="" xmlns:p14="http://schemas.microsoft.com/office/powerpoint/2010/main" val="446379173"/>
               </p:ext>
             </p:extLst>
           </p:nvPr>
@@ -25629,14 +25595,14 @@
                 <a:gridCol w="1939098">
                   <a:extLst>
                     <a:ext uri="{9D8B030D-6E8A-4147-A177-3AD203B41FA5}">
-                      <a16:colId xmlns="" xmlns:a16="http://schemas.microsoft.com/office/drawing/2014/main" val="2335588041"/>
+                      <a16:colId xmlns:a16="http://schemas.microsoft.com/office/drawing/2014/main" xmlns="" val="2335588041"/>
                     </a:ext>
                   </a:extLst>
                 </a:gridCol>
                 <a:gridCol w="1939098">
                   <a:extLst>
                     <a:ext uri="{9D8B030D-6E8A-4147-A177-3AD203B41FA5}">
-                      <a16:colId xmlns="" xmlns:a16="http://schemas.microsoft.com/office/drawing/2014/main" val="1112588493"/>
+                      <a16:colId xmlns:a16="http://schemas.microsoft.com/office/drawing/2014/main" xmlns="" val="1112588493"/>
                     </a:ext>
                   </a:extLst>
                 </a:gridCol>
@@ -25685,10 +25651,6 @@
                         <a:rPr lang="es-ES" baseline="0" dirty="0" smtClean="0"/>
                         <a:t> 1 </a:t>
                       </a:r>
-                      <a:r>
-                        <a:rPr lang="en-US" sz="1800" dirty="0" smtClean="0"/>
-                        <a:t>[0,15)</a:t>
-                      </a:r>
                       <a:endParaRPr lang="en-GB" dirty="0" smtClean="0"/>
                     </a:p>
                   </a:txBody>
@@ -25722,11 +25684,11 @@
                       </a:r>
                       <a:r>
                         <a:rPr lang="es-ES" dirty="0" smtClean="0"/>
-                        <a:t> 2 </a:t>
+                        <a:t> </a:t>
                       </a:r>
                       <a:r>
-                        <a:rPr lang="en-US" sz="1800" dirty="0" smtClean="0"/>
-                        <a:t>[15,50] </a:t>
+                        <a:rPr lang="es-ES" dirty="0" smtClean="0"/>
+                        <a:t>2</a:t>
                       </a:r>
                       <a:endParaRPr lang="en-GB" dirty="0" smtClean="0"/>
                     </a:p>
@@ -25745,11 +25707,11 @@
                       </a:r>
                       <a:r>
                         <a:rPr lang="en-GB" baseline="0" dirty="0" smtClean="0"/>
-                        <a:t> 3 </a:t>
+                        <a:t> </a:t>
                       </a:r>
                       <a:r>
-                        <a:rPr lang="en-US" sz="1800" dirty="0" smtClean="0"/>
-                        <a:t>(50,∞)</a:t>
+                        <a:rPr lang="en-GB" baseline="0" dirty="0" smtClean="0"/>
+                        <a:t>3</a:t>
                       </a:r>
                       <a:endParaRPr lang="en-GB" dirty="0"/>
                     </a:p>
@@ -25758,7 +25720,7 @@
                 </a:tc>
                 <a:extLst>
                   <a:ext uri="{0D108BD9-81ED-4DB2-BD59-A6C34878D82A}">
-                    <a16:rowId xmlns="" xmlns:a16="http://schemas.microsoft.com/office/drawing/2014/main" val="3992468993"/>
+                    <a16:rowId xmlns:a16="http://schemas.microsoft.com/office/drawing/2014/main" xmlns="" val="3992468993"/>
                   </a:ext>
                 </a:extLst>
               </a:tr>
@@ -25874,7 +25836,7 @@
                 </a:tc>
                 <a:extLst>
                   <a:ext uri="{0D108BD9-81ED-4DB2-BD59-A6C34878D82A}">
-                    <a16:rowId xmlns="" xmlns:a16="http://schemas.microsoft.com/office/drawing/2014/main" val="2024136782"/>
+                    <a16:rowId xmlns:a16="http://schemas.microsoft.com/office/drawing/2014/main" xmlns="" val="2024136782"/>
                   </a:ext>
                 </a:extLst>
               </a:tr>
@@ -25885,7 +25847,7 @@
     </p:spTree>
     <p:extLst>
       <p:ext uri="{BB962C8B-B14F-4D97-AF65-F5344CB8AC3E}">
-        <p14:creationId xmlns:p14="http://schemas.microsoft.com/office/powerpoint/2010/main" xmlns="" val="1352326078"/>
+        <p14:creationId xmlns="" xmlns:p14="http://schemas.microsoft.com/office/powerpoint/2010/main" val="1352326078"/>
       </p:ext>
     </p:extLst>
   </p:cSld>
@@ -25924,7 +25886,7 @@
           <p:cNvPr id="4" name="Título 1">
             <a:extLst>
               <a:ext uri="{FF2B5EF4-FFF2-40B4-BE49-F238E27FC236}">
-                <a16:creationId xmlns="" xmlns:a16="http://schemas.microsoft.com/office/drawing/2014/main" id="{C736E2C2-565F-4EE7-9A5F-7431CB35BD98}"/>
+                <a16:creationId xmlns:a16="http://schemas.microsoft.com/office/drawing/2014/main" xmlns="" id="{C736E2C2-565F-4EE7-9A5F-7431CB35BD98}"/>
               </a:ext>
             </a:extLst>
           </p:cNvPr>
@@ -26000,7 +25962,7 @@
           <p:cNvPr id="6" name="Grupo 5">
             <a:extLst>
               <a:ext uri="{FF2B5EF4-FFF2-40B4-BE49-F238E27FC236}">
-                <a16:creationId xmlns="" xmlns:a16="http://schemas.microsoft.com/office/drawing/2014/main" id="{40594550-BD22-4435-80F5-F41248669E21}"/>
+                <a16:creationId xmlns:a16="http://schemas.microsoft.com/office/drawing/2014/main" xmlns="" id="{40594550-BD22-4435-80F5-F41248669E21}"/>
               </a:ext>
             </a:extLst>
           </p:cNvPr>
@@ -26020,7 +25982,7 @@
             <p:cNvPr id="7" name="Rectángulo: esquinas redondeadas 6">
               <a:extLst>
                 <a:ext uri="{FF2B5EF4-FFF2-40B4-BE49-F238E27FC236}">
-                  <a16:creationId xmlns="" xmlns:a16="http://schemas.microsoft.com/office/drawing/2014/main" id="{9A2DA0CB-6191-4382-822F-DC5827B63853}"/>
+                  <a16:creationId xmlns:a16="http://schemas.microsoft.com/office/drawing/2014/main" xmlns="" id="{9A2DA0CB-6191-4382-822F-DC5827B63853}"/>
                 </a:ext>
               </a:extLst>
             </p:cNvPr>
@@ -26071,7 +26033,7 @@
             <p:cNvPr id="8" name="Rectángulo: esquinas redondeadas 4">
               <a:extLst>
                 <a:ext uri="{FF2B5EF4-FFF2-40B4-BE49-F238E27FC236}">
-                  <a16:creationId xmlns="" xmlns:a16="http://schemas.microsoft.com/office/drawing/2014/main" id="{3C60D3E6-A068-4852-8E95-D6A8B9269B0D}"/>
+                  <a16:creationId xmlns:a16="http://schemas.microsoft.com/office/drawing/2014/main" xmlns="" id="{3C60D3E6-A068-4852-8E95-D6A8B9269B0D}"/>
                 </a:ext>
               </a:extLst>
             </p:cNvPr>
@@ -26143,7 +26105,7 @@
           <p:cNvPr id="10" name="Grupo 8">
             <a:extLst>
               <a:ext uri="{FF2B5EF4-FFF2-40B4-BE49-F238E27FC236}">
-                <a16:creationId xmlns="" xmlns:a16="http://schemas.microsoft.com/office/drawing/2014/main" id="{52B5AAD8-ACBB-4329-8510-CDA49D95118F}"/>
+                <a16:creationId xmlns:a16="http://schemas.microsoft.com/office/drawing/2014/main" xmlns="" id="{52B5AAD8-ACBB-4329-8510-CDA49D95118F}"/>
               </a:ext>
             </a:extLst>
           </p:cNvPr>
@@ -26163,7 +26125,7 @@
             <p:cNvPr id="11" name="Rectángulo: esquinas redondeadas 9">
               <a:extLst>
                 <a:ext uri="{FF2B5EF4-FFF2-40B4-BE49-F238E27FC236}">
-                  <a16:creationId xmlns="" xmlns:a16="http://schemas.microsoft.com/office/drawing/2014/main" id="{E6201173-0918-409C-B562-00DF62B351D9}"/>
+                  <a16:creationId xmlns:a16="http://schemas.microsoft.com/office/drawing/2014/main" xmlns="" id="{E6201173-0918-409C-B562-00DF62B351D9}"/>
                 </a:ext>
               </a:extLst>
             </p:cNvPr>
@@ -26214,7 +26176,7 @@
             <p:cNvPr id="12" name="Rectángulo: esquinas redondeadas 4">
               <a:extLst>
                 <a:ext uri="{FF2B5EF4-FFF2-40B4-BE49-F238E27FC236}">
-                  <a16:creationId xmlns="" xmlns:a16="http://schemas.microsoft.com/office/drawing/2014/main" id="{CEBDB7A9-2EAC-4DCD-98F1-1485419E89FF}"/>
+                  <a16:creationId xmlns:a16="http://schemas.microsoft.com/office/drawing/2014/main" xmlns="" id="{CEBDB7A9-2EAC-4DCD-98F1-1485419E89FF}"/>
                 </a:ext>
               </a:extLst>
             </p:cNvPr>
@@ -26286,7 +26248,7 @@
           <p:cNvPr id="13" name="Flecha: doblada hacia arriba 18">
             <a:extLst>
               <a:ext uri="{FF2B5EF4-FFF2-40B4-BE49-F238E27FC236}">
-                <a16:creationId xmlns="" xmlns:a16="http://schemas.microsoft.com/office/drawing/2014/main" id="{D70877CB-6A05-4556-890A-4818810AB680}"/>
+                <a16:creationId xmlns:a16="http://schemas.microsoft.com/office/drawing/2014/main" xmlns="" id="{D70877CB-6A05-4556-890A-4818810AB680}"/>
               </a:ext>
             </a:extLst>
           </p:cNvPr>
@@ -26332,7 +26294,7 @@
           <p:cNvPr id="16" name="Marcador de contenido 3">
             <a:extLst>
               <a:ext uri="{FF2B5EF4-FFF2-40B4-BE49-F238E27FC236}">
-                <a16:creationId xmlns="" xmlns:a16="http://schemas.microsoft.com/office/drawing/2014/main" id="{0A79A359-313C-4D56-B712-2F4711C93092}"/>
+                <a16:creationId xmlns:a16="http://schemas.microsoft.com/office/drawing/2014/main" xmlns="" id="{0A79A359-313C-4D56-B712-2F4711C93092}"/>
               </a:ext>
             </a:extLst>
           </p:cNvPr>
@@ -26342,7 +26304,7 @@
           <p:nvPr>
             <p:extLst>
               <p:ext uri="{D42A27DB-BD31-4B8C-83A1-F6EECF244321}">
-                <p14:modId xmlns:p14="http://schemas.microsoft.com/office/powerpoint/2010/main" xmlns="" val="846018289"/>
+                <p14:modId xmlns="" xmlns:p14="http://schemas.microsoft.com/office/powerpoint/2010/main" val="846018289"/>
               </p:ext>
             </p:extLst>
           </p:nvPr>
@@ -26363,14 +26325,14 @@
                 <a:gridCol w="1939098">
                   <a:extLst>
                     <a:ext uri="{9D8B030D-6E8A-4147-A177-3AD203B41FA5}">
-                      <a16:colId xmlns="" xmlns:a16="http://schemas.microsoft.com/office/drawing/2014/main" val="2335588041"/>
+                      <a16:colId xmlns:a16="http://schemas.microsoft.com/office/drawing/2014/main" xmlns="" val="2335588041"/>
                     </a:ext>
                   </a:extLst>
                 </a:gridCol>
                 <a:gridCol w="1939098">
                   <a:extLst>
                     <a:ext uri="{9D8B030D-6E8A-4147-A177-3AD203B41FA5}">
-                      <a16:colId xmlns="" xmlns:a16="http://schemas.microsoft.com/office/drawing/2014/main" val="1112588493"/>
+                      <a16:colId xmlns:a16="http://schemas.microsoft.com/office/drawing/2014/main" xmlns="" val="1112588493"/>
                     </a:ext>
                   </a:extLst>
                 </a:gridCol>
@@ -26417,11 +26379,11 @@
                       </a:r>
                       <a:r>
                         <a:rPr lang="es-ES" baseline="0" dirty="0" smtClean="0"/>
-                        <a:t> 1 </a:t>
+                        <a:t> </a:t>
                       </a:r>
                       <a:r>
-                        <a:rPr lang="en-US" sz="1800" dirty="0" smtClean="0"/>
-                        <a:t>[0,5)</a:t>
+                        <a:rPr lang="es-ES" baseline="0" dirty="0" smtClean="0"/>
+                        <a:t>1</a:t>
                       </a:r>
                       <a:endParaRPr lang="en-GB" dirty="0" smtClean="0"/>
                     </a:p>
@@ -26456,11 +26418,11 @@
                       </a:r>
                       <a:r>
                         <a:rPr lang="es-ES" dirty="0" smtClean="0"/>
-                        <a:t> 2 </a:t>
+                        <a:t> </a:t>
                       </a:r>
                       <a:r>
-                        <a:rPr lang="en-US" sz="1800" dirty="0" smtClean="0"/>
-                        <a:t>[5,25] </a:t>
+                        <a:rPr lang="es-ES" dirty="0" smtClean="0"/>
+                        <a:t>2</a:t>
                       </a:r>
                       <a:endParaRPr lang="en-GB" dirty="0" smtClean="0"/>
                     </a:p>
@@ -26479,11 +26441,11 @@
                       </a:r>
                       <a:r>
                         <a:rPr lang="en-GB" baseline="0" dirty="0" smtClean="0"/>
-                        <a:t> 3 </a:t>
+                        <a:t> </a:t>
                       </a:r>
                       <a:r>
-                        <a:rPr lang="en-US" sz="1800" dirty="0" smtClean="0"/>
-                        <a:t>(25,∞)</a:t>
+                        <a:rPr lang="en-GB" baseline="0" dirty="0" smtClean="0"/>
+                        <a:t>3</a:t>
                       </a:r>
                       <a:endParaRPr lang="en-GB" dirty="0"/>
                     </a:p>
@@ -26492,7 +26454,7 @@
                 </a:tc>
                 <a:extLst>
                   <a:ext uri="{0D108BD9-81ED-4DB2-BD59-A6C34878D82A}">
-                    <a16:rowId xmlns="" xmlns:a16="http://schemas.microsoft.com/office/drawing/2014/main" val="3992468993"/>
+                    <a16:rowId xmlns:a16="http://schemas.microsoft.com/office/drawing/2014/main" xmlns="" val="3992468993"/>
                   </a:ext>
                 </a:extLst>
               </a:tr>
@@ -26578,7 +26540,7 @@
                 </a:tc>
                 <a:extLst>
                   <a:ext uri="{0D108BD9-81ED-4DB2-BD59-A6C34878D82A}">
-                    <a16:rowId xmlns="" xmlns:a16="http://schemas.microsoft.com/office/drawing/2014/main" val="2024136782"/>
+                    <a16:rowId xmlns:a16="http://schemas.microsoft.com/office/drawing/2014/main" xmlns="" val="2024136782"/>
                   </a:ext>
                 </a:extLst>
               </a:tr>
@@ -26598,7 +26560,7 @@
           <a:blip r:embed="rId2" cstate="print">
             <a:extLst>
               <a:ext uri="{28A0092B-C50C-407E-A947-70E740481C1C}">
-                <a14:useLocalDpi xmlns:a14="http://schemas.microsoft.com/office/drawing/2010/main" xmlns="" val="0"/>
+                <a14:useLocalDpi xmlns="" xmlns:a14="http://schemas.microsoft.com/office/drawing/2010/main" val="0"/>
               </a:ext>
             </a:extLst>
           </a:blip>
@@ -26619,7 +26581,7 @@
     </p:spTree>
     <p:extLst>
       <p:ext uri="{BB962C8B-B14F-4D97-AF65-F5344CB8AC3E}">
-        <p14:creationId xmlns:p14="http://schemas.microsoft.com/office/powerpoint/2010/main" xmlns="" val="1134381640"/>
+        <p14:creationId xmlns="" xmlns:p14="http://schemas.microsoft.com/office/powerpoint/2010/main" val="1134381640"/>
       </p:ext>
     </p:extLst>
   </p:cSld>
@@ -26891,7 +26853,7 @@
   <a:extraClrSchemeLst/>
   <a:extLst>
     <a:ext uri="{05A4C25C-085E-4340-85A3-A5531E510DB2}">
-      <thm15:themeFamily xmlns:thm15="http://schemas.microsoft.com/office/thememl/2012/main" xmlns="" name="Office Theme" id="{62F939B6-93AF-4DB8-9C6B-D6C7DFDC589F}" vid="{4A3C46E8-61CC-4603-A589-7422A47A8E4A}"/>
+      <thm15:themeFamily xmlns="" xmlns:thm15="http://schemas.microsoft.com/office/thememl/2012/main" name="Office Theme" id="{62F939B6-93AF-4DB8-9C6B-D6C7DFDC589F}" vid="{4A3C46E8-61CC-4603-A589-7422A47A8E4A}"/>
     </a:ext>
   </a:extLst>
 </a:theme>
@@ -27152,7 +27114,7 @@
   <a:extraClrSchemeLst/>
   <a:extLst>
     <a:ext uri="{05A4C25C-085E-4340-85A3-A5531E510DB2}">
-      <thm15:themeFamily xmlns:thm15="http://schemas.microsoft.com/office/thememl/2012/main" xmlns="" name="Office Theme" id="{62F939B6-93AF-4DB8-9C6B-D6C7DFDC589F}" vid="{4A3C46E8-61CC-4603-A589-7422A47A8E4A}"/>
+      <thm15:themeFamily xmlns="" xmlns:thm15="http://schemas.microsoft.com/office/thememl/2012/main" name="Office Theme" id="{62F939B6-93AF-4DB8-9C6B-D6C7DFDC589F}" vid="{4A3C46E8-61CC-4603-A589-7422A47A8E4A}"/>
     </a:ext>
   </a:extLst>
 </a:theme>
